--- a/src/azure/architecting-microsoft-azure-solutions.pptx
+++ b/src/azure/architecting-microsoft-azure-solutions.pptx
@@ -5,11 +5,12 @@
     <p:sldMasterId id="2147483684" r:id="rId5"/>
   </p:sldMasterIdLst>
   <p:notesMasterIdLst>
-    <p:notesMasterId r:id="rId8"/>
+    <p:notesMasterId r:id="rId9"/>
   </p:notesMasterIdLst>
   <p:sldIdLst>
     <p:sldId id="536" r:id="rId6"/>
     <p:sldId id="262" r:id="rId7"/>
+    <p:sldId id="537" r:id="rId8"/>
   </p:sldIdLst>
   <p:sldSz cx="21383625" cy="15119350"/>
   <p:notesSz cx="6858000" cy="9144000"/>
@@ -126,6 +127,7 @@
 <p1510:revInfo xmlns:a="http://schemas.openxmlformats.org/drawingml/2006/main" xmlns:r="http://schemas.openxmlformats.org/officeDocument/2006/relationships" xmlns:p1510="http://schemas.microsoft.com/office/powerpoint/2015/10/main">
   <p1510:revLst>
     <p1510:client id="{AC65DF1B-BDBD-4C65-B800-57BC369A3079}" v="3" dt="2018-09-05T12:29:46.195"/>
+    <p1510:client id="{15C3C069-99D8-4210-BE71-84A0F6E1D5B8}" v="3756" dt="2018-09-06T04:14:14.125"/>
   </p1510:revLst>
 </p1510:revInfo>
 </file>
@@ -564,7 +566,7 @@
           <a:p>
             <a:fld id="{D18B56EA-E28F-4F92-9F16-7A6F2501B303}" type="datetime8">
               <a:rPr lang="en-US" smtClean="0"/>
-              <a:t>9/5/2018 5:29 AM</a:t>
+              <a:t>9/5/2018 7:54 PM</a:t>
             </a:fld>
             <a:endParaRPr lang="en-US" dirty="0"/>
           </a:p>
@@ -682,6 +684,90 @@
     <p:extLst>
       <p:ext uri="{BB962C8B-B14F-4D97-AF65-F5344CB8AC3E}">
         <p14:creationId xmlns:p14="http://schemas.microsoft.com/office/powerpoint/2010/main" val="2277482629"/>
+      </p:ext>
+    </p:extLst>
+  </p:cSld>
+  <p:clrMapOvr>
+    <a:masterClrMapping/>
+  </p:clrMapOvr>
+</p:notes>
+</file>
+
+<file path=ppt/notesSlides/notesSlide3.xml><?xml version="1.0" encoding="utf-8"?>
+<p:notes xmlns:a="http://schemas.openxmlformats.org/drawingml/2006/main" xmlns:r="http://schemas.openxmlformats.org/officeDocument/2006/relationships" xmlns:p="http://schemas.openxmlformats.org/presentationml/2006/main">
+  <p:cSld>
+    <p:spTree>
+      <p:nvGrpSpPr>
+        <p:cNvPr id="1" name=""/>
+        <p:cNvGrpSpPr/>
+        <p:nvPr/>
+      </p:nvGrpSpPr>
+      <p:grpSpPr>
+        <a:xfrm>
+          <a:off x="0" y="0"/>
+          <a:ext cx="0" cy="0"/>
+          <a:chOff x="0" y="0"/>
+          <a:chExt cx="0" cy="0"/>
+        </a:xfrm>
+      </p:grpSpPr>
+      <p:sp>
+        <p:nvSpPr>
+          <p:cNvPr id="2" name="Slide Image Placeholder 1"/>
+          <p:cNvSpPr>
+            <a:spLocks noGrp="1" noRot="1" noChangeAspect="1"/>
+          </p:cNvSpPr>
+          <p:nvPr>
+            <p:ph type="sldImg"/>
+          </p:nvPr>
+        </p:nvSpPr>
+        <p:spPr/>
+      </p:sp>
+      <p:sp>
+        <p:nvSpPr>
+          <p:cNvPr id="3" name="Notes Placeholder 2"/>
+          <p:cNvSpPr>
+            <a:spLocks noGrp="1"/>
+          </p:cNvSpPr>
+          <p:nvPr>
+            <p:ph type="body" idx="1"/>
+          </p:nvPr>
+        </p:nvSpPr>
+        <p:spPr/>
+        <p:txBody>
+          <a:bodyPr/>
+          <a:lstStyle/>
+          <a:p>
+            <a:endParaRPr lang="en-CA" dirty="0"/>
+          </a:p>
+        </p:txBody>
+      </p:sp>
+      <p:sp>
+        <p:nvSpPr>
+          <p:cNvPr id="4" name="Slide Number Placeholder 3"/>
+          <p:cNvSpPr>
+            <a:spLocks noGrp="1"/>
+          </p:cNvSpPr>
+          <p:nvPr>
+            <p:ph type="sldNum" sz="quarter" idx="10"/>
+          </p:nvPr>
+        </p:nvSpPr>
+        <p:spPr/>
+        <p:txBody>
+          <a:bodyPr/>
+          <a:lstStyle/>
+          <a:p>
+            <a:fld id="{D426BC86-95D1-4D2A-9927-7C0E5DDC1B26}" type="slidenum">
+              <a:rPr lang="en-CA" smtClean="0"/>
+              <a:t>3</a:t>
+            </a:fld>
+            <a:endParaRPr lang="en-CA"/>
+          </a:p>
+        </p:txBody>
+      </p:sp>
+    </p:spTree>
+    <p:extLst>
+      <p:ext uri="{BB962C8B-B14F-4D97-AF65-F5344CB8AC3E}">
+        <p14:creationId xmlns:p14="http://schemas.microsoft.com/office/powerpoint/2010/main" val="1337589199"/>
       </p:ext>
     </p:extLst>
   </p:cSld>
@@ -7321,10 +7407,10 @@
       </p:sp>
       <p:sp>
         <p:nvSpPr>
-          <p:cNvPr id="306" name="TextBox 305">
+          <p:cNvPr id="401" name="TextBox 400">
             <a:extLst>
               <a:ext uri="{FF2B5EF4-FFF2-40B4-BE49-F238E27FC236}">
-                <a16:creationId xmlns:a16="http://schemas.microsoft.com/office/drawing/2014/main" id="{AC7D678A-326E-4DB3-8AB7-7BAFCFFE4169}"/>
+                <a16:creationId xmlns:a16="http://schemas.microsoft.com/office/drawing/2014/main" id="{F356EB90-2CCE-4484-80DF-21CE8248D902}"/>
               </a:ext>
             </a:extLst>
           </p:cNvPr>
@@ -7332,9 +7418,9 @@
           <p:nvPr/>
         </p:nvSpPr>
         <p:spPr>
-          <a:xfrm>
-            <a:off x="4381805" y="779681"/>
-            <a:ext cx="184731" cy="623119"/>
+          <a:xfrm flipH="1">
+            <a:off x="12773713" y="14699235"/>
+            <a:ext cx="8609912" cy="420115"/>
           </a:xfrm>
           <a:prstGeom prst="rect">
             <a:avLst/>
@@ -7342,16 +7428,5652 @@
           <a:noFill/>
         </p:spPr>
         <p:txBody>
-          <a:bodyPr wrap="none" rtlCol="0">
+          <a:bodyPr wrap="square" lIns="182880" tIns="146304" rIns="182880" bIns="146304" rtlCol="0">
             <a:spAutoFit/>
           </a:bodyPr>
           <a:lstStyle/>
           <a:p>
-            <a:endParaRPr lang="en-CA" dirty="0">
+            <a:pPr algn="r">
+              <a:lnSpc>
+                <a:spcPct val="90000"/>
+              </a:lnSpc>
+              <a:spcAft>
+                <a:spcPts val="600"/>
+              </a:spcAft>
+            </a:pPr>
+            <a:r>
+              <a:rPr lang="en-GB" sz="900" dirty="0">
+                <a:solidFill>
+                  <a:schemeClr val="bg1"/>
+                </a:solidFill>
+              </a:rPr>
+              <a:t>AJATO Transformations Limited | 2018.09 | github.com/wpschaub/Quick-Reference-Posters</a:t>
+            </a:r>
+            <a:endParaRPr lang="en-US" sz="900" dirty="0" err="1">
               <a:solidFill>
-                <a:prstClr val="black"/>
+                <a:schemeClr val="bg1"/>
               </a:solidFill>
-              <a:latin typeface="Calibri" panose="020F0502020204030204"/>
+            </a:endParaRPr>
+          </a:p>
+        </p:txBody>
+      </p:sp>
+      <p:grpSp>
+        <p:nvGrpSpPr>
+          <p:cNvPr id="10" name="Group 9">
+            <a:extLst>
+              <a:ext uri="{FF2B5EF4-FFF2-40B4-BE49-F238E27FC236}">
+                <a16:creationId xmlns:a16="http://schemas.microsoft.com/office/drawing/2014/main" id="{7712C289-F341-4311-A542-7F8DA0F68C96}"/>
+              </a:ext>
+            </a:extLst>
+          </p:cNvPr>
+          <p:cNvGrpSpPr/>
+          <p:nvPr/>
+        </p:nvGrpSpPr>
+        <p:grpSpPr>
+          <a:xfrm>
+            <a:off x="1409999" y="358932"/>
+            <a:ext cx="6096923" cy="2831366"/>
+            <a:chOff x="1105199" y="358932"/>
+            <a:chExt cx="6096923" cy="2831366"/>
+          </a:xfrm>
+        </p:grpSpPr>
+        <p:sp>
+          <p:nvSpPr>
+            <p:cNvPr id="4" name="Rectangle 3">
+              <a:extLst>
+                <a:ext uri="{FF2B5EF4-FFF2-40B4-BE49-F238E27FC236}">
+                  <a16:creationId xmlns:a16="http://schemas.microsoft.com/office/drawing/2014/main" id="{C9B416CB-5EEC-4CB8-A920-6F1B14A42758}"/>
+                </a:ext>
+              </a:extLst>
+            </p:cNvPr>
+            <p:cNvSpPr/>
+            <p:nvPr/>
+          </p:nvSpPr>
+          <p:spPr bwMode="auto">
+            <a:xfrm>
+              <a:off x="1105199" y="358932"/>
+              <a:ext cx="6096923" cy="419904"/>
+            </a:xfrm>
+            <a:prstGeom prst="rect">
+              <a:avLst/>
+            </a:prstGeom>
+            <a:solidFill>
+              <a:srgbClr val="002060"/>
+            </a:solidFill>
+            <a:ln>
+              <a:noFill/>
+              <a:headEnd type="none" w="med" len="med"/>
+              <a:tailEnd type="none" w="med" len="med"/>
+            </a:ln>
+            <a:effectLst/>
+          </p:spPr>
+          <p:style>
+            <a:lnRef idx="1">
+              <a:schemeClr val="accent2"/>
+            </a:lnRef>
+            <a:fillRef idx="3">
+              <a:schemeClr val="accent2"/>
+            </a:fillRef>
+            <a:effectRef idx="2">
+              <a:schemeClr val="accent2"/>
+            </a:effectRef>
+            <a:fontRef idx="minor">
+              <a:schemeClr val="lt1"/>
+            </a:fontRef>
+          </p:style>
+          <p:txBody>
+            <a:bodyPr rot="0" spcFirstLastPara="0" vertOverflow="overflow" horzOverflow="overflow" vert="horz" wrap="square" lIns="0" tIns="72000" rIns="0" bIns="146304" numCol="1" spcCol="0" rtlCol="0" fromWordArt="0" anchor="t" anchorCtr="0" forceAA="0" compatLnSpc="1">
+              <a:prstTxWarp prst="textNoShape">
+                <a:avLst/>
+              </a:prstTxWarp>
+              <a:noAutofit/>
+            </a:bodyPr>
+            <a:lstStyle/>
+            <a:p>
+              <a:pPr algn="ctr" defTabSz="932472" fontAlgn="base">
+                <a:lnSpc>
+                  <a:spcPct val="90000"/>
+                </a:lnSpc>
+                <a:spcBef>
+                  <a:spcPct val="0"/>
+                </a:spcBef>
+                <a:spcAft>
+                  <a:spcPct val="0"/>
+                </a:spcAft>
+              </a:pPr>
+              <a:r>
+                <a:rPr lang="en-CA" sz="2000" dirty="0">
+                  <a:gradFill>
+                    <a:gsLst>
+                      <a:gs pos="0">
+                        <a:srgbClr val="FFFFFF"/>
+                      </a:gs>
+                      <a:gs pos="100000">
+                        <a:srgbClr val="FFFFFF"/>
+                      </a:gs>
+                    </a:gsLst>
+                    <a:lin ang="5400000" scaled="0"/>
+                  </a:gradFill>
+                  <a:ea typeface="Segoe UI" pitchFamily="34" charset="0"/>
+                  <a:cs typeface="Segoe UI" pitchFamily="34" charset="0"/>
+                </a:rPr>
+                <a:t>Infrastructure as a Service (IaaS)</a:t>
+              </a:r>
+            </a:p>
+          </p:txBody>
+        </p:sp>
+        <p:sp>
+          <p:nvSpPr>
+            <p:cNvPr id="306" name="TextBox 305">
+              <a:extLst>
+                <a:ext uri="{FF2B5EF4-FFF2-40B4-BE49-F238E27FC236}">
+                  <a16:creationId xmlns:a16="http://schemas.microsoft.com/office/drawing/2014/main" id="{AC7D678A-326E-4DB3-8AB7-7BAFCFFE4169}"/>
+                </a:ext>
+              </a:extLst>
+            </p:cNvPr>
+            <p:cNvSpPr txBox="1"/>
+            <p:nvPr/>
+          </p:nvSpPr>
+          <p:spPr>
+            <a:xfrm>
+              <a:off x="4215551" y="1495002"/>
+              <a:ext cx="184731" cy="623119"/>
+            </a:xfrm>
+            <a:prstGeom prst="rect">
+              <a:avLst/>
+            </a:prstGeom>
+            <a:noFill/>
+          </p:spPr>
+          <p:txBody>
+            <a:bodyPr wrap="none" rtlCol="0">
+              <a:spAutoFit/>
+            </a:bodyPr>
+            <a:lstStyle/>
+            <a:p>
+              <a:endParaRPr lang="en-CA" dirty="0">
+                <a:solidFill>
+                  <a:prstClr val="black"/>
+                </a:solidFill>
+                <a:latin typeface="Calibri" panose="020F0502020204030204"/>
+              </a:endParaRPr>
+            </a:p>
+          </p:txBody>
+        </p:sp>
+        <p:sp>
+          <p:nvSpPr>
+            <p:cNvPr id="3" name="Rectangle: Rounded Corners 2">
+              <a:extLst>
+                <a:ext uri="{FF2B5EF4-FFF2-40B4-BE49-F238E27FC236}">
+                  <a16:creationId xmlns:a16="http://schemas.microsoft.com/office/drawing/2014/main" id="{D62FB55C-F62D-402E-93FF-39D8B274EC41}"/>
+                </a:ext>
+              </a:extLst>
+            </p:cNvPr>
+            <p:cNvSpPr/>
+            <p:nvPr/>
+          </p:nvSpPr>
+          <p:spPr bwMode="auto">
+            <a:xfrm>
+              <a:off x="1105199" y="881288"/>
+              <a:ext cx="2986571" cy="419904"/>
+            </a:xfrm>
+            <a:prstGeom prst="roundRect">
+              <a:avLst/>
+            </a:prstGeom>
+            <a:solidFill>
+              <a:srgbClr val="0070C0"/>
+            </a:solidFill>
+            <a:ln>
+              <a:solidFill>
+                <a:srgbClr val="0070C0"/>
+              </a:solidFill>
+              <a:headEnd type="none" w="med" len="med"/>
+              <a:tailEnd type="none" w="med" len="med"/>
+            </a:ln>
+            <a:effectLst/>
+          </p:spPr>
+          <p:style>
+            <a:lnRef idx="1">
+              <a:schemeClr val="accent2"/>
+            </a:lnRef>
+            <a:fillRef idx="3">
+              <a:schemeClr val="accent2"/>
+            </a:fillRef>
+            <a:effectRef idx="2">
+              <a:schemeClr val="accent2"/>
+            </a:effectRef>
+            <a:fontRef idx="minor">
+              <a:schemeClr val="lt1"/>
+            </a:fontRef>
+          </p:style>
+          <p:txBody>
+            <a:bodyPr rot="0" spcFirstLastPara="0" vertOverflow="overflow" horzOverflow="overflow" vert="horz" wrap="square" lIns="0" tIns="0" rIns="0" bIns="0" numCol="1" spcCol="0" rtlCol="0" fromWordArt="0" anchor="ctr" anchorCtr="0" forceAA="0" compatLnSpc="1">
+              <a:prstTxWarp prst="textNoShape">
+                <a:avLst/>
+              </a:prstTxWarp>
+              <a:noAutofit/>
+            </a:bodyPr>
+            <a:lstStyle/>
+            <a:p>
+              <a:pPr algn="ctr" defTabSz="932472" fontAlgn="base">
+                <a:lnSpc>
+                  <a:spcPct val="90000"/>
+                </a:lnSpc>
+                <a:spcBef>
+                  <a:spcPct val="0"/>
+                </a:spcBef>
+                <a:spcAft>
+                  <a:spcPct val="0"/>
+                </a:spcAft>
+              </a:pPr>
+              <a:r>
+                <a:rPr lang="en-CA" sz="1600" dirty="0">
+                  <a:gradFill>
+                    <a:gsLst>
+                      <a:gs pos="0">
+                        <a:srgbClr val="FFFFFF"/>
+                      </a:gs>
+                      <a:gs pos="100000">
+                        <a:srgbClr val="FFFFFF"/>
+                      </a:gs>
+                    </a:gsLst>
+                    <a:lin ang="5400000" scaled="0"/>
+                  </a:gradFill>
+                  <a:ea typeface="Segoe UI" pitchFamily="34" charset="0"/>
+                  <a:cs typeface="Segoe UI" pitchFamily="34" charset="0"/>
+                </a:rPr>
+                <a:t>Virtual Machines</a:t>
+              </a:r>
+            </a:p>
+          </p:txBody>
+        </p:sp>
+        <p:sp>
+          <p:nvSpPr>
+            <p:cNvPr id="5" name="Rectangle 4">
+              <a:extLst>
+                <a:ext uri="{FF2B5EF4-FFF2-40B4-BE49-F238E27FC236}">
+                  <a16:creationId xmlns:a16="http://schemas.microsoft.com/office/drawing/2014/main" id="{6969BC61-C127-413B-8ECC-26C62636B730}"/>
+                </a:ext>
+              </a:extLst>
+            </p:cNvPr>
+            <p:cNvSpPr/>
+            <p:nvPr/>
+          </p:nvSpPr>
+          <p:spPr bwMode="auto">
+            <a:xfrm>
+              <a:off x="1105200" y="1237886"/>
+              <a:ext cx="2986570" cy="1952412"/>
+            </a:xfrm>
+            <a:prstGeom prst="rect">
+              <a:avLst/>
+            </a:prstGeom>
+            <a:solidFill>
+              <a:schemeClr val="tx1"/>
+            </a:solidFill>
+            <a:ln>
+              <a:solidFill>
+                <a:srgbClr val="0070C0"/>
+              </a:solidFill>
+              <a:headEnd type="none" w="med" len="med"/>
+              <a:tailEnd type="none" w="med" len="med"/>
+            </a:ln>
+            <a:effectLst/>
+          </p:spPr>
+          <p:style>
+            <a:lnRef idx="1">
+              <a:schemeClr val="accent2"/>
+            </a:lnRef>
+            <a:fillRef idx="3">
+              <a:schemeClr val="accent2"/>
+            </a:fillRef>
+            <a:effectRef idx="2">
+              <a:schemeClr val="accent2"/>
+            </a:effectRef>
+            <a:fontRef idx="minor">
+              <a:schemeClr val="lt1"/>
+            </a:fontRef>
+          </p:style>
+          <p:txBody>
+            <a:bodyPr rot="0" spcFirstLastPara="0" vertOverflow="overflow" horzOverflow="overflow" vert="horz" wrap="square" lIns="36000" tIns="72000" rIns="0" bIns="0" numCol="1" spcCol="0" rtlCol="0" fromWordArt="0" anchor="ctr" anchorCtr="0" forceAA="0" compatLnSpc="1">
+              <a:prstTxWarp prst="textNoShape">
+                <a:avLst/>
+              </a:prstTxWarp>
+              <a:noAutofit/>
+            </a:bodyPr>
+            <a:lstStyle/>
+            <a:p>
+              <a:pPr defTabSz="932472" fontAlgn="base">
+                <a:lnSpc>
+                  <a:spcPct val="90000"/>
+                </a:lnSpc>
+                <a:spcBef>
+                  <a:spcPct val="0"/>
+                </a:spcBef>
+                <a:spcAft>
+                  <a:spcPct val="0"/>
+                </a:spcAft>
+              </a:pPr>
+              <a:r>
+                <a:rPr lang="en-CA" sz="900" b="1" dirty="0">
+                  <a:solidFill>
+                    <a:srgbClr val="0070C0"/>
+                  </a:solidFill>
+                  <a:ea typeface="Segoe UI" pitchFamily="34" charset="0"/>
+                  <a:cs typeface="Segoe UI" pitchFamily="34" charset="0"/>
+                </a:rPr>
+                <a:t>Availability Set</a:t>
+              </a:r>
+            </a:p>
+            <a:p>
+              <a:pPr marL="360363" lvl="1" indent="-184150" defTabSz="932472" fontAlgn="base">
+                <a:lnSpc>
+                  <a:spcPct val="90000"/>
+                </a:lnSpc>
+                <a:spcBef>
+                  <a:spcPct val="0"/>
+                </a:spcBef>
+                <a:spcAft>
+                  <a:spcPct val="0"/>
+                </a:spcAft>
+                <a:buFont typeface="Arial" panose="020B0604020202020204" pitchFamily="34" charset="0"/>
+                <a:buChar char="•"/>
+              </a:pPr>
+              <a:r>
+                <a:rPr lang="en-CA" sz="800" dirty="0">
+                  <a:solidFill>
+                    <a:srgbClr val="0070C0"/>
+                  </a:solidFill>
+                  <a:cs typeface="Segoe UI" pitchFamily="34" charset="0"/>
+                </a:rPr>
+                <a:t>2 fault domains for classic</a:t>
+              </a:r>
+            </a:p>
+            <a:p>
+              <a:pPr marL="360363" lvl="1" indent="-184150" defTabSz="932472" fontAlgn="base">
+                <a:lnSpc>
+                  <a:spcPct val="90000"/>
+                </a:lnSpc>
+                <a:spcBef>
+                  <a:spcPct val="0"/>
+                </a:spcBef>
+                <a:spcAft>
+                  <a:spcPct val="0"/>
+                </a:spcAft>
+                <a:buFont typeface="Arial" panose="020B0604020202020204" pitchFamily="34" charset="0"/>
+                <a:buChar char="•"/>
+              </a:pPr>
+              <a:r>
+                <a:rPr lang="en-CA" sz="800" dirty="0">
+                  <a:solidFill>
+                    <a:srgbClr val="0070C0"/>
+                  </a:solidFill>
+                  <a:cs typeface="Segoe UI" pitchFamily="34" charset="0"/>
+                </a:rPr>
+                <a:t>3 fault domains for Resource Manager deployments</a:t>
+              </a:r>
+            </a:p>
+            <a:p>
+              <a:pPr marL="360363" lvl="1" indent="-184150" defTabSz="932472" fontAlgn="base">
+                <a:lnSpc>
+                  <a:spcPct val="90000"/>
+                </a:lnSpc>
+                <a:spcBef>
+                  <a:spcPct val="0"/>
+                </a:spcBef>
+                <a:spcAft>
+                  <a:spcPct val="0"/>
+                </a:spcAft>
+                <a:buFont typeface="Arial" panose="020B0604020202020204" pitchFamily="34" charset="0"/>
+                <a:buChar char="•"/>
+              </a:pPr>
+              <a:r>
+                <a:rPr lang="en-CA" sz="800" dirty="0">
+                  <a:solidFill>
+                    <a:srgbClr val="0070C0"/>
+                  </a:solidFill>
+                  <a:cs typeface="Segoe UI" pitchFamily="34" charset="0"/>
+                </a:rPr>
+                <a:t>5 update domains</a:t>
+              </a:r>
+            </a:p>
+            <a:p>
+              <a:pPr defTabSz="932472" fontAlgn="base">
+                <a:lnSpc>
+                  <a:spcPct val="90000"/>
+                </a:lnSpc>
+                <a:spcBef>
+                  <a:spcPct val="0"/>
+                </a:spcBef>
+                <a:spcAft>
+                  <a:spcPct val="0"/>
+                </a:spcAft>
+              </a:pPr>
+              <a:r>
+                <a:rPr lang="en-CA" sz="900" b="1" dirty="0">
+                  <a:solidFill>
+                    <a:srgbClr val="0070C0"/>
+                  </a:solidFill>
+                  <a:ea typeface="Segoe UI" pitchFamily="34" charset="0"/>
+                  <a:cs typeface="Segoe UI" pitchFamily="34" charset="0"/>
+                </a:rPr>
+                <a:t>Scale Set</a:t>
+              </a:r>
+            </a:p>
+            <a:p>
+              <a:pPr marL="360363" lvl="1" indent="-184150" defTabSz="932472" fontAlgn="base">
+                <a:lnSpc>
+                  <a:spcPct val="90000"/>
+                </a:lnSpc>
+                <a:spcBef>
+                  <a:spcPct val="0"/>
+                </a:spcBef>
+                <a:spcAft>
+                  <a:spcPct val="0"/>
+                </a:spcAft>
+                <a:buFont typeface="Arial" panose="020B0604020202020204" pitchFamily="34" charset="0"/>
+                <a:buChar char="•"/>
+              </a:pPr>
+              <a:r>
+                <a:rPr lang="en-CA" sz="800" dirty="0">
+                  <a:solidFill>
+                    <a:srgbClr val="0070C0"/>
+                  </a:solidFill>
+                  <a:cs typeface="Segoe UI" pitchFamily="34" charset="0"/>
+                </a:rPr>
+                <a:t>Max 100 VMs</a:t>
+              </a:r>
+            </a:p>
+            <a:p>
+              <a:pPr marL="360363" lvl="1" indent="-184150" defTabSz="932472" fontAlgn="base">
+                <a:lnSpc>
+                  <a:spcPct val="90000"/>
+                </a:lnSpc>
+                <a:spcBef>
+                  <a:spcPct val="0"/>
+                </a:spcBef>
+                <a:spcAft>
+                  <a:spcPct val="0"/>
+                </a:spcAft>
+                <a:buFont typeface="Arial" panose="020B0604020202020204" pitchFamily="34" charset="0"/>
+                <a:buChar char="•"/>
+              </a:pPr>
+              <a:r>
+                <a:rPr lang="en-CA" sz="800" dirty="0">
+                  <a:solidFill>
+                    <a:srgbClr val="0070C0"/>
+                  </a:solidFill>
+                  <a:cs typeface="Segoe UI" pitchFamily="34" charset="0"/>
+                </a:rPr>
+                <a:t>Max 1000 VMs with placement groups (auto scale)</a:t>
+              </a:r>
+            </a:p>
+            <a:p>
+              <a:pPr marL="360363" lvl="1" indent="-184150" defTabSz="932472" fontAlgn="base">
+                <a:lnSpc>
+                  <a:spcPct val="90000"/>
+                </a:lnSpc>
+                <a:spcBef>
+                  <a:spcPct val="0"/>
+                </a:spcBef>
+                <a:spcAft>
+                  <a:spcPct val="0"/>
+                </a:spcAft>
+                <a:buFont typeface="Arial" panose="020B0604020202020204" pitchFamily="34" charset="0"/>
+                <a:buChar char="•"/>
+              </a:pPr>
+              <a:r>
+                <a:rPr lang="en-CA" sz="800" dirty="0">
+                  <a:solidFill>
+                    <a:srgbClr val="0070C0"/>
+                  </a:solidFill>
+                  <a:cs typeface="Segoe UI" pitchFamily="34" charset="0"/>
+                </a:rPr>
+                <a:t>Managed disks needed for large scale sets</a:t>
+              </a:r>
+            </a:p>
+            <a:p>
+              <a:pPr defTabSz="932472" fontAlgn="base">
+                <a:lnSpc>
+                  <a:spcPct val="90000"/>
+                </a:lnSpc>
+                <a:spcBef>
+                  <a:spcPct val="0"/>
+                </a:spcBef>
+                <a:spcAft>
+                  <a:spcPct val="0"/>
+                </a:spcAft>
+              </a:pPr>
+              <a:r>
+                <a:rPr lang="en-CA" sz="900" b="1" dirty="0">
+                  <a:solidFill>
+                    <a:srgbClr val="0070C0"/>
+                  </a:solidFill>
+                  <a:ea typeface="Segoe UI" pitchFamily="34" charset="0"/>
+                  <a:cs typeface="Segoe UI" pitchFamily="34" charset="0"/>
+                </a:rPr>
+                <a:t>VM Series</a:t>
+              </a:r>
+            </a:p>
+            <a:p>
+              <a:pPr marL="360363" lvl="1" indent="-184150" defTabSz="932472" fontAlgn="base">
+                <a:lnSpc>
+                  <a:spcPct val="90000"/>
+                </a:lnSpc>
+                <a:spcBef>
+                  <a:spcPct val="0"/>
+                </a:spcBef>
+                <a:spcAft>
+                  <a:spcPct val="0"/>
+                </a:spcAft>
+                <a:buFont typeface="Arial" panose="020B0604020202020204" pitchFamily="34" charset="0"/>
+                <a:buChar char="•"/>
+              </a:pPr>
+              <a:r>
+                <a:rPr lang="en-CA" sz="800" dirty="0">
+                  <a:solidFill>
+                    <a:srgbClr val="0070C0"/>
+                  </a:solidFill>
+                  <a:ea typeface="Segoe UI" pitchFamily="34" charset="0"/>
+                  <a:cs typeface="Segoe UI" pitchFamily="34" charset="0"/>
+                </a:rPr>
+                <a:t>A 	General purpose</a:t>
+              </a:r>
+            </a:p>
+            <a:p>
+              <a:pPr marL="360363" lvl="1" indent="-184150" defTabSz="932472" fontAlgn="base">
+                <a:lnSpc>
+                  <a:spcPct val="90000"/>
+                </a:lnSpc>
+                <a:spcBef>
+                  <a:spcPct val="0"/>
+                </a:spcBef>
+                <a:spcAft>
+                  <a:spcPct val="0"/>
+                </a:spcAft>
+                <a:buFont typeface="Arial" panose="020B0604020202020204" pitchFamily="34" charset="0"/>
+                <a:buChar char="•"/>
+              </a:pPr>
+              <a:r>
+                <a:rPr lang="en-CA" sz="800" dirty="0">
+                  <a:solidFill>
+                    <a:srgbClr val="0070C0"/>
+                  </a:solidFill>
+                  <a:ea typeface="Segoe UI" pitchFamily="34" charset="0"/>
+                  <a:cs typeface="Segoe UI" pitchFamily="34" charset="0"/>
+                </a:rPr>
+                <a:t>F  	Compute optimised</a:t>
+              </a:r>
+            </a:p>
+            <a:p>
+              <a:pPr marL="360363" lvl="1" indent="-184150" defTabSz="932472" fontAlgn="base">
+                <a:lnSpc>
+                  <a:spcPct val="90000"/>
+                </a:lnSpc>
+                <a:spcBef>
+                  <a:spcPct val="0"/>
+                </a:spcBef>
+                <a:spcAft>
+                  <a:spcPct val="0"/>
+                </a:spcAft>
+                <a:buFont typeface="Arial" panose="020B0604020202020204" pitchFamily="34" charset="0"/>
+                <a:buChar char="•"/>
+              </a:pPr>
+              <a:r>
+                <a:rPr lang="en-CA" sz="800" dirty="0">
+                  <a:solidFill>
+                    <a:srgbClr val="0070C0"/>
+                  </a:solidFill>
+                  <a:ea typeface="Segoe UI" pitchFamily="34" charset="0"/>
+                  <a:cs typeface="Segoe UI" pitchFamily="34" charset="0"/>
+                </a:rPr>
+                <a:t>D,E,G  	Memory optimised</a:t>
+              </a:r>
+            </a:p>
+            <a:p>
+              <a:pPr marL="360363" lvl="1" indent="-184150" defTabSz="932472" fontAlgn="base">
+                <a:lnSpc>
+                  <a:spcPct val="90000"/>
+                </a:lnSpc>
+                <a:spcBef>
+                  <a:spcPct val="0"/>
+                </a:spcBef>
+                <a:spcAft>
+                  <a:spcPct val="0"/>
+                </a:spcAft>
+                <a:buFont typeface="Arial" panose="020B0604020202020204" pitchFamily="34" charset="0"/>
+                <a:buChar char="•"/>
+              </a:pPr>
+              <a:r>
+                <a:rPr lang="en-CA" sz="800" dirty="0">
+                  <a:solidFill>
+                    <a:srgbClr val="0070C0"/>
+                  </a:solidFill>
+                  <a:ea typeface="Segoe UI" pitchFamily="34" charset="0"/>
+                  <a:cs typeface="Segoe UI" pitchFamily="34" charset="0"/>
+                </a:rPr>
+                <a:t>L 	Storage optimised</a:t>
+              </a:r>
+            </a:p>
+            <a:p>
+              <a:pPr marL="360363" lvl="1" indent="-184150" defTabSz="932472" fontAlgn="base">
+                <a:lnSpc>
+                  <a:spcPct val="90000"/>
+                </a:lnSpc>
+                <a:spcBef>
+                  <a:spcPct val="0"/>
+                </a:spcBef>
+                <a:spcAft>
+                  <a:spcPct val="0"/>
+                </a:spcAft>
+                <a:buFont typeface="Arial" panose="020B0604020202020204" pitchFamily="34" charset="0"/>
+                <a:buChar char="•"/>
+              </a:pPr>
+              <a:r>
+                <a:rPr lang="en-CA" sz="800" dirty="0">
+                  <a:solidFill>
+                    <a:srgbClr val="0070C0"/>
+                  </a:solidFill>
+                  <a:ea typeface="Segoe UI" pitchFamily="34" charset="0"/>
+                  <a:cs typeface="Segoe UI" pitchFamily="34" charset="0"/>
+                </a:rPr>
+                <a:t>N	Graphic GPU optimised</a:t>
+              </a:r>
+            </a:p>
+            <a:p>
+              <a:pPr marL="360363" lvl="1" indent="-184150" defTabSz="932472" fontAlgn="base">
+                <a:lnSpc>
+                  <a:spcPct val="90000"/>
+                </a:lnSpc>
+                <a:spcBef>
+                  <a:spcPct val="0"/>
+                </a:spcBef>
+                <a:spcAft>
+                  <a:spcPct val="0"/>
+                </a:spcAft>
+                <a:buFont typeface="Arial" panose="020B0604020202020204" pitchFamily="34" charset="0"/>
+                <a:buChar char="•"/>
+              </a:pPr>
+              <a:r>
+                <a:rPr lang="en-CA" sz="800" dirty="0">
+                  <a:solidFill>
+                    <a:srgbClr val="0070C0"/>
+                  </a:solidFill>
+                  <a:ea typeface="Segoe UI" pitchFamily="34" charset="0"/>
+                  <a:cs typeface="Segoe UI" pitchFamily="34" charset="0"/>
+                </a:rPr>
+                <a:t>H	High performance computing</a:t>
+              </a:r>
+            </a:p>
+          </p:txBody>
+        </p:sp>
+        <p:sp>
+          <p:nvSpPr>
+            <p:cNvPr id="600" name="Rectangle: Rounded Corners 599">
+              <a:extLst>
+                <a:ext uri="{FF2B5EF4-FFF2-40B4-BE49-F238E27FC236}">
+                  <a16:creationId xmlns:a16="http://schemas.microsoft.com/office/drawing/2014/main" id="{7B282F07-0CEF-4F34-8C12-A54EC397A52A}"/>
+                </a:ext>
+              </a:extLst>
+            </p:cNvPr>
+            <p:cNvSpPr/>
+            <p:nvPr/>
+          </p:nvSpPr>
+          <p:spPr bwMode="auto">
+            <a:xfrm>
+              <a:off x="4215551" y="881287"/>
+              <a:ext cx="2986571" cy="419904"/>
+            </a:xfrm>
+            <a:prstGeom prst="roundRect">
+              <a:avLst/>
+            </a:prstGeom>
+            <a:solidFill>
+              <a:srgbClr val="0070C0"/>
+            </a:solidFill>
+            <a:ln>
+              <a:solidFill>
+                <a:srgbClr val="0070C0"/>
+              </a:solidFill>
+              <a:headEnd type="none" w="med" len="med"/>
+              <a:tailEnd type="none" w="med" len="med"/>
+            </a:ln>
+            <a:effectLst/>
+          </p:spPr>
+          <p:style>
+            <a:lnRef idx="1">
+              <a:schemeClr val="accent2"/>
+            </a:lnRef>
+            <a:fillRef idx="3">
+              <a:schemeClr val="accent2"/>
+            </a:fillRef>
+            <a:effectRef idx="2">
+              <a:schemeClr val="accent2"/>
+            </a:effectRef>
+            <a:fontRef idx="minor">
+              <a:schemeClr val="lt1"/>
+            </a:fontRef>
+          </p:style>
+          <p:txBody>
+            <a:bodyPr rot="0" spcFirstLastPara="0" vertOverflow="overflow" horzOverflow="overflow" vert="horz" wrap="square" lIns="0" tIns="0" rIns="0" bIns="0" numCol="1" spcCol="0" rtlCol="0" fromWordArt="0" anchor="ctr" anchorCtr="0" forceAA="0" compatLnSpc="1">
+              <a:prstTxWarp prst="textNoShape">
+                <a:avLst/>
+              </a:prstTxWarp>
+              <a:noAutofit/>
+            </a:bodyPr>
+            <a:lstStyle/>
+            <a:p>
+              <a:pPr algn="ctr" defTabSz="932472" fontAlgn="base">
+                <a:lnSpc>
+                  <a:spcPct val="90000"/>
+                </a:lnSpc>
+                <a:spcBef>
+                  <a:spcPct val="0"/>
+                </a:spcBef>
+                <a:spcAft>
+                  <a:spcPct val="0"/>
+                </a:spcAft>
+              </a:pPr>
+              <a:r>
+                <a:rPr lang="en-CA" sz="1600" dirty="0">
+                  <a:gradFill>
+                    <a:gsLst>
+                      <a:gs pos="0">
+                        <a:srgbClr val="FFFFFF"/>
+                      </a:gs>
+                      <a:gs pos="100000">
+                        <a:srgbClr val="FFFFFF"/>
+                      </a:gs>
+                    </a:gsLst>
+                    <a:lin ang="5400000" scaled="0"/>
+                  </a:gradFill>
+                  <a:ea typeface="Segoe UI" pitchFamily="34" charset="0"/>
+                  <a:cs typeface="Segoe UI" pitchFamily="34" charset="0"/>
+                </a:rPr>
+                <a:t>High Performance Compute</a:t>
+              </a:r>
+            </a:p>
+          </p:txBody>
+        </p:sp>
+        <p:sp>
+          <p:nvSpPr>
+            <p:cNvPr id="601" name="Rectangle 600">
+              <a:extLst>
+                <a:ext uri="{FF2B5EF4-FFF2-40B4-BE49-F238E27FC236}">
+                  <a16:creationId xmlns:a16="http://schemas.microsoft.com/office/drawing/2014/main" id="{138DBC82-CED9-488F-8006-AE6700ABAEB4}"/>
+                </a:ext>
+              </a:extLst>
+            </p:cNvPr>
+            <p:cNvSpPr/>
+            <p:nvPr/>
+          </p:nvSpPr>
+          <p:spPr bwMode="auto">
+            <a:xfrm>
+              <a:off x="4215552" y="1237886"/>
+              <a:ext cx="2986570" cy="1952412"/>
+            </a:xfrm>
+            <a:prstGeom prst="rect">
+              <a:avLst/>
+            </a:prstGeom>
+            <a:solidFill>
+              <a:schemeClr val="tx1"/>
+            </a:solidFill>
+            <a:ln>
+              <a:solidFill>
+                <a:srgbClr val="0070C0"/>
+              </a:solidFill>
+              <a:headEnd type="none" w="med" len="med"/>
+              <a:tailEnd type="none" w="med" len="med"/>
+            </a:ln>
+            <a:effectLst/>
+          </p:spPr>
+          <p:style>
+            <a:lnRef idx="1">
+              <a:schemeClr val="accent2"/>
+            </a:lnRef>
+            <a:fillRef idx="3">
+              <a:schemeClr val="accent2"/>
+            </a:fillRef>
+            <a:effectRef idx="2">
+              <a:schemeClr val="accent2"/>
+            </a:effectRef>
+            <a:fontRef idx="minor">
+              <a:schemeClr val="lt1"/>
+            </a:fontRef>
+          </p:style>
+          <p:txBody>
+            <a:bodyPr rot="0" spcFirstLastPara="0" vertOverflow="overflow" horzOverflow="overflow" vert="horz" wrap="square" lIns="36000" tIns="72000" rIns="0" bIns="0" numCol="1" spcCol="0" rtlCol="0" fromWordArt="0" anchor="ctr" anchorCtr="0" forceAA="0" compatLnSpc="1">
+              <a:prstTxWarp prst="textNoShape">
+                <a:avLst/>
+              </a:prstTxWarp>
+              <a:noAutofit/>
+            </a:bodyPr>
+            <a:lstStyle/>
+            <a:p>
+              <a:pPr defTabSz="932472" fontAlgn="base">
+                <a:lnSpc>
+                  <a:spcPct val="90000"/>
+                </a:lnSpc>
+                <a:spcBef>
+                  <a:spcPct val="0"/>
+                </a:spcBef>
+                <a:spcAft>
+                  <a:spcPct val="0"/>
+                </a:spcAft>
+              </a:pPr>
+              <a:r>
+                <a:rPr lang="en-CA" sz="900" b="1" dirty="0">
+                  <a:solidFill>
+                    <a:srgbClr val="0070C0"/>
+                  </a:solidFill>
+                  <a:ea typeface="Segoe UI" pitchFamily="34" charset="0"/>
+                  <a:cs typeface="Segoe UI" pitchFamily="34" charset="0"/>
+                </a:rPr>
+                <a:t>HPC Workload Series</a:t>
+              </a:r>
+            </a:p>
+            <a:p>
+              <a:pPr marL="360363" lvl="1" indent="-184150" defTabSz="932472" fontAlgn="base">
+                <a:lnSpc>
+                  <a:spcPct val="90000"/>
+                </a:lnSpc>
+                <a:spcBef>
+                  <a:spcPct val="0"/>
+                </a:spcBef>
+                <a:spcAft>
+                  <a:spcPct val="0"/>
+                </a:spcAft>
+                <a:buFont typeface="Arial" panose="020B0604020202020204" pitchFamily="34" charset="0"/>
+                <a:buChar char="•"/>
+              </a:pPr>
+              <a:r>
+                <a:rPr lang="en-CA" sz="800" dirty="0">
+                  <a:solidFill>
+                    <a:srgbClr val="0070C0"/>
+                  </a:solidFill>
+                  <a:ea typeface="Segoe UI" pitchFamily="34" charset="0"/>
+                  <a:cs typeface="Segoe UI" pitchFamily="34" charset="0"/>
+                </a:rPr>
+                <a:t>A 	General purpose</a:t>
+              </a:r>
+            </a:p>
+            <a:p>
+              <a:pPr marL="360363" lvl="1" indent="-184150" defTabSz="932472" fontAlgn="base">
+                <a:lnSpc>
+                  <a:spcPct val="90000"/>
+                </a:lnSpc>
+                <a:spcBef>
+                  <a:spcPct val="0"/>
+                </a:spcBef>
+                <a:spcAft>
+                  <a:spcPct val="0"/>
+                </a:spcAft>
+                <a:buFont typeface="Arial" panose="020B0604020202020204" pitchFamily="34" charset="0"/>
+                <a:buChar char="•"/>
+              </a:pPr>
+              <a:r>
+                <a:rPr lang="en-CA" sz="800" dirty="0">
+                  <a:solidFill>
+                    <a:srgbClr val="0070C0"/>
+                  </a:solidFill>
+                  <a:ea typeface="Segoe UI" pitchFamily="34" charset="0"/>
+                  <a:cs typeface="Segoe UI" pitchFamily="34" charset="0"/>
+                </a:rPr>
+                <a:t>N	Graphic GPU optimised</a:t>
+              </a:r>
+            </a:p>
+            <a:p>
+              <a:pPr marL="360363" lvl="1" indent="-184150" defTabSz="932472" fontAlgn="base">
+                <a:lnSpc>
+                  <a:spcPct val="90000"/>
+                </a:lnSpc>
+                <a:spcBef>
+                  <a:spcPct val="0"/>
+                </a:spcBef>
+                <a:spcAft>
+                  <a:spcPct val="0"/>
+                </a:spcAft>
+                <a:buFont typeface="Arial" panose="020B0604020202020204" pitchFamily="34" charset="0"/>
+                <a:buChar char="•"/>
+              </a:pPr>
+              <a:r>
+                <a:rPr lang="en-CA" sz="800" dirty="0">
+                  <a:solidFill>
+                    <a:srgbClr val="0070C0"/>
+                  </a:solidFill>
+                  <a:ea typeface="Segoe UI" pitchFamily="34" charset="0"/>
+                  <a:cs typeface="Segoe UI" pitchFamily="34" charset="0"/>
+                </a:rPr>
+                <a:t>H	High performance computing</a:t>
+              </a:r>
+              <a:endParaRPr lang="en-CA" sz="900" dirty="0">
+                <a:solidFill>
+                  <a:srgbClr val="0070C0"/>
+                </a:solidFill>
+                <a:ea typeface="Segoe UI" pitchFamily="34" charset="0"/>
+                <a:cs typeface="Segoe UI" pitchFamily="34" charset="0"/>
+              </a:endParaRPr>
+            </a:p>
+            <a:p>
+              <a:pPr defTabSz="932472" fontAlgn="base">
+                <a:lnSpc>
+                  <a:spcPct val="90000"/>
+                </a:lnSpc>
+                <a:spcBef>
+                  <a:spcPct val="0"/>
+                </a:spcBef>
+                <a:spcAft>
+                  <a:spcPct val="0"/>
+                </a:spcAft>
+              </a:pPr>
+              <a:r>
+                <a:rPr lang="en-CA" sz="900" b="1" dirty="0">
+                  <a:solidFill>
+                    <a:srgbClr val="0070C0"/>
+                  </a:solidFill>
+                  <a:ea typeface="Segoe UI" pitchFamily="34" charset="0"/>
+                  <a:cs typeface="Segoe UI" pitchFamily="34" charset="0"/>
+                </a:rPr>
+                <a:t>HPC Pack</a:t>
+              </a:r>
+            </a:p>
+            <a:p>
+              <a:pPr marL="360363" lvl="1" indent="-184150" defTabSz="932472" fontAlgn="base">
+                <a:lnSpc>
+                  <a:spcPct val="90000"/>
+                </a:lnSpc>
+                <a:spcBef>
+                  <a:spcPct val="0"/>
+                </a:spcBef>
+                <a:spcAft>
+                  <a:spcPct val="0"/>
+                </a:spcAft>
+                <a:buFont typeface="Arial" panose="020B0604020202020204" pitchFamily="34" charset="0"/>
+                <a:buChar char="•"/>
+              </a:pPr>
+              <a:r>
+                <a:rPr lang="en-CA" sz="800" dirty="0">
+                  <a:solidFill>
+                    <a:srgbClr val="0070C0"/>
+                  </a:solidFill>
+                  <a:ea typeface="Segoe UI" pitchFamily="34" charset="0"/>
+                  <a:cs typeface="Segoe UI" pitchFamily="34" charset="0"/>
+                </a:rPr>
+                <a:t>Windows Server 2012, 2016, and Linux</a:t>
+              </a:r>
+            </a:p>
+            <a:p>
+              <a:pPr marL="360363" lvl="1" indent="-184150" defTabSz="932472" fontAlgn="base">
+                <a:lnSpc>
+                  <a:spcPct val="90000"/>
+                </a:lnSpc>
+                <a:spcBef>
+                  <a:spcPct val="0"/>
+                </a:spcBef>
+                <a:spcAft>
+                  <a:spcPct val="0"/>
+                </a:spcAft>
+                <a:buFont typeface="Arial" panose="020B0604020202020204" pitchFamily="34" charset="0"/>
+                <a:buChar char="•"/>
+              </a:pPr>
+              <a:r>
+                <a:rPr lang="en-CA" sz="800" dirty="0">
+                  <a:solidFill>
+                    <a:srgbClr val="0070C0"/>
+                  </a:solidFill>
+                  <a:ea typeface="Segoe UI" pitchFamily="34" charset="0"/>
+                  <a:cs typeface="Segoe UI" pitchFamily="34" charset="0"/>
+                </a:rPr>
+                <a:t>Create HPC clusters on-prem</a:t>
+              </a:r>
+            </a:p>
+            <a:p>
+              <a:pPr defTabSz="932472" fontAlgn="base">
+                <a:lnSpc>
+                  <a:spcPct val="90000"/>
+                </a:lnSpc>
+                <a:spcBef>
+                  <a:spcPct val="0"/>
+                </a:spcBef>
+                <a:spcAft>
+                  <a:spcPct val="0"/>
+                </a:spcAft>
+              </a:pPr>
+              <a:r>
+                <a:rPr lang="en-CA" sz="900" b="1" dirty="0">
+                  <a:solidFill>
+                    <a:srgbClr val="0070C0"/>
+                  </a:solidFill>
+                  <a:ea typeface="Segoe UI" pitchFamily="34" charset="0"/>
+                  <a:cs typeface="Segoe UI" pitchFamily="34" charset="0"/>
+                </a:rPr>
+                <a:t>Cloud-native HPC solution</a:t>
+              </a:r>
+            </a:p>
+            <a:p>
+              <a:pPr marL="360363" lvl="1" indent="-184150" defTabSz="932472" fontAlgn="base">
+                <a:lnSpc>
+                  <a:spcPct val="90000"/>
+                </a:lnSpc>
+                <a:spcBef>
+                  <a:spcPct val="0"/>
+                </a:spcBef>
+                <a:spcAft>
+                  <a:spcPct val="0"/>
+                </a:spcAft>
+                <a:buFont typeface="Arial" panose="020B0604020202020204" pitchFamily="34" charset="0"/>
+                <a:buChar char="•"/>
+              </a:pPr>
+              <a:r>
+                <a:rPr lang="en-CA" sz="800" dirty="0">
+                  <a:solidFill>
+                    <a:srgbClr val="0070C0"/>
+                  </a:solidFill>
+                  <a:ea typeface="Segoe UI" pitchFamily="34" charset="0"/>
+                  <a:cs typeface="Segoe UI" pitchFamily="34" charset="0"/>
+                </a:rPr>
+                <a:t>HPC head node and compute nodes</a:t>
+              </a:r>
+            </a:p>
+            <a:p>
+              <a:pPr marL="360363" lvl="1" indent="-184150" defTabSz="932472" fontAlgn="base">
+                <a:lnSpc>
+                  <a:spcPct val="90000"/>
+                </a:lnSpc>
+                <a:spcBef>
+                  <a:spcPct val="0"/>
+                </a:spcBef>
+                <a:spcAft>
+                  <a:spcPct val="0"/>
+                </a:spcAft>
+                <a:buFont typeface="Arial" panose="020B0604020202020204" pitchFamily="34" charset="0"/>
+                <a:buChar char="•"/>
+              </a:pPr>
+              <a:r>
+                <a:rPr lang="en-CA" sz="800" dirty="0">
+                  <a:solidFill>
+                    <a:srgbClr val="0070C0"/>
+                  </a:solidFill>
+                  <a:ea typeface="Segoe UI" pitchFamily="34" charset="0"/>
+                  <a:cs typeface="Segoe UI" pitchFamily="34" charset="0"/>
+                </a:rPr>
+                <a:t>Virtual Machine Scale Sets (VMSS)</a:t>
+              </a:r>
+            </a:p>
+            <a:p>
+              <a:pPr marL="360363" lvl="1" indent="-184150" defTabSz="932472" fontAlgn="base">
+                <a:lnSpc>
+                  <a:spcPct val="90000"/>
+                </a:lnSpc>
+                <a:spcBef>
+                  <a:spcPct val="0"/>
+                </a:spcBef>
+                <a:spcAft>
+                  <a:spcPct val="0"/>
+                </a:spcAft>
+                <a:buFont typeface="Arial" panose="020B0604020202020204" pitchFamily="34" charset="0"/>
+                <a:buChar char="•"/>
+              </a:pPr>
+              <a:r>
+                <a:rPr lang="en-CA" sz="800" dirty="0">
+                  <a:solidFill>
+                    <a:srgbClr val="0070C0"/>
+                  </a:solidFill>
+                  <a:ea typeface="Segoe UI" pitchFamily="34" charset="0"/>
+                  <a:cs typeface="Segoe UI" pitchFamily="34" charset="0"/>
+                </a:rPr>
+                <a:t>VMs using RDMA are placed in same VMSS</a:t>
+              </a:r>
+            </a:p>
+            <a:p>
+              <a:pPr marL="360363" lvl="1" indent="-184150" defTabSz="932472" fontAlgn="base">
+                <a:lnSpc>
+                  <a:spcPct val="90000"/>
+                </a:lnSpc>
+                <a:spcBef>
+                  <a:spcPct val="0"/>
+                </a:spcBef>
+                <a:spcAft>
+                  <a:spcPct val="0"/>
+                </a:spcAft>
+                <a:buFont typeface="Arial" panose="020B0604020202020204" pitchFamily="34" charset="0"/>
+                <a:buChar char="•"/>
+              </a:pPr>
+              <a:r>
+                <a:rPr lang="en-CA" sz="800" dirty="0">
+                  <a:solidFill>
+                    <a:srgbClr val="0070C0"/>
+                  </a:solidFill>
+                  <a:ea typeface="Segoe UI" pitchFamily="34" charset="0"/>
+                  <a:cs typeface="Segoe UI" pitchFamily="34" charset="0"/>
+                </a:rPr>
+                <a:t>Virtual Network</a:t>
+              </a:r>
+            </a:p>
+            <a:p>
+              <a:pPr marL="360363" lvl="1" indent="-184150" defTabSz="932472" fontAlgn="base">
+                <a:lnSpc>
+                  <a:spcPct val="90000"/>
+                </a:lnSpc>
+                <a:spcBef>
+                  <a:spcPct val="0"/>
+                </a:spcBef>
+                <a:spcAft>
+                  <a:spcPct val="0"/>
+                </a:spcAft>
+                <a:buFont typeface="Arial" panose="020B0604020202020204" pitchFamily="34" charset="0"/>
+                <a:buChar char="•"/>
+              </a:pPr>
+              <a:r>
+                <a:rPr lang="en-CA" sz="800" dirty="0">
+                  <a:solidFill>
+                    <a:srgbClr val="0070C0"/>
+                  </a:solidFill>
+                  <a:ea typeface="Segoe UI" pitchFamily="34" charset="0"/>
+                  <a:cs typeface="Segoe UI" pitchFamily="34" charset="0"/>
+                </a:rPr>
+                <a:t>Azure Blob Storage for node disks</a:t>
+              </a:r>
+            </a:p>
+            <a:p>
+              <a:pPr defTabSz="932472" fontAlgn="base">
+                <a:lnSpc>
+                  <a:spcPct val="90000"/>
+                </a:lnSpc>
+                <a:spcBef>
+                  <a:spcPct val="0"/>
+                </a:spcBef>
+                <a:spcAft>
+                  <a:spcPct val="0"/>
+                </a:spcAft>
+              </a:pPr>
+              <a:r>
+                <a:rPr lang="en-CA" sz="900" b="1" dirty="0">
+                  <a:solidFill>
+                    <a:srgbClr val="0070C0"/>
+                  </a:solidFill>
+                  <a:ea typeface="Segoe UI" pitchFamily="34" charset="0"/>
+                  <a:cs typeface="Segoe UI" pitchFamily="34" charset="0"/>
+                </a:rPr>
+                <a:t>Hybrid HPC solution</a:t>
+              </a:r>
+            </a:p>
+            <a:p>
+              <a:pPr marL="347663" lvl="1" indent="-171450" defTabSz="932472" fontAlgn="base">
+                <a:lnSpc>
+                  <a:spcPct val="90000"/>
+                </a:lnSpc>
+                <a:spcBef>
+                  <a:spcPct val="0"/>
+                </a:spcBef>
+                <a:spcAft>
+                  <a:spcPct val="0"/>
+                </a:spcAft>
+                <a:buFont typeface="Segoe UI" panose="020B0502040204020203" pitchFamily="34" charset="0"/>
+                <a:buChar char="+"/>
+              </a:pPr>
+              <a:r>
+                <a:rPr lang="en-CA" sz="800" dirty="0">
+                  <a:solidFill>
+                    <a:srgbClr val="0070C0"/>
+                  </a:solidFill>
+                  <a:ea typeface="Segoe UI" pitchFamily="34" charset="0"/>
+                  <a:cs typeface="Segoe UI" pitchFamily="34" charset="0"/>
+                </a:rPr>
+                <a:t>ExpressRoute to connect cloud with on-prem</a:t>
+              </a:r>
+            </a:p>
+            <a:p>
+              <a:pPr marL="347663" lvl="1" indent="-171450" defTabSz="932472" fontAlgn="base">
+                <a:lnSpc>
+                  <a:spcPct val="90000"/>
+                </a:lnSpc>
+                <a:spcBef>
+                  <a:spcPct val="0"/>
+                </a:spcBef>
+                <a:spcAft>
+                  <a:spcPct val="0"/>
+                </a:spcAft>
+                <a:buFont typeface="Segoe UI" panose="020B0502040204020203" pitchFamily="34" charset="0"/>
+                <a:buChar char="+"/>
+              </a:pPr>
+              <a:r>
+                <a:rPr lang="en-CA" sz="800" dirty="0">
+                  <a:solidFill>
+                    <a:srgbClr val="0070C0"/>
+                  </a:solidFill>
+                  <a:ea typeface="Segoe UI" pitchFamily="34" charset="0"/>
+                  <a:cs typeface="Segoe UI" pitchFamily="34" charset="0"/>
+                </a:rPr>
+                <a:t>VPN Gateway endpoint between cloud and on-prem</a:t>
+              </a:r>
+            </a:p>
+            <a:p>
+              <a:pPr indent="-699808" defTabSz="932472" fontAlgn="base">
+                <a:lnSpc>
+                  <a:spcPct val="90000"/>
+                </a:lnSpc>
+                <a:spcBef>
+                  <a:spcPct val="0"/>
+                </a:spcBef>
+                <a:spcAft>
+                  <a:spcPct val="0"/>
+                </a:spcAft>
+              </a:pPr>
+              <a:endParaRPr lang="en-CA" sz="900" dirty="0">
+                <a:solidFill>
+                  <a:srgbClr val="0070C0"/>
+                </a:solidFill>
+                <a:ea typeface="Segoe UI" pitchFamily="34" charset="0"/>
+                <a:cs typeface="Segoe UI" pitchFamily="34" charset="0"/>
+              </a:endParaRPr>
+            </a:p>
+          </p:txBody>
+        </p:sp>
+      </p:grpSp>
+      <p:pic>
+        <p:nvPicPr>
+          <p:cNvPr id="6" name="Picture 5">
+            <a:extLst>
+              <a:ext uri="{FF2B5EF4-FFF2-40B4-BE49-F238E27FC236}">
+                <a16:creationId xmlns:a16="http://schemas.microsoft.com/office/drawing/2014/main" id="{4A4EDF68-1FD6-401D-AABF-E144FBECD51A}"/>
+              </a:ext>
+            </a:extLst>
+          </p:cNvPr>
+          <p:cNvPicPr>
+            <a:picLocks noChangeAspect="1"/>
+          </p:cNvPicPr>
+          <p:nvPr/>
+        </p:nvPicPr>
+        <p:blipFill>
+          <a:blip r:embed="rId3">
+            <a:extLst>
+              <a:ext uri="{28A0092B-C50C-407E-A947-70E740481C1C}">
+                <a14:useLocalDpi xmlns:a14="http://schemas.microsoft.com/office/drawing/2010/main" val="0"/>
+              </a:ext>
+              <a:ext uri="{837473B0-CC2E-450A-ABE3-18F120FF3D39}">
+                <a1611:picAttrSrcUrl xmlns:a1611="http://schemas.microsoft.com/office/drawing/2016/11/main" r:id="rId4"/>
+              </a:ext>
+            </a:extLst>
+          </a:blip>
+          <a:stretch>
+            <a:fillRect/>
+          </a:stretch>
+        </p:blipFill>
+        <p:spPr>
+          <a:xfrm>
+            <a:off x="5292306" y="7713214"/>
+            <a:ext cx="9982821" cy="3150828"/>
+          </a:xfrm>
+          <a:prstGeom prst="rect">
+            <a:avLst/>
+          </a:prstGeom>
+        </p:spPr>
+      </p:pic>
+      <p:grpSp>
+        <p:nvGrpSpPr>
+          <p:cNvPr id="9" name="Group 8">
+            <a:extLst>
+              <a:ext uri="{FF2B5EF4-FFF2-40B4-BE49-F238E27FC236}">
+                <a16:creationId xmlns:a16="http://schemas.microsoft.com/office/drawing/2014/main" id="{203945F3-E18C-4F48-BB80-BDB27BB66B38}"/>
+              </a:ext>
+            </a:extLst>
+          </p:cNvPr>
+          <p:cNvGrpSpPr/>
+          <p:nvPr/>
+        </p:nvGrpSpPr>
+        <p:grpSpPr>
+          <a:xfrm>
+            <a:off x="8153518" y="358932"/>
+            <a:ext cx="6079008" cy="5287022"/>
+            <a:chOff x="7454594" y="358932"/>
+            <a:chExt cx="6079008" cy="5287022"/>
+          </a:xfrm>
+        </p:grpSpPr>
+        <p:sp>
+          <p:nvSpPr>
+            <p:cNvPr id="12" name="Rectangle 11">
+              <a:extLst>
+                <a:ext uri="{FF2B5EF4-FFF2-40B4-BE49-F238E27FC236}">
+                  <a16:creationId xmlns:a16="http://schemas.microsoft.com/office/drawing/2014/main" id="{4C46CE57-2D5D-473B-AEA9-78EC6E303A9F}"/>
+                </a:ext>
+              </a:extLst>
+            </p:cNvPr>
+            <p:cNvSpPr/>
+            <p:nvPr/>
+          </p:nvSpPr>
+          <p:spPr bwMode="auto">
+            <a:xfrm>
+              <a:off x="7454594" y="358932"/>
+              <a:ext cx="6079008" cy="419904"/>
+            </a:xfrm>
+            <a:prstGeom prst="rect">
+              <a:avLst/>
+            </a:prstGeom>
+            <a:solidFill>
+              <a:srgbClr val="002060"/>
+            </a:solidFill>
+            <a:ln>
+              <a:noFill/>
+              <a:headEnd type="none" w="med" len="med"/>
+              <a:tailEnd type="none" w="med" len="med"/>
+            </a:ln>
+            <a:effectLst/>
+          </p:spPr>
+          <p:style>
+            <a:lnRef idx="1">
+              <a:schemeClr val="accent2"/>
+            </a:lnRef>
+            <a:fillRef idx="3">
+              <a:schemeClr val="accent2"/>
+            </a:fillRef>
+            <a:effectRef idx="2">
+              <a:schemeClr val="accent2"/>
+            </a:effectRef>
+            <a:fontRef idx="minor">
+              <a:schemeClr val="lt1"/>
+            </a:fontRef>
+          </p:style>
+          <p:txBody>
+            <a:bodyPr rot="0" spcFirstLastPara="0" vertOverflow="overflow" horzOverflow="overflow" vert="horz" wrap="square" lIns="0" tIns="72000" rIns="0" bIns="146304" numCol="1" spcCol="0" rtlCol="0" fromWordArt="0" anchor="t" anchorCtr="0" forceAA="0" compatLnSpc="1">
+              <a:prstTxWarp prst="textNoShape">
+                <a:avLst/>
+              </a:prstTxWarp>
+              <a:noAutofit/>
+            </a:bodyPr>
+            <a:lstStyle/>
+            <a:p>
+              <a:pPr algn="ctr" defTabSz="932472" fontAlgn="base">
+                <a:lnSpc>
+                  <a:spcPct val="90000"/>
+                </a:lnSpc>
+                <a:spcBef>
+                  <a:spcPct val="0"/>
+                </a:spcBef>
+                <a:spcAft>
+                  <a:spcPct val="0"/>
+                </a:spcAft>
+              </a:pPr>
+              <a:r>
+                <a:rPr lang="en-CA" sz="2000" dirty="0">
+                  <a:gradFill>
+                    <a:gsLst>
+                      <a:gs pos="0">
+                        <a:srgbClr val="FFFFFF"/>
+                      </a:gs>
+                      <a:gs pos="100000">
+                        <a:srgbClr val="FFFFFF"/>
+                      </a:gs>
+                    </a:gsLst>
+                    <a:lin ang="5400000" scaled="0"/>
+                  </a:gradFill>
+                  <a:ea typeface="Segoe UI" pitchFamily="34" charset="0"/>
+                  <a:cs typeface="Segoe UI" pitchFamily="34" charset="0"/>
+                </a:rPr>
+                <a:t>Azure Web Apps</a:t>
+              </a:r>
+            </a:p>
+          </p:txBody>
+        </p:sp>
+        <p:sp>
+          <p:nvSpPr>
+            <p:cNvPr id="13" name="Rectangle: Rounded Corners 12">
+              <a:extLst>
+                <a:ext uri="{FF2B5EF4-FFF2-40B4-BE49-F238E27FC236}">
+                  <a16:creationId xmlns:a16="http://schemas.microsoft.com/office/drawing/2014/main" id="{A436E13A-4C21-4A38-AD37-42815312E527}"/>
+                </a:ext>
+              </a:extLst>
+            </p:cNvPr>
+            <p:cNvSpPr/>
+            <p:nvPr/>
+          </p:nvSpPr>
+          <p:spPr bwMode="auto">
+            <a:xfrm>
+              <a:off x="7454595" y="881288"/>
+              <a:ext cx="2986571" cy="419904"/>
+            </a:xfrm>
+            <a:prstGeom prst="roundRect">
+              <a:avLst/>
+            </a:prstGeom>
+            <a:solidFill>
+              <a:srgbClr val="0070C0"/>
+            </a:solidFill>
+            <a:ln>
+              <a:solidFill>
+                <a:srgbClr val="0070C0"/>
+              </a:solidFill>
+              <a:headEnd type="none" w="med" len="med"/>
+              <a:tailEnd type="none" w="med" len="med"/>
+            </a:ln>
+            <a:effectLst/>
+          </p:spPr>
+          <p:style>
+            <a:lnRef idx="1">
+              <a:schemeClr val="accent2"/>
+            </a:lnRef>
+            <a:fillRef idx="3">
+              <a:schemeClr val="accent2"/>
+            </a:fillRef>
+            <a:effectRef idx="2">
+              <a:schemeClr val="accent2"/>
+            </a:effectRef>
+            <a:fontRef idx="minor">
+              <a:schemeClr val="lt1"/>
+            </a:fontRef>
+          </p:style>
+          <p:txBody>
+            <a:bodyPr rot="0" spcFirstLastPara="0" vertOverflow="overflow" horzOverflow="overflow" vert="horz" wrap="square" lIns="0" tIns="0" rIns="0" bIns="0" numCol="1" spcCol="0" rtlCol="0" fromWordArt="0" anchor="ctr" anchorCtr="0" forceAA="0" compatLnSpc="1">
+              <a:prstTxWarp prst="textNoShape">
+                <a:avLst/>
+              </a:prstTxWarp>
+              <a:noAutofit/>
+            </a:bodyPr>
+            <a:lstStyle/>
+            <a:p>
+              <a:pPr algn="ctr" defTabSz="932472" fontAlgn="base">
+                <a:lnSpc>
+                  <a:spcPct val="90000"/>
+                </a:lnSpc>
+                <a:spcBef>
+                  <a:spcPct val="0"/>
+                </a:spcBef>
+                <a:spcAft>
+                  <a:spcPct val="0"/>
+                </a:spcAft>
+              </a:pPr>
+              <a:r>
+                <a:rPr lang="en-CA" sz="1600" dirty="0">
+                  <a:gradFill>
+                    <a:gsLst>
+                      <a:gs pos="0">
+                        <a:srgbClr val="FFFFFF"/>
+                      </a:gs>
+                      <a:gs pos="100000">
+                        <a:srgbClr val="FFFFFF"/>
+                      </a:gs>
+                    </a:gsLst>
+                    <a:lin ang="5400000" scaled="0"/>
+                  </a:gradFill>
+                  <a:ea typeface="Segoe UI" pitchFamily="34" charset="0"/>
+                  <a:cs typeface="Segoe UI" pitchFamily="34" charset="0"/>
+                </a:rPr>
+                <a:t>App Service Plans</a:t>
+              </a:r>
+            </a:p>
+          </p:txBody>
+        </p:sp>
+        <p:sp>
+          <p:nvSpPr>
+            <p:cNvPr id="14" name="Rectangle 13">
+              <a:extLst>
+                <a:ext uri="{FF2B5EF4-FFF2-40B4-BE49-F238E27FC236}">
+                  <a16:creationId xmlns:a16="http://schemas.microsoft.com/office/drawing/2014/main" id="{EF27EA35-16E0-44BC-9F74-529E1B371124}"/>
+                </a:ext>
+              </a:extLst>
+            </p:cNvPr>
+            <p:cNvSpPr/>
+            <p:nvPr/>
+          </p:nvSpPr>
+          <p:spPr bwMode="auto">
+            <a:xfrm>
+              <a:off x="7454596" y="1237886"/>
+              <a:ext cx="2986570" cy="1952412"/>
+            </a:xfrm>
+            <a:prstGeom prst="rect">
+              <a:avLst/>
+            </a:prstGeom>
+            <a:solidFill>
+              <a:schemeClr val="tx1"/>
+            </a:solidFill>
+            <a:ln>
+              <a:solidFill>
+                <a:srgbClr val="0070C0"/>
+              </a:solidFill>
+              <a:headEnd type="none" w="med" len="med"/>
+              <a:tailEnd type="none" w="med" len="med"/>
+            </a:ln>
+            <a:effectLst/>
+          </p:spPr>
+          <p:style>
+            <a:lnRef idx="1">
+              <a:schemeClr val="accent2"/>
+            </a:lnRef>
+            <a:fillRef idx="3">
+              <a:schemeClr val="accent2"/>
+            </a:fillRef>
+            <a:effectRef idx="2">
+              <a:schemeClr val="accent2"/>
+            </a:effectRef>
+            <a:fontRef idx="minor">
+              <a:schemeClr val="lt1"/>
+            </a:fontRef>
+          </p:style>
+          <p:txBody>
+            <a:bodyPr rot="0" spcFirstLastPara="0" vertOverflow="overflow" horzOverflow="overflow" vert="horz" wrap="square" lIns="36000" tIns="72000" rIns="0" bIns="0" numCol="1" spcCol="0" rtlCol="0" fromWordArt="0" anchor="ctr" anchorCtr="0" forceAA="0" compatLnSpc="1">
+              <a:prstTxWarp prst="textNoShape">
+                <a:avLst/>
+              </a:prstTxWarp>
+              <a:noAutofit/>
+            </a:bodyPr>
+            <a:lstStyle/>
+            <a:p>
+              <a:pPr defTabSz="932472" fontAlgn="base">
+                <a:lnSpc>
+                  <a:spcPct val="90000"/>
+                </a:lnSpc>
+                <a:spcBef>
+                  <a:spcPct val="0"/>
+                </a:spcBef>
+                <a:spcAft>
+                  <a:spcPct val="0"/>
+                </a:spcAft>
+              </a:pPr>
+              <a:r>
+                <a:rPr lang="en-CA" sz="900" b="1" dirty="0">
+                  <a:solidFill>
+                    <a:srgbClr val="0070C0"/>
+                  </a:solidFill>
+                  <a:ea typeface="Segoe UI" pitchFamily="34" charset="0"/>
+                  <a:cs typeface="Segoe UI" pitchFamily="34" charset="0"/>
+                </a:rPr>
+                <a:t>Free and Shared</a:t>
+              </a:r>
+            </a:p>
+            <a:p>
+              <a:pPr defTabSz="932472" fontAlgn="base">
+                <a:lnSpc>
+                  <a:spcPct val="90000"/>
+                </a:lnSpc>
+                <a:spcBef>
+                  <a:spcPct val="0"/>
+                </a:spcBef>
+                <a:spcAft>
+                  <a:spcPct val="0"/>
+                </a:spcAft>
+              </a:pPr>
+              <a:r>
+                <a:rPr lang="en-CA" sz="900" b="1" dirty="0">
+                  <a:solidFill>
+                    <a:srgbClr val="0070C0"/>
+                  </a:solidFill>
+                  <a:ea typeface="Segoe UI" pitchFamily="34" charset="0"/>
+                  <a:cs typeface="Segoe UI" pitchFamily="34" charset="0"/>
+                </a:rPr>
+                <a:t>Basic</a:t>
+              </a:r>
+            </a:p>
+            <a:p>
+              <a:pPr marL="360363" lvl="1" indent="-184150" defTabSz="932472" fontAlgn="base">
+                <a:lnSpc>
+                  <a:spcPct val="90000"/>
+                </a:lnSpc>
+                <a:spcBef>
+                  <a:spcPct val="0"/>
+                </a:spcBef>
+                <a:spcAft>
+                  <a:spcPct val="0"/>
+                </a:spcAft>
+                <a:buFont typeface="Arial" panose="020B0604020202020204" pitchFamily="34" charset="0"/>
+                <a:buChar char="•"/>
+              </a:pPr>
+              <a:r>
+                <a:rPr lang="en-CA" sz="800" dirty="0">
+                  <a:solidFill>
+                    <a:srgbClr val="0070C0"/>
+                  </a:solidFill>
+                  <a:cs typeface="Segoe UI" pitchFamily="34" charset="0"/>
+                </a:rPr>
+                <a:t>Up to 3 instances (manual)</a:t>
+              </a:r>
+            </a:p>
+            <a:p>
+              <a:pPr defTabSz="932472" fontAlgn="base">
+                <a:lnSpc>
+                  <a:spcPct val="90000"/>
+                </a:lnSpc>
+                <a:spcBef>
+                  <a:spcPct val="0"/>
+                </a:spcBef>
+                <a:spcAft>
+                  <a:spcPct val="0"/>
+                </a:spcAft>
+              </a:pPr>
+              <a:r>
+                <a:rPr lang="en-CA" sz="900" b="1" dirty="0">
+                  <a:solidFill>
+                    <a:srgbClr val="0070C0"/>
+                  </a:solidFill>
+                  <a:ea typeface="Segoe UI" pitchFamily="34" charset="0"/>
+                  <a:cs typeface="Segoe UI" pitchFamily="34" charset="0"/>
+                </a:rPr>
+                <a:t>Standard</a:t>
+              </a:r>
+            </a:p>
+            <a:p>
+              <a:pPr marL="360363" lvl="1" indent="-184150" defTabSz="932472" fontAlgn="base">
+                <a:lnSpc>
+                  <a:spcPct val="90000"/>
+                </a:lnSpc>
+                <a:spcBef>
+                  <a:spcPct val="0"/>
+                </a:spcBef>
+                <a:spcAft>
+                  <a:spcPct val="0"/>
+                </a:spcAft>
+                <a:buFont typeface="Arial" panose="020B0604020202020204" pitchFamily="34" charset="0"/>
+                <a:buChar char="•"/>
+              </a:pPr>
+              <a:r>
+                <a:rPr lang="en-CA" sz="800" dirty="0">
+                  <a:solidFill>
+                    <a:srgbClr val="0070C0"/>
+                  </a:solidFill>
+                  <a:cs typeface="Segoe UI" pitchFamily="34" charset="0"/>
+                </a:rPr>
+                <a:t>Up to 10 instances (auto scale)</a:t>
+              </a:r>
+            </a:p>
+            <a:p>
+              <a:pPr marL="360363" lvl="1" indent="-184150" defTabSz="932472" fontAlgn="base">
+                <a:lnSpc>
+                  <a:spcPct val="90000"/>
+                </a:lnSpc>
+                <a:spcBef>
+                  <a:spcPct val="0"/>
+                </a:spcBef>
+                <a:spcAft>
+                  <a:spcPct val="0"/>
+                </a:spcAft>
+                <a:buFont typeface="Arial" panose="020B0604020202020204" pitchFamily="34" charset="0"/>
+                <a:buChar char="•"/>
+              </a:pPr>
+              <a:r>
+                <a:rPr lang="en-CA" sz="800" dirty="0">
+                  <a:solidFill>
+                    <a:srgbClr val="0070C0"/>
+                  </a:solidFill>
+                  <a:cs typeface="Segoe UI" pitchFamily="34" charset="0"/>
+                </a:rPr>
+                <a:t>5 Slots</a:t>
+              </a:r>
+            </a:p>
+            <a:p>
+              <a:pPr marL="360363" lvl="1" indent="-184150" defTabSz="932472" fontAlgn="base">
+                <a:lnSpc>
+                  <a:spcPct val="90000"/>
+                </a:lnSpc>
+                <a:spcBef>
+                  <a:spcPct val="0"/>
+                </a:spcBef>
+                <a:spcAft>
+                  <a:spcPct val="0"/>
+                </a:spcAft>
+                <a:buFont typeface="Arial" panose="020B0604020202020204" pitchFamily="34" charset="0"/>
+                <a:buChar char="•"/>
+              </a:pPr>
+              <a:r>
+                <a:rPr lang="en-CA" sz="800" dirty="0">
+                  <a:solidFill>
+                    <a:srgbClr val="0070C0"/>
+                  </a:solidFill>
+                  <a:cs typeface="Segoe UI" pitchFamily="34" charset="0"/>
+                </a:rPr>
+                <a:t>Daily backups</a:t>
+              </a:r>
+            </a:p>
+            <a:p>
+              <a:pPr marL="360363" lvl="1" indent="-184150" defTabSz="932472" fontAlgn="base">
+                <a:lnSpc>
+                  <a:spcPct val="90000"/>
+                </a:lnSpc>
+                <a:spcBef>
+                  <a:spcPct val="0"/>
+                </a:spcBef>
+                <a:spcAft>
+                  <a:spcPct val="0"/>
+                </a:spcAft>
+                <a:buFont typeface="Arial" panose="020B0604020202020204" pitchFamily="34" charset="0"/>
+                <a:buChar char="•"/>
+              </a:pPr>
+              <a:r>
+                <a:rPr lang="en-CA" sz="800" dirty="0">
+                  <a:solidFill>
+                    <a:srgbClr val="0070C0"/>
+                  </a:solidFill>
+                  <a:cs typeface="Segoe UI" pitchFamily="34" charset="0"/>
+                </a:rPr>
+                <a:t>Azure Traffic Manager</a:t>
+              </a:r>
+            </a:p>
+            <a:p>
+              <a:pPr defTabSz="932472" fontAlgn="base">
+                <a:lnSpc>
+                  <a:spcPct val="90000"/>
+                </a:lnSpc>
+                <a:spcBef>
+                  <a:spcPct val="0"/>
+                </a:spcBef>
+                <a:spcAft>
+                  <a:spcPct val="0"/>
+                </a:spcAft>
+              </a:pPr>
+              <a:r>
+                <a:rPr lang="en-CA" sz="900" b="1" dirty="0">
+                  <a:solidFill>
+                    <a:srgbClr val="0070C0"/>
+                  </a:solidFill>
+                  <a:ea typeface="Segoe UI" pitchFamily="34" charset="0"/>
+                  <a:cs typeface="Segoe UI" pitchFamily="34" charset="0"/>
+                </a:rPr>
+                <a:t>Premium</a:t>
+              </a:r>
+            </a:p>
+            <a:p>
+              <a:pPr marL="360363" lvl="1" indent="-184150" defTabSz="932472" fontAlgn="base">
+                <a:lnSpc>
+                  <a:spcPct val="90000"/>
+                </a:lnSpc>
+                <a:spcBef>
+                  <a:spcPct val="0"/>
+                </a:spcBef>
+                <a:spcAft>
+                  <a:spcPct val="0"/>
+                </a:spcAft>
+                <a:buFont typeface="Arial" panose="020B0604020202020204" pitchFamily="34" charset="0"/>
+                <a:buChar char="•"/>
+              </a:pPr>
+              <a:r>
+                <a:rPr lang="en-CA" sz="800" dirty="0">
+                  <a:solidFill>
+                    <a:srgbClr val="0070C0"/>
+                  </a:solidFill>
+                  <a:cs typeface="Segoe UI" pitchFamily="34" charset="0"/>
+                </a:rPr>
+                <a:t>Up to 20 instances (auto scale)</a:t>
+              </a:r>
+            </a:p>
+            <a:p>
+              <a:pPr marL="360363" lvl="1" indent="-184150" defTabSz="932472" fontAlgn="base">
+                <a:lnSpc>
+                  <a:spcPct val="90000"/>
+                </a:lnSpc>
+                <a:spcBef>
+                  <a:spcPct val="0"/>
+                </a:spcBef>
+                <a:spcAft>
+                  <a:spcPct val="0"/>
+                </a:spcAft>
+                <a:buFont typeface="Arial" panose="020B0604020202020204" pitchFamily="34" charset="0"/>
+                <a:buChar char="•"/>
+              </a:pPr>
+              <a:r>
+                <a:rPr lang="en-CA" sz="800" dirty="0">
+                  <a:solidFill>
+                    <a:srgbClr val="0070C0"/>
+                  </a:solidFill>
+                  <a:cs typeface="Segoe UI" pitchFamily="34" charset="0"/>
+                </a:rPr>
+                <a:t>20 Slots</a:t>
+              </a:r>
+            </a:p>
+            <a:p>
+              <a:pPr marL="360363" lvl="1" indent="-184150" defTabSz="932472" fontAlgn="base">
+                <a:lnSpc>
+                  <a:spcPct val="90000"/>
+                </a:lnSpc>
+                <a:spcBef>
+                  <a:spcPct val="0"/>
+                </a:spcBef>
+                <a:spcAft>
+                  <a:spcPct val="0"/>
+                </a:spcAft>
+                <a:buFont typeface="Arial" panose="020B0604020202020204" pitchFamily="34" charset="0"/>
+                <a:buChar char="•"/>
+              </a:pPr>
+              <a:r>
+                <a:rPr lang="en-CA" sz="800" dirty="0">
+                  <a:solidFill>
+                    <a:srgbClr val="0070C0"/>
+                  </a:solidFill>
+                  <a:cs typeface="Segoe UI" pitchFamily="34" charset="0"/>
+                </a:rPr>
+                <a:t>Daily backups</a:t>
+              </a:r>
+            </a:p>
+            <a:p>
+              <a:pPr marL="360363" lvl="1" indent="-184150" defTabSz="932472" fontAlgn="base">
+                <a:lnSpc>
+                  <a:spcPct val="90000"/>
+                </a:lnSpc>
+                <a:spcBef>
+                  <a:spcPct val="0"/>
+                </a:spcBef>
+                <a:spcAft>
+                  <a:spcPct val="0"/>
+                </a:spcAft>
+                <a:buFont typeface="Arial" panose="020B0604020202020204" pitchFamily="34" charset="0"/>
+                <a:buChar char="•"/>
+              </a:pPr>
+              <a:r>
+                <a:rPr lang="en-CA" sz="800" dirty="0">
+                  <a:solidFill>
+                    <a:srgbClr val="0070C0"/>
+                  </a:solidFill>
+                  <a:cs typeface="Segoe UI" pitchFamily="34" charset="0"/>
+                </a:rPr>
+                <a:t>Azure Traffic Manager</a:t>
+              </a:r>
+            </a:p>
+            <a:p>
+              <a:pPr defTabSz="932472" fontAlgn="base">
+                <a:lnSpc>
+                  <a:spcPct val="90000"/>
+                </a:lnSpc>
+                <a:spcBef>
+                  <a:spcPct val="0"/>
+                </a:spcBef>
+                <a:spcAft>
+                  <a:spcPct val="0"/>
+                </a:spcAft>
+              </a:pPr>
+              <a:r>
+                <a:rPr lang="en-CA" sz="900" b="1" dirty="0">
+                  <a:solidFill>
+                    <a:srgbClr val="0070C0"/>
+                  </a:solidFill>
+                  <a:ea typeface="Segoe UI" pitchFamily="34" charset="0"/>
+                  <a:cs typeface="Segoe UI" pitchFamily="34" charset="0"/>
+                </a:rPr>
+                <a:t>Isolated</a:t>
+              </a:r>
+            </a:p>
+            <a:p>
+              <a:pPr marL="360363" lvl="1" indent="-184150" defTabSz="932472" fontAlgn="base">
+                <a:lnSpc>
+                  <a:spcPct val="90000"/>
+                </a:lnSpc>
+                <a:spcBef>
+                  <a:spcPct val="0"/>
+                </a:spcBef>
+                <a:spcAft>
+                  <a:spcPct val="0"/>
+                </a:spcAft>
+                <a:buFont typeface="Arial" panose="020B0604020202020204" pitchFamily="34" charset="0"/>
+                <a:buChar char="•"/>
+              </a:pPr>
+              <a:r>
+                <a:rPr lang="en-CA" sz="800" dirty="0">
+                  <a:solidFill>
+                    <a:srgbClr val="0070C0"/>
+                  </a:solidFill>
+                  <a:cs typeface="Segoe UI" pitchFamily="34" charset="0"/>
+                </a:rPr>
+                <a:t>App Service Environment (ASE) – scalable, secure</a:t>
+              </a:r>
+            </a:p>
+            <a:p>
+              <a:pPr marL="360363" lvl="1" indent="-184150" defTabSz="932472" fontAlgn="base">
+                <a:lnSpc>
+                  <a:spcPct val="90000"/>
+                </a:lnSpc>
+                <a:spcBef>
+                  <a:spcPct val="0"/>
+                </a:spcBef>
+                <a:spcAft>
+                  <a:spcPct val="0"/>
+                </a:spcAft>
+                <a:buFont typeface="Arial" panose="020B0604020202020204" pitchFamily="34" charset="0"/>
+                <a:buChar char="•"/>
+              </a:pPr>
+              <a:r>
+                <a:rPr lang="en-CA" sz="800" dirty="0">
+                  <a:solidFill>
+                    <a:srgbClr val="0070C0"/>
+                  </a:solidFill>
+                  <a:cs typeface="Segoe UI" pitchFamily="34" charset="0"/>
+                </a:rPr>
+                <a:t>Up to 100 instances/plan or 100 plans with one instance</a:t>
+              </a:r>
+            </a:p>
+            <a:p>
+              <a:pPr marL="176213" lvl="1" defTabSz="932472" fontAlgn="base">
+                <a:lnSpc>
+                  <a:spcPct val="90000"/>
+                </a:lnSpc>
+                <a:spcBef>
+                  <a:spcPct val="0"/>
+                </a:spcBef>
+                <a:spcAft>
+                  <a:spcPct val="0"/>
+                </a:spcAft>
+              </a:pPr>
+              <a:endParaRPr lang="en-CA" sz="800" dirty="0">
+                <a:solidFill>
+                  <a:srgbClr val="0070C0"/>
+                </a:solidFill>
+                <a:cs typeface="Segoe UI" pitchFamily="34" charset="0"/>
+              </a:endParaRPr>
+            </a:p>
+            <a:p>
+              <a:pPr defTabSz="932472" fontAlgn="base">
+                <a:lnSpc>
+                  <a:spcPct val="90000"/>
+                </a:lnSpc>
+                <a:spcBef>
+                  <a:spcPct val="0"/>
+                </a:spcBef>
+                <a:spcAft>
+                  <a:spcPct val="0"/>
+                </a:spcAft>
+              </a:pPr>
+              <a:endParaRPr lang="en-CA" sz="800" dirty="0">
+                <a:solidFill>
+                  <a:srgbClr val="0070C0"/>
+                </a:solidFill>
+                <a:ea typeface="Segoe UI" pitchFamily="34" charset="0"/>
+                <a:cs typeface="Segoe UI" pitchFamily="34" charset="0"/>
+              </a:endParaRPr>
+            </a:p>
+          </p:txBody>
+        </p:sp>
+        <p:sp>
+          <p:nvSpPr>
+            <p:cNvPr id="15" name="Rectangle: Rounded Corners 14">
+              <a:extLst>
+                <a:ext uri="{FF2B5EF4-FFF2-40B4-BE49-F238E27FC236}">
+                  <a16:creationId xmlns:a16="http://schemas.microsoft.com/office/drawing/2014/main" id="{43DDD13A-6F5A-4DB5-B4E7-6B2EC1E752F1}"/>
+                </a:ext>
+              </a:extLst>
+            </p:cNvPr>
+            <p:cNvSpPr/>
+            <p:nvPr/>
+          </p:nvSpPr>
+          <p:spPr bwMode="auto">
+            <a:xfrm>
+              <a:off x="10547031" y="881288"/>
+              <a:ext cx="2986571" cy="419904"/>
+            </a:xfrm>
+            <a:prstGeom prst="roundRect">
+              <a:avLst/>
+            </a:prstGeom>
+            <a:solidFill>
+              <a:srgbClr val="0070C0"/>
+            </a:solidFill>
+            <a:ln>
+              <a:solidFill>
+                <a:srgbClr val="0070C0"/>
+              </a:solidFill>
+              <a:headEnd type="none" w="med" len="med"/>
+              <a:tailEnd type="none" w="med" len="med"/>
+            </a:ln>
+            <a:effectLst/>
+          </p:spPr>
+          <p:style>
+            <a:lnRef idx="1">
+              <a:schemeClr val="accent2"/>
+            </a:lnRef>
+            <a:fillRef idx="3">
+              <a:schemeClr val="accent2"/>
+            </a:fillRef>
+            <a:effectRef idx="2">
+              <a:schemeClr val="accent2"/>
+            </a:effectRef>
+            <a:fontRef idx="minor">
+              <a:schemeClr val="lt1"/>
+            </a:fontRef>
+          </p:style>
+          <p:txBody>
+            <a:bodyPr rot="0" spcFirstLastPara="0" vertOverflow="overflow" horzOverflow="overflow" vert="horz" wrap="square" lIns="0" tIns="0" rIns="0" bIns="0" numCol="1" spcCol="0" rtlCol="0" fromWordArt="0" anchor="ctr" anchorCtr="0" forceAA="0" compatLnSpc="1">
+              <a:prstTxWarp prst="textNoShape">
+                <a:avLst/>
+              </a:prstTxWarp>
+              <a:noAutofit/>
+            </a:bodyPr>
+            <a:lstStyle/>
+            <a:p>
+              <a:pPr algn="ctr" defTabSz="932472" fontAlgn="base">
+                <a:lnSpc>
+                  <a:spcPct val="90000"/>
+                </a:lnSpc>
+                <a:spcBef>
+                  <a:spcPct val="0"/>
+                </a:spcBef>
+                <a:spcAft>
+                  <a:spcPct val="0"/>
+                </a:spcAft>
+              </a:pPr>
+              <a:r>
+                <a:rPr lang="en-CA" sz="1600" dirty="0">
+                  <a:gradFill>
+                    <a:gsLst>
+                      <a:gs pos="0">
+                        <a:srgbClr val="FFFFFF"/>
+                      </a:gs>
+                      <a:gs pos="100000">
+                        <a:srgbClr val="FFFFFF"/>
+                      </a:gs>
+                    </a:gsLst>
+                    <a:lin ang="5400000" scaled="0"/>
+                  </a:gradFill>
+                  <a:ea typeface="Segoe UI" pitchFamily="34" charset="0"/>
+                  <a:cs typeface="Segoe UI" pitchFamily="34" charset="0"/>
+                </a:rPr>
+                <a:t>Redis Cache</a:t>
+              </a:r>
+            </a:p>
+          </p:txBody>
+        </p:sp>
+        <p:sp>
+          <p:nvSpPr>
+            <p:cNvPr id="16" name="Rectangle 15">
+              <a:extLst>
+                <a:ext uri="{FF2B5EF4-FFF2-40B4-BE49-F238E27FC236}">
+                  <a16:creationId xmlns:a16="http://schemas.microsoft.com/office/drawing/2014/main" id="{33A0E8A7-A4FD-41C4-82D7-0C50BA36AE15}"/>
+                </a:ext>
+              </a:extLst>
+            </p:cNvPr>
+            <p:cNvSpPr/>
+            <p:nvPr/>
+          </p:nvSpPr>
+          <p:spPr bwMode="auto">
+            <a:xfrm>
+              <a:off x="10547032" y="1237886"/>
+              <a:ext cx="2986570" cy="1373234"/>
+            </a:xfrm>
+            <a:prstGeom prst="rect">
+              <a:avLst/>
+            </a:prstGeom>
+            <a:solidFill>
+              <a:schemeClr val="tx1"/>
+            </a:solidFill>
+            <a:ln>
+              <a:solidFill>
+                <a:srgbClr val="0070C0"/>
+              </a:solidFill>
+              <a:headEnd type="none" w="med" len="med"/>
+              <a:tailEnd type="none" w="med" len="med"/>
+            </a:ln>
+            <a:effectLst/>
+          </p:spPr>
+          <p:style>
+            <a:lnRef idx="1">
+              <a:schemeClr val="accent2"/>
+            </a:lnRef>
+            <a:fillRef idx="3">
+              <a:schemeClr val="accent2"/>
+            </a:fillRef>
+            <a:effectRef idx="2">
+              <a:schemeClr val="accent2"/>
+            </a:effectRef>
+            <a:fontRef idx="minor">
+              <a:schemeClr val="lt1"/>
+            </a:fontRef>
+          </p:style>
+          <p:txBody>
+            <a:bodyPr rot="0" spcFirstLastPara="0" vertOverflow="overflow" horzOverflow="overflow" vert="horz" wrap="square" lIns="36000" tIns="72000" rIns="0" bIns="0" numCol="1" spcCol="0" rtlCol="0" fromWordArt="0" anchor="ctr" anchorCtr="0" forceAA="0" compatLnSpc="1">
+              <a:prstTxWarp prst="textNoShape">
+                <a:avLst/>
+              </a:prstTxWarp>
+              <a:noAutofit/>
+            </a:bodyPr>
+            <a:lstStyle/>
+            <a:p>
+              <a:pPr defTabSz="932472" fontAlgn="base">
+                <a:lnSpc>
+                  <a:spcPct val="90000"/>
+                </a:lnSpc>
+                <a:spcBef>
+                  <a:spcPct val="0"/>
+                </a:spcBef>
+                <a:spcAft>
+                  <a:spcPct val="0"/>
+                </a:spcAft>
+              </a:pPr>
+              <a:r>
+                <a:rPr lang="en-CA" sz="900" b="1" dirty="0">
+                  <a:solidFill>
+                    <a:srgbClr val="0070C0"/>
+                  </a:solidFill>
+                  <a:ea typeface="Segoe UI" pitchFamily="34" charset="0"/>
+                  <a:cs typeface="Segoe UI" pitchFamily="34" charset="0"/>
+                </a:rPr>
+                <a:t>Basic</a:t>
+              </a:r>
+            </a:p>
+            <a:p>
+              <a:pPr marL="360363" lvl="1" indent="-184150" defTabSz="932472" fontAlgn="base">
+                <a:lnSpc>
+                  <a:spcPct val="90000"/>
+                </a:lnSpc>
+                <a:spcBef>
+                  <a:spcPct val="0"/>
+                </a:spcBef>
+                <a:spcAft>
+                  <a:spcPct val="0"/>
+                </a:spcAft>
+                <a:buFont typeface="Arial" panose="020B0604020202020204" pitchFamily="34" charset="0"/>
+                <a:buChar char="•"/>
+              </a:pPr>
+              <a:r>
+                <a:rPr lang="en-CA" sz="800" dirty="0">
+                  <a:solidFill>
+                    <a:srgbClr val="0070C0"/>
+                  </a:solidFill>
+                  <a:cs typeface="Segoe UI" pitchFamily="34" charset="0"/>
+                </a:rPr>
+                <a:t>Ideal for development, testing, and non-critical work</a:t>
+              </a:r>
+            </a:p>
+            <a:p>
+              <a:pPr marL="360363" lvl="1" indent="-184150" defTabSz="932472" fontAlgn="base">
+                <a:lnSpc>
+                  <a:spcPct val="90000"/>
+                </a:lnSpc>
+                <a:spcBef>
+                  <a:spcPct val="0"/>
+                </a:spcBef>
+                <a:spcAft>
+                  <a:spcPct val="0"/>
+                </a:spcAft>
+                <a:buFont typeface="Arial" panose="020B0604020202020204" pitchFamily="34" charset="0"/>
+                <a:buChar char="•"/>
+              </a:pPr>
+              <a:r>
+                <a:rPr lang="en-CA" sz="800" dirty="0">
+                  <a:solidFill>
+                    <a:srgbClr val="0070C0"/>
+                  </a:solidFill>
+                  <a:cs typeface="Segoe UI" pitchFamily="34" charset="0"/>
+                </a:rPr>
+                <a:t>No SLA</a:t>
+              </a:r>
+            </a:p>
+            <a:p>
+              <a:pPr defTabSz="932472" fontAlgn="base">
+                <a:lnSpc>
+                  <a:spcPct val="90000"/>
+                </a:lnSpc>
+                <a:spcBef>
+                  <a:spcPct val="0"/>
+                </a:spcBef>
+                <a:spcAft>
+                  <a:spcPct val="0"/>
+                </a:spcAft>
+              </a:pPr>
+              <a:r>
+                <a:rPr lang="en-CA" sz="900" b="1" dirty="0">
+                  <a:solidFill>
+                    <a:srgbClr val="0070C0"/>
+                  </a:solidFill>
+                  <a:ea typeface="Segoe UI" pitchFamily="34" charset="0"/>
+                  <a:cs typeface="Segoe UI" pitchFamily="34" charset="0"/>
+                </a:rPr>
+                <a:t>Standard</a:t>
+              </a:r>
+            </a:p>
+            <a:p>
+              <a:pPr marL="360363" lvl="1" indent="-184150" defTabSz="932472" fontAlgn="base">
+                <a:lnSpc>
+                  <a:spcPct val="90000"/>
+                </a:lnSpc>
+                <a:spcBef>
+                  <a:spcPct val="0"/>
+                </a:spcBef>
+                <a:spcAft>
+                  <a:spcPct val="0"/>
+                </a:spcAft>
+                <a:buFont typeface="Arial" panose="020B0604020202020204" pitchFamily="34" charset="0"/>
+                <a:buChar char="•"/>
+              </a:pPr>
+              <a:r>
+                <a:rPr lang="en-CA" sz="800" dirty="0">
+                  <a:solidFill>
+                    <a:srgbClr val="0070C0"/>
+                  </a:solidFill>
+                  <a:cs typeface="Segoe UI" pitchFamily="34" charset="0"/>
+                </a:rPr>
+                <a:t>Ideal for production and cost effective</a:t>
+              </a:r>
+            </a:p>
+            <a:p>
+              <a:pPr marL="360363" lvl="1" indent="-184150" defTabSz="932472" fontAlgn="base">
+                <a:lnSpc>
+                  <a:spcPct val="90000"/>
+                </a:lnSpc>
+                <a:spcBef>
+                  <a:spcPct val="0"/>
+                </a:spcBef>
+                <a:spcAft>
+                  <a:spcPct val="0"/>
+                </a:spcAft>
+                <a:buFont typeface="Arial" panose="020B0604020202020204" pitchFamily="34" charset="0"/>
+                <a:buChar char="•"/>
+              </a:pPr>
+              <a:r>
+                <a:rPr lang="en-CA" sz="800" dirty="0">
+                  <a:solidFill>
+                    <a:srgbClr val="0070C0"/>
+                  </a:solidFill>
+                  <a:cs typeface="Segoe UI" pitchFamily="34" charset="0"/>
+                </a:rPr>
+                <a:t>Data replication between two nodes</a:t>
+              </a:r>
+            </a:p>
+            <a:p>
+              <a:pPr marL="360363" lvl="1" indent="-184150" defTabSz="932472" fontAlgn="base">
+                <a:lnSpc>
+                  <a:spcPct val="90000"/>
+                </a:lnSpc>
+                <a:spcBef>
+                  <a:spcPct val="0"/>
+                </a:spcBef>
+                <a:spcAft>
+                  <a:spcPct val="0"/>
+                </a:spcAft>
+                <a:buFont typeface="Arial" panose="020B0604020202020204" pitchFamily="34" charset="0"/>
+                <a:buChar char="•"/>
+              </a:pPr>
+              <a:r>
+                <a:rPr lang="en-CA" sz="800" dirty="0">
+                  <a:solidFill>
+                    <a:srgbClr val="0070C0"/>
+                  </a:solidFill>
+                  <a:cs typeface="Segoe UI" pitchFamily="34" charset="0"/>
+                </a:rPr>
+                <a:t>High availability SLA</a:t>
+              </a:r>
+            </a:p>
+            <a:p>
+              <a:pPr defTabSz="932472" fontAlgn="base">
+                <a:lnSpc>
+                  <a:spcPct val="90000"/>
+                </a:lnSpc>
+                <a:spcBef>
+                  <a:spcPct val="0"/>
+                </a:spcBef>
+                <a:spcAft>
+                  <a:spcPct val="0"/>
+                </a:spcAft>
+              </a:pPr>
+              <a:r>
+                <a:rPr lang="en-CA" sz="900" b="1" dirty="0">
+                  <a:solidFill>
+                    <a:srgbClr val="0070C0"/>
+                  </a:solidFill>
+                  <a:ea typeface="Segoe UI" pitchFamily="34" charset="0"/>
+                  <a:cs typeface="Segoe UI" pitchFamily="34" charset="0"/>
+                </a:rPr>
+                <a:t>Premium</a:t>
+              </a:r>
+            </a:p>
+            <a:p>
+              <a:pPr marL="360363" lvl="1" indent="-184150" defTabSz="932472" fontAlgn="base">
+                <a:lnSpc>
+                  <a:spcPct val="90000"/>
+                </a:lnSpc>
+                <a:spcBef>
+                  <a:spcPct val="0"/>
+                </a:spcBef>
+                <a:spcAft>
+                  <a:spcPct val="0"/>
+                </a:spcAft>
+                <a:buFont typeface="Arial" panose="020B0604020202020204" pitchFamily="34" charset="0"/>
+                <a:buChar char="•"/>
+              </a:pPr>
+              <a:r>
+                <a:rPr lang="en-CA" sz="800" dirty="0">
+                  <a:solidFill>
+                    <a:srgbClr val="0070C0"/>
+                  </a:solidFill>
+                  <a:ea typeface="Segoe UI" pitchFamily="34" charset="0"/>
+                  <a:cs typeface="Segoe UI" pitchFamily="34" charset="0"/>
+                </a:rPr>
+                <a:t>Redis persistence</a:t>
+              </a:r>
+            </a:p>
+            <a:p>
+              <a:pPr marL="360363" lvl="1" indent="-184150" defTabSz="932472" fontAlgn="base">
+                <a:lnSpc>
+                  <a:spcPct val="90000"/>
+                </a:lnSpc>
+                <a:spcBef>
+                  <a:spcPct val="0"/>
+                </a:spcBef>
+                <a:spcAft>
+                  <a:spcPct val="0"/>
+                </a:spcAft>
+                <a:buFont typeface="Arial" panose="020B0604020202020204" pitchFamily="34" charset="0"/>
+                <a:buChar char="•"/>
+              </a:pPr>
+              <a:r>
+                <a:rPr lang="en-CA" sz="800" dirty="0">
+                  <a:solidFill>
+                    <a:srgbClr val="0070C0"/>
+                  </a:solidFill>
+                  <a:ea typeface="Segoe UI" pitchFamily="34" charset="0"/>
+                  <a:cs typeface="Segoe UI" pitchFamily="34" charset="0"/>
+                </a:rPr>
+                <a:t>Create workloads &gt; 53GB</a:t>
+              </a:r>
+            </a:p>
+            <a:p>
+              <a:pPr marL="360363" lvl="1" indent="-184150" defTabSz="932472" fontAlgn="base">
+                <a:lnSpc>
+                  <a:spcPct val="90000"/>
+                </a:lnSpc>
+                <a:spcBef>
+                  <a:spcPct val="0"/>
+                </a:spcBef>
+                <a:spcAft>
+                  <a:spcPct val="0"/>
+                </a:spcAft>
+                <a:buFont typeface="Arial" panose="020B0604020202020204" pitchFamily="34" charset="0"/>
+                <a:buChar char="•"/>
+              </a:pPr>
+              <a:r>
+                <a:rPr lang="en-CA" sz="800" dirty="0">
+                  <a:solidFill>
+                    <a:srgbClr val="0070C0"/>
+                  </a:solidFill>
+                  <a:ea typeface="Segoe UI" pitchFamily="34" charset="0"/>
+                  <a:cs typeface="Segoe UI" pitchFamily="34" charset="0"/>
+                </a:rPr>
+                <a:t>Ability to isolate</a:t>
+              </a:r>
+            </a:p>
+          </p:txBody>
+        </p:sp>
+        <p:sp>
+          <p:nvSpPr>
+            <p:cNvPr id="26" name="Rectangle: Rounded Corners 25">
+              <a:extLst>
+                <a:ext uri="{FF2B5EF4-FFF2-40B4-BE49-F238E27FC236}">
+                  <a16:creationId xmlns:a16="http://schemas.microsoft.com/office/drawing/2014/main" id="{813E1373-762A-4A82-8935-1C671FA9EE80}"/>
+                </a:ext>
+              </a:extLst>
+            </p:cNvPr>
+            <p:cNvSpPr/>
+            <p:nvPr/>
+          </p:nvSpPr>
+          <p:spPr bwMode="auto">
+            <a:xfrm>
+              <a:off x="10547029" y="2722842"/>
+              <a:ext cx="2986571" cy="419904"/>
+            </a:xfrm>
+            <a:prstGeom prst="roundRect">
+              <a:avLst/>
+            </a:prstGeom>
+            <a:solidFill>
+              <a:srgbClr val="0070C0"/>
+            </a:solidFill>
+            <a:ln>
+              <a:solidFill>
+                <a:srgbClr val="0070C0"/>
+              </a:solidFill>
+              <a:headEnd type="none" w="med" len="med"/>
+              <a:tailEnd type="none" w="med" len="med"/>
+            </a:ln>
+            <a:effectLst/>
+          </p:spPr>
+          <p:style>
+            <a:lnRef idx="1">
+              <a:schemeClr val="accent2"/>
+            </a:lnRef>
+            <a:fillRef idx="3">
+              <a:schemeClr val="accent2"/>
+            </a:fillRef>
+            <a:effectRef idx="2">
+              <a:schemeClr val="accent2"/>
+            </a:effectRef>
+            <a:fontRef idx="minor">
+              <a:schemeClr val="lt1"/>
+            </a:fontRef>
+          </p:style>
+          <p:txBody>
+            <a:bodyPr rot="0" spcFirstLastPara="0" vertOverflow="overflow" horzOverflow="overflow" vert="horz" wrap="square" lIns="0" tIns="0" rIns="0" bIns="0" numCol="1" spcCol="0" rtlCol="0" fromWordArt="0" anchor="ctr" anchorCtr="0" forceAA="0" compatLnSpc="1">
+              <a:prstTxWarp prst="textNoShape">
+                <a:avLst/>
+              </a:prstTxWarp>
+              <a:noAutofit/>
+            </a:bodyPr>
+            <a:lstStyle/>
+            <a:p>
+              <a:pPr algn="ctr" defTabSz="932472" fontAlgn="base">
+                <a:lnSpc>
+                  <a:spcPct val="90000"/>
+                </a:lnSpc>
+                <a:spcBef>
+                  <a:spcPct val="0"/>
+                </a:spcBef>
+                <a:spcAft>
+                  <a:spcPct val="0"/>
+                </a:spcAft>
+              </a:pPr>
+              <a:r>
+                <a:rPr lang="en-CA" sz="1600" dirty="0">
+                  <a:gradFill>
+                    <a:gsLst>
+                      <a:gs pos="0">
+                        <a:srgbClr val="FFFFFF"/>
+                      </a:gs>
+                      <a:gs pos="100000">
+                        <a:srgbClr val="FFFFFF"/>
+                      </a:gs>
+                    </a:gsLst>
+                    <a:lin ang="5400000" scaled="0"/>
+                  </a:gradFill>
+                  <a:ea typeface="Segoe UI" pitchFamily="34" charset="0"/>
+                  <a:cs typeface="Segoe UI" pitchFamily="34" charset="0"/>
+                </a:rPr>
+                <a:t>Content Delivery Network (CDN)</a:t>
+              </a:r>
+            </a:p>
+          </p:txBody>
+        </p:sp>
+        <p:sp>
+          <p:nvSpPr>
+            <p:cNvPr id="27" name="Rectangle 26">
+              <a:extLst>
+                <a:ext uri="{FF2B5EF4-FFF2-40B4-BE49-F238E27FC236}">
+                  <a16:creationId xmlns:a16="http://schemas.microsoft.com/office/drawing/2014/main" id="{BDEB4DD9-1F8C-4237-9320-B9E3CD493879}"/>
+                </a:ext>
+              </a:extLst>
+            </p:cNvPr>
+            <p:cNvSpPr/>
+            <p:nvPr/>
+          </p:nvSpPr>
+          <p:spPr bwMode="auto">
+            <a:xfrm>
+              <a:off x="10547030" y="3079440"/>
+              <a:ext cx="2986570" cy="298144"/>
+            </a:xfrm>
+            <a:prstGeom prst="rect">
+              <a:avLst/>
+            </a:prstGeom>
+            <a:solidFill>
+              <a:schemeClr val="tx1"/>
+            </a:solidFill>
+            <a:ln>
+              <a:solidFill>
+                <a:srgbClr val="0070C0"/>
+              </a:solidFill>
+              <a:headEnd type="none" w="med" len="med"/>
+              <a:tailEnd type="none" w="med" len="med"/>
+            </a:ln>
+            <a:effectLst/>
+          </p:spPr>
+          <p:style>
+            <a:lnRef idx="1">
+              <a:schemeClr val="accent2"/>
+            </a:lnRef>
+            <a:fillRef idx="3">
+              <a:schemeClr val="accent2"/>
+            </a:fillRef>
+            <a:effectRef idx="2">
+              <a:schemeClr val="accent2"/>
+            </a:effectRef>
+            <a:fontRef idx="minor">
+              <a:schemeClr val="lt1"/>
+            </a:fontRef>
+          </p:style>
+          <p:txBody>
+            <a:bodyPr rot="0" spcFirstLastPara="0" vertOverflow="overflow" horzOverflow="overflow" vert="horz" wrap="square" lIns="36000" tIns="72000" rIns="0" bIns="0" numCol="1" spcCol="0" rtlCol="0" fromWordArt="0" anchor="ctr" anchorCtr="0" forceAA="0" compatLnSpc="1">
+              <a:prstTxWarp prst="textNoShape">
+                <a:avLst/>
+              </a:prstTxWarp>
+              <a:noAutofit/>
+            </a:bodyPr>
+            <a:lstStyle/>
+            <a:p>
+              <a:pPr defTabSz="932472" fontAlgn="base">
+                <a:lnSpc>
+                  <a:spcPct val="90000"/>
+                </a:lnSpc>
+                <a:spcBef>
+                  <a:spcPct val="0"/>
+                </a:spcBef>
+                <a:spcAft>
+                  <a:spcPct val="0"/>
+                </a:spcAft>
+              </a:pPr>
+              <a:r>
+                <a:rPr lang="en-CA" sz="900" b="1" dirty="0">
+                  <a:solidFill>
+                    <a:srgbClr val="0070C0"/>
+                  </a:solidFill>
+                  <a:ea typeface="Segoe UI" pitchFamily="34" charset="0"/>
+                  <a:cs typeface="Segoe UI" pitchFamily="34" charset="0"/>
+                </a:rPr>
+                <a:t>Cache static content to multiple regions</a:t>
+              </a:r>
+            </a:p>
+          </p:txBody>
+        </p:sp>
+        <p:sp>
+          <p:nvSpPr>
+            <p:cNvPr id="28" name="Rectangle: Rounded Corners 27">
+              <a:extLst>
+                <a:ext uri="{FF2B5EF4-FFF2-40B4-BE49-F238E27FC236}">
+                  <a16:creationId xmlns:a16="http://schemas.microsoft.com/office/drawing/2014/main" id="{01F5308B-E82C-4FFE-83A8-77A8A164421C}"/>
+                </a:ext>
+              </a:extLst>
+            </p:cNvPr>
+            <p:cNvSpPr/>
+            <p:nvPr/>
+          </p:nvSpPr>
+          <p:spPr bwMode="auto">
+            <a:xfrm>
+              <a:off x="7454594" y="3304117"/>
+              <a:ext cx="2986571" cy="457779"/>
+            </a:xfrm>
+            <a:prstGeom prst="roundRect">
+              <a:avLst/>
+            </a:prstGeom>
+            <a:solidFill>
+              <a:srgbClr val="0070C0"/>
+            </a:solidFill>
+            <a:ln>
+              <a:solidFill>
+                <a:srgbClr val="0070C0"/>
+              </a:solidFill>
+              <a:headEnd type="none" w="med" len="med"/>
+              <a:tailEnd type="none" w="med" len="med"/>
+            </a:ln>
+            <a:effectLst/>
+          </p:spPr>
+          <p:style>
+            <a:lnRef idx="1">
+              <a:schemeClr val="accent2"/>
+            </a:lnRef>
+            <a:fillRef idx="3">
+              <a:schemeClr val="accent2"/>
+            </a:fillRef>
+            <a:effectRef idx="2">
+              <a:schemeClr val="accent2"/>
+            </a:effectRef>
+            <a:fontRef idx="minor">
+              <a:schemeClr val="lt1"/>
+            </a:fontRef>
+          </p:style>
+          <p:txBody>
+            <a:bodyPr rot="0" spcFirstLastPara="0" vertOverflow="overflow" horzOverflow="overflow" vert="horz" wrap="square" lIns="0" tIns="0" rIns="0" bIns="0" numCol="1" spcCol="0" rtlCol="0" fromWordArt="0" anchor="ctr" anchorCtr="0" forceAA="0" compatLnSpc="1">
+              <a:prstTxWarp prst="textNoShape">
+                <a:avLst/>
+              </a:prstTxWarp>
+              <a:noAutofit/>
+            </a:bodyPr>
+            <a:lstStyle/>
+            <a:p>
+              <a:pPr algn="ctr" defTabSz="932472" fontAlgn="base">
+                <a:lnSpc>
+                  <a:spcPct val="90000"/>
+                </a:lnSpc>
+                <a:spcBef>
+                  <a:spcPct val="0"/>
+                </a:spcBef>
+                <a:spcAft>
+                  <a:spcPct val="0"/>
+                </a:spcAft>
+              </a:pPr>
+              <a:r>
+                <a:rPr lang="en-CA" sz="1600" dirty="0">
+                  <a:gradFill>
+                    <a:gsLst>
+                      <a:gs pos="0">
+                        <a:srgbClr val="FFFFFF"/>
+                      </a:gs>
+                      <a:gs pos="100000">
+                        <a:srgbClr val="FFFFFF"/>
+                      </a:gs>
+                    </a:gsLst>
+                    <a:lin ang="5400000" scaled="0"/>
+                  </a:gradFill>
+                  <a:ea typeface="Segoe UI" pitchFamily="34" charset="0"/>
+                  <a:cs typeface="Segoe UI" pitchFamily="34" charset="0"/>
+                </a:rPr>
+                <a:t>Web APIs</a:t>
+              </a:r>
+            </a:p>
+          </p:txBody>
+        </p:sp>
+        <p:sp>
+          <p:nvSpPr>
+            <p:cNvPr id="29" name="Rectangle 28">
+              <a:extLst>
+                <a:ext uri="{FF2B5EF4-FFF2-40B4-BE49-F238E27FC236}">
+                  <a16:creationId xmlns:a16="http://schemas.microsoft.com/office/drawing/2014/main" id="{DA532E0F-609E-4D6D-9A56-70704639101B}"/>
+                </a:ext>
+              </a:extLst>
+            </p:cNvPr>
+            <p:cNvSpPr/>
+            <p:nvPr/>
+          </p:nvSpPr>
+          <p:spPr bwMode="auto">
+            <a:xfrm>
+              <a:off x="7454595" y="3660716"/>
+              <a:ext cx="2986570" cy="982404"/>
+            </a:xfrm>
+            <a:prstGeom prst="rect">
+              <a:avLst/>
+            </a:prstGeom>
+            <a:solidFill>
+              <a:schemeClr val="tx1"/>
+            </a:solidFill>
+            <a:ln>
+              <a:solidFill>
+                <a:srgbClr val="0070C0"/>
+              </a:solidFill>
+              <a:headEnd type="none" w="med" len="med"/>
+              <a:tailEnd type="none" w="med" len="med"/>
+            </a:ln>
+            <a:effectLst/>
+          </p:spPr>
+          <p:style>
+            <a:lnRef idx="1">
+              <a:schemeClr val="accent2"/>
+            </a:lnRef>
+            <a:fillRef idx="3">
+              <a:schemeClr val="accent2"/>
+            </a:fillRef>
+            <a:effectRef idx="2">
+              <a:schemeClr val="accent2"/>
+            </a:effectRef>
+            <a:fontRef idx="minor">
+              <a:schemeClr val="lt1"/>
+            </a:fontRef>
+          </p:style>
+          <p:txBody>
+            <a:bodyPr rot="0" spcFirstLastPara="0" vertOverflow="overflow" horzOverflow="overflow" vert="horz" wrap="square" lIns="36000" tIns="72000" rIns="0" bIns="0" numCol="1" spcCol="0" rtlCol="0" fromWordArt="0" anchor="ctr" anchorCtr="0" forceAA="0" compatLnSpc="1">
+              <a:prstTxWarp prst="textNoShape">
+                <a:avLst/>
+              </a:prstTxWarp>
+              <a:noAutofit/>
+            </a:bodyPr>
+            <a:lstStyle/>
+            <a:p>
+              <a:pPr defTabSz="932472" fontAlgn="base">
+                <a:lnSpc>
+                  <a:spcPct val="90000"/>
+                </a:lnSpc>
+                <a:spcBef>
+                  <a:spcPct val="0"/>
+                </a:spcBef>
+                <a:spcAft>
+                  <a:spcPct val="0"/>
+                </a:spcAft>
+              </a:pPr>
+              <a:r>
+                <a:rPr lang="en-CA" sz="900" b="1" dirty="0">
+                  <a:solidFill>
+                    <a:srgbClr val="0070C0"/>
+                  </a:solidFill>
+                  <a:ea typeface="Segoe UI" pitchFamily="34" charset="0"/>
+                  <a:cs typeface="Segoe UI" pitchFamily="34" charset="0"/>
+                </a:rPr>
+                <a:t>Multiple programming languages</a:t>
+              </a:r>
+            </a:p>
+            <a:p>
+              <a:pPr marL="360363" lvl="1" indent="-184150" defTabSz="932472" fontAlgn="base">
+                <a:lnSpc>
+                  <a:spcPct val="90000"/>
+                </a:lnSpc>
+                <a:spcBef>
+                  <a:spcPct val="0"/>
+                </a:spcBef>
+                <a:spcAft>
+                  <a:spcPct val="0"/>
+                </a:spcAft>
+                <a:buFont typeface="Arial" panose="020B0604020202020204" pitchFamily="34" charset="0"/>
+                <a:buChar char="•"/>
+              </a:pPr>
+              <a:r>
+                <a:rPr lang="en-CA" sz="800" dirty="0">
+                  <a:solidFill>
+                    <a:srgbClr val="0070C0"/>
+                  </a:solidFill>
+                  <a:cs typeface="Segoe UI" pitchFamily="34" charset="0"/>
+                </a:rPr>
+                <a:t>ASP.NET, Core, Angular, React.js</a:t>
+              </a:r>
+            </a:p>
+            <a:p>
+              <a:pPr defTabSz="932472" fontAlgn="base">
+                <a:lnSpc>
+                  <a:spcPct val="90000"/>
+                </a:lnSpc>
+                <a:spcBef>
+                  <a:spcPct val="0"/>
+                </a:spcBef>
+                <a:spcAft>
+                  <a:spcPct val="0"/>
+                </a:spcAft>
+              </a:pPr>
+              <a:r>
+                <a:rPr lang="en-CA" sz="900" b="1" dirty="0">
+                  <a:solidFill>
+                    <a:srgbClr val="0070C0"/>
+                  </a:solidFill>
+                  <a:ea typeface="Segoe UI" pitchFamily="34" charset="0"/>
+                  <a:cs typeface="Segoe UI" pitchFamily="34" charset="0"/>
+                </a:rPr>
+                <a:t>Securing Web API</a:t>
+              </a:r>
+            </a:p>
+            <a:p>
+              <a:pPr marL="360363" lvl="1" indent="-184150" defTabSz="932472" fontAlgn="base">
+                <a:lnSpc>
+                  <a:spcPct val="90000"/>
+                </a:lnSpc>
+                <a:spcBef>
+                  <a:spcPct val="0"/>
+                </a:spcBef>
+                <a:spcAft>
+                  <a:spcPct val="0"/>
+                </a:spcAft>
+                <a:buFont typeface="Arial" panose="020B0604020202020204" pitchFamily="34" charset="0"/>
+                <a:buChar char="•"/>
+              </a:pPr>
+              <a:r>
+                <a:rPr lang="en-CA" sz="800" dirty="0">
+                  <a:solidFill>
+                    <a:srgbClr val="0070C0"/>
+                  </a:solidFill>
+                  <a:ea typeface="Segoe UI" pitchFamily="34" charset="0"/>
+                  <a:cs typeface="Segoe UI" pitchFamily="34" charset="0"/>
+                </a:rPr>
+                <a:t>Azure AD</a:t>
+              </a:r>
+            </a:p>
+            <a:p>
+              <a:pPr marL="360363" lvl="1" indent="-184150" defTabSz="932472" fontAlgn="base">
+                <a:lnSpc>
+                  <a:spcPct val="90000"/>
+                </a:lnSpc>
+                <a:spcBef>
+                  <a:spcPct val="0"/>
+                </a:spcBef>
+                <a:spcAft>
+                  <a:spcPct val="0"/>
+                </a:spcAft>
+                <a:buFont typeface="Arial" panose="020B0604020202020204" pitchFamily="34" charset="0"/>
+                <a:buChar char="•"/>
+              </a:pPr>
+              <a:r>
+                <a:rPr lang="en-CA" sz="800" dirty="0">
+                  <a:solidFill>
+                    <a:srgbClr val="0070C0"/>
+                  </a:solidFill>
+                  <a:ea typeface="Segoe UI" pitchFamily="34" charset="0"/>
+                  <a:cs typeface="Segoe UI" pitchFamily="34" charset="0"/>
+                </a:rPr>
+                <a:t>Azure AD B2C – with Facebook and Google providers</a:t>
+              </a:r>
+            </a:p>
+            <a:p>
+              <a:pPr marL="360363" lvl="1" indent="-184150" defTabSz="932472" fontAlgn="base">
+                <a:lnSpc>
+                  <a:spcPct val="90000"/>
+                </a:lnSpc>
+                <a:spcBef>
+                  <a:spcPct val="0"/>
+                </a:spcBef>
+                <a:spcAft>
+                  <a:spcPct val="0"/>
+                </a:spcAft>
+                <a:buFont typeface="Arial" panose="020B0604020202020204" pitchFamily="34" charset="0"/>
+                <a:buChar char="•"/>
+              </a:pPr>
+              <a:r>
+                <a:rPr lang="en-CA" sz="800" dirty="0">
+                  <a:solidFill>
+                    <a:srgbClr val="0070C0"/>
+                  </a:solidFill>
+                  <a:ea typeface="Segoe UI" pitchFamily="34" charset="0"/>
+                  <a:cs typeface="Segoe UI" pitchFamily="34" charset="0"/>
+                </a:rPr>
+                <a:t>Active Directory Federated Services (ADFS)</a:t>
+              </a:r>
+            </a:p>
+            <a:p>
+              <a:pPr marL="360363" lvl="1" indent="-184150" defTabSz="932472" fontAlgn="base">
+                <a:lnSpc>
+                  <a:spcPct val="90000"/>
+                </a:lnSpc>
+                <a:spcBef>
+                  <a:spcPct val="0"/>
+                </a:spcBef>
+                <a:spcAft>
+                  <a:spcPct val="0"/>
+                </a:spcAft>
+                <a:buFont typeface="Arial" panose="020B0604020202020204" pitchFamily="34" charset="0"/>
+                <a:buChar char="•"/>
+              </a:pPr>
+              <a:r>
+                <a:rPr lang="en-CA" sz="800" dirty="0">
+                  <a:solidFill>
+                    <a:srgbClr val="0070C0"/>
+                  </a:solidFill>
+                  <a:ea typeface="Segoe UI" pitchFamily="34" charset="0"/>
+                  <a:cs typeface="Segoe UI" pitchFamily="34" charset="0"/>
+                </a:rPr>
+                <a:t>API Management – policies, API keys, throttling, …</a:t>
+              </a:r>
+            </a:p>
+          </p:txBody>
+        </p:sp>
+        <p:sp>
+          <p:nvSpPr>
+            <p:cNvPr id="30" name="Rectangle: Rounded Corners 29">
+              <a:extLst>
+                <a:ext uri="{FF2B5EF4-FFF2-40B4-BE49-F238E27FC236}">
+                  <a16:creationId xmlns:a16="http://schemas.microsoft.com/office/drawing/2014/main" id="{2D88505B-194C-4144-AFB6-B2997EB07A6E}"/>
+                </a:ext>
+              </a:extLst>
+            </p:cNvPr>
+            <p:cNvSpPr/>
+            <p:nvPr/>
+          </p:nvSpPr>
+          <p:spPr bwMode="auto">
+            <a:xfrm>
+              <a:off x="10547028" y="3476804"/>
+              <a:ext cx="2986571" cy="419904"/>
+            </a:xfrm>
+            <a:prstGeom prst="roundRect">
+              <a:avLst/>
+            </a:prstGeom>
+            <a:solidFill>
+              <a:srgbClr val="0070C0"/>
+            </a:solidFill>
+            <a:ln>
+              <a:solidFill>
+                <a:srgbClr val="0070C0"/>
+              </a:solidFill>
+              <a:headEnd type="none" w="med" len="med"/>
+              <a:tailEnd type="none" w="med" len="med"/>
+            </a:ln>
+            <a:effectLst/>
+          </p:spPr>
+          <p:style>
+            <a:lnRef idx="1">
+              <a:schemeClr val="accent2"/>
+            </a:lnRef>
+            <a:fillRef idx="3">
+              <a:schemeClr val="accent2"/>
+            </a:fillRef>
+            <a:effectRef idx="2">
+              <a:schemeClr val="accent2"/>
+            </a:effectRef>
+            <a:fontRef idx="minor">
+              <a:schemeClr val="lt1"/>
+            </a:fontRef>
+          </p:style>
+          <p:txBody>
+            <a:bodyPr rot="0" spcFirstLastPara="0" vertOverflow="overflow" horzOverflow="overflow" vert="horz" wrap="square" lIns="0" tIns="0" rIns="0" bIns="0" numCol="1" spcCol="0" rtlCol="0" fromWordArt="0" anchor="ctr" anchorCtr="0" forceAA="0" compatLnSpc="1">
+              <a:prstTxWarp prst="textNoShape">
+                <a:avLst/>
+              </a:prstTxWarp>
+              <a:noAutofit/>
+            </a:bodyPr>
+            <a:lstStyle/>
+            <a:p>
+              <a:pPr algn="ctr" defTabSz="932472" fontAlgn="base">
+                <a:lnSpc>
+                  <a:spcPct val="90000"/>
+                </a:lnSpc>
+                <a:spcBef>
+                  <a:spcPct val="0"/>
+                </a:spcBef>
+                <a:spcAft>
+                  <a:spcPct val="0"/>
+                </a:spcAft>
+              </a:pPr>
+              <a:r>
+                <a:rPr lang="en-CA" sz="1600" dirty="0">
+                  <a:gradFill>
+                    <a:gsLst>
+                      <a:gs pos="0">
+                        <a:srgbClr val="FFFFFF"/>
+                      </a:gs>
+                      <a:gs pos="100000">
+                        <a:srgbClr val="FFFFFF"/>
+                      </a:gs>
+                    </a:gsLst>
+                    <a:lin ang="5400000" scaled="0"/>
+                  </a:gradFill>
+                  <a:ea typeface="Segoe UI" pitchFamily="34" charset="0"/>
+                  <a:cs typeface="Segoe UI" pitchFamily="34" charset="0"/>
+                </a:rPr>
+                <a:t>Traffic Manager</a:t>
+              </a:r>
+            </a:p>
+          </p:txBody>
+        </p:sp>
+        <p:sp>
+          <p:nvSpPr>
+            <p:cNvPr id="31" name="Rectangle 30">
+              <a:extLst>
+                <a:ext uri="{FF2B5EF4-FFF2-40B4-BE49-F238E27FC236}">
+                  <a16:creationId xmlns:a16="http://schemas.microsoft.com/office/drawing/2014/main" id="{0AA1D57A-B9A9-4DFF-A18A-2FCDCEF91B63}"/>
+                </a:ext>
+              </a:extLst>
+            </p:cNvPr>
+            <p:cNvSpPr/>
+            <p:nvPr/>
+          </p:nvSpPr>
+          <p:spPr bwMode="auto">
+            <a:xfrm>
+              <a:off x="10547029" y="3833402"/>
+              <a:ext cx="2986570" cy="809718"/>
+            </a:xfrm>
+            <a:prstGeom prst="rect">
+              <a:avLst/>
+            </a:prstGeom>
+            <a:solidFill>
+              <a:schemeClr val="tx1"/>
+            </a:solidFill>
+            <a:ln>
+              <a:solidFill>
+                <a:srgbClr val="0070C0"/>
+              </a:solidFill>
+              <a:headEnd type="none" w="med" len="med"/>
+              <a:tailEnd type="none" w="med" len="med"/>
+            </a:ln>
+            <a:effectLst/>
+          </p:spPr>
+          <p:style>
+            <a:lnRef idx="1">
+              <a:schemeClr val="accent2"/>
+            </a:lnRef>
+            <a:fillRef idx="3">
+              <a:schemeClr val="accent2"/>
+            </a:fillRef>
+            <a:effectRef idx="2">
+              <a:schemeClr val="accent2"/>
+            </a:effectRef>
+            <a:fontRef idx="minor">
+              <a:schemeClr val="lt1"/>
+            </a:fontRef>
+          </p:style>
+          <p:txBody>
+            <a:bodyPr rot="0" spcFirstLastPara="0" vertOverflow="overflow" horzOverflow="overflow" vert="horz" wrap="square" lIns="36000" tIns="72000" rIns="0" bIns="0" numCol="1" spcCol="0" rtlCol="0" fromWordArt="0" anchor="ctr" anchorCtr="0" forceAA="0" compatLnSpc="1">
+              <a:prstTxWarp prst="textNoShape">
+                <a:avLst/>
+              </a:prstTxWarp>
+              <a:noAutofit/>
+            </a:bodyPr>
+            <a:lstStyle/>
+            <a:p>
+              <a:pPr defTabSz="932472" fontAlgn="base">
+                <a:lnSpc>
+                  <a:spcPct val="90000"/>
+                </a:lnSpc>
+                <a:spcBef>
+                  <a:spcPct val="0"/>
+                </a:spcBef>
+                <a:spcAft>
+                  <a:spcPct val="0"/>
+                </a:spcAft>
+              </a:pPr>
+              <a:r>
+                <a:rPr lang="en-CA" sz="900" b="1" dirty="0">
+                  <a:solidFill>
+                    <a:srgbClr val="0070C0"/>
+                  </a:solidFill>
+                  <a:ea typeface="Segoe UI" pitchFamily="34" charset="0"/>
+                  <a:cs typeface="Segoe UI" pitchFamily="34" charset="0"/>
+                </a:rPr>
+                <a:t>Routing methods</a:t>
+              </a:r>
+            </a:p>
+            <a:p>
+              <a:pPr marL="360363" lvl="1" indent="-184150" defTabSz="932472" fontAlgn="base">
+                <a:lnSpc>
+                  <a:spcPct val="90000"/>
+                </a:lnSpc>
+                <a:spcBef>
+                  <a:spcPct val="0"/>
+                </a:spcBef>
+                <a:spcAft>
+                  <a:spcPct val="0"/>
+                </a:spcAft>
+                <a:buFont typeface="Arial" panose="020B0604020202020204" pitchFamily="34" charset="0"/>
+                <a:buChar char="•"/>
+              </a:pPr>
+              <a:r>
+                <a:rPr lang="en-CA" sz="800" dirty="0">
+                  <a:solidFill>
+                    <a:srgbClr val="0070C0"/>
+                  </a:solidFill>
+                  <a:cs typeface="Segoe UI" pitchFamily="34" charset="0"/>
+                </a:rPr>
+                <a:t>Performance</a:t>
+              </a:r>
+            </a:p>
+            <a:p>
+              <a:pPr marL="360363" lvl="1" indent="-184150" defTabSz="932472" fontAlgn="base">
+                <a:lnSpc>
+                  <a:spcPct val="90000"/>
+                </a:lnSpc>
+                <a:spcBef>
+                  <a:spcPct val="0"/>
+                </a:spcBef>
+                <a:spcAft>
+                  <a:spcPct val="0"/>
+                </a:spcAft>
+                <a:buFont typeface="Arial" panose="020B0604020202020204" pitchFamily="34" charset="0"/>
+                <a:buChar char="•"/>
+              </a:pPr>
+              <a:r>
+                <a:rPr lang="en-CA" sz="800" dirty="0">
+                  <a:solidFill>
+                    <a:srgbClr val="0070C0"/>
+                  </a:solidFill>
+                  <a:cs typeface="Segoe UI" pitchFamily="34" charset="0"/>
+                </a:rPr>
+                <a:t>Weighted</a:t>
+              </a:r>
+            </a:p>
+            <a:p>
+              <a:pPr marL="360363" lvl="1" indent="-184150" defTabSz="932472" fontAlgn="base">
+                <a:lnSpc>
+                  <a:spcPct val="90000"/>
+                </a:lnSpc>
+                <a:spcBef>
+                  <a:spcPct val="0"/>
+                </a:spcBef>
+                <a:spcAft>
+                  <a:spcPct val="0"/>
+                </a:spcAft>
+                <a:buFont typeface="Arial" panose="020B0604020202020204" pitchFamily="34" charset="0"/>
+                <a:buChar char="•"/>
+              </a:pPr>
+              <a:r>
+                <a:rPr lang="en-CA" sz="800" dirty="0">
+                  <a:solidFill>
+                    <a:srgbClr val="0070C0"/>
+                  </a:solidFill>
+                  <a:cs typeface="Segoe UI" pitchFamily="34" charset="0"/>
+                </a:rPr>
+                <a:t>Priority</a:t>
+              </a:r>
+            </a:p>
+            <a:p>
+              <a:pPr marL="360363" lvl="1" indent="-184150" defTabSz="932472" fontAlgn="base">
+                <a:lnSpc>
+                  <a:spcPct val="90000"/>
+                </a:lnSpc>
+                <a:spcBef>
+                  <a:spcPct val="0"/>
+                </a:spcBef>
+                <a:spcAft>
+                  <a:spcPct val="0"/>
+                </a:spcAft>
+                <a:buFont typeface="Arial" panose="020B0604020202020204" pitchFamily="34" charset="0"/>
+                <a:buChar char="•"/>
+              </a:pPr>
+              <a:r>
+                <a:rPr lang="en-CA" sz="800" dirty="0">
+                  <a:solidFill>
+                    <a:srgbClr val="0070C0"/>
+                  </a:solidFill>
+                  <a:cs typeface="Segoe UI" pitchFamily="34" charset="0"/>
+                </a:rPr>
+                <a:t>Geographic</a:t>
+              </a:r>
+            </a:p>
+            <a:p>
+              <a:pPr defTabSz="932472" fontAlgn="base">
+                <a:lnSpc>
+                  <a:spcPct val="90000"/>
+                </a:lnSpc>
+                <a:spcBef>
+                  <a:spcPct val="0"/>
+                </a:spcBef>
+                <a:spcAft>
+                  <a:spcPct val="0"/>
+                </a:spcAft>
+              </a:pPr>
+              <a:r>
+                <a:rPr lang="en-CA" sz="900" b="1" dirty="0">
+                  <a:solidFill>
+                    <a:srgbClr val="0070C0"/>
+                  </a:solidFill>
+                  <a:ea typeface="Segoe UI" pitchFamily="34" charset="0"/>
+                  <a:cs typeface="Segoe UI" pitchFamily="34" charset="0"/>
+                </a:rPr>
+                <a:t>Handle load &amp; locate closest geo region at DNS level</a:t>
+              </a:r>
+              <a:endParaRPr lang="en-CA" sz="800" dirty="0">
+                <a:solidFill>
+                  <a:srgbClr val="0070C0"/>
+                </a:solidFill>
+                <a:ea typeface="Segoe UI" pitchFamily="34" charset="0"/>
+                <a:cs typeface="Segoe UI" pitchFamily="34" charset="0"/>
+              </a:endParaRPr>
+            </a:p>
+          </p:txBody>
+        </p:sp>
+        <p:sp>
+          <p:nvSpPr>
+            <p:cNvPr id="32" name="Rectangle: Rounded Corners 31">
+              <a:extLst>
+                <a:ext uri="{FF2B5EF4-FFF2-40B4-BE49-F238E27FC236}">
+                  <a16:creationId xmlns:a16="http://schemas.microsoft.com/office/drawing/2014/main" id="{79DA196B-77E9-4182-93FC-3BEB4E056C5B}"/>
+                </a:ext>
+              </a:extLst>
+            </p:cNvPr>
+            <p:cNvSpPr/>
+            <p:nvPr/>
+          </p:nvSpPr>
+          <p:spPr bwMode="auto">
+            <a:xfrm>
+              <a:off x="10544628" y="4730154"/>
+              <a:ext cx="2986571" cy="419904"/>
+            </a:xfrm>
+            <a:prstGeom prst="roundRect">
+              <a:avLst/>
+            </a:prstGeom>
+            <a:solidFill>
+              <a:srgbClr val="0070C0"/>
+            </a:solidFill>
+            <a:ln>
+              <a:solidFill>
+                <a:srgbClr val="0070C0"/>
+              </a:solidFill>
+              <a:headEnd type="none" w="med" len="med"/>
+              <a:tailEnd type="none" w="med" len="med"/>
+            </a:ln>
+            <a:effectLst/>
+          </p:spPr>
+          <p:style>
+            <a:lnRef idx="1">
+              <a:schemeClr val="accent2"/>
+            </a:lnRef>
+            <a:fillRef idx="3">
+              <a:schemeClr val="accent2"/>
+            </a:fillRef>
+            <a:effectRef idx="2">
+              <a:schemeClr val="accent2"/>
+            </a:effectRef>
+            <a:fontRef idx="minor">
+              <a:schemeClr val="lt1"/>
+            </a:fontRef>
+          </p:style>
+          <p:txBody>
+            <a:bodyPr rot="0" spcFirstLastPara="0" vertOverflow="overflow" horzOverflow="overflow" vert="horz" wrap="square" lIns="0" tIns="0" rIns="0" bIns="0" numCol="1" spcCol="0" rtlCol="0" fromWordArt="0" anchor="ctr" anchorCtr="0" forceAA="0" compatLnSpc="1">
+              <a:prstTxWarp prst="textNoShape">
+                <a:avLst/>
+              </a:prstTxWarp>
+              <a:noAutofit/>
+            </a:bodyPr>
+            <a:lstStyle/>
+            <a:p>
+              <a:pPr algn="ctr" defTabSz="932472" fontAlgn="base">
+                <a:lnSpc>
+                  <a:spcPct val="90000"/>
+                </a:lnSpc>
+                <a:spcBef>
+                  <a:spcPct val="0"/>
+                </a:spcBef>
+                <a:spcAft>
+                  <a:spcPct val="0"/>
+                </a:spcAft>
+              </a:pPr>
+              <a:r>
+                <a:rPr lang="en-CA" sz="1600" dirty="0">
+                  <a:gradFill>
+                    <a:gsLst>
+                      <a:gs pos="0">
+                        <a:srgbClr val="FFFFFF"/>
+                      </a:gs>
+                      <a:gs pos="100000">
+                        <a:srgbClr val="FFFFFF"/>
+                      </a:gs>
+                    </a:gsLst>
+                    <a:lin ang="5400000" scaled="0"/>
+                  </a:gradFill>
+                  <a:ea typeface="Segoe UI" pitchFamily="34" charset="0"/>
+                  <a:cs typeface="Segoe UI" pitchFamily="34" charset="0"/>
+                </a:rPr>
+                <a:t>Scalability</a:t>
+              </a:r>
+            </a:p>
+          </p:txBody>
+        </p:sp>
+        <p:sp>
+          <p:nvSpPr>
+            <p:cNvPr id="33" name="Rectangle 32">
+              <a:extLst>
+                <a:ext uri="{FF2B5EF4-FFF2-40B4-BE49-F238E27FC236}">
+                  <a16:creationId xmlns:a16="http://schemas.microsoft.com/office/drawing/2014/main" id="{92647090-161E-46CC-914C-40C8CE5B681D}"/>
+                </a:ext>
+              </a:extLst>
+            </p:cNvPr>
+            <p:cNvSpPr/>
+            <p:nvPr/>
+          </p:nvSpPr>
+          <p:spPr bwMode="auto">
+            <a:xfrm>
+              <a:off x="10544629" y="5086752"/>
+              <a:ext cx="2986570" cy="559202"/>
+            </a:xfrm>
+            <a:prstGeom prst="rect">
+              <a:avLst/>
+            </a:prstGeom>
+            <a:solidFill>
+              <a:schemeClr val="tx1"/>
+            </a:solidFill>
+            <a:ln>
+              <a:solidFill>
+                <a:srgbClr val="0070C0"/>
+              </a:solidFill>
+              <a:headEnd type="none" w="med" len="med"/>
+              <a:tailEnd type="none" w="med" len="med"/>
+            </a:ln>
+            <a:effectLst/>
+          </p:spPr>
+          <p:style>
+            <a:lnRef idx="1">
+              <a:schemeClr val="accent2"/>
+            </a:lnRef>
+            <a:fillRef idx="3">
+              <a:schemeClr val="accent2"/>
+            </a:fillRef>
+            <a:effectRef idx="2">
+              <a:schemeClr val="accent2"/>
+            </a:effectRef>
+            <a:fontRef idx="minor">
+              <a:schemeClr val="lt1"/>
+            </a:fontRef>
+          </p:style>
+          <p:txBody>
+            <a:bodyPr rot="0" spcFirstLastPara="0" vertOverflow="overflow" horzOverflow="overflow" vert="horz" wrap="square" lIns="36000" tIns="72000" rIns="0" bIns="0" numCol="1" spcCol="0" rtlCol="0" fromWordArt="0" anchor="ctr" anchorCtr="0" forceAA="0" compatLnSpc="1">
+              <a:prstTxWarp prst="textNoShape">
+                <a:avLst/>
+              </a:prstTxWarp>
+              <a:noAutofit/>
+            </a:bodyPr>
+            <a:lstStyle/>
+            <a:p>
+              <a:pPr defTabSz="932472" fontAlgn="base">
+                <a:lnSpc>
+                  <a:spcPct val="90000"/>
+                </a:lnSpc>
+                <a:spcBef>
+                  <a:spcPct val="0"/>
+                </a:spcBef>
+                <a:spcAft>
+                  <a:spcPct val="0"/>
+                </a:spcAft>
+              </a:pPr>
+              <a:r>
+                <a:rPr lang="en-CA" sz="900" b="1" dirty="0">
+                  <a:solidFill>
+                    <a:srgbClr val="0070C0"/>
+                  </a:solidFill>
+                  <a:ea typeface="Segoe UI" pitchFamily="34" charset="0"/>
+                  <a:cs typeface="Segoe UI" pitchFamily="34" charset="0"/>
+                </a:rPr>
+                <a:t>Up</a:t>
+              </a:r>
+            </a:p>
+            <a:p>
+              <a:pPr marL="360363" lvl="1" indent="-184150" defTabSz="932472" fontAlgn="base">
+                <a:lnSpc>
+                  <a:spcPct val="90000"/>
+                </a:lnSpc>
+                <a:spcBef>
+                  <a:spcPct val="0"/>
+                </a:spcBef>
+                <a:spcAft>
+                  <a:spcPct val="0"/>
+                </a:spcAft>
+                <a:buFont typeface="Arial" panose="020B0604020202020204" pitchFamily="34" charset="0"/>
+                <a:buChar char="•"/>
+              </a:pPr>
+              <a:r>
+                <a:rPr lang="en-CA" sz="800" dirty="0">
+                  <a:solidFill>
+                    <a:srgbClr val="0070C0"/>
+                  </a:solidFill>
+                  <a:cs typeface="Segoe UI" pitchFamily="34" charset="0"/>
+                </a:rPr>
+                <a:t>Select different (better) Service Plan</a:t>
+              </a:r>
+            </a:p>
+            <a:p>
+              <a:pPr defTabSz="932472" fontAlgn="base">
+                <a:lnSpc>
+                  <a:spcPct val="90000"/>
+                </a:lnSpc>
+                <a:spcBef>
+                  <a:spcPct val="0"/>
+                </a:spcBef>
+                <a:spcAft>
+                  <a:spcPct val="0"/>
+                </a:spcAft>
+              </a:pPr>
+              <a:r>
+                <a:rPr lang="en-CA" sz="900" b="1" dirty="0">
+                  <a:solidFill>
+                    <a:srgbClr val="0070C0"/>
+                  </a:solidFill>
+                  <a:ea typeface="Segoe UI" pitchFamily="34" charset="0"/>
+                  <a:cs typeface="Segoe UI" pitchFamily="34" charset="0"/>
+                </a:rPr>
+                <a:t>Out</a:t>
+              </a:r>
+            </a:p>
+            <a:p>
+              <a:pPr marL="360363" lvl="1" indent="-184150" defTabSz="932472" fontAlgn="base">
+                <a:lnSpc>
+                  <a:spcPct val="90000"/>
+                </a:lnSpc>
+                <a:spcBef>
+                  <a:spcPct val="0"/>
+                </a:spcBef>
+                <a:spcAft>
+                  <a:spcPct val="0"/>
+                </a:spcAft>
+                <a:buFont typeface="Arial" panose="020B0604020202020204" pitchFamily="34" charset="0"/>
+                <a:buChar char="•"/>
+              </a:pPr>
+              <a:r>
+                <a:rPr lang="en-CA" sz="800" dirty="0">
+                  <a:solidFill>
+                    <a:srgbClr val="0070C0"/>
+                  </a:solidFill>
+                  <a:cs typeface="Segoe UI" pitchFamily="34" charset="0"/>
+                </a:rPr>
+                <a:t>Scale out Web App manually or automatically</a:t>
+              </a:r>
+              <a:endParaRPr lang="en-CA" sz="800" dirty="0">
+                <a:solidFill>
+                  <a:srgbClr val="0070C0"/>
+                </a:solidFill>
+                <a:ea typeface="Segoe UI" pitchFamily="34" charset="0"/>
+                <a:cs typeface="Segoe UI" pitchFamily="34" charset="0"/>
+              </a:endParaRPr>
+            </a:p>
+          </p:txBody>
+        </p:sp>
+      </p:grpSp>
+      <p:grpSp>
+        <p:nvGrpSpPr>
+          <p:cNvPr id="8" name="Group 7">
+            <a:extLst>
+              <a:ext uri="{FF2B5EF4-FFF2-40B4-BE49-F238E27FC236}">
+                <a16:creationId xmlns:a16="http://schemas.microsoft.com/office/drawing/2014/main" id="{6352D39C-D5EA-4D89-AC35-FB30B07438EA}"/>
+              </a:ext>
+            </a:extLst>
+          </p:cNvPr>
+          <p:cNvGrpSpPr/>
+          <p:nvPr/>
+        </p:nvGrpSpPr>
+        <p:grpSpPr>
+          <a:xfrm>
+            <a:off x="14879122" y="358932"/>
+            <a:ext cx="6081412" cy="5250135"/>
+            <a:chOff x="13781842" y="358932"/>
+            <a:chExt cx="6081412" cy="5250135"/>
+          </a:xfrm>
+        </p:grpSpPr>
+        <p:sp>
+          <p:nvSpPr>
+            <p:cNvPr id="17" name="Rectangle: Rounded Corners 16">
+              <a:extLst>
+                <a:ext uri="{FF2B5EF4-FFF2-40B4-BE49-F238E27FC236}">
+                  <a16:creationId xmlns:a16="http://schemas.microsoft.com/office/drawing/2014/main" id="{C27BE2A7-CED0-40EE-BC37-E712AF336D61}"/>
+                </a:ext>
+              </a:extLst>
+            </p:cNvPr>
+            <p:cNvSpPr/>
+            <p:nvPr/>
+          </p:nvSpPr>
+          <p:spPr bwMode="auto">
+            <a:xfrm>
+              <a:off x="13784247" y="881288"/>
+              <a:ext cx="2986571" cy="419904"/>
+            </a:xfrm>
+            <a:prstGeom prst="roundRect">
+              <a:avLst/>
+            </a:prstGeom>
+            <a:solidFill>
+              <a:srgbClr val="0070C0"/>
+            </a:solidFill>
+            <a:ln>
+              <a:solidFill>
+                <a:srgbClr val="0070C0"/>
+              </a:solidFill>
+              <a:headEnd type="none" w="med" len="med"/>
+              <a:tailEnd type="none" w="med" len="med"/>
+            </a:ln>
+            <a:effectLst/>
+          </p:spPr>
+          <p:style>
+            <a:lnRef idx="1">
+              <a:schemeClr val="accent2"/>
+            </a:lnRef>
+            <a:fillRef idx="3">
+              <a:schemeClr val="accent2"/>
+            </a:fillRef>
+            <a:effectRef idx="2">
+              <a:schemeClr val="accent2"/>
+            </a:effectRef>
+            <a:fontRef idx="minor">
+              <a:schemeClr val="lt1"/>
+            </a:fontRef>
+          </p:style>
+          <p:txBody>
+            <a:bodyPr rot="0" spcFirstLastPara="0" vertOverflow="overflow" horzOverflow="overflow" vert="horz" wrap="square" lIns="0" tIns="0" rIns="0" bIns="0" numCol="1" spcCol="0" rtlCol="0" fromWordArt="0" anchor="ctr" anchorCtr="0" forceAA="0" compatLnSpc="1">
+              <a:prstTxWarp prst="textNoShape">
+                <a:avLst/>
+              </a:prstTxWarp>
+              <a:noAutofit/>
+            </a:bodyPr>
+            <a:lstStyle/>
+            <a:p>
+              <a:pPr algn="ctr" defTabSz="932472" fontAlgn="base">
+                <a:lnSpc>
+                  <a:spcPct val="90000"/>
+                </a:lnSpc>
+                <a:spcBef>
+                  <a:spcPct val="0"/>
+                </a:spcBef>
+                <a:spcAft>
+                  <a:spcPct val="0"/>
+                </a:spcAft>
+              </a:pPr>
+              <a:r>
+                <a:rPr lang="en-CA" sz="1600" dirty="0">
+                  <a:gradFill>
+                    <a:gsLst>
+                      <a:gs pos="0">
+                        <a:srgbClr val="FFFFFF"/>
+                      </a:gs>
+                      <a:gs pos="100000">
+                        <a:srgbClr val="FFFFFF"/>
+                      </a:gs>
+                    </a:gsLst>
+                    <a:lin ang="5400000" scaled="0"/>
+                  </a:gradFill>
+                  <a:ea typeface="Segoe UI" pitchFamily="34" charset="0"/>
+                  <a:cs typeface="Segoe UI" pitchFamily="34" charset="0"/>
+                </a:rPr>
+                <a:t>Functions</a:t>
+              </a:r>
+            </a:p>
+          </p:txBody>
+        </p:sp>
+        <p:sp>
+          <p:nvSpPr>
+            <p:cNvPr id="18" name="Rectangle 17">
+              <a:extLst>
+                <a:ext uri="{FF2B5EF4-FFF2-40B4-BE49-F238E27FC236}">
+                  <a16:creationId xmlns:a16="http://schemas.microsoft.com/office/drawing/2014/main" id="{244B9453-96B4-4B8B-86FE-E52893C9B98F}"/>
+                </a:ext>
+              </a:extLst>
+            </p:cNvPr>
+            <p:cNvSpPr/>
+            <p:nvPr/>
+          </p:nvSpPr>
+          <p:spPr bwMode="auto">
+            <a:xfrm>
+              <a:off x="13784248" y="1237886"/>
+              <a:ext cx="2986570" cy="1373234"/>
+            </a:xfrm>
+            <a:prstGeom prst="rect">
+              <a:avLst/>
+            </a:prstGeom>
+            <a:solidFill>
+              <a:schemeClr val="tx1"/>
+            </a:solidFill>
+            <a:ln>
+              <a:solidFill>
+                <a:srgbClr val="0070C0"/>
+              </a:solidFill>
+              <a:headEnd type="none" w="med" len="med"/>
+              <a:tailEnd type="none" w="med" len="med"/>
+            </a:ln>
+            <a:effectLst/>
+          </p:spPr>
+          <p:style>
+            <a:lnRef idx="1">
+              <a:schemeClr val="accent2"/>
+            </a:lnRef>
+            <a:fillRef idx="3">
+              <a:schemeClr val="accent2"/>
+            </a:fillRef>
+            <a:effectRef idx="2">
+              <a:schemeClr val="accent2"/>
+            </a:effectRef>
+            <a:fontRef idx="minor">
+              <a:schemeClr val="lt1"/>
+            </a:fontRef>
+          </p:style>
+          <p:txBody>
+            <a:bodyPr rot="0" spcFirstLastPara="0" vertOverflow="overflow" horzOverflow="overflow" vert="horz" wrap="square" lIns="36000" tIns="72000" rIns="0" bIns="0" numCol="1" spcCol="0" rtlCol="0" fromWordArt="0" anchor="ctr" anchorCtr="0" forceAA="0" compatLnSpc="1">
+              <a:prstTxWarp prst="textNoShape">
+                <a:avLst/>
+              </a:prstTxWarp>
+              <a:noAutofit/>
+            </a:bodyPr>
+            <a:lstStyle/>
+            <a:p>
+              <a:pPr defTabSz="932472" fontAlgn="base">
+                <a:lnSpc>
+                  <a:spcPct val="90000"/>
+                </a:lnSpc>
+                <a:spcBef>
+                  <a:spcPct val="0"/>
+                </a:spcBef>
+                <a:spcAft>
+                  <a:spcPct val="0"/>
+                </a:spcAft>
+              </a:pPr>
+              <a:r>
+                <a:rPr lang="en-CA" sz="900" b="1" dirty="0">
+                  <a:solidFill>
+                    <a:srgbClr val="0070C0"/>
+                  </a:solidFill>
+                  <a:ea typeface="Segoe UI" pitchFamily="34" charset="0"/>
+                  <a:cs typeface="Segoe UI" pitchFamily="34" charset="0"/>
+                </a:rPr>
+                <a:t>Serverless compute service</a:t>
+              </a:r>
+            </a:p>
+            <a:p>
+              <a:pPr defTabSz="932472" fontAlgn="base">
+                <a:lnSpc>
+                  <a:spcPct val="90000"/>
+                </a:lnSpc>
+                <a:spcBef>
+                  <a:spcPct val="0"/>
+                </a:spcBef>
+                <a:spcAft>
+                  <a:spcPct val="0"/>
+                </a:spcAft>
+              </a:pPr>
+              <a:r>
+                <a:rPr lang="en-CA" sz="900" b="1" dirty="0">
+                  <a:solidFill>
+                    <a:srgbClr val="0070C0"/>
+                  </a:solidFill>
+                  <a:ea typeface="Segoe UI" pitchFamily="34" charset="0"/>
+                  <a:cs typeface="Segoe UI" pitchFamily="34" charset="0"/>
+                </a:rPr>
+                <a:t>Event-driven actions and triggers</a:t>
+              </a:r>
+            </a:p>
+            <a:p>
+              <a:pPr marL="360363" lvl="1" indent="-184150" defTabSz="932472" fontAlgn="base">
+                <a:lnSpc>
+                  <a:spcPct val="90000"/>
+                </a:lnSpc>
+                <a:spcBef>
+                  <a:spcPct val="0"/>
+                </a:spcBef>
+                <a:spcAft>
+                  <a:spcPct val="0"/>
+                </a:spcAft>
+                <a:buFont typeface="Arial" panose="020B0604020202020204" pitchFamily="34" charset="0"/>
+                <a:buChar char="•"/>
+              </a:pPr>
+              <a:r>
+                <a:rPr lang="en-CA" sz="800" dirty="0">
+                  <a:solidFill>
+                    <a:srgbClr val="0070C0"/>
+                  </a:solidFill>
+                  <a:cs typeface="Segoe UI" pitchFamily="34" charset="0"/>
+                </a:rPr>
+                <a:t>HTTP-based API endpoints (HTTP triggers)</a:t>
+              </a:r>
+            </a:p>
+            <a:p>
+              <a:pPr marL="360363" lvl="1" indent="-184150" defTabSz="932472" fontAlgn="base">
+                <a:lnSpc>
+                  <a:spcPct val="90000"/>
+                </a:lnSpc>
+                <a:spcBef>
+                  <a:spcPct val="0"/>
+                </a:spcBef>
+                <a:spcAft>
+                  <a:spcPct val="0"/>
+                </a:spcAft>
+                <a:buFont typeface="Arial" panose="020B0604020202020204" pitchFamily="34" charset="0"/>
+                <a:buChar char="•"/>
+              </a:pPr>
+              <a:r>
+                <a:rPr lang="en-CA" sz="800" dirty="0">
+                  <a:solidFill>
+                    <a:srgbClr val="0070C0"/>
+                  </a:solidFill>
+                  <a:cs typeface="Segoe UI" pitchFamily="34" charset="0"/>
+                </a:rPr>
+                <a:t>Timer triggers</a:t>
+              </a:r>
+            </a:p>
+            <a:p>
+              <a:pPr defTabSz="932472" fontAlgn="base">
+                <a:lnSpc>
+                  <a:spcPct val="90000"/>
+                </a:lnSpc>
+                <a:spcBef>
+                  <a:spcPct val="0"/>
+                </a:spcBef>
+                <a:spcAft>
+                  <a:spcPct val="0"/>
+                </a:spcAft>
+              </a:pPr>
+              <a:r>
+                <a:rPr lang="en-CA" sz="900" b="1" dirty="0">
+                  <a:solidFill>
+                    <a:srgbClr val="0070C0"/>
+                  </a:solidFill>
+                  <a:ea typeface="Segoe UI" pitchFamily="34" charset="0"/>
+                  <a:cs typeface="Segoe UI" pitchFamily="34" charset="0"/>
+                </a:rPr>
+                <a:t>Programming Languages</a:t>
+              </a:r>
+            </a:p>
+            <a:p>
+              <a:pPr marL="360363" lvl="1" indent="-184150" defTabSz="932472" fontAlgn="base">
+                <a:lnSpc>
+                  <a:spcPct val="90000"/>
+                </a:lnSpc>
+                <a:spcBef>
+                  <a:spcPct val="0"/>
+                </a:spcBef>
+                <a:spcAft>
+                  <a:spcPct val="0"/>
+                </a:spcAft>
+                <a:buFont typeface="Arial" panose="020B0604020202020204" pitchFamily="34" charset="0"/>
+                <a:buChar char="•"/>
+              </a:pPr>
+              <a:r>
+                <a:rPr lang="en-CA" sz="800" dirty="0">
+                  <a:solidFill>
+                    <a:srgbClr val="0070C0"/>
+                  </a:solidFill>
+                  <a:cs typeface="Segoe UI" pitchFamily="34" charset="0"/>
+                </a:rPr>
+                <a:t>C#, F#, Node.js, Java, PHP, PowerShell, Batch, JavaScript, Python, Typescript</a:t>
+              </a:r>
+            </a:p>
+            <a:p>
+              <a:pPr defTabSz="932472" fontAlgn="base">
+                <a:lnSpc>
+                  <a:spcPct val="90000"/>
+                </a:lnSpc>
+                <a:spcBef>
+                  <a:spcPct val="0"/>
+                </a:spcBef>
+                <a:spcAft>
+                  <a:spcPct val="0"/>
+                </a:spcAft>
+              </a:pPr>
+              <a:r>
+                <a:rPr lang="en-CA" sz="900" b="1" dirty="0">
+                  <a:solidFill>
+                    <a:srgbClr val="0070C0"/>
+                  </a:solidFill>
+                  <a:ea typeface="Segoe UI" pitchFamily="34" charset="0"/>
+                  <a:cs typeface="Segoe UI" pitchFamily="34" charset="0"/>
+                </a:rPr>
+                <a:t>Plans</a:t>
+              </a:r>
+            </a:p>
+            <a:p>
+              <a:pPr marL="360363" lvl="1" indent="-184150" defTabSz="932472" fontAlgn="base">
+                <a:lnSpc>
+                  <a:spcPct val="90000"/>
+                </a:lnSpc>
+                <a:spcBef>
+                  <a:spcPct val="0"/>
+                </a:spcBef>
+                <a:spcAft>
+                  <a:spcPct val="0"/>
+                </a:spcAft>
+                <a:buFont typeface="Arial" panose="020B0604020202020204" pitchFamily="34" charset="0"/>
+                <a:buChar char="•"/>
+              </a:pPr>
+              <a:r>
+                <a:rPr lang="en-CA" sz="800" dirty="0">
+                  <a:solidFill>
+                    <a:srgbClr val="0070C0"/>
+                  </a:solidFill>
+                  <a:cs typeface="Segoe UI" pitchFamily="34" charset="0"/>
+                </a:rPr>
+                <a:t>Consumption App Service Plan (cost effective)</a:t>
+              </a:r>
+            </a:p>
+            <a:p>
+              <a:pPr marL="360363" lvl="1" indent="-184150" defTabSz="932472" fontAlgn="base">
+                <a:lnSpc>
+                  <a:spcPct val="90000"/>
+                </a:lnSpc>
+                <a:spcBef>
+                  <a:spcPct val="0"/>
+                </a:spcBef>
+                <a:spcAft>
+                  <a:spcPct val="0"/>
+                </a:spcAft>
+                <a:buFont typeface="Arial" panose="020B0604020202020204" pitchFamily="34" charset="0"/>
+                <a:buChar char="•"/>
+              </a:pPr>
+              <a:r>
+                <a:rPr lang="en-CA" sz="800" dirty="0">
+                  <a:solidFill>
+                    <a:srgbClr val="0070C0"/>
+                  </a:solidFill>
+                  <a:cs typeface="Segoe UI" pitchFamily="34" charset="0"/>
+                </a:rPr>
+                <a:t>Other App Service Plans</a:t>
+              </a:r>
+            </a:p>
+            <a:p>
+              <a:pPr indent="-699808" defTabSz="932472" fontAlgn="base">
+                <a:lnSpc>
+                  <a:spcPct val="90000"/>
+                </a:lnSpc>
+                <a:spcBef>
+                  <a:spcPct val="0"/>
+                </a:spcBef>
+                <a:spcAft>
+                  <a:spcPct val="0"/>
+                </a:spcAft>
+              </a:pPr>
+              <a:endParaRPr lang="en-CA" sz="800" dirty="0">
+                <a:solidFill>
+                  <a:srgbClr val="0070C0"/>
+                </a:solidFill>
+                <a:cs typeface="Segoe UI" pitchFamily="34" charset="0"/>
+              </a:endParaRPr>
+            </a:p>
+          </p:txBody>
+        </p:sp>
+        <p:sp>
+          <p:nvSpPr>
+            <p:cNvPr id="19" name="Rectangle: Rounded Corners 18">
+              <a:extLst>
+                <a:ext uri="{FF2B5EF4-FFF2-40B4-BE49-F238E27FC236}">
+                  <a16:creationId xmlns:a16="http://schemas.microsoft.com/office/drawing/2014/main" id="{C303F590-18CB-46A7-91B0-5D1B363FC496}"/>
+                </a:ext>
+              </a:extLst>
+            </p:cNvPr>
+            <p:cNvSpPr/>
+            <p:nvPr/>
+          </p:nvSpPr>
+          <p:spPr bwMode="auto">
+            <a:xfrm>
+              <a:off x="13781842" y="4162512"/>
+              <a:ext cx="2986571" cy="419904"/>
+            </a:xfrm>
+            <a:prstGeom prst="roundRect">
+              <a:avLst/>
+            </a:prstGeom>
+            <a:solidFill>
+              <a:srgbClr val="0070C0"/>
+            </a:solidFill>
+            <a:ln>
+              <a:solidFill>
+                <a:srgbClr val="0070C0"/>
+              </a:solidFill>
+              <a:headEnd type="none" w="med" len="med"/>
+              <a:tailEnd type="none" w="med" len="med"/>
+            </a:ln>
+            <a:effectLst/>
+          </p:spPr>
+          <p:style>
+            <a:lnRef idx="1">
+              <a:schemeClr val="accent2"/>
+            </a:lnRef>
+            <a:fillRef idx="3">
+              <a:schemeClr val="accent2"/>
+            </a:fillRef>
+            <a:effectRef idx="2">
+              <a:schemeClr val="accent2"/>
+            </a:effectRef>
+            <a:fontRef idx="minor">
+              <a:schemeClr val="lt1"/>
+            </a:fontRef>
+          </p:style>
+          <p:txBody>
+            <a:bodyPr rot="0" spcFirstLastPara="0" vertOverflow="overflow" horzOverflow="overflow" vert="horz" wrap="square" lIns="0" tIns="0" rIns="0" bIns="0" numCol="1" spcCol="0" rtlCol="0" fromWordArt="0" anchor="ctr" anchorCtr="0" forceAA="0" compatLnSpc="1">
+              <a:prstTxWarp prst="textNoShape">
+                <a:avLst/>
+              </a:prstTxWarp>
+              <a:noAutofit/>
+            </a:bodyPr>
+            <a:lstStyle/>
+            <a:p>
+              <a:pPr algn="ctr" defTabSz="932472" fontAlgn="base">
+                <a:lnSpc>
+                  <a:spcPct val="90000"/>
+                </a:lnSpc>
+                <a:spcBef>
+                  <a:spcPct val="0"/>
+                </a:spcBef>
+                <a:spcAft>
+                  <a:spcPct val="0"/>
+                </a:spcAft>
+              </a:pPr>
+              <a:r>
+                <a:rPr lang="en-CA" sz="1600" dirty="0">
+                  <a:gradFill>
+                    <a:gsLst>
+                      <a:gs pos="0">
+                        <a:srgbClr val="FFFFFF"/>
+                      </a:gs>
+                      <a:gs pos="100000">
+                        <a:srgbClr val="FFFFFF"/>
+                      </a:gs>
+                    </a:gsLst>
+                    <a:lin ang="5400000" scaled="0"/>
+                  </a:gradFill>
+                  <a:ea typeface="Segoe UI" pitchFamily="34" charset="0"/>
+                  <a:cs typeface="Segoe UI" pitchFamily="34" charset="0"/>
+                </a:rPr>
+                <a:t>Logic Apps</a:t>
+              </a:r>
+            </a:p>
+          </p:txBody>
+        </p:sp>
+        <p:sp>
+          <p:nvSpPr>
+            <p:cNvPr id="20" name="Rectangle 19">
+              <a:extLst>
+                <a:ext uri="{FF2B5EF4-FFF2-40B4-BE49-F238E27FC236}">
+                  <a16:creationId xmlns:a16="http://schemas.microsoft.com/office/drawing/2014/main" id="{C775E4B2-76DF-4FC5-8E99-7BF58C361B0E}"/>
+                </a:ext>
+              </a:extLst>
+            </p:cNvPr>
+            <p:cNvSpPr/>
+            <p:nvPr/>
+          </p:nvSpPr>
+          <p:spPr bwMode="auto">
+            <a:xfrm>
+              <a:off x="13781843" y="4519110"/>
+              <a:ext cx="2986570" cy="491854"/>
+            </a:xfrm>
+            <a:prstGeom prst="rect">
+              <a:avLst/>
+            </a:prstGeom>
+            <a:solidFill>
+              <a:schemeClr val="tx1"/>
+            </a:solidFill>
+            <a:ln>
+              <a:solidFill>
+                <a:srgbClr val="0070C0"/>
+              </a:solidFill>
+              <a:headEnd type="none" w="med" len="med"/>
+              <a:tailEnd type="none" w="med" len="med"/>
+            </a:ln>
+            <a:effectLst/>
+          </p:spPr>
+          <p:style>
+            <a:lnRef idx="1">
+              <a:schemeClr val="accent2"/>
+            </a:lnRef>
+            <a:fillRef idx="3">
+              <a:schemeClr val="accent2"/>
+            </a:fillRef>
+            <a:effectRef idx="2">
+              <a:schemeClr val="accent2"/>
+            </a:effectRef>
+            <a:fontRef idx="minor">
+              <a:schemeClr val="lt1"/>
+            </a:fontRef>
+          </p:style>
+          <p:txBody>
+            <a:bodyPr rot="0" spcFirstLastPara="0" vertOverflow="overflow" horzOverflow="overflow" vert="horz" wrap="square" lIns="36000" tIns="72000" rIns="0" bIns="0" numCol="1" spcCol="0" rtlCol="0" fromWordArt="0" anchor="ctr" anchorCtr="0" forceAA="0" compatLnSpc="1">
+              <a:prstTxWarp prst="textNoShape">
+                <a:avLst/>
+              </a:prstTxWarp>
+              <a:noAutofit/>
+            </a:bodyPr>
+            <a:lstStyle/>
+            <a:p>
+              <a:pPr defTabSz="932472" fontAlgn="base">
+                <a:lnSpc>
+                  <a:spcPct val="90000"/>
+                </a:lnSpc>
+                <a:spcBef>
+                  <a:spcPct val="0"/>
+                </a:spcBef>
+                <a:spcAft>
+                  <a:spcPct val="0"/>
+                </a:spcAft>
+              </a:pPr>
+              <a:r>
+                <a:rPr lang="en-CA" sz="900" b="1" dirty="0">
+                  <a:solidFill>
+                    <a:srgbClr val="0070C0"/>
+                  </a:solidFill>
+                  <a:ea typeface="Segoe UI" pitchFamily="34" charset="0"/>
+                  <a:cs typeface="Segoe UI" pitchFamily="34" charset="0"/>
+                </a:rPr>
+                <a:t>Workflow Driven</a:t>
+              </a:r>
+            </a:p>
+            <a:p>
+              <a:pPr defTabSz="932472" fontAlgn="base">
+                <a:lnSpc>
+                  <a:spcPct val="90000"/>
+                </a:lnSpc>
+                <a:spcBef>
+                  <a:spcPct val="0"/>
+                </a:spcBef>
+                <a:spcAft>
+                  <a:spcPct val="0"/>
+                </a:spcAft>
+              </a:pPr>
+              <a:r>
+                <a:rPr lang="en-CA" sz="900" b="1" dirty="0">
+                  <a:solidFill>
+                    <a:srgbClr val="0070C0"/>
+                  </a:solidFill>
+                  <a:cs typeface="Segoe UI" pitchFamily="34" charset="0"/>
+                </a:rPr>
+                <a:t>Integration with cloud and on-prem services</a:t>
+              </a:r>
+              <a:endParaRPr lang="en-CA" sz="900" b="1" dirty="0">
+                <a:solidFill>
+                  <a:srgbClr val="0070C0"/>
+                </a:solidFill>
+                <a:ea typeface="Segoe UI" pitchFamily="34" charset="0"/>
+                <a:cs typeface="Segoe UI" pitchFamily="34" charset="0"/>
+              </a:endParaRPr>
+            </a:p>
+            <a:p>
+              <a:pPr marL="360363" lvl="1" indent="-184150" defTabSz="932472" fontAlgn="base">
+                <a:lnSpc>
+                  <a:spcPct val="90000"/>
+                </a:lnSpc>
+                <a:spcBef>
+                  <a:spcPct val="0"/>
+                </a:spcBef>
+                <a:spcAft>
+                  <a:spcPct val="0"/>
+                </a:spcAft>
+                <a:buFont typeface="Arial" panose="020B0604020202020204" pitchFamily="34" charset="0"/>
+                <a:buChar char="•"/>
+              </a:pPr>
+              <a:r>
+                <a:rPr lang="en-CA" sz="800" dirty="0">
+                  <a:solidFill>
+                    <a:srgbClr val="0070C0"/>
+                  </a:solidFill>
+                  <a:ea typeface="Segoe UI" pitchFamily="34" charset="0"/>
+                  <a:cs typeface="Segoe UI" pitchFamily="34" charset="0"/>
+                </a:rPr>
+                <a:t>BizTalk, …</a:t>
+              </a:r>
+            </a:p>
+          </p:txBody>
+        </p:sp>
+        <p:sp>
+          <p:nvSpPr>
+            <p:cNvPr id="21" name="Rectangle 20">
+              <a:extLst>
+                <a:ext uri="{FF2B5EF4-FFF2-40B4-BE49-F238E27FC236}">
+                  <a16:creationId xmlns:a16="http://schemas.microsoft.com/office/drawing/2014/main" id="{F4DC35EC-44E3-4E82-BA12-F81ED13B30D1}"/>
+                </a:ext>
+              </a:extLst>
+            </p:cNvPr>
+            <p:cNvSpPr/>
+            <p:nvPr/>
+          </p:nvSpPr>
+          <p:spPr bwMode="auto">
+            <a:xfrm>
+              <a:off x="13784246" y="358932"/>
+              <a:ext cx="6079008" cy="419904"/>
+            </a:xfrm>
+            <a:prstGeom prst="rect">
+              <a:avLst/>
+            </a:prstGeom>
+            <a:solidFill>
+              <a:srgbClr val="002060"/>
+            </a:solidFill>
+            <a:ln>
+              <a:noFill/>
+              <a:headEnd type="none" w="med" len="med"/>
+              <a:tailEnd type="none" w="med" len="med"/>
+            </a:ln>
+            <a:effectLst/>
+          </p:spPr>
+          <p:style>
+            <a:lnRef idx="1">
+              <a:schemeClr val="accent2"/>
+            </a:lnRef>
+            <a:fillRef idx="3">
+              <a:schemeClr val="accent2"/>
+            </a:fillRef>
+            <a:effectRef idx="2">
+              <a:schemeClr val="accent2"/>
+            </a:effectRef>
+            <a:fontRef idx="minor">
+              <a:schemeClr val="lt1"/>
+            </a:fontRef>
+          </p:style>
+          <p:txBody>
+            <a:bodyPr rot="0" spcFirstLastPara="0" vertOverflow="overflow" horzOverflow="overflow" vert="horz" wrap="square" lIns="0" tIns="72000" rIns="0" bIns="146304" numCol="1" spcCol="0" rtlCol="0" fromWordArt="0" anchor="t" anchorCtr="0" forceAA="0" compatLnSpc="1">
+              <a:prstTxWarp prst="textNoShape">
+                <a:avLst/>
+              </a:prstTxWarp>
+              <a:noAutofit/>
+            </a:bodyPr>
+            <a:lstStyle/>
+            <a:p>
+              <a:pPr algn="ctr" defTabSz="932472" fontAlgn="base">
+                <a:lnSpc>
+                  <a:spcPct val="90000"/>
+                </a:lnSpc>
+                <a:spcBef>
+                  <a:spcPct val="0"/>
+                </a:spcBef>
+                <a:spcAft>
+                  <a:spcPct val="0"/>
+                </a:spcAft>
+              </a:pPr>
+              <a:r>
+                <a:rPr lang="en-CA" sz="2000" dirty="0">
+                  <a:gradFill>
+                    <a:gsLst>
+                      <a:gs pos="0">
+                        <a:srgbClr val="FFFFFF"/>
+                      </a:gs>
+                      <a:gs pos="100000">
+                        <a:srgbClr val="FFFFFF"/>
+                      </a:gs>
+                    </a:gsLst>
+                    <a:lin ang="5400000" scaled="0"/>
+                  </a:gradFill>
+                  <a:ea typeface="Segoe UI" pitchFamily="34" charset="0"/>
+                  <a:cs typeface="Segoe UI" pitchFamily="34" charset="0"/>
+                </a:rPr>
+                <a:t>Serverless and Microservices</a:t>
+              </a:r>
+            </a:p>
+          </p:txBody>
+        </p:sp>
+        <p:sp>
+          <p:nvSpPr>
+            <p:cNvPr id="22" name="Rectangle: Rounded Corners 21">
+              <a:extLst>
+                <a:ext uri="{FF2B5EF4-FFF2-40B4-BE49-F238E27FC236}">
+                  <a16:creationId xmlns:a16="http://schemas.microsoft.com/office/drawing/2014/main" id="{FE5B0414-E653-4E3F-A0DE-BE1EC7A0974D}"/>
+                </a:ext>
+              </a:extLst>
+            </p:cNvPr>
+            <p:cNvSpPr/>
+            <p:nvPr/>
+          </p:nvSpPr>
+          <p:spPr bwMode="auto">
+            <a:xfrm>
+              <a:off x="13783045" y="2686826"/>
+              <a:ext cx="2986571" cy="419904"/>
+            </a:xfrm>
+            <a:prstGeom prst="roundRect">
+              <a:avLst/>
+            </a:prstGeom>
+            <a:solidFill>
+              <a:srgbClr val="0070C0"/>
+            </a:solidFill>
+            <a:ln>
+              <a:solidFill>
+                <a:srgbClr val="0070C0"/>
+              </a:solidFill>
+              <a:headEnd type="none" w="med" len="med"/>
+              <a:tailEnd type="none" w="med" len="med"/>
+            </a:ln>
+            <a:effectLst/>
+          </p:spPr>
+          <p:style>
+            <a:lnRef idx="1">
+              <a:schemeClr val="accent2"/>
+            </a:lnRef>
+            <a:fillRef idx="3">
+              <a:schemeClr val="accent2"/>
+            </a:fillRef>
+            <a:effectRef idx="2">
+              <a:schemeClr val="accent2"/>
+            </a:effectRef>
+            <a:fontRef idx="minor">
+              <a:schemeClr val="lt1"/>
+            </a:fontRef>
+          </p:style>
+          <p:txBody>
+            <a:bodyPr rot="0" spcFirstLastPara="0" vertOverflow="overflow" horzOverflow="overflow" vert="horz" wrap="square" lIns="0" tIns="0" rIns="0" bIns="0" numCol="1" spcCol="0" rtlCol="0" fromWordArt="0" anchor="ctr" anchorCtr="0" forceAA="0" compatLnSpc="1">
+              <a:prstTxWarp prst="textNoShape">
+                <a:avLst/>
+              </a:prstTxWarp>
+              <a:noAutofit/>
+            </a:bodyPr>
+            <a:lstStyle/>
+            <a:p>
+              <a:pPr algn="ctr" defTabSz="932472" fontAlgn="base">
+                <a:lnSpc>
+                  <a:spcPct val="90000"/>
+                </a:lnSpc>
+                <a:spcBef>
+                  <a:spcPct val="0"/>
+                </a:spcBef>
+                <a:spcAft>
+                  <a:spcPct val="0"/>
+                </a:spcAft>
+              </a:pPr>
+              <a:r>
+                <a:rPr lang="en-CA" sz="1600" dirty="0">
+                  <a:gradFill>
+                    <a:gsLst>
+                      <a:gs pos="0">
+                        <a:srgbClr val="FFFFFF"/>
+                      </a:gs>
+                      <a:gs pos="100000">
+                        <a:srgbClr val="FFFFFF"/>
+                      </a:gs>
+                    </a:gsLst>
+                    <a:lin ang="5400000" scaled="0"/>
+                  </a:gradFill>
+                  <a:ea typeface="Segoe UI" pitchFamily="34" charset="0"/>
+                  <a:cs typeface="Segoe UI" pitchFamily="34" charset="0"/>
+                </a:rPr>
+                <a:t>Service Fabric</a:t>
+              </a:r>
+            </a:p>
+          </p:txBody>
+        </p:sp>
+        <p:sp>
+          <p:nvSpPr>
+            <p:cNvPr id="23" name="Rectangle 22">
+              <a:extLst>
+                <a:ext uri="{FF2B5EF4-FFF2-40B4-BE49-F238E27FC236}">
+                  <a16:creationId xmlns:a16="http://schemas.microsoft.com/office/drawing/2014/main" id="{F2F85AE9-158C-4186-A7CE-E1D177D7DDC1}"/>
+                </a:ext>
+              </a:extLst>
+            </p:cNvPr>
+            <p:cNvSpPr/>
+            <p:nvPr/>
+          </p:nvSpPr>
+          <p:spPr bwMode="auto">
+            <a:xfrm>
+              <a:off x="13783046" y="3043424"/>
+              <a:ext cx="2986570" cy="1036612"/>
+            </a:xfrm>
+            <a:prstGeom prst="rect">
+              <a:avLst/>
+            </a:prstGeom>
+            <a:solidFill>
+              <a:schemeClr val="tx1"/>
+            </a:solidFill>
+            <a:ln>
+              <a:solidFill>
+                <a:srgbClr val="0070C0"/>
+              </a:solidFill>
+              <a:headEnd type="none" w="med" len="med"/>
+              <a:tailEnd type="none" w="med" len="med"/>
+            </a:ln>
+            <a:effectLst/>
+          </p:spPr>
+          <p:style>
+            <a:lnRef idx="1">
+              <a:schemeClr val="accent2"/>
+            </a:lnRef>
+            <a:fillRef idx="3">
+              <a:schemeClr val="accent2"/>
+            </a:fillRef>
+            <a:effectRef idx="2">
+              <a:schemeClr val="accent2"/>
+            </a:effectRef>
+            <a:fontRef idx="minor">
+              <a:schemeClr val="lt1"/>
+            </a:fontRef>
+          </p:style>
+          <p:txBody>
+            <a:bodyPr rot="0" spcFirstLastPara="0" vertOverflow="overflow" horzOverflow="overflow" vert="horz" wrap="square" lIns="36000" tIns="72000" rIns="0" bIns="0" numCol="1" spcCol="0" rtlCol="0" fromWordArt="0" anchor="ctr" anchorCtr="0" forceAA="0" compatLnSpc="1">
+              <a:prstTxWarp prst="textNoShape">
+                <a:avLst/>
+              </a:prstTxWarp>
+              <a:noAutofit/>
+            </a:bodyPr>
+            <a:lstStyle/>
+            <a:p>
+              <a:pPr defTabSz="932472" fontAlgn="base">
+                <a:lnSpc>
+                  <a:spcPct val="90000"/>
+                </a:lnSpc>
+                <a:spcBef>
+                  <a:spcPct val="0"/>
+                </a:spcBef>
+                <a:spcAft>
+                  <a:spcPct val="0"/>
+                </a:spcAft>
+              </a:pPr>
+              <a:r>
+                <a:rPr lang="en-CA" sz="900" b="1" dirty="0">
+                  <a:solidFill>
+                    <a:srgbClr val="0070C0"/>
+                  </a:solidFill>
+                  <a:ea typeface="Segoe UI" pitchFamily="34" charset="0"/>
+                  <a:cs typeface="Segoe UI" pitchFamily="34" charset="0"/>
+                </a:rPr>
+                <a:t>Orchestration Platform</a:t>
+              </a:r>
+            </a:p>
+            <a:p>
+              <a:pPr marL="360363" lvl="1" indent="-184150" defTabSz="932472" fontAlgn="base">
+                <a:lnSpc>
+                  <a:spcPct val="90000"/>
+                </a:lnSpc>
+                <a:spcBef>
+                  <a:spcPct val="0"/>
+                </a:spcBef>
+                <a:spcAft>
+                  <a:spcPct val="0"/>
+                </a:spcAft>
+                <a:buFont typeface="Arial" panose="020B0604020202020204" pitchFamily="34" charset="0"/>
+                <a:buChar char="•"/>
+              </a:pPr>
+              <a:r>
+                <a:rPr lang="en-CA" sz="800" dirty="0">
+                  <a:solidFill>
+                    <a:srgbClr val="0070C0"/>
+                  </a:solidFill>
+                  <a:cs typeface="Segoe UI" pitchFamily="34" charset="0"/>
+                </a:rPr>
+                <a:t>Cloud and on-prem</a:t>
+              </a:r>
+            </a:p>
+            <a:p>
+              <a:pPr marL="360363" lvl="1" indent="-184150" defTabSz="932472" fontAlgn="base">
+                <a:lnSpc>
+                  <a:spcPct val="90000"/>
+                </a:lnSpc>
+                <a:spcBef>
+                  <a:spcPct val="0"/>
+                </a:spcBef>
+                <a:spcAft>
+                  <a:spcPct val="0"/>
+                </a:spcAft>
+                <a:buFont typeface="Arial" panose="020B0604020202020204" pitchFamily="34" charset="0"/>
+                <a:buChar char="•"/>
+              </a:pPr>
+              <a:r>
+                <a:rPr lang="en-CA" sz="800" dirty="0">
+                  <a:solidFill>
+                    <a:srgbClr val="0070C0"/>
+                  </a:solidFill>
+                  <a:cs typeface="Segoe UI" pitchFamily="34" charset="0"/>
+                </a:rPr>
+                <a:t>Container orchestration</a:t>
+              </a:r>
+            </a:p>
+            <a:p>
+              <a:pPr defTabSz="932472" fontAlgn="base">
+                <a:lnSpc>
+                  <a:spcPct val="90000"/>
+                </a:lnSpc>
+                <a:spcBef>
+                  <a:spcPct val="0"/>
+                </a:spcBef>
+                <a:spcAft>
+                  <a:spcPct val="0"/>
+                </a:spcAft>
+              </a:pPr>
+              <a:r>
+                <a:rPr lang="en-CA" sz="900" b="1" dirty="0">
+                  <a:solidFill>
+                    <a:srgbClr val="0070C0"/>
+                  </a:solidFill>
+                  <a:ea typeface="Segoe UI" pitchFamily="34" charset="0"/>
+                  <a:cs typeface="Segoe UI" pitchFamily="34" charset="0"/>
+                </a:rPr>
+                <a:t>Lifecycle Management</a:t>
+              </a:r>
+            </a:p>
+            <a:p>
+              <a:pPr marL="360363" lvl="1" indent="-184150" defTabSz="932472" fontAlgn="base">
+                <a:lnSpc>
+                  <a:spcPct val="90000"/>
+                </a:lnSpc>
+                <a:spcBef>
+                  <a:spcPct val="0"/>
+                </a:spcBef>
+                <a:spcAft>
+                  <a:spcPct val="0"/>
+                </a:spcAft>
+                <a:buFont typeface="Arial" panose="020B0604020202020204" pitchFamily="34" charset="0"/>
+                <a:buChar char="•"/>
+              </a:pPr>
+              <a:r>
+                <a:rPr lang="en-CA" sz="800" dirty="0">
+                  <a:solidFill>
+                    <a:srgbClr val="0070C0"/>
+                  </a:solidFill>
+                  <a:ea typeface="Segoe UI" pitchFamily="34" charset="0"/>
+                  <a:cs typeface="Segoe UI" pitchFamily="34" charset="0"/>
+                </a:rPr>
+                <a:t>Service developer (creates microservices)</a:t>
+              </a:r>
+            </a:p>
+            <a:p>
+              <a:pPr marL="360363" lvl="1" indent="-184150" defTabSz="932472" fontAlgn="base">
+                <a:lnSpc>
+                  <a:spcPct val="90000"/>
+                </a:lnSpc>
+                <a:spcBef>
+                  <a:spcPct val="0"/>
+                </a:spcBef>
+                <a:spcAft>
+                  <a:spcPct val="0"/>
+                </a:spcAft>
+                <a:buFont typeface="Arial" panose="020B0604020202020204" pitchFamily="34" charset="0"/>
+                <a:buChar char="•"/>
+              </a:pPr>
+              <a:r>
+                <a:rPr lang="en-CA" sz="800" dirty="0">
+                  <a:solidFill>
+                    <a:srgbClr val="0070C0"/>
+                  </a:solidFill>
+                  <a:ea typeface="Segoe UI" pitchFamily="34" charset="0"/>
+                  <a:cs typeface="Segoe UI" pitchFamily="34" charset="0"/>
+                </a:rPr>
+                <a:t>Application developer (creates applications)</a:t>
+              </a:r>
+            </a:p>
+            <a:p>
+              <a:pPr marL="360363" lvl="1" indent="-184150" defTabSz="932472" fontAlgn="base">
+                <a:lnSpc>
+                  <a:spcPct val="90000"/>
+                </a:lnSpc>
+                <a:spcBef>
+                  <a:spcPct val="0"/>
+                </a:spcBef>
+                <a:spcAft>
+                  <a:spcPct val="0"/>
+                </a:spcAft>
+                <a:buFont typeface="Arial" panose="020B0604020202020204" pitchFamily="34" charset="0"/>
+                <a:buChar char="•"/>
+              </a:pPr>
+              <a:r>
+                <a:rPr lang="en-CA" sz="800" dirty="0">
+                  <a:solidFill>
+                    <a:srgbClr val="0070C0"/>
+                  </a:solidFill>
+                  <a:ea typeface="Segoe UI" pitchFamily="34" charset="0"/>
+                  <a:cs typeface="Segoe UI" pitchFamily="34" charset="0"/>
+                </a:rPr>
+                <a:t>Application administrator (creates config &amp; packages)</a:t>
+              </a:r>
+            </a:p>
+            <a:p>
+              <a:pPr marL="360363" lvl="1" indent="-184150" defTabSz="932472" fontAlgn="base">
+                <a:lnSpc>
+                  <a:spcPct val="90000"/>
+                </a:lnSpc>
+                <a:spcBef>
+                  <a:spcPct val="0"/>
+                </a:spcBef>
+                <a:spcAft>
+                  <a:spcPct val="0"/>
+                </a:spcAft>
+                <a:buFont typeface="Arial" panose="020B0604020202020204" pitchFamily="34" charset="0"/>
+                <a:buChar char="•"/>
+              </a:pPr>
+              <a:r>
+                <a:rPr lang="en-CA" sz="800" dirty="0">
+                  <a:solidFill>
+                    <a:srgbClr val="0070C0"/>
+                  </a:solidFill>
+                  <a:ea typeface="Segoe UI" pitchFamily="34" charset="0"/>
+                  <a:cs typeface="Segoe UI" pitchFamily="34" charset="0"/>
+                </a:rPr>
+                <a:t>Operator (deploys, monitors, maintains)</a:t>
+              </a:r>
+            </a:p>
+          </p:txBody>
+        </p:sp>
+        <p:sp>
+          <p:nvSpPr>
+            <p:cNvPr id="24" name="Rectangle: Rounded Corners 23">
+              <a:extLst>
+                <a:ext uri="{FF2B5EF4-FFF2-40B4-BE49-F238E27FC236}">
+                  <a16:creationId xmlns:a16="http://schemas.microsoft.com/office/drawing/2014/main" id="{54BCC65F-583C-4E3F-8D19-696A776EB537}"/>
+                </a:ext>
+              </a:extLst>
+            </p:cNvPr>
+            <p:cNvSpPr/>
+            <p:nvPr/>
+          </p:nvSpPr>
+          <p:spPr bwMode="auto">
+            <a:xfrm>
+              <a:off x="16871877" y="2406269"/>
+              <a:ext cx="2986571" cy="419904"/>
+            </a:xfrm>
+            <a:prstGeom prst="roundRect">
+              <a:avLst/>
+            </a:prstGeom>
+            <a:solidFill>
+              <a:srgbClr val="0070C0"/>
+            </a:solidFill>
+            <a:ln>
+              <a:solidFill>
+                <a:srgbClr val="0070C0"/>
+              </a:solidFill>
+              <a:headEnd type="none" w="med" len="med"/>
+              <a:tailEnd type="none" w="med" len="med"/>
+            </a:ln>
+            <a:effectLst/>
+          </p:spPr>
+          <p:style>
+            <a:lnRef idx="1">
+              <a:schemeClr val="accent2"/>
+            </a:lnRef>
+            <a:fillRef idx="3">
+              <a:schemeClr val="accent2"/>
+            </a:fillRef>
+            <a:effectRef idx="2">
+              <a:schemeClr val="accent2"/>
+            </a:effectRef>
+            <a:fontRef idx="minor">
+              <a:schemeClr val="lt1"/>
+            </a:fontRef>
+          </p:style>
+          <p:txBody>
+            <a:bodyPr rot="0" spcFirstLastPara="0" vertOverflow="overflow" horzOverflow="overflow" vert="horz" wrap="square" lIns="0" tIns="0" rIns="0" bIns="0" numCol="1" spcCol="0" rtlCol="0" fromWordArt="0" anchor="ctr" anchorCtr="0" forceAA="0" compatLnSpc="1">
+              <a:prstTxWarp prst="textNoShape">
+                <a:avLst/>
+              </a:prstTxWarp>
+              <a:noAutofit/>
+            </a:bodyPr>
+            <a:lstStyle/>
+            <a:p>
+              <a:pPr algn="ctr" defTabSz="932472" fontAlgn="base">
+                <a:lnSpc>
+                  <a:spcPct val="90000"/>
+                </a:lnSpc>
+                <a:spcBef>
+                  <a:spcPct val="0"/>
+                </a:spcBef>
+                <a:spcAft>
+                  <a:spcPct val="0"/>
+                </a:spcAft>
+              </a:pPr>
+              <a:r>
+                <a:rPr lang="en-CA" sz="1600" dirty="0">
+                  <a:gradFill>
+                    <a:gsLst>
+                      <a:gs pos="0">
+                        <a:srgbClr val="FFFFFF"/>
+                      </a:gs>
+                      <a:gs pos="100000">
+                        <a:srgbClr val="FFFFFF"/>
+                      </a:gs>
+                    </a:gsLst>
+                    <a:lin ang="5400000" scaled="0"/>
+                  </a:gradFill>
+                  <a:ea typeface="Segoe UI" pitchFamily="34" charset="0"/>
+                  <a:cs typeface="Segoe UI" pitchFamily="34" charset="0"/>
+                </a:rPr>
+                <a:t>API Management</a:t>
+              </a:r>
+            </a:p>
+          </p:txBody>
+        </p:sp>
+        <p:sp>
+          <p:nvSpPr>
+            <p:cNvPr id="25" name="Rectangle 24">
+              <a:extLst>
+                <a:ext uri="{FF2B5EF4-FFF2-40B4-BE49-F238E27FC236}">
+                  <a16:creationId xmlns:a16="http://schemas.microsoft.com/office/drawing/2014/main" id="{776930BD-9245-4815-A453-B113CB8C711C}"/>
+                </a:ext>
+              </a:extLst>
+            </p:cNvPr>
+            <p:cNvSpPr/>
+            <p:nvPr/>
+          </p:nvSpPr>
+          <p:spPr bwMode="auto">
+            <a:xfrm>
+              <a:off x="16871878" y="2762867"/>
+              <a:ext cx="2986570" cy="1305178"/>
+            </a:xfrm>
+            <a:prstGeom prst="rect">
+              <a:avLst/>
+            </a:prstGeom>
+            <a:solidFill>
+              <a:schemeClr val="tx1"/>
+            </a:solidFill>
+            <a:ln>
+              <a:solidFill>
+                <a:srgbClr val="0070C0"/>
+              </a:solidFill>
+              <a:headEnd type="none" w="med" len="med"/>
+              <a:tailEnd type="none" w="med" len="med"/>
+            </a:ln>
+            <a:effectLst/>
+          </p:spPr>
+          <p:style>
+            <a:lnRef idx="1">
+              <a:schemeClr val="accent2"/>
+            </a:lnRef>
+            <a:fillRef idx="3">
+              <a:schemeClr val="accent2"/>
+            </a:fillRef>
+            <a:effectRef idx="2">
+              <a:schemeClr val="accent2"/>
+            </a:effectRef>
+            <a:fontRef idx="minor">
+              <a:schemeClr val="lt1"/>
+            </a:fontRef>
+          </p:style>
+          <p:txBody>
+            <a:bodyPr rot="0" spcFirstLastPara="0" vertOverflow="overflow" horzOverflow="overflow" vert="horz" wrap="square" lIns="36000" tIns="72000" rIns="0" bIns="0" numCol="1" spcCol="0" rtlCol="0" fromWordArt="0" anchor="ctr" anchorCtr="0" forceAA="0" compatLnSpc="1">
+              <a:prstTxWarp prst="textNoShape">
+                <a:avLst/>
+              </a:prstTxWarp>
+              <a:noAutofit/>
+            </a:bodyPr>
+            <a:lstStyle/>
+            <a:p>
+              <a:pPr defTabSz="932472" fontAlgn="base">
+                <a:lnSpc>
+                  <a:spcPct val="90000"/>
+                </a:lnSpc>
+                <a:spcBef>
+                  <a:spcPct val="0"/>
+                </a:spcBef>
+                <a:spcAft>
+                  <a:spcPct val="0"/>
+                </a:spcAft>
+              </a:pPr>
+              <a:r>
+                <a:rPr lang="en-CA" sz="900" b="1" dirty="0">
+                  <a:solidFill>
+                    <a:srgbClr val="0070C0"/>
+                  </a:solidFill>
+                  <a:cs typeface="Segoe UI" pitchFamily="34" charset="0"/>
+                </a:rPr>
+                <a:t>Service that exposes different apps as APIs</a:t>
+              </a:r>
+            </a:p>
+            <a:p>
+              <a:pPr defTabSz="932472" fontAlgn="base">
+                <a:lnSpc>
+                  <a:spcPct val="90000"/>
+                </a:lnSpc>
+                <a:spcBef>
+                  <a:spcPct val="0"/>
+                </a:spcBef>
+                <a:spcAft>
+                  <a:spcPct val="0"/>
+                </a:spcAft>
+              </a:pPr>
+              <a:r>
+                <a:rPr lang="en-CA" sz="900" b="1" dirty="0">
+                  <a:solidFill>
+                    <a:srgbClr val="0070C0"/>
+                  </a:solidFill>
+                  <a:cs typeface="Segoe UI" pitchFamily="34" charset="0"/>
+                </a:rPr>
+                <a:t>API Gateway</a:t>
+              </a:r>
+              <a:endParaRPr lang="en-CA" sz="800" dirty="0">
+                <a:solidFill>
+                  <a:srgbClr val="0070C0"/>
+                </a:solidFill>
+                <a:cs typeface="Segoe UI" pitchFamily="34" charset="0"/>
+              </a:endParaRPr>
+            </a:p>
+            <a:p>
+              <a:pPr marL="360363" lvl="1" indent="-184150" defTabSz="932472" fontAlgn="base">
+                <a:lnSpc>
+                  <a:spcPct val="90000"/>
+                </a:lnSpc>
+                <a:spcBef>
+                  <a:spcPct val="0"/>
+                </a:spcBef>
+                <a:spcAft>
+                  <a:spcPct val="0"/>
+                </a:spcAft>
+                <a:buFont typeface="Arial" panose="020B0604020202020204" pitchFamily="34" charset="0"/>
+                <a:buChar char="•"/>
+              </a:pPr>
+              <a:r>
+                <a:rPr lang="en-CA" sz="800" dirty="0">
+                  <a:solidFill>
+                    <a:srgbClr val="0070C0"/>
+                  </a:solidFill>
+                  <a:cs typeface="Segoe UI" pitchFamily="34" charset="0"/>
+                </a:rPr>
+                <a:t>Bridge between app and outside world</a:t>
+              </a:r>
+            </a:p>
+            <a:p>
+              <a:pPr marL="360363" lvl="1" indent="-184150" defTabSz="932472" fontAlgn="base">
+                <a:lnSpc>
+                  <a:spcPct val="90000"/>
+                </a:lnSpc>
+                <a:spcBef>
+                  <a:spcPct val="0"/>
+                </a:spcBef>
+                <a:spcAft>
+                  <a:spcPct val="0"/>
+                </a:spcAft>
+                <a:buFont typeface="Arial" panose="020B0604020202020204" pitchFamily="34" charset="0"/>
+                <a:buChar char="•"/>
+              </a:pPr>
+              <a:r>
+                <a:rPr lang="en-CA" sz="800" dirty="0">
+                  <a:solidFill>
+                    <a:srgbClr val="0070C0"/>
+                  </a:solidFill>
+                  <a:ea typeface="Segoe UI" pitchFamily="34" charset="0"/>
+                  <a:cs typeface="Segoe UI" pitchFamily="34" charset="0"/>
+                </a:rPr>
+                <a:t>Enhanced security, policies, authentication</a:t>
+              </a:r>
+            </a:p>
+            <a:p>
+              <a:pPr marL="360363" lvl="1" indent="-184150" defTabSz="932472" fontAlgn="base">
+                <a:lnSpc>
+                  <a:spcPct val="90000"/>
+                </a:lnSpc>
+                <a:spcBef>
+                  <a:spcPct val="0"/>
+                </a:spcBef>
+                <a:spcAft>
+                  <a:spcPct val="0"/>
+                </a:spcAft>
+                <a:buFont typeface="Arial" panose="020B0604020202020204" pitchFamily="34" charset="0"/>
+                <a:buChar char="•"/>
+              </a:pPr>
+              <a:r>
+                <a:rPr lang="en-CA" sz="800" dirty="0">
+                  <a:solidFill>
+                    <a:srgbClr val="0070C0"/>
+                  </a:solidFill>
+                  <a:ea typeface="Segoe UI" pitchFamily="34" charset="0"/>
+                  <a:cs typeface="Segoe UI" pitchFamily="34" charset="0"/>
+                </a:rPr>
+                <a:t>Caching, throttling</a:t>
+              </a:r>
+            </a:p>
+            <a:p>
+              <a:pPr defTabSz="932472" fontAlgn="base">
+                <a:lnSpc>
+                  <a:spcPct val="90000"/>
+                </a:lnSpc>
+                <a:spcBef>
+                  <a:spcPct val="0"/>
+                </a:spcBef>
+                <a:spcAft>
+                  <a:spcPct val="0"/>
+                </a:spcAft>
+              </a:pPr>
+              <a:r>
+                <a:rPr lang="en-CA" sz="900" b="1" dirty="0">
+                  <a:solidFill>
+                    <a:srgbClr val="0070C0"/>
+                  </a:solidFill>
+                  <a:cs typeface="Segoe UI" pitchFamily="34" charset="0"/>
+                </a:rPr>
+                <a:t>API Management Portal</a:t>
+              </a:r>
+            </a:p>
+            <a:p>
+              <a:pPr marL="360363" lvl="1" indent="-184150" defTabSz="932472" fontAlgn="base">
+                <a:lnSpc>
+                  <a:spcPct val="90000"/>
+                </a:lnSpc>
+                <a:spcBef>
+                  <a:spcPct val="0"/>
+                </a:spcBef>
+                <a:spcAft>
+                  <a:spcPct val="0"/>
+                </a:spcAft>
+                <a:buFont typeface="Arial" panose="020B0604020202020204" pitchFamily="34" charset="0"/>
+                <a:buChar char="•"/>
+              </a:pPr>
+              <a:r>
+                <a:rPr lang="en-CA" sz="800" dirty="0">
+                  <a:solidFill>
+                    <a:srgbClr val="0070C0"/>
+                  </a:solidFill>
+                  <a:cs typeface="Segoe UI" pitchFamily="34" charset="0"/>
+                </a:rPr>
+                <a:t>Define custom APIs</a:t>
+              </a:r>
+            </a:p>
+            <a:p>
+              <a:pPr marL="360363" lvl="1" indent="-184150" defTabSz="932472" fontAlgn="base">
+                <a:lnSpc>
+                  <a:spcPct val="90000"/>
+                </a:lnSpc>
+                <a:spcBef>
+                  <a:spcPct val="0"/>
+                </a:spcBef>
+                <a:spcAft>
+                  <a:spcPct val="0"/>
+                </a:spcAft>
+                <a:buFont typeface="Arial" panose="020B0604020202020204" pitchFamily="34" charset="0"/>
+                <a:buChar char="•"/>
+              </a:pPr>
+              <a:r>
+                <a:rPr lang="en-CA" sz="800" dirty="0">
+                  <a:solidFill>
+                    <a:srgbClr val="0070C0"/>
+                  </a:solidFill>
+                  <a:cs typeface="Segoe UI" pitchFamily="34" charset="0"/>
+                </a:rPr>
+                <a:t>Package APIs into open or protected products</a:t>
+              </a:r>
+            </a:p>
+            <a:p>
+              <a:pPr indent="-699808" defTabSz="932472" fontAlgn="base">
+                <a:lnSpc>
+                  <a:spcPct val="90000"/>
+                </a:lnSpc>
+                <a:spcBef>
+                  <a:spcPct val="0"/>
+                </a:spcBef>
+                <a:spcAft>
+                  <a:spcPct val="0"/>
+                </a:spcAft>
+              </a:pPr>
+              <a:r>
+                <a:rPr lang="en-CA" sz="900" b="1" dirty="0">
+                  <a:solidFill>
+                    <a:srgbClr val="0070C0"/>
+                  </a:solidFill>
+                  <a:cs typeface="Segoe UI" pitchFamily="34" charset="0"/>
+                </a:rPr>
+                <a:t>Developer Portal</a:t>
+              </a:r>
+            </a:p>
+            <a:p>
+              <a:pPr marL="360363" lvl="1" indent="-184150" defTabSz="932472" fontAlgn="base">
+                <a:lnSpc>
+                  <a:spcPct val="90000"/>
+                </a:lnSpc>
+                <a:spcBef>
+                  <a:spcPct val="0"/>
+                </a:spcBef>
+                <a:spcAft>
+                  <a:spcPct val="0"/>
+                </a:spcAft>
+                <a:buFont typeface="Arial" panose="020B0604020202020204" pitchFamily="34" charset="0"/>
+                <a:buChar char="•"/>
+              </a:pPr>
+              <a:r>
+                <a:rPr lang="en-CA" sz="800" dirty="0">
+                  <a:solidFill>
+                    <a:srgbClr val="0070C0"/>
+                  </a:solidFill>
+                  <a:cs typeface="Segoe UI" pitchFamily="34" charset="0"/>
+                </a:rPr>
+                <a:t>Developers can access APIs and documentation</a:t>
+              </a:r>
+            </a:p>
+          </p:txBody>
+        </p:sp>
+        <p:sp>
+          <p:nvSpPr>
+            <p:cNvPr id="34" name="Rectangle: Rounded Corners 33">
+              <a:extLst>
+                <a:ext uri="{FF2B5EF4-FFF2-40B4-BE49-F238E27FC236}">
+                  <a16:creationId xmlns:a16="http://schemas.microsoft.com/office/drawing/2014/main" id="{1856C8AA-7D1F-4B3D-B278-9390D69C136A}"/>
+                </a:ext>
+              </a:extLst>
+            </p:cNvPr>
+            <p:cNvSpPr/>
+            <p:nvPr/>
+          </p:nvSpPr>
+          <p:spPr bwMode="auto">
+            <a:xfrm>
+              <a:off x="16871876" y="881288"/>
+              <a:ext cx="2986571" cy="419904"/>
+            </a:xfrm>
+            <a:prstGeom prst="roundRect">
+              <a:avLst/>
+            </a:prstGeom>
+            <a:solidFill>
+              <a:srgbClr val="0070C0"/>
+            </a:solidFill>
+            <a:ln>
+              <a:solidFill>
+                <a:srgbClr val="0070C0"/>
+              </a:solidFill>
+              <a:headEnd type="none" w="med" len="med"/>
+              <a:tailEnd type="none" w="med" len="med"/>
+            </a:ln>
+            <a:effectLst/>
+          </p:spPr>
+          <p:style>
+            <a:lnRef idx="1">
+              <a:schemeClr val="accent2"/>
+            </a:lnRef>
+            <a:fillRef idx="3">
+              <a:schemeClr val="accent2"/>
+            </a:fillRef>
+            <a:effectRef idx="2">
+              <a:schemeClr val="accent2"/>
+            </a:effectRef>
+            <a:fontRef idx="minor">
+              <a:schemeClr val="lt1"/>
+            </a:fontRef>
+          </p:style>
+          <p:txBody>
+            <a:bodyPr rot="0" spcFirstLastPara="0" vertOverflow="overflow" horzOverflow="overflow" vert="horz" wrap="square" lIns="0" tIns="0" rIns="0" bIns="0" numCol="1" spcCol="0" rtlCol="0" fromWordArt="0" anchor="ctr" anchorCtr="0" forceAA="0" compatLnSpc="1">
+              <a:prstTxWarp prst="textNoShape">
+                <a:avLst/>
+              </a:prstTxWarp>
+              <a:noAutofit/>
+            </a:bodyPr>
+            <a:lstStyle/>
+            <a:p>
+              <a:pPr algn="ctr" defTabSz="932472" fontAlgn="base">
+                <a:lnSpc>
+                  <a:spcPct val="90000"/>
+                </a:lnSpc>
+                <a:spcBef>
+                  <a:spcPct val="0"/>
+                </a:spcBef>
+                <a:spcAft>
+                  <a:spcPct val="0"/>
+                </a:spcAft>
+              </a:pPr>
+              <a:r>
+                <a:rPr lang="en-CA" sz="1600" dirty="0">
+                  <a:gradFill>
+                    <a:gsLst>
+                      <a:gs pos="0">
+                        <a:srgbClr val="FFFFFF"/>
+                      </a:gs>
+                      <a:gs pos="100000">
+                        <a:srgbClr val="FFFFFF"/>
+                      </a:gs>
+                    </a:gsLst>
+                    <a:lin ang="5400000" scaled="0"/>
+                  </a:gradFill>
+                  <a:ea typeface="Segoe UI" pitchFamily="34" charset="0"/>
+                  <a:cs typeface="Segoe UI" pitchFamily="34" charset="0"/>
+                </a:rPr>
+                <a:t>Containers</a:t>
+              </a:r>
+            </a:p>
+          </p:txBody>
+        </p:sp>
+        <p:sp>
+          <p:nvSpPr>
+            <p:cNvPr id="35" name="Rectangle 34">
+              <a:extLst>
+                <a:ext uri="{FF2B5EF4-FFF2-40B4-BE49-F238E27FC236}">
+                  <a16:creationId xmlns:a16="http://schemas.microsoft.com/office/drawing/2014/main" id="{8527309A-DE9E-4772-BBD6-48D63DBD9023}"/>
+                </a:ext>
+              </a:extLst>
+            </p:cNvPr>
+            <p:cNvSpPr/>
+            <p:nvPr/>
+          </p:nvSpPr>
+          <p:spPr bwMode="auto">
+            <a:xfrm>
+              <a:off x="16871877" y="1237885"/>
+              <a:ext cx="2986570" cy="1096434"/>
+            </a:xfrm>
+            <a:prstGeom prst="rect">
+              <a:avLst/>
+            </a:prstGeom>
+            <a:solidFill>
+              <a:schemeClr val="tx1"/>
+            </a:solidFill>
+            <a:ln>
+              <a:solidFill>
+                <a:srgbClr val="0070C0"/>
+              </a:solidFill>
+              <a:headEnd type="none" w="med" len="med"/>
+              <a:tailEnd type="none" w="med" len="med"/>
+            </a:ln>
+            <a:effectLst/>
+          </p:spPr>
+          <p:style>
+            <a:lnRef idx="1">
+              <a:schemeClr val="accent2"/>
+            </a:lnRef>
+            <a:fillRef idx="3">
+              <a:schemeClr val="accent2"/>
+            </a:fillRef>
+            <a:effectRef idx="2">
+              <a:schemeClr val="accent2"/>
+            </a:effectRef>
+            <a:fontRef idx="minor">
+              <a:schemeClr val="lt1"/>
+            </a:fontRef>
+          </p:style>
+          <p:txBody>
+            <a:bodyPr rot="0" spcFirstLastPara="0" vertOverflow="overflow" horzOverflow="overflow" vert="horz" wrap="square" lIns="36000" tIns="72000" rIns="0" bIns="0" numCol="1" spcCol="0" rtlCol="0" fromWordArt="0" anchor="ctr" anchorCtr="0" forceAA="0" compatLnSpc="1">
+              <a:prstTxWarp prst="textNoShape">
+                <a:avLst/>
+              </a:prstTxWarp>
+              <a:noAutofit/>
+            </a:bodyPr>
+            <a:lstStyle/>
+            <a:p>
+              <a:pPr defTabSz="932472" fontAlgn="base">
+                <a:lnSpc>
+                  <a:spcPct val="90000"/>
+                </a:lnSpc>
+                <a:spcBef>
+                  <a:spcPct val="0"/>
+                </a:spcBef>
+                <a:spcAft>
+                  <a:spcPct val="0"/>
+                </a:spcAft>
+              </a:pPr>
+              <a:r>
+                <a:rPr lang="en-CA" sz="900" b="1" dirty="0">
+                  <a:solidFill>
+                    <a:srgbClr val="0070C0"/>
+                  </a:solidFill>
+                  <a:ea typeface="Segoe UI" pitchFamily="34" charset="0"/>
+                  <a:cs typeface="Segoe UI" pitchFamily="34" charset="0"/>
+                </a:rPr>
+                <a:t>Azure Container Instances (ACS)</a:t>
+              </a:r>
+            </a:p>
+            <a:p>
+              <a:pPr marL="360363" lvl="1" indent="-184150" defTabSz="932472" fontAlgn="base">
+                <a:lnSpc>
+                  <a:spcPct val="90000"/>
+                </a:lnSpc>
+                <a:spcBef>
+                  <a:spcPct val="0"/>
+                </a:spcBef>
+                <a:spcAft>
+                  <a:spcPct val="0"/>
+                </a:spcAft>
+                <a:buFont typeface="Arial" panose="020B0604020202020204" pitchFamily="34" charset="0"/>
+                <a:buChar char="•"/>
+              </a:pPr>
+              <a:r>
+                <a:rPr lang="en-CA" sz="800" dirty="0">
+                  <a:solidFill>
+                    <a:srgbClr val="0070C0"/>
+                  </a:solidFill>
+                  <a:ea typeface="Segoe UI" pitchFamily="34" charset="0"/>
+                  <a:cs typeface="Segoe UI" pitchFamily="34" charset="0"/>
+                </a:rPr>
+                <a:t>One ACI = one Docker </a:t>
+              </a:r>
+              <a:r>
+                <a:rPr lang="en-CA" sz="800" dirty="0" err="1">
+                  <a:solidFill>
+                    <a:srgbClr val="0070C0"/>
+                  </a:solidFill>
+                  <a:ea typeface="Segoe UI" pitchFamily="34" charset="0"/>
+                  <a:cs typeface="Segoe UI" pitchFamily="34" charset="0"/>
+                </a:rPr>
+                <a:t>conainer</a:t>
+              </a:r>
+              <a:endParaRPr lang="en-CA" sz="800" dirty="0">
+                <a:solidFill>
+                  <a:srgbClr val="0070C0"/>
+                </a:solidFill>
+                <a:ea typeface="Segoe UI" pitchFamily="34" charset="0"/>
+                <a:cs typeface="Segoe UI" pitchFamily="34" charset="0"/>
+              </a:endParaRPr>
+            </a:p>
+            <a:p>
+              <a:pPr marL="360363" lvl="1" indent="-184150" defTabSz="932472" fontAlgn="base">
+                <a:lnSpc>
+                  <a:spcPct val="90000"/>
+                </a:lnSpc>
+                <a:spcBef>
+                  <a:spcPct val="0"/>
+                </a:spcBef>
+                <a:spcAft>
+                  <a:spcPct val="0"/>
+                </a:spcAft>
+                <a:buFont typeface="Arial" panose="020B0604020202020204" pitchFamily="34" charset="0"/>
+                <a:buChar char="•"/>
+              </a:pPr>
+              <a:r>
+                <a:rPr lang="en-CA" sz="800" dirty="0">
+                  <a:solidFill>
+                    <a:srgbClr val="0070C0"/>
+                  </a:solidFill>
+                  <a:ea typeface="Segoe UI" pitchFamily="34" charset="0"/>
+                  <a:cs typeface="Segoe UI" pitchFamily="34" charset="0"/>
+                </a:rPr>
+                <a:t>Role Based Access Control (RBAC)</a:t>
+              </a:r>
+            </a:p>
+            <a:p>
+              <a:pPr marL="360363" lvl="1" indent="-184150" defTabSz="932472" fontAlgn="base">
+                <a:lnSpc>
+                  <a:spcPct val="90000"/>
+                </a:lnSpc>
+                <a:spcBef>
+                  <a:spcPct val="0"/>
+                </a:spcBef>
+                <a:spcAft>
+                  <a:spcPct val="0"/>
+                </a:spcAft>
+                <a:buFont typeface="Arial" panose="020B0604020202020204" pitchFamily="34" charset="0"/>
+                <a:buChar char="•"/>
+              </a:pPr>
+              <a:r>
+                <a:rPr lang="en-CA" sz="800" dirty="0">
+                  <a:solidFill>
+                    <a:srgbClr val="0070C0"/>
+                  </a:solidFill>
+                  <a:ea typeface="Segoe UI" pitchFamily="34" charset="0"/>
+                  <a:cs typeface="Segoe UI" pitchFamily="34" charset="0"/>
+                </a:rPr>
+                <a:t>Short-running workloads</a:t>
+              </a:r>
+            </a:p>
+            <a:p>
+              <a:pPr defTabSz="932472" fontAlgn="base">
+                <a:lnSpc>
+                  <a:spcPct val="90000"/>
+                </a:lnSpc>
+                <a:spcBef>
+                  <a:spcPct val="0"/>
+                </a:spcBef>
+                <a:spcAft>
+                  <a:spcPct val="0"/>
+                </a:spcAft>
+              </a:pPr>
+              <a:r>
+                <a:rPr lang="en-CA" sz="900" b="1" dirty="0">
+                  <a:solidFill>
+                    <a:srgbClr val="0070C0"/>
+                  </a:solidFill>
+                  <a:ea typeface="Segoe UI" pitchFamily="34" charset="0"/>
+                  <a:cs typeface="Segoe UI" pitchFamily="34" charset="0"/>
+                </a:rPr>
+                <a:t>Azure Container Services (AKS)</a:t>
+              </a:r>
+            </a:p>
+            <a:p>
+              <a:pPr marL="360363" lvl="1" indent="-184150" defTabSz="932472" fontAlgn="base">
+                <a:lnSpc>
+                  <a:spcPct val="90000"/>
+                </a:lnSpc>
+                <a:spcBef>
+                  <a:spcPct val="0"/>
+                </a:spcBef>
+                <a:spcAft>
+                  <a:spcPct val="0"/>
+                </a:spcAft>
+                <a:buFont typeface="Arial" panose="020B0604020202020204" pitchFamily="34" charset="0"/>
+                <a:buChar char="•"/>
+              </a:pPr>
+              <a:r>
+                <a:rPr lang="en-CA" sz="800" dirty="0">
+                  <a:solidFill>
+                    <a:srgbClr val="0070C0"/>
+                  </a:solidFill>
+                  <a:ea typeface="Segoe UI" pitchFamily="34" charset="0"/>
+                  <a:cs typeface="Segoe UI" pitchFamily="34" charset="0"/>
+                </a:rPr>
+                <a:t>Load balancing</a:t>
+              </a:r>
+            </a:p>
+            <a:p>
+              <a:pPr marL="360363" lvl="1" indent="-184150" defTabSz="932472" fontAlgn="base">
+                <a:lnSpc>
+                  <a:spcPct val="90000"/>
+                </a:lnSpc>
+                <a:spcBef>
+                  <a:spcPct val="0"/>
+                </a:spcBef>
+                <a:spcAft>
+                  <a:spcPct val="0"/>
+                </a:spcAft>
+                <a:buFont typeface="Arial" panose="020B0604020202020204" pitchFamily="34" charset="0"/>
+                <a:buChar char="•"/>
+              </a:pPr>
+              <a:r>
+                <a:rPr lang="en-CA" sz="800" dirty="0">
+                  <a:solidFill>
+                    <a:srgbClr val="0070C0"/>
+                  </a:solidFill>
+                  <a:ea typeface="Segoe UI" pitchFamily="34" charset="0"/>
+                  <a:cs typeface="Segoe UI" pitchFamily="34" charset="0"/>
+                </a:rPr>
+                <a:t>Orchestration</a:t>
+              </a:r>
+            </a:p>
+            <a:p>
+              <a:pPr marL="360363" lvl="1" indent="-184150" defTabSz="932472" fontAlgn="base">
+                <a:lnSpc>
+                  <a:spcPct val="90000"/>
+                </a:lnSpc>
+                <a:spcBef>
+                  <a:spcPct val="0"/>
+                </a:spcBef>
+                <a:spcAft>
+                  <a:spcPct val="0"/>
+                </a:spcAft>
+                <a:buFont typeface="Arial" panose="020B0604020202020204" pitchFamily="34" charset="0"/>
+                <a:buChar char="•"/>
+              </a:pPr>
+              <a:r>
+                <a:rPr lang="en-CA" sz="800" dirty="0">
+                  <a:solidFill>
+                    <a:srgbClr val="0070C0"/>
+                  </a:solidFill>
+                  <a:ea typeface="Segoe UI" pitchFamily="34" charset="0"/>
+                  <a:cs typeface="Segoe UI" pitchFamily="34" charset="0"/>
+                </a:rPr>
+                <a:t>Long running workloads</a:t>
+              </a:r>
+            </a:p>
+          </p:txBody>
+        </p:sp>
+        <p:sp>
+          <p:nvSpPr>
+            <p:cNvPr id="36" name="Rectangle: Rounded Corners 35">
+              <a:extLst>
+                <a:ext uri="{FF2B5EF4-FFF2-40B4-BE49-F238E27FC236}">
+                  <a16:creationId xmlns:a16="http://schemas.microsoft.com/office/drawing/2014/main" id="{AB26ED57-4E1B-4C3D-B8FA-D856841F5E98}"/>
+                </a:ext>
+              </a:extLst>
+            </p:cNvPr>
+            <p:cNvSpPr/>
+            <p:nvPr/>
+          </p:nvSpPr>
+          <p:spPr bwMode="auto">
+            <a:xfrm>
+              <a:off x="16871876" y="4156077"/>
+              <a:ext cx="2986571" cy="419904"/>
+            </a:xfrm>
+            <a:prstGeom prst="roundRect">
+              <a:avLst/>
+            </a:prstGeom>
+            <a:solidFill>
+              <a:srgbClr val="0070C0"/>
+            </a:solidFill>
+            <a:ln>
+              <a:solidFill>
+                <a:srgbClr val="0070C0"/>
+              </a:solidFill>
+              <a:headEnd type="none" w="med" len="med"/>
+              <a:tailEnd type="none" w="med" len="med"/>
+            </a:ln>
+            <a:effectLst/>
+          </p:spPr>
+          <p:style>
+            <a:lnRef idx="1">
+              <a:schemeClr val="accent2"/>
+            </a:lnRef>
+            <a:fillRef idx="3">
+              <a:schemeClr val="accent2"/>
+            </a:fillRef>
+            <a:effectRef idx="2">
+              <a:schemeClr val="accent2"/>
+            </a:effectRef>
+            <a:fontRef idx="minor">
+              <a:schemeClr val="lt1"/>
+            </a:fontRef>
+          </p:style>
+          <p:txBody>
+            <a:bodyPr rot="0" spcFirstLastPara="0" vertOverflow="overflow" horzOverflow="overflow" vert="horz" wrap="square" lIns="0" tIns="0" rIns="0" bIns="0" numCol="1" spcCol="0" rtlCol="0" fromWordArt="0" anchor="ctr" anchorCtr="0" forceAA="0" compatLnSpc="1">
+              <a:prstTxWarp prst="textNoShape">
+                <a:avLst/>
+              </a:prstTxWarp>
+              <a:noAutofit/>
+            </a:bodyPr>
+            <a:lstStyle/>
+            <a:p>
+              <a:pPr algn="ctr" defTabSz="932472" fontAlgn="base">
+                <a:lnSpc>
+                  <a:spcPct val="90000"/>
+                </a:lnSpc>
+                <a:spcBef>
+                  <a:spcPct val="0"/>
+                </a:spcBef>
+                <a:spcAft>
+                  <a:spcPct val="0"/>
+                </a:spcAft>
+              </a:pPr>
+              <a:r>
+                <a:rPr lang="en-CA" sz="1600" dirty="0">
+                  <a:gradFill>
+                    <a:gsLst>
+                      <a:gs pos="0">
+                        <a:srgbClr val="FFFFFF"/>
+                      </a:gs>
+                      <a:gs pos="100000">
+                        <a:srgbClr val="FFFFFF"/>
+                      </a:gs>
+                    </a:gsLst>
+                    <a:lin ang="5400000" scaled="0"/>
+                  </a:gradFill>
+                  <a:ea typeface="Segoe UI" pitchFamily="34" charset="0"/>
+                  <a:cs typeface="Segoe UI" pitchFamily="34" charset="0"/>
+                </a:rPr>
+                <a:t>Deployments vs Migrations</a:t>
+              </a:r>
+            </a:p>
+          </p:txBody>
+        </p:sp>
+        <p:sp>
+          <p:nvSpPr>
+            <p:cNvPr id="37" name="Rectangle 36">
+              <a:extLst>
+                <a:ext uri="{FF2B5EF4-FFF2-40B4-BE49-F238E27FC236}">
+                  <a16:creationId xmlns:a16="http://schemas.microsoft.com/office/drawing/2014/main" id="{032E4411-6460-454D-BAAD-A76707A0DF23}"/>
+                </a:ext>
+              </a:extLst>
+            </p:cNvPr>
+            <p:cNvSpPr/>
+            <p:nvPr/>
+          </p:nvSpPr>
+          <p:spPr bwMode="auto">
+            <a:xfrm>
+              <a:off x="16871877" y="4512675"/>
+              <a:ext cx="2986570" cy="1096392"/>
+            </a:xfrm>
+            <a:prstGeom prst="rect">
+              <a:avLst/>
+            </a:prstGeom>
+            <a:solidFill>
+              <a:schemeClr val="tx1"/>
+            </a:solidFill>
+            <a:ln>
+              <a:solidFill>
+                <a:srgbClr val="0070C0"/>
+              </a:solidFill>
+              <a:headEnd type="none" w="med" len="med"/>
+              <a:tailEnd type="none" w="med" len="med"/>
+            </a:ln>
+            <a:effectLst/>
+          </p:spPr>
+          <p:style>
+            <a:lnRef idx="1">
+              <a:schemeClr val="accent2"/>
+            </a:lnRef>
+            <a:fillRef idx="3">
+              <a:schemeClr val="accent2"/>
+            </a:fillRef>
+            <a:effectRef idx="2">
+              <a:schemeClr val="accent2"/>
+            </a:effectRef>
+            <a:fontRef idx="minor">
+              <a:schemeClr val="lt1"/>
+            </a:fontRef>
+          </p:style>
+          <p:txBody>
+            <a:bodyPr rot="0" spcFirstLastPara="0" vertOverflow="overflow" horzOverflow="overflow" vert="horz" wrap="square" lIns="36000" tIns="72000" rIns="0" bIns="0" numCol="1" spcCol="0" rtlCol="0" fromWordArt="0" anchor="ctr" anchorCtr="0" forceAA="0" compatLnSpc="1">
+              <a:prstTxWarp prst="textNoShape">
+                <a:avLst/>
+              </a:prstTxWarp>
+              <a:noAutofit/>
+            </a:bodyPr>
+            <a:lstStyle/>
+            <a:p>
+              <a:pPr defTabSz="932472" fontAlgn="base">
+                <a:lnSpc>
+                  <a:spcPct val="90000"/>
+                </a:lnSpc>
+                <a:spcBef>
+                  <a:spcPct val="0"/>
+                </a:spcBef>
+                <a:spcAft>
+                  <a:spcPct val="0"/>
+                </a:spcAft>
+              </a:pPr>
+              <a:r>
+                <a:rPr lang="en-CA" sz="900" b="1" dirty="0">
+                  <a:solidFill>
+                    <a:srgbClr val="0070C0"/>
+                  </a:solidFill>
+                  <a:ea typeface="Segoe UI" pitchFamily="34" charset="0"/>
+                  <a:cs typeface="Segoe UI" pitchFamily="34" charset="0"/>
+                </a:rPr>
+                <a:t>Cloud Infrastructure Ready</a:t>
+              </a:r>
+            </a:p>
+            <a:p>
+              <a:pPr marL="360363" lvl="1" indent="-184150" defTabSz="932472" fontAlgn="base">
+                <a:lnSpc>
+                  <a:spcPct val="90000"/>
+                </a:lnSpc>
+                <a:spcBef>
+                  <a:spcPct val="0"/>
+                </a:spcBef>
+                <a:spcAft>
+                  <a:spcPct val="0"/>
+                </a:spcAft>
+                <a:buFont typeface="Arial" panose="020B0604020202020204" pitchFamily="34" charset="0"/>
+                <a:buChar char="•"/>
+              </a:pPr>
+              <a:r>
+                <a:rPr lang="en-CA" sz="800" dirty="0">
+                  <a:solidFill>
+                    <a:srgbClr val="0070C0"/>
+                  </a:solidFill>
+                  <a:cs typeface="Segoe UI" pitchFamily="34" charset="0"/>
+                </a:rPr>
+                <a:t>Host on VMs as-is</a:t>
+              </a:r>
+            </a:p>
+            <a:p>
+              <a:pPr defTabSz="932472" fontAlgn="base">
+                <a:lnSpc>
+                  <a:spcPct val="90000"/>
+                </a:lnSpc>
+                <a:spcBef>
+                  <a:spcPct val="0"/>
+                </a:spcBef>
+                <a:spcAft>
+                  <a:spcPct val="0"/>
+                </a:spcAft>
+              </a:pPr>
+              <a:r>
+                <a:rPr lang="en-CA" sz="900" b="1" dirty="0">
+                  <a:solidFill>
+                    <a:srgbClr val="0070C0"/>
+                  </a:solidFill>
+                  <a:ea typeface="Segoe UI" pitchFamily="34" charset="0"/>
+                  <a:cs typeface="Segoe UI" pitchFamily="34" charset="0"/>
+                </a:rPr>
+                <a:t>Cloud DevOps Ready</a:t>
+              </a:r>
+            </a:p>
+            <a:p>
+              <a:pPr marL="360363" lvl="1" indent="-184150" defTabSz="932472" fontAlgn="base">
+                <a:lnSpc>
+                  <a:spcPct val="90000"/>
+                </a:lnSpc>
+                <a:spcBef>
+                  <a:spcPct val="0"/>
+                </a:spcBef>
+                <a:spcAft>
+                  <a:spcPct val="0"/>
+                </a:spcAft>
+                <a:buFont typeface="Arial" panose="020B0604020202020204" pitchFamily="34" charset="0"/>
+                <a:buChar char="•"/>
+              </a:pPr>
+              <a:r>
+                <a:rPr lang="en-CA" sz="800" dirty="0">
+                  <a:solidFill>
+                    <a:srgbClr val="0070C0"/>
+                  </a:solidFill>
+                  <a:ea typeface="Segoe UI" pitchFamily="34" charset="0"/>
+                  <a:cs typeface="Segoe UI" pitchFamily="34" charset="0"/>
+                </a:rPr>
+                <a:t>Use containers to develop and deploy</a:t>
+              </a:r>
+            </a:p>
+            <a:p>
+              <a:pPr marL="360363" lvl="1" indent="-184150" defTabSz="932472" fontAlgn="base">
+                <a:lnSpc>
+                  <a:spcPct val="90000"/>
+                </a:lnSpc>
+                <a:spcBef>
+                  <a:spcPct val="0"/>
+                </a:spcBef>
+                <a:spcAft>
+                  <a:spcPct val="0"/>
+                </a:spcAft>
+                <a:buFont typeface="Arial" panose="020B0604020202020204" pitchFamily="34" charset="0"/>
+                <a:buChar char="•"/>
+              </a:pPr>
+              <a:r>
+                <a:rPr lang="en-CA" sz="800" dirty="0">
+                  <a:solidFill>
+                    <a:srgbClr val="0070C0"/>
+                  </a:solidFill>
+                  <a:ea typeface="Segoe UI" pitchFamily="34" charset="0"/>
+                  <a:cs typeface="Segoe UI" pitchFamily="34" charset="0"/>
+                </a:rPr>
+                <a:t>Decouple application from infrastructure</a:t>
+              </a:r>
+            </a:p>
+            <a:p>
+              <a:pPr defTabSz="932472" fontAlgn="base">
+                <a:lnSpc>
+                  <a:spcPct val="90000"/>
+                </a:lnSpc>
+                <a:spcBef>
+                  <a:spcPct val="0"/>
+                </a:spcBef>
+                <a:spcAft>
+                  <a:spcPct val="0"/>
+                </a:spcAft>
+              </a:pPr>
+              <a:r>
+                <a:rPr lang="en-CA" sz="900" b="1" dirty="0">
+                  <a:solidFill>
+                    <a:srgbClr val="0070C0"/>
+                  </a:solidFill>
+                  <a:ea typeface="Segoe UI" pitchFamily="34" charset="0"/>
+                  <a:cs typeface="Segoe UI" pitchFamily="34" charset="0"/>
+                </a:rPr>
+                <a:t>Cloud Optimised</a:t>
+              </a:r>
+            </a:p>
+            <a:p>
+              <a:pPr marL="360363" lvl="1" indent="-184150" defTabSz="932472" fontAlgn="base">
+                <a:lnSpc>
+                  <a:spcPct val="90000"/>
+                </a:lnSpc>
+                <a:spcBef>
+                  <a:spcPct val="0"/>
+                </a:spcBef>
+                <a:spcAft>
+                  <a:spcPct val="0"/>
+                </a:spcAft>
+                <a:buFont typeface="Arial" panose="020B0604020202020204" pitchFamily="34" charset="0"/>
+                <a:buChar char="•"/>
+              </a:pPr>
+              <a:r>
+                <a:rPr lang="en-CA" sz="800" dirty="0">
+                  <a:solidFill>
+                    <a:srgbClr val="0070C0"/>
+                  </a:solidFill>
+                  <a:cs typeface="Segoe UI" pitchFamily="34" charset="0"/>
+                </a:rPr>
+                <a:t>Modernise mission critical applications</a:t>
+              </a:r>
+            </a:p>
+            <a:p>
+              <a:pPr indent="-699808" defTabSz="932472" fontAlgn="base">
+                <a:lnSpc>
+                  <a:spcPct val="90000"/>
+                </a:lnSpc>
+                <a:spcBef>
+                  <a:spcPct val="0"/>
+                </a:spcBef>
+                <a:spcAft>
+                  <a:spcPct val="0"/>
+                </a:spcAft>
+              </a:pPr>
+              <a:endParaRPr lang="en-CA" sz="800" dirty="0">
+                <a:solidFill>
+                  <a:srgbClr val="0070C0"/>
+                </a:solidFill>
+                <a:ea typeface="Segoe UI" pitchFamily="34" charset="0"/>
+                <a:cs typeface="Segoe UI" pitchFamily="34" charset="0"/>
+              </a:endParaRPr>
+            </a:p>
+          </p:txBody>
+        </p:sp>
+      </p:grpSp>
+    </p:spTree>
+    <p:extLst>
+      <p:ext uri="{BB962C8B-B14F-4D97-AF65-F5344CB8AC3E}">
+        <p14:creationId xmlns:p14="http://schemas.microsoft.com/office/powerpoint/2010/main" val="321171884"/>
+      </p:ext>
+    </p:extLst>
+  </p:cSld>
+  <p:clrMapOvr>
+    <a:masterClrMapping/>
+  </p:clrMapOvr>
+  <p:transition>
+    <p:fade/>
+  </p:transition>
+</p:sld>
+</file>
+
+<file path=ppt/slides/slide3.xml><?xml version="1.0" encoding="utf-8"?>
+<p:sld xmlns:a="http://schemas.openxmlformats.org/drawingml/2006/main" xmlns:r="http://schemas.openxmlformats.org/officeDocument/2006/relationships" xmlns:p="http://schemas.openxmlformats.org/presentationml/2006/main">
+  <p:cSld>
+    <p:bg>
+      <p:bgPr>
+        <a:solidFill>
+          <a:schemeClr val="tx1"/>
+        </a:solidFill>
+        <a:effectLst/>
+      </p:bgPr>
+    </p:bg>
+    <p:spTree>
+      <p:nvGrpSpPr>
+        <p:cNvPr id="1" name=""/>
+        <p:cNvGrpSpPr/>
+        <p:nvPr/>
+      </p:nvGrpSpPr>
+      <p:grpSpPr>
+        <a:xfrm>
+          <a:off x="0" y="0"/>
+          <a:ext cx="0" cy="0"/>
+          <a:chOff x="0" y="0"/>
+          <a:chExt cx="0" cy="0"/>
+        </a:xfrm>
+      </p:grpSpPr>
+      <p:sp>
+        <p:nvSpPr>
+          <p:cNvPr id="2" name="Rectangle 1">
+            <a:extLst>
+              <a:ext uri="{FF2B5EF4-FFF2-40B4-BE49-F238E27FC236}">
+                <a16:creationId xmlns:a16="http://schemas.microsoft.com/office/drawing/2014/main" id="{4C8172DF-8469-4F85-8BA3-1673AD9B6AD3}"/>
+              </a:ext>
+            </a:extLst>
+          </p:cNvPr>
+          <p:cNvSpPr/>
+          <p:nvPr/>
+        </p:nvSpPr>
+        <p:spPr bwMode="auto">
+          <a:xfrm>
+            <a:off x="0" y="0"/>
+            <a:ext cx="894521" cy="15119350"/>
+          </a:xfrm>
+          <a:prstGeom prst="rect">
+            <a:avLst/>
+          </a:prstGeom>
+          <a:solidFill>
+            <a:srgbClr val="0070C0"/>
+          </a:solidFill>
+          <a:ln>
+            <a:solidFill>
+              <a:srgbClr val="0070C0"/>
+            </a:solidFill>
+            <a:headEnd type="none" w="med" len="med"/>
+            <a:tailEnd type="none" w="med" len="med"/>
+          </a:ln>
+          <a:effectLst/>
+        </p:spPr>
+        <p:style>
+          <a:lnRef idx="1">
+            <a:schemeClr val="accent2"/>
+          </a:lnRef>
+          <a:fillRef idx="3">
+            <a:schemeClr val="accent2"/>
+          </a:fillRef>
+          <a:effectRef idx="2">
+            <a:schemeClr val="accent2"/>
+          </a:effectRef>
+          <a:fontRef idx="minor">
+            <a:schemeClr val="lt1"/>
+          </a:fontRef>
+        </p:style>
+        <p:txBody>
+          <a:bodyPr rot="0" spcFirstLastPara="0" vertOverflow="overflow" horzOverflow="overflow" vert="horz" wrap="square" lIns="182880" tIns="146304" rIns="182880" bIns="146304" numCol="1" spcCol="0" rtlCol="0" fromWordArt="0" anchor="t" anchorCtr="0" forceAA="0" compatLnSpc="1">
+            <a:prstTxWarp prst="textNoShape">
+              <a:avLst/>
+            </a:prstTxWarp>
+            <a:noAutofit/>
+          </a:bodyPr>
+          <a:lstStyle/>
+          <a:p>
+            <a:pPr algn="ctr" defTabSz="932472" fontAlgn="base">
+              <a:lnSpc>
+                <a:spcPct val="90000"/>
+              </a:lnSpc>
+              <a:spcBef>
+                <a:spcPct val="0"/>
+              </a:spcBef>
+              <a:spcAft>
+                <a:spcPct val="0"/>
+              </a:spcAft>
+            </a:pPr>
+            <a:endParaRPr lang="en-CA" sz="2400" dirty="0" err="1">
+              <a:gradFill>
+                <a:gsLst>
+                  <a:gs pos="0">
+                    <a:srgbClr val="FFFFFF"/>
+                  </a:gs>
+                  <a:gs pos="100000">
+                    <a:srgbClr val="FFFFFF"/>
+                  </a:gs>
+                </a:gsLst>
+                <a:lin ang="5400000" scaled="0"/>
+              </a:gradFill>
+              <a:ea typeface="Segoe UI" pitchFamily="34" charset="0"/>
+              <a:cs typeface="Segoe UI" pitchFamily="34" charset="0"/>
+            </a:endParaRPr>
+          </a:p>
+        </p:txBody>
+      </p:sp>
+      <p:sp>
+        <p:nvSpPr>
+          <p:cNvPr id="7" name="TextBox 6">
+            <a:extLst>
+              <a:ext uri="{FF2B5EF4-FFF2-40B4-BE49-F238E27FC236}">
+                <a16:creationId xmlns:a16="http://schemas.microsoft.com/office/drawing/2014/main" id="{BB3873BD-2534-41CE-8B5B-910F1D3277F2}"/>
+              </a:ext>
+            </a:extLst>
+          </p:cNvPr>
+          <p:cNvSpPr txBox="1"/>
+          <p:nvPr/>
+        </p:nvSpPr>
+        <p:spPr>
+          <a:xfrm rot="16200000">
+            <a:off x="-6155419" y="7227055"/>
+            <a:ext cx="13102626" cy="830997"/>
+          </a:xfrm>
+          <a:prstGeom prst="rect">
+            <a:avLst/>
+          </a:prstGeom>
+          <a:noFill/>
+        </p:spPr>
+        <p:txBody>
+          <a:bodyPr wrap="square" rtlCol="0">
+            <a:spAutoFit/>
+          </a:bodyPr>
+          <a:lstStyle/>
+          <a:p>
+            <a:pPr algn="ctr"/>
+            <a:r>
+              <a:rPr lang="en-US" sz="4800" dirty="0">
+                <a:solidFill>
+                  <a:schemeClr val="tx2"/>
+                </a:solidFill>
+                <a:latin typeface="Segoe UI Light" panose="020B0502040204020203" pitchFamily="34" charset="0"/>
+                <a:ea typeface="Segoe UI Black" panose="020B0A02040204020203" pitchFamily="34" charset="0"/>
+                <a:cs typeface="Segoe UI Light" panose="020B0502040204020203" pitchFamily="34" charset="0"/>
+              </a:rPr>
+              <a:t>Architecting Microsoft Azure Solutions</a:t>
+            </a:r>
+            <a:endParaRPr lang="en-CA" sz="4800" dirty="0">
+              <a:solidFill>
+                <a:schemeClr val="tx2"/>
+              </a:solidFill>
+              <a:latin typeface="Segoe UI Light" panose="020B0502040204020203" pitchFamily="34" charset="0"/>
+              <a:ea typeface="Segoe UI Black" panose="020B0A02040204020203" pitchFamily="34" charset="0"/>
+              <a:cs typeface="Segoe UI Light" panose="020B0502040204020203" pitchFamily="34" charset="0"/>
             </a:endParaRPr>
           </a:p>
         </p:txBody>
@@ -7405,704 +13127,6 @@
                 <a:schemeClr val="bg1"/>
               </a:solidFill>
             </a:endParaRPr>
-          </a:p>
-        </p:txBody>
-      </p:sp>
-      <p:sp>
-        <p:nvSpPr>
-          <p:cNvPr id="3" name="Rectangle: Rounded Corners 2">
-            <a:extLst>
-              <a:ext uri="{FF2B5EF4-FFF2-40B4-BE49-F238E27FC236}">
-                <a16:creationId xmlns:a16="http://schemas.microsoft.com/office/drawing/2014/main" id="{D62FB55C-F62D-402E-93FF-39D8B274EC41}"/>
-              </a:ext>
-            </a:extLst>
-          </p:cNvPr>
-          <p:cNvSpPr/>
-          <p:nvPr/>
-        </p:nvSpPr>
-        <p:spPr bwMode="auto">
-          <a:xfrm>
-            <a:off x="2579076" y="1402801"/>
-            <a:ext cx="2986571" cy="419904"/>
-          </a:xfrm>
-          <a:prstGeom prst="roundRect">
-            <a:avLst/>
-          </a:prstGeom>
-          <a:solidFill>
-            <a:srgbClr val="0070C0"/>
-          </a:solidFill>
-          <a:ln>
-            <a:solidFill>
-              <a:srgbClr val="0070C0"/>
-            </a:solidFill>
-            <a:headEnd type="none" w="med" len="med"/>
-            <a:tailEnd type="none" w="med" len="med"/>
-          </a:ln>
-          <a:effectLst/>
-        </p:spPr>
-        <p:style>
-          <a:lnRef idx="1">
-            <a:schemeClr val="accent2"/>
-          </a:lnRef>
-          <a:fillRef idx="3">
-            <a:schemeClr val="accent2"/>
-          </a:fillRef>
-          <a:effectRef idx="2">
-            <a:schemeClr val="accent2"/>
-          </a:effectRef>
-          <a:fontRef idx="minor">
-            <a:schemeClr val="lt1"/>
-          </a:fontRef>
-        </p:style>
-        <p:txBody>
-          <a:bodyPr rot="0" spcFirstLastPara="0" vertOverflow="overflow" horzOverflow="overflow" vert="horz" wrap="square" lIns="0" tIns="0" rIns="0" bIns="0" numCol="1" spcCol="0" rtlCol="0" fromWordArt="0" anchor="ctr" anchorCtr="0" forceAA="0" compatLnSpc="1">
-            <a:prstTxWarp prst="textNoShape">
-              <a:avLst/>
-            </a:prstTxWarp>
-            <a:noAutofit/>
-          </a:bodyPr>
-          <a:lstStyle/>
-          <a:p>
-            <a:pPr algn="ctr" defTabSz="932472" fontAlgn="base">
-              <a:lnSpc>
-                <a:spcPct val="90000"/>
-              </a:lnSpc>
-              <a:spcBef>
-                <a:spcPct val="0"/>
-              </a:spcBef>
-              <a:spcAft>
-                <a:spcPct val="0"/>
-              </a:spcAft>
-            </a:pPr>
-            <a:r>
-              <a:rPr lang="en-CA" sz="1600" dirty="0">
-                <a:gradFill>
-                  <a:gsLst>
-                    <a:gs pos="0">
-                      <a:srgbClr val="FFFFFF"/>
-                    </a:gs>
-                    <a:gs pos="100000">
-                      <a:srgbClr val="FFFFFF"/>
-                    </a:gs>
-                  </a:gsLst>
-                  <a:lin ang="5400000" scaled="0"/>
-                </a:gradFill>
-                <a:ea typeface="Segoe UI" pitchFamily="34" charset="0"/>
-                <a:cs typeface="Segoe UI" pitchFamily="34" charset="0"/>
-              </a:rPr>
-              <a:t>Virtual Machines</a:t>
-            </a:r>
-          </a:p>
-        </p:txBody>
-      </p:sp>
-      <p:sp>
-        <p:nvSpPr>
-          <p:cNvPr id="5" name="Rectangle 4">
-            <a:extLst>
-              <a:ext uri="{FF2B5EF4-FFF2-40B4-BE49-F238E27FC236}">
-                <a16:creationId xmlns:a16="http://schemas.microsoft.com/office/drawing/2014/main" id="{6969BC61-C127-413B-8ECC-26C62636B730}"/>
-              </a:ext>
-            </a:extLst>
-          </p:cNvPr>
-          <p:cNvSpPr/>
-          <p:nvPr/>
-        </p:nvSpPr>
-        <p:spPr bwMode="auto">
-          <a:xfrm>
-            <a:off x="2579077" y="1759399"/>
-            <a:ext cx="2986570" cy="1581209"/>
-          </a:xfrm>
-          <a:prstGeom prst="rect">
-            <a:avLst/>
-          </a:prstGeom>
-          <a:solidFill>
-            <a:schemeClr val="tx1"/>
-          </a:solidFill>
-          <a:ln>
-            <a:solidFill>
-              <a:srgbClr val="0070C0"/>
-            </a:solidFill>
-            <a:headEnd type="none" w="med" len="med"/>
-            <a:tailEnd type="none" w="med" len="med"/>
-          </a:ln>
-          <a:effectLst/>
-        </p:spPr>
-        <p:style>
-          <a:lnRef idx="1">
-            <a:schemeClr val="accent2"/>
-          </a:lnRef>
-          <a:fillRef idx="3">
-            <a:schemeClr val="accent2"/>
-          </a:fillRef>
-          <a:effectRef idx="2">
-            <a:schemeClr val="accent2"/>
-          </a:effectRef>
-          <a:fontRef idx="minor">
-            <a:schemeClr val="lt1"/>
-          </a:fontRef>
-        </p:style>
-        <p:txBody>
-          <a:bodyPr rot="0" spcFirstLastPara="0" vertOverflow="overflow" horzOverflow="overflow" vert="horz" wrap="square" lIns="36000" tIns="72000" rIns="0" bIns="0" numCol="1" spcCol="0" rtlCol="0" fromWordArt="0" anchor="t" anchorCtr="0" forceAA="0" compatLnSpc="1">
-            <a:prstTxWarp prst="textNoShape">
-              <a:avLst/>
-            </a:prstTxWarp>
-            <a:noAutofit/>
-          </a:bodyPr>
-          <a:lstStyle/>
-          <a:p>
-            <a:pPr marL="92075" indent="-92075" defTabSz="932472" fontAlgn="base">
-              <a:lnSpc>
-                <a:spcPct val="90000"/>
-              </a:lnSpc>
-              <a:spcBef>
-                <a:spcPct val="0"/>
-              </a:spcBef>
-              <a:spcAft>
-                <a:spcPct val="0"/>
-              </a:spcAft>
-              <a:buFont typeface="Arial" panose="020B0604020202020204" pitchFamily="34" charset="0"/>
-              <a:buChar char="•"/>
-            </a:pPr>
-            <a:r>
-              <a:rPr lang="en-CA" sz="900" dirty="0">
-                <a:solidFill>
-                  <a:srgbClr val="0070C0"/>
-                </a:solidFill>
-                <a:ea typeface="Segoe UI" pitchFamily="34" charset="0"/>
-                <a:cs typeface="Segoe UI" pitchFamily="34" charset="0"/>
-              </a:rPr>
-              <a:t>Availability Set</a:t>
-            </a:r>
-          </a:p>
-          <a:p>
-            <a:pPr marL="360363" lvl="1" indent="-184150" defTabSz="932472" fontAlgn="base">
-              <a:lnSpc>
-                <a:spcPct val="90000"/>
-              </a:lnSpc>
-              <a:spcBef>
-                <a:spcPct val="0"/>
-              </a:spcBef>
-              <a:spcAft>
-                <a:spcPct val="0"/>
-              </a:spcAft>
-              <a:buFont typeface="Arial" panose="020B0604020202020204" pitchFamily="34" charset="0"/>
-              <a:buChar char="•"/>
-            </a:pPr>
-            <a:r>
-              <a:rPr lang="en-CA" sz="900" dirty="0">
-                <a:solidFill>
-                  <a:srgbClr val="0070C0"/>
-                </a:solidFill>
-                <a:cs typeface="Segoe UI" pitchFamily="34" charset="0"/>
-              </a:rPr>
-              <a:t>2 fault domains</a:t>
-            </a:r>
-          </a:p>
-          <a:p>
-            <a:pPr marL="360363" lvl="1" indent="-184150" defTabSz="932472" fontAlgn="base">
-              <a:lnSpc>
-                <a:spcPct val="90000"/>
-              </a:lnSpc>
-              <a:spcBef>
-                <a:spcPct val="0"/>
-              </a:spcBef>
-              <a:spcAft>
-                <a:spcPct val="0"/>
-              </a:spcAft>
-              <a:buFont typeface="Arial" panose="020B0604020202020204" pitchFamily="34" charset="0"/>
-              <a:buChar char="•"/>
-            </a:pPr>
-            <a:r>
-              <a:rPr lang="en-CA" sz="900" dirty="0">
-                <a:solidFill>
-                  <a:srgbClr val="0070C0"/>
-                </a:solidFill>
-                <a:cs typeface="Segoe UI" pitchFamily="34" charset="0"/>
-              </a:rPr>
-              <a:t>5 update domains</a:t>
-            </a:r>
-          </a:p>
-          <a:p>
-            <a:pPr marL="92075" indent="-92075" defTabSz="932472" fontAlgn="base">
-              <a:lnSpc>
-                <a:spcPct val="90000"/>
-              </a:lnSpc>
-              <a:spcBef>
-                <a:spcPct val="0"/>
-              </a:spcBef>
-              <a:spcAft>
-                <a:spcPct val="0"/>
-              </a:spcAft>
-              <a:buFont typeface="Arial" panose="020B0604020202020204" pitchFamily="34" charset="0"/>
-              <a:buChar char="•"/>
-            </a:pPr>
-            <a:r>
-              <a:rPr lang="en-CA" sz="900" dirty="0">
-                <a:solidFill>
-                  <a:srgbClr val="0070C0"/>
-                </a:solidFill>
-                <a:ea typeface="Segoe UI" pitchFamily="34" charset="0"/>
-                <a:cs typeface="Segoe UI" pitchFamily="34" charset="0"/>
-              </a:rPr>
-              <a:t>Scale Set</a:t>
-            </a:r>
-          </a:p>
-          <a:p>
-            <a:pPr marL="360363" lvl="1" indent="-184150" defTabSz="932472" fontAlgn="base">
-              <a:lnSpc>
-                <a:spcPct val="90000"/>
-              </a:lnSpc>
-              <a:spcBef>
-                <a:spcPct val="0"/>
-              </a:spcBef>
-              <a:spcAft>
-                <a:spcPct val="0"/>
-              </a:spcAft>
-              <a:buFont typeface="Arial" panose="020B0604020202020204" pitchFamily="34" charset="0"/>
-              <a:buChar char="•"/>
-            </a:pPr>
-            <a:r>
-              <a:rPr lang="en-CA" sz="900" dirty="0">
-                <a:solidFill>
-                  <a:srgbClr val="0070C0"/>
-                </a:solidFill>
-                <a:cs typeface="Segoe UI" pitchFamily="34" charset="0"/>
-              </a:rPr>
-              <a:t>Max 100 VMs</a:t>
-            </a:r>
-          </a:p>
-          <a:p>
-            <a:pPr marL="360363" lvl="1" indent="-184150" defTabSz="932472" fontAlgn="base">
-              <a:lnSpc>
-                <a:spcPct val="90000"/>
-              </a:lnSpc>
-              <a:spcBef>
-                <a:spcPct val="0"/>
-              </a:spcBef>
-              <a:spcAft>
-                <a:spcPct val="0"/>
-              </a:spcAft>
-              <a:buFont typeface="Arial" panose="020B0604020202020204" pitchFamily="34" charset="0"/>
-              <a:buChar char="•"/>
-            </a:pPr>
-            <a:r>
-              <a:rPr lang="en-CA" sz="900" dirty="0">
-                <a:solidFill>
-                  <a:srgbClr val="0070C0"/>
-                </a:solidFill>
-                <a:cs typeface="Segoe UI" pitchFamily="34" charset="0"/>
-              </a:rPr>
-              <a:t>Max 1000 VMs with placement groups (</a:t>
-            </a:r>
-            <a:r>
-              <a:rPr lang="en-CA" sz="900" dirty="0" err="1">
-                <a:solidFill>
-                  <a:srgbClr val="0070C0"/>
-                </a:solidFill>
-                <a:cs typeface="Segoe UI" pitchFamily="34" charset="0"/>
-              </a:rPr>
-              <a:t>autoscale</a:t>
-            </a:r>
-            <a:r>
-              <a:rPr lang="en-CA" sz="900" dirty="0">
-                <a:solidFill>
-                  <a:srgbClr val="0070C0"/>
-                </a:solidFill>
-                <a:cs typeface="Segoe UI" pitchFamily="34" charset="0"/>
-              </a:rPr>
-              <a:t>)</a:t>
-            </a:r>
-          </a:p>
-          <a:p>
-            <a:pPr marL="360363" lvl="1" indent="-184150" defTabSz="932472" fontAlgn="base">
-              <a:lnSpc>
-                <a:spcPct val="90000"/>
-              </a:lnSpc>
-              <a:spcBef>
-                <a:spcPct val="0"/>
-              </a:spcBef>
-              <a:spcAft>
-                <a:spcPct val="0"/>
-              </a:spcAft>
-              <a:buFont typeface="Arial" panose="020B0604020202020204" pitchFamily="34" charset="0"/>
-              <a:buChar char="•"/>
-            </a:pPr>
-            <a:r>
-              <a:rPr lang="en-CA" sz="900" dirty="0">
-                <a:solidFill>
-                  <a:srgbClr val="0070C0"/>
-                </a:solidFill>
-                <a:cs typeface="Segoe UI" pitchFamily="34" charset="0"/>
-              </a:rPr>
-              <a:t>Managed disks needed for large scale sets</a:t>
-            </a:r>
-          </a:p>
-          <a:p>
-            <a:pPr marL="92075" indent="-92075" defTabSz="932472" fontAlgn="base">
-              <a:lnSpc>
-                <a:spcPct val="90000"/>
-              </a:lnSpc>
-              <a:spcBef>
-                <a:spcPct val="0"/>
-              </a:spcBef>
-              <a:spcAft>
-                <a:spcPct val="0"/>
-              </a:spcAft>
-              <a:buFont typeface="Arial" panose="020B0604020202020204" pitchFamily="34" charset="0"/>
-              <a:buChar char="•"/>
-            </a:pPr>
-            <a:r>
-              <a:rPr lang="en-CA" sz="900" dirty="0">
-                <a:solidFill>
-                  <a:srgbClr val="0070C0"/>
-                </a:solidFill>
-                <a:ea typeface="Segoe UI" pitchFamily="34" charset="0"/>
-                <a:cs typeface="Segoe UI" pitchFamily="34" charset="0"/>
-              </a:rPr>
-              <a:t>VM Series</a:t>
-            </a:r>
-          </a:p>
-          <a:p>
-            <a:pPr marL="360363" lvl="1" indent="-184150" defTabSz="932472" fontAlgn="base">
-              <a:lnSpc>
-                <a:spcPct val="90000"/>
-              </a:lnSpc>
-              <a:spcBef>
-                <a:spcPct val="0"/>
-              </a:spcBef>
-              <a:spcAft>
-                <a:spcPct val="0"/>
-              </a:spcAft>
-              <a:buFont typeface="Arial" panose="020B0604020202020204" pitchFamily="34" charset="0"/>
-              <a:buChar char="•"/>
-            </a:pPr>
-            <a:r>
-              <a:rPr lang="en-CA" sz="900" dirty="0">
-                <a:solidFill>
-                  <a:srgbClr val="0070C0"/>
-                </a:solidFill>
-                <a:ea typeface="Segoe UI" pitchFamily="34" charset="0"/>
-                <a:cs typeface="Segoe UI" pitchFamily="34" charset="0"/>
-              </a:rPr>
-              <a:t>A 	General purpose</a:t>
-            </a:r>
-          </a:p>
-          <a:p>
-            <a:pPr marL="360363" lvl="1" indent="-184150" defTabSz="932472" fontAlgn="base">
-              <a:lnSpc>
-                <a:spcPct val="90000"/>
-              </a:lnSpc>
-              <a:spcBef>
-                <a:spcPct val="0"/>
-              </a:spcBef>
-              <a:spcAft>
-                <a:spcPct val="0"/>
-              </a:spcAft>
-              <a:buFont typeface="Arial" panose="020B0604020202020204" pitchFamily="34" charset="0"/>
-              <a:buChar char="•"/>
-            </a:pPr>
-            <a:r>
-              <a:rPr lang="en-CA" sz="900" dirty="0">
-                <a:solidFill>
-                  <a:srgbClr val="0070C0"/>
-                </a:solidFill>
-                <a:ea typeface="Segoe UI" pitchFamily="34" charset="0"/>
-                <a:cs typeface="Segoe UI" pitchFamily="34" charset="0"/>
-              </a:rPr>
-              <a:t>F  	Compute optimised</a:t>
-            </a:r>
-          </a:p>
-          <a:p>
-            <a:pPr marL="360363" lvl="1" indent="-184150" defTabSz="932472" fontAlgn="base">
-              <a:lnSpc>
-                <a:spcPct val="90000"/>
-              </a:lnSpc>
-              <a:spcBef>
-                <a:spcPct val="0"/>
-              </a:spcBef>
-              <a:spcAft>
-                <a:spcPct val="0"/>
-              </a:spcAft>
-              <a:buFont typeface="Arial" panose="020B0604020202020204" pitchFamily="34" charset="0"/>
-              <a:buChar char="•"/>
-            </a:pPr>
-            <a:r>
-              <a:rPr lang="en-CA" sz="900" dirty="0">
-                <a:solidFill>
-                  <a:srgbClr val="0070C0"/>
-                </a:solidFill>
-                <a:ea typeface="Segoe UI" pitchFamily="34" charset="0"/>
-                <a:cs typeface="Segoe UI" pitchFamily="34" charset="0"/>
-              </a:rPr>
-              <a:t>D,E,G  	Memory optimised</a:t>
-            </a:r>
-          </a:p>
-          <a:p>
-            <a:pPr marL="360363" lvl="1" indent="-184150" defTabSz="932472" fontAlgn="base">
-              <a:lnSpc>
-                <a:spcPct val="90000"/>
-              </a:lnSpc>
-              <a:spcBef>
-                <a:spcPct val="0"/>
-              </a:spcBef>
-              <a:spcAft>
-                <a:spcPct val="0"/>
-              </a:spcAft>
-              <a:buFont typeface="Arial" panose="020B0604020202020204" pitchFamily="34" charset="0"/>
-              <a:buChar char="•"/>
-            </a:pPr>
-            <a:r>
-              <a:rPr lang="en-CA" sz="900" dirty="0">
-                <a:solidFill>
-                  <a:srgbClr val="0070C0"/>
-                </a:solidFill>
-                <a:ea typeface="Segoe UI" pitchFamily="34" charset="0"/>
-                <a:cs typeface="Segoe UI" pitchFamily="34" charset="0"/>
-              </a:rPr>
-              <a:t>L 	Storage optimised</a:t>
-            </a:r>
-          </a:p>
-        </p:txBody>
-      </p:sp>
-      <p:sp>
-        <p:nvSpPr>
-          <p:cNvPr id="600" name="Rectangle: Rounded Corners 599">
-            <a:extLst>
-              <a:ext uri="{FF2B5EF4-FFF2-40B4-BE49-F238E27FC236}">
-                <a16:creationId xmlns:a16="http://schemas.microsoft.com/office/drawing/2014/main" id="{7B282F07-0CEF-4F34-8C12-A54EC397A52A}"/>
-              </a:ext>
-            </a:extLst>
-          </p:cNvPr>
-          <p:cNvSpPr/>
-          <p:nvPr/>
-        </p:nvSpPr>
-        <p:spPr bwMode="auto">
-          <a:xfrm>
-            <a:off x="6250180" y="1402801"/>
-            <a:ext cx="2986571" cy="419904"/>
-          </a:xfrm>
-          <a:prstGeom prst="roundRect">
-            <a:avLst/>
-          </a:prstGeom>
-          <a:solidFill>
-            <a:srgbClr val="0070C0"/>
-          </a:solidFill>
-          <a:ln>
-            <a:solidFill>
-              <a:srgbClr val="0070C0"/>
-            </a:solidFill>
-            <a:headEnd type="none" w="med" len="med"/>
-            <a:tailEnd type="none" w="med" len="med"/>
-          </a:ln>
-          <a:effectLst/>
-        </p:spPr>
-        <p:style>
-          <a:lnRef idx="1">
-            <a:schemeClr val="accent2"/>
-          </a:lnRef>
-          <a:fillRef idx="3">
-            <a:schemeClr val="accent2"/>
-          </a:fillRef>
-          <a:effectRef idx="2">
-            <a:schemeClr val="accent2"/>
-          </a:effectRef>
-          <a:fontRef idx="minor">
-            <a:schemeClr val="lt1"/>
-          </a:fontRef>
-        </p:style>
-        <p:txBody>
-          <a:bodyPr rot="0" spcFirstLastPara="0" vertOverflow="overflow" horzOverflow="overflow" vert="horz" wrap="square" lIns="0" tIns="0" rIns="0" bIns="0" numCol="1" spcCol="0" rtlCol="0" fromWordArt="0" anchor="ctr" anchorCtr="0" forceAA="0" compatLnSpc="1">
-            <a:prstTxWarp prst="textNoShape">
-              <a:avLst/>
-            </a:prstTxWarp>
-            <a:noAutofit/>
-          </a:bodyPr>
-          <a:lstStyle/>
-          <a:p>
-            <a:pPr algn="ctr" defTabSz="932472" fontAlgn="base">
-              <a:lnSpc>
-                <a:spcPct val="90000"/>
-              </a:lnSpc>
-              <a:spcBef>
-                <a:spcPct val="0"/>
-              </a:spcBef>
-              <a:spcAft>
-                <a:spcPct val="0"/>
-              </a:spcAft>
-            </a:pPr>
-            <a:r>
-              <a:rPr lang="en-CA" sz="1600" dirty="0">
-                <a:gradFill>
-                  <a:gsLst>
-                    <a:gs pos="0">
-                      <a:srgbClr val="FFFFFF"/>
-                    </a:gs>
-                    <a:gs pos="100000">
-                      <a:srgbClr val="FFFFFF"/>
-                    </a:gs>
-                  </a:gsLst>
-                  <a:lin ang="5400000" scaled="0"/>
-                </a:gradFill>
-                <a:ea typeface="Segoe UI" pitchFamily="34" charset="0"/>
-                <a:cs typeface="Segoe UI" pitchFamily="34" charset="0"/>
-              </a:rPr>
-              <a:t>High Performance Compute</a:t>
-            </a:r>
-          </a:p>
-        </p:txBody>
-      </p:sp>
-      <p:sp>
-        <p:nvSpPr>
-          <p:cNvPr id="601" name="Rectangle 600">
-            <a:extLst>
-              <a:ext uri="{FF2B5EF4-FFF2-40B4-BE49-F238E27FC236}">
-                <a16:creationId xmlns:a16="http://schemas.microsoft.com/office/drawing/2014/main" id="{138DBC82-CED9-488F-8006-AE6700ABAEB4}"/>
-              </a:ext>
-            </a:extLst>
-          </p:cNvPr>
-          <p:cNvSpPr/>
-          <p:nvPr/>
-        </p:nvSpPr>
-        <p:spPr bwMode="auto">
-          <a:xfrm>
-            <a:off x="6250181" y="1759399"/>
-            <a:ext cx="2986570" cy="1581209"/>
-          </a:xfrm>
-          <a:prstGeom prst="rect">
-            <a:avLst/>
-          </a:prstGeom>
-          <a:solidFill>
-            <a:schemeClr val="tx1"/>
-          </a:solidFill>
-          <a:ln>
-            <a:solidFill>
-              <a:srgbClr val="0070C0"/>
-            </a:solidFill>
-            <a:headEnd type="none" w="med" len="med"/>
-            <a:tailEnd type="none" w="med" len="med"/>
-          </a:ln>
-          <a:effectLst/>
-        </p:spPr>
-        <p:style>
-          <a:lnRef idx="1">
-            <a:schemeClr val="accent2"/>
-          </a:lnRef>
-          <a:fillRef idx="3">
-            <a:schemeClr val="accent2"/>
-          </a:fillRef>
-          <a:effectRef idx="2">
-            <a:schemeClr val="accent2"/>
-          </a:effectRef>
-          <a:fontRef idx="minor">
-            <a:schemeClr val="lt1"/>
-          </a:fontRef>
-        </p:style>
-        <p:txBody>
-          <a:bodyPr rot="0" spcFirstLastPara="0" vertOverflow="overflow" horzOverflow="overflow" vert="horz" wrap="square" lIns="36000" tIns="72000" rIns="0" bIns="0" numCol="1" spcCol="0" rtlCol="0" fromWordArt="0" anchor="t" anchorCtr="0" forceAA="0" compatLnSpc="1">
-            <a:prstTxWarp prst="textNoShape">
-              <a:avLst/>
-            </a:prstTxWarp>
-            <a:noAutofit/>
-          </a:bodyPr>
-          <a:lstStyle/>
-          <a:p>
-            <a:pPr marL="92075" indent="-92075" defTabSz="932472" fontAlgn="base">
-              <a:lnSpc>
-                <a:spcPct val="90000"/>
-              </a:lnSpc>
-              <a:spcBef>
-                <a:spcPct val="0"/>
-              </a:spcBef>
-              <a:spcAft>
-                <a:spcPct val="0"/>
-              </a:spcAft>
-              <a:buFont typeface="Arial" panose="020B0604020202020204" pitchFamily="34" charset="0"/>
-              <a:buChar char="•"/>
-            </a:pPr>
-            <a:r>
-              <a:rPr lang="en-CA" sz="900" dirty="0">
-                <a:solidFill>
-                  <a:srgbClr val="0070C0"/>
-                </a:solidFill>
-                <a:ea typeface="Segoe UI" pitchFamily="34" charset="0"/>
-                <a:cs typeface="Segoe UI" pitchFamily="34" charset="0"/>
-              </a:rPr>
-              <a:t>X</a:t>
-            </a:r>
-          </a:p>
-          <a:p>
-            <a:pPr marL="360363" lvl="1" indent="-184150" defTabSz="932472" fontAlgn="base">
-              <a:lnSpc>
-                <a:spcPct val="90000"/>
-              </a:lnSpc>
-              <a:spcBef>
-                <a:spcPct val="0"/>
-              </a:spcBef>
-              <a:spcAft>
-                <a:spcPct val="0"/>
-              </a:spcAft>
-              <a:buFont typeface="Arial" panose="020B0604020202020204" pitchFamily="34" charset="0"/>
-              <a:buChar char="•"/>
-            </a:pPr>
-            <a:r>
-              <a:rPr lang="en-CA" sz="900" dirty="0">
-                <a:solidFill>
-                  <a:srgbClr val="0070C0"/>
-                </a:solidFill>
-                <a:cs typeface="Segoe UI" pitchFamily="34" charset="0"/>
-              </a:rPr>
-              <a:t>X</a:t>
-            </a:r>
-          </a:p>
-          <a:p>
-            <a:pPr marL="92075" indent="-92075" defTabSz="932472" fontAlgn="base">
-              <a:lnSpc>
-                <a:spcPct val="90000"/>
-              </a:lnSpc>
-              <a:spcBef>
-                <a:spcPct val="0"/>
-              </a:spcBef>
-              <a:spcAft>
-                <a:spcPct val="0"/>
-              </a:spcAft>
-              <a:buFont typeface="Arial" panose="020B0604020202020204" pitchFamily="34" charset="0"/>
-              <a:buChar char="•"/>
-            </a:pPr>
-            <a:r>
-              <a:rPr lang="en-CA" sz="900" dirty="0">
-                <a:solidFill>
-                  <a:srgbClr val="0070C0"/>
-                </a:solidFill>
-                <a:ea typeface="Segoe UI" pitchFamily="34" charset="0"/>
-                <a:cs typeface="Segoe UI" pitchFamily="34" charset="0"/>
-              </a:rPr>
-              <a:t>X</a:t>
-            </a:r>
-          </a:p>
-          <a:p>
-            <a:pPr marL="360363" lvl="1" indent="-184150" defTabSz="932472" fontAlgn="base">
-              <a:lnSpc>
-                <a:spcPct val="90000"/>
-              </a:lnSpc>
-              <a:spcBef>
-                <a:spcPct val="0"/>
-              </a:spcBef>
-              <a:spcAft>
-                <a:spcPct val="0"/>
-              </a:spcAft>
-              <a:buFont typeface="Arial" panose="020B0604020202020204" pitchFamily="34" charset="0"/>
-              <a:buChar char="•"/>
-            </a:pPr>
-            <a:r>
-              <a:rPr lang="en-CA" sz="900" dirty="0">
-                <a:solidFill>
-                  <a:srgbClr val="0070C0"/>
-                </a:solidFill>
-                <a:ea typeface="Segoe UI" pitchFamily="34" charset="0"/>
-                <a:cs typeface="Segoe UI" pitchFamily="34" charset="0"/>
-              </a:rPr>
-              <a:t>X</a:t>
-            </a:r>
           </a:p>
         </p:txBody>
       </p:sp>
@@ -8136,13 +13160,248 @@
           </a:stretch>
         </p:blipFill>
         <p:spPr>
-          <a:xfrm rot="1975713">
-            <a:off x="3071812" y="5154612"/>
-            <a:ext cx="15240000" cy="4810125"/>
+          <a:xfrm>
+            <a:off x="10611611" y="10479715"/>
+            <a:ext cx="7796484" cy="2460765"/>
           </a:xfrm>
           <a:prstGeom prst="rect">
             <a:avLst/>
           </a:prstGeom>
+        </p:spPr>
+      </p:pic>
+      <p:pic>
+        <p:nvPicPr>
+          <p:cNvPr id="1026" name="Picture 2" descr="Relational data &#10;Object-relational data &#10;Unstructured data &#10;Semi-structured data &#10;Queue messages &#10;Files On disk &#10;High-performance files on disk &#10;Store large data &#10;Store small data &#10;Geographic data replication &#10;x &#10;x &#10;x &#10;x &#10;x &#10;x &#10;x &#10;0 &#10;x &#10;x &#10;x &#10;x &#10;x &#10;x &#10;x &#10;x &#10;x &#10;x &#10;x &#10;x &#10;x &#10;x &#10;x &#10;x &#10;x ">
+            <a:extLst>
+              <a:ext uri="{FF2B5EF4-FFF2-40B4-BE49-F238E27FC236}">
+                <a16:creationId xmlns:a16="http://schemas.microsoft.com/office/drawing/2014/main" id="{956B47C8-EDED-4499-8B3D-83BE6E0BC8AB}"/>
+              </a:ext>
+            </a:extLst>
+          </p:cNvPr>
+          <p:cNvPicPr>
+            <a:picLocks noChangeAspect="1" noChangeArrowheads="1"/>
+          </p:cNvPicPr>
+          <p:nvPr/>
+        </p:nvPicPr>
+        <p:blipFill>
+          <a:blip r:embed="rId5">
+            <a:extLst>
+              <a:ext uri="{28A0092B-C50C-407E-A947-70E740481C1C}">
+                <a14:useLocalDpi xmlns:a14="http://schemas.microsoft.com/office/drawing/2010/main" val="0"/>
+              </a:ext>
+            </a:extLst>
+          </a:blip>
+          <a:srcRect/>
+          <a:stretch>
+            <a:fillRect/>
+          </a:stretch>
+        </p:blipFill>
+        <p:spPr bwMode="auto">
+          <a:xfrm>
+            <a:off x="1156187" y="238979"/>
+            <a:ext cx="7019925" cy="3762375"/>
+          </a:xfrm>
+          <a:prstGeom prst="rect">
+            <a:avLst/>
+          </a:prstGeom>
+          <a:noFill/>
+          <a:extLst>
+            <a:ext uri="{909E8E84-426E-40DD-AFC4-6F175D3DCCD1}">
+              <a14:hiddenFill xmlns:a14="http://schemas.microsoft.com/office/drawing/2010/main">
+                <a:solidFill>
+                  <a:srgbClr val="FFFFFF"/>
+                </a:solidFill>
+              </a14:hiddenFill>
+            </a:ext>
+          </a:extLst>
+        </p:spPr>
+      </p:pic>
+      <p:pic>
+        <p:nvPicPr>
+          <p:cNvPr id="1028" name="Picture 4" descr="Azure Service Bus Queues &#10;Message lifetime &gt; 7 days &#10;Guaranteed (first in—first out) ordered &#10;Duplicate detection &#10;Message size sl MB &#10;Azure Storage Queues &#10;Message lifetime &lt;/days &#10;Queue size &gt;80 GB &#10;Transaction logs &#10;Message size s64 KB ">
+            <a:extLst>
+              <a:ext uri="{FF2B5EF4-FFF2-40B4-BE49-F238E27FC236}">
+                <a16:creationId xmlns:a16="http://schemas.microsoft.com/office/drawing/2014/main" id="{75F45244-ACE0-4F71-941F-C5612C6674FF}"/>
+              </a:ext>
+            </a:extLst>
+          </p:cNvPr>
+          <p:cNvPicPr>
+            <a:picLocks noChangeAspect="1" noChangeArrowheads="1"/>
+          </p:cNvPicPr>
+          <p:nvPr/>
+        </p:nvPicPr>
+        <p:blipFill>
+          <a:blip r:embed="rId6">
+            <a:extLst>
+              <a:ext uri="{28A0092B-C50C-407E-A947-70E740481C1C}">
+                <a14:useLocalDpi xmlns:a14="http://schemas.microsoft.com/office/drawing/2010/main" val="0"/>
+              </a:ext>
+            </a:extLst>
+          </a:blip>
+          <a:srcRect/>
+          <a:stretch>
+            <a:fillRect/>
+          </a:stretch>
+        </p:blipFill>
+        <p:spPr bwMode="auto">
+          <a:xfrm>
+            <a:off x="2413048" y="4889696"/>
+            <a:ext cx="5757103" cy="1458595"/>
+          </a:xfrm>
+          <a:prstGeom prst="rect">
+            <a:avLst/>
+          </a:prstGeom>
+          <a:noFill/>
+          <a:extLst>
+            <a:ext uri="{909E8E84-426E-40DD-AFC4-6F175D3DCCD1}">
+              <a14:hiddenFill xmlns:a14="http://schemas.microsoft.com/office/drawing/2010/main">
+                <a:solidFill>
+                  <a:srgbClr val="FFFFFF"/>
+                </a:solidFill>
+              </a14:hiddenFill>
+            </a:ext>
+          </a:extLst>
+        </p:spPr>
+      </p:pic>
+      <p:pic>
+        <p:nvPicPr>
+          <p:cNvPr id="1030" name="Picture 6" descr="Event ingestion &#10;Device management &#10;Messaging &#10;Multiple consumers &#10;Multiple senders &#10;Use for decoupling &#10;Use for publish/subscribe &#10;Max message size &#10;Event &#10;Grid &#10;x &#10;x &#10;x &#10;x &#10;x &#10;64 KB &#10;Event &#10;Hubs &#10;x &#10;x &#10;x &#10;x &#10;x &#10;256 KB &#10;10T Hub &#10;x &#10;x &#10;x &#10;x &#10;x &#10;x &#10;256 KB &#10;TO ics &#10;x &#10;x &#10;x &#10;x &#10;1 MB &#10;Service Bus &#10;ueues &#10;x &#10;x &#10;x &#10;1 MB &#10;Storage &#10;ueues &#10;x &#10;x &#10;x &#10;64 KB ">
+            <a:extLst>
+              <a:ext uri="{FF2B5EF4-FFF2-40B4-BE49-F238E27FC236}">
+                <a16:creationId xmlns:a16="http://schemas.microsoft.com/office/drawing/2014/main" id="{7C8EF6E5-C65D-4921-850E-AAD53A1587F3}"/>
+              </a:ext>
+            </a:extLst>
+          </p:cNvPr>
+          <p:cNvPicPr>
+            <a:picLocks noChangeAspect="1" noChangeArrowheads="1"/>
+          </p:cNvPicPr>
+          <p:nvPr/>
+        </p:nvPicPr>
+        <p:blipFill>
+          <a:blip r:embed="rId7">
+            <a:extLst>
+              <a:ext uri="{28A0092B-C50C-407E-A947-70E740481C1C}">
+                <a14:useLocalDpi xmlns:a14="http://schemas.microsoft.com/office/drawing/2010/main" val="0"/>
+              </a:ext>
+            </a:extLst>
+          </a:blip>
+          <a:srcRect/>
+          <a:stretch>
+            <a:fillRect/>
+          </a:stretch>
+        </p:blipFill>
+        <p:spPr bwMode="auto">
+          <a:xfrm>
+            <a:off x="1166948" y="7236634"/>
+            <a:ext cx="7019925" cy="2452166"/>
+          </a:xfrm>
+          <a:prstGeom prst="rect">
+            <a:avLst/>
+          </a:prstGeom>
+          <a:noFill/>
+          <a:extLst>
+            <a:ext uri="{909E8E84-426E-40DD-AFC4-6F175D3DCCD1}">
+              <a14:hiddenFill xmlns:a14="http://schemas.microsoft.com/office/drawing/2010/main">
+                <a:solidFill>
+                  <a:srgbClr val="FFFFFF"/>
+                </a:solidFill>
+              </a14:hiddenFill>
+            </a:ext>
+          </a:extLst>
+        </p:spPr>
+      </p:pic>
+      <p:pic>
+        <p:nvPicPr>
+          <p:cNvPr id="1032" name="Picture 8" descr="For production deployments of complex &#10;systems (with a container orchestrator) &#10;For running simple configurations &#10;(possibly without orchestrator) &#10;For long-running workloads on containers &#10;For short-running workloads on &#10;containers &#10;For orchestrating a system based on &#10;containers &#10;Orchestrating with open-source &#10;orchestrators (DC/OS Docker Swarm &#10;Kubernetes) &#10;Orchestrating with built-in orchestrator &#10;Azure Container &#10;Services &#10;x &#10;x &#10;x &#10;x &#10;Azure Container &#10;Instances &#10;x &#10;x &#10;Azure Service &#10;Fabric &#10;x &#10;x ">
+            <a:extLst>
+              <a:ext uri="{FF2B5EF4-FFF2-40B4-BE49-F238E27FC236}">
+                <a16:creationId xmlns:a16="http://schemas.microsoft.com/office/drawing/2014/main" id="{149EFB94-6835-44E4-B8E2-68107FBB8389}"/>
+              </a:ext>
+            </a:extLst>
+          </p:cNvPr>
+          <p:cNvPicPr>
+            <a:picLocks noChangeAspect="1" noChangeArrowheads="1"/>
+          </p:cNvPicPr>
+          <p:nvPr/>
+        </p:nvPicPr>
+        <p:blipFill>
+          <a:blip r:embed="rId8">
+            <a:extLst>
+              <a:ext uri="{28A0092B-C50C-407E-A947-70E740481C1C}">
+                <a14:useLocalDpi xmlns:a14="http://schemas.microsoft.com/office/drawing/2010/main" val="0"/>
+              </a:ext>
+            </a:extLst>
+          </a:blip>
+          <a:srcRect/>
+          <a:stretch>
+            <a:fillRect/>
+          </a:stretch>
+        </p:blipFill>
+        <p:spPr bwMode="auto">
+          <a:xfrm>
+            <a:off x="1162599" y="9999621"/>
+            <a:ext cx="7019925" cy="3410389"/>
+          </a:xfrm>
+          <a:prstGeom prst="rect">
+            <a:avLst/>
+          </a:prstGeom>
+          <a:noFill/>
+          <a:extLst>
+            <a:ext uri="{909E8E84-426E-40DD-AFC4-6F175D3DCCD1}">
+              <a14:hiddenFill xmlns:a14="http://schemas.microsoft.com/office/drawing/2010/main">
+                <a:solidFill>
+                  <a:srgbClr val="FFFFFF"/>
+                </a:solidFill>
+              </a14:hiddenFill>
+            </a:ext>
+          </a:extLst>
+        </p:spPr>
+      </p:pic>
+      <p:pic>
+        <p:nvPicPr>
+          <p:cNvPr id="1034" name="Picture 10" descr="Diagram of load-balancing architecture">
+            <a:extLst>
+              <a:ext uri="{FF2B5EF4-FFF2-40B4-BE49-F238E27FC236}">
+                <a16:creationId xmlns:a16="http://schemas.microsoft.com/office/drawing/2014/main" id="{59102781-11D3-43B0-B5B0-DC7E9ABDDD3A}"/>
+              </a:ext>
+            </a:extLst>
+          </p:cNvPr>
+          <p:cNvPicPr>
+            <a:picLocks noChangeAspect="1" noChangeArrowheads="1"/>
+          </p:cNvPicPr>
+          <p:nvPr/>
+        </p:nvPicPr>
+        <p:blipFill>
+          <a:blip r:embed="rId9">
+            <a:extLst>
+              <a:ext uri="{28A0092B-C50C-407E-A947-70E740481C1C}">
+                <a14:useLocalDpi xmlns:a14="http://schemas.microsoft.com/office/drawing/2010/main" val="0"/>
+              </a:ext>
+            </a:extLst>
+          </a:blip>
+          <a:srcRect/>
+          <a:stretch>
+            <a:fillRect/>
+          </a:stretch>
+        </p:blipFill>
+        <p:spPr bwMode="auto">
+          <a:xfrm>
+            <a:off x="13546813" y="238979"/>
+            <a:ext cx="7676634" cy="4712237"/>
+          </a:xfrm>
+          <a:prstGeom prst="rect">
+            <a:avLst/>
+          </a:prstGeom>
+          <a:noFill/>
+          <a:extLst>
+            <a:ext uri="{909E8E84-426E-40DD-AFC4-6F175D3DCCD1}">
+              <a14:hiddenFill xmlns:a14="http://schemas.microsoft.com/office/drawing/2010/main">
+                <a:solidFill>
+                  <a:srgbClr val="FFFFFF"/>
+                </a:solidFill>
+              </a14:hiddenFill>
+            </a:ext>
+          </a:extLst>
         </p:spPr>
       </p:pic>
       <p:sp>
@@ -8150,7 +13409,7 @@
           <p:cNvPr id="8" name="TextBox 7">
             <a:extLst>
               <a:ext uri="{FF2B5EF4-FFF2-40B4-BE49-F238E27FC236}">
-                <a16:creationId xmlns:a16="http://schemas.microsoft.com/office/drawing/2014/main" id="{F9A4E823-4531-4FFA-96F5-B26A0A3B46A6}"/>
+                <a16:creationId xmlns:a16="http://schemas.microsoft.com/office/drawing/2014/main" id="{3DBB2D99-374F-4A3D-9E1C-2F3A0A75BA34}"/>
               </a:ext>
             </a:extLst>
           </p:cNvPr>
@@ -8158,9 +13417,9 @@
           <p:nvPr/>
         </p:nvSpPr>
         <p:spPr>
-          <a:xfrm rot="1975713">
-            <a:off x="3071812" y="9964737"/>
-            <a:ext cx="15240000" cy="433965"/>
+          <a:xfrm>
+            <a:off x="1448888" y="629575"/>
+            <a:ext cx="1539909" cy="461665"/>
           </a:xfrm>
           <a:prstGeom prst="rect">
             <a:avLst/>
@@ -8168,35 +13427,604 @@
           <a:noFill/>
         </p:spPr>
         <p:txBody>
-          <a:bodyPr wrap="square" lIns="182880" tIns="146304" rIns="182880" bIns="146304" rtlCol="0">
+          <a:bodyPr wrap="none" lIns="182880" tIns="146304" rIns="182880" bIns="146304" rtlCol="0">
             <a:spAutoFit/>
           </a:bodyPr>
           <a:lstStyle/>
           <a:p>
-            <a:r>
-              <a:rPr lang="en-CA" sz="900">
-                <a:hlinkClick r:id="rId4" tooltip="http://decolonizeallthethings.com/2015/02/07/under-construction-decolonizing-queer-masculinityies-part-ii-depatriarchalizing-the-body"/>
+            <a:pPr>
+              <a:lnSpc>
+                <a:spcPct val="90000"/>
+              </a:lnSpc>
+              <a:spcAft>
+                <a:spcPts val="600"/>
+              </a:spcAft>
+            </a:pPr>
+            <a:r>
+              <a:rPr lang="en-CA" sz="1200" b="1" dirty="0">
+                <a:gradFill>
+                  <a:gsLst>
+                    <a:gs pos="2917">
+                      <a:schemeClr val="tx1"/>
+                    </a:gs>
+                    <a:gs pos="30000">
+                      <a:schemeClr val="tx1"/>
+                    </a:gs>
+                  </a:gsLst>
+                  <a:lin ang="5400000" scaled="0"/>
+                </a:gradFill>
               </a:rPr>
-              <a:t>This Photo</a:t>
-            </a:r>
-            <a:r>
-              <a:rPr lang="en-CA" sz="900"/>
-              <a:t> by Unknown Author is licensed under </a:t>
-            </a:r>
-            <a:r>
-              <a:rPr lang="en-CA" sz="900">
-                <a:hlinkClick r:id="rId5" tooltip="https://creativecommons.org/licenses/by-nc-nd/3.0/"/>
+              <a:t>Storage Options</a:t>
+            </a:r>
+          </a:p>
+        </p:txBody>
+      </p:sp>
+      <p:sp>
+        <p:nvSpPr>
+          <p:cNvPr id="32" name="TextBox 31">
+            <a:extLst>
+              <a:ext uri="{FF2B5EF4-FFF2-40B4-BE49-F238E27FC236}">
+                <a16:creationId xmlns:a16="http://schemas.microsoft.com/office/drawing/2014/main" id="{7C7ECBAA-3334-4FE2-82A6-A242F43A0409}"/>
+              </a:ext>
+            </a:extLst>
+          </p:cNvPr>
+          <p:cNvSpPr txBox="1"/>
+          <p:nvPr/>
+        </p:nvSpPr>
+        <p:spPr>
+          <a:xfrm>
+            <a:off x="1118087" y="7259493"/>
+            <a:ext cx="2033121" cy="461665"/>
+          </a:xfrm>
+          <a:prstGeom prst="rect">
+            <a:avLst/>
+          </a:prstGeom>
+          <a:noFill/>
+        </p:spPr>
+        <p:txBody>
+          <a:bodyPr wrap="none" lIns="182880" tIns="146304" rIns="182880" bIns="146304" rtlCol="0">
+            <a:spAutoFit/>
+          </a:bodyPr>
+          <a:lstStyle/>
+          <a:p>
+            <a:pPr>
+              <a:lnSpc>
+                <a:spcPct val="90000"/>
+              </a:lnSpc>
+              <a:spcAft>
+                <a:spcPts val="600"/>
+              </a:spcAft>
+            </a:pPr>
+            <a:r>
+              <a:rPr lang="en-CA" sz="1200" b="1" dirty="0">
+                <a:gradFill>
+                  <a:gsLst>
+                    <a:gs pos="2917">
+                      <a:schemeClr val="tx1"/>
+                    </a:gs>
+                    <a:gs pos="30000">
+                      <a:schemeClr val="tx1"/>
+                    </a:gs>
+                  </a:gsLst>
+                  <a:lin ang="5400000" scaled="0"/>
+                </a:gradFill>
               </a:rPr>
-              <a:t>CC BY-NC-ND</a:t>
-            </a:r>
-            <a:endParaRPr lang="en-CA" sz="900"/>
+              <a:t>Service for Msg/Events</a:t>
+            </a:r>
+          </a:p>
+        </p:txBody>
+      </p:sp>
+      <p:sp>
+        <p:nvSpPr>
+          <p:cNvPr id="33" name="TextBox 32">
+            <a:extLst>
+              <a:ext uri="{FF2B5EF4-FFF2-40B4-BE49-F238E27FC236}">
+                <a16:creationId xmlns:a16="http://schemas.microsoft.com/office/drawing/2014/main" id="{E0D6221D-B019-48C0-B5B2-62BBE880EE9E}"/>
+              </a:ext>
+            </a:extLst>
+          </p:cNvPr>
+          <p:cNvSpPr txBox="1"/>
+          <p:nvPr/>
+        </p:nvSpPr>
+        <p:spPr>
+          <a:xfrm>
+            <a:off x="8442579" y="6278411"/>
+            <a:ext cx="2424446" cy="461665"/>
+          </a:xfrm>
+          <a:prstGeom prst="rect">
+            <a:avLst/>
+          </a:prstGeom>
+          <a:noFill/>
+        </p:spPr>
+        <p:txBody>
+          <a:bodyPr wrap="none" lIns="182880" tIns="146304" rIns="182880" bIns="146304" rtlCol="0">
+            <a:spAutoFit/>
+          </a:bodyPr>
+          <a:lstStyle/>
+          <a:p>
+            <a:pPr>
+              <a:lnSpc>
+                <a:spcPct val="90000"/>
+              </a:lnSpc>
+              <a:spcAft>
+                <a:spcPts val="600"/>
+              </a:spcAft>
+            </a:pPr>
+            <a:r>
+              <a:rPr lang="en-CA" sz="1200" b="1" dirty="0">
+                <a:gradFill>
+                  <a:gsLst>
+                    <a:gs pos="2917">
+                      <a:schemeClr val="tx1"/>
+                    </a:gs>
+                    <a:gs pos="30000">
+                      <a:schemeClr val="tx1"/>
+                    </a:gs>
+                  </a:gsLst>
+                  <a:lin ang="5400000" scaled="0"/>
+                </a:gradFill>
+              </a:rPr>
+              <a:t>Azure Service for Containers</a:t>
+            </a:r>
+          </a:p>
+        </p:txBody>
+      </p:sp>
+      <p:sp>
+        <p:nvSpPr>
+          <p:cNvPr id="9" name="Arrow: Down 8">
+            <a:extLst>
+              <a:ext uri="{FF2B5EF4-FFF2-40B4-BE49-F238E27FC236}">
+                <a16:creationId xmlns:a16="http://schemas.microsoft.com/office/drawing/2014/main" id="{9B294BE3-CB12-4F4C-93BD-5500BC0CD226}"/>
+              </a:ext>
+            </a:extLst>
+          </p:cNvPr>
+          <p:cNvSpPr/>
+          <p:nvPr/>
+        </p:nvSpPr>
+        <p:spPr bwMode="auto">
+          <a:xfrm>
+            <a:off x="5961494" y="4312175"/>
+            <a:ext cx="378345" cy="266700"/>
+          </a:xfrm>
+          <a:prstGeom prst="downArrow">
+            <a:avLst/>
+          </a:prstGeom>
+          <a:solidFill>
+            <a:srgbClr val="0070C0"/>
+          </a:solidFill>
+          <a:ln>
+            <a:solidFill>
+              <a:srgbClr val="0070C0"/>
+            </a:solidFill>
+            <a:headEnd type="none" w="med" len="med"/>
+            <a:tailEnd type="none" w="med" len="med"/>
+          </a:ln>
+          <a:effectLst/>
+        </p:spPr>
+        <p:style>
+          <a:lnRef idx="1">
+            <a:schemeClr val="accent2"/>
+          </a:lnRef>
+          <a:fillRef idx="3">
+            <a:schemeClr val="accent2"/>
+          </a:fillRef>
+          <a:effectRef idx="2">
+            <a:schemeClr val="accent2"/>
+          </a:effectRef>
+          <a:fontRef idx="minor">
+            <a:schemeClr val="lt1"/>
+          </a:fontRef>
+        </p:style>
+        <p:txBody>
+          <a:bodyPr rot="0" spcFirstLastPara="0" vertOverflow="overflow" horzOverflow="overflow" vert="horz" wrap="square" lIns="182880" tIns="146304" rIns="182880" bIns="146304" numCol="1" spcCol="0" rtlCol="0" fromWordArt="0" anchor="t" anchorCtr="0" forceAA="0" compatLnSpc="1">
+            <a:prstTxWarp prst="textNoShape">
+              <a:avLst/>
+            </a:prstTxWarp>
+            <a:noAutofit/>
+          </a:bodyPr>
+          <a:lstStyle/>
+          <a:p>
+            <a:pPr algn="ctr" defTabSz="932472" fontAlgn="base">
+              <a:lnSpc>
+                <a:spcPct val="90000"/>
+              </a:lnSpc>
+              <a:spcBef>
+                <a:spcPct val="0"/>
+              </a:spcBef>
+              <a:spcAft>
+                <a:spcPct val="0"/>
+              </a:spcAft>
+            </a:pPr>
+            <a:endParaRPr lang="en-CA" sz="2400" dirty="0" err="1">
+              <a:gradFill>
+                <a:gsLst>
+                  <a:gs pos="0">
+                    <a:srgbClr val="FFFFFF"/>
+                  </a:gs>
+                  <a:gs pos="100000">
+                    <a:srgbClr val="FFFFFF"/>
+                  </a:gs>
+                </a:gsLst>
+                <a:lin ang="5400000" scaled="0"/>
+              </a:gradFill>
+              <a:ea typeface="Segoe UI" pitchFamily="34" charset="0"/>
+              <a:cs typeface="Segoe UI" pitchFamily="34" charset="0"/>
+            </a:endParaRPr>
+          </a:p>
+        </p:txBody>
+      </p:sp>
+      <p:sp>
+        <p:nvSpPr>
+          <p:cNvPr id="35" name="Arrow: Down 34">
+            <a:extLst>
+              <a:ext uri="{FF2B5EF4-FFF2-40B4-BE49-F238E27FC236}">
+                <a16:creationId xmlns:a16="http://schemas.microsoft.com/office/drawing/2014/main" id="{F98FFA66-F2DD-4BC6-BBE9-062FCB32616B}"/>
+              </a:ext>
+            </a:extLst>
+          </p:cNvPr>
+          <p:cNvSpPr/>
+          <p:nvPr/>
+        </p:nvSpPr>
+        <p:spPr bwMode="auto">
+          <a:xfrm rot="10800000">
+            <a:off x="7424534" y="6659112"/>
+            <a:ext cx="378345" cy="266700"/>
+          </a:xfrm>
+          <a:prstGeom prst="downArrow">
+            <a:avLst/>
+          </a:prstGeom>
+          <a:solidFill>
+            <a:srgbClr val="0070C0"/>
+          </a:solidFill>
+          <a:ln>
+            <a:solidFill>
+              <a:srgbClr val="0070C0"/>
+            </a:solidFill>
+            <a:headEnd type="none" w="med" len="med"/>
+            <a:tailEnd type="none" w="med" len="med"/>
+          </a:ln>
+          <a:effectLst/>
+        </p:spPr>
+        <p:style>
+          <a:lnRef idx="1">
+            <a:schemeClr val="accent2"/>
+          </a:lnRef>
+          <a:fillRef idx="3">
+            <a:schemeClr val="accent2"/>
+          </a:fillRef>
+          <a:effectRef idx="2">
+            <a:schemeClr val="accent2"/>
+          </a:effectRef>
+          <a:fontRef idx="minor">
+            <a:schemeClr val="lt1"/>
+          </a:fontRef>
+        </p:style>
+        <p:txBody>
+          <a:bodyPr rot="0" spcFirstLastPara="0" vertOverflow="overflow" horzOverflow="overflow" vert="horz" wrap="square" lIns="182880" tIns="146304" rIns="182880" bIns="146304" numCol="1" spcCol="0" rtlCol="0" fromWordArt="0" anchor="t" anchorCtr="0" forceAA="0" compatLnSpc="1">
+            <a:prstTxWarp prst="textNoShape">
+              <a:avLst/>
+            </a:prstTxWarp>
+            <a:noAutofit/>
+          </a:bodyPr>
+          <a:lstStyle/>
+          <a:p>
+            <a:pPr algn="ctr" defTabSz="932472" fontAlgn="base">
+              <a:lnSpc>
+                <a:spcPct val="90000"/>
+              </a:lnSpc>
+              <a:spcBef>
+                <a:spcPct val="0"/>
+              </a:spcBef>
+              <a:spcAft>
+                <a:spcPct val="0"/>
+              </a:spcAft>
+            </a:pPr>
+            <a:endParaRPr lang="en-CA" sz="2400" dirty="0" err="1">
+              <a:gradFill>
+                <a:gsLst>
+                  <a:gs pos="0">
+                    <a:srgbClr val="FFFFFF"/>
+                  </a:gs>
+                  <a:gs pos="100000">
+                    <a:srgbClr val="FFFFFF"/>
+                  </a:gs>
+                </a:gsLst>
+                <a:lin ang="5400000" scaled="0"/>
+              </a:gradFill>
+              <a:ea typeface="Segoe UI" pitchFamily="34" charset="0"/>
+              <a:cs typeface="Segoe UI" pitchFamily="34" charset="0"/>
+            </a:endParaRPr>
+          </a:p>
+        </p:txBody>
+      </p:sp>
+      <p:sp>
+        <p:nvSpPr>
+          <p:cNvPr id="36" name="Arrow: Down 35">
+            <a:extLst>
+              <a:ext uri="{FF2B5EF4-FFF2-40B4-BE49-F238E27FC236}">
+                <a16:creationId xmlns:a16="http://schemas.microsoft.com/office/drawing/2014/main" id="{5D57AEFC-1D88-4318-874A-D06F352029B3}"/>
+              </a:ext>
+            </a:extLst>
+          </p:cNvPr>
+          <p:cNvSpPr/>
+          <p:nvPr/>
+        </p:nvSpPr>
+        <p:spPr bwMode="auto">
+          <a:xfrm rot="6679870">
+            <a:off x="6451915" y="6672854"/>
+            <a:ext cx="378345" cy="266700"/>
+          </a:xfrm>
+          <a:prstGeom prst="downArrow">
+            <a:avLst/>
+          </a:prstGeom>
+          <a:solidFill>
+            <a:srgbClr val="0070C0"/>
+          </a:solidFill>
+          <a:ln>
+            <a:solidFill>
+              <a:srgbClr val="0070C0"/>
+            </a:solidFill>
+            <a:headEnd type="none" w="med" len="med"/>
+            <a:tailEnd type="none" w="med" len="med"/>
+          </a:ln>
+          <a:effectLst/>
+        </p:spPr>
+        <p:style>
+          <a:lnRef idx="1">
+            <a:schemeClr val="accent2"/>
+          </a:lnRef>
+          <a:fillRef idx="3">
+            <a:schemeClr val="accent2"/>
+          </a:fillRef>
+          <a:effectRef idx="2">
+            <a:schemeClr val="accent2"/>
+          </a:effectRef>
+          <a:fontRef idx="minor">
+            <a:schemeClr val="lt1"/>
+          </a:fontRef>
+        </p:style>
+        <p:txBody>
+          <a:bodyPr rot="0" spcFirstLastPara="0" vertOverflow="overflow" horzOverflow="overflow" vert="horz" wrap="square" lIns="182880" tIns="146304" rIns="182880" bIns="146304" numCol="1" spcCol="0" rtlCol="0" fromWordArt="0" anchor="t" anchorCtr="0" forceAA="0" compatLnSpc="1">
+            <a:prstTxWarp prst="textNoShape">
+              <a:avLst/>
+            </a:prstTxWarp>
+            <a:noAutofit/>
+          </a:bodyPr>
+          <a:lstStyle/>
+          <a:p>
+            <a:pPr algn="ctr" defTabSz="932472" fontAlgn="base">
+              <a:lnSpc>
+                <a:spcPct val="90000"/>
+              </a:lnSpc>
+              <a:spcBef>
+                <a:spcPct val="0"/>
+              </a:spcBef>
+              <a:spcAft>
+                <a:spcPct val="0"/>
+              </a:spcAft>
+            </a:pPr>
+            <a:endParaRPr lang="en-CA" sz="2400" dirty="0" err="1">
+              <a:gradFill>
+                <a:gsLst>
+                  <a:gs pos="0">
+                    <a:srgbClr val="FFFFFF"/>
+                  </a:gs>
+                  <a:gs pos="100000">
+                    <a:srgbClr val="FFFFFF"/>
+                  </a:gs>
+                </a:gsLst>
+                <a:lin ang="5400000" scaled="0"/>
+              </a:gradFill>
+              <a:ea typeface="Segoe UI" pitchFamily="34" charset="0"/>
+              <a:cs typeface="Segoe UI" pitchFamily="34" charset="0"/>
+            </a:endParaRPr>
+          </a:p>
+        </p:txBody>
+      </p:sp>
+      <p:pic>
+        <p:nvPicPr>
+          <p:cNvPr id="1036" name="Picture 12" descr="Tec h &#10;Application &#10;Endpoints &#10;V net support &#10;Endpoint &#10;Monitoring &#10;Azu re &#10;T level (Layer Q) &#10;VMS and Cloud &#10;role instances &#10;Can used for both Internet &#10;facing and internal (Vnet) &#10;Supported via probes &#10;Applicaticm level (Layer J) &#10;HTTP and HTTPS &#10;Any Azure IP address or &#10;public internet IP address &#10;Can be used for both Internet &#10;facing and internal (Vnet) &#10;Supported via probes &#10;Traffic &#10;Any (An HTTP endpoint is &#10;required for endpoint &#10;monitoring) &#10;Azure VMS. Cloud Services. Azure &#10;Web Apps, and external &#10;endpoints &#10;Only supports Internet-facing &#10;applications &#10;Supported via HTTP/HTTPS GET ">
+            <a:extLst>
+              <a:ext uri="{FF2B5EF4-FFF2-40B4-BE49-F238E27FC236}">
+                <a16:creationId xmlns:a16="http://schemas.microsoft.com/office/drawing/2014/main" id="{9AA1AF08-5720-496F-AAB5-585269D8A826}"/>
+              </a:ext>
+            </a:extLst>
+          </p:cNvPr>
+          <p:cNvPicPr>
+            <a:picLocks noChangeAspect="1" noChangeArrowheads="1"/>
+          </p:cNvPicPr>
+          <p:nvPr/>
+        </p:nvPicPr>
+        <p:blipFill>
+          <a:blip r:embed="rId10">
+            <a:extLst>
+              <a:ext uri="{28A0092B-C50C-407E-A947-70E740481C1C}">
+                <a14:useLocalDpi xmlns:a14="http://schemas.microsoft.com/office/drawing/2010/main" val="0"/>
+              </a:ext>
+            </a:extLst>
+          </a:blip>
+          <a:srcRect/>
+          <a:stretch>
+            <a:fillRect/>
+          </a:stretch>
+        </p:blipFill>
+        <p:spPr bwMode="auto">
+          <a:xfrm>
+            <a:off x="13580747" y="5010059"/>
+            <a:ext cx="7638644" cy="4160677"/>
+          </a:xfrm>
+          <a:prstGeom prst="rect">
+            <a:avLst/>
+          </a:prstGeom>
+          <a:noFill/>
+          <a:extLst>
+            <a:ext uri="{909E8E84-426E-40DD-AFC4-6F175D3DCCD1}">
+              <a14:hiddenFill xmlns:a14="http://schemas.microsoft.com/office/drawing/2010/main">
+                <a:solidFill>
+                  <a:srgbClr val="FFFFFF"/>
+                </a:solidFill>
+              </a14:hiddenFill>
+            </a:ext>
+          </a:extLst>
+        </p:spPr>
+      </p:pic>
+      <p:sp>
+        <p:nvSpPr>
+          <p:cNvPr id="18" name="TextBox 17">
+            <a:extLst>
+              <a:ext uri="{FF2B5EF4-FFF2-40B4-BE49-F238E27FC236}">
+                <a16:creationId xmlns:a16="http://schemas.microsoft.com/office/drawing/2014/main" id="{AE060BD3-1718-4AC9-859D-21BBF3DEBDB6}"/>
+              </a:ext>
+            </a:extLst>
+          </p:cNvPr>
+          <p:cNvSpPr txBox="1"/>
+          <p:nvPr/>
+        </p:nvSpPr>
+        <p:spPr>
+          <a:xfrm>
+            <a:off x="1162599" y="10018050"/>
+            <a:ext cx="1560940" cy="461665"/>
+          </a:xfrm>
+          <a:prstGeom prst="rect">
+            <a:avLst/>
+          </a:prstGeom>
+          <a:noFill/>
+        </p:spPr>
+        <p:txBody>
+          <a:bodyPr wrap="none" lIns="182880" tIns="146304" rIns="182880" bIns="146304" rtlCol="0">
+            <a:spAutoFit/>
+          </a:bodyPr>
+          <a:lstStyle/>
+          <a:p>
+            <a:pPr>
+              <a:lnSpc>
+                <a:spcPct val="90000"/>
+              </a:lnSpc>
+              <a:spcAft>
+                <a:spcPts val="600"/>
+              </a:spcAft>
+            </a:pPr>
+            <a:r>
+              <a:rPr lang="en-CA" sz="1200" b="1" dirty="0">
+                <a:gradFill>
+                  <a:gsLst>
+                    <a:gs pos="2917">
+                      <a:schemeClr val="tx1"/>
+                    </a:gs>
+                    <a:gs pos="30000">
+                      <a:schemeClr val="tx1"/>
+                    </a:gs>
+                  </a:gsLst>
+                  <a:lin ang="5400000" scaled="0"/>
+                </a:gradFill>
+              </a:rPr>
+              <a:t>Containerisation</a:t>
+            </a:r>
+          </a:p>
+        </p:txBody>
+      </p:sp>
+      <p:sp>
+        <p:nvSpPr>
+          <p:cNvPr id="3" name="TextBox 2">
+            <a:extLst>
+              <a:ext uri="{FF2B5EF4-FFF2-40B4-BE49-F238E27FC236}">
+                <a16:creationId xmlns:a16="http://schemas.microsoft.com/office/drawing/2014/main" id="{311CB192-76CD-4095-8EDC-74582A8DE953}"/>
+              </a:ext>
+            </a:extLst>
+          </p:cNvPr>
+          <p:cNvSpPr txBox="1"/>
+          <p:nvPr/>
+        </p:nvSpPr>
+        <p:spPr>
+          <a:xfrm>
+            <a:off x="7091127" y="5217161"/>
+            <a:ext cx="157945" cy="193899"/>
+          </a:xfrm>
+          <a:prstGeom prst="rect">
+            <a:avLst/>
+          </a:prstGeom>
+          <a:solidFill>
+            <a:schemeClr val="tx1"/>
+          </a:solidFill>
+        </p:spPr>
+        <p:txBody>
+          <a:bodyPr wrap="square" lIns="0" tIns="0" rIns="0" bIns="0" rtlCol="0" anchor="ctr" anchorCtr="0">
+            <a:spAutoFit/>
+          </a:bodyPr>
+          <a:lstStyle/>
+          <a:p>
+            <a:pPr algn="ctr">
+              <a:lnSpc>
+                <a:spcPct val="90000"/>
+              </a:lnSpc>
+              <a:spcAft>
+                <a:spcPts val="600"/>
+              </a:spcAft>
+            </a:pPr>
+            <a:r>
+              <a:rPr lang="en-CA" sz="1400" dirty="0">
+                <a:solidFill>
+                  <a:schemeClr val="bg1"/>
+                </a:solidFill>
+              </a:rPr>
+              <a:t>&gt;</a:t>
+            </a:r>
+          </a:p>
+        </p:txBody>
+      </p:sp>
+      <p:sp>
+        <p:nvSpPr>
+          <p:cNvPr id="20" name="TextBox 19">
+            <a:extLst>
+              <a:ext uri="{FF2B5EF4-FFF2-40B4-BE49-F238E27FC236}">
+                <a16:creationId xmlns:a16="http://schemas.microsoft.com/office/drawing/2014/main" id="{D9D34E2C-B6CE-4AE9-8B42-1DBDA28C49C2}"/>
+              </a:ext>
+            </a:extLst>
+          </p:cNvPr>
+          <p:cNvSpPr txBox="1"/>
+          <p:nvPr/>
+        </p:nvSpPr>
+        <p:spPr>
+          <a:xfrm>
+            <a:off x="3812075" y="5217161"/>
+            <a:ext cx="157945" cy="193899"/>
+          </a:xfrm>
+          <a:prstGeom prst="rect">
+            <a:avLst/>
+          </a:prstGeom>
+          <a:solidFill>
+            <a:schemeClr val="tx1"/>
+          </a:solidFill>
+        </p:spPr>
+        <p:txBody>
+          <a:bodyPr wrap="square" lIns="0" tIns="0" rIns="0" bIns="0" rtlCol="0" anchor="ctr" anchorCtr="0">
+            <a:spAutoFit/>
+          </a:bodyPr>
+          <a:lstStyle/>
+          <a:p>
+            <a:pPr algn="ctr">
+              <a:lnSpc>
+                <a:spcPct val="90000"/>
+              </a:lnSpc>
+              <a:spcAft>
+                <a:spcPts val="600"/>
+              </a:spcAft>
+            </a:pPr>
+            <a:r>
+              <a:rPr lang="en-CA" sz="1400" dirty="0">
+                <a:solidFill>
+                  <a:schemeClr val="bg1"/>
+                </a:solidFill>
+              </a:rPr>
+              <a:t>&lt;</a:t>
+            </a:r>
           </a:p>
         </p:txBody>
       </p:sp>
     </p:spTree>
     <p:extLst>
       <p:ext uri="{BB962C8B-B14F-4D97-AF65-F5344CB8AC3E}">
-        <p14:creationId xmlns:p14="http://schemas.microsoft.com/office/powerpoint/2010/main" val="321171884"/>
+        <p14:creationId xmlns:p14="http://schemas.microsoft.com/office/powerpoint/2010/main" val="1853498026"/>
       </p:ext>
     </p:extLst>
   </p:cSld>
@@ -8807,24 +14635,16 @@
 </file>
 
 <file path=customXml/item1.xml><?xml version="1.0" encoding="utf-8"?>
-<?mso-contentType ?>
-<FormTemplates xmlns="http://schemas.microsoft.com/sharepoint/v3/contenttype/forms">
-  <Display>DocumentLibraryForm</Display>
-  <Edit>DocumentLibraryForm</Edit>
-  <New>DocumentLibraryForm</New>
-</FormTemplates>
+<p:properties xmlns:p="http://schemas.microsoft.com/office/2006/metadata/properties" xmlns:xsi="http://www.w3.org/2001/XMLSchema-instance" xmlns:pc="http://schemas.microsoft.com/office/infopath/2007/PartnerControls">
+  <documentManagement>
+    <_ip_UnifiedCompliancePolicyUIAction xmlns="http://schemas.microsoft.com/sharepoint/v3" xsi:nil="true"/>
+    <IconOverlay xmlns="http://schemas.microsoft.com/sharepoint/v4" xsi:nil="true"/>
+    <_ip_UnifiedCompliancePolicyProperties xmlns="http://schemas.microsoft.com/sharepoint/v3" xsi:nil="true"/>
+  </documentManagement>
+</p:properties>
 </file>
 
 <file path=customXml/item2.xml><?xml version="1.0" encoding="utf-8"?>
-<?mso-contentType ?>
-<FormTemplates xmlns="http://schemas.microsoft.com/sharepoint/v3/contenttype/forms">
-  <Display>DocumentLibraryForm</Display>
-  <Edit>DocumentLibraryForm</Edit>
-  <New>DocumentLibraryForm</New>
-</FormTemplates>
-</file>
-
-<file path=customXml/item3.xml><?xml version="1.0" encoding="utf-8"?>
 <ct:contentTypeSchema xmlns:ct="http://schemas.microsoft.com/office/2006/metadata/contentType" xmlns:ma="http://schemas.microsoft.com/office/2006/metadata/properties/metaAttributes" ct:_="" ma:_="" ma:contentTypeName="Document" ma:contentTypeID="0x010100F5F187B9059DF945B25AB5B2F3BA0895" ma:contentTypeVersion="14" ma:contentTypeDescription="Create a new document." ma:contentTypeScope="" ma:versionID="be2c86c74b3bb227d6f27514678f23d5">
   <xsd:schema xmlns:xsd="http://www.w3.org/2001/XMLSchema" xmlns:xs="http://www.w3.org/2001/XMLSchema" xmlns:p="http://schemas.microsoft.com/office/2006/metadata/properties" xmlns:ns1="http://schemas.microsoft.com/sharepoint/v3" xmlns:ns2="af610f50-4aee-43ff-9d65-64420adb70d2" xmlns:ns3="http://schemas.microsoft.com/sharepoint/v4" xmlns:ns4="15c98cf3-0896-4040-874f-f436925621df" targetNamespace="http://schemas.microsoft.com/office/2006/metadata/properties" ma:root="true" ma:fieldsID="94136e9e548b6d3962354304dc946cac" ns1:_="" ns2:_="" ns3:_="" ns4:_="">
     <xsd:import namespace="http://schemas.microsoft.com/sharepoint/v3"/>
@@ -9063,33 +14883,36 @@
 </ct:contentTypeSchema>
 </file>
 
+<file path=customXml/item3.xml><?xml version="1.0" encoding="utf-8"?>
+<?mso-contentType ?>
+<FormTemplates xmlns="http://schemas.microsoft.com/sharepoint/v3/contenttype/forms">
+  <Display>DocumentLibraryForm</Display>
+  <Edit>DocumentLibraryForm</Edit>
+  <New>DocumentLibraryForm</New>
+</FormTemplates>
+</file>
+
 <file path=customXml/item4.xml><?xml version="1.0" encoding="utf-8"?>
-<p:properties xmlns:p="http://schemas.microsoft.com/office/2006/metadata/properties" xmlns:xsi="http://www.w3.org/2001/XMLSchema-instance" xmlns:pc="http://schemas.microsoft.com/office/infopath/2007/PartnerControls">
-  <documentManagement>
-    <_ip_UnifiedCompliancePolicyUIAction xmlns="http://schemas.microsoft.com/sharepoint/v3" xsi:nil="true"/>
-    <IconOverlay xmlns="http://schemas.microsoft.com/sharepoint/v4" xsi:nil="true"/>
-    <_ip_UnifiedCompliancePolicyProperties xmlns="http://schemas.microsoft.com/sharepoint/v3" xsi:nil="true"/>
-  </documentManagement>
-</p:properties>
+<?mso-contentType ?>
+<FormTemplates xmlns="http://schemas.microsoft.com/sharepoint/v3/contenttype/forms">
+  <Display>DocumentLibraryForm</Display>
+  <Edit>DocumentLibraryForm</Edit>
+  <New>DocumentLibraryForm</New>
+</FormTemplates>
 </file>
 
 <file path=customXml/itemProps1.xml><?xml version="1.0" encoding="utf-8"?>
-<ds:datastoreItem xmlns:ds="http://schemas.openxmlformats.org/officeDocument/2006/customXml" ds:itemID="{89C46102-D426-4E73-8F6F-5286B23D2EEB}">
+<ds:datastoreItem xmlns:ds="http://schemas.openxmlformats.org/officeDocument/2006/customXml" ds:itemID="{C66C01A9-0361-4788-ABEE-257A7848F8D9}">
   <ds:schemaRefs>
-    <ds:schemaRef ds:uri="http://schemas.microsoft.com/sharepoint/v3/contenttype/forms"/>
+    <ds:schemaRef ds:uri="http://schemas.microsoft.com/office/2006/metadata/properties"/>
+    <ds:schemaRef ds:uri="http://schemas.microsoft.com/office/infopath/2007/PartnerControls"/>
+    <ds:schemaRef ds:uri="http://schemas.microsoft.com/sharepoint/v3"/>
+    <ds:schemaRef ds:uri="http://schemas.microsoft.com/sharepoint/v4"/>
   </ds:schemaRefs>
 </ds:datastoreItem>
 </file>
 
 <file path=customXml/itemProps2.xml><?xml version="1.0" encoding="utf-8"?>
-<ds:datastoreItem xmlns:ds="http://schemas.openxmlformats.org/officeDocument/2006/customXml" ds:itemID="{E37CEF67-DE3E-432B-9E16-FF411AFDFA38}">
-  <ds:schemaRefs>
-    <ds:schemaRef ds:uri="http://schemas.microsoft.com/sharepoint/v3/contenttype/forms"/>
-  </ds:schemaRefs>
-</ds:datastoreItem>
-</file>
-
-<file path=customXml/itemProps3.xml><?xml version="1.0" encoding="utf-8"?>
 <ds:datastoreItem xmlns:ds="http://schemas.openxmlformats.org/officeDocument/2006/customXml" ds:itemID="{30BD28E6-9582-48F2-A1BB-45FE2A6D90A2}">
   <ds:schemaRefs>
     <ds:schemaRef ds:uri="http://schemas.microsoft.com/office/2006/metadata/contentType"/>
@@ -9110,13 +14933,18 @@
 </ds:datastoreItem>
 </file>
 
+<file path=customXml/itemProps3.xml><?xml version="1.0" encoding="utf-8"?>
+<ds:datastoreItem xmlns:ds="http://schemas.openxmlformats.org/officeDocument/2006/customXml" ds:itemID="{E37CEF67-DE3E-432B-9E16-FF411AFDFA38}">
+  <ds:schemaRefs>
+    <ds:schemaRef ds:uri="http://schemas.microsoft.com/sharepoint/v3/contenttype/forms"/>
+  </ds:schemaRefs>
+</ds:datastoreItem>
+</file>
+
 <file path=customXml/itemProps4.xml><?xml version="1.0" encoding="utf-8"?>
-<ds:datastoreItem xmlns:ds="http://schemas.openxmlformats.org/officeDocument/2006/customXml" ds:itemID="{C66C01A9-0361-4788-ABEE-257A7848F8D9}">
+<ds:datastoreItem xmlns:ds="http://schemas.openxmlformats.org/officeDocument/2006/customXml" ds:itemID="{89C46102-D426-4E73-8F6F-5286B23D2EEB}">
   <ds:schemaRefs>
-    <ds:schemaRef ds:uri="http://schemas.microsoft.com/office/2006/metadata/properties"/>
-    <ds:schemaRef ds:uri="http://schemas.microsoft.com/office/infopath/2007/PartnerControls"/>
-    <ds:schemaRef ds:uri="http://schemas.microsoft.com/sharepoint/v3"/>
-    <ds:schemaRef ds:uri="http://schemas.microsoft.com/sharepoint/v4"/>
+    <ds:schemaRef ds:uri="http://schemas.microsoft.com/sharepoint/v3/contenttype/forms"/>
   </ds:schemaRefs>
 </ds:datastoreItem>
 </file>
--- a/src/azure/architecting-microsoft-azure-solutions.pptx
+++ b/src/azure/architecting-microsoft-azure-solutions.pptx
@@ -127,7 +127,7 @@
 <p1510:revInfo xmlns:a="http://schemas.openxmlformats.org/drawingml/2006/main" xmlns:r="http://schemas.openxmlformats.org/officeDocument/2006/relationships" xmlns:p1510="http://schemas.microsoft.com/office/powerpoint/2015/10/main">
   <p1510:revLst>
     <p1510:client id="{AC65DF1B-BDBD-4C65-B800-57BC369A3079}" v="3" dt="2018-09-05T12:29:46.195"/>
-    <p1510:client id="{15C3C069-99D8-4210-BE71-84A0F6E1D5B8}" v="3756" dt="2018-09-06T04:14:14.125"/>
+    <p1510:client id="{15C3C069-99D8-4210-BE71-84A0F6E1D5B8}" v="3771" dt="2018-09-06T04:28:39.017"/>
   </p1510:revLst>
 </p1510:revInfo>
 </file>
@@ -566,7 +566,7 @@
           <a:p>
             <a:fld id="{D18B56EA-E28F-4F92-9F16-7A6F2501B303}" type="datetime8">
               <a:rPr lang="en-US" smtClean="0"/>
-              <a:t>9/5/2018 7:54 PM</a:t>
+              <a:t>9/5/2018 9:27 PM</a:t>
             </a:fld>
             <a:endParaRPr lang="en-US" dirty="0"/>
           </a:p>
@@ -8668,45 +8668,6 @@
           </p:txBody>
         </p:sp>
       </p:grpSp>
-      <p:pic>
-        <p:nvPicPr>
-          <p:cNvPr id="6" name="Picture 5">
-            <a:extLst>
-              <a:ext uri="{FF2B5EF4-FFF2-40B4-BE49-F238E27FC236}">
-                <a16:creationId xmlns:a16="http://schemas.microsoft.com/office/drawing/2014/main" id="{4A4EDF68-1FD6-401D-AABF-E144FBECD51A}"/>
-              </a:ext>
-            </a:extLst>
-          </p:cNvPr>
-          <p:cNvPicPr>
-            <a:picLocks noChangeAspect="1"/>
-          </p:cNvPicPr>
-          <p:nvPr/>
-        </p:nvPicPr>
-        <p:blipFill>
-          <a:blip r:embed="rId3">
-            <a:extLst>
-              <a:ext uri="{28A0092B-C50C-407E-A947-70E740481C1C}">
-                <a14:useLocalDpi xmlns:a14="http://schemas.microsoft.com/office/drawing/2010/main" val="0"/>
-              </a:ext>
-              <a:ext uri="{837473B0-CC2E-450A-ABE3-18F120FF3D39}">
-                <a1611:picAttrSrcUrl xmlns:a1611="http://schemas.microsoft.com/office/drawing/2016/11/main" r:id="rId4"/>
-              </a:ext>
-            </a:extLst>
-          </a:blip>
-          <a:stretch>
-            <a:fillRect/>
-          </a:stretch>
-        </p:blipFill>
-        <p:spPr>
-          <a:xfrm>
-            <a:off x="5292306" y="7713214"/>
-            <a:ext cx="9982821" cy="3150828"/>
-          </a:xfrm>
-          <a:prstGeom prst="rect">
-            <a:avLst/>
-          </a:prstGeom>
-        </p:spPr>
-      </p:pic>
       <p:grpSp>
         <p:nvGrpSpPr>
           <p:cNvPr id="9" name="Group 8">
@@ -12902,6 +12863,45 @@
           </p:txBody>
         </p:sp>
       </p:grpSp>
+      <p:pic>
+        <p:nvPicPr>
+          <p:cNvPr id="6" name="Picture 5">
+            <a:extLst>
+              <a:ext uri="{FF2B5EF4-FFF2-40B4-BE49-F238E27FC236}">
+                <a16:creationId xmlns:a16="http://schemas.microsoft.com/office/drawing/2014/main" id="{4A4EDF68-1FD6-401D-AABF-E144FBECD51A}"/>
+              </a:ext>
+            </a:extLst>
+          </p:cNvPr>
+          <p:cNvPicPr>
+            <a:picLocks noChangeAspect="1"/>
+          </p:cNvPicPr>
+          <p:nvPr/>
+        </p:nvPicPr>
+        <p:blipFill>
+          <a:blip r:embed="rId3">
+            <a:extLst>
+              <a:ext uri="{28A0092B-C50C-407E-A947-70E740481C1C}">
+                <a14:useLocalDpi xmlns:a14="http://schemas.microsoft.com/office/drawing/2010/main" val="0"/>
+              </a:ext>
+              <a:ext uri="{837473B0-CC2E-450A-ABE3-18F120FF3D39}">
+                <a1611:picAttrSrcUrl xmlns:a1611="http://schemas.microsoft.com/office/drawing/2016/11/main" r:id="rId4"/>
+              </a:ext>
+            </a:extLst>
+          </a:blip>
+          <a:stretch>
+            <a:fillRect/>
+          </a:stretch>
+        </p:blipFill>
+        <p:spPr>
+          <a:xfrm rot="1684251">
+            <a:off x="2513108" y="3970013"/>
+            <a:ext cx="9982821" cy="3150828"/>
+          </a:xfrm>
+          <a:prstGeom prst="rect">
+            <a:avLst/>
+          </a:prstGeom>
+        </p:spPr>
+      </p:pic>
     </p:spTree>
     <p:extLst>
       <p:ext uri="{BB962C8B-B14F-4D97-AF65-F5344CB8AC3E}">

--- a/src/azure/architecting-microsoft-azure-solutions.pptx
+++ b/src/azure/architecting-microsoft-azure-solutions.pptx
@@ -126,8 +126,7 @@
 <file path=ppt/revisionInfo.xml><?xml version="1.0" encoding="utf-8"?>
 <p1510:revInfo xmlns:a="http://schemas.openxmlformats.org/drawingml/2006/main" xmlns:r="http://schemas.openxmlformats.org/officeDocument/2006/relationships" xmlns:p1510="http://schemas.microsoft.com/office/powerpoint/2015/10/main">
   <p1510:revLst>
-    <p1510:client id="{AC65DF1B-BDBD-4C65-B800-57BC369A3079}" v="3" dt="2018-09-05T12:29:46.195"/>
-    <p1510:client id="{15C3C069-99D8-4210-BE71-84A0F6E1D5B8}" v="3771" dt="2018-09-06T04:28:39.017"/>
+    <p1510:client id="{15C3C069-99D8-4210-BE71-84A0F6E1D5B8}" v="5992" dt="2018-09-09T18:04:59.846"/>
   </p1510:revLst>
 </p1510:revInfo>
 </file>
@@ -214,7 +213,7 @@
           <a:p>
             <a:fld id="{2F4766DD-CA99-4D5F-A9B2-EF5EF0A37C93}" type="datetimeFigureOut">
               <a:rPr lang="en-CA" smtClean="0"/>
-              <a:t>2018-09-05</a:t>
+              <a:t>2018-09-09</a:t>
             </a:fld>
             <a:endParaRPr lang="en-CA"/>
           </a:p>
@@ -566,7 +565,7 @@
           <a:p>
             <a:fld id="{D18B56EA-E28F-4F92-9F16-7A6F2501B303}" type="datetime8">
               <a:rPr lang="en-US" smtClean="0"/>
-              <a:t>9/5/2018 9:27 PM</a:t>
+              <a:t>9/9/2018 10:23 AM</a:t>
             </a:fld>
             <a:endParaRPr lang="en-US" dirty="0"/>
           </a:p>
@@ -5425,7 +5424,7 @@
           <a:p>
             <a:fld id="{ED6EB527-6926-47A2-AB35-8907638AD74C}" type="datetimeFigureOut">
               <a:rPr lang="en-CA" smtClean="0"/>
-              <a:t>2018-09-05</a:t>
+              <a:t>2018-09-09</a:t>
             </a:fld>
             <a:endParaRPr lang="en-CA"/>
           </a:p>
@@ -12894,7 +12893,7 @@
         </p:blipFill>
         <p:spPr>
           <a:xfrm rot="1684251">
-            <a:off x="2513108" y="3970013"/>
+            <a:off x="9530134" y="10011477"/>
             <a:ext cx="9982821" cy="3150828"/>
           </a:xfrm>
           <a:prstGeom prst="rect">
@@ -12902,6 +12901,2889 @@
           </a:prstGeom>
         </p:spPr>
       </p:pic>
+      <p:sp>
+        <p:nvSpPr>
+          <p:cNvPr id="42" name="Rectangle 41">
+            <a:extLst>
+              <a:ext uri="{FF2B5EF4-FFF2-40B4-BE49-F238E27FC236}">
+                <a16:creationId xmlns:a16="http://schemas.microsoft.com/office/drawing/2014/main" id="{68437592-D557-4299-B1B0-6E0AFF588721}"/>
+              </a:ext>
+            </a:extLst>
+          </p:cNvPr>
+          <p:cNvSpPr/>
+          <p:nvPr/>
+        </p:nvSpPr>
+        <p:spPr bwMode="auto">
+          <a:xfrm>
+            <a:off x="1409999" y="3377584"/>
+            <a:ext cx="6096923" cy="419904"/>
+          </a:xfrm>
+          <a:prstGeom prst="rect">
+            <a:avLst/>
+          </a:prstGeom>
+          <a:solidFill>
+            <a:srgbClr val="002060"/>
+          </a:solidFill>
+          <a:ln>
+            <a:noFill/>
+            <a:headEnd type="none" w="med" len="med"/>
+            <a:tailEnd type="none" w="med" len="med"/>
+          </a:ln>
+          <a:effectLst/>
+        </p:spPr>
+        <p:style>
+          <a:lnRef idx="1">
+            <a:schemeClr val="accent2"/>
+          </a:lnRef>
+          <a:fillRef idx="3">
+            <a:schemeClr val="accent2"/>
+          </a:fillRef>
+          <a:effectRef idx="2">
+            <a:schemeClr val="accent2"/>
+          </a:effectRef>
+          <a:fontRef idx="minor">
+            <a:schemeClr val="lt1"/>
+          </a:fontRef>
+        </p:style>
+        <p:txBody>
+          <a:bodyPr rot="0" spcFirstLastPara="0" vertOverflow="overflow" horzOverflow="overflow" vert="horz" wrap="square" lIns="0" tIns="72000" rIns="0" bIns="146304" numCol="1" spcCol="0" rtlCol="0" fromWordArt="0" anchor="t" anchorCtr="0" forceAA="0" compatLnSpc="1">
+            <a:prstTxWarp prst="textNoShape">
+              <a:avLst/>
+            </a:prstTxWarp>
+            <a:noAutofit/>
+          </a:bodyPr>
+          <a:lstStyle/>
+          <a:p>
+            <a:pPr algn="ctr" defTabSz="932472" fontAlgn="base">
+              <a:lnSpc>
+                <a:spcPct val="90000"/>
+              </a:lnSpc>
+              <a:spcBef>
+                <a:spcPct val="0"/>
+              </a:spcBef>
+              <a:spcAft>
+                <a:spcPct val="0"/>
+              </a:spcAft>
+            </a:pPr>
+            <a:r>
+              <a:rPr lang="en-CA" sz="2000" dirty="0">
+                <a:gradFill>
+                  <a:gsLst>
+                    <a:gs pos="0">
+                      <a:srgbClr val="FFFFFF"/>
+                    </a:gs>
+                    <a:gs pos="100000">
+                      <a:srgbClr val="FFFFFF"/>
+                    </a:gs>
+                  </a:gsLst>
+                  <a:lin ang="5400000" scaled="0"/>
+                </a:gradFill>
+                <a:ea typeface="Segoe UI" pitchFamily="34" charset="0"/>
+                <a:cs typeface="Segoe UI" pitchFamily="34" charset="0"/>
+              </a:rPr>
+              <a:t>Networking</a:t>
+            </a:r>
+          </a:p>
+        </p:txBody>
+      </p:sp>
+      <p:sp>
+        <p:nvSpPr>
+          <p:cNvPr id="43" name="TextBox 42">
+            <a:extLst>
+              <a:ext uri="{FF2B5EF4-FFF2-40B4-BE49-F238E27FC236}">
+                <a16:creationId xmlns:a16="http://schemas.microsoft.com/office/drawing/2014/main" id="{B31F65CA-9993-435D-80A6-84206C2F0F38}"/>
+              </a:ext>
+            </a:extLst>
+          </p:cNvPr>
+          <p:cNvSpPr txBox="1"/>
+          <p:nvPr/>
+        </p:nvSpPr>
+        <p:spPr>
+          <a:xfrm>
+            <a:off x="4520351" y="4513654"/>
+            <a:ext cx="184731" cy="623119"/>
+          </a:xfrm>
+          <a:prstGeom prst="rect">
+            <a:avLst/>
+          </a:prstGeom>
+          <a:noFill/>
+        </p:spPr>
+        <p:txBody>
+          <a:bodyPr wrap="none" rtlCol="0">
+            <a:spAutoFit/>
+          </a:bodyPr>
+          <a:lstStyle/>
+          <a:p>
+            <a:endParaRPr lang="en-CA" dirty="0">
+              <a:solidFill>
+                <a:prstClr val="black"/>
+              </a:solidFill>
+              <a:latin typeface="Calibri" panose="020F0502020204030204"/>
+            </a:endParaRPr>
+          </a:p>
+        </p:txBody>
+      </p:sp>
+      <p:sp>
+        <p:nvSpPr>
+          <p:cNvPr id="44" name="Rectangle: Rounded Corners 43">
+            <a:extLst>
+              <a:ext uri="{FF2B5EF4-FFF2-40B4-BE49-F238E27FC236}">
+                <a16:creationId xmlns:a16="http://schemas.microsoft.com/office/drawing/2014/main" id="{E3A65514-0DCB-4AB9-871D-34BA9E87C2C7}"/>
+              </a:ext>
+            </a:extLst>
+          </p:cNvPr>
+          <p:cNvSpPr/>
+          <p:nvPr/>
+        </p:nvSpPr>
+        <p:spPr bwMode="auto">
+          <a:xfrm>
+            <a:off x="1409999" y="3899940"/>
+            <a:ext cx="2986571" cy="419904"/>
+          </a:xfrm>
+          <a:prstGeom prst="roundRect">
+            <a:avLst/>
+          </a:prstGeom>
+          <a:solidFill>
+            <a:srgbClr val="0070C0"/>
+          </a:solidFill>
+          <a:ln>
+            <a:solidFill>
+              <a:srgbClr val="0070C0"/>
+            </a:solidFill>
+            <a:headEnd type="none" w="med" len="med"/>
+            <a:tailEnd type="none" w="med" len="med"/>
+          </a:ln>
+          <a:effectLst/>
+        </p:spPr>
+        <p:style>
+          <a:lnRef idx="1">
+            <a:schemeClr val="accent2"/>
+          </a:lnRef>
+          <a:fillRef idx="3">
+            <a:schemeClr val="accent2"/>
+          </a:fillRef>
+          <a:effectRef idx="2">
+            <a:schemeClr val="accent2"/>
+          </a:effectRef>
+          <a:fontRef idx="minor">
+            <a:schemeClr val="lt1"/>
+          </a:fontRef>
+        </p:style>
+        <p:txBody>
+          <a:bodyPr rot="0" spcFirstLastPara="0" vertOverflow="overflow" horzOverflow="overflow" vert="horz" wrap="square" lIns="0" tIns="0" rIns="0" bIns="0" numCol="1" spcCol="0" rtlCol="0" fromWordArt="0" anchor="ctr" anchorCtr="0" forceAA="0" compatLnSpc="1">
+            <a:prstTxWarp prst="textNoShape">
+              <a:avLst/>
+            </a:prstTxWarp>
+            <a:noAutofit/>
+          </a:bodyPr>
+          <a:lstStyle/>
+          <a:p>
+            <a:pPr algn="ctr" defTabSz="932472" fontAlgn="base">
+              <a:lnSpc>
+                <a:spcPct val="90000"/>
+              </a:lnSpc>
+              <a:spcBef>
+                <a:spcPct val="0"/>
+              </a:spcBef>
+              <a:spcAft>
+                <a:spcPct val="0"/>
+              </a:spcAft>
+            </a:pPr>
+            <a:r>
+              <a:rPr lang="en-CA" sz="1600" dirty="0">
+                <a:gradFill>
+                  <a:gsLst>
+                    <a:gs pos="0">
+                      <a:srgbClr val="FFFFFF"/>
+                    </a:gs>
+                    <a:gs pos="100000">
+                      <a:srgbClr val="FFFFFF"/>
+                    </a:gs>
+                  </a:gsLst>
+                  <a:lin ang="5400000" scaled="0"/>
+                </a:gradFill>
+                <a:ea typeface="Segoe UI" pitchFamily="34" charset="0"/>
+                <a:cs typeface="Segoe UI" pitchFamily="34" charset="0"/>
+              </a:rPr>
+              <a:t>Virtual Network</a:t>
+            </a:r>
+          </a:p>
+        </p:txBody>
+      </p:sp>
+      <p:sp>
+        <p:nvSpPr>
+          <p:cNvPr id="45" name="Rectangle 44">
+            <a:extLst>
+              <a:ext uri="{FF2B5EF4-FFF2-40B4-BE49-F238E27FC236}">
+                <a16:creationId xmlns:a16="http://schemas.microsoft.com/office/drawing/2014/main" id="{4DAC9DC9-B201-4F5D-9483-05FB98BA9BEA}"/>
+              </a:ext>
+            </a:extLst>
+          </p:cNvPr>
+          <p:cNvSpPr/>
+          <p:nvPr/>
+        </p:nvSpPr>
+        <p:spPr bwMode="auto">
+          <a:xfrm>
+            <a:off x="1410000" y="4256538"/>
+            <a:ext cx="2986570" cy="1576702"/>
+          </a:xfrm>
+          <a:prstGeom prst="rect">
+            <a:avLst/>
+          </a:prstGeom>
+          <a:solidFill>
+            <a:schemeClr val="tx1"/>
+          </a:solidFill>
+          <a:ln>
+            <a:solidFill>
+              <a:srgbClr val="0070C0"/>
+            </a:solidFill>
+            <a:headEnd type="none" w="med" len="med"/>
+            <a:tailEnd type="none" w="med" len="med"/>
+          </a:ln>
+          <a:effectLst/>
+        </p:spPr>
+        <p:style>
+          <a:lnRef idx="1">
+            <a:schemeClr val="accent2"/>
+          </a:lnRef>
+          <a:fillRef idx="3">
+            <a:schemeClr val="accent2"/>
+          </a:fillRef>
+          <a:effectRef idx="2">
+            <a:schemeClr val="accent2"/>
+          </a:effectRef>
+          <a:fontRef idx="minor">
+            <a:schemeClr val="lt1"/>
+          </a:fontRef>
+        </p:style>
+        <p:txBody>
+          <a:bodyPr rot="0" spcFirstLastPara="0" vertOverflow="overflow" horzOverflow="overflow" vert="horz" wrap="square" lIns="36000" tIns="72000" rIns="0" bIns="0" numCol="1" spcCol="0" rtlCol="0" fromWordArt="0" anchor="ctr" anchorCtr="0" forceAA="0" compatLnSpc="1">
+            <a:prstTxWarp prst="textNoShape">
+              <a:avLst/>
+            </a:prstTxWarp>
+            <a:noAutofit/>
+          </a:bodyPr>
+          <a:lstStyle/>
+          <a:p>
+            <a:pPr defTabSz="932472" fontAlgn="base">
+              <a:lnSpc>
+                <a:spcPct val="90000"/>
+              </a:lnSpc>
+              <a:spcBef>
+                <a:spcPct val="0"/>
+              </a:spcBef>
+              <a:spcAft>
+                <a:spcPct val="0"/>
+              </a:spcAft>
+            </a:pPr>
+            <a:r>
+              <a:rPr lang="en-CA" sz="900" b="1" dirty="0" err="1">
+                <a:solidFill>
+                  <a:srgbClr val="0070C0"/>
+                </a:solidFill>
+                <a:ea typeface="Segoe UI" pitchFamily="34" charset="0"/>
+                <a:cs typeface="Segoe UI" pitchFamily="34" charset="0"/>
+              </a:rPr>
+              <a:t>VNets</a:t>
+            </a:r>
+            <a:endParaRPr lang="en-CA" sz="900" b="1" dirty="0">
+              <a:solidFill>
+                <a:srgbClr val="0070C0"/>
+              </a:solidFill>
+              <a:ea typeface="Segoe UI" pitchFamily="34" charset="0"/>
+              <a:cs typeface="Segoe UI" pitchFamily="34" charset="0"/>
+            </a:endParaRPr>
+          </a:p>
+          <a:p>
+            <a:pPr marL="360363" lvl="1" indent="-184150" defTabSz="932472" fontAlgn="base">
+              <a:lnSpc>
+                <a:spcPct val="90000"/>
+              </a:lnSpc>
+              <a:spcBef>
+                <a:spcPct val="0"/>
+              </a:spcBef>
+              <a:spcAft>
+                <a:spcPct val="0"/>
+              </a:spcAft>
+              <a:buFont typeface="Arial" panose="020B0604020202020204" pitchFamily="34" charset="0"/>
+              <a:buChar char="•"/>
+            </a:pPr>
+            <a:r>
+              <a:rPr lang="en-CA" sz="800" dirty="0">
+                <a:solidFill>
+                  <a:srgbClr val="0070C0"/>
+                </a:solidFill>
+                <a:cs typeface="Segoe UI" pitchFamily="34" charset="0"/>
+              </a:rPr>
+              <a:t>Max 50 </a:t>
+            </a:r>
+            <a:r>
+              <a:rPr lang="en-CA" sz="800" dirty="0" err="1">
+                <a:solidFill>
+                  <a:srgbClr val="0070C0"/>
+                </a:solidFill>
+                <a:cs typeface="Segoe UI" pitchFamily="34" charset="0"/>
+              </a:rPr>
+              <a:t>VNets</a:t>
+            </a:r>
+            <a:r>
+              <a:rPr lang="en-CA" sz="800" dirty="0">
+                <a:solidFill>
+                  <a:srgbClr val="0070C0"/>
+                </a:solidFill>
+                <a:cs typeface="Segoe UI" pitchFamily="34" charset="0"/>
+              </a:rPr>
+              <a:t> per subscription </a:t>
+            </a:r>
+          </a:p>
+          <a:p>
+            <a:pPr defTabSz="932472" fontAlgn="base">
+              <a:lnSpc>
+                <a:spcPct val="90000"/>
+              </a:lnSpc>
+              <a:spcBef>
+                <a:spcPct val="0"/>
+              </a:spcBef>
+              <a:spcAft>
+                <a:spcPct val="0"/>
+              </a:spcAft>
+            </a:pPr>
+            <a:r>
+              <a:rPr lang="en-CA" sz="900" b="1" dirty="0">
+                <a:solidFill>
+                  <a:srgbClr val="0070C0"/>
+                </a:solidFill>
+                <a:ea typeface="Segoe UI" pitchFamily="34" charset="0"/>
+                <a:cs typeface="Segoe UI" pitchFamily="34" charset="0"/>
+              </a:rPr>
+              <a:t>Subnets</a:t>
+            </a:r>
+          </a:p>
+          <a:p>
+            <a:pPr marL="360363" lvl="1" indent="-184150" defTabSz="932472" fontAlgn="base">
+              <a:lnSpc>
+                <a:spcPct val="90000"/>
+              </a:lnSpc>
+              <a:spcBef>
+                <a:spcPct val="0"/>
+              </a:spcBef>
+              <a:spcAft>
+                <a:spcPct val="0"/>
+              </a:spcAft>
+              <a:buFont typeface="Arial" panose="020B0604020202020204" pitchFamily="34" charset="0"/>
+              <a:buChar char="•"/>
+            </a:pPr>
+            <a:r>
+              <a:rPr lang="en-CA" sz="800" dirty="0">
+                <a:solidFill>
+                  <a:srgbClr val="0070C0"/>
+                </a:solidFill>
+                <a:cs typeface="Segoe UI" pitchFamily="34" charset="0"/>
+              </a:rPr>
+              <a:t>Max 1000 subnets per </a:t>
+            </a:r>
+            <a:r>
+              <a:rPr lang="en-CA" sz="800" dirty="0" err="1">
+                <a:solidFill>
+                  <a:srgbClr val="0070C0"/>
+                </a:solidFill>
+                <a:cs typeface="Segoe UI" pitchFamily="34" charset="0"/>
+              </a:rPr>
+              <a:t>VNet</a:t>
+            </a:r>
+            <a:endParaRPr lang="en-CA" sz="800" dirty="0">
+              <a:solidFill>
+                <a:srgbClr val="0070C0"/>
+              </a:solidFill>
+              <a:cs typeface="Segoe UI" pitchFamily="34" charset="0"/>
+            </a:endParaRPr>
+          </a:p>
+          <a:p>
+            <a:pPr marL="360363" lvl="1" indent="-184150" defTabSz="932472" fontAlgn="base">
+              <a:lnSpc>
+                <a:spcPct val="90000"/>
+              </a:lnSpc>
+              <a:spcBef>
+                <a:spcPct val="0"/>
+              </a:spcBef>
+              <a:spcAft>
+                <a:spcPct val="0"/>
+              </a:spcAft>
+              <a:buFont typeface="Arial" panose="020B0604020202020204" pitchFamily="34" charset="0"/>
+              <a:buChar char="•"/>
+            </a:pPr>
+            <a:r>
+              <a:rPr lang="en-CA" sz="800" dirty="0">
+                <a:solidFill>
+                  <a:srgbClr val="0070C0"/>
+                </a:solidFill>
+                <a:cs typeface="Segoe UI" pitchFamily="34" charset="0"/>
+              </a:rPr>
+              <a:t>Max 10 </a:t>
+            </a:r>
+            <a:r>
+              <a:rPr lang="en-CA" sz="800" dirty="0" err="1">
+                <a:solidFill>
+                  <a:srgbClr val="0070C0"/>
+                </a:solidFill>
+                <a:cs typeface="Segoe UI" pitchFamily="34" charset="0"/>
+              </a:rPr>
+              <a:t>VNet</a:t>
+            </a:r>
+            <a:r>
+              <a:rPr lang="en-CA" sz="800" dirty="0">
+                <a:solidFill>
+                  <a:srgbClr val="0070C0"/>
+                </a:solidFill>
+                <a:cs typeface="Segoe UI" pitchFamily="34" charset="0"/>
+              </a:rPr>
+              <a:t> connections (peering) per subscription</a:t>
+            </a:r>
+          </a:p>
+          <a:p>
+            <a:pPr defTabSz="932472" fontAlgn="base">
+              <a:lnSpc>
+                <a:spcPct val="90000"/>
+              </a:lnSpc>
+              <a:spcBef>
+                <a:spcPct val="0"/>
+              </a:spcBef>
+              <a:spcAft>
+                <a:spcPct val="0"/>
+              </a:spcAft>
+            </a:pPr>
+            <a:r>
+              <a:rPr lang="en-CA" sz="900" b="1" dirty="0">
+                <a:solidFill>
+                  <a:srgbClr val="0070C0"/>
+                </a:solidFill>
+                <a:ea typeface="Segoe UI" pitchFamily="34" charset="0"/>
+                <a:cs typeface="Segoe UI" pitchFamily="34" charset="0"/>
+              </a:rPr>
+              <a:t>Pubic Address</a:t>
+            </a:r>
+          </a:p>
+          <a:p>
+            <a:pPr marL="360363" lvl="1" indent="-184150" defTabSz="932472" fontAlgn="base">
+              <a:lnSpc>
+                <a:spcPct val="90000"/>
+              </a:lnSpc>
+              <a:spcBef>
+                <a:spcPct val="0"/>
+              </a:spcBef>
+              <a:spcAft>
+                <a:spcPct val="0"/>
+              </a:spcAft>
+              <a:buFont typeface="Arial" panose="020B0604020202020204" pitchFamily="34" charset="0"/>
+              <a:buChar char="•"/>
+            </a:pPr>
+            <a:r>
+              <a:rPr lang="en-CA" sz="800" dirty="0">
+                <a:solidFill>
+                  <a:srgbClr val="0070C0"/>
+                </a:solidFill>
+                <a:cs typeface="Segoe UI" pitchFamily="34" charset="0"/>
+              </a:rPr>
+              <a:t>Max 60 public dynamic addresses per subscription</a:t>
+            </a:r>
+          </a:p>
+          <a:p>
+            <a:pPr marL="360363" lvl="1" indent="-184150" defTabSz="932472" fontAlgn="base">
+              <a:lnSpc>
+                <a:spcPct val="90000"/>
+              </a:lnSpc>
+              <a:spcBef>
+                <a:spcPct val="0"/>
+              </a:spcBef>
+              <a:spcAft>
+                <a:spcPct val="0"/>
+              </a:spcAft>
+              <a:buFont typeface="Arial" panose="020B0604020202020204" pitchFamily="34" charset="0"/>
+              <a:buChar char="•"/>
+            </a:pPr>
+            <a:r>
+              <a:rPr lang="en-CA" sz="800" dirty="0">
+                <a:solidFill>
+                  <a:srgbClr val="0070C0"/>
+                </a:solidFill>
+                <a:cs typeface="Segoe UI" pitchFamily="34" charset="0"/>
+              </a:rPr>
+              <a:t>Max 20 public static addresses per subscription </a:t>
+            </a:r>
+          </a:p>
+          <a:p>
+            <a:pPr defTabSz="932472" fontAlgn="base">
+              <a:lnSpc>
+                <a:spcPct val="90000"/>
+              </a:lnSpc>
+              <a:spcBef>
+                <a:spcPct val="0"/>
+              </a:spcBef>
+              <a:spcAft>
+                <a:spcPct val="0"/>
+              </a:spcAft>
+            </a:pPr>
+            <a:r>
+              <a:rPr lang="en-CA" sz="900" b="1" dirty="0">
+                <a:solidFill>
+                  <a:srgbClr val="0070C0"/>
+                </a:solidFill>
+                <a:ea typeface="Segoe UI" pitchFamily="34" charset="0"/>
+                <a:cs typeface="Segoe UI" pitchFamily="34" charset="0"/>
+              </a:rPr>
+              <a:t>Private Address</a:t>
+            </a:r>
+          </a:p>
+          <a:p>
+            <a:pPr marL="360363" lvl="1" indent="-184150" defTabSz="932472" fontAlgn="base">
+              <a:lnSpc>
+                <a:spcPct val="90000"/>
+              </a:lnSpc>
+              <a:spcBef>
+                <a:spcPct val="0"/>
+              </a:spcBef>
+              <a:spcAft>
+                <a:spcPct val="0"/>
+              </a:spcAft>
+              <a:buFont typeface="Arial" panose="020B0604020202020204" pitchFamily="34" charset="0"/>
+              <a:buChar char="•"/>
+            </a:pPr>
+            <a:r>
+              <a:rPr lang="en-CA" sz="800" dirty="0">
+                <a:solidFill>
+                  <a:srgbClr val="0070C0"/>
+                </a:solidFill>
+                <a:ea typeface="Segoe UI" pitchFamily="34" charset="0"/>
+                <a:cs typeface="Segoe UI" pitchFamily="34" charset="0"/>
+              </a:rPr>
+              <a:t>Max 4096 private addresses per </a:t>
+            </a:r>
+            <a:r>
+              <a:rPr lang="en-CA" sz="800" dirty="0" err="1">
+                <a:solidFill>
+                  <a:srgbClr val="0070C0"/>
+                </a:solidFill>
+                <a:ea typeface="Segoe UI" pitchFamily="34" charset="0"/>
+                <a:cs typeface="Segoe UI" pitchFamily="34" charset="0"/>
+              </a:rPr>
+              <a:t>VNet</a:t>
+            </a:r>
+            <a:endParaRPr lang="en-CA" sz="800" dirty="0">
+              <a:solidFill>
+                <a:srgbClr val="0070C0"/>
+              </a:solidFill>
+              <a:ea typeface="Segoe UI" pitchFamily="34" charset="0"/>
+              <a:cs typeface="Segoe UI" pitchFamily="34" charset="0"/>
+            </a:endParaRPr>
+          </a:p>
+          <a:p>
+            <a:pPr defTabSz="932472" fontAlgn="base">
+              <a:lnSpc>
+                <a:spcPct val="90000"/>
+              </a:lnSpc>
+              <a:spcBef>
+                <a:spcPct val="0"/>
+              </a:spcBef>
+              <a:spcAft>
+                <a:spcPct val="0"/>
+              </a:spcAft>
+            </a:pPr>
+            <a:r>
+              <a:rPr lang="en-CA" sz="900" b="1" dirty="0">
+                <a:solidFill>
+                  <a:srgbClr val="0070C0"/>
+                </a:solidFill>
+                <a:ea typeface="Segoe UI" pitchFamily="34" charset="0"/>
+                <a:cs typeface="Segoe UI" pitchFamily="34" charset="0"/>
+              </a:rPr>
+              <a:t>DNS</a:t>
+            </a:r>
+          </a:p>
+          <a:p>
+            <a:pPr marL="360363" lvl="1" indent="-184150" defTabSz="932472" fontAlgn="base">
+              <a:lnSpc>
+                <a:spcPct val="90000"/>
+              </a:lnSpc>
+              <a:spcBef>
+                <a:spcPct val="0"/>
+              </a:spcBef>
+              <a:spcAft>
+                <a:spcPct val="0"/>
+              </a:spcAft>
+              <a:buFont typeface="Arial" panose="020B0604020202020204" pitchFamily="34" charset="0"/>
+              <a:buChar char="•"/>
+            </a:pPr>
+            <a:r>
+              <a:rPr lang="en-CA" sz="800" dirty="0">
+                <a:solidFill>
+                  <a:srgbClr val="0070C0"/>
+                </a:solidFill>
+                <a:ea typeface="Segoe UI" pitchFamily="34" charset="0"/>
+                <a:cs typeface="Segoe UI" pitchFamily="34" charset="0"/>
+              </a:rPr>
+              <a:t>DNS for multiple </a:t>
+            </a:r>
+            <a:r>
+              <a:rPr lang="en-CA" sz="800" dirty="0" err="1">
+                <a:solidFill>
+                  <a:srgbClr val="0070C0"/>
+                </a:solidFill>
+                <a:ea typeface="Segoe UI" pitchFamily="34" charset="0"/>
+                <a:cs typeface="Segoe UI" pitchFamily="34" charset="0"/>
+              </a:rPr>
+              <a:t>VNets</a:t>
+            </a:r>
+            <a:r>
+              <a:rPr lang="en-CA" sz="800" dirty="0">
+                <a:solidFill>
+                  <a:srgbClr val="0070C0"/>
+                </a:solidFill>
+                <a:ea typeface="Segoe UI" pitchFamily="34" charset="0"/>
+                <a:cs typeface="Segoe UI" pitchFamily="34" charset="0"/>
+              </a:rPr>
+              <a:t> requires own DNS server</a:t>
+            </a:r>
+          </a:p>
+        </p:txBody>
+      </p:sp>
+      <p:sp>
+        <p:nvSpPr>
+          <p:cNvPr id="46" name="Rectangle: Rounded Corners 45">
+            <a:extLst>
+              <a:ext uri="{FF2B5EF4-FFF2-40B4-BE49-F238E27FC236}">
+                <a16:creationId xmlns:a16="http://schemas.microsoft.com/office/drawing/2014/main" id="{BFF344F9-6F5A-4712-8F57-21377FD19009}"/>
+              </a:ext>
+            </a:extLst>
+          </p:cNvPr>
+          <p:cNvSpPr/>
+          <p:nvPr/>
+        </p:nvSpPr>
+        <p:spPr bwMode="auto">
+          <a:xfrm>
+            <a:off x="4520351" y="3899939"/>
+            <a:ext cx="2986571" cy="419904"/>
+          </a:xfrm>
+          <a:prstGeom prst="roundRect">
+            <a:avLst/>
+          </a:prstGeom>
+          <a:solidFill>
+            <a:srgbClr val="0070C0"/>
+          </a:solidFill>
+          <a:ln>
+            <a:solidFill>
+              <a:srgbClr val="0070C0"/>
+            </a:solidFill>
+            <a:headEnd type="none" w="med" len="med"/>
+            <a:tailEnd type="none" w="med" len="med"/>
+          </a:ln>
+          <a:effectLst/>
+        </p:spPr>
+        <p:style>
+          <a:lnRef idx="1">
+            <a:schemeClr val="accent2"/>
+          </a:lnRef>
+          <a:fillRef idx="3">
+            <a:schemeClr val="accent2"/>
+          </a:fillRef>
+          <a:effectRef idx="2">
+            <a:schemeClr val="accent2"/>
+          </a:effectRef>
+          <a:fontRef idx="minor">
+            <a:schemeClr val="lt1"/>
+          </a:fontRef>
+        </p:style>
+        <p:txBody>
+          <a:bodyPr rot="0" spcFirstLastPara="0" vertOverflow="overflow" horzOverflow="overflow" vert="horz" wrap="square" lIns="0" tIns="0" rIns="0" bIns="0" numCol="1" spcCol="0" rtlCol="0" fromWordArt="0" anchor="ctr" anchorCtr="0" forceAA="0" compatLnSpc="1">
+            <a:prstTxWarp prst="textNoShape">
+              <a:avLst/>
+            </a:prstTxWarp>
+            <a:noAutofit/>
+          </a:bodyPr>
+          <a:lstStyle/>
+          <a:p>
+            <a:pPr algn="ctr" defTabSz="932472" fontAlgn="base">
+              <a:lnSpc>
+                <a:spcPct val="90000"/>
+              </a:lnSpc>
+              <a:spcBef>
+                <a:spcPct val="0"/>
+              </a:spcBef>
+              <a:spcAft>
+                <a:spcPct val="0"/>
+              </a:spcAft>
+            </a:pPr>
+            <a:r>
+              <a:rPr lang="en-CA" sz="1600" dirty="0">
+                <a:gradFill>
+                  <a:gsLst>
+                    <a:gs pos="0">
+                      <a:srgbClr val="FFFFFF"/>
+                    </a:gs>
+                    <a:gs pos="100000">
+                      <a:srgbClr val="FFFFFF"/>
+                    </a:gs>
+                  </a:gsLst>
+                  <a:lin ang="5400000" scaled="0"/>
+                </a:gradFill>
+                <a:ea typeface="Segoe UI" pitchFamily="34" charset="0"/>
+                <a:cs typeface="Segoe UI" pitchFamily="34" charset="0"/>
+              </a:rPr>
+              <a:t>Load Balancer</a:t>
+            </a:r>
+          </a:p>
+        </p:txBody>
+      </p:sp>
+      <p:sp>
+        <p:nvSpPr>
+          <p:cNvPr id="47" name="Rectangle 46">
+            <a:extLst>
+              <a:ext uri="{FF2B5EF4-FFF2-40B4-BE49-F238E27FC236}">
+                <a16:creationId xmlns:a16="http://schemas.microsoft.com/office/drawing/2014/main" id="{CA4606EB-FFB5-4856-A048-E46E8F9A0757}"/>
+              </a:ext>
+            </a:extLst>
+          </p:cNvPr>
+          <p:cNvSpPr/>
+          <p:nvPr/>
+        </p:nvSpPr>
+        <p:spPr bwMode="auto">
+          <a:xfrm>
+            <a:off x="4520352" y="4256538"/>
+            <a:ext cx="2986570" cy="1163822"/>
+          </a:xfrm>
+          <a:prstGeom prst="rect">
+            <a:avLst/>
+          </a:prstGeom>
+          <a:solidFill>
+            <a:schemeClr val="tx1"/>
+          </a:solidFill>
+          <a:ln>
+            <a:solidFill>
+              <a:srgbClr val="0070C0"/>
+            </a:solidFill>
+            <a:headEnd type="none" w="med" len="med"/>
+            <a:tailEnd type="none" w="med" len="med"/>
+          </a:ln>
+          <a:effectLst/>
+        </p:spPr>
+        <p:style>
+          <a:lnRef idx="1">
+            <a:schemeClr val="accent2"/>
+          </a:lnRef>
+          <a:fillRef idx="3">
+            <a:schemeClr val="accent2"/>
+          </a:fillRef>
+          <a:effectRef idx="2">
+            <a:schemeClr val="accent2"/>
+          </a:effectRef>
+          <a:fontRef idx="minor">
+            <a:schemeClr val="lt1"/>
+          </a:fontRef>
+        </p:style>
+        <p:txBody>
+          <a:bodyPr rot="0" spcFirstLastPara="0" vertOverflow="overflow" horzOverflow="overflow" vert="horz" wrap="square" lIns="36000" tIns="72000" rIns="0" bIns="0" numCol="1" spcCol="0" rtlCol="0" fromWordArt="0" anchor="ctr" anchorCtr="0" forceAA="0" compatLnSpc="1">
+            <a:prstTxWarp prst="textNoShape">
+              <a:avLst/>
+            </a:prstTxWarp>
+            <a:noAutofit/>
+          </a:bodyPr>
+          <a:lstStyle/>
+          <a:p>
+            <a:pPr defTabSz="932472" fontAlgn="base">
+              <a:lnSpc>
+                <a:spcPct val="90000"/>
+              </a:lnSpc>
+              <a:spcBef>
+                <a:spcPct val="0"/>
+              </a:spcBef>
+              <a:spcAft>
+                <a:spcPct val="0"/>
+              </a:spcAft>
+            </a:pPr>
+            <a:r>
+              <a:rPr lang="en-CA" sz="900" b="1" dirty="0">
+                <a:solidFill>
+                  <a:srgbClr val="0070C0"/>
+                </a:solidFill>
+                <a:ea typeface="Segoe UI" pitchFamily="34" charset="0"/>
+                <a:cs typeface="Segoe UI" pitchFamily="34" charset="0"/>
+              </a:rPr>
+              <a:t>Load Balancing</a:t>
+            </a:r>
+          </a:p>
+          <a:p>
+            <a:pPr marL="360363" lvl="1" indent="-184150" defTabSz="932472" fontAlgn="base">
+              <a:lnSpc>
+                <a:spcPct val="90000"/>
+              </a:lnSpc>
+              <a:spcBef>
+                <a:spcPct val="0"/>
+              </a:spcBef>
+              <a:spcAft>
+                <a:spcPct val="0"/>
+              </a:spcAft>
+              <a:buFont typeface="Arial" panose="020B0604020202020204" pitchFamily="34" charset="0"/>
+              <a:buChar char="•"/>
+            </a:pPr>
+            <a:r>
+              <a:rPr lang="en-CA" sz="800" dirty="0">
+                <a:solidFill>
+                  <a:srgbClr val="0070C0"/>
+                </a:solidFill>
+                <a:ea typeface="Segoe UI" pitchFamily="34" charset="0"/>
+                <a:cs typeface="Segoe UI" pitchFamily="34" charset="0"/>
+              </a:rPr>
+              <a:t>Transport Layer 4</a:t>
+            </a:r>
+          </a:p>
+          <a:p>
+            <a:pPr marL="360363" lvl="1" indent="-184150" defTabSz="932472" fontAlgn="base">
+              <a:lnSpc>
+                <a:spcPct val="90000"/>
+              </a:lnSpc>
+              <a:spcBef>
+                <a:spcPct val="0"/>
+              </a:spcBef>
+              <a:spcAft>
+                <a:spcPct val="0"/>
+              </a:spcAft>
+              <a:buFont typeface="Arial" panose="020B0604020202020204" pitchFamily="34" charset="0"/>
+              <a:buChar char="•"/>
+            </a:pPr>
+            <a:r>
+              <a:rPr lang="en-CA" sz="800" dirty="0">
+                <a:solidFill>
+                  <a:srgbClr val="0070C0"/>
+                </a:solidFill>
+                <a:ea typeface="Segoe UI" pitchFamily="34" charset="0"/>
+                <a:cs typeface="Segoe UI" pitchFamily="34" charset="0"/>
+              </a:rPr>
+              <a:t>Any protocol</a:t>
+            </a:r>
+          </a:p>
+          <a:p>
+            <a:pPr marL="360363" lvl="1" indent="-184150" defTabSz="932472" fontAlgn="base">
+              <a:lnSpc>
+                <a:spcPct val="90000"/>
+              </a:lnSpc>
+              <a:spcBef>
+                <a:spcPct val="0"/>
+              </a:spcBef>
+              <a:spcAft>
+                <a:spcPct val="0"/>
+              </a:spcAft>
+              <a:buFont typeface="Arial" panose="020B0604020202020204" pitchFamily="34" charset="0"/>
+              <a:buChar char="•"/>
+            </a:pPr>
+            <a:r>
+              <a:rPr lang="en-CA" sz="800" dirty="0">
+                <a:solidFill>
+                  <a:srgbClr val="0070C0"/>
+                </a:solidFill>
+                <a:ea typeface="Segoe UI" pitchFamily="34" charset="0"/>
+                <a:cs typeface="Segoe UI" pitchFamily="34" charset="0"/>
+              </a:rPr>
+              <a:t>Azure VMs and Cloud service endpoints</a:t>
+            </a:r>
+          </a:p>
+          <a:p>
+            <a:pPr marL="360363" lvl="1" indent="-184150" defTabSz="932472" fontAlgn="base">
+              <a:lnSpc>
+                <a:spcPct val="90000"/>
+              </a:lnSpc>
+              <a:spcBef>
+                <a:spcPct val="0"/>
+              </a:spcBef>
+              <a:spcAft>
+                <a:spcPct val="0"/>
+              </a:spcAft>
+              <a:buFont typeface="Arial" panose="020B0604020202020204" pitchFamily="34" charset="0"/>
+              <a:buChar char="•"/>
+            </a:pPr>
+            <a:r>
+              <a:rPr lang="en-CA" sz="800" dirty="0" err="1">
+                <a:solidFill>
+                  <a:srgbClr val="0070C0"/>
+                </a:solidFill>
+                <a:ea typeface="Segoe UI" pitchFamily="34" charset="0"/>
+                <a:cs typeface="Segoe UI" pitchFamily="34" charset="0"/>
+              </a:rPr>
+              <a:t>VNet</a:t>
+            </a:r>
+            <a:r>
+              <a:rPr lang="en-CA" sz="800" dirty="0">
+                <a:solidFill>
+                  <a:srgbClr val="0070C0"/>
+                </a:solidFill>
+                <a:ea typeface="Segoe UI" pitchFamily="34" charset="0"/>
+                <a:cs typeface="Segoe UI" pitchFamily="34" charset="0"/>
+              </a:rPr>
+              <a:t>: Internet and internal facing</a:t>
+            </a:r>
+          </a:p>
+          <a:p>
+            <a:pPr marL="360363" lvl="1" indent="-184150" defTabSz="932472" fontAlgn="base">
+              <a:lnSpc>
+                <a:spcPct val="90000"/>
+              </a:lnSpc>
+              <a:spcBef>
+                <a:spcPct val="0"/>
+              </a:spcBef>
+              <a:spcAft>
+                <a:spcPct val="0"/>
+              </a:spcAft>
+              <a:buFont typeface="Arial" panose="020B0604020202020204" pitchFamily="34" charset="0"/>
+              <a:buChar char="•"/>
+            </a:pPr>
+            <a:r>
+              <a:rPr lang="en-CA" sz="800" dirty="0">
+                <a:solidFill>
+                  <a:srgbClr val="0070C0"/>
+                </a:solidFill>
+                <a:cs typeface="Segoe UI" pitchFamily="34" charset="0"/>
+              </a:rPr>
+              <a:t>Endpoint monitoring: </a:t>
+            </a:r>
+            <a:r>
+              <a:rPr lang="en-CA" sz="800" dirty="0">
+                <a:solidFill>
+                  <a:srgbClr val="0070C0"/>
+                </a:solidFill>
+                <a:ea typeface="Segoe UI" pitchFamily="34" charset="0"/>
+                <a:cs typeface="Segoe UI" pitchFamily="34" charset="0"/>
+              </a:rPr>
+              <a:t>Supported via probes</a:t>
+            </a:r>
+            <a:endParaRPr lang="en-CA" sz="900" dirty="0">
+              <a:solidFill>
+                <a:srgbClr val="0070C0"/>
+              </a:solidFill>
+              <a:ea typeface="Segoe UI" pitchFamily="34" charset="0"/>
+              <a:cs typeface="Segoe UI" pitchFamily="34" charset="0"/>
+            </a:endParaRPr>
+          </a:p>
+          <a:p>
+            <a:pPr defTabSz="932472" fontAlgn="base">
+              <a:lnSpc>
+                <a:spcPct val="90000"/>
+              </a:lnSpc>
+              <a:spcBef>
+                <a:spcPct val="0"/>
+              </a:spcBef>
+              <a:spcAft>
+                <a:spcPct val="0"/>
+              </a:spcAft>
+            </a:pPr>
+            <a:r>
+              <a:rPr lang="en-CA" sz="900" b="1" dirty="0">
+                <a:solidFill>
+                  <a:srgbClr val="0070C0"/>
+                </a:solidFill>
+                <a:ea typeface="Segoe UI" pitchFamily="34" charset="0"/>
+                <a:cs typeface="Segoe UI" pitchFamily="34" charset="0"/>
+              </a:rPr>
+              <a:t>Types</a:t>
+            </a:r>
+          </a:p>
+          <a:p>
+            <a:pPr marL="360363" lvl="1" indent="-184150" defTabSz="932472" fontAlgn="base">
+              <a:lnSpc>
+                <a:spcPct val="90000"/>
+              </a:lnSpc>
+              <a:spcBef>
+                <a:spcPct val="0"/>
+              </a:spcBef>
+              <a:spcAft>
+                <a:spcPct val="0"/>
+              </a:spcAft>
+              <a:buFont typeface="Arial" panose="020B0604020202020204" pitchFamily="34" charset="0"/>
+              <a:buChar char="•"/>
+            </a:pPr>
+            <a:r>
+              <a:rPr lang="en-CA" sz="800" dirty="0">
+                <a:solidFill>
+                  <a:srgbClr val="0070C0"/>
+                </a:solidFill>
+                <a:ea typeface="Segoe UI" pitchFamily="34" charset="0"/>
+                <a:cs typeface="Segoe UI" pitchFamily="34" charset="0"/>
+              </a:rPr>
+              <a:t>Basic</a:t>
+            </a:r>
+          </a:p>
+          <a:p>
+            <a:pPr marL="360363" lvl="1" indent="-184150" defTabSz="932472" fontAlgn="base">
+              <a:lnSpc>
+                <a:spcPct val="90000"/>
+              </a:lnSpc>
+              <a:spcBef>
+                <a:spcPct val="0"/>
+              </a:spcBef>
+              <a:spcAft>
+                <a:spcPct val="0"/>
+              </a:spcAft>
+              <a:buFont typeface="Arial" panose="020B0604020202020204" pitchFamily="34" charset="0"/>
+              <a:buChar char="•"/>
+            </a:pPr>
+            <a:r>
+              <a:rPr lang="en-CA" sz="800" dirty="0">
+                <a:solidFill>
+                  <a:srgbClr val="0070C0"/>
+                </a:solidFill>
+                <a:ea typeface="Segoe UI" pitchFamily="34" charset="0"/>
+                <a:cs typeface="Segoe UI" pitchFamily="34" charset="0"/>
+              </a:rPr>
+              <a:t>Standard … up to 1000 VMs, HA ports, and NSG.</a:t>
+            </a:r>
+          </a:p>
+        </p:txBody>
+      </p:sp>
+      <p:sp>
+        <p:nvSpPr>
+          <p:cNvPr id="48" name="TextBox 47">
+            <a:extLst>
+              <a:ext uri="{FF2B5EF4-FFF2-40B4-BE49-F238E27FC236}">
+                <a16:creationId xmlns:a16="http://schemas.microsoft.com/office/drawing/2014/main" id="{DB91E62E-F18E-44DB-93FD-259B6923DDF3}"/>
+              </a:ext>
+            </a:extLst>
+          </p:cNvPr>
+          <p:cNvSpPr txBox="1"/>
+          <p:nvPr/>
+        </p:nvSpPr>
+        <p:spPr>
+          <a:xfrm>
+            <a:off x="1409999" y="6542213"/>
+            <a:ext cx="184731" cy="623119"/>
+          </a:xfrm>
+          <a:prstGeom prst="rect">
+            <a:avLst/>
+          </a:prstGeom>
+          <a:noFill/>
+        </p:spPr>
+        <p:txBody>
+          <a:bodyPr wrap="none" rtlCol="0">
+            <a:spAutoFit/>
+          </a:bodyPr>
+          <a:lstStyle/>
+          <a:p>
+            <a:endParaRPr lang="en-CA" dirty="0">
+              <a:solidFill>
+                <a:prstClr val="black"/>
+              </a:solidFill>
+              <a:latin typeface="Calibri" panose="020F0502020204030204"/>
+            </a:endParaRPr>
+          </a:p>
+        </p:txBody>
+      </p:sp>
+      <p:sp>
+        <p:nvSpPr>
+          <p:cNvPr id="49" name="Rectangle: Rounded Corners 48">
+            <a:extLst>
+              <a:ext uri="{FF2B5EF4-FFF2-40B4-BE49-F238E27FC236}">
+                <a16:creationId xmlns:a16="http://schemas.microsoft.com/office/drawing/2014/main" id="{03D493E6-C056-406D-997C-1ADCBCF8E114}"/>
+              </a:ext>
+            </a:extLst>
+          </p:cNvPr>
+          <p:cNvSpPr/>
+          <p:nvPr/>
+        </p:nvSpPr>
+        <p:spPr bwMode="auto">
+          <a:xfrm>
+            <a:off x="4517948" y="5531596"/>
+            <a:ext cx="2986571" cy="419904"/>
+          </a:xfrm>
+          <a:prstGeom prst="roundRect">
+            <a:avLst/>
+          </a:prstGeom>
+          <a:solidFill>
+            <a:srgbClr val="0070C0"/>
+          </a:solidFill>
+          <a:ln>
+            <a:solidFill>
+              <a:srgbClr val="0070C0"/>
+            </a:solidFill>
+            <a:headEnd type="none" w="med" len="med"/>
+            <a:tailEnd type="none" w="med" len="med"/>
+          </a:ln>
+          <a:effectLst/>
+        </p:spPr>
+        <p:style>
+          <a:lnRef idx="1">
+            <a:schemeClr val="accent2"/>
+          </a:lnRef>
+          <a:fillRef idx="3">
+            <a:schemeClr val="accent2"/>
+          </a:fillRef>
+          <a:effectRef idx="2">
+            <a:schemeClr val="accent2"/>
+          </a:effectRef>
+          <a:fontRef idx="minor">
+            <a:schemeClr val="lt1"/>
+          </a:fontRef>
+        </p:style>
+        <p:txBody>
+          <a:bodyPr rot="0" spcFirstLastPara="0" vertOverflow="overflow" horzOverflow="overflow" vert="horz" wrap="square" lIns="0" tIns="0" rIns="0" bIns="0" numCol="1" spcCol="0" rtlCol="0" fromWordArt="0" anchor="ctr" anchorCtr="0" forceAA="0" compatLnSpc="1">
+            <a:prstTxWarp prst="textNoShape">
+              <a:avLst/>
+            </a:prstTxWarp>
+            <a:noAutofit/>
+          </a:bodyPr>
+          <a:lstStyle/>
+          <a:p>
+            <a:pPr algn="ctr" defTabSz="932472" fontAlgn="base">
+              <a:lnSpc>
+                <a:spcPct val="90000"/>
+              </a:lnSpc>
+              <a:spcBef>
+                <a:spcPct val="0"/>
+              </a:spcBef>
+              <a:spcAft>
+                <a:spcPct val="0"/>
+              </a:spcAft>
+            </a:pPr>
+            <a:r>
+              <a:rPr lang="en-CA" sz="1600" dirty="0">
+                <a:gradFill>
+                  <a:gsLst>
+                    <a:gs pos="0">
+                      <a:srgbClr val="FFFFFF"/>
+                    </a:gs>
+                    <a:gs pos="100000">
+                      <a:srgbClr val="FFFFFF"/>
+                    </a:gs>
+                  </a:gsLst>
+                  <a:lin ang="5400000" scaled="0"/>
+                </a:gradFill>
+                <a:ea typeface="Segoe UI" pitchFamily="34" charset="0"/>
+                <a:cs typeface="Segoe UI" pitchFamily="34" charset="0"/>
+              </a:rPr>
+              <a:t>Traffic Manager</a:t>
+            </a:r>
+          </a:p>
+        </p:txBody>
+      </p:sp>
+      <p:sp>
+        <p:nvSpPr>
+          <p:cNvPr id="50" name="Rectangle 49">
+            <a:extLst>
+              <a:ext uri="{FF2B5EF4-FFF2-40B4-BE49-F238E27FC236}">
+                <a16:creationId xmlns:a16="http://schemas.microsoft.com/office/drawing/2014/main" id="{9BEC513E-BF66-4064-AAF4-4D6D6A8CAFC0}"/>
+              </a:ext>
+            </a:extLst>
+          </p:cNvPr>
+          <p:cNvSpPr/>
+          <p:nvPr/>
+        </p:nvSpPr>
+        <p:spPr bwMode="auto">
+          <a:xfrm>
+            <a:off x="4517949" y="5888194"/>
+            <a:ext cx="2986570" cy="1156798"/>
+          </a:xfrm>
+          <a:prstGeom prst="rect">
+            <a:avLst/>
+          </a:prstGeom>
+          <a:solidFill>
+            <a:schemeClr val="tx1"/>
+          </a:solidFill>
+          <a:ln>
+            <a:solidFill>
+              <a:srgbClr val="0070C0"/>
+            </a:solidFill>
+            <a:headEnd type="none" w="med" len="med"/>
+            <a:tailEnd type="none" w="med" len="med"/>
+          </a:ln>
+          <a:effectLst/>
+        </p:spPr>
+        <p:style>
+          <a:lnRef idx="1">
+            <a:schemeClr val="accent2"/>
+          </a:lnRef>
+          <a:fillRef idx="3">
+            <a:schemeClr val="accent2"/>
+          </a:fillRef>
+          <a:effectRef idx="2">
+            <a:schemeClr val="accent2"/>
+          </a:effectRef>
+          <a:fontRef idx="minor">
+            <a:schemeClr val="lt1"/>
+          </a:fontRef>
+        </p:style>
+        <p:txBody>
+          <a:bodyPr rot="0" spcFirstLastPara="0" vertOverflow="overflow" horzOverflow="overflow" vert="horz" wrap="square" lIns="36000" tIns="72000" rIns="0" bIns="0" numCol="1" spcCol="0" rtlCol="0" fromWordArt="0" anchor="ctr" anchorCtr="0" forceAA="0" compatLnSpc="1">
+            <a:prstTxWarp prst="textNoShape">
+              <a:avLst/>
+            </a:prstTxWarp>
+            <a:noAutofit/>
+          </a:bodyPr>
+          <a:lstStyle/>
+          <a:p>
+            <a:pPr defTabSz="932472" fontAlgn="base">
+              <a:lnSpc>
+                <a:spcPct val="90000"/>
+              </a:lnSpc>
+              <a:spcBef>
+                <a:spcPct val="0"/>
+              </a:spcBef>
+              <a:spcAft>
+                <a:spcPct val="0"/>
+              </a:spcAft>
+            </a:pPr>
+            <a:r>
+              <a:rPr lang="en-CA" sz="900" b="1" dirty="0">
+                <a:solidFill>
+                  <a:srgbClr val="0070C0"/>
+                </a:solidFill>
+                <a:ea typeface="Segoe UI" pitchFamily="34" charset="0"/>
+                <a:cs typeface="Segoe UI" pitchFamily="34" charset="0"/>
+              </a:rPr>
+              <a:t>Traffic management</a:t>
+            </a:r>
+          </a:p>
+          <a:p>
+            <a:pPr marL="360363" lvl="1" indent="-184150" defTabSz="932472" fontAlgn="base">
+              <a:lnSpc>
+                <a:spcPct val="90000"/>
+              </a:lnSpc>
+              <a:spcBef>
+                <a:spcPct val="0"/>
+              </a:spcBef>
+              <a:spcAft>
+                <a:spcPct val="0"/>
+              </a:spcAft>
+              <a:buFont typeface="Arial" panose="020B0604020202020204" pitchFamily="34" charset="0"/>
+              <a:buChar char="•"/>
+            </a:pPr>
+            <a:r>
+              <a:rPr lang="en-CA" sz="800" dirty="0">
+                <a:solidFill>
+                  <a:srgbClr val="0070C0"/>
+                </a:solidFill>
+                <a:cs typeface="Segoe UI" pitchFamily="34" charset="0"/>
+              </a:rPr>
+              <a:t>DNS level</a:t>
+            </a:r>
+          </a:p>
+          <a:p>
+            <a:pPr marL="360363" lvl="1" indent="-184150" defTabSz="932472" fontAlgn="base">
+              <a:lnSpc>
+                <a:spcPct val="90000"/>
+              </a:lnSpc>
+              <a:spcBef>
+                <a:spcPct val="0"/>
+              </a:spcBef>
+              <a:spcAft>
+                <a:spcPct val="0"/>
+              </a:spcAft>
+              <a:buFont typeface="Arial" panose="020B0604020202020204" pitchFamily="34" charset="0"/>
+              <a:buChar char="•"/>
+            </a:pPr>
+            <a:r>
+              <a:rPr lang="en-CA" sz="800" dirty="0">
+                <a:solidFill>
+                  <a:srgbClr val="0070C0"/>
+                </a:solidFill>
+                <a:cs typeface="Segoe UI" pitchFamily="34" charset="0"/>
+              </a:rPr>
+              <a:t>Any protocol </a:t>
+            </a:r>
+          </a:p>
+          <a:p>
+            <a:pPr marL="360363" lvl="1" indent="-184150" defTabSz="932472" fontAlgn="base">
+              <a:lnSpc>
+                <a:spcPct val="90000"/>
+              </a:lnSpc>
+              <a:spcBef>
+                <a:spcPct val="0"/>
+              </a:spcBef>
+              <a:spcAft>
+                <a:spcPct val="0"/>
+              </a:spcAft>
+              <a:buFont typeface="Arial" panose="020B0604020202020204" pitchFamily="34" charset="0"/>
+              <a:buChar char="•"/>
+            </a:pPr>
+            <a:r>
+              <a:rPr lang="en-CA" sz="800" dirty="0">
+                <a:solidFill>
+                  <a:srgbClr val="0070C0"/>
+                </a:solidFill>
+                <a:cs typeface="Segoe UI" pitchFamily="34" charset="0"/>
+              </a:rPr>
+              <a:t>VMs, Cloud Service, </a:t>
+            </a:r>
+            <a:r>
+              <a:rPr lang="en-CA" sz="800" dirty="0" err="1">
+                <a:solidFill>
+                  <a:srgbClr val="0070C0"/>
+                </a:solidFill>
+                <a:cs typeface="Segoe UI" pitchFamily="34" charset="0"/>
+              </a:rPr>
+              <a:t>Wep</a:t>
+            </a:r>
+            <a:r>
+              <a:rPr lang="en-CA" sz="800" dirty="0">
+                <a:solidFill>
+                  <a:srgbClr val="0070C0"/>
+                </a:solidFill>
+                <a:cs typeface="Segoe UI" pitchFamily="34" charset="0"/>
+              </a:rPr>
+              <a:t> Apps, and external endpoints</a:t>
+            </a:r>
+          </a:p>
+          <a:p>
+            <a:pPr marL="360363" lvl="1" indent="-184150" defTabSz="932472" fontAlgn="base">
+              <a:lnSpc>
+                <a:spcPct val="90000"/>
+              </a:lnSpc>
+              <a:spcBef>
+                <a:spcPct val="0"/>
+              </a:spcBef>
+              <a:spcAft>
+                <a:spcPct val="0"/>
+              </a:spcAft>
+              <a:buFont typeface="Arial" panose="020B0604020202020204" pitchFamily="34" charset="0"/>
+              <a:buChar char="•"/>
+            </a:pPr>
+            <a:r>
+              <a:rPr lang="en-CA" sz="800" dirty="0" err="1">
+                <a:solidFill>
+                  <a:srgbClr val="0070C0"/>
+                </a:solidFill>
+                <a:cs typeface="Segoe UI" pitchFamily="34" charset="0"/>
+              </a:rPr>
+              <a:t>VNet</a:t>
+            </a:r>
+            <a:r>
+              <a:rPr lang="en-CA" sz="800" dirty="0">
+                <a:solidFill>
+                  <a:srgbClr val="0070C0"/>
+                </a:solidFill>
+                <a:cs typeface="Segoe UI" pitchFamily="34" charset="0"/>
+              </a:rPr>
+              <a:t>: Internet facing</a:t>
+            </a:r>
+          </a:p>
+          <a:p>
+            <a:pPr marL="360363" lvl="1" indent="-184150" defTabSz="932472" fontAlgn="base">
+              <a:lnSpc>
+                <a:spcPct val="90000"/>
+              </a:lnSpc>
+              <a:spcBef>
+                <a:spcPct val="0"/>
+              </a:spcBef>
+              <a:spcAft>
+                <a:spcPct val="0"/>
+              </a:spcAft>
+              <a:buFont typeface="Arial" panose="020B0604020202020204" pitchFamily="34" charset="0"/>
+              <a:buChar char="•"/>
+            </a:pPr>
+            <a:r>
+              <a:rPr lang="en-CA" sz="800" dirty="0">
+                <a:solidFill>
+                  <a:srgbClr val="0070C0"/>
+                </a:solidFill>
+                <a:cs typeface="Segoe UI" pitchFamily="34" charset="0"/>
+              </a:rPr>
+              <a:t>Endpoint monitoring: HTTP/HTTPS GET</a:t>
+            </a:r>
+          </a:p>
+          <a:p>
+            <a:pPr marL="360363" lvl="1" indent="-184150" defTabSz="932472" fontAlgn="base">
+              <a:lnSpc>
+                <a:spcPct val="90000"/>
+              </a:lnSpc>
+              <a:spcBef>
+                <a:spcPct val="0"/>
+              </a:spcBef>
+              <a:spcAft>
+                <a:spcPct val="0"/>
+              </a:spcAft>
+              <a:buFont typeface="Arial" panose="020B0604020202020204" pitchFamily="34" charset="0"/>
+              <a:buChar char="•"/>
+            </a:pPr>
+            <a:endParaRPr lang="en-CA" sz="800" dirty="0">
+              <a:solidFill>
+                <a:srgbClr val="0070C0"/>
+              </a:solidFill>
+              <a:cs typeface="Segoe UI" pitchFamily="34" charset="0"/>
+            </a:endParaRPr>
+          </a:p>
+          <a:p>
+            <a:pPr defTabSz="932472" fontAlgn="base">
+              <a:lnSpc>
+                <a:spcPct val="90000"/>
+              </a:lnSpc>
+              <a:spcBef>
+                <a:spcPct val="0"/>
+              </a:spcBef>
+              <a:spcAft>
+                <a:spcPct val="0"/>
+              </a:spcAft>
+            </a:pPr>
+            <a:r>
+              <a:rPr lang="en-CA" sz="900" b="1" dirty="0">
+                <a:solidFill>
+                  <a:srgbClr val="0070C0"/>
+                </a:solidFill>
+                <a:ea typeface="Segoe UI" pitchFamily="34" charset="0"/>
+                <a:cs typeface="Segoe UI" pitchFamily="34" charset="0"/>
+              </a:rPr>
+              <a:t>Load balancing</a:t>
+            </a:r>
+          </a:p>
+          <a:p>
+            <a:pPr marL="360363" lvl="1" indent="-184150" defTabSz="932472" fontAlgn="base">
+              <a:lnSpc>
+                <a:spcPct val="90000"/>
+              </a:lnSpc>
+              <a:spcBef>
+                <a:spcPct val="0"/>
+              </a:spcBef>
+              <a:spcAft>
+                <a:spcPct val="0"/>
+              </a:spcAft>
+              <a:buFont typeface="Arial" panose="020B0604020202020204" pitchFamily="34" charset="0"/>
+              <a:buChar char="•"/>
+            </a:pPr>
+            <a:r>
+              <a:rPr lang="en-CA" sz="800" dirty="0">
+                <a:solidFill>
+                  <a:srgbClr val="0070C0"/>
+                </a:solidFill>
+                <a:cs typeface="Segoe UI" pitchFamily="34" charset="0"/>
+              </a:rPr>
+              <a:t>Use with load balancer for high-avail and high-per</a:t>
+            </a:r>
+          </a:p>
+        </p:txBody>
+      </p:sp>
+      <p:sp>
+        <p:nvSpPr>
+          <p:cNvPr id="51" name="Rectangle: Rounded Corners 50">
+            <a:extLst>
+              <a:ext uri="{FF2B5EF4-FFF2-40B4-BE49-F238E27FC236}">
+                <a16:creationId xmlns:a16="http://schemas.microsoft.com/office/drawing/2014/main" id="{F93C3512-97AF-44C9-B44C-4023D1AE4482}"/>
+              </a:ext>
+            </a:extLst>
+          </p:cNvPr>
+          <p:cNvSpPr/>
+          <p:nvPr/>
+        </p:nvSpPr>
+        <p:spPr bwMode="auto">
+          <a:xfrm>
+            <a:off x="1409999" y="5928498"/>
+            <a:ext cx="2986571" cy="419904"/>
+          </a:xfrm>
+          <a:prstGeom prst="roundRect">
+            <a:avLst/>
+          </a:prstGeom>
+          <a:solidFill>
+            <a:srgbClr val="0070C0"/>
+          </a:solidFill>
+          <a:ln>
+            <a:solidFill>
+              <a:srgbClr val="0070C0"/>
+            </a:solidFill>
+            <a:headEnd type="none" w="med" len="med"/>
+            <a:tailEnd type="none" w="med" len="med"/>
+          </a:ln>
+          <a:effectLst/>
+        </p:spPr>
+        <p:style>
+          <a:lnRef idx="1">
+            <a:schemeClr val="accent2"/>
+          </a:lnRef>
+          <a:fillRef idx="3">
+            <a:schemeClr val="accent2"/>
+          </a:fillRef>
+          <a:effectRef idx="2">
+            <a:schemeClr val="accent2"/>
+          </a:effectRef>
+          <a:fontRef idx="minor">
+            <a:schemeClr val="lt1"/>
+          </a:fontRef>
+        </p:style>
+        <p:txBody>
+          <a:bodyPr rot="0" spcFirstLastPara="0" vertOverflow="overflow" horzOverflow="overflow" vert="horz" wrap="square" lIns="0" tIns="0" rIns="0" bIns="0" numCol="1" spcCol="0" rtlCol="0" fromWordArt="0" anchor="ctr" anchorCtr="0" forceAA="0" compatLnSpc="1">
+            <a:prstTxWarp prst="textNoShape">
+              <a:avLst/>
+            </a:prstTxWarp>
+            <a:noAutofit/>
+          </a:bodyPr>
+          <a:lstStyle/>
+          <a:p>
+            <a:pPr algn="ctr" defTabSz="932472" fontAlgn="base">
+              <a:lnSpc>
+                <a:spcPct val="90000"/>
+              </a:lnSpc>
+              <a:spcBef>
+                <a:spcPct val="0"/>
+              </a:spcBef>
+              <a:spcAft>
+                <a:spcPct val="0"/>
+              </a:spcAft>
+            </a:pPr>
+            <a:r>
+              <a:rPr lang="en-CA" sz="1600" dirty="0">
+                <a:gradFill>
+                  <a:gsLst>
+                    <a:gs pos="0">
+                      <a:srgbClr val="FFFFFF"/>
+                    </a:gs>
+                    <a:gs pos="100000">
+                      <a:srgbClr val="FFFFFF"/>
+                    </a:gs>
+                  </a:gsLst>
+                  <a:lin ang="5400000" scaled="0"/>
+                </a:gradFill>
+                <a:ea typeface="Segoe UI" pitchFamily="34" charset="0"/>
+                <a:cs typeface="Segoe UI" pitchFamily="34" charset="0"/>
+              </a:rPr>
+              <a:t>Application Gateway</a:t>
+            </a:r>
+          </a:p>
+        </p:txBody>
+      </p:sp>
+      <p:sp>
+        <p:nvSpPr>
+          <p:cNvPr id="52" name="Rectangle 51">
+            <a:extLst>
+              <a:ext uri="{FF2B5EF4-FFF2-40B4-BE49-F238E27FC236}">
+                <a16:creationId xmlns:a16="http://schemas.microsoft.com/office/drawing/2014/main" id="{083EF77E-F13F-49CD-B2AC-E1FD7A63E6F4}"/>
+              </a:ext>
+            </a:extLst>
+          </p:cNvPr>
+          <p:cNvSpPr/>
+          <p:nvPr/>
+        </p:nvSpPr>
+        <p:spPr bwMode="auto">
+          <a:xfrm>
+            <a:off x="1410000" y="6285097"/>
+            <a:ext cx="2986570" cy="1282127"/>
+          </a:xfrm>
+          <a:prstGeom prst="rect">
+            <a:avLst/>
+          </a:prstGeom>
+          <a:solidFill>
+            <a:schemeClr val="tx1"/>
+          </a:solidFill>
+          <a:ln>
+            <a:solidFill>
+              <a:srgbClr val="0070C0"/>
+            </a:solidFill>
+            <a:headEnd type="none" w="med" len="med"/>
+            <a:tailEnd type="none" w="med" len="med"/>
+          </a:ln>
+          <a:effectLst/>
+        </p:spPr>
+        <p:style>
+          <a:lnRef idx="1">
+            <a:schemeClr val="accent2"/>
+          </a:lnRef>
+          <a:fillRef idx="3">
+            <a:schemeClr val="accent2"/>
+          </a:fillRef>
+          <a:effectRef idx="2">
+            <a:schemeClr val="accent2"/>
+          </a:effectRef>
+          <a:fontRef idx="minor">
+            <a:schemeClr val="lt1"/>
+          </a:fontRef>
+        </p:style>
+        <p:txBody>
+          <a:bodyPr rot="0" spcFirstLastPara="0" vertOverflow="overflow" horzOverflow="overflow" vert="horz" wrap="square" lIns="36000" tIns="72000" rIns="0" bIns="0" numCol="1" spcCol="0" rtlCol="0" fromWordArt="0" anchor="ctr" anchorCtr="0" forceAA="0" compatLnSpc="1">
+            <a:prstTxWarp prst="textNoShape">
+              <a:avLst/>
+            </a:prstTxWarp>
+            <a:noAutofit/>
+          </a:bodyPr>
+          <a:lstStyle/>
+          <a:p>
+            <a:pPr defTabSz="932472" fontAlgn="base">
+              <a:lnSpc>
+                <a:spcPct val="90000"/>
+              </a:lnSpc>
+              <a:spcBef>
+                <a:spcPct val="0"/>
+              </a:spcBef>
+              <a:spcAft>
+                <a:spcPct val="0"/>
+              </a:spcAft>
+            </a:pPr>
+            <a:r>
+              <a:rPr lang="en-CA" sz="900" b="1" dirty="0">
+                <a:solidFill>
+                  <a:srgbClr val="0070C0"/>
+                </a:solidFill>
+                <a:ea typeface="Segoe UI" pitchFamily="34" charset="0"/>
+                <a:cs typeface="Segoe UI" pitchFamily="34" charset="0"/>
+              </a:rPr>
+              <a:t>Gateway</a:t>
+            </a:r>
+          </a:p>
+          <a:p>
+            <a:pPr marL="360363" lvl="1" indent="-184150" defTabSz="932472" fontAlgn="base">
+              <a:lnSpc>
+                <a:spcPct val="90000"/>
+              </a:lnSpc>
+              <a:spcBef>
+                <a:spcPct val="0"/>
+              </a:spcBef>
+              <a:spcAft>
+                <a:spcPct val="0"/>
+              </a:spcAft>
+              <a:buFont typeface="Arial" panose="020B0604020202020204" pitchFamily="34" charset="0"/>
+              <a:buChar char="•"/>
+            </a:pPr>
+            <a:r>
+              <a:rPr lang="en-CA" sz="800" dirty="0">
+                <a:solidFill>
+                  <a:srgbClr val="0070C0"/>
+                </a:solidFill>
+                <a:cs typeface="Segoe UI" pitchFamily="34" charset="0"/>
+              </a:rPr>
+              <a:t>DNS level</a:t>
+            </a:r>
+          </a:p>
+          <a:p>
+            <a:pPr marL="360363" lvl="1" indent="-184150" defTabSz="932472" fontAlgn="base">
+              <a:lnSpc>
+                <a:spcPct val="90000"/>
+              </a:lnSpc>
+              <a:spcBef>
+                <a:spcPct val="0"/>
+              </a:spcBef>
+              <a:spcAft>
+                <a:spcPct val="0"/>
+              </a:spcAft>
+              <a:buFont typeface="Arial" panose="020B0604020202020204" pitchFamily="34" charset="0"/>
+              <a:buChar char="•"/>
+            </a:pPr>
+            <a:r>
+              <a:rPr lang="en-CA" sz="800" dirty="0">
+                <a:solidFill>
+                  <a:srgbClr val="0070C0"/>
+                </a:solidFill>
+                <a:cs typeface="Segoe UI" pitchFamily="34" charset="0"/>
+              </a:rPr>
+              <a:t>Application level 7</a:t>
+            </a:r>
+          </a:p>
+          <a:p>
+            <a:pPr marL="360363" lvl="1" indent="-184150" defTabSz="932472" fontAlgn="base">
+              <a:lnSpc>
+                <a:spcPct val="90000"/>
+              </a:lnSpc>
+              <a:spcBef>
+                <a:spcPct val="0"/>
+              </a:spcBef>
+              <a:spcAft>
+                <a:spcPct val="0"/>
+              </a:spcAft>
+              <a:buFont typeface="Arial" panose="020B0604020202020204" pitchFamily="34" charset="0"/>
+              <a:buChar char="•"/>
+            </a:pPr>
+            <a:r>
+              <a:rPr lang="en-CA" sz="800" dirty="0">
+                <a:solidFill>
+                  <a:srgbClr val="0070C0"/>
+                </a:solidFill>
+                <a:cs typeface="Segoe UI" pitchFamily="34" charset="0"/>
+              </a:rPr>
+              <a:t>HTTP and HTTPS</a:t>
+            </a:r>
+          </a:p>
+          <a:p>
+            <a:pPr marL="360363" lvl="1" indent="-184150" defTabSz="932472" fontAlgn="base">
+              <a:lnSpc>
+                <a:spcPct val="90000"/>
+              </a:lnSpc>
+              <a:spcBef>
+                <a:spcPct val="0"/>
+              </a:spcBef>
+              <a:spcAft>
+                <a:spcPct val="0"/>
+              </a:spcAft>
+              <a:buFont typeface="Arial" panose="020B0604020202020204" pitchFamily="34" charset="0"/>
+              <a:buChar char="•"/>
+            </a:pPr>
+            <a:r>
+              <a:rPr lang="en-CA" sz="800" dirty="0" err="1">
+                <a:solidFill>
+                  <a:srgbClr val="0070C0"/>
+                </a:solidFill>
+                <a:cs typeface="Segoe UI" pitchFamily="34" charset="0"/>
+              </a:rPr>
+              <a:t>VNet</a:t>
+            </a:r>
+            <a:r>
+              <a:rPr lang="en-CA" sz="800" dirty="0">
+                <a:solidFill>
+                  <a:srgbClr val="0070C0"/>
+                </a:solidFill>
+                <a:cs typeface="Segoe UI" pitchFamily="34" charset="0"/>
+              </a:rPr>
+              <a:t>: Any public or internal IP address</a:t>
+            </a:r>
+          </a:p>
+          <a:p>
+            <a:pPr marL="360363" lvl="1" indent="-184150" defTabSz="932472" fontAlgn="base">
+              <a:lnSpc>
+                <a:spcPct val="90000"/>
+              </a:lnSpc>
+              <a:spcBef>
+                <a:spcPct val="0"/>
+              </a:spcBef>
+              <a:spcAft>
+                <a:spcPct val="0"/>
+              </a:spcAft>
+              <a:buFont typeface="Arial" panose="020B0604020202020204" pitchFamily="34" charset="0"/>
+              <a:buChar char="•"/>
+            </a:pPr>
+            <a:r>
+              <a:rPr lang="en-CA" sz="800" dirty="0">
+                <a:solidFill>
+                  <a:srgbClr val="0070C0"/>
+                </a:solidFill>
+                <a:cs typeface="Segoe UI" pitchFamily="34" charset="0"/>
+              </a:rPr>
+              <a:t>Endpoint monitoring: Supported via probes</a:t>
+            </a:r>
+          </a:p>
+          <a:p>
+            <a:pPr defTabSz="932472" fontAlgn="base">
+              <a:lnSpc>
+                <a:spcPct val="90000"/>
+              </a:lnSpc>
+              <a:spcBef>
+                <a:spcPct val="0"/>
+              </a:spcBef>
+              <a:spcAft>
+                <a:spcPct val="0"/>
+              </a:spcAft>
+            </a:pPr>
+            <a:r>
+              <a:rPr lang="en-CA" sz="900" b="1" dirty="0">
+                <a:solidFill>
+                  <a:srgbClr val="0070C0"/>
+                </a:solidFill>
+                <a:ea typeface="Segoe UI" pitchFamily="34" charset="0"/>
+                <a:cs typeface="Segoe UI" pitchFamily="34" charset="0"/>
+              </a:rPr>
+              <a:t>SSL</a:t>
+            </a:r>
+          </a:p>
+          <a:p>
+            <a:pPr marL="360363" lvl="1" indent="-184150" defTabSz="932472" fontAlgn="base">
+              <a:lnSpc>
+                <a:spcPct val="90000"/>
+              </a:lnSpc>
+              <a:spcBef>
+                <a:spcPct val="0"/>
+              </a:spcBef>
+              <a:spcAft>
+                <a:spcPct val="0"/>
+              </a:spcAft>
+              <a:buFont typeface="Arial" panose="020B0604020202020204" pitchFamily="34" charset="0"/>
+              <a:buChar char="•"/>
+            </a:pPr>
+            <a:r>
+              <a:rPr lang="en-CA" sz="800" dirty="0">
+                <a:solidFill>
+                  <a:srgbClr val="0070C0"/>
+                </a:solidFill>
+                <a:ea typeface="Segoe UI" pitchFamily="34" charset="0"/>
+                <a:cs typeface="Segoe UI" pitchFamily="34" charset="0"/>
+              </a:rPr>
+              <a:t>SSL off loading to avoid costly decryption</a:t>
+            </a:r>
+          </a:p>
+          <a:p>
+            <a:pPr defTabSz="932472" fontAlgn="base">
+              <a:lnSpc>
+                <a:spcPct val="90000"/>
+              </a:lnSpc>
+              <a:spcBef>
+                <a:spcPct val="0"/>
+              </a:spcBef>
+              <a:spcAft>
+                <a:spcPct val="0"/>
+              </a:spcAft>
+            </a:pPr>
+            <a:r>
+              <a:rPr lang="en-CA" sz="900" b="1" dirty="0">
+                <a:solidFill>
+                  <a:srgbClr val="0070C0"/>
+                </a:solidFill>
+                <a:ea typeface="Segoe UI" pitchFamily="34" charset="0"/>
+                <a:cs typeface="Segoe UI" pitchFamily="34" charset="0"/>
+              </a:rPr>
+              <a:t>Firewall</a:t>
+            </a:r>
+          </a:p>
+          <a:p>
+            <a:pPr marL="360363" lvl="1" indent="-184150" defTabSz="932472" fontAlgn="base">
+              <a:lnSpc>
+                <a:spcPct val="90000"/>
+              </a:lnSpc>
+              <a:spcBef>
+                <a:spcPct val="0"/>
+              </a:spcBef>
+              <a:spcAft>
+                <a:spcPct val="0"/>
+              </a:spcAft>
+              <a:buFont typeface="Arial" panose="020B0604020202020204" pitchFamily="34" charset="0"/>
+              <a:buChar char="•"/>
+            </a:pPr>
+            <a:r>
+              <a:rPr lang="en-CA" sz="800" dirty="0">
+                <a:solidFill>
+                  <a:srgbClr val="0070C0"/>
+                </a:solidFill>
+                <a:ea typeface="Segoe UI" pitchFamily="34" charset="0"/>
+                <a:cs typeface="Segoe UI" pitchFamily="34" charset="0"/>
+              </a:rPr>
+              <a:t>Web Application Firewall (WAF)</a:t>
+            </a:r>
+          </a:p>
+        </p:txBody>
+      </p:sp>
+      <p:sp>
+        <p:nvSpPr>
+          <p:cNvPr id="53" name="TextBox 52">
+            <a:extLst>
+              <a:ext uri="{FF2B5EF4-FFF2-40B4-BE49-F238E27FC236}">
+                <a16:creationId xmlns:a16="http://schemas.microsoft.com/office/drawing/2014/main" id="{FADAEB95-9FF2-40DC-ACC2-3211093DFC25}"/>
+              </a:ext>
+            </a:extLst>
+          </p:cNvPr>
+          <p:cNvSpPr txBox="1"/>
+          <p:nvPr/>
+        </p:nvSpPr>
+        <p:spPr>
+          <a:xfrm>
+            <a:off x="1409999" y="8327586"/>
+            <a:ext cx="184731" cy="623119"/>
+          </a:xfrm>
+          <a:prstGeom prst="rect">
+            <a:avLst/>
+          </a:prstGeom>
+          <a:noFill/>
+        </p:spPr>
+        <p:txBody>
+          <a:bodyPr wrap="none" rtlCol="0">
+            <a:spAutoFit/>
+          </a:bodyPr>
+          <a:lstStyle/>
+          <a:p>
+            <a:endParaRPr lang="en-CA" dirty="0">
+              <a:solidFill>
+                <a:prstClr val="black"/>
+              </a:solidFill>
+              <a:latin typeface="Calibri" panose="020F0502020204030204"/>
+            </a:endParaRPr>
+          </a:p>
+        </p:txBody>
+      </p:sp>
+      <p:sp>
+        <p:nvSpPr>
+          <p:cNvPr id="54" name="Rectangle: Rounded Corners 53">
+            <a:extLst>
+              <a:ext uri="{FF2B5EF4-FFF2-40B4-BE49-F238E27FC236}">
+                <a16:creationId xmlns:a16="http://schemas.microsoft.com/office/drawing/2014/main" id="{7CB7F36E-C8BC-417A-865B-B358D6B361AF}"/>
+              </a:ext>
+            </a:extLst>
+          </p:cNvPr>
+          <p:cNvSpPr/>
+          <p:nvPr/>
+        </p:nvSpPr>
+        <p:spPr bwMode="auto">
+          <a:xfrm>
+            <a:off x="4517948" y="7163253"/>
+            <a:ext cx="2986571" cy="419904"/>
+          </a:xfrm>
+          <a:prstGeom prst="roundRect">
+            <a:avLst/>
+          </a:prstGeom>
+          <a:solidFill>
+            <a:srgbClr val="0070C0"/>
+          </a:solidFill>
+          <a:ln>
+            <a:solidFill>
+              <a:srgbClr val="0070C0"/>
+            </a:solidFill>
+            <a:headEnd type="none" w="med" len="med"/>
+            <a:tailEnd type="none" w="med" len="med"/>
+          </a:ln>
+          <a:effectLst/>
+        </p:spPr>
+        <p:style>
+          <a:lnRef idx="1">
+            <a:schemeClr val="accent2"/>
+          </a:lnRef>
+          <a:fillRef idx="3">
+            <a:schemeClr val="accent2"/>
+          </a:fillRef>
+          <a:effectRef idx="2">
+            <a:schemeClr val="accent2"/>
+          </a:effectRef>
+          <a:fontRef idx="minor">
+            <a:schemeClr val="lt1"/>
+          </a:fontRef>
+        </p:style>
+        <p:txBody>
+          <a:bodyPr rot="0" spcFirstLastPara="0" vertOverflow="overflow" horzOverflow="overflow" vert="horz" wrap="square" lIns="0" tIns="0" rIns="0" bIns="0" numCol="1" spcCol="0" rtlCol="0" fromWordArt="0" anchor="ctr" anchorCtr="0" forceAA="0" compatLnSpc="1">
+            <a:prstTxWarp prst="textNoShape">
+              <a:avLst/>
+            </a:prstTxWarp>
+            <a:noAutofit/>
+          </a:bodyPr>
+          <a:lstStyle/>
+          <a:p>
+            <a:pPr algn="ctr" defTabSz="932472" fontAlgn="base">
+              <a:lnSpc>
+                <a:spcPct val="90000"/>
+              </a:lnSpc>
+              <a:spcBef>
+                <a:spcPct val="0"/>
+              </a:spcBef>
+              <a:spcAft>
+                <a:spcPct val="0"/>
+              </a:spcAft>
+            </a:pPr>
+            <a:r>
+              <a:rPr lang="en-CA" sz="1600" dirty="0">
+                <a:gradFill>
+                  <a:gsLst>
+                    <a:gs pos="0">
+                      <a:srgbClr val="FFFFFF"/>
+                    </a:gs>
+                    <a:gs pos="100000">
+                      <a:srgbClr val="FFFFFF"/>
+                    </a:gs>
+                  </a:gsLst>
+                  <a:lin ang="5400000" scaled="0"/>
+                </a:gradFill>
+                <a:ea typeface="Segoe UI" pitchFamily="34" charset="0"/>
+                <a:cs typeface="Segoe UI" pitchFamily="34" charset="0"/>
+              </a:rPr>
+              <a:t>External Connectivity</a:t>
+            </a:r>
+          </a:p>
+        </p:txBody>
+      </p:sp>
+      <p:sp>
+        <p:nvSpPr>
+          <p:cNvPr id="55" name="Rectangle 54">
+            <a:extLst>
+              <a:ext uri="{FF2B5EF4-FFF2-40B4-BE49-F238E27FC236}">
+                <a16:creationId xmlns:a16="http://schemas.microsoft.com/office/drawing/2014/main" id="{2B8A65B9-F2C5-4A48-A46B-E252579BC700}"/>
+              </a:ext>
+            </a:extLst>
+          </p:cNvPr>
+          <p:cNvSpPr/>
+          <p:nvPr/>
+        </p:nvSpPr>
+        <p:spPr bwMode="auto">
+          <a:xfrm>
+            <a:off x="4517949" y="7519851"/>
+            <a:ext cx="2986570" cy="2233750"/>
+          </a:xfrm>
+          <a:prstGeom prst="rect">
+            <a:avLst/>
+          </a:prstGeom>
+          <a:solidFill>
+            <a:schemeClr val="tx1"/>
+          </a:solidFill>
+          <a:ln>
+            <a:solidFill>
+              <a:srgbClr val="0070C0"/>
+            </a:solidFill>
+            <a:headEnd type="none" w="med" len="med"/>
+            <a:tailEnd type="none" w="med" len="med"/>
+          </a:ln>
+          <a:effectLst/>
+        </p:spPr>
+        <p:style>
+          <a:lnRef idx="1">
+            <a:schemeClr val="accent2"/>
+          </a:lnRef>
+          <a:fillRef idx="3">
+            <a:schemeClr val="accent2"/>
+          </a:fillRef>
+          <a:effectRef idx="2">
+            <a:schemeClr val="accent2"/>
+          </a:effectRef>
+          <a:fontRef idx="minor">
+            <a:schemeClr val="lt1"/>
+          </a:fontRef>
+        </p:style>
+        <p:txBody>
+          <a:bodyPr rot="0" spcFirstLastPara="0" vertOverflow="overflow" horzOverflow="overflow" vert="horz" wrap="square" lIns="36000" tIns="72000" rIns="0" bIns="0" numCol="1" spcCol="0" rtlCol="0" fromWordArt="0" anchor="ctr" anchorCtr="0" forceAA="0" compatLnSpc="1">
+            <a:prstTxWarp prst="textNoShape">
+              <a:avLst/>
+            </a:prstTxWarp>
+            <a:noAutofit/>
+          </a:bodyPr>
+          <a:lstStyle/>
+          <a:p>
+            <a:pPr defTabSz="932472" fontAlgn="base">
+              <a:lnSpc>
+                <a:spcPct val="90000"/>
+              </a:lnSpc>
+              <a:spcBef>
+                <a:spcPct val="0"/>
+              </a:spcBef>
+              <a:spcAft>
+                <a:spcPct val="0"/>
+              </a:spcAft>
+            </a:pPr>
+            <a:r>
+              <a:rPr lang="en-CA" sz="900" b="1" dirty="0">
+                <a:solidFill>
+                  <a:srgbClr val="0070C0"/>
+                </a:solidFill>
+                <a:ea typeface="Segoe UI" pitchFamily="34" charset="0"/>
+                <a:cs typeface="Segoe UI" pitchFamily="34" charset="0"/>
+              </a:rPr>
+              <a:t>Azure VPN</a:t>
+            </a:r>
+          </a:p>
+          <a:p>
+            <a:pPr marL="360363" lvl="1" indent="-184150" defTabSz="932472" fontAlgn="base">
+              <a:lnSpc>
+                <a:spcPct val="90000"/>
+              </a:lnSpc>
+              <a:spcBef>
+                <a:spcPct val="0"/>
+              </a:spcBef>
+              <a:spcAft>
+                <a:spcPct val="0"/>
+              </a:spcAft>
+              <a:buFont typeface="Arial" panose="020B0604020202020204" pitchFamily="34" charset="0"/>
+              <a:buChar char="•"/>
+            </a:pPr>
+            <a:r>
+              <a:rPr lang="en-CA" sz="800" dirty="0">
+                <a:solidFill>
+                  <a:srgbClr val="0070C0"/>
+                </a:solidFill>
+                <a:cs typeface="Segoe UI" pitchFamily="34" charset="0"/>
+              </a:rPr>
+              <a:t>Basic – max 10 site-site, 128 point-site, avg 100Mbps</a:t>
+            </a:r>
+          </a:p>
+          <a:p>
+            <a:pPr marL="360363" lvl="1" indent="-184150" defTabSz="932472" fontAlgn="base">
+              <a:lnSpc>
+                <a:spcPct val="90000"/>
+              </a:lnSpc>
+              <a:spcBef>
+                <a:spcPct val="0"/>
+              </a:spcBef>
+              <a:spcAft>
+                <a:spcPct val="0"/>
+              </a:spcAft>
+              <a:buFont typeface="Arial" panose="020B0604020202020204" pitchFamily="34" charset="0"/>
+              <a:buChar char="•"/>
+            </a:pPr>
+            <a:r>
+              <a:rPr lang="en-CA" sz="800" dirty="0">
+                <a:solidFill>
+                  <a:srgbClr val="0070C0"/>
+                </a:solidFill>
+                <a:cs typeface="Segoe UI" pitchFamily="34" charset="0"/>
+              </a:rPr>
+              <a:t>VpnGw1 – max 30 site-site, 128 point-site, avg 650Mbps</a:t>
+            </a:r>
+          </a:p>
+          <a:p>
+            <a:pPr marL="360363" lvl="1" indent="-184150" defTabSz="932472" fontAlgn="base">
+              <a:lnSpc>
+                <a:spcPct val="90000"/>
+              </a:lnSpc>
+              <a:spcBef>
+                <a:spcPct val="0"/>
+              </a:spcBef>
+              <a:spcAft>
+                <a:spcPct val="0"/>
+              </a:spcAft>
+              <a:buFont typeface="Arial" panose="020B0604020202020204" pitchFamily="34" charset="0"/>
+              <a:buChar char="•"/>
+            </a:pPr>
+            <a:r>
+              <a:rPr lang="en-CA" sz="800" dirty="0">
+                <a:solidFill>
+                  <a:srgbClr val="0070C0"/>
+                </a:solidFill>
+                <a:cs typeface="Segoe UI" pitchFamily="34" charset="0"/>
+              </a:rPr>
+              <a:t>VpnGw2 – max 30 site-site, 128 point-site, avg 1Gbps</a:t>
+            </a:r>
+          </a:p>
+          <a:p>
+            <a:pPr marL="360363" lvl="1" indent="-184150" defTabSz="932472" fontAlgn="base">
+              <a:lnSpc>
+                <a:spcPct val="90000"/>
+              </a:lnSpc>
+              <a:spcBef>
+                <a:spcPct val="0"/>
+              </a:spcBef>
+              <a:spcAft>
+                <a:spcPct val="0"/>
+              </a:spcAft>
+              <a:buFont typeface="Arial" panose="020B0604020202020204" pitchFamily="34" charset="0"/>
+              <a:buChar char="•"/>
+            </a:pPr>
+            <a:r>
+              <a:rPr lang="en-CA" sz="800" dirty="0">
+                <a:solidFill>
+                  <a:srgbClr val="0070C0"/>
+                </a:solidFill>
+                <a:cs typeface="Segoe UI" pitchFamily="34" charset="0"/>
+              </a:rPr>
+              <a:t>VpnGw3 – max 30 site-site, 128 point-site, avg 1.25Gbps</a:t>
+            </a:r>
+          </a:p>
+          <a:p>
+            <a:pPr defTabSz="932472" fontAlgn="base">
+              <a:lnSpc>
+                <a:spcPct val="90000"/>
+              </a:lnSpc>
+              <a:spcBef>
+                <a:spcPct val="0"/>
+              </a:spcBef>
+              <a:spcAft>
+                <a:spcPct val="0"/>
+              </a:spcAft>
+            </a:pPr>
+            <a:r>
+              <a:rPr lang="en-CA" sz="900" b="1" dirty="0">
+                <a:solidFill>
+                  <a:srgbClr val="0070C0"/>
+                </a:solidFill>
+                <a:ea typeface="Segoe UI" pitchFamily="34" charset="0"/>
+                <a:cs typeface="Segoe UI" pitchFamily="34" charset="0"/>
+              </a:rPr>
+              <a:t>Site-to-site</a:t>
+            </a:r>
+          </a:p>
+          <a:p>
+            <a:pPr marL="360363" lvl="1" indent="-184150" defTabSz="932472" fontAlgn="base">
+              <a:lnSpc>
+                <a:spcPct val="90000"/>
+              </a:lnSpc>
+              <a:spcBef>
+                <a:spcPct val="0"/>
+              </a:spcBef>
+              <a:spcAft>
+                <a:spcPct val="0"/>
+              </a:spcAft>
+              <a:buFont typeface="Arial" panose="020B0604020202020204" pitchFamily="34" charset="0"/>
+              <a:buChar char="•"/>
+            </a:pPr>
+            <a:r>
+              <a:rPr lang="en-CA" sz="800" dirty="0">
+                <a:solidFill>
+                  <a:srgbClr val="0070C0"/>
+                </a:solidFill>
+                <a:cs typeface="Segoe UI" pitchFamily="34" charset="0"/>
+              </a:rPr>
+              <a:t>Requires Routing and Remote Access Service (RRAS)</a:t>
+            </a:r>
+          </a:p>
+          <a:p>
+            <a:pPr marL="360363" lvl="1" indent="-184150" defTabSz="932472" fontAlgn="base">
+              <a:lnSpc>
+                <a:spcPct val="90000"/>
+              </a:lnSpc>
+              <a:spcBef>
+                <a:spcPct val="0"/>
+              </a:spcBef>
+              <a:spcAft>
+                <a:spcPct val="0"/>
+              </a:spcAft>
+              <a:buFont typeface="Arial" panose="020B0604020202020204" pitchFamily="34" charset="0"/>
+              <a:buChar char="•"/>
+            </a:pPr>
+            <a:r>
+              <a:rPr lang="en-CA" sz="800" dirty="0">
+                <a:solidFill>
+                  <a:srgbClr val="0070C0"/>
+                </a:solidFill>
+                <a:cs typeface="Segoe UI" pitchFamily="34" charset="0"/>
+              </a:rPr>
+              <a:t>Internet Protocol Security (IPSec) connection</a:t>
+            </a:r>
+          </a:p>
+          <a:p>
+            <a:pPr marL="360363" lvl="1" indent="-184150" defTabSz="932472" fontAlgn="base">
+              <a:lnSpc>
+                <a:spcPct val="90000"/>
+              </a:lnSpc>
+              <a:spcBef>
+                <a:spcPct val="0"/>
+              </a:spcBef>
+              <a:spcAft>
+                <a:spcPct val="0"/>
+              </a:spcAft>
+              <a:buFont typeface="Arial" panose="020B0604020202020204" pitchFamily="34" charset="0"/>
+              <a:buChar char="•"/>
+            </a:pPr>
+            <a:r>
+              <a:rPr lang="en-CA" sz="800" dirty="0">
+                <a:solidFill>
+                  <a:srgbClr val="0070C0"/>
+                </a:solidFill>
+                <a:cs typeface="Segoe UI" pitchFamily="34" charset="0"/>
+              </a:rPr>
+              <a:t>Internet Key Exchange (IKE) management protocol</a:t>
+            </a:r>
+          </a:p>
+          <a:p>
+            <a:pPr defTabSz="932472" fontAlgn="base">
+              <a:lnSpc>
+                <a:spcPct val="90000"/>
+              </a:lnSpc>
+              <a:spcBef>
+                <a:spcPct val="0"/>
+              </a:spcBef>
+              <a:spcAft>
+                <a:spcPct val="0"/>
+              </a:spcAft>
+            </a:pPr>
+            <a:r>
+              <a:rPr lang="en-CA" sz="900" b="1" dirty="0">
+                <a:solidFill>
+                  <a:srgbClr val="0070C0"/>
+                </a:solidFill>
+                <a:ea typeface="Segoe UI" pitchFamily="34" charset="0"/>
+                <a:cs typeface="Segoe UI" pitchFamily="34" charset="0"/>
+              </a:rPr>
+              <a:t>Point-to-site</a:t>
+            </a:r>
+          </a:p>
+          <a:p>
+            <a:pPr marL="360363" lvl="1" indent="-184150" defTabSz="932472" fontAlgn="base">
+              <a:lnSpc>
+                <a:spcPct val="90000"/>
+              </a:lnSpc>
+              <a:spcBef>
+                <a:spcPct val="0"/>
+              </a:spcBef>
+              <a:spcAft>
+                <a:spcPct val="0"/>
+              </a:spcAft>
+              <a:buFont typeface="Arial" panose="020B0604020202020204" pitchFamily="34" charset="0"/>
+              <a:buChar char="•"/>
+            </a:pPr>
+            <a:r>
+              <a:rPr lang="en-CA" sz="800" dirty="0">
+                <a:solidFill>
+                  <a:srgbClr val="0070C0"/>
+                </a:solidFill>
+                <a:ea typeface="Segoe UI" pitchFamily="34" charset="0"/>
+                <a:cs typeface="Segoe UI" pitchFamily="34" charset="0"/>
+              </a:rPr>
+              <a:t>Connect IKE2 or Secure Socket Tunneling </a:t>
+            </a:r>
+            <a:r>
+              <a:rPr lang="en-CA" sz="800" dirty="0" err="1">
+                <a:solidFill>
+                  <a:srgbClr val="0070C0"/>
+                </a:solidFill>
+                <a:ea typeface="Segoe UI" pitchFamily="34" charset="0"/>
+                <a:cs typeface="Segoe UI" pitchFamily="34" charset="0"/>
+              </a:rPr>
+              <a:t>Prototol</a:t>
+            </a:r>
+            <a:r>
+              <a:rPr lang="en-CA" sz="800" dirty="0">
+                <a:solidFill>
+                  <a:srgbClr val="0070C0"/>
+                </a:solidFill>
+                <a:ea typeface="Segoe UI" pitchFamily="34" charset="0"/>
+                <a:cs typeface="Segoe UI" pitchFamily="34" charset="0"/>
+              </a:rPr>
+              <a:t> (SSTP)</a:t>
+            </a:r>
+          </a:p>
+          <a:p>
+            <a:pPr marL="360363" lvl="1" indent="-184150" defTabSz="932472" fontAlgn="base">
+              <a:lnSpc>
+                <a:spcPct val="90000"/>
+              </a:lnSpc>
+              <a:spcBef>
+                <a:spcPct val="0"/>
+              </a:spcBef>
+              <a:spcAft>
+                <a:spcPct val="0"/>
+              </a:spcAft>
+              <a:buFont typeface="Arial" panose="020B0604020202020204" pitchFamily="34" charset="0"/>
+              <a:buChar char="•"/>
+            </a:pPr>
+            <a:r>
+              <a:rPr lang="en-CA" sz="800" dirty="0">
+                <a:solidFill>
+                  <a:srgbClr val="0070C0"/>
+                </a:solidFill>
+                <a:ea typeface="Segoe UI" pitchFamily="34" charset="0"/>
+                <a:cs typeface="Segoe UI" pitchFamily="34" charset="0"/>
+              </a:rPr>
+              <a:t>No RRAS device required</a:t>
+            </a:r>
+          </a:p>
+          <a:p>
+            <a:pPr defTabSz="932472" fontAlgn="base">
+              <a:lnSpc>
+                <a:spcPct val="90000"/>
+              </a:lnSpc>
+              <a:spcBef>
+                <a:spcPct val="0"/>
+              </a:spcBef>
+              <a:spcAft>
+                <a:spcPct val="0"/>
+              </a:spcAft>
+            </a:pPr>
+            <a:r>
+              <a:rPr lang="en-CA" sz="900" b="1" dirty="0" err="1">
+                <a:solidFill>
+                  <a:srgbClr val="0070C0"/>
+                </a:solidFill>
+                <a:ea typeface="Segoe UI" pitchFamily="34" charset="0"/>
+                <a:cs typeface="Segoe UI" pitchFamily="34" charset="0"/>
+              </a:rPr>
+              <a:t>VNet</a:t>
+            </a:r>
+            <a:r>
+              <a:rPr lang="en-CA" sz="900" b="1" dirty="0">
+                <a:solidFill>
+                  <a:srgbClr val="0070C0"/>
+                </a:solidFill>
+                <a:ea typeface="Segoe UI" pitchFamily="34" charset="0"/>
+                <a:cs typeface="Segoe UI" pitchFamily="34" charset="0"/>
+              </a:rPr>
+              <a:t>-to-</a:t>
+            </a:r>
+            <a:r>
+              <a:rPr lang="en-CA" sz="900" b="1" dirty="0" err="1">
+                <a:solidFill>
+                  <a:srgbClr val="0070C0"/>
+                </a:solidFill>
+                <a:ea typeface="Segoe UI" pitchFamily="34" charset="0"/>
+                <a:cs typeface="Segoe UI" pitchFamily="34" charset="0"/>
+              </a:rPr>
+              <a:t>Vnet</a:t>
+            </a:r>
+            <a:endParaRPr lang="en-CA" sz="900" b="1" dirty="0">
+              <a:solidFill>
+                <a:srgbClr val="0070C0"/>
+              </a:solidFill>
+              <a:ea typeface="Segoe UI" pitchFamily="34" charset="0"/>
+              <a:cs typeface="Segoe UI" pitchFamily="34" charset="0"/>
+            </a:endParaRPr>
+          </a:p>
+          <a:p>
+            <a:pPr marL="360363" lvl="1" indent="-184150" defTabSz="932472" fontAlgn="base">
+              <a:lnSpc>
+                <a:spcPct val="90000"/>
+              </a:lnSpc>
+              <a:spcBef>
+                <a:spcPct val="0"/>
+              </a:spcBef>
+              <a:spcAft>
+                <a:spcPct val="0"/>
+              </a:spcAft>
+              <a:buFont typeface="Arial" panose="020B0604020202020204" pitchFamily="34" charset="0"/>
+              <a:buChar char="•"/>
+            </a:pPr>
+            <a:r>
+              <a:rPr lang="en-CA" sz="800" dirty="0">
+                <a:solidFill>
+                  <a:srgbClr val="0070C0"/>
+                </a:solidFill>
+                <a:cs typeface="Segoe UI" pitchFamily="34" charset="0"/>
+              </a:rPr>
+              <a:t>Max 10 </a:t>
+            </a:r>
+            <a:r>
+              <a:rPr lang="en-CA" sz="800" dirty="0" err="1">
+                <a:solidFill>
+                  <a:srgbClr val="0070C0"/>
+                </a:solidFill>
+                <a:cs typeface="Segoe UI" pitchFamily="34" charset="0"/>
+              </a:rPr>
+              <a:t>VNet</a:t>
+            </a:r>
+            <a:r>
+              <a:rPr lang="en-CA" sz="800" dirty="0">
+                <a:solidFill>
+                  <a:srgbClr val="0070C0"/>
+                </a:solidFill>
+                <a:cs typeface="Segoe UI" pitchFamily="34" charset="0"/>
+              </a:rPr>
+              <a:t> connections (peering) per subscription</a:t>
+            </a:r>
+          </a:p>
+          <a:p>
+            <a:pPr defTabSz="932472" fontAlgn="base">
+              <a:lnSpc>
+                <a:spcPct val="90000"/>
+              </a:lnSpc>
+              <a:spcBef>
+                <a:spcPct val="0"/>
+              </a:spcBef>
+              <a:spcAft>
+                <a:spcPct val="0"/>
+              </a:spcAft>
+            </a:pPr>
+            <a:r>
+              <a:rPr lang="en-CA" sz="900" b="1" dirty="0">
+                <a:solidFill>
+                  <a:srgbClr val="0070C0"/>
+                </a:solidFill>
+                <a:ea typeface="Segoe UI" pitchFamily="34" charset="0"/>
+                <a:cs typeface="Segoe UI" pitchFamily="34" charset="0"/>
+              </a:rPr>
+              <a:t>ExpressRoute</a:t>
+            </a:r>
+          </a:p>
+          <a:p>
+            <a:pPr marL="360363" lvl="1" indent="-184150" defTabSz="932472" fontAlgn="base">
+              <a:lnSpc>
+                <a:spcPct val="90000"/>
+              </a:lnSpc>
+              <a:spcBef>
+                <a:spcPct val="0"/>
+              </a:spcBef>
+              <a:spcAft>
+                <a:spcPct val="0"/>
+              </a:spcAft>
+              <a:buFont typeface="Arial" panose="020B0604020202020204" pitchFamily="34" charset="0"/>
+              <a:buChar char="•"/>
+            </a:pPr>
+            <a:r>
+              <a:rPr lang="en-CA" sz="800" dirty="0">
+                <a:solidFill>
+                  <a:srgbClr val="0070C0"/>
+                </a:solidFill>
+                <a:ea typeface="Segoe UI" pitchFamily="34" charset="0"/>
+                <a:cs typeface="Segoe UI" pitchFamily="34" charset="0"/>
+              </a:rPr>
+              <a:t>Any-to-Ant (IPVPN) – provider sets up secure connection</a:t>
+            </a:r>
+          </a:p>
+          <a:p>
+            <a:pPr marL="360363" lvl="1" indent="-184150" defTabSz="932472" fontAlgn="base">
+              <a:lnSpc>
+                <a:spcPct val="90000"/>
+              </a:lnSpc>
+              <a:spcBef>
+                <a:spcPct val="0"/>
+              </a:spcBef>
+              <a:spcAft>
+                <a:spcPct val="0"/>
+              </a:spcAft>
+              <a:buFont typeface="Arial" panose="020B0604020202020204" pitchFamily="34" charset="0"/>
+              <a:buChar char="•"/>
+            </a:pPr>
+            <a:r>
+              <a:rPr lang="en-CA" sz="800" dirty="0">
+                <a:solidFill>
+                  <a:srgbClr val="0070C0"/>
+                </a:solidFill>
+                <a:ea typeface="Segoe UI" pitchFamily="34" charset="0"/>
+                <a:cs typeface="Segoe UI" pitchFamily="34" charset="0"/>
+              </a:rPr>
+              <a:t>Point-to-Point Ethernet –two provider connections</a:t>
+            </a:r>
+          </a:p>
+          <a:p>
+            <a:pPr marL="360363" lvl="1" indent="-184150" defTabSz="932472" fontAlgn="base">
+              <a:lnSpc>
+                <a:spcPct val="90000"/>
+              </a:lnSpc>
+              <a:spcBef>
+                <a:spcPct val="0"/>
+              </a:spcBef>
+              <a:spcAft>
+                <a:spcPct val="0"/>
+              </a:spcAft>
+              <a:buFont typeface="Arial" panose="020B0604020202020204" pitchFamily="34" charset="0"/>
+              <a:buChar char="•"/>
+            </a:pPr>
+            <a:r>
+              <a:rPr lang="en-CA" sz="800" dirty="0">
+                <a:solidFill>
+                  <a:srgbClr val="0070C0"/>
+                </a:solidFill>
+                <a:ea typeface="Segoe UI" pitchFamily="34" charset="0"/>
+                <a:cs typeface="Segoe UI" pitchFamily="34" charset="0"/>
+              </a:rPr>
+              <a:t>Co-Located at Cloud Exchange – two cross connections</a:t>
+            </a:r>
+          </a:p>
+        </p:txBody>
+      </p:sp>
+      <p:sp>
+        <p:nvSpPr>
+          <p:cNvPr id="56" name="Rectangle: Rounded Corners 55">
+            <a:extLst>
+              <a:ext uri="{FF2B5EF4-FFF2-40B4-BE49-F238E27FC236}">
+                <a16:creationId xmlns:a16="http://schemas.microsoft.com/office/drawing/2014/main" id="{68596865-C152-46BB-B1EA-0738077A518E}"/>
+              </a:ext>
+            </a:extLst>
+          </p:cNvPr>
+          <p:cNvSpPr/>
+          <p:nvPr/>
+        </p:nvSpPr>
+        <p:spPr bwMode="auto">
+          <a:xfrm>
+            <a:off x="1409999" y="7713871"/>
+            <a:ext cx="2986571" cy="419904"/>
+          </a:xfrm>
+          <a:prstGeom prst="roundRect">
+            <a:avLst/>
+          </a:prstGeom>
+          <a:solidFill>
+            <a:srgbClr val="0070C0"/>
+          </a:solidFill>
+          <a:ln>
+            <a:solidFill>
+              <a:srgbClr val="0070C0"/>
+            </a:solidFill>
+            <a:headEnd type="none" w="med" len="med"/>
+            <a:tailEnd type="none" w="med" len="med"/>
+          </a:ln>
+          <a:effectLst/>
+        </p:spPr>
+        <p:style>
+          <a:lnRef idx="1">
+            <a:schemeClr val="accent2"/>
+          </a:lnRef>
+          <a:fillRef idx="3">
+            <a:schemeClr val="accent2"/>
+          </a:fillRef>
+          <a:effectRef idx="2">
+            <a:schemeClr val="accent2"/>
+          </a:effectRef>
+          <a:fontRef idx="minor">
+            <a:schemeClr val="lt1"/>
+          </a:fontRef>
+        </p:style>
+        <p:txBody>
+          <a:bodyPr rot="0" spcFirstLastPara="0" vertOverflow="overflow" horzOverflow="overflow" vert="horz" wrap="square" lIns="0" tIns="0" rIns="0" bIns="0" numCol="1" spcCol="0" rtlCol="0" fromWordArt="0" anchor="ctr" anchorCtr="0" forceAA="0" compatLnSpc="1">
+            <a:prstTxWarp prst="textNoShape">
+              <a:avLst/>
+            </a:prstTxWarp>
+            <a:noAutofit/>
+          </a:bodyPr>
+          <a:lstStyle/>
+          <a:p>
+            <a:pPr algn="ctr" defTabSz="932472" fontAlgn="base">
+              <a:lnSpc>
+                <a:spcPct val="90000"/>
+              </a:lnSpc>
+              <a:spcBef>
+                <a:spcPct val="0"/>
+              </a:spcBef>
+              <a:spcAft>
+                <a:spcPct val="0"/>
+              </a:spcAft>
+            </a:pPr>
+            <a:r>
+              <a:rPr lang="en-CA" sz="1600" dirty="0">
+                <a:gradFill>
+                  <a:gsLst>
+                    <a:gs pos="0">
+                      <a:srgbClr val="FFFFFF"/>
+                    </a:gs>
+                    <a:gs pos="100000">
+                      <a:srgbClr val="FFFFFF"/>
+                    </a:gs>
+                  </a:gsLst>
+                  <a:lin ang="5400000" scaled="0"/>
+                </a:gradFill>
+                <a:ea typeface="Segoe UI" pitchFamily="34" charset="0"/>
+                <a:cs typeface="Segoe UI" pitchFamily="34" charset="0"/>
+              </a:rPr>
+              <a:t>Network Security</a:t>
+            </a:r>
+          </a:p>
+        </p:txBody>
+      </p:sp>
+      <p:sp>
+        <p:nvSpPr>
+          <p:cNvPr id="57" name="Rectangle 56">
+            <a:extLst>
+              <a:ext uri="{FF2B5EF4-FFF2-40B4-BE49-F238E27FC236}">
+                <a16:creationId xmlns:a16="http://schemas.microsoft.com/office/drawing/2014/main" id="{73AC66E5-5901-4CE6-93AA-063391996DCA}"/>
+              </a:ext>
+            </a:extLst>
+          </p:cNvPr>
+          <p:cNvSpPr/>
+          <p:nvPr/>
+        </p:nvSpPr>
+        <p:spPr bwMode="auto">
+          <a:xfrm>
+            <a:off x="1410000" y="8070470"/>
+            <a:ext cx="2986570" cy="1952412"/>
+          </a:xfrm>
+          <a:prstGeom prst="rect">
+            <a:avLst/>
+          </a:prstGeom>
+          <a:solidFill>
+            <a:schemeClr val="tx1"/>
+          </a:solidFill>
+          <a:ln>
+            <a:solidFill>
+              <a:srgbClr val="0070C0"/>
+            </a:solidFill>
+            <a:headEnd type="none" w="med" len="med"/>
+            <a:tailEnd type="none" w="med" len="med"/>
+          </a:ln>
+          <a:effectLst/>
+        </p:spPr>
+        <p:style>
+          <a:lnRef idx="1">
+            <a:schemeClr val="accent2"/>
+          </a:lnRef>
+          <a:fillRef idx="3">
+            <a:schemeClr val="accent2"/>
+          </a:fillRef>
+          <a:effectRef idx="2">
+            <a:schemeClr val="accent2"/>
+          </a:effectRef>
+          <a:fontRef idx="minor">
+            <a:schemeClr val="lt1"/>
+          </a:fontRef>
+        </p:style>
+        <p:txBody>
+          <a:bodyPr rot="0" spcFirstLastPara="0" vertOverflow="overflow" horzOverflow="overflow" vert="horz" wrap="square" lIns="36000" tIns="72000" rIns="0" bIns="0" numCol="1" spcCol="0" rtlCol="0" fromWordArt="0" anchor="ctr" anchorCtr="0" forceAA="0" compatLnSpc="1">
+            <a:prstTxWarp prst="textNoShape">
+              <a:avLst/>
+            </a:prstTxWarp>
+            <a:noAutofit/>
+          </a:bodyPr>
+          <a:lstStyle/>
+          <a:p>
+            <a:pPr defTabSz="932472" fontAlgn="base">
+              <a:lnSpc>
+                <a:spcPct val="90000"/>
+              </a:lnSpc>
+              <a:spcBef>
+                <a:spcPct val="0"/>
+              </a:spcBef>
+              <a:spcAft>
+                <a:spcPct val="0"/>
+              </a:spcAft>
+            </a:pPr>
+            <a:r>
+              <a:rPr lang="en-CA" sz="900" b="1" dirty="0">
+                <a:solidFill>
+                  <a:srgbClr val="0070C0"/>
+                </a:solidFill>
+                <a:ea typeface="Segoe UI" pitchFamily="34" charset="0"/>
+                <a:cs typeface="Segoe UI" pitchFamily="34" charset="0"/>
+              </a:rPr>
+              <a:t>X</a:t>
+            </a:r>
+          </a:p>
+          <a:p>
+            <a:pPr marL="360363" lvl="1" indent="-184150" defTabSz="932472" fontAlgn="base">
+              <a:lnSpc>
+                <a:spcPct val="90000"/>
+              </a:lnSpc>
+              <a:spcBef>
+                <a:spcPct val="0"/>
+              </a:spcBef>
+              <a:spcAft>
+                <a:spcPct val="0"/>
+              </a:spcAft>
+              <a:buFont typeface="Arial" panose="020B0604020202020204" pitchFamily="34" charset="0"/>
+              <a:buChar char="•"/>
+            </a:pPr>
+            <a:r>
+              <a:rPr lang="en-CA" sz="800" dirty="0">
+                <a:solidFill>
+                  <a:srgbClr val="0070C0"/>
+                </a:solidFill>
+                <a:ea typeface="Segoe UI" pitchFamily="34" charset="0"/>
+                <a:cs typeface="Segoe UI" pitchFamily="34" charset="0"/>
+              </a:rPr>
+              <a:t>X</a:t>
+            </a:r>
+            <a:endParaRPr lang="en-CA" sz="900" dirty="0">
+              <a:solidFill>
+                <a:srgbClr val="0070C0"/>
+              </a:solidFill>
+              <a:ea typeface="Segoe UI" pitchFamily="34" charset="0"/>
+              <a:cs typeface="Segoe UI" pitchFamily="34" charset="0"/>
+            </a:endParaRPr>
+          </a:p>
+          <a:p>
+            <a:pPr defTabSz="932472" fontAlgn="base">
+              <a:lnSpc>
+                <a:spcPct val="90000"/>
+              </a:lnSpc>
+              <a:spcBef>
+                <a:spcPct val="0"/>
+              </a:spcBef>
+              <a:spcAft>
+                <a:spcPct val="0"/>
+              </a:spcAft>
+            </a:pPr>
+            <a:r>
+              <a:rPr lang="en-CA" sz="900" b="1" dirty="0">
+                <a:solidFill>
+                  <a:srgbClr val="0070C0"/>
+                </a:solidFill>
+                <a:ea typeface="Segoe UI" pitchFamily="34" charset="0"/>
+                <a:cs typeface="Segoe UI" pitchFamily="34" charset="0"/>
+              </a:rPr>
+              <a:t>X</a:t>
+            </a:r>
+          </a:p>
+          <a:p>
+            <a:pPr marL="360363" lvl="1" indent="-184150" defTabSz="932472" fontAlgn="base">
+              <a:lnSpc>
+                <a:spcPct val="90000"/>
+              </a:lnSpc>
+              <a:spcBef>
+                <a:spcPct val="0"/>
+              </a:spcBef>
+              <a:spcAft>
+                <a:spcPct val="0"/>
+              </a:spcAft>
+              <a:buFont typeface="Arial" panose="020B0604020202020204" pitchFamily="34" charset="0"/>
+              <a:buChar char="•"/>
+            </a:pPr>
+            <a:r>
+              <a:rPr lang="en-CA" sz="800" dirty="0">
+                <a:solidFill>
+                  <a:srgbClr val="0070C0"/>
+                </a:solidFill>
+                <a:ea typeface="Segoe UI" pitchFamily="34" charset="0"/>
+                <a:cs typeface="Segoe UI" pitchFamily="34" charset="0"/>
+              </a:rPr>
+              <a:t>X</a:t>
+            </a:r>
+          </a:p>
+          <a:p>
+            <a:pPr defTabSz="932472" fontAlgn="base">
+              <a:lnSpc>
+                <a:spcPct val="90000"/>
+              </a:lnSpc>
+              <a:spcBef>
+                <a:spcPct val="0"/>
+              </a:spcBef>
+              <a:spcAft>
+                <a:spcPct val="0"/>
+              </a:spcAft>
+            </a:pPr>
+            <a:r>
+              <a:rPr lang="en-CA" sz="900" b="1" dirty="0">
+                <a:solidFill>
+                  <a:srgbClr val="0070C0"/>
+                </a:solidFill>
+                <a:ea typeface="Segoe UI" pitchFamily="34" charset="0"/>
+                <a:cs typeface="Segoe UI" pitchFamily="34" charset="0"/>
+              </a:rPr>
+              <a:t>X</a:t>
+            </a:r>
+          </a:p>
+          <a:p>
+            <a:pPr marL="360363" lvl="1" indent="-184150" defTabSz="932472" fontAlgn="base">
+              <a:lnSpc>
+                <a:spcPct val="90000"/>
+              </a:lnSpc>
+              <a:spcBef>
+                <a:spcPct val="0"/>
+              </a:spcBef>
+              <a:spcAft>
+                <a:spcPct val="0"/>
+              </a:spcAft>
+              <a:buFont typeface="Arial" panose="020B0604020202020204" pitchFamily="34" charset="0"/>
+              <a:buChar char="•"/>
+            </a:pPr>
+            <a:r>
+              <a:rPr lang="en-CA" sz="800" dirty="0">
+                <a:solidFill>
+                  <a:srgbClr val="0070C0"/>
+                </a:solidFill>
+                <a:ea typeface="Segoe UI" pitchFamily="34" charset="0"/>
+                <a:cs typeface="Segoe UI" pitchFamily="34" charset="0"/>
+              </a:rPr>
+              <a:t>X</a:t>
+            </a:r>
+          </a:p>
+          <a:p>
+            <a:pPr defTabSz="932472" fontAlgn="base">
+              <a:lnSpc>
+                <a:spcPct val="90000"/>
+              </a:lnSpc>
+              <a:spcBef>
+                <a:spcPct val="0"/>
+              </a:spcBef>
+              <a:spcAft>
+                <a:spcPct val="0"/>
+              </a:spcAft>
+            </a:pPr>
+            <a:r>
+              <a:rPr lang="en-CA" sz="900" b="1" dirty="0">
+                <a:solidFill>
+                  <a:srgbClr val="0070C0"/>
+                </a:solidFill>
+                <a:ea typeface="Segoe UI" pitchFamily="34" charset="0"/>
+                <a:cs typeface="Segoe UI" pitchFamily="34" charset="0"/>
+              </a:rPr>
+              <a:t>X</a:t>
+            </a:r>
+          </a:p>
+          <a:p>
+            <a:pPr marL="347663" lvl="1" indent="-171450" defTabSz="932472" fontAlgn="base">
+              <a:lnSpc>
+                <a:spcPct val="90000"/>
+              </a:lnSpc>
+              <a:spcBef>
+                <a:spcPct val="0"/>
+              </a:spcBef>
+              <a:spcAft>
+                <a:spcPct val="0"/>
+              </a:spcAft>
+              <a:buFont typeface="Segoe UI" panose="020B0502040204020203" pitchFamily="34" charset="0"/>
+              <a:buChar char="+"/>
+            </a:pPr>
+            <a:r>
+              <a:rPr lang="en-CA" sz="800" dirty="0">
+                <a:solidFill>
+                  <a:srgbClr val="0070C0"/>
+                </a:solidFill>
+                <a:ea typeface="Segoe UI" pitchFamily="34" charset="0"/>
+                <a:cs typeface="Segoe UI" pitchFamily="34" charset="0"/>
+              </a:rPr>
+              <a:t>X</a:t>
+            </a:r>
+          </a:p>
+          <a:p>
+            <a:pPr indent="-699808" defTabSz="932472" fontAlgn="base">
+              <a:lnSpc>
+                <a:spcPct val="90000"/>
+              </a:lnSpc>
+              <a:spcBef>
+                <a:spcPct val="0"/>
+              </a:spcBef>
+              <a:spcAft>
+                <a:spcPct val="0"/>
+              </a:spcAft>
+            </a:pPr>
+            <a:endParaRPr lang="en-CA" sz="900" dirty="0">
+              <a:solidFill>
+                <a:srgbClr val="0070C0"/>
+              </a:solidFill>
+              <a:ea typeface="Segoe UI" pitchFamily="34" charset="0"/>
+              <a:cs typeface="Segoe UI" pitchFamily="34" charset="0"/>
+            </a:endParaRPr>
+          </a:p>
+        </p:txBody>
+      </p:sp>
     </p:spTree>
     <p:extLst>
       <p:ext uri="{BB962C8B-B14F-4D97-AF65-F5344CB8AC3E}">
@@ -14635,16 +17517,24 @@
 </file>
 
 <file path=customXml/item1.xml><?xml version="1.0" encoding="utf-8"?>
-<p:properties xmlns:p="http://schemas.microsoft.com/office/2006/metadata/properties" xmlns:xsi="http://www.w3.org/2001/XMLSchema-instance" xmlns:pc="http://schemas.microsoft.com/office/infopath/2007/PartnerControls">
-  <documentManagement>
-    <_ip_UnifiedCompliancePolicyUIAction xmlns="http://schemas.microsoft.com/sharepoint/v3" xsi:nil="true"/>
-    <IconOverlay xmlns="http://schemas.microsoft.com/sharepoint/v4" xsi:nil="true"/>
-    <_ip_UnifiedCompliancePolicyProperties xmlns="http://schemas.microsoft.com/sharepoint/v3" xsi:nil="true"/>
-  </documentManagement>
-</p:properties>
+<?mso-contentType ?>
+<FormTemplates xmlns="http://schemas.microsoft.com/sharepoint/v3/contenttype/forms">
+  <Display>DocumentLibraryForm</Display>
+  <Edit>DocumentLibraryForm</Edit>
+  <New>DocumentLibraryForm</New>
+</FormTemplates>
 </file>
 
 <file path=customXml/item2.xml><?xml version="1.0" encoding="utf-8"?>
+<?mso-contentType ?>
+<FormTemplates xmlns="http://schemas.microsoft.com/sharepoint/v3/contenttype/forms">
+  <Display>DocumentLibraryForm</Display>
+  <Edit>DocumentLibraryForm</Edit>
+  <New>DocumentLibraryForm</New>
+</FormTemplates>
+</file>
+
+<file path=customXml/item3.xml><?xml version="1.0" encoding="utf-8"?>
 <ct:contentTypeSchema xmlns:ct="http://schemas.microsoft.com/office/2006/metadata/contentType" xmlns:ma="http://schemas.microsoft.com/office/2006/metadata/properties/metaAttributes" ct:_="" ma:_="" ma:contentTypeName="Document" ma:contentTypeID="0x010100F5F187B9059DF945B25AB5B2F3BA0895" ma:contentTypeVersion="14" ma:contentTypeDescription="Create a new document." ma:contentTypeScope="" ma:versionID="be2c86c74b3bb227d6f27514678f23d5">
   <xsd:schema xmlns:xsd="http://www.w3.org/2001/XMLSchema" xmlns:xs="http://www.w3.org/2001/XMLSchema" xmlns:p="http://schemas.microsoft.com/office/2006/metadata/properties" xmlns:ns1="http://schemas.microsoft.com/sharepoint/v3" xmlns:ns2="af610f50-4aee-43ff-9d65-64420adb70d2" xmlns:ns3="http://schemas.microsoft.com/sharepoint/v4" xmlns:ns4="15c98cf3-0896-4040-874f-f436925621df" targetNamespace="http://schemas.microsoft.com/office/2006/metadata/properties" ma:root="true" ma:fieldsID="94136e9e548b6d3962354304dc946cac" ns1:_="" ns2:_="" ns3:_="" ns4:_="">
     <xsd:import namespace="http://schemas.microsoft.com/sharepoint/v3"/>
@@ -14883,36 +17773,33 @@
 </ct:contentTypeSchema>
 </file>
 
-<file path=customXml/item3.xml><?xml version="1.0" encoding="utf-8"?>
-<?mso-contentType ?>
-<FormTemplates xmlns="http://schemas.microsoft.com/sharepoint/v3/contenttype/forms">
-  <Display>DocumentLibraryForm</Display>
-  <Edit>DocumentLibraryForm</Edit>
-  <New>DocumentLibraryForm</New>
-</FormTemplates>
-</file>
-
 <file path=customXml/item4.xml><?xml version="1.0" encoding="utf-8"?>
-<?mso-contentType ?>
-<FormTemplates xmlns="http://schemas.microsoft.com/sharepoint/v3/contenttype/forms">
-  <Display>DocumentLibraryForm</Display>
-  <Edit>DocumentLibraryForm</Edit>
-  <New>DocumentLibraryForm</New>
-</FormTemplates>
+<p:properties xmlns:p="http://schemas.microsoft.com/office/2006/metadata/properties" xmlns:xsi="http://www.w3.org/2001/XMLSchema-instance" xmlns:pc="http://schemas.microsoft.com/office/infopath/2007/PartnerControls">
+  <documentManagement>
+    <_ip_UnifiedCompliancePolicyUIAction xmlns="http://schemas.microsoft.com/sharepoint/v3" xsi:nil="true"/>
+    <IconOverlay xmlns="http://schemas.microsoft.com/sharepoint/v4" xsi:nil="true"/>
+    <_ip_UnifiedCompliancePolicyProperties xmlns="http://schemas.microsoft.com/sharepoint/v3" xsi:nil="true"/>
+  </documentManagement>
+</p:properties>
 </file>
 
 <file path=customXml/itemProps1.xml><?xml version="1.0" encoding="utf-8"?>
-<ds:datastoreItem xmlns:ds="http://schemas.openxmlformats.org/officeDocument/2006/customXml" ds:itemID="{C66C01A9-0361-4788-ABEE-257A7848F8D9}">
+<ds:datastoreItem xmlns:ds="http://schemas.openxmlformats.org/officeDocument/2006/customXml" ds:itemID="{89C46102-D426-4E73-8F6F-5286B23D2EEB}">
   <ds:schemaRefs>
-    <ds:schemaRef ds:uri="http://schemas.microsoft.com/office/2006/metadata/properties"/>
-    <ds:schemaRef ds:uri="http://schemas.microsoft.com/office/infopath/2007/PartnerControls"/>
-    <ds:schemaRef ds:uri="http://schemas.microsoft.com/sharepoint/v3"/>
-    <ds:schemaRef ds:uri="http://schemas.microsoft.com/sharepoint/v4"/>
+    <ds:schemaRef ds:uri="http://schemas.microsoft.com/sharepoint/v3/contenttype/forms"/>
   </ds:schemaRefs>
 </ds:datastoreItem>
 </file>
 
 <file path=customXml/itemProps2.xml><?xml version="1.0" encoding="utf-8"?>
+<ds:datastoreItem xmlns:ds="http://schemas.openxmlformats.org/officeDocument/2006/customXml" ds:itemID="{E37CEF67-DE3E-432B-9E16-FF411AFDFA38}">
+  <ds:schemaRefs>
+    <ds:schemaRef ds:uri="http://schemas.microsoft.com/sharepoint/v3/contenttype/forms"/>
+  </ds:schemaRefs>
+</ds:datastoreItem>
+</file>
+
+<file path=customXml/itemProps3.xml><?xml version="1.0" encoding="utf-8"?>
 <ds:datastoreItem xmlns:ds="http://schemas.openxmlformats.org/officeDocument/2006/customXml" ds:itemID="{30BD28E6-9582-48F2-A1BB-45FE2A6D90A2}">
   <ds:schemaRefs>
     <ds:schemaRef ds:uri="http://schemas.microsoft.com/office/2006/metadata/contentType"/>
@@ -14933,18 +17820,13 @@
 </ds:datastoreItem>
 </file>
 
-<file path=customXml/itemProps3.xml><?xml version="1.0" encoding="utf-8"?>
-<ds:datastoreItem xmlns:ds="http://schemas.openxmlformats.org/officeDocument/2006/customXml" ds:itemID="{E37CEF67-DE3E-432B-9E16-FF411AFDFA38}">
+<file path=customXml/itemProps4.xml><?xml version="1.0" encoding="utf-8"?>
+<ds:datastoreItem xmlns:ds="http://schemas.openxmlformats.org/officeDocument/2006/customXml" ds:itemID="{C66C01A9-0361-4788-ABEE-257A7848F8D9}">
   <ds:schemaRefs>
-    <ds:schemaRef ds:uri="http://schemas.microsoft.com/sharepoint/v3/contenttype/forms"/>
-  </ds:schemaRefs>
-</ds:datastoreItem>
-</file>
-
-<file path=customXml/itemProps4.xml><?xml version="1.0" encoding="utf-8"?>
-<ds:datastoreItem xmlns:ds="http://schemas.openxmlformats.org/officeDocument/2006/customXml" ds:itemID="{89C46102-D426-4E73-8F6F-5286B23D2EEB}">
-  <ds:schemaRefs>
-    <ds:schemaRef ds:uri="http://schemas.microsoft.com/sharepoint/v3/contenttype/forms"/>
+    <ds:schemaRef ds:uri="http://schemas.microsoft.com/office/2006/metadata/properties"/>
+    <ds:schemaRef ds:uri="http://schemas.microsoft.com/office/infopath/2007/PartnerControls"/>
+    <ds:schemaRef ds:uri="http://schemas.microsoft.com/sharepoint/v3"/>
+    <ds:schemaRef ds:uri="http://schemas.microsoft.com/sharepoint/v4"/>
   </ds:schemaRefs>
 </ds:datastoreItem>
 </file>
--- a/src/azure/architecting-microsoft-azure-solutions.pptx
+++ b/src/azure/architecting-microsoft-azure-solutions.pptx
@@ -213,7 +213,7 @@
           <a:p>
             <a:fld id="{2F4766DD-CA99-4D5F-A9B2-EF5EF0A37C93}" type="datetimeFigureOut">
               <a:rPr lang="en-CA" smtClean="0"/>
-              <a:t>2018-09-12</a:t>
+              <a:t>2018-09-19</a:t>
             </a:fld>
             <a:endParaRPr lang="en-CA"/>
           </a:p>
@@ -565,7 +565,7 @@
           <a:p>
             <a:fld id="{D18B56EA-E28F-4F92-9F16-7A6F2501B303}" type="datetime8">
               <a:rPr lang="en-US" smtClean="0"/>
-              <a:t>9/12/2018 8:15 PM</a:t>
+              <a:t>9/19/2018 7:34 PM</a:t>
             </a:fld>
             <a:endParaRPr lang="en-US" dirty="0"/>
           </a:p>
@@ -5424,7 +5424,7 @@
           <a:p>
             <a:fld id="{ED6EB527-6926-47A2-AB35-8907638AD74C}" type="datetimeFigureOut">
               <a:rPr lang="en-CA" smtClean="0"/>
-              <a:t>2018-09-12</a:t>
+              <a:t>2018-09-19</a:t>
             </a:fld>
             <a:endParaRPr lang="en-CA"/>
           </a:p>
@@ -7556,7 +7556,7 @@
         <p:spPr bwMode="auto">
           <a:xfrm>
             <a:off x="1305429" y="358931"/>
-            <a:ext cx="6314696" cy="2942969"/>
+            <a:ext cx="6314696" cy="3152952"/>
           </a:xfrm>
           <a:prstGeom prst="rect">
             <a:avLst/>
@@ -7765,7 +7765,7 @@
         <p:spPr bwMode="auto">
           <a:xfrm>
             <a:off x="1410000" y="1237886"/>
-            <a:ext cx="2986570" cy="1952412"/>
+            <a:ext cx="2986570" cy="2139698"/>
           </a:xfrm>
           <a:prstGeom prst="rect">
             <a:avLst/>
@@ -8165,6 +8165,53 @@
                 <a:cs typeface="Segoe UI" pitchFamily="34" charset="0"/>
               </a:rPr>
               <a:t>H	High performance computing</a:t>
+            </a:r>
+          </a:p>
+          <a:p>
+            <a:pPr defTabSz="932472" fontAlgn="base">
+              <a:lnSpc>
+                <a:spcPct val="90000"/>
+              </a:lnSpc>
+              <a:spcBef>
+                <a:spcPct val="0"/>
+              </a:spcBef>
+              <a:spcAft>
+                <a:spcPct val="0"/>
+              </a:spcAft>
+            </a:pPr>
+            <a:r>
+              <a:rPr lang="en-CA" sz="900" b="1" dirty="0">
+                <a:solidFill>
+                  <a:srgbClr val="0070C0"/>
+                </a:solidFill>
+                <a:ea typeface="Segoe UI" pitchFamily="34" charset="0"/>
+                <a:cs typeface="Segoe UI" pitchFamily="34" charset="0"/>
+              </a:rPr>
+              <a:t>Join VMs to domain</a:t>
+            </a:r>
+          </a:p>
+          <a:p>
+            <a:pPr marL="360363" lvl="1" indent="-184150" defTabSz="932472" fontAlgn="base">
+              <a:lnSpc>
+                <a:spcPct val="90000"/>
+              </a:lnSpc>
+              <a:spcBef>
+                <a:spcPct val="0"/>
+              </a:spcBef>
+              <a:spcAft>
+                <a:spcPct val="0"/>
+              </a:spcAft>
+              <a:buFont typeface="Arial" panose="020B0604020202020204" pitchFamily="34" charset="0"/>
+              <a:buChar char="•"/>
+            </a:pPr>
+            <a:r>
+              <a:rPr lang="en-CA" sz="800" dirty="0">
+                <a:solidFill>
+                  <a:srgbClr val="0070C0"/>
+                </a:solidFill>
+                <a:cs typeface="Segoe UI" pitchFamily="34" charset="0"/>
+              </a:rPr>
+              <a:t>Enable Azure AD Domain Services</a:t>
             </a:r>
           </a:p>
         </p:txBody>
@@ -8271,7 +8318,7 @@
         <p:spPr bwMode="auto">
           <a:xfrm>
             <a:off x="4520352" y="1237886"/>
-            <a:ext cx="2986570" cy="1952412"/>
+            <a:ext cx="2986570" cy="2139698"/>
           </a:xfrm>
           <a:prstGeom prst="rect">
             <a:avLst/>
@@ -8811,7 +8858,7 @@
                 <a:ea typeface="Segoe UI" pitchFamily="34" charset="0"/>
                 <a:cs typeface="Segoe UI" pitchFamily="34" charset="0"/>
               </a:rPr>
-              <a:t>Azure Web Apps</a:t>
+              <a:t>Web Apps</a:t>
             </a:r>
           </a:p>
         </p:txBody>
@@ -9337,25 +9384,6 @@
             </a:r>
           </a:p>
           <a:p>
-            <a:pPr marL="176213" lvl="1" defTabSz="932472" fontAlgn="base">
-              <a:lnSpc>
-                <a:spcPct val="90000"/>
-              </a:lnSpc>
-              <a:spcBef>
-                <a:spcPct val="0"/>
-              </a:spcBef>
-              <a:spcAft>
-                <a:spcPct val="0"/>
-              </a:spcAft>
-            </a:pPr>
-            <a:endParaRPr lang="en-CA" sz="800" dirty="0">
-              <a:solidFill>
-                <a:srgbClr val="0070C0"/>
-              </a:solidFill>
-              <a:cs typeface="Segoe UI" pitchFamily="34" charset="0"/>
-            </a:endParaRPr>
-          </a:p>
-          <a:p>
             <a:pPr defTabSz="932472" fontAlgn="base">
               <a:lnSpc>
                 <a:spcPct val="90000"/>
@@ -11187,7 +11215,7 @@
         </p:nvSpPr>
         <p:spPr bwMode="auto">
           <a:xfrm>
-            <a:off x="14879122" y="4162512"/>
+            <a:off x="14881526" y="4262225"/>
             <a:ext cx="2986571" cy="419904"/>
           </a:xfrm>
           <a:prstGeom prst="roundRect">
@@ -11274,7 +11302,7 @@
         </p:nvSpPr>
         <p:spPr bwMode="auto">
           <a:xfrm>
-            <a:off x="14879123" y="4519110"/>
+            <a:off x="14881527" y="4618823"/>
             <a:ext cx="2986570" cy="491854"/>
           </a:xfrm>
           <a:prstGeom prst="rect">
@@ -11407,7 +11435,7 @@
         </p:nvSpPr>
         <p:spPr bwMode="auto">
           <a:xfrm>
-            <a:off x="14880325" y="2686826"/>
+            <a:off x="14881526" y="2733287"/>
             <a:ext cx="2986571" cy="419904"/>
           </a:xfrm>
           <a:prstGeom prst="roundRect">
@@ -11494,7 +11522,7 @@
         </p:nvSpPr>
         <p:spPr bwMode="auto">
           <a:xfrm>
-            <a:off x="14880326" y="3043424"/>
+            <a:off x="14881527" y="3089885"/>
             <a:ext cx="2986570" cy="1036612"/>
           </a:xfrm>
           <a:prstGeom prst="rect">
@@ -12799,45 +12827,6 @@
           </a:p>
         </p:txBody>
       </p:sp>
-      <p:pic>
-        <p:nvPicPr>
-          <p:cNvPr id="6" name="Picture 5">
-            <a:extLst>
-              <a:ext uri="{FF2B5EF4-FFF2-40B4-BE49-F238E27FC236}">
-                <a16:creationId xmlns:a16="http://schemas.microsoft.com/office/drawing/2014/main" id="{4A4EDF68-1FD6-401D-AABF-E144FBECD51A}"/>
-              </a:ext>
-            </a:extLst>
-          </p:cNvPr>
-          <p:cNvPicPr>
-            <a:picLocks noChangeAspect="1"/>
-          </p:cNvPicPr>
-          <p:nvPr/>
-        </p:nvPicPr>
-        <p:blipFill>
-          <a:blip r:embed="rId3">
-            <a:extLst>
-              <a:ext uri="{28A0092B-C50C-407E-A947-70E740481C1C}">
-                <a14:useLocalDpi xmlns:a14="http://schemas.microsoft.com/office/drawing/2010/main" val="0"/>
-              </a:ext>
-              <a:ext uri="{837473B0-CC2E-450A-ABE3-18F120FF3D39}">
-                <a1611:picAttrSrcUrl xmlns:a1611="http://schemas.microsoft.com/office/drawing/2016/11/main" r:id="rId4"/>
-              </a:ext>
-            </a:extLst>
-          </a:blip>
-          <a:stretch>
-            <a:fillRect/>
-          </a:stretch>
-        </p:blipFill>
-        <p:spPr>
-          <a:xfrm rot="1684251">
-            <a:off x="8638884" y="8697940"/>
-            <a:ext cx="9982821" cy="3150828"/>
-          </a:xfrm>
-          <a:prstGeom prst="rect">
-            <a:avLst/>
-          </a:prstGeom>
-        </p:spPr>
-      </p:pic>
       <p:sp>
         <p:nvSpPr>
           <p:cNvPr id="42" name="Rectangle 41">
@@ -12852,8 +12841,8 @@
         </p:nvSpPr>
         <p:spPr bwMode="auto">
           <a:xfrm>
-            <a:off x="1305429" y="3705694"/>
-            <a:ext cx="6307816" cy="6830225"/>
+            <a:off x="14763516" y="5948255"/>
+            <a:ext cx="6307816" cy="6949735"/>
           </a:xfrm>
           <a:prstGeom prst="rect">
             <a:avLst/>
@@ -12937,7 +12926,7 @@
         </p:nvSpPr>
         <p:spPr>
           <a:xfrm>
-            <a:off x="4513471" y="4841765"/>
+            <a:off x="17971558" y="7084326"/>
             <a:ext cx="184731" cy="623119"/>
           </a:xfrm>
           <a:prstGeom prst="rect">
@@ -12974,7 +12963,7 @@
         </p:nvSpPr>
         <p:spPr bwMode="auto">
           <a:xfrm>
-            <a:off x="1403119" y="4228051"/>
+            <a:off x="14861206" y="6470612"/>
             <a:ext cx="2986571" cy="419904"/>
           </a:xfrm>
           <a:prstGeom prst="roundRect">
@@ -13061,7 +13050,7 @@
         </p:nvSpPr>
         <p:spPr bwMode="auto">
           <a:xfrm>
-            <a:off x="1403120" y="4584649"/>
+            <a:off x="14861207" y="6827210"/>
             <a:ext cx="2986570" cy="1576702"/>
           </a:xfrm>
           <a:prstGeom prst="rect">
@@ -13497,7 +13486,7 @@
         </p:nvSpPr>
         <p:spPr bwMode="auto">
           <a:xfrm>
-            <a:off x="4513471" y="4228050"/>
+            <a:off x="17971558" y="6470611"/>
             <a:ext cx="2986571" cy="419904"/>
           </a:xfrm>
           <a:prstGeom prst="roundRect">
@@ -13584,7 +13573,7 @@
         </p:nvSpPr>
         <p:spPr bwMode="auto">
           <a:xfrm>
-            <a:off x="4513472" y="4584649"/>
+            <a:off x="17971559" y="6827210"/>
             <a:ext cx="2986570" cy="1163822"/>
           </a:xfrm>
           <a:prstGeom prst="rect">
@@ -13887,7 +13876,7 @@
         </p:nvSpPr>
         <p:spPr>
           <a:xfrm>
-            <a:off x="1403119" y="6870324"/>
+            <a:off x="14861206" y="9112885"/>
             <a:ext cx="184731" cy="623119"/>
           </a:xfrm>
           <a:prstGeom prst="rect">
@@ -13924,7 +13913,7 @@
         </p:nvSpPr>
         <p:spPr bwMode="auto">
           <a:xfrm>
-            <a:off x="4511068" y="5859707"/>
+            <a:off x="17969155" y="8102268"/>
             <a:ext cx="2986571" cy="419904"/>
           </a:xfrm>
           <a:prstGeom prst="roundRect">
@@ -14011,7 +14000,7 @@
         </p:nvSpPr>
         <p:spPr bwMode="auto">
           <a:xfrm>
-            <a:off x="4511069" y="6216305"/>
+            <a:off x="17969156" y="8458866"/>
             <a:ext cx="2986570" cy="1156798"/>
           </a:xfrm>
           <a:prstGeom prst="rect">
@@ -14143,25 +14132,7 @@
                 </a:solidFill>
                 <a:cs typeface="Segoe UI" pitchFamily="34" charset="0"/>
               </a:rPr>
-              <a:t>VMs, Cloud Service, </a:t>
-            </a:r>
-            <a:r>
-              <a:rPr lang="en-CA" sz="800" dirty="0" err="1">
-                <a:solidFill>
-                  <a:srgbClr val="0070C0"/>
-                </a:solidFill>
-                <a:cs typeface="Segoe UI" pitchFamily="34" charset="0"/>
-              </a:rPr>
-              <a:t>Wep</a:t>
-            </a:r>
-            <a:r>
-              <a:rPr lang="en-CA" sz="800" dirty="0">
-                <a:solidFill>
-                  <a:srgbClr val="0070C0"/>
-                </a:solidFill>
-                <a:cs typeface="Segoe UI" pitchFamily="34" charset="0"/>
-              </a:rPr>
-              <a:t> Apps, and external endpoints</a:t>
+              <a:t>VMs, Cloud Service, Web Apps, and external endpoints</a:t>
             </a:r>
           </a:p>
           <a:p>
@@ -14305,7 +14276,7 @@
         </p:nvSpPr>
         <p:spPr bwMode="auto">
           <a:xfrm>
-            <a:off x="1403119" y="6256609"/>
+            <a:off x="14861206" y="8499170"/>
             <a:ext cx="2986571" cy="419904"/>
           </a:xfrm>
           <a:prstGeom prst="roundRect">
@@ -14392,7 +14363,7 @@
         </p:nvSpPr>
         <p:spPr bwMode="auto">
           <a:xfrm>
-            <a:off x="1403120" y="6613208"/>
+            <a:off x="14861207" y="8855769"/>
             <a:ext cx="2986570" cy="1282127"/>
           </a:xfrm>
           <a:prstGeom prst="rect">
@@ -14696,7 +14667,7 @@
         </p:nvSpPr>
         <p:spPr>
           <a:xfrm>
-            <a:off x="1403119" y="8655697"/>
+            <a:off x="14861206" y="10898258"/>
             <a:ext cx="184731" cy="623119"/>
           </a:xfrm>
           <a:prstGeom prst="rect">
@@ -14733,7 +14704,7 @@
         </p:nvSpPr>
         <p:spPr bwMode="auto">
           <a:xfrm>
-            <a:off x="4511068" y="7491364"/>
+            <a:off x="17969155" y="9733925"/>
             <a:ext cx="2986571" cy="419904"/>
           </a:xfrm>
           <a:prstGeom prst="roundRect">
@@ -14820,7 +14791,7 @@
         </p:nvSpPr>
         <p:spPr bwMode="auto">
           <a:xfrm>
-            <a:off x="4511069" y="7847962"/>
+            <a:off x="17969156" y="10090523"/>
             <a:ext cx="2986570" cy="2233750"/>
           </a:xfrm>
           <a:prstGeom prst="rect">
@@ -15119,27 +15090,7 @@
                 <a:ea typeface="Segoe UI" pitchFamily="34" charset="0"/>
                 <a:cs typeface="Segoe UI" pitchFamily="34" charset="0"/>
               </a:rPr>
-              <a:t>Connect IKE2 or Secure Socket Tunneling </a:t>
-            </a:r>
-            <a:r>
-              <a:rPr lang="en-CA" sz="800" dirty="0" err="1">
-                <a:solidFill>
-                  <a:srgbClr val="0070C0"/>
-                </a:solidFill>
-                <a:ea typeface="Segoe UI" pitchFamily="34" charset="0"/>
-                <a:cs typeface="Segoe UI" pitchFamily="34" charset="0"/>
-              </a:rPr>
-              <a:t>Prototol</a:t>
-            </a:r>
-            <a:r>
-              <a:rPr lang="en-CA" sz="800" dirty="0">
-                <a:solidFill>
-                  <a:srgbClr val="0070C0"/>
-                </a:solidFill>
-                <a:ea typeface="Segoe UI" pitchFamily="34" charset="0"/>
-                <a:cs typeface="Segoe UI" pitchFamily="34" charset="0"/>
-              </a:rPr>
-              <a:t> (SSTP)</a:t>
+              <a:t>Connect IKE2 or Secure Socket Tunneling Protocol (SSTP)</a:t>
             </a:r>
           </a:p>
           <a:p>
@@ -15373,7 +15324,7 @@
         </p:nvSpPr>
         <p:spPr bwMode="auto">
           <a:xfrm>
-            <a:off x="1409999" y="8041982"/>
+            <a:off x="14868086" y="10284543"/>
             <a:ext cx="2986571" cy="419904"/>
           </a:xfrm>
           <a:prstGeom prst="roundRect">
@@ -15460,7 +15411,7 @@
         </p:nvSpPr>
         <p:spPr bwMode="auto">
           <a:xfrm>
-            <a:off x="1410000" y="8398580"/>
+            <a:off x="14868087" y="10641141"/>
             <a:ext cx="2986570" cy="2057379"/>
           </a:xfrm>
           <a:prstGeom prst="rect">
@@ -15678,7 +15629,7 @@
                 <a:ea typeface="Segoe UI" pitchFamily="34" charset="0"/>
                 <a:cs typeface="Segoe UI" pitchFamily="34" charset="0"/>
               </a:rPr>
-              <a:t>Vnets</a:t>
+              <a:t>VNets</a:t>
             </a:r>
             <a:r>
               <a:rPr lang="en-CA" sz="800" dirty="0">
@@ -15951,8 +15902,8 @@
         </p:nvSpPr>
         <p:spPr bwMode="auto">
           <a:xfrm>
-            <a:off x="1312309" y="11002888"/>
-            <a:ext cx="6307816" cy="3696348"/>
+            <a:off x="1330226" y="3667971"/>
+            <a:ext cx="6307816" cy="3955966"/>
           </a:xfrm>
           <a:prstGeom prst="rect">
             <a:avLst/>
@@ -16018,6 +15969,4553 @@
                 <a:cs typeface="Segoe UI" pitchFamily="34" charset="0"/>
               </a:rPr>
               <a:t>Hybrid Applications</a:t>
+            </a:r>
+          </a:p>
+        </p:txBody>
+      </p:sp>
+      <p:sp>
+        <p:nvSpPr>
+          <p:cNvPr id="59" name="Rectangle: Rounded Corners 58">
+            <a:extLst>
+              <a:ext uri="{FF2B5EF4-FFF2-40B4-BE49-F238E27FC236}">
+                <a16:creationId xmlns:a16="http://schemas.microsoft.com/office/drawing/2014/main" id="{F04C875F-DB31-460E-9BF1-84A396FDBE46}"/>
+              </a:ext>
+            </a:extLst>
+          </p:cNvPr>
+          <p:cNvSpPr/>
+          <p:nvPr/>
+        </p:nvSpPr>
+        <p:spPr bwMode="auto">
+          <a:xfrm>
+            <a:off x="1435672" y="4131192"/>
+            <a:ext cx="2986571" cy="419904"/>
+          </a:xfrm>
+          <a:prstGeom prst="roundRect">
+            <a:avLst/>
+          </a:prstGeom>
+          <a:solidFill>
+            <a:srgbClr val="0070C0"/>
+          </a:solidFill>
+          <a:ln>
+            <a:solidFill>
+              <a:srgbClr val="0070C0"/>
+            </a:solidFill>
+            <a:headEnd type="none" w="med" len="med"/>
+            <a:tailEnd type="none" w="med" len="med"/>
+          </a:ln>
+          <a:effectLst/>
+        </p:spPr>
+        <p:style>
+          <a:lnRef idx="1">
+            <a:schemeClr val="accent2"/>
+          </a:lnRef>
+          <a:fillRef idx="3">
+            <a:schemeClr val="accent2"/>
+          </a:fillRef>
+          <a:effectRef idx="2">
+            <a:schemeClr val="accent2"/>
+          </a:effectRef>
+          <a:fontRef idx="minor">
+            <a:schemeClr val="lt1"/>
+          </a:fontRef>
+        </p:style>
+        <p:txBody>
+          <a:bodyPr rot="0" spcFirstLastPara="0" vertOverflow="overflow" horzOverflow="overflow" vert="horz" wrap="square" lIns="0" tIns="0" rIns="0" bIns="0" numCol="1" spcCol="0" rtlCol="0" fromWordArt="0" anchor="ctr" anchorCtr="0" forceAA="0" compatLnSpc="1">
+            <a:prstTxWarp prst="textNoShape">
+              <a:avLst/>
+            </a:prstTxWarp>
+            <a:noAutofit/>
+          </a:bodyPr>
+          <a:lstStyle/>
+          <a:p>
+            <a:pPr algn="ctr" defTabSz="932472" fontAlgn="base">
+              <a:lnSpc>
+                <a:spcPct val="90000"/>
+              </a:lnSpc>
+              <a:spcBef>
+                <a:spcPct val="0"/>
+              </a:spcBef>
+              <a:spcAft>
+                <a:spcPct val="0"/>
+              </a:spcAft>
+            </a:pPr>
+            <a:r>
+              <a:rPr lang="en-CA" sz="1600" dirty="0">
+                <a:gradFill>
+                  <a:gsLst>
+                    <a:gs pos="0">
+                      <a:srgbClr val="FFFFFF"/>
+                    </a:gs>
+                    <a:gs pos="100000">
+                      <a:srgbClr val="FFFFFF"/>
+                    </a:gs>
+                  </a:gsLst>
+                  <a:lin ang="5400000" scaled="0"/>
+                </a:gradFill>
+                <a:ea typeface="Segoe UI" pitchFamily="34" charset="0"/>
+                <a:cs typeface="Segoe UI" pitchFamily="34" charset="0"/>
+              </a:rPr>
+              <a:t>Relay Service</a:t>
+            </a:r>
+          </a:p>
+        </p:txBody>
+      </p:sp>
+      <p:sp>
+        <p:nvSpPr>
+          <p:cNvPr id="60" name="Rectangle 59">
+            <a:extLst>
+              <a:ext uri="{FF2B5EF4-FFF2-40B4-BE49-F238E27FC236}">
+                <a16:creationId xmlns:a16="http://schemas.microsoft.com/office/drawing/2014/main" id="{D564CAF4-83F7-4ED9-BBA4-34351DC9A478}"/>
+              </a:ext>
+            </a:extLst>
+          </p:cNvPr>
+          <p:cNvSpPr/>
+          <p:nvPr/>
+        </p:nvSpPr>
+        <p:spPr bwMode="auto">
+          <a:xfrm>
+            <a:off x="1435673" y="4487788"/>
+            <a:ext cx="2986570" cy="747081"/>
+          </a:xfrm>
+          <a:prstGeom prst="rect">
+            <a:avLst/>
+          </a:prstGeom>
+          <a:solidFill>
+            <a:schemeClr val="tx1"/>
+          </a:solidFill>
+          <a:ln>
+            <a:solidFill>
+              <a:srgbClr val="0070C0"/>
+            </a:solidFill>
+            <a:headEnd type="none" w="med" len="med"/>
+            <a:tailEnd type="none" w="med" len="med"/>
+          </a:ln>
+          <a:effectLst/>
+        </p:spPr>
+        <p:style>
+          <a:lnRef idx="1">
+            <a:schemeClr val="accent2"/>
+          </a:lnRef>
+          <a:fillRef idx="3">
+            <a:schemeClr val="accent2"/>
+          </a:fillRef>
+          <a:effectRef idx="2">
+            <a:schemeClr val="accent2"/>
+          </a:effectRef>
+          <a:fontRef idx="minor">
+            <a:schemeClr val="lt1"/>
+          </a:fontRef>
+        </p:style>
+        <p:txBody>
+          <a:bodyPr rot="0" spcFirstLastPara="0" vertOverflow="overflow" horzOverflow="overflow" vert="horz" wrap="square" lIns="36000" tIns="72000" rIns="0" bIns="0" numCol="1" spcCol="0" rtlCol="0" fromWordArt="0" anchor="ctr" anchorCtr="0" forceAA="0" compatLnSpc="1">
+            <a:prstTxWarp prst="textNoShape">
+              <a:avLst/>
+            </a:prstTxWarp>
+            <a:noAutofit/>
+          </a:bodyPr>
+          <a:lstStyle/>
+          <a:p>
+            <a:pPr defTabSz="932472" fontAlgn="base">
+              <a:lnSpc>
+                <a:spcPct val="90000"/>
+              </a:lnSpc>
+              <a:spcBef>
+                <a:spcPct val="0"/>
+              </a:spcBef>
+              <a:spcAft>
+                <a:spcPct val="0"/>
+              </a:spcAft>
+            </a:pPr>
+            <a:r>
+              <a:rPr lang="en-CA" sz="900" b="1" dirty="0">
+                <a:solidFill>
+                  <a:srgbClr val="0070C0"/>
+                </a:solidFill>
+                <a:ea typeface="Segoe UI" pitchFamily="34" charset="0"/>
+                <a:cs typeface="Segoe UI" pitchFamily="34" charset="0"/>
+              </a:rPr>
+              <a:t>Hybrid Connections</a:t>
+            </a:r>
+          </a:p>
+          <a:p>
+            <a:pPr marL="360363" lvl="1" indent="-184150" defTabSz="932472" fontAlgn="base">
+              <a:lnSpc>
+                <a:spcPct val="90000"/>
+              </a:lnSpc>
+              <a:spcBef>
+                <a:spcPct val="0"/>
+              </a:spcBef>
+              <a:spcAft>
+                <a:spcPct val="0"/>
+              </a:spcAft>
+              <a:buFont typeface="Arial" panose="020B0604020202020204" pitchFamily="34" charset="0"/>
+              <a:buChar char="•"/>
+            </a:pPr>
+            <a:r>
+              <a:rPr lang="en-CA" sz="800" dirty="0">
+                <a:solidFill>
+                  <a:srgbClr val="0070C0"/>
+                </a:solidFill>
+                <a:ea typeface="Segoe UI" pitchFamily="34" charset="0"/>
+                <a:cs typeface="Segoe UI" pitchFamily="34" charset="0"/>
+              </a:rPr>
+              <a:t>Establish a rendezvous point in the cloud</a:t>
+            </a:r>
+          </a:p>
+          <a:p>
+            <a:pPr marL="360363" lvl="1" indent="-184150" defTabSz="932472" fontAlgn="base">
+              <a:lnSpc>
+                <a:spcPct val="90000"/>
+              </a:lnSpc>
+              <a:spcBef>
+                <a:spcPct val="0"/>
+              </a:spcBef>
+              <a:spcAft>
+                <a:spcPct val="0"/>
+              </a:spcAft>
+              <a:buFont typeface="Arial" panose="020B0604020202020204" pitchFamily="34" charset="0"/>
+              <a:buChar char="•"/>
+            </a:pPr>
+            <a:r>
+              <a:rPr lang="en-CA" sz="800" dirty="0">
+                <a:solidFill>
+                  <a:srgbClr val="0070C0"/>
+                </a:solidFill>
+                <a:ea typeface="Segoe UI" pitchFamily="34" charset="0"/>
+                <a:cs typeface="Segoe UI" pitchFamily="34" charset="0"/>
+              </a:rPr>
+              <a:t>On-prem app connects using HTTP/ Sockets to cloud</a:t>
+            </a:r>
+          </a:p>
+          <a:p>
+            <a:pPr defTabSz="932472" fontAlgn="base">
+              <a:lnSpc>
+                <a:spcPct val="90000"/>
+              </a:lnSpc>
+              <a:spcBef>
+                <a:spcPct val="0"/>
+              </a:spcBef>
+              <a:spcAft>
+                <a:spcPct val="0"/>
+              </a:spcAft>
+            </a:pPr>
+            <a:r>
+              <a:rPr lang="en-CA" sz="900" b="1" dirty="0">
+                <a:solidFill>
+                  <a:srgbClr val="0070C0"/>
+                </a:solidFill>
+                <a:ea typeface="Segoe UI" pitchFamily="34" charset="0"/>
+                <a:cs typeface="Segoe UI" pitchFamily="34" charset="0"/>
+              </a:rPr>
+              <a:t>WCF Relays (Service Bus Relays)</a:t>
+            </a:r>
+          </a:p>
+          <a:p>
+            <a:pPr marL="360363" lvl="1" indent="-184150" defTabSz="932472" fontAlgn="base">
+              <a:lnSpc>
+                <a:spcPct val="90000"/>
+              </a:lnSpc>
+              <a:spcBef>
+                <a:spcPct val="0"/>
+              </a:spcBef>
+              <a:spcAft>
+                <a:spcPct val="0"/>
+              </a:spcAft>
+              <a:buFont typeface="Arial" panose="020B0604020202020204" pitchFamily="34" charset="0"/>
+              <a:buChar char="•"/>
+            </a:pPr>
+            <a:r>
+              <a:rPr lang="en-CA" sz="800" dirty="0">
+                <a:solidFill>
+                  <a:srgbClr val="0070C0"/>
+                </a:solidFill>
+                <a:cs typeface="Segoe UI" pitchFamily="34" charset="0"/>
+              </a:rPr>
+              <a:t>On-prem app uses WCG bindings to connect to </a:t>
+            </a:r>
+            <a:r>
+              <a:rPr lang="en-CA" sz="800" dirty="0" err="1">
+                <a:solidFill>
+                  <a:srgbClr val="0070C0"/>
+                </a:solidFill>
+                <a:cs typeface="Segoe UI" pitchFamily="34" charset="0"/>
+              </a:rPr>
+              <a:t>Srv</a:t>
+            </a:r>
+            <a:r>
+              <a:rPr lang="en-CA" sz="800" dirty="0">
+                <a:solidFill>
+                  <a:srgbClr val="0070C0"/>
+                </a:solidFill>
+                <a:cs typeface="Segoe UI" pitchFamily="34" charset="0"/>
+              </a:rPr>
+              <a:t> Bus</a:t>
+            </a:r>
+            <a:endParaRPr lang="en-CA" sz="800" dirty="0">
+              <a:solidFill>
+                <a:srgbClr val="0070C0"/>
+              </a:solidFill>
+              <a:ea typeface="Segoe UI" pitchFamily="34" charset="0"/>
+              <a:cs typeface="Segoe UI" pitchFamily="34" charset="0"/>
+            </a:endParaRPr>
+          </a:p>
+        </p:txBody>
+      </p:sp>
+      <p:sp>
+        <p:nvSpPr>
+          <p:cNvPr id="61" name="Rectangle: Rounded Corners 60">
+            <a:extLst>
+              <a:ext uri="{FF2B5EF4-FFF2-40B4-BE49-F238E27FC236}">
+                <a16:creationId xmlns:a16="http://schemas.microsoft.com/office/drawing/2014/main" id="{C5BF283C-6E4E-4183-9691-9BD684540313}"/>
+              </a:ext>
+            </a:extLst>
+          </p:cNvPr>
+          <p:cNvSpPr/>
+          <p:nvPr/>
+        </p:nvSpPr>
+        <p:spPr bwMode="auto">
+          <a:xfrm>
+            <a:off x="4546024" y="4131192"/>
+            <a:ext cx="2986571" cy="419904"/>
+          </a:xfrm>
+          <a:prstGeom prst="roundRect">
+            <a:avLst/>
+          </a:prstGeom>
+          <a:solidFill>
+            <a:srgbClr val="0070C0"/>
+          </a:solidFill>
+          <a:ln>
+            <a:solidFill>
+              <a:srgbClr val="0070C0"/>
+            </a:solidFill>
+            <a:headEnd type="none" w="med" len="med"/>
+            <a:tailEnd type="none" w="med" len="med"/>
+          </a:ln>
+          <a:effectLst/>
+        </p:spPr>
+        <p:style>
+          <a:lnRef idx="1">
+            <a:schemeClr val="accent2"/>
+          </a:lnRef>
+          <a:fillRef idx="3">
+            <a:schemeClr val="accent2"/>
+          </a:fillRef>
+          <a:effectRef idx="2">
+            <a:schemeClr val="accent2"/>
+          </a:effectRef>
+          <a:fontRef idx="minor">
+            <a:schemeClr val="lt1"/>
+          </a:fontRef>
+        </p:style>
+        <p:txBody>
+          <a:bodyPr rot="0" spcFirstLastPara="0" vertOverflow="overflow" horzOverflow="overflow" vert="horz" wrap="square" lIns="0" tIns="0" rIns="0" bIns="0" numCol="1" spcCol="0" rtlCol="0" fromWordArt="0" anchor="ctr" anchorCtr="0" forceAA="0" compatLnSpc="1">
+            <a:prstTxWarp prst="textNoShape">
+              <a:avLst/>
+            </a:prstTxWarp>
+            <a:noAutofit/>
+          </a:bodyPr>
+          <a:lstStyle/>
+          <a:p>
+            <a:pPr algn="ctr" defTabSz="932472" fontAlgn="base">
+              <a:lnSpc>
+                <a:spcPct val="90000"/>
+              </a:lnSpc>
+              <a:spcBef>
+                <a:spcPct val="0"/>
+              </a:spcBef>
+              <a:spcAft>
+                <a:spcPct val="0"/>
+              </a:spcAft>
+            </a:pPr>
+            <a:r>
+              <a:rPr lang="en-CA" sz="1600" dirty="0">
+                <a:gradFill>
+                  <a:gsLst>
+                    <a:gs pos="0">
+                      <a:srgbClr val="FFFFFF"/>
+                    </a:gs>
+                    <a:gs pos="100000">
+                      <a:srgbClr val="FFFFFF"/>
+                    </a:gs>
+                  </a:gsLst>
+                  <a:lin ang="5400000" scaled="0"/>
+                </a:gradFill>
+                <a:ea typeface="Segoe UI" pitchFamily="34" charset="0"/>
+                <a:cs typeface="Segoe UI" pitchFamily="34" charset="0"/>
+              </a:rPr>
+              <a:t>Data Management Gateway</a:t>
+            </a:r>
+          </a:p>
+        </p:txBody>
+      </p:sp>
+      <p:sp>
+        <p:nvSpPr>
+          <p:cNvPr id="62" name="Rectangle 61">
+            <a:extLst>
+              <a:ext uri="{FF2B5EF4-FFF2-40B4-BE49-F238E27FC236}">
+                <a16:creationId xmlns:a16="http://schemas.microsoft.com/office/drawing/2014/main" id="{B0DD230D-83C1-40E0-B11E-B5A0F184CB65}"/>
+              </a:ext>
+            </a:extLst>
+          </p:cNvPr>
+          <p:cNvSpPr/>
+          <p:nvPr/>
+        </p:nvSpPr>
+        <p:spPr bwMode="auto">
+          <a:xfrm>
+            <a:off x="4546025" y="4487789"/>
+            <a:ext cx="2986570" cy="747080"/>
+          </a:xfrm>
+          <a:prstGeom prst="rect">
+            <a:avLst/>
+          </a:prstGeom>
+          <a:solidFill>
+            <a:schemeClr val="tx1"/>
+          </a:solidFill>
+          <a:ln>
+            <a:solidFill>
+              <a:srgbClr val="0070C0"/>
+            </a:solidFill>
+            <a:headEnd type="none" w="med" len="med"/>
+            <a:tailEnd type="none" w="med" len="med"/>
+          </a:ln>
+          <a:effectLst/>
+        </p:spPr>
+        <p:style>
+          <a:lnRef idx="1">
+            <a:schemeClr val="accent2"/>
+          </a:lnRef>
+          <a:fillRef idx="3">
+            <a:schemeClr val="accent2"/>
+          </a:fillRef>
+          <a:effectRef idx="2">
+            <a:schemeClr val="accent2"/>
+          </a:effectRef>
+          <a:fontRef idx="minor">
+            <a:schemeClr val="lt1"/>
+          </a:fontRef>
+        </p:style>
+        <p:txBody>
+          <a:bodyPr rot="0" spcFirstLastPara="0" vertOverflow="overflow" horzOverflow="overflow" vert="horz" wrap="square" lIns="36000" tIns="72000" rIns="0" bIns="0" numCol="1" spcCol="0" rtlCol="0" fromWordArt="0" anchor="ctr" anchorCtr="0" forceAA="0" compatLnSpc="1">
+            <a:prstTxWarp prst="textNoShape">
+              <a:avLst/>
+            </a:prstTxWarp>
+            <a:noAutofit/>
+          </a:bodyPr>
+          <a:lstStyle/>
+          <a:p>
+            <a:pPr defTabSz="932472" fontAlgn="base">
+              <a:lnSpc>
+                <a:spcPct val="90000"/>
+              </a:lnSpc>
+              <a:spcBef>
+                <a:spcPct val="0"/>
+              </a:spcBef>
+              <a:spcAft>
+                <a:spcPct val="0"/>
+              </a:spcAft>
+            </a:pPr>
+            <a:r>
+              <a:rPr lang="en-CA" sz="900" b="1" dirty="0">
+                <a:solidFill>
+                  <a:srgbClr val="0070C0"/>
+                </a:solidFill>
+                <a:ea typeface="Segoe UI" pitchFamily="34" charset="0"/>
+                <a:cs typeface="Segoe UI" pitchFamily="34" charset="0"/>
+              </a:rPr>
+              <a:t>Data-integration service</a:t>
+            </a:r>
+          </a:p>
+          <a:p>
+            <a:pPr marL="360363" lvl="1" indent="-184150" defTabSz="932472" fontAlgn="base">
+              <a:lnSpc>
+                <a:spcPct val="90000"/>
+              </a:lnSpc>
+              <a:spcBef>
+                <a:spcPct val="0"/>
+              </a:spcBef>
+              <a:spcAft>
+                <a:spcPct val="0"/>
+              </a:spcAft>
+              <a:buFont typeface="Arial" panose="020B0604020202020204" pitchFamily="34" charset="0"/>
+              <a:buChar char="•"/>
+            </a:pPr>
+            <a:r>
+              <a:rPr lang="en-CA" sz="800" dirty="0">
+                <a:solidFill>
+                  <a:srgbClr val="0070C0"/>
+                </a:solidFill>
+                <a:ea typeface="Segoe UI" pitchFamily="34" charset="0"/>
+                <a:cs typeface="Segoe UI" pitchFamily="34" charset="0"/>
+              </a:rPr>
+              <a:t>Create workflows to automate data move + transform</a:t>
+            </a:r>
+          </a:p>
+          <a:p>
+            <a:pPr marL="360363" lvl="1" indent="-184150" defTabSz="932472" fontAlgn="base">
+              <a:lnSpc>
+                <a:spcPct val="90000"/>
+              </a:lnSpc>
+              <a:spcBef>
+                <a:spcPct val="0"/>
+              </a:spcBef>
+              <a:spcAft>
+                <a:spcPct val="0"/>
+              </a:spcAft>
+              <a:buFont typeface="Arial" panose="020B0604020202020204" pitchFamily="34" charset="0"/>
+              <a:buChar char="•"/>
+            </a:pPr>
+            <a:r>
+              <a:rPr lang="en-CA" sz="800" dirty="0">
+                <a:solidFill>
+                  <a:srgbClr val="0070C0"/>
+                </a:solidFill>
+                <a:ea typeface="Segoe UI" pitchFamily="34" charset="0"/>
+                <a:cs typeface="Segoe UI" pitchFamily="34" charset="0"/>
+              </a:rPr>
+              <a:t>Connect to ML, HDInsight, Data Lake Analytics</a:t>
+            </a:r>
+          </a:p>
+          <a:p>
+            <a:pPr marL="360363" lvl="1" indent="-184150" defTabSz="932472" fontAlgn="base">
+              <a:lnSpc>
+                <a:spcPct val="90000"/>
+              </a:lnSpc>
+              <a:spcBef>
+                <a:spcPct val="0"/>
+              </a:spcBef>
+              <a:spcAft>
+                <a:spcPct val="0"/>
+              </a:spcAft>
+              <a:buFont typeface="Arial" panose="020B0604020202020204" pitchFamily="34" charset="0"/>
+              <a:buChar char="•"/>
+            </a:pPr>
+            <a:r>
+              <a:rPr lang="en-CA" sz="800" dirty="0">
+                <a:solidFill>
+                  <a:srgbClr val="0070C0"/>
+                </a:solidFill>
+                <a:ea typeface="Segoe UI" pitchFamily="34" charset="0"/>
+                <a:cs typeface="Segoe UI" pitchFamily="34" charset="0"/>
+              </a:rPr>
+              <a:t>Data sent over HTTP using certificates</a:t>
+            </a:r>
+          </a:p>
+          <a:p>
+            <a:pPr marL="360363" lvl="1" indent="-184150" defTabSz="932472" fontAlgn="base">
+              <a:lnSpc>
+                <a:spcPct val="90000"/>
+              </a:lnSpc>
+              <a:spcBef>
+                <a:spcPct val="0"/>
+              </a:spcBef>
+              <a:spcAft>
+                <a:spcPct val="0"/>
+              </a:spcAft>
+              <a:buFont typeface="Arial" panose="020B0604020202020204" pitchFamily="34" charset="0"/>
+              <a:buChar char="•"/>
+            </a:pPr>
+            <a:r>
+              <a:rPr lang="en-CA" sz="800" dirty="0">
+                <a:solidFill>
+                  <a:srgbClr val="0070C0"/>
+                </a:solidFill>
+                <a:ea typeface="Segoe UI" pitchFamily="34" charset="0"/>
+                <a:cs typeface="Segoe UI" pitchFamily="34" charset="0"/>
+              </a:rPr>
+              <a:t>No firewall ports need to be opened</a:t>
+            </a:r>
+          </a:p>
+        </p:txBody>
+      </p:sp>
+      <p:sp>
+        <p:nvSpPr>
+          <p:cNvPr id="63" name="Rectangle: Rounded Corners 62">
+            <a:extLst>
+              <a:ext uri="{FF2B5EF4-FFF2-40B4-BE49-F238E27FC236}">
+                <a16:creationId xmlns:a16="http://schemas.microsoft.com/office/drawing/2014/main" id="{43AA6B56-4539-4B03-9EDA-4C6AAFAC115D}"/>
+              </a:ext>
+            </a:extLst>
+          </p:cNvPr>
+          <p:cNvSpPr/>
+          <p:nvPr/>
+        </p:nvSpPr>
+        <p:spPr bwMode="auto">
+          <a:xfrm>
+            <a:off x="1435672" y="6570854"/>
+            <a:ext cx="2986571" cy="419904"/>
+          </a:xfrm>
+          <a:prstGeom prst="roundRect">
+            <a:avLst/>
+          </a:prstGeom>
+          <a:solidFill>
+            <a:srgbClr val="0070C0"/>
+          </a:solidFill>
+          <a:ln>
+            <a:solidFill>
+              <a:srgbClr val="0070C0"/>
+            </a:solidFill>
+            <a:headEnd type="none" w="med" len="med"/>
+            <a:tailEnd type="none" w="med" len="med"/>
+          </a:ln>
+          <a:effectLst/>
+        </p:spPr>
+        <p:style>
+          <a:lnRef idx="1">
+            <a:schemeClr val="accent2"/>
+          </a:lnRef>
+          <a:fillRef idx="3">
+            <a:schemeClr val="accent2"/>
+          </a:fillRef>
+          <a:effectRef idx="2">
+            <a:schemeClr val="accent2"/>
+          </a:effectRef>
+          <a:fontRef idx="minor">
+            <a:schemeClr val="lt1"/>
+          </a:fontRef>
+        </p:style>
+        <p:txBody>
+          <a:bodyPr rot="0" spcFirstLastPara="0" vertOverflow="overflow" horzOverflow="overflow" vert="horz" wrap="square" lIns="0" tIns="0" rIns="0" bIns="0" numCol="1" spcCol="0" rtlCol="0" fromWordArt="0" anchor="ctr" anchorCtr="0" forceAA="0" compatLnSpc="1">
+            <a:prstTxWarp prst="textNoShape">
+              <a:avLst/>
+            </a:prstTxWarp>
+            <a:noAutofit/>
+          </a:bodyPr>
+          <a:lstStyle/>
+          <a:p>
+            <a:pPr algn="ctr" defTabSz="932472" fontAlgn="base">
+              <a:lnSpc>
+                <a:spcPct val="90000"/>
+              </a:lnSpc>
+              <a:spcBef>
+                <a:spcPct val="0"/>
+              </a:spcBef>
+              <a:spcAft>
+                <a:spcPct val="0"/>
+              </a:spcAft>
+            </a:pPr>
+            <a:r>
+              <a:rPr lang="en-CA" sz="1600" dirty="0">
+                <a:gradFill>
+                  <a:gsLst>
+                    <a:gs pos="0">
+                      <a:srgbClr val="FFFFFF"/>
+                    </a:gs>
+                    <a:gs pos="100000">
+                      <a:srgbClr val="FFFFFF"/>
+                    </a:gs>
+                  </a:gsLst>
+                  <a:lin ang="5400000" scaled="0"/>
+                </a:gradFill>
+                <a:ea typeface="Segoe UI" pitchFamily="34" charset="0"/>
+                <a:cs typeface="Segoe UI" pitchFamily="34" charset="0"/>
+              </a:rPr>
+              <a:t>AD Application Proxy</a:t>
+            </a:r>
+          </a:p>
+        </p:txBody>
+      </p:sp>
+      <p:sp>
+        <p:nvSpPr>
+          <p:cNvPr id="64" name="Rectangle 63">
+            <a:extLst>
+              <a:ext uri="{FF2B5EF4-FFF2-40B4-BE49-F238E27FC236}">
+                <a16:creationId xmlns:a16="http://schemas.microsoft.com/office/drawing/2014/main" id="{2ACCF918-26D8-4685-BCE1-E267E4301B76}"/>
+              </a:ext>
+            </a:extLst>
+          </p:cNvPr>
+          <p:cNvSpPr/>
+          <p:nvPr/>
+        </p:nvSpPr>
+        <p:spPr bwMode="auto">
+          <a:xfrm>
+            <a:off x="1435673" y="6927452"/>
+            <a:ext cx="2986570" cy="560454"/>
+          </a:xfrm>
+          <a:prstGeom prst="rect">
+            <a:avLst/>
+          </a:prstGeom>
+          <a:solidFill>
+            <a:schemeClr val="tx1"/>
+          </a:solidFill>
+          <a:ln>
+            <a:solidFill>
+              <a:srgbClr val="0070C0"/>
+            </a:solidFill>
+            <a:headEnd type="none" w="med" len="med"/>
+            <a:tailEnd type="none" w="med" len="med"/>
+          </a:ln>
+          <a:effectLst/>
+        </p:spPr>
+        <p:style>
+          <a:lnRef idx="1">
+            <a:schemeClr val="accent2"/>
+          </a:lnRef>
+          <a:fillRef idx="3">
+            <a:schemeClr val="accent2"/>
+          </a:fillRef>
+          <a:effectRef idx="2">
+            <a:schemeClr val="accent2"/>
+          </a:effectRef>
+          <a:fontRef idx="minor">
+            <a:schemeClr val="lt1"/>
+          </a:fontRef>
+        </p:style>
+        <p:txBody>
+          <a:bodyPr rot="0" spcFirstLastPara="0" vertOverflow="overflow" horzOverflow="overflow" vert="horz" wrap="square" lIns="36000" tIns="72000" rIns="0" bIns="0" numCol="1" spcCol="0" rtlCol="0" fromWordArt="0" anchor="ctr" anchorCtr="0" forceAA="0" compatLnSpc="1">
+            <a:prstTxWarp prst="textNoShape">
+              <a:avLst/>
+            </a:prstTxWarp>
+            <a:noAutofit/>
+          </a:bodyPr>
+          <a:lstStyle/>
+          <a:p>
+            <a:pPr defTabSz="932472" fontAlgn="base">
+              <a:lnSpc>
+                <a:spcPct val="90000"/>
+              </a:lnSpc>
+              <a:spcBef>
+                <a:spcPct val="0"/>
+              </a:spcBef>
+              <a:spcAft>
+                <a:spcPct val="0"/>
+              </a:spcAft>
+            </a:pPr>
+            <a:r>
+              <a:rPr lang="en-CA" sz="900" b="1" dirty="0">
+                <a:solidFill>
+                  <a:srgbClr val="0070C0"/>
+                </a:solidFill>
+                <a:ea typeface="Segoe UI" pitchFamily="34" charset="0"/>
+                <a:cs typeface="Segoe UI" pitchFamily="34" charset="0"/>
+              </a:rPr>
+              <a:t>Access on-prem web apps from the cloud</a:t>
+            </a:r>
+          </a:p>
+          <a:p>
+            <a:pPr marL="360363" lvl="1" indent="-184150" defTabSz="932472" fontAlgn="base">
+              <a:lnSpc>
+                <a:spcPct val="90000"/>
+              </a:lnSpc>
+              <a:spcBef>
+                <a:spcPct val="0"/>
+              </a:spcBef>
+              <a:spcAft>
+                <a:spcPct val="0"/>
+              </a:spcAft>
+              <a:buFont typeface="Arial" panose="020B0604020202020204" pitchFamily="34" charset="0"/>
+              <a:buChar char="•"/>
+            </a:pPr>
+            <a:r>
+              <a:rPr lang="en-CA" sz="800" dirty="0">
+                <a:solidFill>
+                  <a:srgbClr val="0070C0"/>
+                </a:solidFill>
+                <a:ea typeface="Segoe UI" pitchFamily="34" charset="0"/>
+                <a:cs typeface="Segoe UI" pitchFamily="34" charset="0"/>
+              </a:rPr>
+              <a:t>Provides single sign on (SSO) + secure remote access</a:t>
+            </a:r>
+          </a:p>
+          <a:p>
+            <a:pPr marL="360363" lvl="1" indent="-184150" defTabSz="932472" fontAlgn="base">
+              <a:lnSpc>
+                <a:spcPct val="90000"/>
+              </a:lnSpc>
+              <a:spcBef>
+                <a:spcPct val="0"/>
+              </a:spcBef>
+              <a:spcAft>
+                <a:spcPct val="0"/>
+              </a:spcAft>
+              <a:buFont typeface="Arial" panose="020B0604020202020204" pitchFamily="34" charset="0"/>
+              <a:buChar char="•"/>
+            </a:pPr>
+            <a:r>
+              <a:rPr lang="en-CA" sz="800" dirty="0">
+                <a:solidFill>
+                  <a:srgbClr val="0070C0"/>
+                </a:solidFill>
+                <a:ea typeface="Segoe UI" pitchFamily="34" charset="0"/>
+                <a:cs typeface="Segoe UI" pitchFamily="34" charset="0"/>
+              </a:rPr>
+              <a:t>Connector – lightweight agent on on-prem server</a:t>
+            </a:r>
+          </a:p>
+          <a:p>
+            <a:pPr marL="360363" lvl="1" indent="-184150" defTabSz="932472" fontAlgn="base">
+              <a:lnSpc>
+                <a:spcPct val="90000"/>
+              </a:lnSpc>
+              <a:spcBef>
+                <a:spcPct val="0"/>
+              </a:spcBef>
+              <a:spcAft>
+                <a:spcPct val="0"/>
+              </a:spcAft>
+              <a:buFont typeface="Arial" panose="020B0604020202020204" pitchFamily="34" charset="0"/>
+              <a:buChar char="•"/>
+            </a:pPr>
+            <a:r>
+              <a:rPr lang="en-CA" sz="800" dirty="0">
+                <a:solidFill>
+                  <a:srgbClr val="0070C0"/>
+                </a:solidFill>
+                <a:ea typeface="Segoe UI" pitchFamily="34" charset="0"/>
+                <a:cs typeface="Segoe UI" pitchFamily="34" charset="0"/>
+              </a:rPr>
+              <a:t>External endpoint – direct URL or access via MyApps </a:t>
+            </a:r>
+          </a:p>
+        </p:txBody>
+      </p:sp>
+      <p:sp>
+        <p:nvSpPr>
+          <p:cNvPr id="65" name="Rectangle: Rounded Corners 64">
+            <a:extLst>
+              <a:ext uri="{FF2B5EF4-FFF2-40B4-BE49-F238E27FC236}">
+                <a16:creationId xmlns:a16="http://schemas.microsoft.com/office/drawing/2014/main" id="{72FFCC7E-308D-4388-AC01-73DEC9966935}"/>
+              </a:ext>
+            </a:extLst>
+          </p:cNvPr>
+          <p:cNvSpPr/>
+          <p:nvPr/>
+        </p:nvSpPr>
+        <p:spPr bwMode="auto">
+          <a:xfrm>
+            <a:off x="4546024" y="6570854"/>
+            <a:ext cx="2986571" cy="419904"/>
+          </a:xfrm>
+          <a:prstGeom prst="roundRect">
+            <a:avLst/>
+          </a:prstGeom>
+          <a:solidFill>
+            <a:srgbClr val="0070C0"/>
+          </a:solidFill>
+          <a:ln>
+            <a:solidFill>
+              <a:srgbClr val="0070C0"/>
+            </a:solidFill>
+            <a:headEnd type="none" w="med" len="med"/>
+            <a:tailEnd type="none" w="med" len="med"/>
+          </a:ln>
+          <a:effectLst/>
+        </p:spPr>
+        <p:style>
+          <a:lnRef idx="1">
+            <a:schemeClr val="accent2"/>
+          </a:lnRef>
+          <a:fillRef idx="3">
+            <a:schemeClr val="accent2"/>
+          </a:fillRef>
+          <a:effectRef idx="2">
+            <a:schemeClr val="accent2"/>
+          </a:effectRef>
+          <a:fontRef idx="minor">
+            <a:schemeClr val="lt1"/>
+          </a:fontRef>
+        </p:style>
+        <p:txBody>
+          <a:bodyPr rot="0" spcFirstLastPara="0" vertOverflow="overflow" horzOverflow="overflow" vert="horz" wrap="square" lIns="0" tIns="0" rIns="0" bIns="0" numCol="1" spcCol="0" rtlCol="0" fromWordArt="0" anchor="ctr" anchorCtr="0" forceAA="0" compatLnSpc="1">
+            <a:prstTxWarp prst="textNoShape">
+              <a:avLst/>
+            </a:prstTxWarp>
+            <a:noAutofit/>
+          </a:bodyPr>
+          <a:lstStyle/>
+          <a:p>
+            <a:pPr algn="ctr" defTabSz="932472" fontAlgn="base">
+              <a:lnSpc>
+                <a:spcPct val="90000"/>
+              </a:lnSpc>
+              <a:spcBef>
+                <a:spcPct val="0"/>
+              </a:spcBef>
+              <a:spcAft>
+                <a:spcPct val="0"/>
+              </a:spcAft>
+            </a:pPr>
+            <a:r>
+              <a:rPr lang="en-CA" sz="1600" dirty="0">
+                <a:gradFill>
+                  <a:gsLst>
+                    <a:gs pos="0">
+                      <a:srgbClr val="FFFFFF"/>
+                    </a:gs>
+                    <a:gs pos="100000">
+                      <a:srgbClr val="FFFFFF"/>
+                    </a:gs>
+                  </a:gsLst>
+                  <a:lin ang="5400000" scaled="0"/>
+                </a:gradFill>
+                <a:ea typeface="Segoe UI" pitchFamily="34" charset="0"/>
+                <a:cs typeface="Segoe UI" pitchFamily="34" charset="0"/>
+              </a:rPr>
+              <a:t>On-Premise Data Gateway</a:t>
+            </a:r>
+          </a:p>
+        </p:txBody>
+      </p:sp>
+      <p:sp>
+        <p:nvSpPr>
+          <p:cNvPr id="66" name="Rectangle 65">
+            <a:extLst>
+              <a:ext uri="{FF2B5EF4-FFF2-40B4-BE49-F238E27FC236}">
+                <a16:creationId xmlns:a16="http://schemas.microsoft.com/office/drawing/2014/main" id="{D638EE2C-179F-4B6A-801F-3B2E9FB980B4}"/>
+              </a:ext>
+            </a:extLst>
+          </p:cNvPr>
+          <p:cNvSpPr/>
+          <p:nvPr/>
+        </p:nvSpPr>
+        <p:spPr bwMode="auto">
+          <a:xfrm>
+            <a:off x="4546025" y="6927451"/>
+            <a:ext cx="2986570" cy="560455"/>
+          </a:xfrm>
+          <a:prstGeom prst="rect">
+            <a:avLst/>
+          </a:prstGeom>
+          <a:solidFill>
+            <a:schemeClr val="tx1"/>
+          </a:solidFill>
+          <a:ln>
+            <a:solidFill>
+              <a:srgbClr val="0070C0"/>
+            </a:solidFill>
+            <a:headEnd type="none" w="med" len="med"/>
+            <a:tailEnd type="none" w="med" len="med"/>
+          </a:ln>
+          <a:effectLst/>
+        </p:spPr>
+        <p:style>
+          <a:lnRef idx="1">
+            <a:schemeClr val="accent2"/>
+          </a:lnRef>
+          <a:fillRef idx="3">
+            <a:schemeClr val="accent2"/>
+          </a:fillRef>
+          <a:effectRef idx="2">
+            <a:schemeClr val="accent2"/>
+          </a:effectRef>
+          <a:fontRef idx="minor">
+            <a:schemeClr val="lt1"/>
+          </a:fontRef>
+        </p:style>
+        <p:txBody>
+          <a:bodyPr rot="0" spcFirstLastPara="0" vertOverflow="overflow" horzOverflow="overflow" vert="horz" wrap="square" lIns="36000" tIns="72000" rIns="0" bIns="0" numCol="1" spcCol="0" rtlCol="0" fromWordArt="0" anchor="ctr" anchorCtr="0" forceAA="0" compatLnSpc="1">
+            <a:prstTxWarp prst="textNoShape">
+              <a:avLst/>
+            </a:prstTxWarp>
+            <a:noAutofit/>
+          </a:bodyPr>
+          <a:lstStyle/>
+          <a:p>
+            <a:pPr defTabSz="932472" fontAlgn="base">
+              <a:lnSpc>
+                <a:spcPct val="90000"/>
+              </a:lnSpc>
+              <a:spcBef>
+                <a:spcPct val="0"/>
+              </a:spcBef>
+              <a:spcAft>
+                <a:spcPct val="0"/>
+              </a:spcAft>
+            </a:pPr>
+            <a:r>
+              <a:rPr lang="en-CA" sz="900" b="1" dirty="0">
+                <a:solidFill>
+                  <a:srgbClr val="0070C0"/>
+                </a:solidFill>
+                <a:ea typeface="Segoe UI" pitchFamily="34" charset="0"/>
+                <a:cs typeface="Segoe UI" pitchFamily="34" charset="0"/>
+              </a:rPr>
+              <a:t>Bridge between on-prem data sources and Azure</a:t>
+            </a:r>
+          </a:p>
+          <a:p>
+            <a:pPr marL="360363" lvl="1" indent="-184150" defTabSz="932472" fontAlgn="base">
+              <a:lnSpc>
+                <a:spcPct val="90000"/>
+              </a:lnSpc>
+              <a:spcBef>
+                <a:spcPct val="0"/>
+              </a:spcBef>
+              <a:spcAft>
+                <a:spcPct val="0"/>
+              </a:spcAft>
+              <a:buFont typeface="Arial" panose="020B0604020202020204" pitchFamily="34" charset="0"/>
+              <a:buChar char="•"/>
+            </a:pPr>
+            <a:r>
+              <a:rPr lang="en-CA" sz="800" dirty="0">
+                <a:solidFill>
+                  <a:srgbClr val="0070C0"/>
+                </a:solidFill>
+                <a:ea typeface="Segoe UI" pitchFamily="34" charset="0"/>
+                <a:cs typeface="Segoe UI" pitchFamily="34" charset="0"/>
+              </a:rPr>
+              <a:t>Uses Service Bus</a:t>
+            </a:r>
+          </a:p>
+          <a:p>
+            <a:pPr marL="360363" lvl="1" indent="-184150" defTabSz="932472" fontAlgn="base">
+              <a:lnSpc>
+                <a:spcPct val="90000"/>
+              </a:lnSpc>
+              <a:spcBef>
+                <a:spcPct val="0"/>
+              </a:spcBef>
+              <a:spcAft>
+                <a:spcPct val="0"/>
+              </a:spcAft>
+              <a:buFont typeface="Arial" panose="020B0604020202020204" pitchFamily="34" charset="0"/>
+              <a:buChar char="•"/>
+            </a:pPr>
+            <a:r>
+              <a:rPr lang="en-CA" sz="800" dirty="0">
+                <a:solidFill>
+                  <a:srgbClr val="0070C0"/>
+                </a:solidFill>
+                <a:ea typeface="Segoe UI" pitchFamily="34" charset="0"/>
+                <a:cs typeface="Segoe UI" pitchFamily="34" charset="0"/>
+              </a:rPr>
+              <a:t>Azure -&gt; Analytics, Logic Apps, Flow, Power Apps, …</a:t>
+            </a:r>
+          </a:p>
+          <a:p>
+            <a:pPr marL="360363" lvl="1" indent="-184150" defTabSz="932472" fontAlgn="base">
+              <a:lnSpc>
+                <a:spcPct val="90000"/>
+              </a:lnSpc>
+              <a:spcBef>
+                <a:spcPct val="0"/>
+              </a:spcBef>
+              <a:spcAft>
+                <a:spcPct val="0"/>
+              </a:spcAft>
+              <a:buFont typeface="Arial" panose="020B0604020202020204" pitchFamily="34" charset="0"/>
+              <a:buChar char="•"/>
+            </a:pPr>
+            <a:r>
+              <a:rPr lang="en-CA" sz="800" dirty="0">
+                <a:solidFill>
+                  <a:srgbClr val="0070C0"/>
+                </a:solidFill>
+                <a:ea typeface="Segoe UI" pitchFamily="34" charset="0"/>
+                <a:cs typeface="Segoe UI" pitchFamily="34" charset="0"/>
+              </a:rPr>
+              <a:t>On-Prem -&gt; SQL Server, SQL Analytics, SharePoint, …</a:t>
+            </a:r>
+          </a:p>
+        </p:txBody>
+      </p:sp>
+      <p:sp>
+        <p:nvSpPr>
+          <p:cNvPr id="67" name="Rectangle: Rounded Corners 66">
+            <a:extLst>
+              <a:ext uri="{FF2B5EF4-FFF2-40B4-BE49-F238E27FC236}">
+                <a16:creationId xmlns:a16="http://schemas.microsoft.com/office/drawing/2014/main" id="{358373CD-5418-4169-8404-F40060B16555}"/>
+              </a:ext>
+            </a:extLst>
+          </p:cNvPr>
+          <p:cNvSpPr/>
+          <p:nvPr/>
+        </p:nvSpPr>
+        <p:spPr bwMode="auto">
+          <a:xfrm>
+            <a:off x="1435672" y="5437620"/>
+            <a:ext cx="2986571" cy="419904"/>
+          </a:xfrm>
+          <a:prstGeom prst="roundRect">
+            <a:avLst/>
+          </a:prstGeom>
+          <a:solidFill>
+            <a:srgbClr val="0070C0"/>
+          </a:solidFill>
+          <a:ln>
+            <a:solidFill>
+              <a:srgbClr val="0070C0"/>
+            </a:solidFill>
+            <a:headEnd type="none" w="med" len="med"/>
+            <a:tailEnd type="none" w="med" len="med"/>
+          </a:ln>
+          <a:effectLst/>
+        </p:spPr>
+        <p:style>
+          <a:lnRef idx="1">
+            <a:schemeClr val="accent2"/>
+          </a:lnRef>
+          <a:fillRef idx="3">
+            <a:schemeClr val="accent2"/>
+          </a:fillRef>
+          <a:effectRef idx="2">
+            <a:schemeClr val="accent2"/>
+          </a:effectRef>
+          <a:fontRef idx="minor">
+            <a:schemeClr val="lt1"/>
+          </a:fontRef>
+        </p:style>
+        <p:txBody>
+          <a:bodyPr rot="0" spcFirstLastPara="0" vertOverflow="overflow" horzOverflow="overflow" vert="horz" wrap="square" lIns="0" tIns="0" rIns="0" bIns="0" numCol="1" spcCol="0" rtlCol="0" fromWordArt="0" anchor="ctr" anchorCtr="0" forceAA="0" compatLnSpc="1">
+            <a:prstTxWarp prst="textNoShape">
+              <a:avLst/>
+            </a:prstTxWarp>
+            <a:noAutofit/>
+          </a:bodyPr>
+          <a:lstStyle/>
+          <a:p>
+            <a:pPr algn="ctr" defTabSz="932472" fontAlgn="base">
+              <a:lnSpc>
+                <a:spcPct val="90000"/>
+              </a:lnSpc>
+              <a:spcBef>
+                <a:spcPct val="0"/>
+              </a:spcBef>
+              <a:spcAft>
+                <a:spcPct val="0"/>
+              </a:spcAft>
+            </a:pPr>
+            <a:r>
+              <a:rPr lang="en-CA" sz="1600" dirty="0">
+                <a:gradFill>
+                  <a:gsLst>
+                    <a:gs pos="0">
+                      <a:srgbClr val="FFFFFF"/>
+                    </a:gs>
+                    <a:gs pos="100000">
+                      <a:srgbClr val="FFFFFF"/>
+                    </a:gs>
+                  </a:gsLst>
+                  <a:lin ang="5400000" scaled="0"/>
+                </a:gradFill>
+                <a:ea typeface="Segoe UI" pitchFamily="34" charset="0"/>
+                <a:cs typeface="Segoe UI" pitchFamily="34" charset="0"/>
+              </a:rPr>
+              <a:t>App Service Hybrid Connections</a:t>
+            </a:r>
+          </a:p>
+        </p:txBody>
+      </p:sp>
+      <p:sp>
+        <p:nvSpPr>
+          <p:cNvPr id="68" name="Rectangle 67">
+            <a:extLst>
+              <a:ext uri="{FF2B5EF4-FFF2-40B4-BE49-F238E27FC236}">
+                <a16:creationId xmlns:a16="http://schemas.microsoft.com/office/drawing/2014/main" id="{6C3F6C55-B679-490F-9A9A-D4A3550AB6EB}"/>
+              </a:ext>
+            </a:extLst>
+          </p:cNvPr>
+          <p:cNvSpPr/>
+          <p:nvPr/>
+        </p:nvSpPr>
+        <p:spPr bwMode="auto">
+          <a:xfrm>
+            <a:off x="1435673" y="5794218"/>
+            <a:ext cx="2986570" cy="491854"/>
+          </a:xfrm>
+          <a:prstGeom prst="rect">
+            <a:avLst/>
+          </a:prstGeom>
+          <a:solidFill>
+            <a:schemeClr val="tx1"/>
+          </a:solidFill>
+          <a:ln>
+            <a:solidFill>
+              <a:srgbClr val="0070C0"/>
+            </a:solidFill>
+            <a:headEnd type="none" w="med" len="med"/>
+            <a:tailEnd type="none" w="med" len="med"/>
+          </a:ln>
+          <a:effectLst/>
+        </p:spPr>
+        <p:style>
+          <a:lnRef idx="1">
+            <a:schemeClr val="accent2"/>
+          </a:lnRef>
+          <a:fillRef idx="3">
+            <a:schemeClr val="accent2"/>
+          </a:fillRef>
+          <a:effectRef idx="2">
+            <a:schemeClr val="accent2"/>
+          </a:effectRef>
+          <a:fontRef idx="minor">
+            <a:schemeClr val="lt1"/>
+          </a:fontRef>
+        </p:style>
+        <p:txBody>
+          <a:bodyPr rot="0" spcFirstLastPara="0" vertOverflow="overflow" horzOverflow="overflow" vert="horz" wrap="square" lIns="36000" tIns="72000" rIns="0" bIns="0" numCol="1" spcCol="0" rtlCol="0" fromWordArt="0" anchor="ctr" anchorCtr="0" forceAA="0" compatLnSpc="1">
+            <a:prstTxWarp prst="textNoShape">
+              <a:avLst/>
+            </a:prstTxWarp>
+            <a:noAutofit/>
+          </a:bodyPr>
+          <a:lstStyle/>
+          <a:p>
+            <a:pPr defTabSz="932472" fontAlgn="base">
+              <a:lnSpc>
+                <a:spcPct val="90000"/>
+              </a:lnSpc>
+              <a:spcBef>
+                <a:spcPct val="0"/>
+              </a:spcBef>
+              <a:spcAft>
+                <a:spcPct val="0"/>
+              </a:spcAft>
+            </a:pPr>
+            <a:r>
+              <a:rPr lang="en-CA" sz="900" b="1" dirty="0">
+                <a:solidFill>
+                  <a:srgbClr val="0070C0"/>
+                </a:solidFill>
+                <a:ea typeface="Segoe UI" pitchFamily="34" charset="0"/>
+                <a:cs typeface="Segoe UI" pitchFamily="34" charset="0"/>
+              </a:rPr>
+              <a:t>Connects Azure and on-prem applications using TCP</a:t>
+            </a:r>
+          </a:p>
+          <a:p>
+            <a:pPr marL="360363" lvl="1" indent="-184150" defTabSz="932472" fontAlgn="base">
+              <a:lnSpc>
+                <a:spcPct val="90000"/>
+              </a:lnSpc>
+              <a:spcBef>
+                <a:spcPct val="0"/>
+              </a:spcBef>
+              <a:spcAft>
+                <a:spcPct val="0"/>
+              </a:spcAft>
+              <a:buFont typeface="Arial" panose="020B0604020202020204" pitchFamily="34" charset="0"/>
+              <a:buChar char="•"/>
+            </a:pPr>
+            <a:r>
+              <a:rPr lang="en-CA" sz="800" dirty="0">
+                <a:solidFill>
+                  <a:srgbClr val="0070C0"/>
+                </a:solidFill>
+                <a:ea typeface="Segoe UI" pitchFamily="34" charset="0"/>
+                <a:cs typeface="Segoe UI" pitchFamily="34" charset="0"/>
+              </a:rPr>
+              <a:t>Uses Azure Relay Service</a:t>
+            </a:r>
+          </a:p>
+          <a:p>
+            <a:pPr marL="360363" lvl="1" indent="-184150" defTabSz="932472" fontAlgn="base">
+              <a:lnSpc>
+                <a:spcPct val="90000"/>
+              </a:lnSpc>
+              <a:spcBef>
+                <a:spcPct val="0"/>
+              </a:spcBef>
+              <a:spcAft>
+                <a:spcPct val="0"/>
+              </a:spcAft>
+              <a:buFont typeface="Arial" panose="020B0604020202020204" pitchFamily="34" charset="0"/>
+              <a:buChar char="•"/>
+            </a:pPr>
+            <a:r>
+              <a:rPr lang="en-CA" sz="800" dirty="0">
+                <a:solidFill>
+                  <a:srgbClr val="0070C0"/>
+                </a:solidFill>
+                <a:ea typeface="Segoe UI" pitchFamily="34" charset="0"/>
+                <a:cs typeface="Segoe UI" pitchFamily="34" charset="0"/>
+              </a:rPr>
+              <a:t>Part of App Service and is a separate Azure feature</a:t>
+            </a:r>
+          </a:p>
+        </p:txBody>
+      </p:sp>
+      <p:sp>
+        <p:nvSpPr>
+          <p:cNvPr id="69" name="Rectangle: Rounded Corners 68">
+            <a:extLst>
+              <a:ext uri="{FF2B5EF4-FFF2-40B4-BE49-F238E27FC236}">
+                <a16:creationId xmlns:a16="http://schemas.microsoft.com/office/drawing/2014/main" id="{886CFC34-EEDF-4D34-BBA0-BDD48BD51EED}"/>
+              </a:ext>
+            </a:extLst>
+          </p:cNvPr>
+          <p:cNvSpPr/>
+          <p:nvPr/>
+        </p:nvSpPr>
+        <p:spPr bwMode="auto">
+          <a:xfrm>
+            <a:off x="4546024" y="5437620"/>
+            <a:ext cx="2986571" cy="419904"/>
+          </a:xfrm>
+          <a:prstGeom prst="roundRect">
+            <a:avLst/>
+          </a:prstGeom>
+          <a:solidFill>
+            <a:srgbClr val="0070C0"/>
+          </a:solidFill>
+          <a:ln>
+            <a:solidFill>
+              <a:srgbClr val="0070C0"/>
+            </a:solidFill>
+            <a:headEnd type="none" w="med" len="med"/>
+            <a:tailEnd type="none" w="med" len="med"/>
+          </a:ln>
+          <a:effectLst/>
+        </p:spPr>
+        <p:style>
+          <a:lnRef idx="1">
+            <a:schemeClr val="accent2"/>
+          </a:lnRef>
+          <a:fillRef idx="3">
+            <a:schemeClr val="accent2"/>
+          </a:fillRef>
+          <a:effectRef idx="2">
+            <a:schemeClr val="accent2"/>
+          </a:effectRef>
+          <a:fontRef idx="minor">
+            <a:schemeClr val="lt1"/>
+          </a:fontRef>
+        </p:style>
+        <p:txBody>
+          <a:bodyPr rot="0" spcFirstLastPara="0" vertOverflow="overflow" horzOverflow="overflow" vert="horz" wrap="square" lIns="0" tIns="0" rIns="0" bIns="0" numCol="1" spcCol="0" rtlCol="0" fromWordArt="0" anchor="ctr" anchorCtr="0" forceAA="0" compatLnSpc="1">
+            <a:prstTxWarp prst="textNoShape">
+              <a:avLst/>
+            </a:prstTxWarp>
+            <a:noAutofit/>
+          </a:bodyPr>
+          <a:lstStyle/>
+          <a:p>
+            <a:pPr algn="ctr" defTabSz="932472" fontAlgn="base">
+              <a:lnSpc>
+                <a:spcPct val="90000"/>
+              </a:lnSpc>
+              <a:spcBef>
+                <a:spcPct val="0"/>
+              </a:spcBef>
+              <a:spcAft>
+                <a:spcPct val="0"/>
+              </a:spcAft>
+            </a:pPr>
+            <a:r>
+              <a:rPr lang="en-CA" sz="1600" dirty="0">
+                <a:gradFill>
+                  <a:gsLst>
+                    <a:gs pos="0">
+                      <a:srgbClr val="FFFFFF"/>
+                    </a:gs>
+                    <a:gs pos="100000">
+                      <a:srgbClr val="FFFFFF"/>
+                    </a:gs>
+                  </a:gsLst>
+                  <a:lin ang="5400000" scaled="0"/>
+                </a:gradFill>
+                <a:ea typeface="Segoe UI" pitchFamily="34" charset="0"/>
+                <a:cs typeface="Segoe UI" pitchFamily="34" charset="0"/>
+              </a:rPr>
+              <a:t>App Service </a:t>
+            </a:r>
+            <a:r>
+              <a:rPr lang="en-CA" sz="1600" dirty="0" err="1">
+                <a:gradFill>
+                  <a:gsLst>
+                    <a:gs pos="0">
+                      <a:srgbClr val="FFFFFF"/>
+                    </a:gs>
+                    <a:gs pos="100000">
+                      <a:srgbClr val="FFFFFF"/>
+                    </a:gs>
+                  </a:gsLst>
+                  <a:lin ang="5400000" scaled="0"/>
+                </a:gradFill>
+                <a:ea typeface="Segoe UI" pitchFamily="34" charset="0"/>
+                <a:cs typeface="Segoe UI" pitchFamily="34" charset="0"/>
+              </a:rPr>
+              <a:t>VNet</a:t>
+            </a:r>
+            <a:r>
+              <a:rPr lang="en-CA" sz="1600" dirty="0">
+                <a:gradFill>
+                  <a:gsLst>
+                    <a:gs pos="0">
+                      <a:srgbClr val="FFFFFF"/>
+                    </a:gs>
+                    <a:gs pos="100000">
+                      <a:srgbClr val="FFFFFF"/>
+                    </a:gs>
+                  </a:gsLst>
+                  <a:lin ang="5400000" scaled="0"/>
+                </a:gradFill>
+                <a:ea typeface="Segoe UI" pitchFamily="34" charset="0"/>
+                <a:cs typeface="Segoe UI" pitchFamily="34" charset="0"/>
+              </a:rPr>
+              <a:t> Integration</a:t>
+            </a:r>
+          </a:p>
+        </p:txBody>
+      </p:sp>
+      <p:sp>
+        <p:nvSpPr>
+          <p:cNvPr id="70" name="Rectangle 69">
+            <a:extLst>
+              <a:ext uri="{FF2B5EF4-FFF2-40B4-BE49-F238E27FC236}">
+                <a16:creationId xmlns:a16="http://schemas.microsoft.com/office/drawing/2014/main" id="{FAAEB69C-C663-4453-B10C-E5C1244D93B5}"/>
+              </a:ext>
+            </a:extLst>
+          </p:cNvPr>
+          <p:cNvSpPr/>
+          <p:nvPr/>
+        </p:nvSpPr>
+        <p:spPr bwMode="auto">
+          <a:xfrm>
+            <a:off x="4546025" y="5794217"/>
+            <a:ext cx="2986570" cy="582197"/>
+          </a:xfrm>
+          <a:prstGeom prst="rect">
+            <a:avLst/>
+          </a:prstGeom>
+          <a:solidFill>
+            <a:schemeClr val="tx1"/>
+          </a:solidFill>
+          <a:ln>
+            <a:solidFill>
+              <a:srgbClr val="0070C0"/>
+            </a:solidFill>
+            <a:headEnd type="none" w="med" len="med"/>
+            <a:tailEnd type="none" w="med" len="med"/>
+          </a:ln>
+          <a:effectLst/>
+        </p:spPr>
+        <p:style>
+          <a:lnRef idx="1">
+            <a:schemeClr val="accent2"/>
+          </a:lnRef>
+          <a:fillRef idx="3">
+            <a:schemeClr val="accent2"/>
+          </a:fillRef>
+          <a:effectRef idx="2">
+            <a:schemeClr val="accent2"/>
+          </a:effectRef>
+          <a:fontRef idx="minor">
+            <a:schemeClr val="lt1"/>
+          </a:fontRef>
+        </p:style>
+        <p:txBody>
+          <a:bodyPr rot="0" spcFirstLastPara="0" vertOverflow="overflow" horzOverflow="overflow" vert="horz" wrap="square" lIns="36000" tIns="72000" rIns="0" bIns="0" numCol="1" spcCol="0" rtlCol="0" fromWordArt="0" anchor="ctr" anchorCtr="0" forceAA="0" compatLnSpc="1">
+            <a:prstTxWarp prst="textNoShape">
+              <a:avLst/>
+            </a:prstTxWarp>
+            <a:noAutofit/>
+          </a:bodyPr>
+          <a:lstStyle/>
+          <a:p>
+            <a:pPr defTabSz="932472" fontAlgn="base">
+              <a:lnSpc>
+                <a:spcPct val="90000"/>
+              </a:lnSpc>
+              <a:spcBef>
+                <a:spcPct val="0"/>
+              </a:spcBef>
+              <a:spcAft>
+                <a:spcPct val="0"/>
+              </a:spcAft>
+            </a:pPr>
+            <a:r>
+              <a:rPr lang="en-CA" sz="900" b="1" dirty="0">
+                <a:solidFill>
+                  <a:srgbClr val="0070C0"/>
+                </a:solidFill>
+                <a:ea typeface="Segoe UI" pitchFamily="34" charset="0"/>
+                <a:cs typeface="Segoe UI" pitchFamily="34" charset="0"/>
+              </a:rPr>
+              <a:t>Enables access from app to other services</a:t>
+            </a:r>
+          </a:p>
+          <a:p>
+            <a:pPr marL="360363" lvl="1" indent="-184150" defTabSz="932472" fontAlgn="base">
+              <a:lnSpc>
+                <a:spcPct val="90000"/>
+              </a:lnSpc>
+              <a:spcBef>
+                <a:spcPct val="0"/>
+              </a:spcBef>
+              <a:spcAft>
+                <a:spcPct val="0"/>
+              </a:spcAft>
+              <a:buFont typeface="Arial" panose="020B0604020202020204" pitchFamily="34" charset="0"/>
+              <a:buChar char="•"/>
+            </a:pPr>
+            <a:r>
+              <a:rPr lang="en-CA" sz="800" dirty="0">
+                <a:solidFill>
+                  <a:srgbClr val="0070C0"/>
+                </a:solidFill>
+                <a:ea typeface="Segoe UI" pitchFamily="34" charset="0"/>
+                <a:cs typeface="Segoe UI" pitchFamily="34" charset="0"/>
+              </a:rPr>
+              <a:t>Deploy app inside a </a:t>
+            </a:r>
+            <a:r>
+              <a:rPr lang="en-CA" sz="800" dirty="0" err="1">
+                <a:solidFill>
+                  <a:srgbClr val="0070C0"/>
+                </a:solidFill>
+                <a:ea typeface="Segoe UI" pitchFamily="34" charset="0"/>
+                <a:cs typeface="Segoe UI" pitchFamily="34" charset="0"/>
+              </a:rPr>
+              <a:t>VNet</a:t>
+            </a:r>
+            <a:endParaRPr lang="en-CA" sz="800" dirty="0">
+              <a:solidFill>
+                <a:srgbClr val="0070C0"/>
+              </a:solidFill>
+              <a:ea typeface="Segoe UI" pitchFamily="34" charset="0"/>
+              <a:cs typeface="Segoe UI" pitchFamily="34" charset="0"/>
+            </a:endParaRPr>
+          </a:p>
+          <a:p>
+            <a:pPr marL="360363" lvl="1" indent="-184150" defTabSz="932472" fontAlgn="base">
+              <a:lnSpc>
+                <a:spcPct val="90000"/>
+              </a:lnSpc>
+              <a:spcBef>
+                <a:spcPct val="0"/>
+              </a:spcBef>
+              <a:spcAft>
+                <a:spcPct val="0"/>
+              </a:spcAft>
+              <a:buFont typeface="Arial" panose="020B0604020202020204" pitchFamily="34" charset="0"/>
+              <a:buChar char="•"/>
+            </a:pPr>
+            <a:r>
+              <a:rPr lang="en-CA" sz="800" dirty="0">
+                <a:solidFill>
+                  <a:srgbClr val="0070C0"/>
+                </a:solidFill>
+                <a:ea typeface="Segoe UI" pitchFamily="34" charset="0"/>
+                <a:cs typeface="Segoe UI" pitchFamily="34" charset="0"/>
+              </a:rPr>
+              <a:t>Access services within same </a:t>
+            </a:r>
+            <a:r>
+              <a:rPr lang="en-CA" sz="800" dirty="0" err="1">
+                <a:solidFill>
+                  <a:srgbClr val="0070C0"/>
+                </a:solidFill>
+                <a:ea typeface="Segoe UI" pitchFamily="34" charset="0"/>
+                <a:cs typeface="Segoe UI" pitchFamily="34" charset="0"/>
+              </a:rPr>
+              <a:t>VNet</a:t>
+            </a:r>
+            <a:r>
+              <a:rPr lang="en-CA" sz="800" dirty="0">
+                <a:solidFill>
+                  <a:srgbClr val="0070C0"/>
+                </a:solidFill>
+                <a:ea typeface="Segoe UI" pitchFamily="34" charset="0"/>
+                <a:cs typeface="Segoe UI" pitchFamily="34" charset="0"/>
+              </a:rPr>
+              <a:t> (VMs, DBs, …)</a:t>
+            </a:r>
+          </a:p>
+          <a:p>
+            <a:pPr marL="360363" lvl="1" indent="-184150" defTabSz="932472" fontAlgn="base">
+              <a:lnSpc>
+                <a:spcPct val="90000"/>
+              </a:lnSpc>
+              <a:spcBef>
+                <a:spcPct val="0"/>
+              </a:spcBef>
+              <a:spcAft>
+                <a:spcPct val="0"/>
+              </a:spcAft>
+              <a:buFont typeface="Arial" panose="020B0604020202020204" pitchFamily="34" charset="0"/>
+              <a:buChar char="•"/>
+            </a:pPr>
+            <a:r>
+              <a:rPr lang="en-CA" sz="800" dirty="0">
+                <a:solidFill>
+                  <a:srgbClr val="0070C0"/>
+                </a:solidFill>
+                <a:ea typeface="Segoe UI" pitchFamily="34" charset="0"/>
+                <a:cs typeface="Segoe UI" pitchFamily="34" charset="0"/>
+              </a:rPr>
+              <a:t>TCP or UDP</a:t>
+            </a:r>
+          </a:p>
+        </p:txBody>
+      </p:sp>
+      <p:sp>
+        <p:nvSpPr>
+          <p:cNvPr id="71" name="Rectangle 70">
+            <a:extLst>
+              <a:ext uri="{FF2B5EF4-FFF2-40B4-BE49-F238E27FC236}">
+                <a16:creationId xmlns:a16="http://schemas.microsoft.com/office/drawing/2014/main" id="{326FC937-B7B7-4D43-942C-EE3032E3345E}"/>
+              </a:ext>
+            </a:extLst>
+          </p:cNvPr>
+          <p:cNvSpPr/>
+          <p:nvPr/>
+        </p:nvSpPr>
+        <p:spPr bwMode="auto">
+          <a:xfrm>
+            <a:off x="8031032" y="6032334"/>
+            <a:ext cx="6314696" cy="6865656"/>
+          </a:xfrm>
+          <a:prstGeom prst="rect">
+            <a:avLst/>
+          </a:prstGeom>
+          <a:solidFill>
+            <a:srgbClr val="002060"/>
+          </a:solidFill>
+          <a:ln>
+            <a:noFill/>
+            <a:headEnd type="none" w="med" len="med"/>
+            <a:tailEnd type="none" w="med" len="med"/>
+          </a:ln>
+          <a:effectLst/>
+        </p:spPr>
+        <p:style>
+          <a:lnRef idx="1">
+            <a:schemeClr val="accent2"/>
+          </a:lnRef>
+          <a:fillRef idx="3">
+            <a:schemeClr val="accent2"/>
+          </a:fillRef>
+          <a:effectRef idx="2">
+            <a:schemeClr val="accent2"/>
+          </a:effectRef>
+          <a:fontRef idx="minor">
+            <a:schemeClr val="lt1"/>
+          </a:fontRef>
+        </p:style>
+        <p:txBody>
+          <a:bodyPr rot="0" spcFirstLastPara="0" vertOverflow="overflow" horzOverflow="overflow" vert="horz" wrap="square" lIns="0" tIns="72000" rIns="0" bIns="146304" numCol="1" spcCol="0" rtlCol="0" fromWordArt="0" anchor="t" anchorCtr="0" forceAA="0" compatLnSpc="1">
+            <a:prstTxWarp prst="textNoShape">
+              <a:avLst/>
+            </a:prstTxWarp>
+            <a:noAutofit/>
+          </a:bodyPr>
+          <a:lstStyle/>
+          <a:p>
+            <a:pPr algn="ctr" defTabSz="932472" fontAlgn="base">
+              <a:lnSpc>
+                <a:spcPct val="90000"/>
+              </a:lnSpc>
+              <a:spcBef>
+                <a:spcPct val="0"/>
+              </a:spcBef>
+              <a:spcAft>
+                <a:spcPct val="0"/>
+              </a:spcAft>
+            </a:pPr>
+            <a:r>
+              <a:rPr lang="en-CA" sz="2400" dirty="0">
+                <a:gradFill>
+                  <a:gsLst>
+                    <a:gs pos="0">
+                      <a:srgbClr val="FFFFFF"/>
+                    </a:gs>
+                    <a:gs pos="100000">
+                      <a:srgbClr val="FFFFFF"/>
+                    </a:gs>
+                  </a:gsLst>
+                  <a:lin ang="5400000" scaled="0"/>
+                </a:gradFill>
+                <a:ea typeface="Segoe UI" pitchFamily="34" charset="0"/>
+                <a:cs typeface="Segoe UI" pitchFamily="34" charset="0"/>
+              </a:rPr>
+              <a:t>Storage Solutions</a:t>
+            </a:r>
+          </a:p>
+        </p:txBody>
+      </p:sp>
+      <p:sp>
+        <p:nvSpPr>
+          <p:cNvPr id="74" name="Rectangle: Rounded Corners 73">
+            <a:extLst>
+              <a:ext uri="{FF2B5EF4-FFF2-40B4-BE49-F238E27FC236}">
+                <a16:creationId xmlns:a16="http://schemas.microsoft.com/office/drawing/2014/main" id="{1BAE9296-A328-43F2-8410-27D36B8D2B41}"/>
+              </a:ext>
+            </a:extLst>
+          </p:cNvPr>
+          <p:cNvSpPr/>
+          <p:nvPr/>
+        </p:nvSpPr>
+        <p:spPr bwMode="auto">
+          <a:xfrm>
+            <a:off x="8148877" y="6571708"/>
+            <a:ext cx="2986571" cy="419904"/>
+          </a:xfrm>
+          <a:prstGeom prst="roundRect">
+            <a:avLst/>
+          </a:prstGeom>
+          <a:solidFill>
+            <a:srgbClr val="0070C0"/>
+          </a:solidFill>
+          <a:ln>
+            <a:solidFill>
+              <a:srgbClr val="0070C0"/>
+            </a:solidFill>
+            <a:headEnd type="none" w="med" len="med"/>
+            <a:tailEnd type="none" w="med" len="med"/>
+          </a:ln>
+          <a:effectLst/>
+        </p:spPr>
+        <p:style>
+          <a:lnRef idx="1">
+            <a:schemeClr val="accent2"/>
+          </a:lnRef>
+          <a:fillRef idx="3">
+            <a:schemeClr val="accent2"/>
+          </a:fillRef>
+          <a:effectRef idx="2">
+            <a:schemeClr val="accent2"/>
+          </a:effectRef>
+          <a:fontRef idx="minor">
+            <a:schemeClr val="lt1"/>
+          </a:fontRef>
+        </p:style>
+        <p:txBody>
+          <a:bodyPr rot="0" spcFirstLastPara="0" vertOverflow="overflow" horzOverflow="overflow" vert="horz" wrap="square" lIns="0" tIns="0" rIns="0" bIns="0" numCol="1" spcCol="0" rtlCol="0" fromWordArt="0" anchor="ctr" anchorCtr="0" forceAA="0" compatLnSpc="1">
+            <a:prstTxWarp prst="textNoShape">
+              <a:avLst/>
+            </a:prstTxWarp>
+            <a:noAutofit/>
+          </a:bodyPr>
+          <a:lstStyle/>
+          <a:p>
+            <a:pPr algn="ctr" defTabSz="932472" fontAlgn="base">
+              <a:lnSpc>
+                <a:spcPct val="90000"/>
+              </a:lnSpc>
+              <a:spcBef>
+                <a:spcPct val="0"/>
+              </a:spcBef>
+              <a:spcAft>
+                <a:spcPct val="0"/>
+              </a:spcAft>
+            </a:pPr>
+            <a:r>
+              <a:rPr lang="en-CA" sz="1600" dirty="0">
+                <a:gradFill>
+                  <a:gsLst>
+                    <a:gs pos="0">
+                      <a:srgbClr val="FFFFFF"/>
+                    </a:gs>
+                    <a:gs pos="100000">
+                      <a:srgbClr val="FFFFFF"/>
+                    </a:gs>
+                  </a:gsLst>
+                  <a:lin ang="5400000" scaled="0"/>
+                </a:gradFill>
+                <a:ea typeface="Segoe UI" pitchFamily="34" charset="0"/>
+                <a:cs typeface="Segoe UI" pitchFamily="34" charset="0"/>
+              </a:rPr>
+              <a:t>Storage and Replication</a:t>
+            </a:r>
+          </a:p>
+        </p:txBody>
+      </p:sp>
+      <p:sp>
+        <p:nvSpPr>
+          <p:cNvPr id="75" name="Rectangle 74">
+            <a:extLst>
+              <a:ext uri="{FF2B5EF4-FFF2-40B4-BE49-F238E27FC236}">
+                <a16:creationId xmlns:a16="http://schemas.microsoft.com/office/drawing/2014/main" id="{997400B9-DECB-4FF3-A1C6-9CD50854E2F1}"/>
+              </a:ext>
+            </a:extLst>
+          </p:cNvPr>
+          <p:cNvSpPr/>
+          <p:nvPr/>
+        </p:nvSpPr>
+        <p:spPr bwMode="auto">
+          <a:xfrm>
+            <a:off x="8148878" y="6928306"/>
+            <a:ext cx="2986570" cy="1366186"/>
+          </a:xfrm>
+          <a:prstGeom prst="rect">
+            <a:avLst/>
+          </a:prstGeom>
+          <a:solidFill>
+            <a:schemeClr val="tx1"/>
+          </a:solidFill>
+          <a:ln>
+            <a:solidFill>
+              <a:srgbClr val="0070C0"/>
+            </a:solidFill>
+            <a:headEnd type="none" w="med" len="med"/>
+            <a:tailEnd type="none" w="med" len="med"/>
+          </a:ln>
+          <a:effectLst/>
+        </p:spPr>
+        <p:style>
+          <a:lnRef idx="1">
+            <a:schemeClr val="accent2"/>
+          </a:lnRef>
+          <a:fillRef idx="3">
+            <a:schemeClr val="accent2"/>
+          </a:fillRef>
+          <a:effectRef idx="2">
+            <a:schemeClr val="accent2"/>
+          </a:effectRef>
+          <a:fontRef idx="minor">
+            <a:schemeClr val="lt1"/>
+          </a:fontRef>
+        </p:style>
+        <p:txBody>
+          <a:bodyPr rot="0" spcFirstLastPara="0" vertOverflow="overflow" horzOverflow="overflow" vert="horz" wrap="square" lIns="36000" tIns="72000" rIns="0" bIns="0" numCol="1" spcCol="0" rtlCol="0" fromWordArt="0" anchor="ctr" anchorCtr="0" forceAA="0" compatLnSpc="1">
+            <a:prstTxWarp prst="textNoShape">
+              <a:avLst/>
+            </a:prstTxWarp>
+            <a:noAutofit/>
+          </a:bodyPr>
+          <a:lstStyle/>
+          <a:p>
+            <a:pPr defTabSz="932472" fontAlgn="base">
+              <a:lnSpc>
+                <a:spcPct val="90000"/>
+              </a:lnSpc>
+              <a:spcBef>
+                <a:spcPct val="0"/>
+              </a:spcBef>
+              <a:spcAft>
+                <a:spcPct val="0"/>
+              </a:spcAft>
+            </a:pPr>
+            <a:r>
+              <a:rPr lang="en-CA" sz="900" b="1" dirty="0">
+                <a:solidFill>
+                  <a:srgbClr val="0070C0"/>
+                </a:solidFill>
+                <a:ea typeface="Segoe UI" pitchFamily="34" charset="0"/>
+                <a:cs typeface="Segoe UI" pitchFamily="34" charset="0"/>
+              </a:rPr>
+              <a:t>General-purpose v1</a:t>
+            </a:r>
+          </a:p>
+          <a:p>
+            <a:pPr marL="360363" lvl="1" indent="-184150" defTabSz="932472" fontAlgn="base">
+              <a:lnSpc>
+                <a:spcPct val="90000"/>
+              </a:lnSpc>
+              <a:spcBef>
+                <a:spcPct val="0"/>
+              </a:spcBef>
+              <a:spcAft>
+                <a:spcPct val="0"/>
+              </a:spcAft>
+              <a:buFont typeface="Arial" panose="020B0604020202020204" pitchFamily="34" charset="0"/>
+              <a:buChar char="•"/>
+            </a:pPr>
+            <a:r>
+              <a:rPr lang="en-CA" sz="800" dirty="0">
+                <a:solidFill>
+                  <a:srgbClr val="0070C0"/>
+                </a:solidFill>
+                <a:cs typeface="Segoe UI" pitchFamily="34" charset="0"/>
+              </a:rPr>
+              <a:t>Classic, does not support latest features.</a:t>
+            </a:r>
+          </a:p>
+          <a:p>
+            <a:pPr defTabSz="932472" fontAlgn="base">
+              <a:lnSpc>
+                <a:spcPct val="90000"/>
+              </a:lnSpc>
+              <a:spcBef>
+                <a:spcPct val="0"/>
+              </a:spcBef>
+              <a:spcAft>
+                <a:spcPct val="0"/>
+              </a:spcAft>
+            </a:pPr>
+            <a:r>
+              <a:rPr lang="en-CA" sz="900" b="1" dirty="0">
+                <a:solidFill>
+                  <a:srgbClr val="0070C0"/>
+                </a:solidFill>
+                <a:ea typeface="Segoe UI" pitchFamily="34" charset="0"/>
+                <a:cs typeface="Segoe UI" pitchFamily="34" charset="0"/>
+              </a:rPr>
+              <a:t>General-purpose v2</a:t>
+            </a:r>
+          </a:p>
+          <a:p>
+            <a:pPr marL="360363" lvl="1" indent="-184150" defTabSz="932472" fontAlgn="base">
+              <a:lnSpc>
+                <a:spcPct val="90000"/>
+              </a:lnSpc>
+              <a:spcBef>
+                <a:spcPct val="0"/>
+              </a:spcBef>
+              <a:spcAft>
+                <a:spcPct val="0"/>
+              </a:spcAft>
+              <a:buFont typeface="Arial" panose="020B0604020202020204" pitchFamily="34" charset="0"/>
+              <a:buChar char="•"/>
+            </a:pPr>
+            <a:r>
+              <a:rPr lang="en-CA" sz="800" dirty="0">
+                <a:solidFill>
+                  <a:srgbClr val="0070C0"/>
+                </a:solidFill>
+                <a:cs typeface="Segoe UI" pitchFamily="34" charset="0"/>
+              </a:rPr>
+              <a:t>Newest, that combines v1 and blob storage</a:t>
+            </a:r>
+          </a:p>
+          <a:p>
+            <a:pPr marL="360363" lvl="1" indent="-184150" defTabSz="932472" fontAlgn="base">
+              <a:lnSpc>
+                <a:spcPct val="90000"/>
+              </a:lnSpc>
+              <a:spcBef>
+                <a:spcPct val="0"/>
+              </a:spcBef>
+              <a:spcAft>
+                <a:spcPct val="0"/>
+              </a:spcAft>
+              <a:buFont typeface="Arial" panose="020B0604020202020204" pitchFamily="34" charset="0"/>
+              <a:buChar char="•"/>
+            </a:pPr>
+            <a:r>
+              <a:rPr lang="en-CA" sz="800" dirty="0">
+                <a:solidFill>
+                  <a:srgbClr val="0070C0"/>
+                </a:solidFill>
+                <a:cs typeface="Segoe UI" pitchFamily="34" charset="0"/>
+              </a:rPr>
+              <a:t>Latest features at a reduction in </a:t>
+            </a:r>
+            <a:r>
+              <a:rPr lang="en-CA" sz="800" dirty="0" err="1">
+                <a:solidFill>
+                  <a:srgbClr val="0070C0"/>
+                </a:solidFill>
+                <a:cs typeface="Segoe UI" pitchFamily="34" charset="0"/>
+              </a:rPr>
+              <a:t>csts</a:t>
+            </a:r>
+            <a:endParaRPr lang="en-CA" sz="800" dirty="0">
+              <a:solidFill>
+                <a:srgbClr val="0070C0"/>
+              </a:solidFill>
+              <a:cs typeface="Segoe UI" pitchFamily="34" charset="0"/>
+            </a:endParaRPr>
+          </a:p>
+          <a:p>
+            <a:pPr defTabSz="932472" fontAlgn="base">
+              <a:lnSpc>
+                <a:spcPct val="90000"/>
+              </a:lnSpc>
+              <a:spcBef>
+                <a:spcPct val="0"/>
+              </a:spcBef>
+              <a:spcAft>
+                <a:spcPct val="0"/>
+              </a:spcAft>
+            </a:pPr>
+            <a:r>
+              <a:rPr lang="en-CA" sz="900" b="1" dirty="0">
+                <a:solidFill>
+                  <a:srgbClr val="0070C0"/>
+                </a:solidFill>
+                <a:ea typeface="Segoe UI" pitchFamily="34" charset="0"/>
+                <a:cs typeface="Segoe UI" pitchFamily="34" charset="0"/>
+              </a:rPr>
+              <a:t>Blob storage</a:t>
+            </a:r>
+          </a:p>
+          <a:p>
+            <a:pPr marL="360363" lvl="1" indent="-184150" defTabSz="932472" fontAlgn="base">
+              <a:lnSpc>
+                <a:spcPct val="90000"/>
+              </a:lnSpc>
+              <a:spcBef>
+                <a:spcPct val="0"/>
+              </a:spcBef>
+              <a:spcAft>
+                <a:spcPct val="0"/>
+              </a:spcAft>
+              <a:buFont typeface="Arial" panose="020B0604020202020204" pitchFamily="34" charset="0"/>
+              <a:buChar char="•"/>
+            </a:pPr>
+            <a:r>
+              <a:rPr lang="en-CA" sz="800" dirty="0">
+                <a:solidFill>
+                  <a:srgbClr val="0070C0"/>
+                </a:solidFill>
+                <a:cs typeface="Segoe UI" pitchFamily="34" charset="0"/>
+              </a:rPr>
+              <a:t>Same features as storage v2 acc, but only block blobs.</a:t>
+            </a:r>
+          </a:p>
+          <a:p>
+            <a:pPr defTabSz="932472" fontAlgn="base">
+              <a:lnSpc>
+                <a:spcPct val="90000"/>
+              </a:lnSpc>
+              <a:spcBef>
+                <a:spcPct val="0"/>
+              </a:spcBef>
+              <a:spcAft>
+                <a:spcPct val="0"/>
+              </a:spcAft>
+            </a:pPr>
+            <a:r>
+              <a:rPr lang="en-CA" sz="900" b="1" dirty="0">
+                <a:solidFill>
+                  <a:srgbClr val="0070C0"/>
+                </a:solidFill>
+                <a:ea typeface="Segoe UI" pitchFamily="34" charset="0"/>
+                <a:cs typeface="Segoe UI" pitchFamily="34" charset="0"/>
+              </a:rPr>
+              <a:t>Replication (X redundant storage)</a:t>
+            </a:r>
+          </a:p>
+          <a:p>
+            <a:pPr marL="360363" lvl="1" indent="-184150" defTabSz="932472" fontAlgn="base">
+              <a:lnSpc>
+                <a:spcPct val="90000"/>
+              </a:lnSpc>
+              <a:spcBef>
+                <a:spcPct val="0"/>
+              </a:spcBef>
+              <a:spcAft>
+                <a:spcPct val="0"/>
+              </a:spcAft>
+              <a:buFont typeface="Arial" panose="020B0604020202020204" pitchFamily="34" charset="0"/>
+              <a:buChar char="•"/>
+            </a:pPr>
+            <a:r>
+              <a:rPr lang="en-CA" sz="800" dirty="0">
+                <a:solidFill>
+                  <a:srgbClr val="0070C0"/>
+                </a:solidFill>
+                <a:cs typeface="Segoe UI" pitchFamily="34" charset="0"/>
+              </a:rPr>
+              <a:t>Locally – 3 copies within data center</a:t>
+            </a:r>
+          </a:p>
+          <a:p>
+            <a:pPr marL="360363" lvl="1" indent="-184150" defTabSz="932472" fontAlgn="base">
+              <a:lnSpc>
+                <a:spcPct val="90000"/>
+              </a:lnSpc>
+              <a:spcBef>
+                <a:spcPct val="0"/>
+              </a:spcBef>
+              <a:spcAft>
+                <a:spcPct val="0"/>
+              </a:spcAft>
+              <a:buFont typeface="Arial" panose="020B0604020202020204" pitchFamily="34" charset="0"/>
+              <a:buChar char="•"/>
+            </a:pPr>
+            <a:r>
+              <a:rPr lang="en-CA" sz="800" dirty="0">
+                <a:solidFill>
+                  <a:srgbClr val="0070C0"/>
+                </a:solidFill>
+                <a:cs typeface="Segoe UI" pitchFamily="34" charset="0"/>
+              </a:rPr>
+              <a:t>Zone – US East 2 and US Central, 3 datacenter copies</a:t>
+            </a:r>
+          </a:p>
+          <a:p>
+            <a:pPr marL="360363" lvl="1" indent="-184150" defTabSz="932472" fontAlgn="base">
+              <a:lnSpc>
+                <a:spcPct val="90000"/>
+              </a:lnSpc>
+              <a:spcBef>
+                <a:spcPct val="0"/>
+              </a:spcBef>
+              <a:spcAft>
+                <a:spcPct val="0"/>
+              </a:spcAft>
+              <a:buFont typeface="Arial" panose="020B0604020202020204" pitchFamily="34" charset="0"/>
+              <a:buChar char="•"/>
+            </a:pPr>
+            <a:r>
+              <a:rPr lang="en-CA" sz="800" dirty="0">
+                <a:solidFill>
+                  <a:srgbClr val="0070C0"/>
+                </a:solidFill>
+                <a:cs typeface="Segoe UI" pitchFamily="34" charset="0"/>
+              </a:rPr>
+              <a:t>Geo – three regional copies</a:t>
+            </a:r>
+          </a:p>
+        </p:txBody>
+      </p:sp>
+      <p:sp>
+        <p:nvSpPr>
+          <p:cNvPr id="76" name="Rectangle: Rounded Corners 75">
+            <a:extLst>
+              <a:ext uri="{FF2B5EF4-FFF2-40B4-BE49-F238E27FC236}">
+                <a16:creationId xmlns:a16="http://schemas.microsoft.com/office/drawing/2014/main" id="{9D0EF41B-2874-45EC-9F50-EB8F0FB87341}"/>
+              </a:ext>
+            </a:extLst>
+          </p:cNvPr>
+          <p:cNvSpPr/>
+          <p:nvPr/>
+        </p:nvSpPr>
+        <p:spPr bwMode="auto">
+          <a:xfrm>
+            <a:off x="11241313" y="6571708"/>
+            <a:ext cx="2986571" cy="419904"/>
+          </a:xfrm>
+          <a:prstGeom prst="roundRect">
+            <a:avLst/>
+          </a:prstGeom>
+          <a:solidFill>
+            <a:srgbClr val="0070C0"/>
+          </a:solidFill>
+          <a:ln>
+            <a:solidFill>
+              <a:srgbClr val="0070C0"/>
+            </a:solidFill>
+            <a:headEnd type="none" w="med" len="med"/>
+            <a:tailEnd type="none" w="med" len="med"/>
+          </a:ln>
+          <a:effectLst/>
+        </p:spPr>
+        <p:style>
+          <a:lnRef idx="1">
+            <a:schemeClr val="accent2"/>
+          </a:lnRef>
+          <a:fillRef idx="3">
+            <a:schemeClr val="accent2"/>
+          </a:fillRef>
+          <a:effectRef idx="2">
+            <a:schemeClr val="accent2"/>
+          </a:effectRef>
+          <a:fontRef idx="minor">
+            <a:schemeClr val="lt1"/>
+          </a:fontRef>
+        </p:style>
+        <p:txBody>
+          <a:bodyPr rot="0" spcFirstLastPara="0" vertOverflow="overflow" horzOverflow="overflow" vert="horz" wrap="square" lIns="0" tIns="0" rIns="0" bIns="0" numCol="1" spcCol="0" rtlCol="0" fromWordArt="0" anchor="ctr" anchorCtr="0" forceAA="0" compatLnSpc="1">
+            <a:prstTxWarp prst="textNoShape">
+              <a:avLst/>
+            </a:prstTxWarp>
+            <a:noAutofit/>
+          </a:bodyPr>
+          <a:lstStyle/>
+          <a:p>
+            <a:pPr algn="ctr" defTabSz="932472" fontAlgn="base">
+              <a:lnSpc>
+                <a:spcPct val="90000"/>
+              </a:lnSpc>
+              <a:spcBef>
+                <a:spcPct val="0"/>
+              </a:spcBef>
+              <a:spcAft>
+                <a:spcPct val="0"/>
+              </a:spcAft>
+            </a:pPr>
+            <a:r>
+              <a:rPr lang="en-CA" sz="1600" dirty="0">
+                <a:gradFill>
+                  <a:gsLst>
+                    <a:gs pos="0">
+                      <a:srgbClr val="FFFFFF"/>
+                    </a:gs>
+                    <a:gs pos="100000">
+                      <a:srgbClr val="FFFFFF"/>
+                    </a:gs>
+                  </a:gsLst>
+                  <a:lin ang="5400000" scaled="0"/>
+                </a:gradFill>
+                <a:ea typeface="Segoe UI" pitchFamily="34" charset="0"/>
+                <a:cs typeface="Segoe UI" pitchFamily="34" charset="0"/>
+              </a:rPr>
+              <a:t>Blob Storage</a:t>
+            </a:r>
+          </a:p>
+        </p:txBody>
+      </p:sp>
+      <p:sp>
+        <p:nvSpPr>
+          <p:cNvPr id="77" name="Rectangle 76">
+            <a:extLst>
+              <a:ext uri="{FF2B5EF4-FFF2-40B4-BE49-F238E27FC236}">
+                <a16:creationId xmlns:a16="http://schemas.microsoft.com/office/drawing/2014/main" id="{38E28C39-EB6F-4244-9DEF-8FE5EB2AD425}"/>
+              </a:ext>
+            </a:extLst>
+          </p:cNvPr>
+          <p:cNvSpPr/>
+          <p:nvPr/>
+        </p:nvSpPr>
+        <p:spPr bwMode="auto">
+          <a:xfrm>
+            <a:off x="11241314" y="6928306"/>
+            <a:ext cx="2986570" cy="908357"/>
+          </a:xfrm>
+          <a:prstGeom prst="rect">
+            <a:avLst/>
+          </a:prstGeom>
+          <a:solidFill>
+            <a:schemeClr val="tx1"/>
+          </a:solidFill>
+          <a:ln>
+            <a:solidFill>
+              <a:srgbClr val="0070C0"/>
+            </a:solidFill>
+            <a:headEnd type="none" w="med" len="med"/>
+            <a:tailEnd type="none" w="med" len="med"/>
+          </a:ln>
+          <a:effectLst/>
+        </p:spPr>
+        <p:style>
+          <a:lnRef idx="1">
+            <a:schemeClr val="accent2"/>
+          </a:lnRef>
+          <a:fillRef idx="3">
+            <a:schemeClr val="accent2"/>
+          </a:fillRef>
+          <a:effectRef idx="2">
+            <a:schemeClr val="accent2"/>
+          </a:effectRef>
+          <a:fontRef idx="minor">
+            <a:schemeClr val="lt1"/>
+          </a:fontRef>
+        </p:style>
+        <p:txBody>
+          <a:bodyPr rot="0" spcFirstLastPara="0" vertOverflow="overflow" horzOverflow="overflow" vert="horz" wrap="square" lIns="36000" tIns="72000" rIns="0" bIns="0" numCol="1" spcCol="0" rtlCol="0" fromWordArt="0" anchor="ctr" anchorCtr="0" forceAA="0" compatLnSpc="1">
+            <a:prstTxWarp prst="textNoShape">
+              <a:avLst/>
+            </a:prstTxWarp>
+            <a:noAutofit/>
+          </a:bodyPr>
+          <a:lstStyle/>
+          <a:p>
+            <a:pPr defTabSz="932472" fontAlgn="base">
+              <a:lnSpc>
+                <a:spcPct val="90000"/>
+              </a:lnSpc>
+              <a:spcBef>
+                <a:spcPct val="0"/>
+              </a:spcBef>
+              <a:spcAft>
+                <a:spcPct val="0"/>
+              </a:spcAft>
+            </a:pPr>
+            <a:r>
+              <a:rPr lang="en-CA" sz="900" b="1" dirty="0">
+                <a:solidFill>
+                  <a:srgbClr val="0070C0"/>
+                </a:solidFill>
+                <a:ea typeface="Segoe UI" pitchFamily="34" charset="0"/>
+                <a:cs typeface="Segoe UI" pitchFamily="34" charset="0"/>
+              </a:rPr>
+              <a:t>Features</a:t>
+            </a:r>
+          </a:p>
+          <a:p>
+            <a:pPr marL="360363" lvl="1" indent="-184150" defTabSz="932472" fontAlgn="base">
+              <a:lnSpc>
+                <a:spcPct val="90000"/>
+              </a:lnSpc>
+              <a:spcBef>
+                <a:spcPct val="0"/>
+              </a:spcBef>
+              <a:spcAft>
+                <a:spcPct val="0"/>
+              </a:spcAft>
+              <a:buFont typeface="Arial" panose="020B0604020202020204" pitchFamily="34" charset="0"/>
+              <a:buChar char="•"/>
+            </a:pPr>
+            <a:r>
+              <a:rPr lang="en-CA" sz="800" dirty="0">
+                <a:solidFill>
+                  <a:srgbClr val="0070C0"/>
+                </a:solidFill>
+                <a:ea typeface="Segoe UI" pitchFamily="34" charset="0"/>
+                <a:cs typeface="Segoe UI" pitchFamily="34" charset="0"/>
+              </a:rPr>
+              <a:t>Unstructured data – VHDs, images, audio, etc.</a:t>
+            </a:r>
+          </a:p>
+          <a:p>
+            <a:pPr marL="360363" lvl="1" indent="-184150" defTabSz="932472" fontAlgn="base">
+              <a:lnSpc>
+                <a:spcPct val="90000"/>
+              </a:lnSpc>
+              <a:spcBef>
+                <a:spcPct val="0"/>
+              </a:spcBef>
+              <a:spcAft>
+                <a:spcPct val="0"/>
+              </a:spcAft>
+              <a:buFont typeface="Arial" panose="020B0604020202020204" pitchFamily="34" charset="0"/>
+              <a:buChar char="•"/>
+            </a:pPr>
+            <a:r>
+              <a:rPr lang="en-CA" sz="800" dirty="0">
+                <a:solidFill>
+                  <a:srgbClr val="0070C0"/>
+                </a:solidFill>
+                <a:ea typeface="Segoe UI" pitchFamily="34" charset="0"/>
+                <a:cs typeface="Segoe UI" pitchFamily="34" charset="0"/>
+              </a:rPr>
+              <a:t>Max 1TB page blob, 200GB block blob</a:t>
+            </a:r>
+          </a:p>
+          <a:p>
+            <a:pPr defTabSz="932472" fontAlgn="base">
+              <a:lnSpc>
+                <a:spcPct val="90000"/>
+              </a:lnSpc>
+              <a:spcBef>
+                <a:spcPct val="0"/>
+              </a:spcBef>
+              <a:spcAft>
+                <a:spcPct val="0"/>
+              </a:spcAft>
+            </a:pPr>
+            <a:r>
+              <a:rPr lang="en-CA" sz="900" b="1" dirty="0">
+                <a:solidFill>
+                  <a:srgbClr val="0070C0"/>
+                </a:solidFill>
+                <a:ea typeface="Segoe UI" pitchFamily="34" charset="0"/>
+                <a:cs typeface="Segoe UI" pitchFamily="34" charset="0"/>
+              </a:rPr>
+              <a:t>Access tiers</a:t>
+            </a:r>
+          </a:p>
+          <a:p>
+            <a:pPr marL="360363" lvl="1" indent="-184150" defTabSz="932472" fontAlgn="base">
+              <a:lnSpc>
+                <a:spcPct val="90000"/>
+              </a:lnSpc>
+              <a:spcBef>
+                <a:spcPct val="0"/>
+              </a:spcBef>
+              <a:spcAft>
+                <a:spcPct val="0"/>
+              </a:spcAft>
+              <a:buFont typeface="Arial" panose="020B0604020202020204" pitchFamily="34" charset="0"/>
+              <a:buChar char="•"/>
+            </a:pPr>
+            <a:r>
+              <a:rPr lang="en-CA" sz="800" dirty="0">
+                <a:solidFill>
+                  <a:srgbClr val="0070C0"/>
+                </a:solidFill>
+                <a:ea typeface="Segoe UI" pitchFamily="34" charset="0"/>
+                <a:cs typeface="Segoe UI" pitchFamily="34" charset="0"/>
+              </a:rPr>
+              <a:t>Hot – optimised for frequently accessed data</a:t>
+            </a:r>
+          </a:p>
+          <a:p>
+            <a:pPr marL="360363" lvl="1" indent="-184150" defTabSz="932472" fontAlgn="base">
+              <a:lnSpc>
+                <a:spcPct val="90000"/>
+              </a:lnSpc>
+              <a:spcBef>
+                <a:spcPct val="0"/>
+              </a:spcBef>
+              <a:spcAft>
+                <a:spcPct val="0"/>
+              </a:spcAft>
+              <a:buFont typeface="Arial" panose="020B0604020202020204" pitchFamily="34" charset="0"/>
+              <a:buChar char="•"/>
+            </a:pPr>
+            <a:r>
+              <a:rPr lang="en-CA" sz="800" dirty="0">
+                <a:solidFill>
+                  <a:srgbClr val="0070C0"/>
+                </a:solidFill>
+                <a:ea typeface="Segoe UI" pitchFamily="34" charset="0"/>
+                <a:cs typeface="Segoe UI" pitchFamily="34" charset="0"/>
+              </a:rPr>
+              <a:t>Cool – Suitable for backups and not often viewed data</a:t>
+            </a:r>
+          </a:p>
+          <a:p>
+            <a:pPr marL="360363" lvl="1" indent="-184150" defTabSz="932472" fontAlgn="base">
+              <a:lnSpc>
+                <a:spcPct val="90000"/>
+              </a:lnSpc>
+              <a:spcBef>
+                <a:spcPct val="0"/>
+              </a:spcBef>
+              <a:spcAft>
+                <a:spcPct val="0"/>
+              </a:spcAft>
+              <a:buFont typeface="Arial" panose="020B0604020202020204" pitchFamily="34" charset="0"/>
+              <a:buChar char="•"/>
+            </a:pPr>
+            <a:r>
+              <a:rPr lang="en-CA" sz="800" dirty="0">
+                <a:solidFill>
+                  <a:srgbClr val="0070C0"/>
+                </a:solidFill>
+                <a:ea typeface="Segoe UI" pitchFamily="34" charset="0"/>
+                <a:cs typeface="Segoe UI" pitchFamily="34" charset="0"/>
+              </a:rPr>
+              <a:t>Archive – set at blob level, cannot be read or modified</a:t>
+            </a:r>
+          </a:p>
+        </p:txBody>
+      </p:sp>
+      <p:sp>
+        <p:nvSpPr>
+          <p:cNvPr id="78" name="Rectangle: Rounded Corners 77">
+            <a:extLst>
+              <a:ext uri="{FF2B5EF4-FFF2-40B4-BE49-F238E27FC236}">
+                <a16:creationId xmlns:a16="http://schemas.microsoft.com/office/drawing/2014/main" id="{C6E3FD35-4A6D-4434-87C7-CD69CA6845A1}"/>
+              </a:ext>
+            </a:extLst>
+          </p:cNvPr>
+          <p:cNvSpPr/>
+          <p:nvPr/>
+        </p:nvSpPr>
+        <p:spPr bwMode="auto">
+          <a:xfrm>
+            <a:off x="11233138" y="7941549"/>
+            <a:ext cx="2986571" cy="419904"/>
+          </a:xfrm>
+          <a:prstGeom prst="roundRect">
+            <a:avLst/>
+          </a:prstGeom>
+          <a:solidFill>
+            <a:srgbClr val="0070C0"/>
+          </a:solidFill>
+          <a:ln>
+            <a:solidFill>
+              <a:srgbClr val="0070C0"/>
+            </a:solidFill>
+            <a:headEnd type="none" w="med" len="med"/>
+            <a:tailEnd type="none" w="med" len="med"/>
+          </a:ln>
+          <a:effectLst/>
+        </p:spPr>
+        <p:style>
+          <a:lnRef idx="1">
+            <a:schemeClr val="accent2"/>
+          </a:lnRef>
+          <a:fillRef idx="3">
+            <a:schemeClr val="accent2"/>
+          </a:fillRef>
+          <a:effectRef idx="2">
+            <a:schemeClr val="accent2"/>
+          </a:effectRef>
+          <a:fontRef idx="minor">
+            <a:schemeClr val="lt1"/>
+          </a:fontRef>
+        </p:style>
+        <p:txBody>
+          <a:bodyPr rot="0" spcFirstLastPara="0" vertOverflow="overflow" horzOverflow="overflow" vert="horz" wrap="square" lIns="0" tIns="0" rIns="0" bIns="0" numCol="1" spcCol="0" rtlCol="0" fromWordArt="0" anchor="ctr" anchorCtr="0" forceAA="0" compatLnSpc="1">
+            <a:prstTxWarp prst="textNoShape">
+              <a:avLst/>
+            </a:prstTxWarp>
+            <a:noAutofit/>
+          </a:bodyPr>
+          <a:lstStyle/>
+          <a:p>
+            <a:pPr algn="ctr" defTabSz="932472" fontAlgn="base">
+              <a:lnSpc>
+                <a:spcPct val="90000"/>
+              </a:lnSpc>
+              <a:spcBef>
+                <a:spcPct val="0"/>
+              </a:spcBef>
+              <a:spcAft>
+                <a:spcPct val="0"/>
+              </a:spcAft>
+            </a:pPr>
+            <a:r>
+              <a:rPr lang="en-CA" sz="1600" dirty="0">
+                <a:gradFill>
+                  <a:gsLst>
+                    <a:gs pos="0">
+                      <a:srgbClr val="FFFFFF"/>
+                    </a:gs>
+                    <a:gs pos="100000">
+                      <a:srgbClr val="FFFFFF"/>
+                    </a:gs>
+                  </a:gsLst>
+                  <a:lin ang="5400000" scaled="0"/>
+                </a:gradFill>
+                <a:ea typeface="Segoe UI" pitchFamily="34" charset="0"/>
+                <a:cs typeface="Segoe UI" pitchFamily="34" charset="0"/>
+              </a:rPr>
+              <a:t>Table Storage</a:t>
+            </a:r>
+          </a:p>
+        </p:txBody>
+      </p:sp>
+      <p:sp>
+        <p:nvSpPr>
+          <p:cNvPr id="79" name="Rectangle 78">
+            <a:extLst>
+              <a:ext uri="{FF2B5EF4-FFF2-40B4-BE49-F238E27FC236}">
+                <a16:creationId xmlns:a16="http://schemas.microsoft.com/office/drawing/2014/main" id="{6FEDE18B-3AFE-4717-8A97-DE55B968CA0A}"/>
+              </a:ext>
+            </a:extLst>
+          </p:cNvPr>
+          <p:cNvSpPr/>
+          <p:nvPr/>
+        </p:nvSpPr>
+        <p:spPr bwMode="auto">
+          <a:xfrm>
+            <a:off x="11233139" y="8298147"/>
+            <a:ext cx="2986570" cy="692581"/>
+          </a:xfrm>
+          <a:prstGeom prst="rect">
+            <a:avLst/>
+          </a:prstGeom>
+          <a:solidFill>
+            <a:schemeClr val="tx1"/>
+          </a:solidFill>
+          <a:ln>
+            <a:solidFill>
+              <a:srgbClr val="0070C0"/>
+            </a:solidFill>
+            <a:headEnd type="none" w="med" len="med"/>
+            <a:tailEnd type="none" w="med" len="med"/>
+          </a:ln>
+          <a:effectLst/>
+        </p:spPr>
+        <p:style>
+          <a:lnRef idx="1">
+            <a:schemeClr val="accent2"/>
+          </a:lnRef>
+          <a:fillRef idx="3">
+            <a:schemeClr val="accent2"/>
+          </a:fillRef>
+          <a:effectRef idx="2">
+            <a:schemeClr val="accent2"/>
+          </a:effectRef>
+          <a:fontRef idx="minor">
+            <a:schemeClr val="lt1"/>
+          </a:fontRef>
+        </p:style>
+        <p:txBody>
+          <a:bodyPr rot="0" spcFirstLastPara="0" vertOverflow="overflow" horzOverflow="overflow" vert="horz" wrap="square" lIns="36000" tIns="72000" rIns="0" bIns="0" numCol="1" spcCol="0" rtlCol="0" fromWordArt="0" anchor="ctr" anchorCtr="0" forceAA="0" compatLnSpc="1">
+            <a:prstTxWarp prst="textNoShape">
+              <a:avLst/>
+            </a:prstTxWarp>
+            <a:noAutofit/>
+          </a:bodyPr>
+          <a:lstStyle/>
+          <a:p>
+            <a:pPr defTabSz="932472" fontAlgn="base">
+              <a:lnSpc>
+                <a:spcPct val="90000"/>
+              </a:lnSpc>
+              <a:spcBef>
+                <a:spcPct val="0"/>
+              </a:spcBef>
+              <a:spcAft>
+                <a:spcPct val="0"/>
+              </a:spcAft>
+            </a:pPr>
+            <a:r>
+              <a:rPr lang="en-CA" sz="900" b="1" dirty="0">
+                <a:solidFill>
+                  <a:srgbClr val="0070C0"/>
+                </a:solidFill>
+                <a:ea typeface="Segoe UI" pitchFamily="34" charset="0"/>
+                <a:cs typeface="Segoe UI" pitchFamily="34" charset="0"/>
+              </a:rPr>
+              <a:t>Features</a:t>
+            </a:r>
+          </a:p>
+          <a:p>
+            <a:pPr marL="360363" lvl="1" indent="-184150" defTabSz="932472" fontAlgn="base">
+              <a:lnSpc>
+                <a:spcPct val="90000"/>
+              </a:lnSpc>
+              <a:spcBef>
+                <a:spcPct val="0"/>
+              </a:spcBef>
+              <a:spcAft>
+                <a:spcPct val="0"/>
+              </a:spcAft>
+              <a:buFont typeface="Arial" panose="020B0604020202020204" pitchFamily="34" charset="0"/>
+              <a:buChar char="•"/>
+            </a:pPr>
+            <a:r>
+              <a:rPr lang="en-CA" sz="800" dirty="0">
+                <a:solidFill>
+                  <a:srgbClr val="0070C0"/>
+                </a:solidFill>
+                <a:ea typeface="Segoe UI" pitchFamily="34" charset="0"/>
+                <a:cs typeface="Segoe UI" pitchFamily="34" charset="0"/>
+              </a:rPr>
+              <a:t>Semi-structured, non-relational data.</a:t>
+            </a:r>
+          </a:p>
+          <a:p>
+            <a:pPr marL="360363" lvl="1" indent="-184150" defTabSz="932472" fontAlgn="base">
+              <a:lnSpc>
+                <a:spcPct val="90000"/>
+              </a:lnSpc>
+              <a:spcBef>
+                <a:spcPct val="0"/>
+              </a:spcBef>
+              <a:spcAft>
+                <a:spcPct val="0"/>
+              </a:spcAft>
+              <a:buFont typeface="Arial" panose="020B0604020202020204" pitchFamily="34" charset="0"/>
+              <a:buChar char="•"/>
+            </a:pPr>
+            <a:r>
+              <a:rPr lang="en-CA" sz="800" dirty="0">
+                <a:solidFill>
+                  <a:srgbClr val="0070C0"/>
+                </a:solidFill>
+                <a:ea typeface="Segoe UI" pitchFamily="34" charset="0"/>
+                <a:cs typeface="Segoe UI" pitchFamily="34" charset="0"/>
+              </a:rPr>
+              <a:t>Suitable for datasets without complex joins</a:t>
+            </a:r>
+          </a:p>
+          <a:p>
+            <a:pPr marL="360363" lvl="1" indent="-184150" defTabSz="932472" fontAlgn="base">
+              <a:lnSpc>
+                <a:spcPct val="90000"/>
+              </a:lnSpc>
+              <a:spcBef>
+                <a:spcPct val="0"/>
+              </a:spcBef>
+              <a:spcAft>
+                <a:spcPct val="0"/>
+              </a:spcAft>
+              <a:buFont typeface="Arial" panose="020B0604020202020204" pitchFamily="34" charset="0"/>
+              <a:buChar char="•"/>
+            </a:pPr>
+            <a:r>
+              <a:rPr lang="en-CA" sz="800" dirty="0">
+                <a:solidFill>
+                  <a:srgbClr val="0070C0"/>
+                </a:solidFill>
+                <a:ea typeface="Segoe UI" pitchFamily="34" charset="0"/>
+                <a:cs typeface="Segoe UI" pitchFamily="34" charset="0"/>
+              </a:rPr>
+              <a:t>Access via OData and LINA queries</a:t>
+            </a:r>
+          </a:p>
+          <a:p>
+            <a:pPr marL="360363" lvl="1" indent="-184150" defTabSz="932472" fontAlgn="base">
+              <a:lnSpc>
+                <a:spcPct val="90000"/>
+              </a:lnSpc>
+              <a:spcBef>
+                <a:spcPct val="0"/>
+              </a:spcBef>
+              <a:spcAft>
+                <a:spcPct val="0"/>
+              </a:spcAft>
+              <a:buFont typeface="Arial" panose="020B0604020202020204" pitchFamily="34" charset="0"/>
+              <a:buChar char="•"/>
+            </a:pPr>
+            <a:r>
+              <a:rPr lang="en-CA" sz="800" dirty="0">
+                <a:solidFill>
+                  <a:srgbClr val="0070C0"/>
+                </a:solidFill>
+                <a:ea typeface="Segoe UI" pitchFamily="34" charset="0"/>
+                <a:cs typeface="Segoe UI" pitchFamily="34" charset="0"/>
+              </a:rPr>
+              <a:t>Max 500TB data</a:t>
+            </a:r>
+          </a:p>
+          <a:p>
+            <a:pPr defTabSz="932472" fontAlgn="base">
+              <a:lnSpc>
+                <a:spcPct val="90000"/>
+              </a:lnSpc>
+              <a:spcBef>
+                <a:spcPct val="0"/>
+              </a:spcBef>
+              <a:spcAft>
+                <a:spcPct val="0"/>
+              </a:spcAft>
+            </a:pPr>
+            <a:endParaRPr lang="en-CA" sz="800" dirty="0">
+              <a:solidFill>
+                <a:srgbClr val="0070C0"/>
+              </a:solidFill>
+              <a:ea typeface="Segoe UI" pitchFamily="34" charset="0"/>
+              <a:cs typeface="Segoe UI" pitchFamily="34" charset="0"/>
+            </a:endParaRPr>
+          </a:p>
+        </p:txBody>
+      </p:sp>
+      <p:sp>
+        <p:nvSpPr>
+          <p:cNvPr id="80" name="Rectangle: Rounded Corners 79">
+            <a:extLst>
+              <a:ext uri="{FF2B5EF4-FFF2-40B4-BE49-F238E27FC236}">
+                <a16:creationId xmlns:a16="http://schemas.microsoft.com/office/drawing/2014/main" id="{635871C1-B698-4813-93F7-CB4D07B0FFC7}"/>
+              </a:ext>
+            </a:extLst>
+          </p:cNvPr>
+          <p:cNvSpPr/>
+          <p:nvPr/>
+        </p:nvSpPr>
+        <p:spPr bwMode="auto">
+          <a:xfrm>
+            <a:off x="11240758" y="9126085"/>
+            <a:ext cx="2986571" cy="419904"/>
+          </a:xfrm>
+          <a:prstGeom prst="roundRect">
+            <a:avLst/>
+          </a:prstGeom>
+          <a:solidFill>
+            <a:srgbClr val="0070C0"/>
+          </a:solidFill>
+          <a:ln>
+            <a:solidFill>
+              <a:srgbClr val="0070C0"/>
+            </a:solidFill>
+            <a:headEnd type="none" w="med" len="med"/>
+            <a:tailEnd type="none" w="med" len="med"/>
+          </a:ln>
+          <a:effectLst/>
+        </p:spPr>
+        <p:style>
+          <a:lnRef idx="1">
+            <a:schemeClr val="accent2"/>
+          </a:lnRef>
+          <a:fillRef idx="3">
+            <a:schemeClr val="accent2"/>
+          </a:fillRef>
+          <a:effectRef idx="2">
+            <a:schemeClr val="accent2"/>
+          </a:effectRef>
+          <a:fontRef idx="minor">
+            <a:schemeClr val="lt1"/>
+          </a:fontRef>
+        </p:style>
+        <p:txBody>
+          <a:bodyPr rot="0" spcFirstLastPara="0" vertOverflow="overflow" horzOverflow="overflow" vert="horz" wrap="square" lIns="0" tIns="0" rIns="0" bIns="0" numCol="1" spcCol="0" rtlCol="0" fromWordArt="0" anchor="ctr" anchorCtr="0" forceAA="0" compatLnSpc="1">
+            <a:prstTxWarp prst="textNoShape">
+              <a:avLst/>
+            </a:prstTxWarp>
+            <a:noAutofit/>
+          </a:bodyPr>
+          <a:lstStyle/>
+          <a:p>
+            <a:pPr algn="ctr" defTabSz="932472" fontAlgn="base">
+              <a:lnSpc>
+                <a:spcPct val="90000"/>
+              </a:lnSpc>
+              <a:spcBef>
+                <a:spcPct val="0"/>
+              </a:spcBef>
+              <a:spcAft>
+                <a:spcPct val="0"/>
+              </a:spcAft>
+            </a:pPr>
+            <a:r>
+              <a:rPr lang="en-CA" sz="1600" dirty="0">
+                <a:gradFill>
+                  <a:gsLst>
+                    <a:gs pos="0">
+                      <a:srgbClr val="FFFFFF"/>
+                    </a:gs>
+                    <a:gs pos="100000">
+                      <a:srgbClr val="FFFFFF"/>
+                    </a:gs>
+                  </a:gsLst>
+                  <a:lin ang="5400000" scaled="0"/>
+                </a:gradFill>
+                <a:ea typeface="Segoe UI" pitchFamily="34" charset="0"/>
+                <a:cs typeface="Segoe UI" pitchFamily="34" charset="0"/>
+              </a:rPr>
+              <a:t>Queue Storage</a:t>
+            </a:r>
+          </a:p>
+        </p:txBody>
+      </p:sp>
+      <p:sp>
+        <p:nvSpPr>
+          <p:cNvPr id="81" name="Rectangle 80">
+            <a:extLst>
+              <a:ext uri="{FF2B5EF4-FFF2-40B4-BE49-F238E27FC236}">
+                <a16:creationId xmlns:a16="http://schemas.microsoft.com/office/drawing/2014/main" id="{12ACF221-C1F7-4FFF-A872-5D8BBB4616C0}"/>
+              </a:ext>
+            </a:extLst>
+          </p:cNvPr>
+          <p:cNvSpPr/>
+          <p:nvPr/>
+        </p:nvSpPr>
+        <p:spPr bwMode="auto">
+          <a:xfrm>
+            <a:off x="11240759" y="9482683"/>
+            <a:ext cx="2986570" cy="640840"/>
+          </a:xfrm>
+          <a:prstGeom prst="rect">
+            <a:avLst/>
+          </a:prstGeom>
+          <a:solidFill>
+            <a:schemeClr val="tx1"/>
+          </a:solidFill>
+          <a:ln>
+            <a:solidFill>
+              <a:srgbClr val="0070C0"/>
+            </a:solidFill>
+            <a:headEnd type="none" w="med" len="med"/>
+            <a:tailEnd type="none" w="med" len="med"/>
+          </a:ln>
+          <a:effectLst/>
+        </p:spPr>
+        <p:style>
+          <a:lnRef idx="1">
+            <a:schemeClr val="accent2"/>
+          </a:lnRef>
+          <a:fillRef idx="3">
+            <a:schemeClr val="accent2"/>
+          </a:fillRef>
+          <a:effectRef idx="2">
+            <a:schemeClr val="accent2"/>
+          </a:effectRef>
+          <a:fontRef idx="minor">
+            <a:schemeClr val="lt1"/>
+          </a:fontRef>
+        </p:style>
+        <p:txBody>
+          <a:bodyPr rot="0" spcFirstLastPara="0" vertOverflow="overflow" horzOverflow="overflow" vert="horz" wrap="square" lIns="36000" tIns="72000" rIns="0" bIns="0" numCol="1" spcCol="0" rtlCol="0" fromWordArt="0" anchor="ctr" anchorCtr="0" forceAA="0" compatLnSpc="1">
+            <a:prstTxWarp prst="textNoShape">
+              <a:avLst/>
+            </a:prstTxWarp>
+            <a:noAutofit/>
+          </a:bodyPr>
+          <a:lstStyle/>
+          <a:p>
+            <a:pPr defTabSz="932472" fontAlgn="base">
+              <a:lnSpc>
+                <a:spcPct val="90000"/>
+              </a:lnSpc>
+              <a:spcBef>
+                <a:spcPct val="0"/>
+              </a:spcBef>
+              <a:spcAft>
+                <a:spcPct val="0"/>
+              </a:spcAft>
+            </a:pPr>
+            <a:r>
+              <a:rPr lang="en-CA" sz="900" b="1" dirty="0">
+                <a:solidFill>
+                  <a:srgbClr val="0070C0"/>
+                </a:solidFill>
+                <a:ea typeface="Segoe UI" pitchFamily="34" charset="0"/>
+                <a:cs typeface="Segoe UI" pitchFamily="34" charset="0"/>
+              </a:rPr>
+              <a:t>Features</a:t>
+            </a:r>
+          </a:p>
+          <a:p>
+            <a:pPr marL="360363" lvl="1" indent="-184150" defTabSz="932472" fontAlgn="base">
+              <a:lnSpc>
+                <a:spcPct val="90000"/>
+              </a:lnSpc>
+              <a:spcBef>
+                <a:spcPct val="0"/>
+              </a:spcBef>
+              <a:spcAft>
+                <a:spcPct val="0"/>
+              </a:spcAft>
+              <a:buFont typeface="Arial" panose="020B0604020202020204" pitchFamily="34" charset="0"/>
+              <a:buChar char="•"/>
+            </a:pPr>
+            <a:r>
+              <a:rPr lang="en-CA" sz="800" dirty="0">
+                <a:solidFill>
+                  <a:srgbClr val="0070C0"/>
+                </a:solidFill>
+                <a:ea typeface="Segoe UI" pitchFamily="34" charset="0"/>
+                <a:cs typeface="Segoe UI" pitchFamily="34" charset="0"/>
+              </a:rPr>
+              <a:t>Asynchronous processing of messages</a:t>
+            </a:r>
+          </a:p>
+          <a:p>
+            <a:pPr marL="360363" lvl="1" indent="-184150" defTabSz="932472" fontAlgn="base">
+              <a:lnSpc>
+                <a:spcPct val="90000"/>
+              </a:lnSpc>
+              <a:spcBef>
+                <a:spcPct val="0"/>
+              </a:spcBef>
+              <a:spcAft>
+                <a:spcPct val="0"/>
+              </a:spcAft>
+              <a:buFont typeface="Arial" panose="020B0604020202020204" pitchFamily="34" charset="0"/>
+              <a:buChar char="•"/>
+            </a:pPr>
+            <a:r>
+              <a:rPr lang="en-CA" sz="800" dirty="0">
+                <a:solidFill>
+                  <a:srgbClr val="0070C0"/>
+                </a:solidFill>
+                <a:ea typeface="Segoe UI" pitchFamily="34" charset="0"/>
+                <a:cs typeface="Segoe UI" pitchFamily="34" charset="0"/>
+              </a:rPr>
+              <a:t>REST.API supports GET, PUT, and PEEK</a:t>
+            </a:r>
+          </a:p>
+          <a:p>
+            <a:pPr marL="360363" lvl="1" indent="-184150" defTabSz="932472" fontAlgn="base">
+              <a:lnSpc>
+                <a:spcPct val="90000"/>
+              </a:lnSpc>
+              <a:spcBef>
+                <a:spcPct val="0"/>
+              </a:spcBef>
+              <a:spcAft>
+                <a:spcPct val="0"/>
+              </a:spcAft>
+              <a:buFont typeface="Arial" panose="020B0604020202020204" pitchFamily="34" charset="0"/>
+              <a:buChar char="•"/>
+            </a:pPr>
+            <a:r>
+              <a:rPr lang="en-CA" sz="800" dirty="0">
+                <a:solidFill>
+                  <a:srgbClr val="0070C0"/>
+                </a:solidFill>
+                <a:ea typeface="Segoe UI" pitchFamily="34" charset="0"/>
+                <a:cs typeface="Segoe UI" pitchFamily="34" charset="0"/>
+              </a:rPr>
+              <a:t>Messages max 64KB and max 7days lifetime</a:t>
+            </a:r>
+          </a:p>
+        </p:txBody>
+      </p:sp>
+      <p:sp>
+        <p:nvSpPr>
+          <p:cNvPr id="82" name="Rectangle: Rounded Corners 81">
+            <a:extLst>
+              <a:ext uri="{FF2B5EF4-FFF2-40B4-BE49-F238E27FC236}">
+                <a16:creationId xmlns:a16="http://schemas.microsoft.com/office/drawing/2014/main" id="{16F7C852-E1F8-4258-B166-FA03E3AA11A7}"/>
+              </a:ext>
+            </a:extLst>
+          </p:cNvPr>
+          <p:cNvSpPr/>
+          <p:nvPr/>
+        </p:nvSpPr>
+        <p:spPr bwMode="auto">
+          <a:xfrm>
+            <a:off x="8148877" y="8403912"/>
+            <a:ext cx="2986571" cy="419904"/>
+          </a:xfrm>
+          <a:prstGeom prst="roundRect">
+            <a:avLst/>
+          </a:prstGeom>
+          <a:solidFill>
+            <a:srgbClr val="0070C0"/>
+          </a:solidFill>
+          <a:ln>
+            <a:solidFill>
+              <a:srgbClr val="0070C0"/>
+            </a:solidFill>
+            <a:headEnd type="none" w="med" len="med"/>
+            <a:tailEnd type="none" w="med" len="med"/>
+          </a:ln>
+          <a:effectLst/>
+        </p:spPr>
+        <p:style>
+          <a:lnRef idx="1">
+            <a:schemeClr val="accent2"/>
+          </a:lnRef>
+          <a:fillRef idx="3">
+            <a:schemeClr val="accent2"/>
+          </a:fillRef>
+          <a:effectRef idx="2">
+            <a:schemeClr val="accent2"/>
+          </a:effectRef>
+          <a:fontRef idx="minor">
+            <a:schemeClr val="lt1"/>
+          </a:fontRef>
+        </p:style>
+        <p:txBody>
+          <a:bodyPr rot="0" spcFirstLastPara="0" vertOverflow="overflow" horzOverflow="overflow" vert="horz" wrap="square" lIns="0" tIns="0" rIns="0" bIns="0" numCol="1" spcCol="0" rtlCol="0" fromWordArt="0" anchor="ctr" anchorCtr="0" forceAA="0" compatLnSpc="1">
+            <a:prstTxWarp prst="textNoShape">
+              <a:avLst/>
+            </a:prstTxWarp>
+            <a:noAutofit/>
+          </a:bodyPr>
+          <a:lstStyle/>
+          <a:p>
+            <a:pPr algn="ctr" defTabSz="932472" fontAlgn="base">
+              <a:lnSpc>
+                <a:spcPct val="90000"/>
+              </a:lnSpc>
+              <a:spcBef>
+                <a:spcPct val="0"/>
+              </a:spcBef>
+              <a:spcAft>
+                <a:spcPct val="0"/>
+              </a:spcAft>
+            </a:pPr>
+            <a:r>
+              <a:rPr lang="en-CA" sz="1600" dirty="0">
+                <a:gradFill>
+                  <a:gsLst>
+                    <a:gs pos="0">
+                      <a:srgbClr val="FFFFFF"/>
+                    </a:gs>
+                    <a:gs pos="100000">
+                      <a:srgbClr val="FFFFFF"/>
+                    </a:gs>
+                  </a:gsLst>
+                  <a:lin ang="5400000" scaled="0"/>
+                </a:gradFill>
+                <a:ea typeface="Segoe UI" pitchFamily="34" charset="0"/>
+                <a:cs typeface="Segoe UI" pitchFamily="34" charset="0"/>
+              </a:rPr>
+              <a:t>File Storage</a:t>
+            </a:r>
+          </a:p>
+        </p:txBody>
+      </p:sp>
+      <p:sp>
+        <p:nvSpPr>
+          <p:cNvPr id="83" name="Rectangle 82">
+            <a:extLst>
+              <a:ext uri="{FF2B5EF4-FFF2-40B4-BE49-F238E27FC236}">
+                <a16:creationId xmlns:a16="http://schemas.microsoft.com/office/drawing/2014/main" id="{62F262F4-F5AB-4E98-A362-0D7923AC10C7}"/>
+              </a:ext>
+            </a:extLst>
+          </p:cNvPr>
+          <p:cNvSpPr/>
+          <p:nvPr/>
+        </p:nvSpPr>
+        <p:spPr bwMode="auto">
+          <a:xfrm>
+            <a:off x="8148878" y="8760509"/>
+            <a:ext cx="2986570" cy="692581"/>
+          </a:xfrm>
+          <a:prstGeom prst="rect">
+            <a:avLst/>
+          </a:prstGeom>
+          <a:solidFill>
+            <a:schemeClr val="tx1"/>
+          </a:solidFill>
+          <a:ln>
+            <a:solidFill>
+              <a:srgbClr val="0070C0"/>
+            </a:solidFill>
+            <a:headEnd type="none" w="med" len="med"/>
+            <a:tailEnd type="none" w="med" len="med"/>
+          </a:ln>
+          <a:effectLst/>
+        </p:spPr>
+        <p:style>
+          <a:lnRef idx="1">
+            <a:schemeClr val="accent2"/>
+          </a:lnRef>
+          <a:fillRef idx="3">
+            <a:schemeClr val="accent2"/>
+          </a:fillRef>
+          <a:effectRef idx="2">
+            <a:schemeClr val="accent2"/>
+          </a:effectRef>
+          <a:fontRef idx="minor">
+            <a:schemeClr val="lt1"/>
+          </a:fontRef>
+        </p:style>
+        <p:txBody>
+          <a:bodyPr rot="0" spcFirstLastPara="0" vertOverflow="overflow" horzOverflow="overflow" vert="horz" wrap="square" lIns="36000" tIns="72000" rIns="0" bIns="0" numCol="1" spcCol="0" rtlCol="0" fromWordArt="0" anchor="ctr" anchorCtr="0" forceAA="0" compatLnSpc="1">
+            <a:prstTxWarp prst="textNoShape">
+              <a:avLst/>
+            </a:prstTxWarp>
+            <a:noAutofit/>
+          </a:bodyPr>
+          <a:lstStyle/>
+          <a:p>
+            <a:pPr defTabSz="932472" fontAlgn="base">
+              <a:lnSpc>
+                <a:spcPct val="90000"/>
+              </a:lnSpc>
+              <a:spcBef>
+                <a:spcPct val="0"/>
+              </a:spcBef>
+              <a:spcAft>
+                <a:spcPct val="0"/>
+              </a:spcAft>
+            </a:pPr>
+            <a:r>
+              <a:rPr lang="en-CA" sz="900" b="1" dirty="0">
+                <a:solidFill>
+                  <a:srgbClr val="0070C0"/>
+                </a:solidFill>
+                <a:ea typeface="Segoe UI" pitchFamily="34" charset="0"/>
+                <a:cs typeface="Segoe UI" pitchFamily="34" charset="0"/>
+              </a:rPr>
+              <a:t>Features</a:t>
+            </a:r>
+          </a:p>
+          <a:p>
+            <a:pPr marL="360363" lvl="1" indent="-184150" defTabSz="932472" fontAlgn="base">
+              <a:lnSpc>
+                <a:spcPct val="90000"/>
+              </a:lnSpc>
+              <a:spcBef>
+                <a:spcPct val="0"/>
+              </a:spcBef>
+              <a:spcAft>
+                <a:spcPct val="0"/>
+              </a:spcAft>
+              <a:buFont typeface="Arial" panose="020B0604020202020204" pitchFamily="34" charset="0"/>
+              <a:buChar char="•"/>
+            </a:pPr>
+            <a:r>
+              <a:rPr lang="en-CA" sz="800" dirty="0">
+                <a:solidFill>
+                  <a:srgbClr val="0070C0"/>
+                </a:solidFill>
+                <a:ea typeface="Segoe UI" pitchFamily="34" charset="0"/>
+                <a:cs typeface="Segoe UI" pitchFamily="34" charset="0"/>
+              </a:rPr>
+              <a:t>Create file shares in the cloud</a:t>
+            </a:r>
+          </a:p>
+          <a:p>
+            <a:pPr marL="360363" lvl="1" indent="-184150" defTabSz="932472" fontAlgn="base">
+              <a:lnSpc>
+                <a:spcPct val="90000"/>
+              </a:lnSpc>
+              <a:spcBef>
+                <a:spcPct val="0"/>
+              </a:spcBef>
+              <a:spcAft>
+                <a:spcPct val="0"/>
+              </a:spcAft>
+              <a:buFont typeface="Arial" panose="020B0604020202020204" pitchFamily="34" charset="0"/>
+              <a:buChar char="•"/>
+            </a:pPr>
+            <a:r>
+              <a:rPr lang="en-CA" sz="800" dirty="0">
+                <a:solidFill>
+                  <a:srgbClr val="0070C0"/>
+                </a:solidFill>
+                <a:ea typeface="Segoe UI" pitchFamily="34" charset="0"/>
+                <a:cs typeface="Segoe UI" pitchFamily="34" charset="0"/>
+              </a:rPr>
+              <a:t>Access with Server Massage Block (SMB) protocol</a:t>
+            </a:r>
+          </a:p>
+          <a:p>
+            <a:pPr marL="360363" lvl="1" indent="-184150" defTabSz="932472" fontAlgn="base">
+              <a:lnSpc>
+                <a:spcPct val="90000"/>
+              </a:lnSpc>
+              <a:spcBef>
+                <a:spcPct val="0"/>
+              </a:spcBef>
+              <a:spcAft>
+                <a:spcPct val="0"/>
+              </a:spcAft>
+              <a:buFont typeface="Arial" panose="020B0604020202020204" pitchFamily="34" charset="0"/>
+              <a:buChar char="•"/>
+            </a:pPr>
+            <a:r>
+              <a:rPr lang="en-CA" sz="800" dirty="0">
+                <a:solidFill>
+                  <a:srgbClr val="0070C0"/>
+                </a:solidFill>
+                <a:ea typeface="Segoe UI" pitchFamily="34" charset="0"/>
+                <a:cs typeface="Segoe UI" pitchFamily="34" charset="0"/>
+              </a:rPr>
+              <a:t>Cached fast access on Win Server using Azure File Sync</a:t>
+            </a:r>
+            <a:endParaRPr lang="en-CA" sz="800" dirty="0">
+              <a:solidFill>
+                <a:srgbClr val="0070C0"/>
+              </a:solidFill>
+              <a:cs typeface="Segoe UI" pitchFamily="34" charset="0"/>
+            </a:endParaRPr>
+          </a:p>
+        </p:txBody>
+      </p:sp>
+      <p:sp>
+        <p:nvSpPr>
+          <p:cNvPr id="84" name="Rectangle: Rounded Corners 83">
+            <a:extLst>
+              <a:ext uri="{FF2B5EF4-FFF2-40B4-BE49-F238E27FC236}">
+                <a16:creationId xmlns:a16="http://schemas.microsoft.com/office/drawing/2014/main" id="{954FFA22-DB65-455E-A933-99A4E293E2A8}"/>
+              </a:ext>
+            </a:extLst>
+          </p:cNvPr>
+          <p:cNvSpPr/>
+          <p:nvPr/>
+        </p:nvSpPr>
+        <p:spPr bwMode="auto">
+          <a:xfrm>
+            <a:off x="11241313" y="10264970"/>
+            <a:ext cx="2986571" cy="419904"/>
+          </a:xfrm>
+          <a:prstGeom prst="roundRect">
+            <a:avLst/>
+          </a:prstGeom>
+          <a:solidFill>
+            <a:srgbClr val="0070C0"/>
+          </a:solidFill>
+          <a:ln>
+            <a:solidFill>
+              <a:srgbClr val="0070C0"/>
+            </a:solidFill>
+            <a:headEnd type="none" w="med" len="med"/>
+            <a:tailEnd type="none" w="med" len="med"/>
+          </a:ln>
+          <a:effectLst/>
+        </p:spPr>
+        <p:style>
+          <a:lnRef idx="1">
+            <a:schemeClr val="accent2"/>
+          </a:lnRef>
+          <a:fillRef idx="3">
+            <a:schemeClr val="accent2"/>
+          </a:fillRef>
+          <a:effectRef idx="2">
+            <a:schemeClr val="accent2"/>
+          </a:effectRef>
+          <a:fontRef idx="minor">
+            <a:schemeClr val="lt1"/>
+          </a:fontRef>
+        </p:style>
+        <p:txBody>
+          <a:bodyPr rot="0" spcFirstLastPara="0" vertOverflow="overflow" horzOverflow="overflow" vert="horz" wrap="square" lIns="0" tIns="0" rIns="0" bIns="0" numCol="1" spcCol="0" rtlCol="0" fromWordArt="0" anchor="ctr" anchorCtr="0" forceAA="0" compatLnSpc="1">
+            <a:prstTxWarp prst="textNoShape">
+              <a:avLst/>
+            </a:prstTxWarp>
+            <a:noAutofit/>
+          </a:bodyPr>
+          <a:lstStyle/>
+          <a:p>
+            <a:pPr algn="ctr" defTabSz="932472" fontAlgn="base">
+              <a:lnSpc>
+                <a:spcPct val="90000"/>
+              </a:lnSpc>
+              <a:spcBef>
+                <a:spcPct val="0"/>
+              </a:spcBef>
+              <a:spcAft>
+                <a:spcPct val="0"/>
+              </a:spcAft>
+            </a:pPr>
+            <a:r>
+              <a:rPr lang="en-CA" sz="1600" dirty="0">
+                <a:gradFill>
+                  <a:gsLst>
+                    <a:gs pos="0">
+                      <a:srgbClr val="FFFFFF"/>
+                    </a:gs>
+                    <a:gs pos="100000">
+                      <a:srgbClr val="FFFFFF"/>
+                    </a:gs>
+                  </a:gsLst>
+                  <a:lin ang="5400000" scaled="0"/>
+                </a:gradFill>
+                <a:ea typeface="Segoe UI" pitchFamily="34" charset="0"/>
+                <a:cs typeface="Segoe UI" pitchFamily="34" charset="0"/>
+              </a:rPr>
+              <a:t>Disk Storage</a:t>
+            </a:r>
+          </a:p>
+        </p:txBody>
+      </p:sp>
+      <p:sp>
+        <p:nvSpPr>
+          <p:cNvPr id="85" name="Rectangle 84">
+            <a:extLst>
+              <a:ext uri="{FF2B5EF4-FFF2-40B4-BE49-F238E27FC236}">
+                <a16:creationId xmlns:a16="http://schemas.microsoft.com/office/drawing/2014/main" id="{D7314805-5180-408D-9815-BEDE30CD1AEB}"/>
+              </a:ext>
+            </a:extLst>
+          </p:cNvPr>
+          <p:cNvSpPr/>
+          <p:nvPr/>
+        </p:nvSpPr>
+        <p:spPr bwMode="auto">
+          <a:xfrm>
+            <a:off x="11241314" y="10621568"/>
+            <a:ext cx="2986570" cy="931641"/>
+          </a:xfrm>
+          <a:prstGeom prst="rect">
+            <a:avLst/>
+          </a:prstGeom>
+          <a:solidFill>
+            <a:schemeClr val="tx1"/>
+          </a:solidFill>
+          <a:ln>
+            <a:solidFill>
+              <a:srgbClr val="0070C0"/>
+            </a:solidFill>
+            <a:headEnd type="none" w="med" len="med"/>
+            <a:tailEnd type="none" w="med" len="med"/>
+          </a:ln>
+          <a:effectLst/>
+        </p:spPr>
+        <p:style>
+          <a:lnRef idx="1">
+            <a:schemeClr val="accent2"/>
+          </a:lnRef>
+          <a:fillRef idx="3">
+            <a:schemeClr val="accent2"/>
+          </a:fillRef>
+          <a:effectRef idx="2">
+            <a:schemeClr val="accent2"/>
+          </a:effectRef>
+          <a:fontRef idx="minor">
+            <a:schemeClr val="lt1"/>
+          </a:fontRef>
+        </p:style>
+        <p:txBody>
+          <a:bodyPr rot="0" spcFirstLastPara="0" vertOverflow="overflow" horzOverflow="overflow" vert="horz" wrap="square" lIns="36000" tIns="72000" rIns="0" bIns="0" numCol="1" spcCol="0" rtlCol="0" fromWordArt="0" anchor="ctr" anchorCtr="0" forceAA="0" compatLnSpc="1">
+            <a:prstTxWarp prst="textNoShape">
+              <a:avLst/>
+            </a:prstTxWarp>
+            <a:noAutofit/>
+          </a:bodyPr>
+          <a:lstStyle/>
+          <a:p>
+            <a:pPr defTabSz="932472" fontAlgn="base">
+              <a:lnSpc>
+                <a:spcPct val="90000"/>
+              </a:lnSpc>
+              <a:spcBef>
+                <a:spcPct val="0"/>
+              </a:spcBef>
+              <a:spcAft>
+                <a:spcPct val="0"/>
+              </a:spcAft>
+            </a:pPr>
+            <a:r>
+              <a:rPr lang="en-CA" sz="900" b="1" dirty="0">
+                <a:solidFill>
+                  <a:srgbClr val="0070C0"/>
+                </a:solidFill>
+                <a:ea typeface="Segoe UI" pitchFamily="34" charset="0"/>
+                <a:cs typeface="Segoe UI" pitchFamily="34" charset="0"/>
+              </a:rPr>
+              <a:t>Features</a:t>
+            </a:r>
+          </a:p>
+          <a:p>
+            <a:pPr marL="360363" lvl="1" indent="-184150" defTabSz="932472" fontAlgn="base">
+              <a:lnSpc>
+                <a:spcPct val="90000"/>
+              </a:lnSpc>
+              <a:spcBef>
+                <a:spcPct val="0"/>
+              </a:spcBef>
+              <a:spcAft>
+                <a:spcPct val="0"/>
+              </a:spcAft>
+              <a:buFont typeface="Arial" panose="020B0604020202020204" pitchFamily="34" charset="0"/>
+              <a:buChar char="•"/>
+            </a:pPr>
+            <a:r>
+              <a:rPr lang="en-CA" sz="800" dirty="0">
+                <a:solidFill>
+                  <a:srgbClr val="0070C0"/>
+                </a:solidFill>
+                <a:ea typeface="Segoe UI" pitchFamily="34" charset="0"/>
+                <a:cs typeface="Segoe UI" pitchFamily="34" charset="0"/>
+              </a:rPr>
+              <a:t>Used for virtual machines stored in Az Blob storage as page blobs.</a:t>
+            </a:r>
+          </a:p>
+          <a:p>
+            <a:pPr defTabSz="932472" fontAlgn="base">
+              <a:lnSpc>
+                <a:spcPct val="90000"/>
+              </a:lnSpc>
+              <a:spcBef>
+                <a:spcPct val="0"/>
+              </a:spcBef>
+              <a:spcAft>
+                <a:spcPct val="0"/>
+              </a:spcAft>
+            </a:pPr>
+            <a:r>
+              <a:rPr lang="en-CA" sz="900" b="1" dirty="0">
+                <a:solidFill>
+                  <a:srgbClr val="0070C0"/>
+                </a:solidFill>
+                <a:ea typeface="Segoe UI" pitchFamily="34" charset="0"/>
+                <a:cs typeface="Segoe UI" pitchFamily="34" charset="0"/>
+              </a:rPr>
+              <a:t>Storage</a:t>
+            </a:r>
+          </a:p>
+          <a:p>
+            <a:pPr marL="360363" lvl="1" indent="-184150" defTabSz="932472" fontAlgn="base">
+              <a:lnSpc>
+                <a:spcPct val="90000"/>
+              </a:lnSpc>
+              <a:spcBef>
+                <a:spcPct val="0"/>
+              </a:spcBef>
+              <a:spcAft>
+                <a:spcPct val="0"/>
+              </a:spcAft>
+              <a:buFont typeface="Arial" panose="020B0604020202020204" pitchFamily="34" charset="0"/>
+              <a:buChar char="•"/>
+            </a:pPr>
+            <a:r>
+              <a:rPr lang="en-CA" sz="800" dirty="0">
+                <a:solidFill>
+                  <a:srgbClr val="0070C0"/>
+                </a:solidFill>
+                <a:ea typeface="Segoe UI" pitchFamily="34" charset="0"/>
+                <a:cs typeface="Segoe UI" pitchFamily="34" charset="0"/>
+              </a:rPr>
+              <a:t>Standard – unmanaged HDD disk drives. LRS and GRS redundancy only.</a:t>
+            </a:r>
+          </a:p>
+          <a:p>
+            <a:pPr marL="360363" lvl="1" indent="-184150" defTabSz="932472" fontAlgn="base">
+              <a:lnSpc>
+                <a:spcPct val="90000"/>
+              </a:lnSpc>
+              <a:spcBef>
+                <a:spcPct val="0"/>
+              </a:spcBef>
+              <a:spcAft>
+                <a:spcPct val="0"/>
+              </a:spcAft>
+              <a:buFont typeface="Arial" panose="020B0604020202020204" pitchFamily="34" charset="0"/>
+              <a:buChar char="•"/>
+            </a:pPr>
+            <a:r>
+              <a:rPr lang="en-CA" sz="800" dirty="0">
+                <a:solidFill>
+                  <a:srgbClr val="0070C0"/>
+                </a:solidFill>
+                <a:ea typeface="Segoe UI" pitchFamily="34" charset="0"/>
+                <a:cs typeface="Segoe UI" pitchFamily="34" charset="0"/>
+              </a:rPr>
+              <a:t>Premium – SDD, high-performance disk support</a:t>
+            </a:r>
+          </a:p>
+        </p:txBody>
+      </p:sp>
+      <p:sp>
+        <p:nvSpPr>
+          <p:cNvPr id="86" name="Rectangle: Rounded Corners 85">
+            <a:extLst>
+              <a:ext uri="{FF2B5EF4-FFF2-40B4-BE49-F238E27FC236}">
+                <a16:creationId xmlns:a16="http://schemas.microsoft.com/office/drawing/2014/main" id="{BFCAD266-CBF4-42F1-9EB0-EFFE5B2FDA42}"/>
+              </a:ext>
+            </a:extLst>
+          </p:cNvPr>
+          <p:cNvSpPr/>
+          <p:nvPr/>
+        </p:nvSpPr>
+        <p:spPr bwMode="auto">
+          <a:xfrm>
+            <a:off x="8148877" y="9595900"/>
+            <a:ext cx="2986571" cy="419904"/>
+          </a:xfrm>
+          <a:prstGeom prst="roundRect">
+            <a:avLst/>
+          </a:prstGeom>
+          <a:solidFill>
+            <a:srgbClr val="0070C0"/>
+          </a:solidFill>
+          <a:ln>
+            <a:solidFill>
+              <a:srgbClr val="0070C0"/>
+            </a:solidFill>
+            <a:headEnd type="none" w="med" len="med"/>
+            <a:tailEnd type="none" w="med" len="med"/>
+          </a:ln>
+          <a:effectLst/>
+        </p:spPr>
+        <p:style>
+          <a:lnRef idx="1">
+            <a:schemeClr val="accent2"/>
+          </a:lnRef>
+          <a:fillRef idx="3">
+            <a:schemeClr val="accent2"/>
+          </a:fillRef>
+          <a:effectRef idx="2">
+            <a:schemeClr val="accent2"/>
+          </a:effectRef>
+          <a:fontRef idx="minor">
+            <a:schemeClr val="lt1"/>
+          </a:fontRef>
+        </p:style>
+        <p:txBody>
+          <a:bodyPr rot="0" spcFirstLastPara="0" vertOverflow="overflow" horzOverflow="overflow" vert="horz" wrap="square" lIns="0" tIns="0" rIns="0" bIns="0" numCol="1" spcCol="0" rtlCol="0" fromWordArt="0" anchor="ctr" anchorCtr="0" forceAA="0" compatLnSpc="1">
+            <a:prstTxWarp prst="textNoShape">
+              <a:avLst/>
+            </a:prstTxWarp>
+            <a:noAutofit/>
+          </a:bodyPr>
+          <a:lstStyle/>
+          <a:p>
+            <a:pPr algn="ctr" defTabSz="932472" fontAlgn="base">
+              <a:lnSpc>
+                <a:spcPct val="90000"/>
+              </a:lnSpc>
+              <a:spcBef>
+                <a:spcPct val="0"/>
+              </a:spcBef>
+              <a:spcAft>
+                <a:spcPct val="0"/>
+              </a:spcAft>
+            </a:pPr>
+            <a:r>
+              <a:rPr lang="en-CA" sz="1600" dirty="0">
+                <a:gradFill>
+                  <a:gsLst>
+                    <a:gs pos="0">
+                      <a:srgbClr val="FFFFFF"/>
+                    </a:gs>
+                    <a:gs pos="100000">
+                      <a:srgbClr val="FFFFFF"/>
+                    </a:gs>
+                  </a:gsLst>
+                  <a:lin ang="5400000" scaled="0"/>
+                </a:gradFill>
+                <a:ea typeface="Segoe UI" pitchFamily="34" charset="0"/>
+                <a:cs typeface="Segoe UI" pitchFamily="34" charset="0"/>
+              </a:rPr>
+              <a:t>StorSimple</a:t>
+            </a:r>
+          </a:p>
+        </p:txBody>
+      </p:sp>
+      <p:sp>
+        <p:nvSpPr>
+          <p:cNvPr id="87" name="Rectangle 86">
+            <a:extLst>
+              <a:ext uri="{FF2B5EF4-FFF2-40B4-BE49-F238E27FC236}">
+                <a16:creationId xmlns:a16="http://schemas.microsoft.com/office/drawing/2014/main" id="{202E486C-44DE-40B1-9410-40D4FA334CEC}"/>
+              </a:ext>
+            </a:extLst>
+          </p:cNvPr>
+          <p:cNvSpPr/>
+          <p:nvPr/>
+        </p:nvSpPr>
+        <p:spPr bwMode="auto">
+          <a:xfrm>
+            <a:off x="8148878" y="9952498"/>
+            <a:ext cx="2986570" cy="1153402"/>
+          </a:xfrm>
+          <a:prstGeom prst="rect">
+            <a:avLst/>
+          </a:prstGeom>
+          <a:solidFill>
+            <a:schemeClr val="tx1"/>
+          </a:solidFill>
+          <a:ln>
+            <a:solidFill>
+              <a:srgbClr val="0070C0"/>
+            </a:solidFill>
+            <a:headEnd type="none" w="med" len="med"/>
+            <a:tailEnd type="none" w="med" len="med"/>
+          </a:ln>
+          <a:effectLst/>
+        </p:spPr>
+        <p:style>
+          <a:lnRef idx="1">
+            <a:schemeClr val="accent2"/>
+          </a:lnRef>
+          <a:fillRef idx="3">
+            <a:schemeClr val="accent2"/>
+          </a:fillRef>
+          <a:effectRef idx="2">
+            <a:schemeClr val="accent2"/>
+          </a:effectRef>
+          <a:fontRef idx="minor">
+            <a:schemeClr val="lt1"/>
+          </a:fontRef>
+        </p:style>
+        <p:txBody>
+          <a:bodyPr rot="0" spcFirstLastPara="0" vertOverflow="overflow" horzOverflow="overflow" vert="horz" wrap="square" lIns="36000" tIns="72000" rIns="0" bIns="0" numCol="1" spcCol="0" rtlCol="0" fromWordArt="0" anchor="ctr" anchorCtr="0" forceAA="0" compatLnSpc="1">
+            <a:prstTxWarp prst="textNoShape">
+              <a:avLst/>
+            </a:prstTxWarp>
+            <a:noAutofit/>
+          </a:bodyPr>
+          <a:lstStyle/>
+          <a:p>
+            <a:pPr defTabSz="932472" fontAlgn="base">
+              <a:lnSpc>
+                <a:spcPct val="90000"/>
+              </a:lnSpc>
+              <a:spcBef>
+                <a:spcPct val="0"/>
+              </a:spcBef>
+              <a:spcAft>
+                <a:spcPct val="0"/>
+              </a:spcAft>
+            </a:pPr>
+            <a:r>
+              <a:rPr lang="en-CA" sz="900" b="1" dirty="0">
+                <a:solidFill>
+                  <a:srgbClr val="0070C0"/>
+                </a:solidFill>
+                <a:ea typeface="Segoe UI" pitchFamily="34" charset="0"/>
+                <a:cs typeface="Segoe UI" pitchFamily="34" charset="0"/>
+              </a:rPr>
+              <a:t>Features</a:t>
+            </a:r>
+          </a:p>
+          <a:p>
+            <a:pPr marL="360363" lvl="1" indent="-184150" defTabSz="932472" fontAlgn="base">
+              <a:lnSpc>
+                <a:spcPct val="90000"/>
+              </a:lnSpc>
+              <a:spcBef>
+                <a:spcPct val="0"/>
+              </a:spcBef>
+              <a:spcAft>
+                <a:spcPct val="0"/>
+              </a:spcAft>
+              <a:buFont typeface="Arial" panose="020B0604020202020204" pitchFamily="34" charset="0"/>
+              <a:buChar char="•"/>
+            </a:pPr>
+            <a:r>
+              <a:rPr lang="en-CA" sz="800" dirty="0">
+                <a:solidFill>
+                  <a:srgbClr val="0070C0"/>
+                </a:solidFill>
+                <a:ea typeface="Segoe UI" pitchFamily="34" charset="0"/>
+                <a:cs typeface="Segoe UI" pitchFamily="34" charset="0"/>
+              </a:rPr>
+              <a:t>Integrated storage spanning on-rem an cloud</a:t>
+            </a:r>
+          </a:p>
+          <a:p>
+            <a:pPr marL="360363" lvl="1" indent="-184150" defTabSz="932472" fontAlgn="base">
+              <a:lnSpc>
+                <a:spcPct val="90000"/>
+              </a:lnSpc>
+              <a:spcBef>
+                <a:spcPct val="0"/>
+              </a:spcBef>
+              <a:spcAft>
+                <a:spcPct val="0"/>
+              </a:spcAft>
+              <a:buFont typeface="Arial" panose="020B0604020202020204" pitchFamily="34" charset="0"/>
+              <a:buChar char="•"/>
+            </a:pPr>
+            <a:r>
+              <a:rPr lang="en-CA" sz="800" dirty="0">
+                <a:solidFill>
+                  <a:srgbClr val="0070C0"/>
+                </a:solidFill>
+                <a:ea typeface="Segoe UI" pitchFamily="34" charset="0"/>
+                <a:cs typeface="Segoe UI" pitchFamily="34" charset="0"/>
+              </a:rPr>
+              <a:t>iSCSI and SMB support</a:t>
+            </a:r>
+          </a:p>
+          <a:p>
+            <a:pPr defTabSz="932472" fontAlgn="base">
+              <a:lnSpc>
+                <a:spcPct val="90000"/>
+              </a:lnSpc>
+              <a:spcBef>
+                <a:spcPct val="0"/>
+              </a:spcBef>
+              <a:spcAft>
+                <a:spcPct val="0"/>
+              </a:spcAft>
+            </a:pPr>
+            <a:r>
+              <a:rPr lang="en-CA" sz="900" b="1" dirty="0">
+                <a:solidFill>
+                  <a:srgbClr val="0070C0"/>
+                </a:solidFill>
+                <a:ea typeface="Segoe UI" pitchFamily="34" charset="0"/>
+                <a:cs typeface="Segoe UI" pitchFamily="34" charset="0"/>
+              </a:rPr>
+              <a:t>StorSimple Virtual Array</a:t>
+            </a:r>
+          </a:p>
+          <a:p>
+            <a:pPr marL="360363" lvl="1" indent="-184150" defTabSz="932472" fontAlgn="base">
+              <a:lnSpc>
+                <a:spcPct val="90000"/>
+              </a:lnSpc>
+              <a:spcBef>
+                <a:spcPct val="0"/>
+              </a:spcBef>
+              <a:spcAft>
+                <a:spcPct val="0"/>
+              </a:spcAft>
+              <a:buFont typeface="Arial" panose="020B0604020202020204" pitchFamily="34" charset="0"/>
+              <a:buChar char="•"/>
+            </a:pPr>
+            <a:r>
+              <a:rPr lang="en-CA" sz="800" dirty="0">
+                <a:solidFill>
+                  <a:srgbClr val="0070C0"/>
+                </a:solidFill>
+                <a:ea typeface="Segoe UI" pitchFamily="34" charset="0"/>
+                <a:cs typeface="Segoe UI" pitchFamily="34" charset="0"/>
+              </a:rPr>
+              <a:t>Hyper-V 2000 R2 and VMWare 5.5</a:t>
+            </a:r>
+          </a:p>
+          <a:p>
+            <a:pPr marL="360363" lvl="1" indent="-184150" defTabSz="932472" fontAlgn="base">
+              <a:lnSpc>
+                <a:spcPct val="90000"/>
+              </a:lnSpc>
+              <a:spcBef>
+                <a:spcPct val="0"/>
+              </a:spcBef>
+              <a:spcAft>
+                <a:spcPct val="0"/>
+              </a:spcAft>
+              <a:buFont typeface="Arial" panose="020B0604020202020204" pitchFamily="34" charset="0"/>
+              <a:buChar char="•"/>
+            </a:pPr>
+            <a:r>
+              <a:rPr lang="en-CA" sz="800" dirty="0">
+                <a:solidFill>
+                  <a:srgbClr val="0070C0"/>
+                </a:solidFill>
+                <a:cs typeface="Segoe UI" pitchFamily="34" charset="0"/>
+              </a:rPr>
+              <a:t>iSCSI server (AN) or File Server (NAS).</a:t>
+            </a:r>
+          </a:p>
+          <a:p>
+            <a:pPr defTabSz="932472" fontAlgn="base">
+              <a:lnSpc>
+                <a:spcPct val="90000"/>
+              </a:lnSpc>
+              <a:spcBef>
+                <a:spcPct val="0"/>
+              </a:spcBef>
+              <a:spcAft>
+                <a:spcPct val="0"/>
+              </a:spcAft>
+            </a:pPr>
+            <a:r>
+              <a:rPr lang="en-CA" sz="900" b="1" dirty="0">
+                <a:solidFill>
+                  <a:srgbClr val="0070C0"/>
+                </a:solidFill>
+                <a:ea typeface="Segoe UI" pitchFamily="34" charset="0"/>
+                <a:cs typeface="Segoe UI" pitchFamily="34" charset="0"/>
+              </a:rPr>
+              <a:t>StorSimple 8000 Series</a:t>
+            </a:r>
+          </a:p>
+          <a:p>
+            <a:pPr marL="360363" lvl="1" indent="-184150" defTabSz="932472" fontAlgn="base">
+              <a:lnSpc>
+                <a:spcPct val="90000"/>
+              </a:lnSpc>
+              <a:spcBef>
+                <a:spcPct val="0"/>
+              </a:spcBef>
+              <a:spcAft>
+                <a:spcPct val="0"/>
+              </a:spcAft>
+              <a:buFont typeface="Arial" panose="020B0604020202020204" pitchFamily="34" charset="0"/>
+              <a:buChar char="•"/>
+            </a:pPr>
+            <a:r>
+              <a:rPr lang="en-CA" sz="800" dirty="0">
+                <a:solidFill>
+                  <a:srgbClr val="0070C0"/>
+                </a:solidFill>
+                <a:cs typeface="Segoe UI" pitchFamily="34" charset="0"/>
+              </a:rPr>
+              <a:t>Leased physical device</a:t>
+            </a:r>
+          </a:p>
+          <a:p>
+            <a:pPr marL="360363" lvl="1" indent="-184150" defTabSz="932472" fontAlgn="base">
+              <a:lnSpc>
+                <a:spcPct val="90000"/>
+              </a:lnSpc>
+              <a:spcBef>
+                <a:spcPct val="0"/>
+              </a:spcBef>
+              <a:spcAft>
+                <a:spcPct val="0"/>
+              </a:spcAft>
+              <a:buFont typeface="Arial" panose="020B0604020202020204" pitchFamily="34" charset="0"/>
+              <a:buChar char="•"/>
+            </a:pPr>
+            <a:r>
+              <a:rPr lang="en-CA" sz="800" dirty="0">
+                <a:solidFill>
+                  <a:srgbClr val="0070C0"/>
+                </a:solidFill>
+                <a:cs typeface="Segoe UI" pitchFamily="34" charset="0"/>
+              </a:rPr>
+              <a:t>Virtual Appliance Manager replicates data to cloud</a:t>
+            </a:r>
+          </a:p>
+          <a:p>
+            <a:pPr defTabSz="932472" fontAlgn="base">
+              <a:lnSpc>
+                <a:spcPct val="90000"/>
+              </a:lnSpc>
+              <a:spcBef>
+                <a:spcPct val="0"/>
+              </a:spcBef>
+              <a:spcAft>
+                <a:spcPct val="0"/>
+              </a:spcAft>
+            </a:pPr>
+            <a:endParaRPr lang="en-CA" sz="800" dirty="0">
+              <a:solidFill>
+                <a:srgbClr val="0070C0"/>
+              </a:solidFill>
+              <a:ea typeface="Segoe UI" pitchFamily="34" charset="0"/>
+              <a:cs typeface="Segoe UI" pitchFamily="34" charset="0"/>
+            </a:endParaRPr>
+          </a:p>
+        </p:txBody>
+      </p:sp>
+      <p:sp>
+        <p:nvSpPr>
+          <p:cNvPr id="88" name="Rectangle: Rounded Corners 87">
+            <a:extLst>
+              <a:ext uri="{FF2B5EF4-FFF2-40B4-BE49-F238E27FC236}">
+                <a16:creationId xmlns:a16="http://schemas.microsoft.com/office/drawing/2014/main" id="{C255A7A6-0A46-4B43-B4FE-A4EE9C1F2A2D}"/>
+              </a:ext>
+            </a:extLst>
+          </p:cNvPr>
+          <p:cNvSpPr/>
+          <p:nvPr/>
+        </p:nvSpPr>
+        <p:spPr bwMode="auto">
+          <a:xfrm>
+            <a:off x="8148877" y="11232365"/>
+            <a:ext cx="2986571" cy="419904"/>
+          </a:xfrm>
+          <a:prstGeom prst="roundRect">
+            <a:avLst/>
+          </a:prstGeom>
+          <a:solidFill>
+            <a:srgbClr val="0070C0"/>
+          </a:solidFill>
+          <a:ln>
+            <a:solidFill>
+              <a:srgbClr val="0070C0"/>
+            </a:solidFill>
+            <a:headEnd type="none" w="med" len="med"/>
+            <a:tailEnd type="none" w="med" len="med"/>
+          </a:ln>
+          <a:effectLst/>
+        </p:spPr>
+        <p:style>
+          <a:lnRef idx="1">
+            <a:schemeClr val="accent2"/>
+          </a:lnRef>
+          <a:fillRef idx="3">
+            <a:schemeClr val="accent2"/>
+          </a:fillRef>
+          <a:effectRef idx="2">
+            <a:schemeClr val="accent2"/>
+          </a:effectRef>
+          <a:fontRef idx="minor">
+            <a:schemeClr val="lt1"/>
+          </a:fontRef>
+        </p:style>
+        <p:txBody>
+          <a:bodyPr rot="0" spcFirstLastPara="0" vertOverflow="overflow" horzOverflow="overflow" vert="horz" wrap="square" lIns="0" tIns="0" rIns="0" bIns="0" numCol="1" spcCol="0" rtlCol="0" fromWordArt="0" anchor="ctr" anchorCtr="0" forceAA="0" compatLnSpc="1">
+            <a:prstTxWarp prst="textNoShape">
+              <a:avLst/>
+            </a:prstTxWarp>
+            <a:noAutofit/>
+          </a:bodyPr>
+          <a:lstStyle/>
+          <a:p>
+            <a:pPr algn="ctr" defTabSz="932472" fontAlgn="base">
+              <a:lnSpc>
+                <a:spcPct val="90000"/>
+              </a:lnSpc>
+              <a:spcBef>
+                <a:spcPct val="0"/>
+              </a:spcBef>
+              <a:spcAft>
+                <a:spcPct val="0"/>
+              </a:spcAft>
+            </a:pPr>
+            <a:r>
+              <a:rPr lang="en-CA" sz="1600" dirty="0">
+                <a:gradFill>
+                  <a:gsLst>
+                    <a:gs pos="0">
+                      <a:srgbClr val="FFFFFF"/>
+                    </a:gs>
+                    <a:gs pos="100000">
+                      <a:srgbClr val="FFFFFF"/>
+                    </a:gs>
+                  </a:gsLst>
+                  <a:lin ang="5400000" scaled="0"/>
+                </a:gradFill>
+                <a:ea typeface="Segoe UI" pitchFamily="34" charset="0"/>
+                <a:cs typeface="Segoe UI" pitchFamily="34" charset="0"/>
+              </a:rPr>
+              <a:t>Cosmos DB Storage</a:t>
+            </a:r>
+          </a:p>
+        </p:txBody>
+      </p:sp>
+      <p:sp>
+        <p:nvSpPr>
+          <p:cNvPr id="89" name="Rectangle 88">
+            <a:extLst>
+              <a:ext uri="{FF2B5EF4-FFF2-40B4-BE49-F238E27FC236}">
+                <a16:creationId xmlns:a16="http://schemas.microsoft.com/office/drawing/2014/main" id="{6DA9B634-B4B3-4EE1-9D36-72734FB2232A}"/>
+              </a:ext>
+            </a:extLst>
+          </p:cNvPr>
+          <p:cNvSpPr/>
+          <p:nvPr/>
+        </p:nvSpPr>
+        <p:spPr bwMode="auto">
+          <a:xfrm>
+            <a:off x="8148878" y="11588963"/>
+            <a:ext cx="2986570" cy="1208618"/>
+          </a:xfrm>
+          <a:prstGeom prst="rect">
+            <a:avLst/>
+          </a:prstGeom>
+          <a:solidFill>
+            <a:schemeClr val="tx1"/>
+          </a:solidFill>
+          <a:ln>
+            <a:solidFill>
+              <a:srgbClr val="0070C0"/>
+            </a:solidFill>
+            <a:headEnd type="none" w="med" len="med"/>
+            <a:tailEnd type="none" w="med" len="med"/>
+          </a:ln>
+          <a:effectLst/>
+        </p:spPr>
+        <p:style>
+          <a:lnRef idx="1">
+            <a:schemeClr val="accent2"/>
+          </a:lnRef>
+          <a:fillRef idx="3">
+            <a:schemeClr val="accent2"/>
+          </a:fillRef>
+          <a:effectRef idx="2">
+            <a:schemeClr val="accent2"/>
+          </a:effectRef>
+          <a:fontRef idx="minor">
+            <a:schemeClr val="lt1"/>
+          </a:fontRef>
+        </p:style>
+        <p:txBody>
+          <a:bodyPr rot="0" spcFirstLastPara="0" vertOverflow="overflow" horzOverflow="overflow" vert="horz" wrap="square" lIns="36000" tIns="72000" rIns="0" bIns="0" numCol="1" spcCol="0" rtlCol="0" fromWordArt="0" anchor="ctr" anchorCtr="0" forceAA="0" compatLnSpc="1">
+            <a:prstTxWarp prst="textNoShape">
+              <a:avLst/>
+            </a:prstTxWarp>
+            <a:noAutofit/>
+          </a:bodyPr>
+          <a:lstStyle/>
+          <a:p>
+            <a:pPr defTabSz="932472" fontAlgn="base">
+              <a:lnSpc>
+                <a:spcPct val="90000"/>
+              </a:lnSpc>
+              <a:spcBef>
+                <a:spcPct val="0"/>
+              </a:spcBef>
+              <a:spcAft>
+                <a:spcPct val="0"/>
+              </a:spcAft>
+            </a:pPr>
+            <a:r>
+              <a:rPr lang="en-CA" sz="900" b="1" dirty="0">
+                <a:solidFill>
+                  <a:srgbClr val="0070C0"/>
+                </a:solidFill>
+                <a:ea typeface="Segoe UI" pitchFamily="34" charset="0"/>
+                <a:cs typeface="Segoe UI" pitchFamily="34" charset="0"/>
+              </a:rPr>
+              <a:t>Features</a:t>
+            </a:r>
+          </a:p>
+          <a:p>
+            <a:pPr marL="360363" lvl="1" indent="-184150" defTabSz="932472" fontAlgn="base">
+              <a:lnSpc>
+                <a:spcPct val="90000"/>
+              </a:lnSpc>
+              <a:spcBef>
+                <a:spcPct val="0"/>
+              </a:spcBef>
+              <a:spcAft>
+                <a:spcPct val="0"/>
+              </a:spcAft>
+              <a:buFont typeface="Arial" panose="020B0604020202020204" pitchFamily="34" charset="0"/>
+              <a:buChar char="•"/>
+            </a:pPr>
+            <a:r>
+              <a:rPr lang="en-CA" sz="800" dirty="0">
+                <a:solidFill>
+                  <a:srgbClr val="0070C0"/>
+                </a:solidFill>
+                <a:ea typeface="Segoe UI" pitchFamily="34" charset="0"/>
+                <a:cs typeface="Segoe UI" pitchFamily="34" charset="0"/>
+              </a:rPr>
+              <a:t>Premium Azure Table Storage</a:t>
+            </a:r>
+          </a:p>
+          <a:p>
+            <a:pPr marL="360363" lvl="1" indent="-184150" defTabSz="932472" fontAlgn="base">
+              <a:lnSpc>
+                <a:spcPct val="90000"/>
+              </a:lnSpc>
+              <a:spcBef>
+                <a:spcPct val="0"/>
+              </a:spcBef>
+              <a:spcAft>
+                <a:spcPct val="0"/>
+              </a:spcAft>
+              <a:buFont typeface="Arial" panose="020B0604020202020204" pitchFamily="34" charset="0"/>
+              <a:buChar char="•"/>
+            </a:pPr>
+            <a:r>
+              <a:rPr lang="en-CA" sz="800" dirty="0">
+                <a:solidFill>
+                  <a:srgbClr val="0070C0"/>
+                </a:solidFill>
+                <a:ea typeface="Segoe UI" pitchFamily="34" charset="0"/>
+                <a:cs typeface="Segoe UI" pitchFamily="34" charset="0"/>
+              </a:rPr>
+              <a:t>Multi-model and globally distributed database</a:t>
+            </a:r>
+          </a:p>
+          <a:p>
+            <a:pPr marL="360363" lvl="1" indent="-184150" defTabSz="932472" fontAlgn="base">
+              <a:lnSpc>
+                <a:spcPct val="90000"/>
+              </a:lnSpc>
+              <a:spcBef>
+                <a:spcPct val="0"/>
+              </a:spcBef>
+              <a:spcAft>
+                <a:spcPct val="0"/>
+              </a:spcAft>
+              <a:buFont typeface="Arial" panose="020B0604020202020204" pitchFamily="34" charset="0"/>
+              <a:buChar char="•"/>
+            </a:pPr>
+            <a:r>
+              <a:rPr lang="en-CA" sz="800" dirty="0">
+                <a:solidFill>
+                  <a:srgbClr val="0070C0"/>
+                </a:solidFill>
+                <a:ea typeface="Segoe UI" pitchFamily="34" charset="0"/>
+                <a:cs typeface="Segoe UI" pitchFamily="34" charset="0"/>
+              </a:rPr>
+              <a:t>Low latency, high availability, high performance  </a:t>
+            </a:r>
+          </a:p>
+          <a:p>
+            <a:pPr defTabSz="932472" fontAlgn="base">
+              <a:lnSpc>
+                <a:spcPct val="90000"/>
+              </a:lnSpc>
+              <a:spcBef>
+                <a:spcPct val="0"/>
+              </a:spcBef>
+              <a:spcAft>
+                <a:spcPct val="0"/>
+              </a:spcAft>
+            </a:pPr>
+            <a:r>
+              <a:rPr lang="en-CA" sz="900" b="1" dirty="0">
+                <a:solidFill>
+                  <a:srgbClr val="0070C0"/>
+                </a:solidFill>
+                <a:ea typeface="Segoe UI" pitchFamily="34" charset="0"/>
+                <a:cs typeface="Segoe UI" pitchFamily="34" charset="0"/>
+              </a:rPr>
+              <a:t>APIs</a:t>
+            </a:r>
+          </a:p>
+          <a:p>
+            <a:pPr marL="360363" lvl="1" indent="-184150" defTabSz="932472" fontAlgn="base">
+              <a:lnSpc>
+                <a:spcPct val="90000"/>
+              </a:lnSpc>
+              <a:spcBef>
+                <a:spcPct val="0"/>
+              </a:spcBef>
+              <a:spcAft>
+                <a:spcPct val="0"/>
+              </a:spcAft>
+              <a:buFont typeface="Arial" panose="020B0604020202020204" pitchFamily="34" charset="0"/>
+              <a:buChar char="•"/>
+            </a:pPr>
+            <a:r>
+              <a:rPr lang="en-CA" sz="800" dirty="0">
+                <a:solidFill>
+                  <a:srgbClr val="0070C0"/>
+                </a:solidFill>
+                <a:ea typeface="Segoe UI" pitchFamily="34" charset="0"/>
+                <a:cs typeface="Segoe UI" pitchFamily="34" charset="0"/>
+              </a:rPr>
+              <a:t>SQL</a:t>
+            </a:r>
+          </a:p>
+          <a:p>
+            <a:pPr marL="360363" lvl="1" indent="-184150" defTabSz="932472" fontAlgn="base">
+              <a:lnSpc>
+                <a:spcPct val="90000"/>
+              </a:lnSpc>
+              <a:spcBef>
+                <a:spcPct val="0"/>
+              </a:spcBef>
+              <a:spcAft>
+                <a:spcPct val="0"/>
+              </a:spcAft>
+              <a:buFont typeface="Arial" panose="020B0604020202020204" pitchFamily="34" charset="0"/>
+              <a:buChar char="•"/>
+            </a:pPr>
+            <a:r>
+              <a:rPr lang="en-CA" sz="800" dirty="0">
+                <a:solidFill>
+                  <a:srgbClr val="0070C0"/>
+                </a:solidFill>
+                <a:ea typeface="Segoe UI" pitchFamily="34" charset="0"/>
+                <a:cs typeface="Segoe UI" pitchFamily="34" charset="0"/>
+              </a:rPr>
+              <a:t>MongoDB</a:t>
+            </a:r>
+          </a:p>
+          <a:p>
+            <a:pPr marL="360363" lvl="1" indent="-184150" defTabSz="932472" fontAlgn="base">
+              <a:lnSpc>
+                <a:spcPct val="90000"/>
+              </a:lnSpc>
+              <a:spcBef>
+                <a:spcPct val="0"/>
+              </a:spcBef>
+              <a:spcAft>
+                <a:spcPct val="0"/>
+              </a:spcAft>
+              <a:buFont typeface="Arial" panose="020B0604020202020204" pitchFamily="34" charset="0"/>
+              <a:buChar char="•"/>
+            </a:pPr>
+            <a:r>
+              <a:rPr lang="en-CA" sz="800" dirty="0">
+                <a:solidFill>
+                  <a:srgbClr val="0070C0"/>
+                </a:solidFill>
+                <a:ea typeface="Segoe UI" pitchFamily="34" charset="0"/>
+                <a:cs typeface="Segoe UI" pitchFamily="34" charset="0"/>
+              </a:rPr>
+              <a:t>Gremlin (Graph)</a:t>
+            </a:r>
+          </a:p>
+          <a:p>
+            <a:pPr marL="360363" lvl="1" indent="-184150" defTabSz="932472" fontAlgn="base">
+              <a:lnSpc>
+                <a:spcPct val="90000"/>
+              </a:lnSpc>
+              <a:spcBef>
+                <a:spcPct val="0"/>
+              </a:spcBef>
+              <a:spcAft>
+                <a:spcPct val="0"/>
+              </a:spcAft>
+              <a:buFont typeface="Arial" panose="020B0604020202020204" pitchFamily="34" charset="0"/>
+              <a:buChar char="•"/>
+            </a:pPr>
+            <a:r>
+              <a:rPr lang="en-CA" sz="800" dirty="0">
+                <a:solidFill>
+                  <a:srgbClr val="0070C0"/>
+                </a:solidFill>
+                <a:ea typeface="Segoe UI" pitchFamily="34" charset="0"/>
+                <a:cs typeface="Segoe UI" pitchFamily="34" charset="0"/>
+              </a:rPr>
+              <a:t>Table</a:t>
+            </a:r>
+          </a:p>
+          <a:p>
+            <a:pPr marL="360363" lvl="1" indent="-184150" defTabSz="932472" fontAlgn="base">
+              <a:lnSpc>
+                <a:spcPct val="90000"/>
+              </a:lnSpc>
+              <a:spcBef>
+                <a:spcPct val="0"/>
+              </a:spcBef>
+              <a:spcAft>
+                <a:spcPct val="0"/>
+              </a:spcAft>
+              <a:buFont typeface="Arial" panose="020B0604020202020204" pitchFamily="34" charset="0"/>
+              <a:buChar char="•"/>
+            </a:pPr>
+            <a:r>
+              <a:rPr lang="en-CA" sz="800" dirty="0">
+                <a:solidFill>
+                  <a:srgbClr val="0070C0"/>
+                </a:solidFill>
+                <a:ea typeface="Segoe UI" pitchFamily="34" charset="0"/>
+                <a:cs typeface="Segoe UI" pitchFamily="34" charset="0"/>
+              </a:rPr>
+              <a:t>Cassandra</a:t>
+            </a:r>
+          </a:p>
+        </p:txBody>
+      </p:sp>
+      <p:pic>
+        <p:nvPicPr>
+          <p:cNvPr id="6" name="Picture 5">
+            <a:extLst>
+              <a:ext uri="{FF2B5EF4-FFF2-40B4-BE49-F238E27FC236}">
+                <a16:creationId xmlns:a16="http://schemas.microsoft.com/office/drawing/2014/main" id="{4A4EDF68-1FD6-401D-AABF-E144FBECD51A}"/>
+              </a:ext>
+            </a:extLst>
+          </p:cNvPr>
+          <p:cNvPicPr>
+            <a:picLocks noChangeAspect="1"/>
+          </p:cNvPicPr>
+          <p:nvPr/>
+        </p:nvPicPr>
+        <p:blipFill>
+          <a:blip r:embed="rId3">
+            <a:clrChange>
+              <a:clrFrom>
+                <a:srgbClr val="FFFFFF"/>
+              </a:clrFrom>
+              <a:clrTo>
+                <a:srgbClr val="FFFFFF">
+                  <a:alpha val="0"/>
+                </a:srgbClr>
+              </a:clrTo>
+            </a:clrChange>
+            <a:extLst>
+              <a:ext uri="{28A0092B-C50C-407E-A947-70E740481C1C}">
+                <a14:useLocalDpi xmlns:a14="http://schemas.microsoft.com/office/drawing/2010/main" val="0"/>
+              </a:ext>
+              <a:ext uri="{837473B0-CC2E-450A-ABE3-18F120FF3D39}">
+                <a1611:picAttrSrcUrl xmlns:a1611="http://schemas.microsoft.com/office/drawing/2016/11/main" r:id="rId4"/>
+              </a:ext>
+            </a:extLst>
+          </a:blip>
+          <a:stretch>
+            <a:fillRect/>
+          </a:stretch>
+        </p:blipFill>
+        <p:spPr>
+          <a:xfrm rot="1684251">
+            <a:off x="11687253" y="1139181"/>
+            <a:ext cx="9982821" cy="3150828"/>
+          </a:xfrm>
+          <a:prstGeom prst="rect">
+            <a:avLst/>
+          </a:prstGeom>
+        </p:spPr>
+      </p:pic>
+      <p:sp>
+        <p:nvSpPr>
+          <p:cNvPr id="90" name="Rectangle: Rounded Corners 89">
+            <a:extLst>
+              <a:ext uri="{FF2B5EF4-FFF2-40B4-BE49-F238E27FC236}">
+                <a16:creationId xmlns:a16="http://schemas.microsoft.com/office/drawing/2014/main" id="{297E5434-20E8-4F54-A6A9-8C72F74DBA0B}"/>
+              </a:ext>
+            </a:extLst>
+          </p:cNvPr>
+          <p:cNvSpPr/>
+          <p:nvPr/>
+        </p:nvSpPr>
+        <p:spPr bwMode="auto">
+          <a:xfrm>
+            <a:off x="11247302" y="11657510"/>
+            <a:ext cx="2986571" cy="419904"/>
+          </a:xfrm>
+          <a:prstGeom prst="roundRect">
+            <a:avLst/>
+          </a:prstGeom>
+          <a:solidFill>
+            <a:srgbClr val="0070C0"/>
+          </a:solidFill>
+          <a:ln>
+            <a:solidFill>
+              <a:srgbClr val="0070C0"/>
+            </a:solidFill>
+            <a:headEnd type="none" w="med" len="med"/>
+            <a:tailEnd type="none" w="med" len="med"/>
+          </a:ln>
+          <a:effectLst/>
+        </p:spPr>
+        <p:style>
+          <a:lnRef idx="1">
+            <a:schemeClr val="accent2"/>
+          </a:lnRef>
+          <a:fillRef idx="3">
+            <a:schemeClr val="accent2"/>
+          </a:fillRef>
+          <a:effectRef idx="2">
+            <a:schemeClr val="accent2"/>
+          </a:effectRef>
+          <a:fontRef idx="minor">
+            <a:schemeClr val="lt1"/>
+          </a:fontRef>
+        </p:style>
+        <p:txBody>
+          <a:bodyPr rot="0" spcFirstLastPara="0" vertOverflow="overflow" horzOverflow="overflow" vert="horz" wrap="square" lIns="0" tIns="0" rIns="0" bIns="0" numCol="1" spcCol="0" rtlCol="0" fromWordArt="0" anchor="ctr" anchorCtr="0" forceAA="0" compatLnSpc="1">
+            <a:prstTxWarp prst="textNoShape">
+              <a:avLst/>
+            </a:prstTxWarp>
+            <a:noAutofit/>
+          </a:bodyPr>
+          <a:lstStyle/>
+          <a:p>
+            <a:pPr algn="ctr" defTabSz="932472" fontAlgn="base">
+              <a:lnSpc>
+                <a:spcPct val="90000"/>
+              </a:lnSpc>
+              <a:spcBef>
+                <a:spcPct val="0"/>
+              </a:spcBef>
+              <a:spcAft>
+                <a:spcPct val="0"/>
+              </a:spcAft>
+            </a:pPr>
+            <a:r>
+              <a:rPr lang="en-CA" sz="1600" dirty="0">
+                <a:gradFill>
+                  <a:gsLst>
+                    <a:gs pos="0">
+                      <a:srgbClr val="FFFFFF"/>
+                    </a:gs>
+                    <a:gs pos="100000">
+                      <a:srgbClr val="FFFFFF"/>
+                    </a:gs>
+                  </a:gsLst>
+                  <a:lin ang="5400000" scaled="0"/>
+                </a:gradFill>
+                <a:ea typeface="Segoe UI" pitchFamily="34" charset="0"/>
+                <a:cs typeface="Segoe UI" pitchFamily="34" charset="0"/>
+              </a:rPr>
+              <a:t>Search</a:t>
+            </a:r>
+          </a:p>
+        </p:txBody>
+      </p:sp>
+      <p:sp>
+        <p:nvSpPr>
+          <p:cNvPr id="91" name="Rectangle 90">
+            <a:extLst>
+              <a:ext uri="{FF2B5EF4-FFF2-40B4-BE49-F238E27FC236}">
+                <a16:creationId xmlns:a16="http://schemas.microsoft.com/office/drawing/2014/main" id="{D9F0AF9B-12D8-4132-B80D-7285B70F6BEC}"/>
+              </a:ext>
+            </a:extLst>
+          </p:cNvPr>
+          <p:cNvSpPr/>
+          <p:nvPr/>
+        </p:nvSpPr>
+        <p:spPr bwMode="auto">
+          <a:xfrm>
+            <a:off x="11247303" y="12014108"/>
+            <a:ext cx="2986570" cy="782287"/>
+          </a:xfrm>
+          <a:prstGeom prst="rect">
+            <a:avLst/>
+          </a:prstGeom>
+          <a:solidFill>
+            <a:schemeClr val="tx1"/>
+          </a:solidFill>
+          <a:ln>
+            <a:solidFill>
+              <a:srgbClr val="0070C0"/>
+            </a:solidFill>
+            <a:headEnd type="none" w="med" len="med"/>
+            <a:tailEnd type="none" w="med" len="med"/>
+          </a:ln>
+          <a:effectLst/>
+        </p:spPr>
+        <p:style>
+          <a:lnRef idx="1">
+            <a:schemeClr val="accent2"/>
+          </a:lnRef>
+          <a:fillRef idx="3">
+            <a:schemeClr val="accent2"/>
+          </a:fillRef>
+          <a:effectRef idx="2">
+            <a:schemeClr val="accent2"/>
+          </a:effectRef>
+          <a:fontRef idx="minor">
+            <a:schemeClr val="lt1"/>
+          </a:fontRef>
+        </p:style>
+        <p:txBody>
+          <a:bodyPr rot="0" spcFirstLastPara="0" vertOverflow="overflow" horzOverflow="overflow" vert="horz" wrap="square" lIns="36000" tIns="72000" rIns="0" bIns="0" numCol="1" spcCol="0" rtlCol="0" fromWordArt="0" anchor="ctr" anchorCtr="0" forceAA="0" compatLnSpc="1">
+            <a:prstTxWarp prst="textNoShape">
+              <a:avLst/>
+            </a:prstTxWarp>
+            <a:noAutofit/>
+          </a:bodyPr>
+          <a:lstStyle/>
+          <a:p>
+            <a:pPr defTabSz="932472" fontAlgn="base">
+              <a:lnSpc>
+                <a:spcPct val="90000"/>
+              </a:lnSpc>
+              <a:spcBef>
+                <a:spcPct val="0"/>
+              </a:spcBef>
+              <a:spcAft>
+                <a:spcPct val="0"/>
+              </a:spcAft>
+            </a:pPr>
+            <a:r>
+              <a:rPr lang="en-CA" sz="900" b="1" dirty="0">
+                <a:solidFill>
+                  <a:srgbClr val="0070C0"/>
+                </a:solidFill>
+                <a:ea typeface="Segoe UI" pitchFamily="34" charset="0"/>
+                <a:cs typeface="Segoe UI" pitchFamily="34" charset="0"/>
+              </a:rPr>
+              <a:t>Features</a:t>
+            </a:r>
+          </a:p>
+          <a:p>
+            <a:pPr marL="360363" lvl="1" indent="-184150" defTabSz="932472" fontAlgn="base">
+              <a:lnSpc>
+                <a:spcPct val="90000"/>
+              </a:lnSpc>
+              <a:spcBef>
+                <a:spcPct val="0"/>
+              </a:spcBef>
+              <a:spcAft>
+                <a:spcPct val="0"/>
+              </a:spcAft>
+              <a:buFont typeface="Arial" panose="020B0604020202020204" pitchFamily="34" charset="0"/>
+              <a:buChar char="•"/>
+            </a:pPr>
+            <a:r>
+              <a:rPr lang="en-CA" sz="800" dirty="0">
+                <a:solidFill>
+                  <a:srgbClr val="0070C0"/>
+                </a:solidFill>
+                <a:ea typeface="Segoe UI" pitchFamily="34" charset="0"/>
+                <a:cs typeface="Segoe UI" pitchFamily="34" charset="0"/>
+              </a:rPr>
+              <a:t>Rich search experience over Azure storage</a:t>
+            </a:r>
+          </a:p>
+          <a:p>
+            <a:pPr marL="360363" lvl="1" indent="-184150" defTabSz="932472" fontAlgn="base">
+              <a:lnSpc>
+                <a:spcPct val="90000"/>
+              </a:lnSpc>
+              <a:spcBef>
+                <a:spcPct val="0"/>
+              </a:spcBef>
+              <a:spcAft>
+                <a:spcPct val="0"/>
+              </a:spcAft>
+              <a:buFont typeface="Arial" panose="020B0604020202020204" pitchFamily="34" charset="0"/>
+              <a:buChar char="•"/>
+            </a:pPr>
+            <a:r>
+              <a:rPr lang="en-CA" sz="800" dirty="0">
+                <a:solidFill>
+                  <a:srgbClr val="0070C0"/>
+                </a:solidFill>
+                <a:ea typeface="Segoe UI" pitchFamily="34" charset="0"/>
+                <a:cs typeface="Segoe UI" pitchFamily="34" charset="0"/>
+              </a:rPr>
+              <a:t>SQL Database, </a:t>
+            </a:r>
+            <a:r>
+              <a:rPr lang="en-CA" sz="800" dirty="0" err="1">
+                <a:solidFill>
+                  <a:srgbClr val="0070C0"/>
+                </a:solidFill>
+                <a:ea typeface="Segoe UI" pitchFamily="34" charset="0"/>
+                <a:cs typeface="Segoe UI" pitchFamily="34" charset="0"/>
+              </a:rPr>
+              <a:t>CosmosDB</a:t>
+            </a:r>
+            <a:r>
+              <a:rPr lang="en-CA" sz="800" dirty="0">
+                <a:solidFill>
+                  <a:srgbClr val="0070C0"/>
+                </a:solidFill>
+                <a:ea typeface="Segoe UI" pitchFamily="34" charset="0"/>
+                <a:cs typeface="Segoe UI" pitchFamily="34" charset="0"/>
+              </a:rPr>
+              <a:t>, Blob Storage</a:t>
+            </a:r>
+          </a:p>
+          <a:p>
+            <a:pPr marL="360363" lvl="1" indent="-184150" defTabSz="932472" fontAlgn="base">
+              <a:lnSpc>
+                <a:spcPct val="90000"/>
+              </a:lnSpc>
+              <a:spcBef>
+                <a:spcPct val="0"/>
+              </a:spcBef>
+              <a:spcAft>
+                <a:spcPct val="0"/>
+              </a:spcAft>
+              <a:buFont typeface="Arial" panose="020B0604020202020204" pitchFamily="34" charset="0"/>
+              <a:buChar char="•"/>
+            </a:pPr>
+            <a:r>
+              <a:rPr lang="en-CA" sz="800" dirty="0">
+                <a:solidFill>
+                  <a:srgbClr val="0070C0"/>
+                </a:solidFill>
+                <a:ea typeface="Segoe UI" pitchFamily="34" charset="0"/>
+                <a:cs typeface="Segoe UI" pitchFamily="34" charset="0"/>
+              </a:rPr>
+              <a:t>Text search, analysis, and linguistic analysis</a:t>
+            </a:r>
+          </a:p>
+          <a:p>
+            <a:pPr defTabSz="932472" fontAlgn="base">
+              <a:lnSpc>
+                <a:spcPct val="90000"/>
+              </a:lnSpc>
+              <a:spcBef>
+                <a:spcPct val="0"/>
+              </a:spcBef>
+              <a:spcAft>
+                <a:spcPct val="0"/>
+              </a:spcAft>
+            </a:pPr>
+            <a:r>
+              <a:rPr lang="en-CA" sz="900" b="1" dirty="0">
+                <a:solidFill>
+                  <a:srgbClr val="0070C0"/>
+                </a:solidFill>
+                <a:ea typeface="Segoe UI" pitchFamily="34" charset="0"/>
+                <a:cs typeface="Segoe UI" pitchFamily="34" charset="0"/>
+              </a:rPr>
+              <a:t>Tiers</a:t>
+            </a:r>
+          </a:p>
+          <a:p>
+            <a:pPr marL="360363" lvl="1" indent="-184150" defTabSz="932472" fontAlgn="base">
+              <a:lnSpc>
+                <a:spcPct val="90000"/>
+              </a:lnSpc>
+              <a:spcBef>
+                <a:spcPct val="0"/>
+              </a:spcBef>
+              <a:spcAft>
+                <a:spcPct val="0"/>
+              </a:spcAft>
+              <a:buFont typeface="Arial" panose="020B0604020202020204" pitchFamily="34" charset="0"/>
+              <a:buChar char="•"/>
+            </a:pPr>
+            <a:r>
+              <a:rPr lang="en-CA" sz="800" dirty="0">
+                <a:solidFill>
+                  <a:srgbClr val="0070C0"/>
+                </a:solidFill>
+                <a:ea typeface="Segoe UI" pitchFamily="34" charset="0"/>
+                <a:cs typeface="Segoe UI" pitchFamily="34" charset="0"/>
+              </a:rPr>
+              <a:t>Free, Basic, Standard S1/S2/S3/HD</a:t>
             </a:r>
           </a:p>
         </p:txBody>
@@ -16252,15 +20750,15 @@
       </p:sp>
       <p:pic>
         <p:nvPicPr>
-          <p:cNvPr id="6" name="Picture 5">
+          <p:cNvPr id="1026" name="Picture 2" descr="Relational data &#10;Object-relational data &#10;Unstructured data &#10;Semi-structured data &#10;Queue messages &#10;Files On disk &#10;High-performance files on disk &#10;Store large data &#10;Store small data &#10;Geographic data replication &#10;x &#10;x &#10;x &#10;x &#10;x &#10;x &#10;x &#10;0 &#10;x &#10;x &#10;x &#10;x &#10;x &#10;x &#10;x &#10;x &#10;x &#10;x &#10;x &#10;x &#10;x &#10;x &#10;x &#10;x &#10;x ">
             <a:extLst>
               <a:ext uri="{FF2B5EF4-FFF2-40B4-BE49-F238E27FC236}">
-                <a16:creationId xmlns:a16="http://schemas.microsoft.com/office/drawing/2014/main" id="{4A4EDF68-1FD6-401D-AABF-E144FBECD51A}"/>
+                <a16:creationId xmlns:a16="http://schemas.microsoft.com/office/drawing/2014/main" id="{956B47C8-EDED-4499-8B3D-83BE6E0BC8AB}"/>
               </a:ext>
             </a:extLst>
           </p:cNvPr>
           <p:cNvPicPr>
-            <a:picLocks noChangeAspect="1"/>
+            <a:picLocks noChangeAspect="1" noChangeArrowheads="1"/>
           </p:cNvPicPr>
           <p:nvPr/>
         </p:nvPicPr>
@@ -16270,31 +20768,86 @@
               <a:ext uri="{28A0092B-C50C-407E-A947-70E740481C1C}">
                 <a14:useLocalDpi xmlns:a14="http://schemas.microsoft.com/office/drawing/2010/main" val="0"/>
               </a:ext>
-              <a:ext uri="{837473B0-CC2E-450A-ABE3-18F120FF3D39}">
-                <a1611:picAttrSrcUrl xmlns:a1611="http://schemas.microsoft.com/office/drawing/2016/11/main" r:id="rId4"/>
-              </a:ext>
             </a:extLst>
           </a:blip>
+          <a:srcRect/>
           <a:stretch>
             <a:fillRect/>
           </a:stretch>
         </p:blipFill>
-        <p:spPr>
+        <p:spPr bwMode="auto">
           <a:xfrm>
-            <a:off x="10611611" y="10479715"/>
-            <a:ext cx="7796484" cy="2460765"/>
+            <a:off x="1156187" y="238979"/>
+            <a:ext cx="7019925" cy="3762375"/>
           </a:xfrm>
           <a:prstGeom prst="rect">
             <a:avLst/>
           </a:prstGeom>
+          <a:noFill/>
+          <a:extLst>
+            <a:ext uri="{909E8E84-426E-40DD-AFC4-6F175D3DCCD1}">
+              <a14:hiddenFill xmlns:a14="http://schemas.microsoft.com/office/drawing/2010/main">
+                <a:solidFill>
+                  <a:srgbClr val="FFFFFF"/>
+                </a:solidFill>
+              </a14:hiddenFill>
+            </a:ext>
+          </a:extLst>
         </p:spPr>
       </p:pic>
       <p:pic>
         <p:nvPicPr>
-          <p:cNvPr id="1026" name="Picture 2" descr="Relational data &#10;Object-relational data &#10;Unstructured data &#10;Semi-structured data &#10;Queue messages &#10;Files On disk &#10;High-performance files on disk &#10;Store large data &#10;Store small data &#10;Geographic data replication &#10;x &#10;x &#10;x &#10;x &#10;x &#10;x &#10;x &#10;0 &#10;x &#10;x &#10;x &#10;x &#10;x &#10;x &#10;x &#10;x &#10;x &#10;x &#10;x &#10;x &#10;x &#10;x &#10;x &#10;x &#10;x ">
+          <p:cNvPr id="1030" name="Picture 6" descr="Event ingestion &#10;Device management &#10;Messaging &#10;Multiple consumers &#10;Multiple senders &#10;Use for decoupling &#10;Use for publish/subscribe &#10;Max message size &#10;Event &#10;Grid &#10;x &#10;x &#10;x &#10;x &#10;x &#10;64 KB &#10;Event &#10;Hubs &#10;x &#10;x &#10;x &#10;x &#10;x &#10;256 KB &#10;10T Hub &#10;x &#10;x &#10;x &#10;x &#10;x &#10;x &#10;256 KB &#10;TO ics &#10;x &#10;x &#10;x &#10;x &#10;1 MB &#10;Service Bus &#10;ueues &#10;x &#10;x &#10;x &#10;1 MB &#10;Storage &#10;ueues &#10;x &#10;x &#10;x &#10;64 KB ">
             <a:extLst>
               <a:ext uri="{FF2B5EF4-FFF2-40B4-BE49-F238E27FC236}">
-                <a16:creationId xmlns:a16="http://schemas.microsoft.com/office/drawing/2014/main" id="{956B47C8-EDED-4499-8B3D-83BE6E0BC8AB}"/>
+                <a16:creationId xmlns:a16="http://schemas.microsoft.com/office/drawing/2014/main" id="{7C8EF6E5-C65D-4921-850E-AAD53A1587F3}"/>
+              </a:ext>
+            </a:extLst>
+          </p:cNvPr>
+          <p:cNvPicPr>
+            <a:picLocks noChangeAspect="1" noChangeArrowheads="1"/>
+          </p:cNvPicPr>
+          <p:nvPr/>
+        </p:nvPicPr>
+        <p:blipFill>
+          <a:blip r:embed="rId4">
+            <a:extLst>
+              <a:ext uri="{28A0092B-C50C-407E-A947-70E740481C1C}">
+                <a14:useLocalDpi xmlns:a14="http://schemas.microsoft.com/office/drawing/2010/main" val="0"/>
+              </a:ext>
+            </a:extLst>
+          </a:blip>
+          <a:srcRect/>
+          <a:stretch>
+            <a:fillRect/>
+          </a:stretch>
+        </p:blipFill>
+        <p:spPr bwMode="auto">
+          <a:xfrm>
+            <a:off x="1166948" y="7236634"/>
+            <a:ext cx="7019925" cy="2452166"/>
+          </a:xfrm>
+          <a:prstGeom prst="rect">
+            <a:avLst/>
+          </a:prstGeom>
+          <a:noFill/>
+          <a:extLst>
+            <a:ext uri="{909E8E84-426E-40DD-AFC4-6F175D3DCCD1}">
+              <a14:hiddenFill xmlns:a14="http://schemas.microsoft.com/office/drawing/2010/main">
+                <a:solidFill>
+                  <a:srgbClr val="FFFFFF"/>
+                </a:solidFill>
+              </a14:hiddenFill>
+            </a:ext>
+          </a:extLst>
+        </p:spPr>
+      </p:pic>
+      <p:pic>
+        <p:nvPicPr>
+          <p:cNvPr id="1032" name="Picture 8" descr="For production deployments of complex &#10;systems (with a container orchestrator) &#10;For running simple configurations &#10;(possibly without orchestrator) &#10;For long-running workloads on containers &#10;For short-running workloads on &#10;containers &#10;For orchestrating a system based on &#10;containers &#10;Orchestrating with open-source &#10;orchestrators (DC/OS Docker Swarm &#10;Kubernetes) &#10;Orchestrating with built-in orchestrator &#10;Azure Container &#10;Services &#10;x &#10;x &#10;x &#10;x &#10;Azure Container &#10;Instances &#10;x &#10;x &#10;Azure Service &#10;Fabric &#10;x &#10;x ">
+            <a:extLst>
+              <a:ext uri="{FF2B5EF4-FFF2-40B4-BE49-F238E27FC236}">
+                <a16:creationId xmlns:a16="http://schemas.microsoft.com/office/drawing/2014/main" id="{149EFB94-6835-44E4-B8E2-68107FBB8389}"/>
               </a:ext>
             </a:extLst>
           </p:cNvPr>
@@ -16318,147 +20871,6 @@
         </p:blipFill>
         <p:spPr bwMode="auto">
           <a:xfrm>
-            <a:off x="1156187" y="238979"/>
-            <a:ext cx="7019925" cy="3762375"/>
-          </a:xfrm>
-          <a:prstGeom prst="rect">
-            <a:avLst/>
-          </a:prstGeom>
-          <a:noFill/>
-          <a:extLst>
-            <a:ext uri="{909E8E84-426E-40DD-AFC4-6F175D3DCCD1}">
-              <a14:hiddenFill xmlns:a14="http://schemas.microsoft.com/office/drawing/2010/main">
-                <a:solidFill>
-                  <a:srgbClr val="FFFFFF"/>
-                </a:solidFill>
-              </a14:hiddenFill>
-            </a:ext>
-          </a:extLst>
-        </p:spPr>
-      </p:pic>
-      <p:pic>
-        <p:nvPicPr>
-          <p:cNvPr id="1028" name="Picture 4" descr="Azure Service Bus Queues &#10;Message lifetime &gt; 7 days &#10;Guaranteed (first in—first out) ordered &#10;Duplicate detection &#10;Message size sl MB &#10;Azure Storage Queues &#10;Message lifetime &lt;/days &#10;Queue size &gt;80 GB &#10;Transaction logs &#10;Message size s64 KB ">
-            <a:extLst>
-              <a:ext uri="{FF2B5EF4-FFF2-40B4-BE49-F238E27FC236}">
-                <a16:creationId xmlns:a16="http://schemas.microsoft.com/office/drawing/2014/main" id="{75F45244-ACE0-4F71-941F-C5612C6674FF}"/>
-              </a:ext>
-            </a:extLst>
-          </p:cNvPr>
-          <p:cNvPicPr>
-            <a:picLocks noChangeAspect="1" noChangeArrowheads="1"/>
-          </p:cNvPicPr>
-          <p:nvPr/>
-        </p:nvPicPr>
-        <p:blipFill>
-          <a:blip r:embed="rId6">
-            <a:extLst>
-              <a:ext uri="{28A0092B-C50C-407E-A947-70E740481C1C}">
-                <a14:useLocalDpi xmlns:a14="http://schemas.microsoft.com/office/drawing/2010/main" val="0"/>
-              </a:ext>
-            </a:extLst>
-          </a:blip>
-          <a:srcRect/>
-          <a:stretch>
-            <a:fillRect/>
-          </a:stretch>
-        </p:blipFill>
-        <p:spPr bwMode="auto">
-          <a:xfrm>
-            <a:off x="2413048" y="4889696"/>
-            <a:ext cx="5757103" cy="1458595"/>
-          </a:xfrm>
-          <a:prstGeom prst="rect">
-            <a:avLst/>
-          </a:prstGeom>
-          <a:noFill/>
-          <a:extLst>
-            <a:ext uri="{909E8E84-426E-40DD-AFC4-6F175D3DCCD1}">
-              <a14:hiddenFill xmlns:a14="http://schemas.microsoft.com/office/drawing/2010/main">
-                <a:solidFill>
-                  <a:srgbClr val="FFFFFF"/>
-                </a:solidFill>
-              </a14:hiddenFill>
-            </a:ext>
-          </a:extLst>
-        </p:spPr>
-      </p:pic>
-      <p:pic>
-        <p:nvPicPr>
-          <p:cNvPr id="1030" name="Picture 6" descr="Event ingestion &#10;Device management &#10;Messaging &#10;Multiple consumers &#10;Multiple senders &#10;Use for decoupling &#10;Use for publish/subscribe &#10;Max message size &#10;Event &#10;Grid &#10;x &#10;x &#10;x &#10;x &#10;x &#10;64 KB &#10;Event &#10;Hubs &#10;x &#10;x &#10;x &#10;x &#10;x &#10;256 KB &#10;10T Hub &#10;x &#10;x &#10;x &#10;x &#10;x &#10;x &#10;256 KB &#10;TO ics &#10;x &#10;x &#10;x &#10;x &#10;1 MB &#10;Service Bus &#10;ueues &#10;x &#10;x &#10;x &#10;1 MB &#10;Storage &#10;ueues &#10;x &#10;x &#10;x &#10;64 KB ">
-            <a:extLst>
-              <a:ext uri="{FF2B5EF4-FFF2-40B4-BE49-F238E27FC236}">
-                <a16:creationId xmlns:a16="http://schemas.microsoft.com/office/drawing/2014/main" id="{7C8EF6E5-C65D-4921-850E-AAD53A1587F3}"/>
-              </a:ext>
-            </a:extLst>
-          </p:cNvPr>
-          <p:cNvPicPr>
-            <a:picLocks noChangeAspect="1" noChangeArrowheads="1"/>
-          </p:cNvPicPr>
-          <p:nvPr/>
-        </p:nvPicPr>
-        <p:blipFill>
-          <a:blip r:embed="rId7">
-            <a:extLst>
-              <a:ext uri="{28A0092B-C50C-407E-A947-70E740481C1C}">
-                <a14:useLocalDpi xmlns:a14="http://schemas.microsoft.com/office/drawing/2010/main" val="0"/>
-              </a:ext>
-            </a:extLst>
-          </a:blip>
-          <a:srcRect/>
-          <a:stretch>
-            <a:fillRect/>
-          </a:stretch>
-        </p:blipFill>
-        <p:spPr bwMode="auto">
-          <a:xfrm>
-            <a:off x="1166948" y="7236634"/>
-            <a:ext cx="7019925" cy="2452166"/>
-          </a:xfrm>
-          <a:prstGeom prst="rect">
-            <a:avLst/>
-          </a:prstGeom>
-          <a:noFill/>
-          <a:extLst>
-            <a:ext uri="{909E8E84-426E-40DD-AFC4-6F175D3DCCD1}">
-              <a14:hiddenFill xmlns:a14="http://schemas.microsoft.com/office/drawing/2010/main">
-                <a:solidFill>
-                  <a:srgbClr val="FFFFFF"/>
-                </a:solidFill>
-              </a14:hiddenFill>
-            </a:ext>
-          </a:extLst>
-        </p:spPr>
-      </p:pic>
-      <p:pic>
-        <p:nvPicPr>
-          <p:cNvPr id="1032" name="Picture 8" descr="For production deployments of complex &#10;systems (with a container orchestrator) &#10;For running simple configurations &#10;(possibly without orchestrator) &#10;For long-running workloads on containers &#10;For short-running workloads on &#10;containers &#10;For orchestrating a system based on &#10;containers &#10;Orchestrating with open-source &#10;orchestrators (DC/OS Docker Swarm &#10;Kubernetes) &#10;Orchestrating with built-in orchestrator &#10;Azure Container &#10;Services &#10;x &#10;x &#10;x &#10;x &#10;Azure Container &#10;Instances &#10;x &#10;x &#10;Azure Service &#10;Fabric &#10;x &#10;x ">
-            <a:extLst>
-              <a:ext uri="{FF2B5EF4-FFF2-40B4-BE49-F238E27FC236}">
-                <a16:creationId xmlns:a16="http://schemas.microsoft.com/office/drawing/2014/main" id="{149EFB94-6835-44E4-B8E2-68107FBB8389}"/>
-              </a:ext>
-            </a:extLst>
-          </p:cNvPr>
-          <p:cNvPicPr>
-            <a:picLocks noChangeAspect="1" noChangeArrowheads="1"/>
-          </p:cNvPicPr>
-          <p:nvPr/>
-        </p:nvPicPr>
-        <p:blipFill>
-          <a:blip r:embed="rId8">
-            <a:extLst>
-              <a:ext uri="{28A0092B-C50C-407E-A947-70E740481C1C}">
-                <a14:useLocalDpi xmlns:a14="http://schemas.microsoft.com/office/drawing/2010/main" val="0"/>
-              </a:ext>
-            </a:extLst>
-          </a:blip>
-          <a:srcRect/>
-          <a:stretch>
-            <a:fillRect/>
-          </a:stretch>
-        </p:blipFill>
-        <p:spPr bwMode="auto">
-          <a:xfrm>
             <a:off x="1162599" y="9999621"/>
             <a:ext cx="7019925" cy="3410389"/>
           </a:xfrm>
@@ -16492,7 +20904,7 @@
           <p:nvPr/>
         </p:nvPicPr>
         <p:blipFill>
-          <a:blip r:embed="rId9" cstate="print">
+          <a:blip r:embed="rId6" cstate="print">
             <a:extLst>
               <a:ext uri="{28A0092B-C50C-407E-A947-70E740481C1C}">
                 <a14:useLocalDpi xmlns:a14="http://schemas.microsoft.com/office/drawing/2010/main" val="0"/>
@@ -16506,8 +20918,8 @@
         </p:blipFill>
         <p:spPr bwMode="auto">
           <a:xfrm>
-            <a:off x="13546813" y="238979"/>
-            <a:ext cx="7676634" cy="4712237"/>
+            <a:off x="11533645" y="4606059"/>
+            <a:ext cx="9568684" cy="5873656"/>
           </a:xfrm>
           <a:prstGeom prst="rect">
             <a:avLst/>
@@ -16787,7 +21199,7 @@
         </p:nvSpPr>
         <p:spPr bwMode="auto">
           <a:xfrm rot="10800000">
-            <a:off x="7424534" y="6659112"/>
+            <a:off x="7422275" y="6695477"/>
             <a:ext cx="378345" cy="266700"/>
           </a:xfrm>
           <a:prstGeom prst="downArrow">
@@ -16870,8 +21282,8 @@
           <p:nvPr/>
         </p:nvSpPr>
         <p:spPr bwMode="auto">
-          <a:xfrm rot="6679870">
-            <a:off x="6451915" y="6672854"/>
+          <a:xfrm rot="10800000">
+            <a:off x="6591088" y="6698003"/>
             <a:ext cx="378345" cy="266700"/>
           </a:xfrm>
           <a:prstGeom prst="downArrow">
@@ -16956,7 +21368,7 @@
           <p:nvPr/>
         </p:nvPicPr>
         <p:blipFill>
-          <a:blip r:embed="rId10">
+          <a:blip r:embed="rId7">
             <a:extLst>
               <a:ext uri="{28A0092B-C50C-407E-A947-70E740481C1C}">
                 <a14:useLocalDpi xmlns:a14="http://schemas.microsoft.com/office/drawing/2010/main" val="0"/>
@@ -16970,7 +21382,7 @@
         </p:blipFill>
         <p:spPr bwMode="auto">
           <a:xfrm>
-            <a:off x="13580747" y="5010059"/>
+            <a:off x="13463685" y="154212"/>
             <a:ext cx="7638644" cy="4160677"/>
           </a:xfrm>
           <a:prstGeom prst="rect">
@@ -17043,104 +21455,102 @@
           </a:p>
         </p:txBody>
       </p:sp>
-      <p:sp>
-        <p:nvSpPr>
-          <p:cNvPr id="3" name="TextBox 2">
+      <p:pic>
+        <p:nvPicPr>
+          <p:cNvPr id="1028" name="Picture 4" descr="Azure Service Bus Queues &#10;Message lifetime &gt; 7 days &#10;Guaranteed (first in—first out) ordered &#10;Duplicate detection &#10;Message size sl MB &#10;Azure Storage Queues &#10;Message lifetime &lt;/days &#10;Queue size &gt;80 GB &#10;Transaction logs &#10;Message size s64 KB ">
             <a:extLst>
               <a:ext uri="{FF2B5EF4-FFF2-40B4-BE49-F238E27FC236}">
-                <a16:creationId xmlns:a16="http://schemas.microsoft.com/office/drawing/2014/main" id="{311CB192-76CD-4095-8EDC-74582A8DE953}"/>
+                <a16:creationId xmlns:a16="http://schemas.microsoft.com/office/drawing/2014/main" id="{75F45244-ACE0-4F71-941F-C5612C6674FF}"/>
               </a:ext>
             </a:extLst>
           </p:cNvPr>
-          <p:cNvSpPr txBox="1"/>
+          <p:cNvPicPr>
+            <a:picLocks noChangeAspect="1" noChangeArrowheads="1"/>
+          </p:cNvPicPr>
           <p:nvPr/>
-        </p:nvSpPr>
-        <p:spPr>
+        </p:nvPicPr>
+        <p:blipFill>
+          <a:blip r:embed="rId8">
+            <a:extLst>
+              <a:ext uri="{28A0092B-C50C-407E-A947-70E740481C1C}">
+                <a14:useLocalDpi xmlns:a14="http://schemas.microsoft.com/office/drawing/2010/main" val="0"/>
+              </a:ext>
+            </a:extLst>
+          </a:blip>
+          <a:srcRect/>
+          <a:stretch>
+            <a:fillRect/>
+          </a:stretch>
+        </p:blipFill>
+        <p:spPr bwMode="auto">
           <a:xfrm>
-            <a:off x="7091127" y="5217161"/>
-            <a:ext cx="157945" cy="193899"/>
+            <a:off x="4009022" y="4967477"/>
+            <a:ext cx="5757103" cy="1458595"/>
           </a:xfrm>
           <a:prstGeom prst="rect">
             <a:avLst/>
           </a:prstGeom>
-          <a:solidFill>
-            <a:schemeClr val="tx1"/>
-          </a:solidFill>
+          <a:noFill/>
+          <a:extLst>
+            <a:ext uri="{909E8E84-426E-40DD-AFC4-6F175D3DCCD1}">
+              <a14:hiddenFill xmlns:a14="http://schemas.microsoft.com/office/drawing/2010/main">
+                <a:solidFill>
+                  <a:srgbClr val="FFFFFF"/>
+                </a:solidFill>
+              </a14:hiddenFill>
+            </a:ext>
+          </a:extLst>
         </p:spPr>
-        <p:txBody>
-          <a:bodyPr wrap="square" lIns="0" tIns="0" rIns="0" bIns="0" rtlCol="0" anchor="ctr" anchorCtr="0">
-            <a:spAutoFit/>
-          </a:bodyPr>
-          <a:lstStyle/>
-          <a:p>
-            <a:pPr algn="ctr">
-              <a:lnSpc>
-                <a:spcPct val="90000"/>
-              </a:lnSpc>
-              <a:spcAft>
-                <a:spcPts val="600"/>
-              </a:spcAft>
-            </a:pPr>
-            <a:r>
-              <a:rPr lang="en-CA" sz="1400" dirty="0">
-                <a:solidFill>
-                  <a:schemeClr val="bg1"/>
-                </a:solidFill>
-              </a:rPr>
-              <a:t>&gt;</a:t>
-            </a:r>
-          </a:p>
-        </p:txBody>
-      </p:sp>
-      <p:sp>
-        <p:nvSpPr>
-          <p:cNvPr id="20" name="TextBox 19">
+      </p:pic>
+      <p:pic>
+        <p:nvPicPr>
+          <p:cNvPr id="6" name="Picture 5">
             <a:extLst>
               <a:ext uri="{FF2B5EF4-FFF2-40B4-BE49-F238E27FC236}">
-                <a16:creationId xmlns:a16="http://schemas.microsoft.com/office/drawing/2014/main" id="{D9D34E2C-B6CE-4AE9-8B42-1DBDA28C49C2}"/>
+                <a16:creationId xmlns:a16="http://schemas.microsoft.com/office/drawing/2014/main" id="{4A4EDF68-1FD6-401D-AABF-E144FBECD51A}"/>
               </a:ext>
             </a:extLst>
           </p:cNvPr>
-          <p:cNvSpPr txBox="1"/>
+          <p:cNvPicPr>
+            <a:picLocks noChangeAspect="1"/>
+          </p:cNvPicPr>
           <p:nvPr/>
-        </p:nvSpPr>
+        </p:nvPicPr>
+        <p:blipFill>
+          <a:blip r:embed="rId9">
+            <a:clrChange>
+              <a:clrFrom>
+                <a:srgbClr val="FFFFFF"/>
+              </a:clrFrom>
+              <a:clrTo>
+                <a:srgbClr val="FFFFFF">
+                  <a:alpha val="0"/>
+                </a:srgbClr>
+              </a:clrTo>
+            </a:clrChange>
+            <a:extLst>
+              <a:ext uri="{28A0092B-C50C-407E-A947-70E740481C1C}">
+                <a14:useLocalDpi xmlns:a14="http://schemas.microsoft.com/office/drawing/2010/main" val="0"/>
+              </a:ext>
+              <a:ext uri="{837473B0-CC2E-450A-ABE3-18F120FF3D39}">
+                <a1611:picAttrSrcUrl xmlns:a1611="http://schemas.microsoft.com/office/drawing/2016/11/main" r:id="rId10"/>
+              </a:ext>
+            </a:extLst>
+          </a:blip>
+          <a:stretch>
+            <a:fillRect/>
+          </a:stretch>
+        </p:blipFill>
         <p:spPr>
-          <a:xfrm>
-            <a:off x="3812075" y="5217161"/>
-            <a:ext cx="157945" cy="193899"/>
+          <a:xfrm rot="1798093">
+            <a:off x="7507792" y="3492089"/>
+            <a:ext cx="7796484" cy="2460765"/>
           </a:xfrm>
           <a:prstGeom prst="rect">
             <a:avLst/>
           </a:prstGeom>
-          <a:solidFill>
-            <a:schemeClr val="tx1"/>
-          </a:solidFill>
         </p:spPr>
-        <p:txBody>
-          <a:bodyPr wrap="square" lIns="0" tIns="0" rIns="0" bIns="0" rtlCol="0" anchor="ctr" anchorCtr="0">
-            <a:spAutoFit/>
-          </a:bodyPr>
-          <a:lstStyle/>
-          <a:p>
-            <a:pPr algn="ctr">
-              <a:lnSpc>
-                <a:spcPct val="90000"/>
-              </a:lnSpc>
-              <a:spcAft>
-                <a:spcPts val="600"/>
-              </a:spcAft>
-            </a:pPr>
-            <a:r>
-              <a:rPr lang="en-CA" sz="1400" dirty="0">
-                <a:solidFill>
-                  <a:schemeClr val="bg1"/>
-                </a:solidFill>
-              </a:rPr>
-              <a:t>&lt;</a:t>
-            </a:r>
-          </a:p>
-        </p:txBody>
-      </p:sp>
+      </p:pic>
     </p:spTree>
     <p:extLst>
       <p:ext uri="{BB962C8B-B14F-4D97-AF65-F5344CB8AC3E}">
@@ -18045,18 +22455,18 @@
 <file path=customXml/itemProps2.xml><?xml version="1.0" encoding="utf-8"?>
 <ds:datastoreItem xmlns:ds="http://schemas.openxmlformats.org/officeDocument/2006/customXml" ds:itemID="{C66C01A9-0361-4788-ABEE-257A7848F8D9}">
   <ds:schemaRefs>
-    <ds:schemaRef ds:uri="http://schemas.microsoft.com/office/2006/metadata/properties"/>
     <ds:schemaRef ds:uri="http://schemas.microsoft.com/sharepoint/v3"/>
-    <ds:schemaRef ds:uri="http://schemas.microsoft.com/sharepoint/v4"/>
     <ds:schemaRef ds:uri="http://schemas.microsoft.com/office/2006/documentManagement/types"/>
-    <ds:schemaRef ds:uri="http://purl.org/dc/terms/"/>
-    <ds:schemaRef ds:uri="http://purl.org/dc/dcmitype/"/>
+    <ds:schemaRef ds:uri="http://schemas.openxmlformats.org/package/2006/metadata/core-properties"/>
     <ds:schemaRef ds:uri="http://purl.org/dc/elements/1.1/"/>
     <ds:schemaRef ds:uri="http://schemas.microsoft.com/office/infopath/2007/PartnerControls"/>
     <ds:schemaRef ds:uri="15c98cf3-0896-4040-874f-f436925621df"/>
-    <ds:schemaRef ds:uri="http://schemas.openxmlformats.org/package/2006/metadata/core-properties"/>
+    <ds:schemaRef ds:uri="http://schemas.microsoft.com/office/2006/metadata/properties"/>
+    <ds:schemaRef ds:uri="http://schemas.microsoft.com/sharepoint/v4"/>
     <ds:schemaRef ds:uri="af610f50-4aee-43ff-9d65-64420adb70d2"/>
     <ds:schemaRef ds:uri="http://www.w3.org/XML/1998/namespace"/>
+    <ds:schemaRef ds:uri="http://purl.org/dc/dcmitype/"/>
+    <ds:schemaRef ds:uri="http://purl.org/dc/terms/"/>
   </ds:schemaRefs>
 </ds:datastoreItem>
 </file>

--- a/src/azure/architecting-microsoft-azure-solutions.pptx
+++ b/src/azure/architecting-microsoft-azure-solutions.pptx
@@ -127,7 +127,7 @@
 <file path=ppt/revisionInfo.xml><?xml version="1.0" encoding="utf-8"?>
 <p1510:revInfo xmlns:a="http://schemas.openxmlformats.org/drawingml/2006/main" xmlns:r="http://schemas.openxmlformats.org/officeDocument/2006/relationships" xmlns:p1510="http://schemas.microsoft.com/office/powerpoint/2015/10/main">
   <p1510:revLst>
-    <p1510:client id="{15C3C069-99D8-4210-BE71-84A0F6E1D5B8}" v="6872" dt="2018-09-13T02:55:15.574"/>
+    <p1510:client id="{91EC4AA3-DD00-44DC-A9B8-0A8AD6262E8D}" v="2764" dt="2018-09-24T01:43:37.461"/>
   </p1510:revLst>
 </p1510:revInfo>
 </file>
@@ -214,7 +214,7 @@
           <a:p>
             <a:fld id="{2F4766DD-CA99-4D5F-A9B2-EF5EF0A37C93}" type="datetimeFigureOut">
               <a:rPr lang="en-CA" smtClean="0"/>
-              <a:t>2018-09-22</a:t>
+              <a:t>2018-09-23</a:t>
             </a:fld>
             <a:endParaRPr lang="en-CA"/>
           </a:p>
@@ -566,7 +566,7 @@
           <a:p>
             <a:fld id="{D18B56EA-E28F-4F92-9F16-7A6F2501B303}" type="datetime8">
               <a:rPr lang="en-US" smtClean="0"/>
-              <a:t>9/22/2018 7:15 AM</a:t>
+              <a:t>9/23/2018 6:42 PM</a:t>
             </a:fld>
             <a:endParaRPr lang="en-US" dirty="0"/>
           </a:p>
@@ -5509,7 +5509,7 @@
           <a:p>
             <a:fld id="{ED6EB527-6926-47A2-AB35-8907638AD74C}" type="datetimeFigureOut">
               <a:rPr lang="en-CA" smtClean="0"/>
-              <a:t>2018-09-22</a:t>
+              <a:t>2018-09-23</a:t>
             </a:fld>
             <a:endParaRPr lang="en-CA"/>
           </a:p>
@@ -9144,8 +9144,25 @@
                     <a:ea typeface="Segoe UI" pitchFamily="34" charset="0"/>
                     <a:cs typeface="Segoe UI" pitchFamily="34" charset="0"/>
                   </a:rPr>
-                  <a:t>Azure Container Instances (ACS)</a:t>
-                </a:r>
+                  <a:t>Azure Container Instances </a:t>
+                </a:r>
+                <a:r>
+                  <a:rPr lang="en-CA" sz="900" b="1">
+                    <a:solidFill>
+                      <a:srgbClr val="0070C0"/>
+                    </a:solidFill>
+                    <a:ea typeface="Segoe UI" pitchFamily="34" charset="0"/>
+                    <a:cs typeface="Segoe UI" pitchFamily="34" charset="0"/>
+                  </a:rPr>
+                  <a:t>(ACI)</a:t>
+                </a:r>
+                <a:endParaRPr lang="en-CA" sz="900" b="1" dirty="0">
+                  <a:solidFill>
+                    <a:srgbClr val="0070C0"/>
+                  </a:solidFill>
+                  <a:ea typeface="Segoe UI" pitchFamily="34" charset="0"/>
+                  <a:cs typeface="Segoe UI" pitchFamily="34" charset="0"/>
+                </a:endParaRPr>
               </a:p>
               <a:p>
                 <a:pPr marL="268288" lvl="1" indent="-92075" defTabSz="932472" fontAlgn="base">
@@ -23545,7 +23562,7 @@
     <p:bg>
       <p:bgPr>
         <a:solidFill>
-          <a:srgbClr val="002060"/>
+          <a:srgbClr val="F1E7FB"/>
         </a:solidFill>
         <a:effectLst/>
       </p:bgPr>
@@ -23688,7 +23705,7 @@
                 <a:ea typeface="Segoe UI" pitchFamily="34" charset="0"/>
                 <a:cs typeface="Segoe UI" pitchFamily="34" charset="0"/>
               </a:rPr>
-              <a:t>X</a:t>
+              <a:t>Securing Resources</a:t>
             </a:r>
           </a:p>
         </p:txBody>
@@ -23708,9 +23725,9 @@
         <p:grpSpPr>
           <a:xfrm>
             <a:off x="569971" y="907209"/>
-            <a:ext cx="2986571" cy="2494372"/>
+            <a:ext cx="2986571" cy="1811607"/>
             <a:chOff x="1409999" y="881288"/>
-            <a:chExt cx="2986571" cy="2494372"/>
+            <a:chExt cx="2986571" cy="1811607"/>
           </a:xfrm>
         </p:grpSpPr>
         <p:sp>
@@ -23795,7 +23812,7 @@
                   <a:ea typeface="Segoe UI" pitchFamily="34" charset="0"/>
                   <a:cs typeface="Segoe UI" pitchFamily="34" charset="0"/>
                 </a:rPr>
-                <a:t>X</a:t>
+                <a:t>Active Directory</a:t>
               </a:r>
             </a:p>
           </p:txBody>
@@ -23815,7 +23832,7 @@
           <p:spPr bwMode="auto">
             <a:xfrm>
               <a:off x="1410000" y="1237886"/>
-              <a:ext cx="2986570" cy="2137774"/>
+              <a:ext cx="2986570" cy="1455009"/>
             </a:xfrm>
             <a:prstGeom prst="rect">
               <a:avLst/>
@@ -23874,7 +23891,7 @@
                   <a:ea typeface="Segoe UI" pitchFamily="34" charset="0"/>
                   <a:cs typeface="Segoe UI" pitchFamily="34" charset="0"/>
                 </a:rPr>
-                <a:t>X</a:t>
+                <a:t>Directory and identity management</a:t>
               </a:r>
             </a:p>
             <a:p>
@@ -23898,7 +23915,246 @@
                   </a:solidFill>
                   <a:cs typeface="Segoe UI" pitchFamily="34" charset="0"/>
                 </a:rPr>
-                <a:t>X</a:t>
+                <a:t>Plans – Free (no SLA, 500k objects), Basic, Premium P1/P2</a:t>
+              </a:r>
+            </a:p>
+            <a:p>
+              <a:pPr marL="269875" lvl="1" indent="-93663" defTabSz="932472" fontAlgn="base">
+                <a:lnSpc>
+                  <a:spcPct val="90000"/>
+                </a:lnSpc>
+                <a:spcBef>
+                  <a:spcPct val="0"/>
+                </a:spcBef>
+                <a:spcAft>
+                  <a:spcPct val="0"/>
+                </a:spcAft>
+                <a:buFont typeface="Arial" panose="020B0604020202020204" pitchFamily="34" charset="0"/>
+                <a:buChar char="•"/>
+              </a:pPr>
+              <a:r>
+                <a:rPr lang="en-CA" sz="800" dirty="0">
+                  <a:solidFill>
+                    <a:srgbClr val="0070C0"/>
+                  </a:solidFill>
+                  <a:cs typeface="Segoe UI" pitchFamily="34" charset="0"/>
+                </a:rPr>
+                <a:t>Protocols – OAuth 2.0, OpenID Connect</a:t>
+              </a:r>
+            </a:p>
+            <a:p>
+              <a:pPr marL="269875" lvl="1" indent="-93663" defTabSz="932472" fontAlgn="base">
+                <a:lnSpc>
+                  <a:spcPct val="90000"/>
+                </a:lnSpc>
+                <a:spcBef>
+                  <a:spcPct val="0"/>
+                </a:spcBef>
+                <a:spcAft>
+                  <a:spcPct val="0"/>
+                </a:spcAft>
+                <a:buFont typeface="Arial" panose="020B0604020202020204" pitchFamily="34" charset="0"/>
+                <a:buChar char="•"/>
+              </a:pPr>
+              <a:r>
+                <a:rPr lang="en-CA" sz="800" dirty="0">
+                  <a:solidFill>
+                    <a:srgbClr val="0070C0"/>
+                  </a:solidFill>
+                  <a:cs typeface="Segoe UI" pitchFamily="34" charset="0"/>
+                </a:rPr>
+                <a:t>Endpoint V1</a:t>
+              </a:r>
+            </a:p>
+            <a:p>
+              <a:pPr marL="360363" lvl="1" indent="-92075" defTabSz="932472" fontAlgn="base">
+                <a:lnSpc>
+                  <a:spcPct val="90000"/>
+                </a:lnSpc>
+                <a:spcBef>
+                  <a:spcPct val="0"/>
+                </a:spcBef>
+                <a:spcAft>
+                  <a:spcPct val="0"/>
+                </a:spcAft>
+                <a:buFont typeface="Arial" panose="020B0604020202020204" pitchFamily="34" charset="0"/>
+                <a:buChar char="•"/>
+              </a:pPr>
+              <a:r>
+                <a:rPr lang="en-CA" sz="800" dirty="0">
+                  <a:solidFill>
+                    <a:srgbClr val="0070C0"/>
+                  </a:solidFill>
+                  <a:cs typeface="Segoe UI" pitchFamily="34" charset="0"/>
+                </a:rPr>
+                <a:t>Work and school accounts</a:t>
+              </a:r>
+            </a:p>
+            <a:p>
+              <a:pPr marL="360363" lvl="1" indent="-92075" defTabSz="932472" fontAlgn="base">
+                <a:lnSpc>
+                  <a:spcPct val="90000"/>
+                </a:lnSpc>
+                <a:spcBef>
+                  <a:spcPct val="0"/>
+                </a:spcBef>
+                <a:spcAft>
+                  <a:spcPct val="0"/>
+                </a:spcAft>
+                <a:buFont typeface="Arial" panose="020B0604020202020204" pitchFamily="34" charset="0"/>
+                <a:buChar char="•"/>
+              </a:pPr>
+              <a:r>
+                <a:rPr lang="en-CA" sz="800" dirty="0">
+                  <a:solidFill>
+                    <a:srgbClr val="0070C0"/>
+                  </a:solidFill>
+                  <a:cs typeface="Segoe UI" pitchFamily="34" charset="0"/>
+                </a:rPr>
+                <a:t>Azure Active Directory Library (ADAL)</a:t>
+              </a:r>
+            </a:p>
+            <a:p>
+              <a:pPr marL="269875" lvl="1" indent="-93663" defTabSz="932472" fontAlgn="base">
+                <a:lnSpc>
+                  <a:spcPct val="90000"/>
+                </a:lnSpc>
+                <a:spcBef>
+                  <a:spcPct val="0"/>
+                </a:spcBef>
+                <a:spcAft>
+                  <a:spcPct val="0"/>
+                </a:spcAft>
+                <a:buFont typeface="Arial" panose="020B0604020202020204" pitchFamily="34" charset="0"/>
+                <a:buChar char="•"/>
+              </a:pPr>
+              <a:r>
+                <a:rPr lang="en-CA" sz="800" dirty="0">
+                  <a:solidFill>
+                    <a:srgbClr val="0070C0"/>
+                  </a:solidFill>
+                  <a:cs typeface="Segoe UI" pitchFamily="34" charset="0"/>
+                </a:rPr>
+                <a:t>Endpoint V2</a:t>
+              </a:r>
+            </a:p>
+            <a:p>
+              <a:pPr marL="360363" lvl="1" indent="-93663" defTabSz="932472" fontAlgn="base">
+                <a:lnSpc>
+                  <a:spcPct val="90000"/>
+                </a:lnSpc>
+                <a:spcBef>
+                  <a:spcPct val="0"/>
+                </a:spcBef>
+                <a:spcAft>
+                  <a:spcPct val="0"/>
+                </a:spcAft>
+                <a:buFont typeface="Arial" panose="020B0604020202020204" pitchFamily="34" charset="0"/>
+                <a:buChar char="•"/>
+              </a:pPr>
+              <a:r>
+                <a:rPr lang="en-CA" sz="800" dirty="0">
+                  <a:solidFill>
+                    <a:srgbClr val="0070C0"/>
+                  </a:solidFill>
+                  <a:cs typeface="Segoe UI" pitchFamily="34" charset="0"/>
+                </a:rPr>
+                <a:t>Work, school, and personal accounts</a:t>
+              </a:r>
+            </a:p>
+            <a:p>
+              <a:pPr marL="360363" lvl="1" indent="-93663" defTabSz="932472" fontAlgn="base">
+                <a:lnSpc>
+                  <a:spcPct val="90000"/>
+                </a:lnSpc>
+                <a:spcBef>
+                  <a:spcPct val="0"/>
+                </a:spcBef>
+                <a:spcAft>
+                  <a:spcPct val="0"/>
+                </a:spcAft>
+                <a:buFont typeface="Arial" panose="020B0604020202020204" pitchFamily="34" charset="0"/>
+                <a:buChar char="•"/>
+              </a:pPr>
+              <a:r>
+                <a:rPr lang="en-CA" sz="800" dirty="0">
+                  <a:solidFill>
+                    <a:srgbClr val="0070C0"/>
+                  </a:solidFill>
+                  <a:cs typeface="Segoe UI" pitchFamily="34" charset="0"/>
+                </a:rPr>
+                <a:t>Microsoft Authentication Library (MSAL)</a:t>
+              </a:r>
+            </a:p>
+            <a:p>
+              <a:pPr defTabSz="932472" fontAlgn="base">
+                <a:lnSpc>
+                  <a:spcPct val="90000"/>
+                </a:lnSpc>
+                <a:spcBef>
+                  <a:spcPct val="0"/>
+                </a:spcBef>
+                <a:spcAft>
+                  <a:spcPct val="0"/>
+                </a:spcAft>
+              </a:pPr>
+              <a:r>
+                <a:rPr lang="en-CA" sz="900" b="1" dirty="0">
+                  <a:solidFill>
+                    <a:srgbClr val="0070C0"/>
+                  </a:solidFill>
+                  <a:ea typeface="Segoe UI" pitchFamily="34" charset="0"/>
+                  <a:cs typeface="Segoe UI" pitchFamily="34" charset="0"/>
+                </a:rPr>
+                <a:t>Microsoft Graph</a:t>
+              </a:r>
+            </a:p>
+            <a:p>
+              <a:pPr marL="269875" lvl="1" indent="-93663" defTabSz="932472" fontAlgn="base">
+                <a:lnSpc>
+                  <a:spcPct val="90000"/>
+                </a:lnSpc>
+                <a:spcBef>
+                  <a:spcPct val="0"/>
+                </a:spcBef>
+                <a:spcAft>
+                  <a:spcPct val="0"/>
+                </a:spcAft>
+                <a:buFont typeface="Arial" panose="020B0604020202020204" pitchFamily="34" charset="0"/>
+                <a:buChar char="•"/>
+              </a:pPr>
+              <a:r>
+                <a:rPr lang="en-CA" sz="800" dirty="0">
+                  <a:solidFill>
+                    <a:srgbClr val="0070C0"/>
+                  </a:solidFill>
+                  <a:cs typeface="Segoe UI" pitchFamily="34" charset="0"/>
+                </a:rPr>
+                <a:t>Connects multi services and provides single endpoint</a:t>
+              </a:r>
+            </a:p>
+            <a:p>
+              <a:pPr marL="269875" lvl="1" indent="-93663" defTabSz="932472" fontAlgn="base">
+                <a:lnSpc>
+                  <a:spcPct val="90000"/>
+                </a:lnSpc>
+                <a:spcBef>
+                  <a:spcPct val="0"/>
+                </a:spcBef>
+                <a:spcAft>
+                  <a:spcPct val="0"/>
+                </a:spcAft>
+                <a:buFont typeface="Arial" panose="020B0604020202020204" pitchFamily="34" charset="0"/>
+                <a:buChar char="•"/>
+              </a:pPr>
+              <a:r>
+                <a:rPr lang="en-CA" sz="800" dirty="0">
+                  <a:solidFill>
+                    <a:srgbClr val="0070C0"/>
+                  </a:solidFill>
+                  <a:cs typeface="Segoe UI" pitchFamily="34" charset="0"/>
+                </a:rPr>
+                <a:t>AAD is integrated in Microsoft Graph</a:t>
               </a:r>
             </a:p>
           </p:txBody>
@@ -23919,9 +24175,9 @@
         <p:grpSpPr>
           <a:xfrm>
             <a:off x="3735925" y="907209"/>
-            <a:ext cx="2986571" cy="2496297"/>
+            <a:ext cx="2986571" cy="1360503"/>
             <a:chOff x="4520351" y="881287"/>
-            <a:chExt cx="2986571" cy="2496297"/>
+            <a:chExt cx="2986571" cy="1360503"/>
           </a:xfrm>
         </p:grpSpPr>
         <p:sp>
@@ -24006,7 +24262,7 @@
                   <a:ea typeface="Segoe UI" pitchFamily="34" charset="0"/>
                   <a:cs typeface="Segoe UI" pitchFamily="34" charset="0"/>
                 </a:rPr>
-                <a:t>High Performance Compute</a:t>
+                <a:t>AD Connect</a:t>
               </a:r>
             </a:p>
           </p:txBody>
@@ -24026,7 +24282,7 @@
           <p:spPr bwMode="auto">
             <a:xfrm>
               <a:off x="4520352" y="1237886"/>
-              <a:ext cx="2986570" cy="2139698"/>
+              <a:ext cx="2986570" cy="1003904"/>
             </a:xfrm>
             <a:prstGeom prst="rect">
               <a:avLst/>
@@ -24085,7 +24341,7 @@
                   <a:ea typeface="Segoe UI" pitchFamily="34" charset="0"/>
                   <a:cs typeface="Segoe UI" pitchFamily="34" charset="0"/>
                 </a:rPr>
-                <a:t>X</a:t>
+                <a:t>Synchronise on-prem AD identities with Azure</a:t>
               </a:r>
             </a:p>
             <a:p>
@@ -24110,15 +24366,158 @@
                   <a:ea typeface="Segoe UI" pitchFamily="34" charset="0"/>
                   <a:cs typeface="Segoe UI" pitchFamily="34" charset="0"/>
                 </a:rPr>
-                <a:t>X</a:t>
+                <a:t>AAD password hash synchronisation</a:t>
               </a:r>
-              <a:endParaRPr lang="en-CA" sz="900" dirty="0">
-                <a:solidFill>
-                  <a:srgbClr val="0070C0"/>
-                </a:solidFill>
-                <a:ea typeface="Segoe UI" pitchFamily="34" charset="0"/>
-                <a:cs typeface="Segoe UI" pitchFamily="34" charset="0"/>
-              </a:endParaRPr>
+            </a:p>
+            <a:p>
+              <a:pPr marL="360363" lvl="1" indent="-92075" defTabSz="932472" fontAlgn="base">
+                <a:lnSpc>
+                  <a:spcPct val="90000"/>
+                </a:lnSpc>
+                <a:spcBef>
+                  <a:spcPct val="0"/>
+                </a:spcBef>
+                <a:spcAft>
+                  <a:spcPct val="0"/>
+                </a:spcAft>
+                <a:buFont typeface="Arial" panose="020B0604020202020204" pitchFamily="34" charset="0"/>
+                <a:buChar char="•"/>
+              </a:pPr>
+              <a:r>
+                <a:rPr lang="en-CA" sz="800" dirty="0">
+                  <a:solidFill>
+                    <a:srgbClr val="0070C0"/>
+                  </a:solidFill>
+                  <a:ea typeface="Segoe UI" pitchFamily="34" charset="0"/>
+                  <a:cs typeface="Segoe UI" pitchFamily="34" charset="0"/>
+                </a:rPr>
+                <a:t>User passwords hashes synched between AD and AAD</a:t>
+              </a:r>
+            </a:p>
+            <a:p>
+              <a:pPr marL="360363" lvl="1" indent="-92075" defTabSz="932472" fontAlgn="base">
+                <a:lnSpc>
+                  <a:spcPct val="90000"/>
+                </a:lnSpc>
+                <a:spcBef>
+                  <a:spcPct val="0"/>
+                </a:spcBef>
+                <a:spcAft>
+                  <a:spcPct val="0"/>
+                </a:spcAft>
+                <a:buFont typeface="Arial" panose="020B0604020202020204" pitchFamily="34" charset="0"/>
+                <a:buChar char="•"/>
+              </a:pPr>
+              <a:r>
+                <a:rPr lang="en-CA" sz="800" dirty="0">
+                  <a:solidFill>
+                    <a:srgbClr val="0070C0"/>
+                  </a:solidFill>
+                  <a:ea typeface="Segoe UI" pitchFamily="34" charset="0"/>
+                  <a:cs typeface="Segoe UI" pitchFamily="34" charset="0"/>
+                </a:rPr>
+                <a:t>Hash synched with any change</a:t>
+              </a:r>
+            </a:p>
+            <a:p>
+              <a:pPr marL="360363" lvl="1" indent="-92075" defTabSz="932472" fontAlgn="base">
+                <a:lnSpc>
+                  <a:spcPct val="90000"/>
+                </a:lnSpc>
+                <a:spcBef>
+                  <a:spcPct val="0"/>
+                </a:spcBef>
+                <a:spcAft>
+                  <a:spcPct val="0"/>
+                </a:spcAft>
+                <a:buFont typeface="Arial" panose="020B0604020202020204" pitchFamily="34" charset="0"/>
+                <a:buChar char="•"/>
+              </a:pPr>
+              <a:r>
+                <a:rPr lang="en-CA" sz="800" dirty="0">
+                  <a:solidFill>
+                    <a:srgbClr val="0070C0"/>
+                  </a:solidFill>
+                  <a:ea typeface="Segoe UI" pitchFamily="34" charset="0"/>
+                  <a:cs typeface="Segoe UI" pitchFamily="34" charset="0"/>
+                </a:rPr>
+                <a:t>Provides single sign-on (SSO)</a:t>
+              </a:r>
+            </a:p>
+            <a:p>
+              <a:pPr marL="269875" lvl="1" indent="-93663" defTabSz="932472" fontAlgn="base">
+                <a:lnSpc>
+                  <a:spcPct val="90000"/>
+                </a:lnSpc>
+                <a:spcBef>
+                  <a:spcPct val="0"/>
+                </a:spcBef>
+                <a:spcAft>
+                  <a:spcPct val="0"/>
+                </a:spcAft>
+                <a:buFont typeface="Arial" panose="020B0604020202020204" pitchFamily="34" charset="0"/>
+                <a:buChar char="•"/>
+              </a:pPr>
+              <a:r>
+                <a:rPr lang="en-CA" sz="800" dirty="0">
+                  <a:solidFill>
+                    <a:srgbClr val="0070C0"/>
+                  </a:solidFill>
+                  <a:ea typeface="Segoe UI" pitchFamily="34" charset="0"/>
+                  <a:cs typeface="Segoe UI" pitchFamily="34" charset="0"/>
+                </a:rPr>
+                <a:t>AAD pass-through authentication</a:t>
+              </a:r>
+            </a:p>
+            <a:p>
+              <a:pPr marL="360363" lvl="1" indent="-93663" defTabSz="932472" fontAlgn="base">
+                <a:lnSpc>
+                  <a:spcPct val="90000"/>
+                </a:lnSpc>
+                <a:spcBef>
+                  <a:spcPct val="0"/>
+                </a:spcBef>
+                <a:spcAft>
+                  <a:spcPct val="0"/>
+                </a:spcAft>
+                <a:buFont typeface="Arial" panose="020B0604020202020204" pitchFamily="34" charset="0"/>
+                <a:buChar char="•"/>
+              </a:pPr>
+              <a:r>
+                <a:rPr lang="en-CA" sz="800" dirty="0">
+                  <a:solidFill>
+                    <a:srgbClr val="0070C0"/>
+                  </a:solidFill>
+                  <a:ea typeface="Segoe UI" pitchFamily="34" charset="0"/>
+                  <a:cs typeface="Segoe UI" pitchFamily="34" charset="0"/>
+                </a:rPr>
+                <a:t>Passwords are not synchronised, but validated on-prem</a:t>
+              </a:r>
+            </a:p>
+            <a:p>
+              <a:pPr marL="360363" lvl="1" indent="-93663" defTabSz="932472" fontAlgn="base">
+                <a:lnSpc>
+                  <a:spcPct val="90000"/>
+                </a:lnSpc>
+                <a:spcBef>
+                  <a:spcPct val="0"/>
+                </a:spcBef>
+                <a:spcAft>
+                  <a:spcPct val="0"/>
+                </a:spcAft>
+                <a:buFont typeface="Arial" panose="020B0604020202020204" pitchFamily="34" charset="0"/>
+                <a:buChar char="•"/>
+              </a:pPr>
+              <a:r>
+                <a:rPr lang="en-CA" sz="800" dirty="0">
+                  <a:solidFill>
+                    <a:srgbClr val="0070C0"/>
+                  </a:solidFill>
+                  <a:ea typeface="Segoe UI" pitchFamily="34" charset="0"/>
+                  <a:cs typeface="Segoe UI" pitchFamily="34" charset="0"/>
+                </a:rPr>
+                <a:t>Provides single sign-on (SSO)</a:t>
+              </a:r>
             </a:p>
           </p:txBody>
         </p:sp>
@@ -24252,7 +24651,7 @@
                 <a:ea typeface="Segoe UI" pitchFamily="34" charset="0"/>
                 <a:cs typeface="Segoe UI" pitchFamily="34" charset="0"/>
               </a:rPr>
-              <a:t>X</a:t>
+              <a:t>Securing Data</a:t>
             </a:r>
           </a:p>
         </p:txBody>
@@ -24359,7 +24758,7 @@
                   <a:ea typeface="Segoe UI" pitchFamily="34" charset="0"/>
                   <a:cs typeface="Segoe UI" pitchFamily="34" charset="0"/>
                 </a:rPr>
-                <a:t>X</a:t>
+                <a:t>Key Vault</a:t>
               </a:r>
             </a:p>
           </p:txBody>
@@ -24570,7 +24969,7 @@
                   <a:ea typeface="Segoe UI" pitchFamily="34" charset="0"/>
                   <a:cs typeface="Segoe UI" pitchFamily="34" charset="0"/>
                 </a:rPr>
-                <a:t>High Performance Compute</a:t>
+                <a:t>Storage Encryption</a:t>
               </a:r>
             </a:p>
           </p:txBody>
@@ -24701,7 +25100,7 @@
         </p:nvSpPr>
         <p:spPr bwMode="auto">
           <a:xfrm>
-            <a:off x="14757507" y="394305"/>
+            <a:off x="14848487" y="11092742"/>
             <a:ext cx="6314696" cy="522356"/>
           </a:xfrm>
           <a:prstGeom prst="rect">
@@ -24767,7 +25166,7 @@
                 <a:ea typeface="Segoe UI" pitchFamily="34" charset="0"/>
                 <a:cs typeface="Segoe UI" pitchFamily="34" charset="0"/>
               </a:rPr>
-              <a:t>X</a:t>
+              <a:t>AI, IoT, and Media Services</a:t>
             </a:r>
           </a:p>
         </p:txBody>
@@ -24786,7 +25185,7 @@
         </p:nvGrpSpPr>
         <p:grpSpPr>
           <a:xfrm>
-            <a:off x="14840512" y="916661"/>
+            <a:off x="14931492" y="11615098"/>
             <a:ext cx="2986571" cy="2494372"/>
             <a:chOff x="1409999" y="881288"/>
             <a:chExt cx="2986571" cy="2494372"/>
@@ -24997,7 +25396,7 @@
         </p:nvGrpSpPr>
         <p:grpSpPr>
           <a:xfrm>
-            <a:off x="18006466" y="916661"/>
+            <a:off x="18097446" y="11615098"/>
             <a:ext cx="2986571" cy="2496297"/>
             <a:chOff x="4520351" y="881287"/>
             <a:chExt cx="2986571" cy="2496297"/>
@@ -25085,7 +25484,7 @@
                   <a:ea typeface="Segoe UI" pitchFamily="34" charset="0"/>
                   <a:cs typeface="Segoe UI" pitchFamily="34" charset="0"/>
                 </a:rPr>
-                <a:t>High Performance Compute</a:t>
+                <a:t>XX</a:t>
               </a:r>
             </a:p>
           </p:txBody>
@@ -25264,6 +25663,3972 @@
           </a:p>
         </p:txBody>
       </p:sp>
+      <p:grpSp>
+        <p:nvGrpSpPr>
+          <p:cNvPr id="26" name="Group 25">
+            <a:extLst>
+              <a:ext uri="{FF2B5EF4-FFF2-40B4-BE49-F238E27FC236}">
+                <a16:creationId xmlns:a16="http://schemas.microsoft.com/office/drawing/2014/main" id="{0E64CBE3-0F3D-4327-B7D5-053F5FC8ED6D}"/>
+              </a:ext>
+            </a:extLst>
+          </p:cNvPr>
+          <p:cNvGrpSpPr/>
+          <p:nvPr/>
+        </p:nvGrpSpPr>
+        <p:grpSpPr>
+          <a:xfrm>
+            <a:off x="569970" y="2840761"/>
+            <a:ext cx="2986571" cy="1304519"/>
+            <a:chOff x="1409999" y="881288"/>
+            <a:chExt cx="2986571" cy="1304519"/>
+          </a:xfrm>
+        </p:grpSpPr>
+        <p:sp>
+          <p:nvSpPr>
+            <p:cNvPr id="27" name="Rectangle: Rounded Corners 26">
+              <a:extLst>
+                <a:ext uri="{FF2B5EF4-FFF2-40B4-BE49-F238E27FC236}">
+                  <a16:creationId xmlns:a16="http://schemas.microsoft.com/office/drawing/2014/main" id="{99E85396-C93D-4633-B243-532D6E070D60}"/>
+                </a:ext>
+              </a:extLst>
+            </p:cNvPr>
+            <p:cNvSpPr/>
+            <p:nvPr/>
+          </p:nvSpPr>
+          <p:spPr bwMode="auto">
+            <a:xfrm>
+              <a:off x="1409999" y="881288"/>
+              <a:ext cx="2986571" cy="419904"/>
+            </a:xfrm>
+            <a:prstGeom prst="roundRect">
+              <a:avLst/>
+            </a:prstGeom>
+            <a:solidFill>
+              <a:srgbClr val="0070C0"/>
+            </a:solidFill>
+            <a:ln>
+              <a:solidFill>
+                <a:srgbClr val="0070C0"/>
+              </a:solidFill>
+              <a:headEnd type="none" w="med" len="med"/>
+              <a:tailEnd type="none" w="med" len="med"/>
+            </a:ln>
+            <a:effectLst/>
+          </p:spPr>
+          <p:style>
+            <a:lnRef idx="1">
+              <a:schemeClr val="accent2"/>
+            </a:lnRef>
+            <a:fillRef idx="3">
+              <a:schemeClr val="accent2"/>
+            </a:fillRef>
+            <a:effectRef idx="2">
+              <a:schemeClr val="accent2"/>
+            </a:effectRef>
+            <a:fontRef idx="minor">
+              <a:schemeClr val="lt1"/>
+            </a:fontRef>
+          </p:style>
+          <p:txBody>
+            <a:bodyPr rot="0" spcFirstLastPara="0" vertOverflow="overflow" horzOverflow="overflow" vert="horz" wrap="square" lIns="0" tIns="0" rIns="0" bIns="0" numCol="1" spcCol="0" rtlCol="0" fromWordArt="0" anchor="ctr" anchorCtr="0" forceAA="0" compatLnSpc="1">
+              <a:prstTxWarp prst="textNoShape">
+                <a:avLst/>
+              </a:prstTxWarp>
+              <a:noAutofit/>
+            </a:bodyPr>
+            <a:lstStyle/>
+            <a:p>
+              <a:pPr algn="ctr" defTabSz="932472" fontAlgn="base">
+                <a:lnSpc>
+                  <a:spcPct val="90000"/>
+                </a:lnSpc>
+                <a:spcBef>
+                  <a:spcPct val="0"/>
+                </a:spcBef>
+                <a:spcAft>
+                  <a:spcPct val="0"/>
+                </a:spcAft>
+              </a:pPr>
+              <a:r>
+                <a:rPr lang="en-CA" sz="1600" dirty="0">
+                  <a:gradFill>
+                    <a:gsLst>
+                      <a:gs pos="0">
+                        <a:srgbClr val="FFFFFF"/>
+                      </a:gs>
+                      <a:gs pos="100000">
+                        <a:srgbClr val="FFFFFF"/>
+                      </a:gs>
+                    </a:gsLst>
+                    <a:lin ang="5400000" scaled="0"/>
+                  </a:gradFill>
+                  <a:ea typeface="Segoe UI" pitchFamily="34" charset="0"/>
+                  <a:cs typeface="Segoe UI" pitchFamily="34" charset="0"/>
+                </a:rPr>
+                <a:t>AD Federation Services</a:t>
+              </a:r>
+            </a:p>
+          </p:txBody>
+        </p:sp>
+        <p:sp>
+          <p:nvSpPr>
+            <p:cNvPr id="28" name="Rectangle 27">
+              <a:extLst>
+                <a:ext uri="{FF2B5EF4-FFF2-40B4-BE49-F238E27FC236}">
+                  <a16:creationId xmlns:a16="http://schemas.microsoft.com/office/drawing/2014/main" id="{B3FB01E7-60C3-49FC-B074-80E9977EB5C8}"/>
+                </a:ext>
+              </a:extLst>
+            </p:cNvPr>
+            <p:cNvSpPr/>
+            <p:nvPr/>
+          </p:nvSpPr>
+          <p:spPr bwMode="auto">
+            <a:xfrm>
+              <a:off x="1410000" y="1237886"/>
+              <a:ext cx="2986570" cy="947921"/>
+            </a:xfrm>
+            <a:prstGeom prst="rect">
+              <a:avLst/>
+            </a:prstGeom>
+            <a:solidFill>
+              <a:schemeClr val="tx1"/>
+            </a:solidFill>
+            <a:ln>
+              <a:solidFill>
+                <a:srgbClr val="0070C0"/>
+              </a:solidFill>
+              <a:headEnd type="none" w="med" len="med"/>
+              <a:tailEnd type="none" w="med" len="med"/>
+            </a:ln>
+            <a:effectLst/>
+          </p:spPr>
+          <p:style>
+            <a:lnRef idx="1">
+              <a:schemeClr val="accent2"/>
+            </a:lnRef>
+            <a:fillRef idx="3">
+              <a:schemeClr val="accent2"/>
+            </a:fillRef>
+            <a:effectRef idx="2">
+              <a:schemeClr val="accent2"/>
+            </a:effectRef>
+            <a:fontRef idx="minor">
+              <a:schemeClr val="lt1"/>
+            </a:fontRef>
+          </p:style>
+          <p:txBody>
+            <a:bodyPr rot="0" spcFirstLastPara="0" vertOverflow="overflow" horzOverflow="overflow" vert="horz" wrap="square" lIns="36000" tIns="72000" rIns="0" bIns="0" numCol="1" spcCol="0" rtlCol="0" fromWordArt="0" anchor="ctr" anchorCtr="0" forceAA="0" compatLnSpc="1">
+              <a:prstTxWarp prst="textNoShape">
+                <a:avLst/>
+              </a:prstTxWarp>
+              <a:noAutofit/>
+            </a:bodyPr>
+            <a:lstStyle/>
+            <a:p>
+              <a:pPr defTabSz="932472" fontAlgn="base">
+                <a:lnSpc>
+                  <a:spcPct val="90000"/>
+                </a:lnSpc>
+                <a:spcBef>
+                  <a:spcPct val="0"/>
+                </a:spcBef>
+                <a:spcAft>
+                  <a:spcPct val="0"/>
+                </a:spcAft>
+              </a:pPr>
+              <a:r>
+                <a:rPr lang="en-CA" sz="900" b="1" dirty="0">
+                  <a:solidFill>
+                    <a:srgbClr val="0070C0"/>
+                  </a:solidFill>
+                  <a:ea typeface="Segoe UI" pitchFamily="34" charset="0"/>
+                  <a:cs typeface="Segoe UI" pitchFamily="34" charset="0"/>
+                </a:rPr>
+                <a:t>Authentication provider for external users to on-prem </a:t>
+              </a:r>
+            </a:p>
+            <a:p>
+              <a:pPr marL="269875" lvl="1" indent="-93663" defTabSz="932472" fontAlgn="base">
+                <a:lnSpc>
+                  <a:spcPct val="90000"/>
+                </a:lnSpc>
+                <a:spcBef>
+                  <a:spcPct val="0"/>
+                </a:spcBef>
+                <a:spcAft>
+                  <a:spcPct val="0"/>
+                </a:spcAft>
+                <a:buFont typeface="Arial" panose="020B0604020202020204" pitchFamily="34" charset="0"/>
+                <a:buChar char="•"/>
+              </a:pPr>
+              <a:r>
+                <a:rPr lang="en-CA" sz="800" dirty="0">
+                  <a:solidFill>
+                    <a:srgbClr val="0070C0"/>
+                  </a:solidFill>
+                  <a:cs typeface="Segoe UI" pitchFamily="34" charset="0"/>
+                </a:rPr>
+                <a:t>WEB SSO for federated users accessing on-prem apps, using Azure AD Connect</a:t>
+              </a:r>
+            </a:p>
+            <a:p>
+              <a:pPr marL="269875" lvl="1" indent="-93663" defTabSz="932472" fontAlgn="base">
+                <a:lnSpc>
+                  <a:spcPct val="90000"/>
+                </a:lnSpc>
+                <a:spcBef>
+                  <a:spcPct val="0"/>
+                </a:spcBef>
+                <a:spcAft>
+                  <a:spcPct val="0"/>
+                </a:spcAft>
+                <a:buFont typeface="Arial" panose="020B0604020202020204" pitchFamily="34" charset="0"/>
+                <a:buChar char="•"/>
+              </a:pPr>
+              <a:r>
+                <a:rPr lang="en-CA" sz="800" dirty="0">
+                  <a:solidFill>
+                    <a:srgbClr val="0070C0"/>
+                  </a:solidFill>
+                  <a:cs typeface="Segoe UI" pitchFamily="34" charset="0"/>
+                </a:rPr>
+                <a:t>Web Services (WS) – WS-Federation compatible</a:t>
+              </a:r>
+            </a:p>
+            <a:p>
+              <a:pPr marL="269875" lvl="1" indent="-93663" defTabSz="932472" fontAlgn="base">
+                <a:lnSpc>
+                  <a:spcPct val="90000"/>
+                </a:lnSpc>
+                <a:spcBef>
+                  <a:spcPct val="0"/>
+                </a:spcBef>
+                <a:spcAft>
+                  <a:spcPct val="0"/>
+                </a:spcAft>
+                <a:buFont typeface="Arial" panose="020B0604020202020204" pitchFamily="34" charset="0"/>
+                <a:buChar char="•"/>
+              </a:pPr>
+              <a:r>
+                <a:rPr lang="en-CA" sz="800" dirty="0">
+                  <a:solidFill>
+                    <a:srgbClr val="0070C0"/>
+                  </a:solidFill>
+                  <a:cs typeface="Segoe UI" pitchFamily="34" charset="0"/>
+                </a:rPr>
+                <a:t>No external user account management – own credentials using Security Assertion Markup Language (SAML)</a:t>
+              </a:r>
+            </a:p>
+            <a:p>
+              <a:pPr marL="269875" lvl="1" indent="-93663" defTabSz="932472" fontAlgn="base">
+                <a:lnSpc>
+                  <a:spcPct val="90000"/>
+                </a:lnSpc>
+                <a:spcBef>
+                  <a:spcPct val="0"/>
+                </a:spcBef>
+                <a:spcAft>
+                  <a:spcPct val="0"/>
+                </a:spcAft>
+                <a:buFont typeface="Arial" panose="020B0604020202020204" pitchFamily="34" charset="0"/>
+                <a:buChar char="•"/>
+              </a:pPr>
+              <a:r>
+                <a:rPr lang="en-CA" sz="800" dirty="0">
+                  <a:solidFill>
+                    <a:srgbClr val="0070C0"/>
+                  </a:solidFill>
+                  <a:cs typeface="Segoe UI" pitchFamily="34" charset="0"/>
+                </a:rPr>
+                <a:t>Install on-prem of Azure VM and use MS Graph.</a:t>
+              </a:r>
+            </a:p>
+          </p:txBody>
+        </p:sp>
+      </p:grpSp>
+      <p:grpSp>
+        <p:nvGrpSpPr>
+          <p:cNvPr id="29" name="Group 28">
+            <a:extLst>
+              <a:ext uri="{FF2B5EF4-FFF2-40B4-BE49-F238E27FC236}">
+                <a16:creationId xmlns:a16="http://schemas.microsoft.com/office/drawing/2014/main" id="{630EEB67-CB7E-4EE9-AB92-5B034CA6ECCB}"/>
+              </a:ext>
+            </a:extLst>
+          </p:cNvPr>
+          <p:cNvGrpSpPr/>
+          <p:nvPr/>
+        </p:nvGrpSpPr>
+        <p:grpSpPr>
+          <a:xfrm>
+            <a:off x="569970" y="4233746"/>
+            <a:ext cx="2986571" cy="940599"/>
+            <a:chOff x="4520351" y="881287"/>
+            <a:chExt cx="2986571" cy="940599"/>
+          </a:xfrm>
+        </p:grpSpPr>
+        <p:sp>
+          <p:nvSpPr>
+            <p:cNvPr id="30" name="Rectangle: Rounded Corners 29">
+              <a:extLst>
+                <a:ext uri="{FF2B5EF4-FFF2-40B4-BE49-F238E27FC236}">
+                  <a16:creationId xmlns:a16="http://schemas.microsoft.com/office/drawing/2014/main" id="{5EFC2E51-A4FA-4C3E-A37D-88FEFEDCA518}"/>
+                </a:ext>
+              </a:extLst>
+            </p:cNvPr>
+            <p:cNvSpPr/>
+            <p:nvPr/>
+          </p:nvSpPr>
+          <p:spPr bwMode="auto">
+            <a:xfrm>
+              <a:off x="4520351" y="881287"/>
+              <a:ext cx="2986571" cy="419904"/>
+            </a:xfrm>
+            <a:prstGeom prst="roundRect">
+              <a:avLst/>
+            </a:prstGeom>
+            <a:solidFill>
+              <a:srgbClr val="0070C0"/>
+            </a:solidFill>
+            <a:ln>
+              <a:solidFill>
+                <a:srgbClr val="0070C0"/>
+              </a:solidFill>
+              <a:headEnd type="none" w="med" len="med"/>
+              <a:tailEnd type="none" w="med" len="med"/>
+            </a:ln>
+            <a:effectLst/>
+          </p:spPr>
+          <p:style>
+            <a:lnRef idx="1">
+              <a:schemeClr val="accent2"/>
+            </a:lnRef>
+            <a:fillRef idx="3">
+              <a:schemeClr val="accent2"/>
+            </a:fillRef>
+            <a:effectRef idx="2">
+              <a:schemeClr val="accent2"/>
+            </a:effectRef>
+            <a:fontRef idx="minor">
+              <a:schemeClr val="lt1"/>
+            </a:fontRef>
+          </p:style>
+          <p:txBody>
+            <a:bodyPr rot="0" spcFirstLastPara="0" vertOverflow="overflow" horzOverflow="overflow" vert="horz" wrap="square" lIns="0" tIns="0" rIns="0" bIns="0" numCol="1" spcCol="0" rtlCol="0" fromWordArt="0" anchor="ctr" anchorCtr="0" forceAA="0" compatLnSpc="1">
+              <a:prstTxWarp prst="textNoShape">
+                <a:avLst/>
+              </a:prstTxWarp>
+              <a:noAutofit/>
+            </a:bodyPr>
+            <a:lstStyle/>
+            <a:p>
+              <a:pPr algn="ctr" defTabSz="932472" fontAlgn="base">
+                <a:lnSpc>
+                  <a:spcPct val="90000"/>
+                </a:lnSpc>
+                <a:spcBef>
+                  <a:spcPct val="0"/>
+                </a:spcBef>
+                <a:spcAft>
+                  <a:spcPct val="0"/>
+                </a:spcAft>
+              </a:pPr>
+              <a:r>
+                <a:rPr lang="en-CA" sz="1600" dirty="0">
+                  <a:gradFill>
+                    <a:gsLst>
+                      <a:gs pos="0">
+                        <a:srgbClr val="FFFFFF"/>
+                      </a:gs>
+                      <a:gs pos="100000">
+                        <a:srgbClr val="FFFFFF"/>
+                      </a:gs>
+                    </a:gsLst>
+                    <a:lin ang="5400000" scaled="0"/>
+                  </a:gradFill>
+                  <a:ea typeface="Segoe UI" pitchFamily="34" charset="0"/>
+                  <a:cs typeface="Segoe UI" pitchFamily="34" charset="0"/>
+                </a:rPr>
+                <a:t>Multi-Factor Authentication</a:t>
+              </a:r>
+            </a:p>
+          </p:txBody>
+        </p:sp>
+        <p:sp>
+          <p:nvSpPr>
+            <p:cNvPr id="31" name="Rectangle 30">
+              <a:extLst>
+                <a:ext uri="{FF2B5EF4-FFF2-40B4-BE49-F238E27FC236}">
+                  <a16:creationId xmlns:a16="http://schemas.microsoft.com/office/drawing/2014/main" id="{69C80154-19B9-45AF-AA90-919EC8C89FCB}"/>
+                </a:ext>
+              </a:extLst>
+            </p:cNvPr>
+            <p:cNvSpPr/>
+            <p:nvPr/>
+          </p:nvSpPr>
+          <p:spPr bwMode="auto">
+            <a:xfrm>
+              <a:off x="4520352" y="1237886"/>
+              <a:ext cx="2986570" cy="584000"/>
+            </a:xfrm>
+            <a:prstGeom prst="rect">
+              <a:avLst/>
+            </a:prstGeom>
+            <a:solidFill>
+              <a:schemeClr val="tx1"/>
+            </a:solidFill>
+            <a:ln>
+              <a:solidFill>
+                <a:srgbClr val="0070C0"/>
+              </a:solidFill>
+              <a:headEnd type="none" w="med" len="med"/>
+              <a:tailEnd type="none" w="med" len="med"/>
+            </a:ln>
+            <a:effectLst/>
+          </p:spPr>
+          <p:style>
+            <a:lnRef idx="1">
+              <a:schemeClr val="accent2"/>
+            </a:lnRef>
+            <a:fillRef idx="3">
+              <a:schemeClr val="accent2"/>
+            </a:fillRef>
+            <a:effectRef idx="2">
+              <a:schemeClr val="accent2"/>
+            </a:effectRef>
+            <a:fontRef idx="minor">
+              <a:schemeClr val="lt1"/>
+            </a:fontRef>
+          </p:style>
+          <p:txBody>
+            <a:bodyPr rot="0" spcFirstLastPara="0" vertOverflow="overflow" horzOverflow="overflow" vert="horz" wrap="square" lIns="36000" tIns="72000" rIns="0" bIns="0" numCol="1" spcCol="0" rtlCol="0" fromWordArt="0" anchor="ctr" anchorCtr="0" forceAA="0" compatLnSpc="1">
+              <a:prstTxWarp prst="textNoShape">
+                <a:avLst/>
+              </a:prstTxWarp>
+              <a:noAutofit/>
+            </a:bodyPr>
+            <a:lstStyle/>
+            <a:p>
+              <a:pPr defTabSz="932472" fontAlgn="base">
+                <a:lnSpc>
+                  <a:spcPct val="90000"/>
+                </a:lnSpc>
+                <a:spcBef>
+                  <a:spcPct val="0"/>
+                </a:spcBef>
+                <a:spcAft>
+                  <a:spcPct val="0"/>
+                </a:spcAft>
+              </a:pPr>
+              <a:r>
+                <a:rPr lang="en-CA" sz="900" b="1" dirty="0">
+                  <a:solidFill>
+                    <a:srgbClr val="0070C0"/>
+                  </a:solidFill>
+                  <a:ea typeface="Segoe UI" pitchFamily="34" charset="0"/>
+                  <a:cs typeface="Segoe UI" pitchFamily="34" charset="0"/>
+                </a:rPr>
+                <a:t>Two step verification (MFA)</a:t>
+              </a:r>
+            </a:p>
+            <a:p>
+              <a:pPr marL="269875" lvl="1" indent="-93663" defTabSz="932472" fontAlgn="base">
+                <a:lnSpc>
+                  <a:spcPct val="90000"/>
+                </a:lnSpc>
+                <a:spcBef>
+                  <a:spcPct val="0"/>
+                </a:spcBef>
+                <a:spcAft>
+                  <a:spcPct val="0"/>
+                </a:spcAft>
+                <a:buFont typeface="Arial" panose="020B0604020202020204" pitchFamily="34" charset="0"/>
+                <a:buChar char="•"/>
+              </a:pPr>
+              <a:r>
+                <a:rPr lang="en-CA" sz="800" dirty="0">
+                  <a:solidFill>
+                    <a:srgbClr val="0070C0"/>
+                  </a:solidFill>
+                  <a:ea typeface="Segoe UI" pitchFamily="34" charset="0"/>
+                  <a:cs typeface="Segoe UI" pitchFamily="34" charset="0"/>
+                </a:rPr>
+                <a:t>Know – password</a:t>
+              </a:r>
+            </a:p>
+            <a:p>
+              <a:pPr marL="269875" lvl="1" indent="-93663" defTabSz="932472" fontAlgn="base">
+                <a:lnSpc>
+                  <a:spcPct val="90000"/>
+                </a:lnSpc>
+                <a:spcBef>
+                  <a:spcPct val="0"/>
+                </a:spcBef>
+                <a:spcAft>
+                  <a:spcPct val="0"/>
+                </a:spcAft>
+                <a:buFont typeface="Arial" panose="020B0604020202020204" pitchFamily="34" charset="0"/>
+                <a:buChar char="•"/>
+              </a:pPr>
+              <a:r>
+                <a:rPr lang="en-CA" sz="800" dirty="0">
+                  <a:solidFill>
+                    <a:srgbClr val="0070C0"/>
+                  </a:solidFill>
+                  <a:ea typeface="Segoe UI" pitchFamily="34" charset="0"/>
+                  <a:cs typeface="Segoe UI" pitchFamily="34" charset="0"/>
+                </a:rPr>
+                <a:t>Have – phone, verification app, 3</a:t>
+              </a:r>
+              <a:r>
+                <a:rPr lang="en-CA" sz="800" baseline="30000" dirty="0">
+                  <a:solidFill>
+                    <a:srgbClr val="0070C0"/>
+                  </a:solidFill>
+                  <a:ea typeface="Segoe UI" pitchFamily="34" charset="0"/>
+                  <a:cs typeface="Segoe UI" pitchFamily="34" charset="0"/>
+                </a:rPr>
+                <a:t>rd</a:t>
+              </a:r>
+              <a:r>
+                <a:rPr lang="en-CA" sz="800" dirty="0">
+                  <a:solidFill>
+                    <a:srgbClr val="0070C0"/>
+                  </a:solidFill>
+                  <a:ea typeface="Segoe UI" pitchFamily="34" charset="0"/>
+                  <a:cs typeface="Segoe UI" pitchFamily="34" charset="0"/>
+                </a:rPr>
+                <a:t> party OAuth tokens</a:t>
+              </a:r>
+            </a:p>
+            <a:p>
+              <a:pPr marL="269875" lvl="1" indent="-93663" defTabSz="932472" fontAlgn="base">
+                <a:lnSpc>
+                  <a:spcPct val="90000"/>
+                </a:lnSpc>
+                <a:spcBef>
+                  <a:spcPct val="0"/>
+                </a:spcBef>
+                <a:spcAft>
+                  <a:spcPct val="0"/>
+                </a:spcAft>
+                <a:buFont typeface="Arial" panose="020B0604020202020204" pitchFamily="34" charset="0"/>
+                <a:buChar char="•"/>
+              </a:pPr>
+              <a:r>
+                <a:rPr lang="en-CA" sz="800" dirty="0">
+                  <a:solidFill>
+                    <a:srgbClr val="0070C0"/>
+                  </a:solidFill>
+                  <a:ea typeface="Segoe UI" pitchFamily="34" charset="0"/>
+                  <a:cs typeface="Segoe UI" pitchFamily="34" charset="0"/>
+                </a:rPr>
+                <a:t>Are - biometrics</a:t>
+              </a:r>
+              <a:endParaRPr lang="en-CA" sz="900" dirty="0">
+                <a:solidFill>
+                  <a:srgbClr val="0070C0"/>
+                </a:solidFill>
+                <a:ea typeface="Segoe UI" pitchFamily="34" charset="0"/>
+                <a:cs typeface="Segoe UI" pitchFamily="34" charset="0"/>
+              </a:endParaRPr>
+            </a:p>
+          </p:txBody>
+        </p:sp>
+      </p:grpSp>
+      <p:grpSp>
+        <p:nvGrpSpPr>
+          <p:cNvPr id="38" name="Group 37">
+            <a:extLst>
+              <a:ext uri="{FF2B5EF4-FFF2-40B4-BE49-F238E27FC236}">
+                <a16:creationId xmlns:a16="http://schemas.microsoft.com/office/drawing/2014/main" id="{4A5405A0-7090-464D-B785-4967F2C640A3}"/>
+              </a:ext>
+            </a:extLst>
+          </p:cNvPr>
+          <p:cNvGrpSpPr/>
+          <p:nvPr/>
+        </p:nvGrpSpPr>
+        <p:grpSpPr>
+          <a:xfrm>
+            <a:off x="3734346" y="3863949"/>
+            <a:ext cx="2986571" cy="1310396"/>
+            <a:chOff x="1409999" y="881288"/>
+            <a:chExt cx="2986571" cy="1310396"/>
+          </a:xfrm>
+        </p:grpSpPr>
+        <p:sp>
+          <p:nvSpPr>
+            <p:cNvPr id="39" name="Rectangle: Rounded Corners 38">
+              <a:extLst>
+                <a:ext uri="{FF2B5EF4-FFF2-40B4-BE49-F238E27FC236}">
+                  <a16:creationId xmlns:a16="http://schemas.microsoft.com/office/drawing/2014/main" id="{EF44725D-B076-4411-A937-6B8A50E1D275}"/>
+                </a:ext>
+              </a:extLst>
+            </p:cNvPr>
+            <p:cNvSpPr/>
+            <p:nvPr/>
+          </p:nvSpPr>
+          <p:spPr bwMode="auto">
+            <a:xfrm>
+              <a:off x="1409999" y="881288"/>
+              <a:ext cx="2986571" cy="419904"/>
+            </a:xfrm>
+            <a:prstGeom prst="roundRect">
+              <a:avLst/>
+            </a:prstGeom>
+            <a:solidFill>
+              <a:srgbClr val="0070C0"/>
+            </a:solidFill>
+            <a:ln>
+              <a:solidFill>
+                <a:srgbClr val="0070C0"/>
+              </a:solidFill>
+              <a:headEnd type="none" w="med" len="med"/>
+              <a:tailEnd type="none" w="med" len="med"/>
+            </a:ln>
+            <a:effectLst/>
+          </p:spPr>
+          <p:style>
+            <a:lnRef idx="1">
+              <a:schemeClr val="accent2"/>
+            </a:lnRef>
+            <a:fillRef idx="3">
+              <a:schemeClr val="accent2"/>
+            </a:fillRef>
+            <a:effectRef idx="2">
+              <a:schemeClr val="accent2"/>
+            </a:effectRef>
+            <a:fontRef idx="minor">
+              <a:schemeClr val="lt1"/>
+            </a:fontRef>
+          </p:style>
+          <p:txBody>
+            <a:bodyPr rot="0" spcFirstLastPara="0" vertOverflow="overflow" horzOverflow="overflow" vert="horz" wrap="square" lIns="0" tIns="0" rIns="0" bIns="0" numCol="1" spcCol="0" rtlCol="0" fromWordArt="0" anchor="ctr" anchorCtr="0" forceAA="0" compatLnSpc="1">
+              <a:prstTxWarp prst="textNoShape">
+                <a:avLst/>
+              </a:prstTxWarp>
+              <a:noAutofit/>
+            </a:bodyPr>
+            <a:lstStyle/>
+            <a:p>
+              <a:pPr algn="ctr" defTabSz="932472" fontAlgn="base">
+                <a:lnSpc>
+                  <a:spcPct val="90000"/>
+                </a:lnSpc>
+                <a:spcBef>
+                  <a:spcPct val="0"/>
+                </a:spcBef>
+                <a:spcAft>
+                  <a:spcPct val="0"/>
+                </a:spcAft>
+              </a:pPr>
+              <a:r>
+                <a:rPr lang="en-CA" sz="1600" dirty="0">
+                  <a:gradFill>
+                    <a:gsLst>
+                      <a:gs pos="0">
+                        <a:srgbClr val="FFFFFF"/>
+                      </a:gs>
+                      <a:gs pos="100000">
+                        <a:srgbClr val="FFFFFF"/>
+                      </a:gs>
+                    </a:gsLst>
+                    <a:lin ang="5400000" scaled="0"/>
+                  </a:gradFill>
+                  <a:ea typeface="Segoe UI" pitchFamily="34" charset="0"/>
+                  <a:cs typeface="Segoe UI" pitchFamily="34" charset="0"/>
+                </a:rPr>
+                <a:t>AD Business to Business B2B</a:t>
+              </a:r>
+            </a:p>
+          </p:txBody>
+        </p:sp>
+        <p:sp>
+          <p:nvSpPr>
+            <p:cNvPr id="40" name="Rectangle 39">
+              <a:extLst>
+                <a:ext uri="{FF2B5EF4-FFF2-40B4-BE49-F238E27FC236}">
+                  <a16:creationId xmlns:a16="http://schemas.microsoft.com/office/drawing/2014/main" id="{2880703F-A8BD-4A02-A3E2-6C7E32C29478}"/>
+                </a:ext>
+              </a:extLst>
+            </p:cNvPr>
+            <p:cNvSpPr/>
+            <p:nvPr/>
+          </p:nvSpPr>
+          <p:spPr bwMode="auto">
+            <a:xfrm>
+              <a:off x="1410000" y="1237886"/>
+              <a:ext cx="2986570" cy="953798"/>
+            </a:xfrm>
+            <a:prstGeom prst="rect">
+              <a:avLst/>
+            </a:prstGeom>
+            <a:solidFill>
+              <a:schemeClr val="tx1"/>
+            </a:solidFill>
+            <a:ln>
+              <a:solidFill>
+                <a:srgbClr val="0070C0"/>
+              </a:solidFill>
+              <a:headEnd type="none" w="med" len="med"/>
+              <a:tailEnd type="none" w="med" len="med"/>
+            </a:ln>
+            <a:effectLst/>
+          </p:spPr>
+          <p:style>
+            <a:lnRef idx="1">
+              <a:schemeClr val="accent2"/>
+            </a:lnRef>
+            <a:fillRef idx="3">
+              <a:schemeClr val="accent2"/>
+            </a:fillRef>
+            <a:effectRef idx="2">
+              <a:schemeClr val="accent2"/>
+            </a:effectRef>
+            <a:fontRef idx="minor">
+              <a:schemeClr val="lt1"/>
+            </a:fontRef>
+          </p:style>
+          <p:txBody>
+            <a:bodyPr rot="0" spcFirstLastPara="0" vertOverflow="overflow" horzOverflow="overflow" vert="horz" wrap="square" lIns="36000" tIns="72000" rIns="0" bIns="0" numCol="1" spcCol="0" rtlCol="0" fromWordArt="0" anchor="ctr" anchorCtr="0" forceAA="0" compatLnSpc="1">
+              <a:prstTxWarp prst="textNoShape">
+                <a:avLst/>
+              </a:prstTxWarp>
+              <a:noAutofit/>
+            </a:bodyPr>
+            <a:lstStyle/>
+            <a:p>
+              <a:pPr defTabSz="932472" fontAlgn="base">
+                <a:lnSpc>
+                  <a:spcPct val="90000"/>
+                </a:lnSpc>
+                <a:spcBef>
+                  <a:spcPct val="0"/>
+                </a:spcBef>
+                <a:spcAft>
+                  <a:spcPct val="0"/>
+                </a:spcAft>
+              </a:pPr>
+              <a:r>
+                <a:rPr lang="en-CA" sz="900" b="1" dirty="0">
+                  <a:solidFill>
+                    <a:srgbClr val="0070C0"/>
+                  </a:solidFill>
+                  <a:ea typeface="Segoe UI" pitchFamily="34" charset="0"/>
+                  <a:cs typeface="Segoe UI" pitchFamily="34" charset="0"/>
+                </a:rPr>
+                <a:t>Enables organizations to work safely with others</a:t>
+              </a:r>
+            </a:p>
+            <a:p>
+              <a:pPr marL="269875" lvl="1" indent="-93663" defTabSz="932472" fontAlgn="base">
+                <a:lnSpc>
+                  <a:spcPct val="90000"/>
+                </a:lnSpc>
+                <a:spcBef>
+                  <a:spcPct val="0"/>
+                </a:spcBef>
+                <a:spcAft>
+                  <a:spcPct val="0"/>
+                </a:spcAft>
+                <a:buFont typeface="Arial" panose="020B0604020202020204" pitchFamily="34" charset="0"/>
+                <a:buChar char="•"/>
+              </a:pPr>
+              <a:r>
+                <a:rPr lang="en-CA" sz="800" dirty="0">
+                  <a:solidFill>
+                    <a:srgbClr val="0070C0"/>
+                  </a:solidFill>
+                  <a:cs typeface="Segoe UI" pitchFamily="34" charset="0"/>
+                </a:rPr>
+                <a:t>Enabled by default for all AAD tenants</a:t>
+              </a:r>
+            </a:p>
+            <a:p>
+              <a:pPr marL="269875" lvl="1" indent="-93663" defTabSz="932472" fontAlgn="base">
+                <a:lnSpc>
+                  <a:spcPct val="90000"/>
+                </a:lnSpc>
+                <a:spcBef>
+                  <a:spcPct val="0"/>
+                </a:spcBef>
+                <a:spcAft>
+                  <a:spcPct val="0"/>
+                </a:spcAft>
+                <a:buFont typeface="Arial" panose="020B0604020202020204" pitchFamily="34" charset="0"/>
+                <a:buChar char="•"/>
+              </a:pPr>
+              <a:r>
+                <a:rPr lang="en-CA" sz="800" dirty="0">
+                  <a:solidFill>
+                    <a:srgbClr val="0070C0"/>
+                  </a:solidFill>
+                  <a:cs typeface="Segoe UI" pitchFamily="34" charset="0"/>
+                </a:rPr>
+                <a:t>Integrated with Office 365</a:t>
+              </a:r>
+            </a:p>
+            <a:p>
+              <a:pPr marL="269875" lvl="1" indent="-93663" defTabSz="932472" fontAlgn="base">
+                <a:lnSpc>
+                  <a:spcPct val="90000"/>
+                </a:lnSpc>
+                <a:spcBef>
+                  <a:spcPct val="0"/>
+                </a:spcBef>
+                <a:spcAft>
+                  <a:spcPct val="0"/>
+                </a:spcAft>
+                <a:buFont typeface="Arial" panose="020B0604020202020204" pitchFamily="34" charset="0"/>
+                <a:buChar char="•"/>
+              </a:pPr>
+              <a:r>
+                <a:rPr lang="en-CA" sz="800" dirty="0">
+                  <a:solidFill>
+                    <a:srgbClr val="0070C0"/>
+                  </a:solidFill>
+                  <a:cs typeface="Segoe UI" pitchFamily="34" charset="0"/>
+                </a:rPr>
+                <a:t>AD Premium Features requires license ration of 5:1</a:t>
+              </a:r>
+              <a:br>
+                <a:rPr lang="en-CA" sz="800" dirty="0">
+                  <a:solidFill>
+                    <a:srgbClr val="0070C0"/>
+                  </a:solidFill>
+                  <a:cs typeface="Segoe UI" pitchFamily="34" charset="0"/>
+                </a:rPr>
+              </a:br>
+              <a:r>
+                <a:rPr lang="en-CA" sz="800" dirty="0">
+                  <a:solidFill>
+                    <a:srgbClr val="0070C0"/>
+                  </a:solidFill>
+                  <a:cs typeface="Segoe UI" pitchFamily="34" charset="0"/>
+                </a:rPr>
+                <a:t>Every AS Premium licence = five external users</a:t>
+              </a:r>
+            </a:p>
+            <a:p>
+              <a:pPr marL="269875" lvl="1" indent="-93663" defTabSz="932472" fontAlgn="base">
+                <a:lnSpc>
+                  <a:spcPct val="90000"/>
+                </a:lnSpc>
+                <a:spcBef>
+                  <a:spcPct val="0"/>
+                </a:spcBef>
+                <a:spcAft>
+                  <a:spcPct val="0"/>
+                </a:spcAft>
+                <a:buFont typeface="Arial" panose="020B0604020202020204" pitchFamily="34" charset="0"/>
+                <a:buChar char="•"/>
+              </a:pPr>
+              <a:r>
+                <a:rPr lang="en-CA" sz="800" dirty="0">
+                  <a:solidFill>
+                    <a:srgbClr val="0070C0"/>
+                  </a:solidFill>
+                  <a:cs typeface="Segoe UI" pitchFamily="34" charset="0"/>
+                </a:rPr>
+                <a:t>Set conditions for users, for example, enforce MFA</a:t>
+              </a:r>
+            </a:p>
+            <a:p>
+              <a:pPr marL="269875" lvl="1" indent="-93663" defTabSz="932472" fontAlgn="base">
+                <a:lnSpc>
+                  <a:spcPct val="90000"/>
+                </a:lnSpc>
+                <a:spcBef>
+                  <a:spcPct val="0"/>
+                </a:spcBef>
+                <a:spcAft>
+                  <a:spcPct val="0"/>
+                </a:spcAft>
+                <a:buFont typeface="Arial" panose="020B0604020202020204" pitchFamily="34" charset="0"/>
+                <a:buChar char="•"/>
+              </a:pPr>
+              <a:r>
+                <a:rPr lang="en-CA" sz="800" dirty="0">
+                  <a:solidFill>
+                    <a:srgbClr val="0070C0"/>
+                  </a:solidFill>
+                  <a:cs typeface="Segoe UI" pitchFamily="34" charset="0"/>
+                </a:rPr>
+                <a:t>Use policies to delegate permissions</a:t>
+              </a:r>
+            </a:p>
+          </p:txBody>
+        </p:sp>
+      </p:grpSp>
+      <p:grpSp>
+        <p:nvGrpSpPr>
+          <p:cNvPr id="41" name="Group 40">
+            <a:extLst>
+              <a:ext uri="{FF2B5EF4-FFF2-40B4-BE49-F238E27FC236}">
+                <a16:creationId xmlns:a16="http://schemas.microsoft.com/office/drawing/2014/main" id="{CA961375-2B7D-4E95-B96C-9FA733515BF3}"/>
+              </a:ext>
+            </a:extLst>
+          </p:cNvPr>
+          <p:cNvGrpSpPr/>
+          <p:nvPr/>
+        </p:nvGrpSpPr>
+        <p:grpSpPr>
+          <a:xfrm>
+            <a:off x="3734346" y="2460373"/>
+            <a:ext cx="2986571" cy="1210946"/>
+            <a:chOff x="4520351" y="881287"/>
+            <a:chExt cx="2986571" cy="1210946"/>
+          </a:xfrm>
+        </p:grpSpPr>
+        <p:sp>
+          <p:nvSpPr>
+            <p:cNvPr id="42" name="Rectangle: Rounded Corners 41">
+              <a:extLst>
+                <a:ext uri="{FF2B5EF4-FFF2-40B4-BE49-F238E27FC236}">
+                  <a16:creationId xmlns:a16="http://schemas.microsoft.com/office/drawing/2014/main" id="{89553AE0-9C04-4219-A1AB-A948A0765F09}"/>
+                </a:ext>
+              </a:extLst>
+            </p:cNvPr>
+            <p:cNvSpPr/>
+            <p:nvPr/>
+          </p:nvSpPr>
+          <p:spPr bwMode="auto">
+            <a:xfrm>
+              <a:off x="4520351" y="881287"/>
+              <a:ext cx="2986571" cy="419904"/>
+            </a:xfrm>
+            <a:prstGeom prst="roundRect">
+              <a:avLst/>
+            </a:prstGeom>
+            <a:solidFill>
+              <a:srgbClr val="0070C0"/>
+            </a:solidFill>
+            <a:ln>
+              <a:solidFill>
+                <a:srgbClr val="0070C0"/>
+              </a:solidFill>
+              <a:headEnd type="none" w="med" len="med"/>
+              <a:tailEnd type="none" w="med" len="med"/>
+            </a:ln>
+            <a:effectLst/>
+          </p:spPr>
+          <p:style>
+            <a:lnRef idx="1">
+              <a:schemeClr val="accent2"/>
+            </a:lnRef>
+            <a:fillRef idx="3">
+              <a:schemeClr val="accent2"/>
+            </a:fillRef>
+            <a:effectRef idx="2">
+              <a:schemeClr val="accent2"/>
+            </a:effectRef>
+            <a:fontRef idx="minor">
+              <a:schemeClr val="lt1"/>
+            </a:fontRef>
+          </p:style>
+          <p:txBody>
+            <a:bodyPr rot="0" spcFirstLastPara="0" vertOverflow="overflow" horzOverflow="overflow" vert="horz" wrap="square" lIns="0" tIns="0" rIns="0" bIns="0" numCol="1" spcCol="0" rtlCol="0" fromWordArt="0" anchor="ctr" anchorCtr="0" forceAA="0" compatLnSpc="1">
+              <a:prstTxWarp prst="textNoShape">
+                <a:avLst/>
+              </a:prstTxWarp>
+              <a:noAutofit/>
+            </a:bodyPr>
+            <a:lstStyle/>
+            <a:p>
+              <a:pPr algn="ctr" defTabSz="932472" fontAlgn="base">
+                <a:lnSpc>
+                  <a:spcPct val="90000"/>
+                </a:lnSpc>
+                <a:spcBef>
+                  <a:spcPct val="0"/>
+                </a:spcBef>
+                <a:spcAft>
+                  <a:spcPct val="0"/>
+                </a:spcAft>
+              </a:pPr>
+              <a:r>
+                <a:rPr lang="en-CA" sz="1600" dirty="0">
+                  <a:gradFill>
+                    <a:gsLst>
+                      <a:gs pos="0">
+                        <a:srgbClr val="FFFFFF"/>
+                      </a:gs>
+                      <a:gs pos="100000">
+                        <a:srgbClr val="FFFFFF"/>
+                      </a:gs>
+                    </a:gsLst>
+                    <a:lin ang="5400000" scaled="0"/>
+                  </a:gradFill>
+                  <a:ea typeface="Segoe UI" pitchFamily="34" charset="0"/>
+                  <a:cs typeface="Segoe UI" pitchFamily="34" charset="0"/>
+                </a:rPr>
+                <a:t>AD Business to Consumer B2C</a:t>
+              </a:r>
+            </a:p>
+          </p:txBody>
+        </p:sp>
+        <p:sp>
+          <p:nvSpPr>
+            <p:cNvPr id="43" name="Rectangle 42">
+              <a:extLst>
+                <a:ext uri="{FF2B5EF4-FFF2-40B4-BE49-F238E27FC236}">
+                  <a16:creationId xmlns:a16="http://schemas.microsoft.com/office/drawing/2014/main" id="{92F4758C-CD83-4C31-BF3A-EF47C3D37B65}"/>
+                </a:ext>
+              </a:extLst>
+            </p:cNvPr>
+            <p:cNvSpPr/>
+            <p:nvPr/>
+          </p:nvSpPr>
+          <p:spPr bwMode="auto">
+            <a:xfrm>
+              <a:off x="4520352" y="1237886"/>
+              <a:ext cx="2986570" cy="854347"/>
+            </a:xfrm>
+            <a:prstGeom prst="rect">
+              <a:avLst/>
+            </a:prstGeom>
+            <a:solidFill>
+              <a:schemeClr val="tx1"/>
+            </a:solidFill>
+            <a:ln>
+              <a:solidFill>
+                <a:srgbClr val="0070C0"/>
+              </a:solidFill>
+              <a:headEnd type="none" w="med" len="med"/>
+              <a:tailEnd type="none" w="med" len="med"/>
+            </a:ln>
+            <a:effectLst/>
+          </p:spPr>
+          <p:style>
+            <a:lnRef idx="1">
+              <a:schemeClr val="accent2"/>
+            </a:lnRef>
+            <a:fillRef idx="3">
+              <a:schemeClr val="accent2"/>
+            </a:fillRef>
+            <a:effectRef idx="2">
+              <a:schemeClr val="accent2"/>
+            </a:effectRef>
+            <a:fontRef idx="minor">
+              <a:schemeClr val="lt1"/>
+            </a:fontRef>
+          </p:style>
+          <p:txBody>
+            <a:bodyPr rot="0" spcFirstLastPara="0" vertOverflow="overflow" horzOverflow="overflow" vert="horz" wrap="square" lIns="36000" tIns="72000" rIns="0" bIns="0" numCol="1" spcCol="0" rtlCol="0" fromWordArt="0" anchor="ctr" anchorCtr="0" forceAA="0" compatLnSpc="1">
+              <a:prstTxWarp prst="textNoShape">
+                <a:avLst/>
+              </a:prstTxWarp>
+              <a:noAutofit/>
+            </a:bodyPr>
+            <a:lstStyle/>
+            <a:p>
+              <a:pPr defTabSz="932472" fontAlgn="base">
+                <a:lnSpc>
+                  <a:spcPct val="90000"/>
+                </a:lnSpc>
+                <a:spcBef>
+                  <a:spcPct val="0"/>
+                </a:spcBef>
+                <a:spcAft>
+                  <a:spcPct val="0"/>
+                </a:spcAft>
+              </a:pPr>
+              <a:r>
+                <a:rPr lang="en-CA" sz="900" b="1" dirty="0">
+                  <a:solidFill>
+                    <a:srgbClr val="0070C0"/>
+                  </a:solidFill>
+                  <a:ea typeface="Segoe UI" pitchFamily="34" charset="0"/>
+                  <a:cs typeface="Segoe UI" pitchFamily="34" charset="0"/>
+                </a:rPr>
+                <a:t>Cloud identity management for mobile and web apps</a:t>
+              </a:r>
+            </a:p>
+            <a:p>
+              <a:pPr marL="269875" lvl="1" indent="-93663" defTabSz="932472" fontAlgn="base">
+                <a:lnSpc>
+                  <a:spcPct val="90000"/>
+                </a:lnSpc>
+                <a:spcBef>
+                  <a:spcPct val="0"/>
+                </a:spcBef>
+                <a:spcAft>
+                  <a:spcPct val="0"/>
+                </a:spcAft>
+                <a:buFont typeface="Arial" panose="020B0604020202020204" pitchFamily="34" charset="0"/>
+                <a:buChar char="•"/>
+              </a:pPr>
+              <a:r>
+                <a:rPr lang="en-CA" sz="800" dirty="0">
+                  <a:solidFill>
+                    <a:srgbClr val="0070C0"/>
+                  </a:solidFill>
+                  <a:ea typeface="Segoe UI" pitchFamily="34" charset="0"/>
+                  <a:cs typeface="Segoe UI" pitchFamily="34" charset="0"/>
+                </a:rPr>
+                <a:t>Leveraged using MSAL</a:t>
+              </a:r>
+            </a:p>
+            <a:p>
+              <a:pPr marL="269875" lvl="1" indent="-93663" defTabSz="932472" fontAlgn="base">
+                <a:lnSpc>
+                  <a:spcPct val="90000"/>
+                </a:lnSpc>
+                <a:spcBef>
+                  <a:spcPct val="0"/>
+                </a:spcBef>
+                <a:spcAft>
+                  <a:spcPct val="0"/>
+                </a:spcAft>
+                <a:buFont typeface="Arial" panose="020B0604020202020204" pitchFamily="34" charset="0"/>
+                <a:buChar char="•"/>
+              </a:pPr>
+              <a:r>
+                <a:rPr lang="en-CA" sz="800" dirty="0">
+                  <a:solidFill>
+                    <a:srgbClr val="0070C0"/>
+                  </a:solidFill>
+                  <a:ea typeface="Segoe UI" pitchFamily="34" charset="0"/>
+                  <a:cs typeface="Segoe UI" pitchFamily="34" charset="0"/>
+                </a:rPr>
+                <a:t>Social Accounts – Facebook, Google, </a:t>
+              </a:r>
+              <a:r>
+                <a:rPr lang="en-CA" sz="800" dirty="0" err="1">
+                  <a:solidFill>
+                    <a:srgbClr val="0070C0"/>
+                  </a:solidFill>
+                  <a:ea typeface="Segoe UI" pitchFamily="34" charset="0"/>
+                  <a:cs typeface="Segoe UI" pitchFamily="34" charset="0"/>
+                </a:rPr>
+                <a:t>LinkedInn</a:t>
+              </a:r>
+              <a:endParaRPr lang="en-CA" sz="800" dirty="0">
+                <a:solidFill>
+                  <a:srgbClr val="0070C0"/>
+                </a:solidFill>
+                <a:ea typeface="Segoe UI" pitchFamily="34" charset="0"/>
+                <a:cs typeface="Segoe UI" pitchFamily="34" charset="0"/>
+              </a:endParaRPr>
+            </a:p>
+            <a:p>
+              <a:pPr marL="269875" lvl="1" indent="-93663" defTabSz="932472" fontAlgn="base">
+                <a:lnSpc>
+                  <a:spcPct val="90000"/>
+                </a:lnSpc>
+                <a:spcBef>
+                  <a:spcPct val="0"/>
+                </a:spcBef>
+                <a:spcAft>
+                  <a:spcPct val="0"/>
+                </a:spcAft>
+                <a:buFont typeface="Arial" panose="020B0604020202020204" pitchFamily="34" charset="0"/>
+                <a:buChar char="•"/>
+              </a:pPr>
+              <a:r>
+                <a:rPr lang="en-CA" sz="800" dirty="0">
+                  <a:solidFill>
+                    <a:srgbClr val="0070C0"/>
+                  </a:solidFill>
+                  <a:ea typeface="Segoe UI" pitchFamily="34" charset="0"/>
+                  <a:cs typeface="Segoe UI" pitchFamily="34" charset="0"/>
+                </a:rPr>
+                <a:t>Enterprise Accounts – OpenID Connect, SAM</a:t>
+              </a:r>
+            </a:p>
+            <a:p>
+              <a:pPr marL="269875" lvl="1" indent="-93663" defTabSz="932472" fontAlgn="base">
+                <a:lnSpc>
+                  <a:spcPct val="90000"/>
+                </a:lnSpc>
+                <a:spcBef>
+                  <a:spcPct val="0"/>
+                </a:spcBef>
+                <a:spcAft>
+                  <a:spcPct val="0"/>
+                </a:spcAft>
+                <a:buFont typeface="Arial" panose="020B0604020202020204" pitchFamily="34" charset="0"/>
+                <a:buChar char="•"/>
+              </a:pPr>
+              <a:r>
+                <a:rPr lang="en-CA" sz="800" dirty="0">
+                  <a:solidFill>
+                    <a:srgbClr val="0070C0"/>
+                  </a:solidFill>
+                  <a:ea typeface="Segoe UI" pitchFamily="34" charset="0"/>
+                  <a:cs typeface="Segoe UI" pitchFamily="34" charset="0"/>
+                </a:rPr>
+                <a:t>Local accounts – email/user and password</a:t>
+              </a:r>
+            </a:p>
+            <a:p>
+              <a:pPr marL="269875" lvl="1" indent="-93663" defTabSz="932472" fontAlgn="base">
+                <a:lnSpc>
+                  <a:spcPct val="90000"/>
+                </a:lnSpc>
+                <a:spcBef>
+                  <a:spcPct val="0"/>
+                </a:spcBef>
+                <a:spcAft>
+                  <a:spcPct val="0"/>
+                </a:spcAft>
+                <a:buFont typeface="Arial" panose="020B0604020202020204" pitchFamily="34" charset="0"/>
+                <a:buChar char="•"/>
+              </a:pPr>
+              <a:r>
+                <a:rPr lang="en-CA" sz="800" dirty="0">
+                  <a:solidFill>
+                    <a:srgbClr val="0070C0"/>
+                  </a:solidFill>
+                  <a:ea typeface="Segoe UI" pitchFamily="34" charset="0"/>
+                  <a:cs typeface="Segoe UI" pitchFamily="34" charset="0"/>
+                </a:rPr>
+                <a:t>App must be registered inside Azure B2C tenant</a:t>
+              </a:r>
+              <a:endParaRPr lang="en-CA" sz="900" dirty="0">
+                <a:solidFill>
+                  <a:srgbClr val="0070C0"/>
+                </a:solidFill>
+                <a:ea typeface="Segoe UI" pitchFamily="34" charset="0"/>
+                <a:cs typeface="Segoe UI" pitchFamily="34" charset="0"/>
+              </a:endParaRPr>
+            </a:p>
+          </p:txBody>
+        </p:sp>
+      </p:grpSp>
+      <p:grpSp>
+        <p:nvGrpSpPr>
+          <p:cNvPr id="45" name="Group 44">
+            <a:extLst>
+              <a:ext uri="{FF2B5EF4-FFF2-40B4-BE49-F238E27FC236}">
+                <a16:creationId xmlns:a16="http://schemas.microsoft.com/office/drawing/2014/main" id="{7816A9A2-2853-48F7-8902-388B0E6553F2}"/>
+              </a:ext>
+            </a:extLst>
+          </p:cNvPr>
+          <p:cNvGrpSpPr/>
+          <p:nvPr/>
+        </p:nvGrpSpPr>
+        <p:grpSpPr>
+          <a:xfrm>
+            <a:off x="7704452" y="3595222"/>
+            <a:ext cx="2986571" cy="2494372"/>
+            <a:chOff x="1409999" y="881288"/>
+            <a:chExt cx="2986571" cy="2494372"/>
+          </a:xfrm>
+        </p:grpSpPr>
+        <p:sp>
+          <p:nvSpPr>
+            <p:cNvPr id="46" name="Rectangle: Rounded Corners 45">
+              <a:extLst>
+                <a:ext uri="{FF2B5EF4-FFF2-40B4-BE49-F238E27FC236}">
+                  <a16:creationId xmlns:a16="http://schemas.microsoft.com/office/drawing/2014/main" id="{7FF75B13-1875-4D78-9CBF-02F9466D8473}"/>
+                </a:ext>
+              </a:extLst>
+            </p:cNvPr>
+            <p:cNvSpPr/>
+            <p:nvPr/>
+          </p:nvSpPr>
+          <p:spPr bwMode="auto">
+            <a:xfrm>
+              <a:off x="1409999" y="881288"/>
+              <a:ext cx="2986571" cy="419904"/>
+            </a:xfrm>
+            <a:prstGeom prst="roundRect">
+              <a:avLst/>
+            </a:prstGeom>
+            <a:solidFill>
+              <a:srgbClr val="0070C0"/>
+            </a:solidFill>
+            <a:ln>
+              <a:solidFill>
+                <a:srgbClr val="0070C0"/>
+              </a:solidFill>
+              <a:headEnd type="none" w="med" len="med"/>
+              <a:tailEnd type="none" w="med" len="med"/>
+            </a:ln>
+            <a:effectLst/>
+          </p:spPr>
+          <p:style>
+            <a:lnRef idx="1">
+              <a:schemeClr val="accent2"/>
+            </a:lnRef>
+            <a:fillRef idx="3">
+              <a:schemeClr val="accent2"/>
+            </a:fillRef>
+            <a:effectRef idx="2">
+              <a:schemeClr val="accent2"/>
+            </a:effectRef>
+            <a:fontRef idx="minor">
+              <a:schemeClr val="lt1"/>
+            </a:fontRef>
+          </p:style>
+          <p:txBody>
+            <a:bodyPr rot="0" spcFirstLastPara="0" vertOverflow="overflow" horzOverflow="overflow" vert="horz" wrap="square" lIns="0" tIns="0" rIns="0" bIns="0" numCol="1" spcCol="0" rtlCol="0" fromWordArt="0" anchor="ctr" anchorCtr="0" forceAA="0" compatLnSpc="1">
+              <a:prstTxWarp prst="textNoShape">
+                <a:avLst/>
+              </a:prstTxWarp>
+              <a:noAutofit/>
+            </a:bodyPr>
+            <a:lstStyle/>
+            <a:p>
+              <a:pPr algn="ctr" defTabSz="932472" fontAlgn="base">
+                <a:lnSpc>
+                  <a:spcPct val="90000"/>
+                </a:lnSpc>
+                <a:spcBef>
+                  <a:spcPct val="0"/>
+                </a:spcBef>
+                <a:spcAft>
+                  <a:spcPct val="0"/>
+                </a:spcAft>
+              </a:pPr>
+              <a:r>
+                <a:rPr lang="en-CA" sz="1600" dirty="0">
+                  <a:gradFill>
+                    <a:gsLst>
+                      <a:gs pos="0">
+                        <a:srgbClr val="FFFFFF"/>
+                      </a:gs>
+                      <a:gs pos="100000">
+                        <a:srgbClr val="FFFFFF"/>
+                      </a:gs>
+                    </a:gsLst>
+                    <a:lin ang="5400000" scaled="0"/>
+                  </a:gradFill>
+                  <a:ea typeface="Segoe UI" pitchFamily="34" charset="0"/>
+                  <a:cs typeface="Segoe UI" pitchFamily="34" charset="0"/>
+                </a:rPr>
+                <a:t>Disk Encryption</a:t>
+              </a:r>
+            </a:p>
+          </p:txBody>
+        </p:sp>
+        <p:sp>
+          <p:nvSpPr>
+            <p:cNvPr id="47" name="Rectangle 46">
+              <a:extLst>
+                <a:ext uri="{FF2B5EF4-FFF2-40B4-BE49-F238E27FC236}">
+                  <a16:creationId xmlns:a16="http://schemas.microsoft.com/office/drawing/2014/main" id="{FF33A0E3-EBA8-4114-A58A-12DEC28F8265}"/>
+                </a:ext>
+              </a:extLst>
+            </p:cNvPr>
+            <p:cNvSpPr/>
+            <p:nvPr/>
+          </p:nvSpPr>
+          <p:spPr bwMode="auto">
+            <a:xfrm>
+              <a:off x="1410000" y="1237886"/>
+              <a:ext cx="2986570" cy="2137774"/>
+            </a:xfrm>
+            <a:prstGeom prst="rect">
+              <a:avLst/>
+            </a:prstGeom>
+            <a:solidFill>
+              <a:schemeClr val="tx1"/>
+            </a:solidFill>
+            <a:ln>
+              <a:solidFill>
+                <a:srgbClr val="0070C0"/>
+              </a:solidFill>
+              <a:headEnd type="none" w="med" len="med"/>
+              <a:tailEnd type="none" w="med" len="med"/>
+            </a:ln>
+            <a:effectLst/>
+          </p:spPr>
+          <p:style>
+            <a:lnRef idx="1">
+              <a:schemeClr val="accent2"/>
+            </a:lnRef>
+            <a:fillRef idx="3">
+              <a:schemeClr val="accent2"/>
+            </a:fillRef>
+            <a:effectRef idx="2">
+              <a:schemeClr val="accent2"/>
+            </a:effectRef>
+            <a:fontRef idx="minor">
+              <a:schemeClr val="lt1"/>
+            </a:fontRef>
+          </p:style>
+          <p:txBody>
+            <a:bodyPr rot="0" spcFirstLastPara="0" vertOverflow="overflow" horzOverflow="overflow" vert="horz" wrap="square" lIns="36000" tIns="72000" rIns="0" bIns="0" numCol="1" spcCol="0" rtlCol="0" fromWordArt="0" anchor="ctr" anchorCtr="0" forceAA="0" compatLnSpc="1">
+              <a:prstTxWarp prst="textNoShape">
+                <a:avLst/>
+              </a:prstTxWarp>
+              <a:noAutofit/>
+            </a:bodyPr>
+            <a:lstStyle/>
+            <a:p>
+              <a:pPr defTabSz="932472" fontAlgn="base">
+                <a:lnSpc>
+                  <a:spcPct val="90000"/>
+                </a:lnSpc>
+                <a:spcBef>
+                  <a:spcPct val="0"/>
+                </a:spcBef>
+                <a:spcAft>
+                  <a:spcPct val="0"/>
+                </a:spcAft>
+              </a:pPr>
+              <a:r>
+                <a:rPr lang="en-CA" sz="900" b="1" dirty="0">
+                  <a:solidFill>
+                    <a:srgbClr val="0070C0"/>
+                  </a:solidFill>
+                  <a:ea typeface="Segoe UI" pitchFamily="34" charset="0"/>
+                  <a:cs typeface="Segoe UI" pitchFamily="34" charset="0"/>
+                </a:rPr>
+                <a:t>X</a:t>
+              </a:r>
+            </a:p>
+            <a:p>
+              <a:pPr marL="269875" lvl="1" indent="-93663" defTabSz="932472" fontAlgn="base">
+                <a:lnSpc>
+                  <a:spcPct val="90000"/>
+                </a:lnSpc>
+                <a:spcBef>
+                  <a:spcPct val="0"/>
+                </a:spcBef>
+                <a:spcAft>
+                  <a:spcPct val="0"/>
+                </a:spcAft>
+                <a:buFont typeface="Arial" panose="020B0604020202020204" pitchFamily="34" charset="0"/>
+                <a:buChar char="•"/>
+              </a:pPr>
+              <a:r>
+                <a:rPr lang="en-CA" sz="800" dirty="0">
+                  <a:solidFill>
+                    <a:srgbClr val="0070C0"/>
+                  </a:solidFill>
+                  <a:cs typeface="Segoe UI" pitchFamily="34" charset="0"/>
+                </a:rPr>
+                <a:t>X</a:t>
+              </a:r>
+            </a:p>
+          </p:txBody>
+        </p:sp>
+      </p:grpSp>
+      <p:grpSp>
+        <p:nvGrpSpPr>
+          <p:cNvPr id="48" name="Group 47">
+            <a:extLst>
+              <a:ext uri="{FF2B5EF4-FFF2-40B4-BE49-F238E27FC236}">
+                <a16:creationId xmlns:a16="http://schemas.microsoft.com/office/drawing/2014/main" id="{29976A9A-C377-4DD7-845B-2FCBFBCD1B06}"/>
+              </a:ext>
+            </a:extLst>
+          </p:cNvPr>
+          <p:cNvGrpSpPr/>
+          <p:nvPr/>
+        </p:nvGrpSpPr>
+        <p:grpSpPr>
+          <a:xfrm>
+            <a:off x="10870406" y="3595222"/>
+            <a:ext cx="2986571" cy="2496297"/>
+            <a:chOff x="4520351" y="881287"/>
+            <a:chExt cx="2986571" cy="2496297"/>
+          </a:xfrm>
+        </p:grpSpPr>
+        <p:sp>
+          <p:nvSpPr>
+            <p:cNvPr id="49" name="Rectangle: Rounded Corners 48">
+              <a:extLst>
+                <a:ext uri="{FF2B5EF4-FFF2-40B4-BE49-F238E27FC236}">
+                  <a16:creationId xmlns:a16="http://schemas.microsoft.com/office/drawing/2014/main" id="{C0EE29A0-2CAA-414D-BD10-85443109A0F8}"/>
+                </a:ext>
+              </a:extLst>
+            </p:cNvPr>
+            <p:cNvSpPr/>
+            <p:nvPr/>
+          </p:nvSpPr>
+          <p:spPr bwMode="auto">
+            <a:xfrm>
+              <a:off x="4520351" y="881287"/>
+              <a:ext cx="2986571" cy="419904"/>
+            </a:xfrm>
+            <a:prstGeom prst="roundRect">
+              <a:avLst/>
+            </a:prstGeom>
+            <a:solidFill>
+              <a:srgbClr val="0070C0"/>
+            </a:solidFill>
+            <a:ln>
+              <a:solidFill>
+                <a:srgbClr val="0070C0"/>
+              </a:solidFill>
+              <a:headEnd type="none" w="med" len="med"/>
+              <a:tailEnd type="none" w="med" len="med"/>
+            </a:ln>
+            <a:effectLst/>
+          </p:spPr>
+          <p:style>
+            <a:lnRef idx="1">
+              <a:schemeClr val="accent2"/>
+            </a:lnRef>
+            <a:fillRef idx="3">
+              <a:schemeClr val="accent2"/>
+            </a:fillRef>
+            <a:effectRef idx="2">
+              <a:schemeClr val="accent2"/>
+            </a:effectRef>
+            <a:fontRef idx="minor">
+              <a:schemeClr val="lt1"/>
+            </a:fontRef>
+          </p:style>
+          <p:txBody>
+            <a:bodyPr rot="0" spcFirstLastPara="0" vertOverflow="overflow" horzOverflow="overflow" vert="horz" wrap="square" lIns="0" tIns="0" rIns="0" bIns="0" numCol="1" spcCol="0" rtlCol="0" fromWordArt="0" anchor="ctr" anchorCtr="0" forceAA="0" compatLnSpc="1">
+              <a:prstTxWarp prst="textNoShape">
+                <a:avLst/>
+              </a:prstTxWarp>
+              <a:noAutofit/>
+            </a:bodyPr>
+            <a:lstStyle/>
+            <a:p>
+              <a:pPr algn="ctr" defTabSz="932472" fontAlgn="base">
+                <a:lnSpc>
+                  <a:spcPct val="90000"/>
+                </a:lnSpc>
+                <a:spcBef>
+                  <a:spcPct val="0"/>
+                </a:spcBef>
+                <a:spcAft>
+                  <a:spcPct val="0"/>
+                </a:spcAft>
+              </a:pPr>
+              <a:r>
+                <a:rPr lang="en-CA" sz="1600" dirty="0">
+                  <a:gradFill>
+                    <a:gsLst>
+                      <a:gs pos="0">
+                        <a:srgbClr val="FFFFFF"/>
+                      </a:gs>
+                      <a:gs pos="100000">
+                        <a:srgbClr val="FFFFFF"/>
+                      </a:gs>
+                    </a:gsLst>
+                    <a:lin ang="5400000" scaled="0"/>
+                  </a:gradFill>
+                  <a:ea typeface="Segoe UI" pitchFamily="34" charset="0"/>
+                  <a:cs typeface="Segoe UI" pitchFamily="34" charset="0"/>
+                </a:rPr>
+                <a:t>SQL Database Security</a:t>
+              </a:r>
+            </a:p>
+          </p:txBody>
+        </p:sp>
+        <p:sp>
+          <p:nvSpPr>
+            <p:cNvPr id="50" name="Rectangle 49">
+              <a:extLst>
+                <a:ext uri="{FF2B5EF4-FFF2-40B4-BE49-F238E27FC236}">
+                  <a16:creationId xmlns:a16="http://schemas.microsoft.com/office/drawing/2014/main" id="{124F705A-62B5-48BE-AA37-F2811E3ED744}"/>
+                </a:ext>
+              </a:extLst>
+            </p:cNvPr>
+            <p:cNvSpPr/>
+            <p:nvPr/>
+          </p:nvSpPr>
+          <p:spPr bwMode="auto">
+            <a:xfrm>
+              <a:off x="4520352" y="1237886"/>
+              <a:ext cx="2986570" cy="2139698"/>
+            </a:xfrm>
+            <a:prstGeom prst="rect">
+              <a:avLst/>
+            </a:prstGeom>
+            <a:solidFill>
+              <a:schemeClr val="tx1"/>
+            </a:solidFill>
+            <a:ln>
+              <a:solidFill>
+                <a:srgbClr val="0070C0"/>
+              </a:solidFill>
+              <a:headEnd type="none" w="med" len="med"/>
+              <a:tailEnd type="none" w="med" len="med"/>
+            </a:ln>
+            <a:effectLst/>
+          </p:spPr>
+          <p:style>
+            <a:lnRef idx="1">
+              <a:schemeClr val="accent2"/>
+            </a:lnRef>
+            <a:fillRef idx="3">
+              <a:schemeClr val="accent2"/>
+            </a:fillRef>
+            <a:effectRef idx="2">
+              <a:schemeClr val="accent2"/>
+            </a:effectRef>
+            <a:fontRef idx="minor">
+              <a:schemeClr val="lt1"/>
+            </a:fontRef>
+          </p:style>
+          <p:txBody>
+            <a:bodyPr rot="0" spcFirstLastPara="0" vertOverflow="overflow" horzOverflow="overflow" vert="horz" wrap="square" lIns="36000" tIns="72000" rIns="0" bIns="0" numCol="1" spcCol="0" rtlCol="0" fromWordArt="0" anchor="ctr" anchorCtr="0" forceAA="0" compatLnSpc="1">
+              <a:prstTxWarp prst="textNoShape">
+                <a:avLst/>
+              </a:prstTxWarp>
+              <a:noAutofit/>
+            </a:bodyPr>
+            <a:lstStyle/>
+            <a:p>
+              <a:pPr defTabSz="932472" fontAlgn="base">
+                <a:lnSpc>
+                  <a:spcPct val="90000"/>
+                </a:lnSpc>
+                <a:spcBef>
+                  <a:spcPct val="0"/>
+                </a:spcBef>
+                <a:spcAft>
+                  <a:spcPct val="0"/>
+                </a:spcAft>
+              </a:pPr>
+              <a:r>
+                <a:rPr lang="en-CA" sz="900" b="1" dirty="0">
+                  <a:solidFill>
+                    <a:srgbClr val="0070C0"/>
+                  </a:solidFill>
+                  <a:ea typeface="Segoe UI" pitchFamily="34" charset="0"/>
+                  <a:cs typeface="Segoe UI" pitchFamily="34" charset="0"/>
+                </a:rPr>
+                <a:t>X</a:t>
+              </a:r>
+            </a:p>
+            <a:p>
+              <a:pPr marL="269875" lvl="1" indent="-93663" defTabSz="932472" fontAlgn="base">
+                <a:lnSpc>
+                  <a:spcPct val="90000"/>
+                </a:lnSpc>
+                <a:spcBef>
+                  <a:spcPct val="0"/>
+                </a:spcBef>
+                <a:spcAft>
+                  <a:spcPct val="0"/>
+                </a:spcAft>
+                <a:buFont typeface="Arial" panose="020B0604020202020204" pitchFamily="34" charset="0"/>
+                <a:buChar char="•"/>
+              </a:pPr>
+              <a:r>
+                <a:rPr lang="en-CA" sz="800" dirty="0">
+                  <a:solidFill>
+                    <a:srgbClr val="0070C0"/>
+                  </a:solidFill>
+                  <a:ea typeface="Segoe UI" pitchFamily="34" charset="0"/>
+                  <a:cs typeface="Segoe UI" pitchFamily="34" charset="0"/>
+                </a:rPr>
+                <a:t>X</a:t>
+              </a:r>
+              <a:endParaRPr lang="en-CA" sz="900" dirty="0">
+                <a:solidFill>
+                  <a:srgbClr val="0070C0"/>
+                </a:solidFill>
+                <a:ea typeface="Segoe UI" pitchFamily="34" charset="0"/>
+                <a:cs typeface="Segoe UI" pitchFamily="34" charset="0"/>
+              </a:endParaRPr>
+            </a:p>
+          </p:txBody>
+        </p:sp>
+      </p:grpSp>
+      <p:grpSp>
+        <p:nvGrpSpPr>
+          <p:cNvPr id="51" name="Group 50">
+            <a:extLst>
+              <a:ext uri="{FF2B5EF4-FFF2-40B4-BE49-F238E27FC236}">
+                <a16:creationId xmlns:a16="http://schemas.microsoft.com/office/drawing/2014/main" id="{91EC9DC9-C17D-4D00-933C-082BB96DA70A}"/>
+              </a:ext>
+            </a:extLst>
+          </p:cNvPr>
+          <p:cNvGrpSpPr/>
+          <p:nvPr/>
+        </p:nvGrpSpPr>
+        <p:grpSpPr>
+          <a:xfrm>
+            <a:off x="7765180" y="6251532"/>
+            <a:ext cx="2986571" cy="2494372"/>
+            <a:chOff x="1409999" y="881288"/>
+            <a:chExt cx="2986571" cy="2494372"/>
+          </a:xfrm>
+        </p:grpSpPr>
+        <p:sp>
+          <p:nvSpPr>
+            <p:cNvPr id="52" name="Rectangle: Rounded Corners 51">
+              <a:extLst>
+                <a:ext uri="{FF2B5EF4-FFF2-40B4-BE49-F238E27FC236}">
+                  <a16:creationId xmlns:a16="http://schemas.microsoft.com/office/drawing/2014/main" id="{0D192323-CD5A-4C7F-B231-C70CBB8C7786}"/>
+                </a:ext>
+              </a:extLst>
+            </p:cNvPr>
+            <p:cNvSpPr/>
+            <p:nvPr/>
+          </p:nvSpPr>
+          <p:spPr bwMode="auto">
+            <a:xfrm>
+              <a:off x="1409999" y="881288"/>
+              <a:ext cx="2986571" cy="419904"/>
+            </a:xfrm>
+            <a:prstGeom prst="roundRect">
+              <a:avLst/>
+            </a:prstGeom>
+            <a:solidFill>
+              <a:srgbClr val="0070C0"/>
+            </a:solidFill>
+            <a:ln>
+              <a:solidFill>
+                <a:srgbClr val="0070C0"/>
+              </a:solidFill>
+              <a:headEnd type="none" w="med" len="med"/>
+              <a:tailEnd type="none" w="med" len="med"/>
+            </a:ln>
+            <a:effectLst/>
+          </p:spPr>
+          <p:style>
+            <a:lnRef idx="1">
+              <a:schemeClr val="accent2"/>
+            </a:lnRef>
+            <a:fillRef idx="3">
+              <a:schemeClr val="accent2"/>
+            </a:fillRef>
+            <a:effectRef idx="2">
+              <a:schemeClr val="accent2"/>
+            </a:effectRef>
+            <a:fontRef idx="minor">
+              <a:schemeClr val="lt1"/>
+            </a:fontRef>
+          </p:style>
+          <p:txBody>
+            <a:bodyPr rot="0" spcFirstLastPara="0" vertOverflow="overflow" horzOverflow="overflow" vert="horz" wrap="square" lIns="0" tIns="0" rIns="0" bIns="0" numCol="1" spcCol="0" rtlCol="0" fromWordArt="0" anchor="ctr" anchorCtr="0" forceAA="0" compatLnSpc="1">
+              <a:prstTxWarp prst="textNoShape">
+                <a:avLst/>
+              </a:prstTxWarp>
+              <a:noAutofit/>
+            </a:bodyPr>
+            <a:lstStyle/>
+            <a:p>
+              <a:pPr algn="ctr" defTabSz="932472" fontAlgn="base">
+                <a:lnSpc>
+                  <a:spcPct val="90000"/>
+                </a:lnSpc>
+                <a:spcBef>
+                  <a:spcPct val="0"/>
+                </a:spcBef>
+                <a:spcAft>
+                  <a:spcPct val="0"/>
+                </a:spcAft>
+              </a:pPr>
+              <a:r>
+                <a:rPr lang="en-CA" sz="1600" dirty="0">
+                  <a:gradFill>
+                    <a:gsLst>
+                      <a:gs pos="0">
+                        <a:srgbClr val="FFFFFF"/>
+                      </a:gs>
+                      <a:gs pos="100000">
+                        <a:srgbClr val="FFFFFF"/>
+                      </a:gs>
+                    </a:gsLst>
+                    <a:lin ang="5400000" scaled="0"/>
+                  </a:gradFill>
+                  <a:ea typeface="Segoe UI" pitchFamily="34" charset="0"/>
+                  <a:cs typeface="Segoe UI" pitchFamily="34" charset="0"/>
+                </a:rPr>
+                <a:t>AD Managed Service Identity</a:t>
+              </a:r>
+            </a:p>
+          </p:txBody>
+        </p:sp>
+        <p:sp>
+          <p:nvSpPr>
+            <p:cNvPr id="53" name="Rectangle 52">
+              <a:extLst>
+                <a:ext uri="{FF2B5EF4-FFF2-40B4-BE49-F238E27FC236}">
+                  <a16:creationId xmlns:a16="http://schemas.microsoft.com/office/drawing/2014/main" id="{8B4E6719-54AA-42E9-B4D1-8171D14FB6D7}"/>
+                </a:ext>
+              </a:extLst>
+            </p:cNvPr>
+            <p:cNvSpPr/>
+            <p:nvPr/>
+          </p:nvSpPr>
+          <p:spPr bwMode="auto">
+            <a:xfrm>
+              <a:off x="1410000" y="1237886"/>
+              <a:ext cx="2986570" cy="2137774"/>
+            </a:xfrm>
+            <a:prstGeom prst="rect">
+              <a:avLst/>
+            </a:prstGeom>
+            <a:solidFill>
+              <a:schemeClr val="tx1"/>
+            </a:solidFill>
+            <a:ln>
+              <a:solidFill>
+                <a:srgbClr val="0070C0"/>
+              </a:solidFill>
+              <a:headEnd type="none" w="med" len="med"/>
+              <a:tailEnd type="none" w="med" len="med"/>
+            </a:ln>
+            <a:effectLst/>
+          </p:spPr>
+          <p:style>
+            <a:lnRef idx="1">
+              <a:schemeClr val="accent2"/>
+            </a:lnRef>
+            <a:fillRef idx="3">
+              <a:schemeClr val="accent2"/>
+            </a:fillRef>
+            <a:effectRef idx="2">
+              <a:schemeClr val="accent2"/>
+            </a:effectRef>
+            <a:fontRef idx="minor">
+              <a:schemeClr val="lt1"/>
+            </a:fontRef>
+          </p:style>
+          <p:txBody>
+            <a:bodyPr rot="0" spcFirstLastPara="0" vertOverflow="overflow" horzOverflow="overflow" vert="horz" wrap="square" lIns="36000" tIns="72000" rIns="0" bIns="0" numCol="1" spcCol="0" rtlCol="0" fromWordArt="0" anchor="ctr" anchorCtr="0" forceAA="0" compatLnSpc="1">
+              <a:prstTxWarp prst="textNoShape">
+                <a:avLst/>
+              </a:prstTxWarp>
+              <a:noAutofit/>
+            </a:bodyPr>
+            <a:lstStyle/>
+            <a:p>
+              <a:pPr defTabSz="932472" fontAlgn="base">
+                <a:lnSpc>
+                  <a:spcPct val="90000"/>
+                </a:lnSpc>
+                <a:spcBef>
+                  <a:spcPct val="0"/>
+                </a:spcBef>
+                <a:spcAft>
+                  <a:spcPct val="0"/>
+                </a:spcAft>
+              </a:pPr>
+              <a:r>
+                <a:rPr lang="en-CA" sz="900" b="1" dirty="0">
+                  <a:solidFill>
+                    <a:srgbClr val="0070C0"/>
+                  </a:solidFill>
+                  <a:ea typeface="Segoe UI" pitchFamily="34" charset="0"/>
+                  <a:cs typeface="Segoe UI" pitchFamily="34" charset="0"/>
+                </a:rPr>
+                <a:t>X</a:t>
+              </a:r>
+            </a:p>
+            <a:p>
+              <a:pPr marL="269875" lvl="1" indent="-93663" defTabSz="932472" fontAlgn="base">
+                <a:lnSpc>
+                  <a:spcPct val="90000"/>
+                </a:lnSpc>
+                <a:spcBef>
+                  <a:spcPct val="0"/>
+                </a:spcBef>
+                <a:spcAft>
+                  <a:spcPct val="0"/>
+                </a:spcAft>
+                <a:buFont typeface="Arial" panose="020B0604020202020204" pitchFamily="34" charset="0"/>
+                <a:buChar char="•"/>
+              </a:pPr>
+              <a:r>
+                <a:rPr lang="en-CA" sz="800" dirty="0">
+                  <a:solidFill>
+                    <a:srgbClr val="0070C0"/>
+                  </a:solidFill>
+                  <a:cs typeface="Segoe UI" pitchFamily="34" charset="0"/>
+                </a:rPr>
+                <a:t>X</a:t>
+              </a:r>
+            </a:p>
+          </p:txBody>
+        </p:sp>
+      </p:grpSp>
+      <p:sp>
+        <p:nvSpPr>
+          <p:cNvPr id="54" name="Rectangle 53">
+            <a:extLst>
+              <a:ext uri="{FF2B5EF4-FFF2-40B4-BE49-F238E27FC236}">
+                <a16:creationId xmlns:a16="http://schemas.microsoft.com/office/drawing/2014/main" id="{25EDC57B-C3AE-495A-8223-B6C690ED017D}"/>
+              </a:ext>
+            </a:extLst>
+          </p:cNvPr>
+          <p:cNvSpPr/>
+          <p:nvPr/>
+        </p:nvSpPr>
+        <p:spPr bwMode="auto">
+          <a:xfrm>
+            <a:off x="7760909" y="11189441"/>
+            <a:ext cx="6314696" cy="425657"/>
+          </a:xfrm>
+          <a:prstGeom prst="rect">
+            <a:avLst/>
+          </a:prstGeom>
+          <a:solidFill>
+            <a:srgbClr val="002060"/>
+          </a:solidFill>
+          <a:ln>
+            <a:noFill/>
+            <a:headEnd type="none" w="med" len="med"/>
+            <a:tailEnd type="none" w="med" len="med"/>
+          </a:ln>
+          <a:effectLst/>
+        </p:spPr>
+        <p:style>
+          <a:lnRef idx="1">
+            <a:schemeClr val="accent2"/>
+          </a:lnRef>
+          <a:fillRef idx="3">
+            <a:schemeClr val="accent2"/>
+          </a:fillRef>
+          <a:effectRef idx="2">
+            <a:schemeClr val="accent2"/>
+          </a:effectRef>
+          <a:fontRef idx="minor">
+            <a:schemeClr val="lt1"/>
+          </a:fontRef>
+        </p:style>
+        <p:txBody>
+          <a:bodyPr rot="0" spcFirstLastPara="0" vertOverflow="overflow" horzOverflow="overflow" vert="horz" wrap="square" lIns="0" tIns="72000" rIns="0" bIns="146304" numCol="1" spcCol="0" rtlCol="0" fromWordArt="0" anchor="t" anchorCtr="0" forceAA="0" compatLnSpc="1">
+            <a:prstTxWarp prst="textNoShape">
+              <a:avLst/>
+            </a:prstTxWarp>
+            <a:noAutofit/>
+          </a:bodyPr>
+          <a:lstStyle/>
+          <a:p>
+            <a:pPr algn="ctr" defTabSz="932472" fontAlgn="base">
+              <a:lnSpc>
+                <a:spcPct val="90000"/>
+              </a:lnSpc>
+              <a:spcBef>
+                <a:spcPct val="0"/>
+              </a:spcBef>
+              <a:spcAft>
+                <a:spcPct val="0"/>
+              </a:spcAft>
+            </a:pPr>
+            <a:r>
+              <a:rPr lang="en-CA" sz="2400" dirty="0">
+                <a:gradFill>
+                  <a:gsLst>
+                    <a:gs pos="0">
+                      <a:srgbClr val="FFFFFF"/>
+                    </a:gs>
+                    <a:gs pos="100000">
+                      <a:srgbClr val="FFFFFF"/>
+                    </a:gs>
+                  </a:gsLst>
+                  <a:lin ang="5400000" scaled="0"/>
+                </a:gradFill>
+                <a:ea typeface="Segoe UI" pitchFamily="34" charset="0"/>
+                <a:cs typeface="Segoe UI" pitchFamily="34" charset="0"/>
+              </a:rPr>
+              <a:t>Messaging Services</a:t>
+            </a:r>
+          </a:p>
+        </p:txBody>
+      </p:sp>
+      <p:grpSp>
+        <p:nvGrpSpPr>
+          <p:cNvPr id="55" name="Group 54">
+            <a:extLst>
+              <a:ext uri="{FF2B5EF4-FFF2-40B4-BE49-F238E27FC236}">
+                <a16:creationId xmlns:a16="http://schemas.microsoft.com/office/drawing/2014/main" id="{1AAA18FE-B2F5-4EE8-811F-CD76586772FA}"/>
+              </a:ext>
+            </a:extLst>
+          </p:cNvPr>
+          <p:cNvGrpSpPr/>
+          <p:nvPr/>
+        </p:nvGrpSpPr>
+        <p:grpSpPr>
+          <a:xfrm>
+            <a:off x="7843914" y="11615099"/>
+            <a:ext cx="2986571" cy="2494372"/>
+            <a:chOff x="1409999" y="881288"/>
+            <a:chExt cx="2986571" cy="2494372"/>
+          </a:xfrm>
+        </p:grpSpPr>
+        <p:sp>
+          <p:nvSpPr>
+            <p:cNvPr id="56" name="Rectangle: Rounded Corners 55">
+              <a:extLst>
+                <a:ext uri="{FF2B5EF4-FFF2-40B4-BE49-F238E27FC236}">
+                  <a16:creationId xmlns:a16="http://schemas.microsoft.com/office/drawing/2014/main" id="{2BD67479-2FD2-4CF7-A3CC-64D4F6B06236}"/>
+                </a:ext>
+              </a:extLst>
+            </p:cNvPr>
+            <p:cNvSpPr/>
+            <p:nvPr/>
+          </p:nvSpPr>
+          <p:spPr bwMode="auto">
+            <a:xfrm>
+              <a:off x="1409999" y="881288"/>
+              <a:ext cx="2986571" cy="419904"/>
+            </a:xfrm>
+            <a:prstGeom prst="roundRect">
+              <a:avLst/>
+            </a:prstGeom>
+            <a:solidFill>
+              <a:srgbClr val="0070C0"/>
+            </a:solidFill>
+            <a:ln>
+              <a:solidFill>
+                <a:srgbClr val="0070C0"/>
+              </a:solidFill>
+              <a:headEnd type="none" w="med" len="med"/>
+              <a:tailEnd type="none" w="med" len="med"/>
+            </a:ln>
+            <a:effectLst/>
+          </p:spPr>
+          <p:style>
+            <a:lnRef idx="1">
+              <a:schemeClr val="accent2"/>
+            </a:lnRef>
+            <a:fillRef idx="3">
+              <a:schemeClr val="accent2"/>
+            </a:fillRef>
+            <a:effectRef idx="2">
+              <a:schemeClr val="accent2"/>
+            </a:effectRef>
+            <a:fontRef idx="minor">
+              <a:schemeClr val="lt1"/>
+            </a:fontRef>
+          </p:style>
+          <p:txBody>
+            <a:bodyPr rot="0" spcFirstLastPara="0" vertOverflow="overflow" horzOverflow="overflow" vert="horz" wrap="square" lIns="0" tIns="0" rIns="0" bIns="0" numCol="1" spcCol="0" rtlCol="0" fromWordArt="0" anchor="ctr" anchorCtr="0" forceAA="0" compatLnSpc="1">
+              <a:prstTxWarp prst="textNoShape">
+                <a:avLst/>
+              </a:prstTxWarp>
+              <a:noAutofit/>
+            </a:bodyPr>
+            <a:lstStyle/>
+            <a:p>
+              <a:pPr algn="ctr" defTabSz="932472" fontAlgn="base">
+                <a:lnSpc>
+                  <a:spcPct val="90000"/>
+                </a:lnSpc>
+                <a:spcBef>
+                  <a:spcPct val="0"/>
+                </a:spcBef>
+                <a:spcAft>
+                  <a:spcPct val="0"/>
+                </a:spcAft>
+              </a:pPr>
+              <a:r>
+                <a:rPr lang="en-CA" sz="1600" dirty="0">
+                  <a:gradFill>
+                    <a:gsLst>
+                      <a:gs pos="0">
+                        <a:srgbClr val="FFFFFF"/>
+                      </a:gs>
+                      <a:gs pos="100000">
+                        <a:srgbClr val="FFFFFF"/>
+                      </a:gs>
+                    </a:gsLst>
+                    <a:lin ang="5400000" scaled="0"/>
+                  </a:gradFill>
+                  <a:ea typeface="Segoe UI" pitchFamily="34" charset="0"/>
+                  <a:cs typeface="Segoe UI" pitchFamily="34" charset="0"/>
+                </a:rPr>
+                <a:t>X</a:t>
+              </a:r>
+            </a:p>
+          </p:txBody>
+        </p:sp>
+        <p:sp>
+          <p:nvSpPr>
+            <p:cNvPr id="57" name="Rectangle 56">
+              <a:extLst>
+                <a:ext uri="{FF2B5EF4-FFF2-40B4-BE49-F238E27FC236}">
+                  <a16:creationId xmlns:a16="http://schemas.microsoft.com/office/drawing/2014/main" id="{CD5C1549-B7E1-47C7-BC5F-445D64617D49}"/>
+                </a:ext>
+              </a:extLst>
+            </p:cNvPr>
+            <p:cNvSpPr/>
+            <p:nvPr/>
+          </p:nvSpPr>
+          <p:spPr bwMode="auto">
+            <a:xfrm>
+              <a:off x="1410000" y="1237886"/>
+              <a:ext cx="2986570" cy="2137774"/>
+            </a:xfrm>
+            <a:prstGeom prst="rect">
+              <a:avLst/>
+            </a:prstGeom>
+            <a:solidFill>
+              <a:schemeClr val="tx1"/>
+            </a:solidFill>
+            <a:ln>
+              <a:solidFill>
+                <a:srgbClr val="0070C0"/>
+              </a:solidFill>
+              <a:headEnd type="none" w="med" len="med"/>
+              <a:tailEnd type="none" w="med" len="med"/>
+            </a:ln>
+            <a:effectLst/>
+          </p:spPr>
+          <p:style>
+            <a:lnRef idx="1">
+              <a:schemeClr val="accent2"/>
+            </a:lnRef>
+            <a:fillRef idx="3">
+              <a:schemeClr val="accent2"/>
+            </a:fillRef>
+            <a:effectRef idx="2">
+              <a:schemeClr val="accent2"/>
+            </a:effectRef>
+            <a:fontRef idx="minor">
+              <a:schemeClr val="lt1"/>
+            </a:fontRef>
+          </p:style>
+          <p:txBody>
+            <a:bodyPr rot="0" spcFirstLastPara="0" vertOverflow="overflow" horzOverflow="overflow" vert="horz" wrap="square" lIns="36000" tIns="72000" rIns="0" bIns="0" numCol="1" spcCol="0" rtlCol="0" fromWordArt="0" anchor="ctr" anchorCtr="0" forceAA="0" compatLnSpc="1">
+              <a:prstTxWarp prst="textNoShape">
+                <a:avLst/>
+              </a:prstTxWarp>
+              <a:noAutofit/>
+            </a:bodyPr>
+            <a:lstStyle/>
+            <a:p>
+              <a:pPr defTabSz="932472" fontAlgn="base">
+                <a:lnSpc>
+                  <a:spcPct val="90000"/>
+                </a:lnSpc>
+                <a:spcBef>
+                  <a:spcPct val="0"/>
+                </a:spcBef>
+                <a:spcAft>
+                  <a:spcPct val="0"/>
+                </a:spcAft>
+              </a:pPr>
+              <a:r>
+                <a:rPr lang="en-CA" sz="900" b="1" dirty="0">
+                  <a:solidFill>
+                    <a:srgbClr val="0070C0"/>
+                  </a:solidFill>
+                  <a:ea typeface="Segoe UI" pitchFamily="34" charset="0"/>
+                  <a:cs typeface="Segoe UI" pitchFamily="34" charset="0"/>
+                </a:rPr>
+                <a:t>X</a:t>
+              </a:r>
+            </a:p>
+            <a:p>
+              <a:pPr marL="269875" lvl="1" indent="-93663" defTabSz="932472" fontAlgn="base">
+                <a:lnSpc>
+                  <a:spcPct val="90000"/>
+                </a:lnSpc>
+                <a:spcBef>
+                  <a:spcPct val="0"/>
+                </a:spcBef>
+                <a:spcAft>
+                  <a:spcPct val="0"/>
+                </a:spcAft>
+                <a:buFont typeface="Arial" panose="020B0604020202020204" pitchFamily="34" charset="0"/>
+                <a:buChar char="•"/>
+              </a:pPr>
+              <a:r>
+                <a:rPr lang="en-CA" sz="800" dirty="0">
+                  <a:solidFill>
+                    <a:srgbClr val="0070C0"/>
+                  </a:solidFill>
+                  <a:cs typeface="Segoe UI" pitchFamily="34" charset="0"/>
+                </a:rPr>
+                <a:t>X</a:t>
+              </a:r>
+            </a:p>
+          </p:txBody>
+        </p:sp>
+      </p:grpSp>
+      <p:grpSp>
+        <p:nvGrpSpPr>
+          <p:cNvPr id="58" name="Group 57">
+            <a:extLst>
+              <a:ext uri="{FF2B5EF4-FFF2-40B4-BE49-F238E27FC236}">
+                <a16:creationId xmlns:a16="http://schemas.microsoft.com/office/drawing/2014/main" id="{49C5C93F-664E-4570-BA2F-F73494718CFE}"/>
+              </a:ext>
+            </a:extLst>
+          </p:cNvPr>
+          <p:cNvGrpSpPr/>
+          <p:nvPr/>
+        </p:nvGrpSpPr>
+        <p:grpSpPr>
+          <a:xfrm>
+            <a:off x="11009868" y="11615099"/>
+            <a:ext cx="2986571" cy="2496297"/>
+            <a:chOff x="4520351" y="881287"/>
+            <a:chExt cx="2986571" cy="2496297"/>
+          </a:xfrm>
+        </p:grpSpPr>
+        <p:sp>
+          <p:nvSpPr>
+            <p:cNvPr id="59" name="Rectangle: Rounded Corners 58">
+              <a:extLst>
+                <a:ext uri="{FF2B5EF4-FFF2-40B4-BE49-F238E27FC236}">
+                  <a16:creationId xmlns:a16="http://schemas.microsoft.com/office/drawing/2014/main" id="{2253A917-36E9-4895-ACF5-D51AAAB85800}"/>
+                </a:ext>
+              </a:extLst>
+            </p:cNvPr>
+            <p:cNvSpPr/>
+            <p:nvPr/>
+          </p:nvSpPr>
+          <p:spPr bwMode="auto">
+            <a:xfrm>
+              <a:off x="4520351" y="881287"/>
+              <a:ext cx="2986571" cy="419904"/>
+            </a:xfrm>
+            <a:prstGeom prst="roundRect">
+              <a:avLst/>
+            </a:prstGeom>
+            <a:solidFill>
+              <a:srgbClr val="0070C0"/>
+            </a:solidFill>
+            <a:ln>
+              <a:solidFill>
+                <a:srgbClr val="0070C0"/>
+              </a:solidFill>
+              <a:headEnd type="none" w="med" len="med"/>
+              <a:tailEnd type="none" w="med" len="med"/>
+            </a:ln>
+            <a:effectLst/>
+          </p:spPr>
+          <p:style>
+            <a:lnRef idx="1">
+              <a:schemeClr val="accent2"/>
+            </a:lnRef>
+            <a:fillRef idx="3">
+              <a:schemeClr val="accent2"/>
+            </a:fillRef>
+            <a:effectRef idx="2">
+              <a:schemeClr val="accent2"/>
+            </a:effectRef>
+            <a:fontRef idx="minor">
+              <a:schemeClr val="lt1"/>
+            </a:fontRef>
+          </p:style>
+          <p:txBody>
+            <a:bodyPr rot="0" spcFirstLastPara="0" vertOverflow="overflow" horzOverflow="overflow" vert="horz" wrap="square" lIns="0" tIns="0" rIns="0" bIns="0" numCol="1" spcCol="0" rtlCol="0" fromWordArt="0" anchor="ctr" anchorCtr="0" forceAA="0" compatLnSpc="1">
+              <a:prstTxWarp prst="textNoShape">
+                <a:avLst/>
+              </a:prstTxWarp>
+              <a:noAutofit/>
+            </a:bodyPr>
+            <a:lstStyle/>
+            <a:p>
+              <a:pPr algn="ctr" defTabSz="932472" fontAlgn="base">
+                <a:lnSpc>
+                  <a:spcPct val="90000"/>
+                </a:lnSpc>
+                <a:spcBef>
+                  <a:spcPct val="0"/>
+                </a:spcBef>
+                <a:spcAft>
+                  <a:spcPct val="0"/>
+                </a:spcAft>
+              </a:pPr>
+              <a:r>
+                <a:rPr lang="en-CA" sz="1600" dirty="0">
+                  <a:gradFill>
+                    <a:gsLst>
+                      <a:gs pos="0">
+                        <a:srgbClr val="FFFFFF"/>
+                      </a:gs>
+                      <a:gs pos="100000">
+                        <a:srgbClr val="FFFFFF"/>
+                      </a:gs>
+                    </a:gsLst>
+                    <a:lin ang="5400000" scaled="0"/>
+                  </a:gradFill>
+                  <a:ea typeface="Segoe UI" pitchFamily="34" charset="0"/>
+                  <a:cs typeface="Segoe UI" pitchFamily="34" charset="0"/>
+                </a:rPr>
+                <a:t>XX</a:t>
+              </a:r>
+            </a:p>
+          </p:txBody>
+        </p:sp>
+        <p:sp>
+          <p:nvSpPr>
+            <p:cNvPr id="60" name="Rectangle 59">
+              <a:extLst>
+                <a:ext uri="{FF2B5EF4-FFF2-40B4-BE49-F238E27FC236}">
+                  <a16:creationId xmlns:a16="http://schemas.microsoft.com/office/drawing/2014/main" id="{883CC65F-880C-4D38-9BA9-ACE002C14391}"/>
+                </a:ext>
+              </a:extLst>
+            </p:cNvPr>
+            <p:cNvSpPr/>
+            <p:nvPr/>
+          </p:nvSpPr>
+          <p:spPr bwMode="auto">
+            <a:xfrm>
+              <a:off x="4520352" y="1237886"/>
+              <a:ext cx="2986570" cy="2139698"/>
+            </a:xfrm>
+            <a:prstGeom prst="rect">
+              <a:avLst/>
+            </a:prstGeom>
+            <a:solidFill>
+              <a:schemeClr val="tx1"/>
+            </a:solidFill>
+            <a:ln>
+              <a:solidFill>
+                <a:srgbClr val="0070C0"/>
+              </a:solidFill>
+              <a:headEnd type="none" w="med" len="med"/>
+              <a:tailEnd type="none" w="med" len="med"/>
+            </a:ln>
+            <a:effectLst/>
+          </p:spPr>
+          <p:style>
+            <a:lnRef idx="1">
+              <a:schemeClr val="accent2"/>
+            </a:lnRef>
+            <a:fillRef idx="3">
+              <a:schemeClr val="accent2"/>
+            </a:fillRef>
+            <a:effectRef idx="2">
+              <a:schemeClr val="accent2"/>
+            </a:effectRef>
+            <a:fontRef idx="minor">
+              <a:schemeClr val="lt1"/>
+            </a:fontRef>
+          </p:style>
+          <p:txBody>
+            <a:bodyPr rot="0" spcFirstLastPara="0" vertOverflow="overflow" horzOverflow="overflow" vert="horz" wrap="square" lIns="36000" tIns="72000" rIns="0" bIns="0" numCol="1" spcCol="0" rtlCol="0" fromWordArt="0" anchor="ctr" anchorCtr="0" forceAA="0" compatLnSpc="1">
+              <a:prstTxWarp prst="textNoShape">
+                <a:avLst/>
+              </a:prstTxWarp>
+              <a:noAutofit/>
+            </a:bodyPr>
+            <a:lstStyle/>
+            <a:p>
+              <a:pPr defTabSz="932472" fontAlgn="base">
+                <a:lnSpc>
+                  <a:spcPct val="90000"/>
+                </a:lnSpc>
+                <a:spcBef>
+                  <a:spcPct val="0"/>
+                </a:spcBef>
+                <a:spcAft>
+                  <a:spcPct val="0"/>
+                </a:spcAft>
+              </a:pPr>
+              <a:r>
+                <a:rPr lang="en-CA" sz="900" b="1" dirty="0">
+                  <a:solidFill>
+                    <a:srgbClr val="0070C0"/>
+                  </a:solidFill>
+                  <a:ea typeface="Segoe UI" pitchFamily="34" charset="0"/>
+                  <a:cs typeface="Segoe UI" pitchFamily="34" charset="0"/>
+                </a:rPr>
+                <a:t>X</a:t>
+              </a:r>
+            </a:p>
+            <a:p>
+              <a:pPr marL="269875" lvl="1" indent="-93663" defTabSz="932472" fontAlgn="base">
+                <a:lnSpc>
+                  <a:spcPct val="90000"/>
+                </a:lnSpc>
+                <a:spcBef>
+                  <a:spcPct val="0"/>
+                </a:spcBef>
+                <a:spcAft>
+                  <a:spcPct val="0"/>
+                </a:spcAft>
+                <a:buFont typeface="Arial" panose="020B0604020202020204" pitchFamily="34" charset="0"/>
+                <a:buChar char="•"/>
+              </a:pPr>
+              <a:r>
+                <a:rPr lang="en-CA" sz="800" dirty="0">
+                  <a:solidFill>
+                    <a:srgbClr val="0070C0"/>
+                  </a:solidFill>
+                  <a:ea typeface="Segoe UI" pitchFamily="34" charset="0"/>
+                  <a:cs typeface="Segoe UI" pitchFamily="34" charset="0"/>
+                </a:rPr>
+                <a:t>X</a:t>
+              </a:r>
+              <a:endParaRPr lang="en-CA" sz="900" dirty="0">
+                <a:solidFill>
+                  <a:srgbClr val="0070C0"/>
+                </a:solidFill>
+                <a:ea typeface="Segoe UI" pitchFamily="34" charset="0"/>
+                <a:cs typeface="Segoe UI" pitchFamily="34" charset="0"/>
+              </a:endParaRPr>
+            </a:p>
+          </p:txBody>
+        </p:sp>
+      </p:grpSp>
+      <p:sp>
+        <p:nvSpPr>
+          <p:cNvPr id="61" name="Rectangle 60">
+            <a:extLst>
+              <a:ext uri="{FF2B5EF4-FFF2-40B4-BE49-F238E27FC236}">
+                <a16:creationId xmlns:a16="http://schemas.microsoft.com/office/drawing/2014/main" id="{533535A6-0C07-41A6-8039-DAF1AA4D0935}"/>
+              </a:ext>
+            </a:extLst>
+          </p:cNvPr>
+          <p:cNvSpPr/>
+          <p:nvPr/>
+        </p:nvSpPr>
+        <p:spPr bwMode="auto">
+          <a:xfrm>
+            <a:off x="673331" y="11182470"/>
+            <a:ext cx="6314696" cy="522356"/>
+          </a:xfrm>
+          <a:prstGeom prst="rect">
+            <a:avLst/>
+          </a:prstGeom>
+          <a:solidFill>
+            <a:srgbClr val="002060"/>
+          </a:solidFill>
+          <a:ln>
+            <a:noFill/>
+            <a:headEnd type="none" w="med" len="med"/>
+            <a:tailEnd type="none" w="med" len="med"/>
+          </a:ln>
+          <a:effectLst/>
+        </p:spPr>
+        <p:style>
+          <a:lnRef idx="1">
+            <a:schemeClr val="accent2"/>
+          </a:lnRef>
+          <a:fillRef idx="3">
+            <a:schemeClr val="accent2"/>
+          </a:fillRef>
+          <a:effectRef idx="2">
+            <a:schemeClr val="accent2"/>
+          </a:effectRef>
+          <a:fontRef idx="minor">
+            <a:schemeClr val="lt1"/>
+          </a:fontRef>
+        </p:style>
+        <p:txBody>
+          <a:bodyPr rot="0" spcFirstLastPara="0" vertOverflow="overflow" horzOverflow="overflow" vert="horz" wrap="square" lIns="0" tIns="72000" rIns="0" bIns="146304" numCol="1" spcCol="0" rtlCol="0" fromWordArt="0" anchor="t" anchorCtr="0" forceAA="0" compatLnSpc="1">
+            <a:prstTxWarp prst="textNoShape">
+              <a:avLst/>
+            </a:prstTxWarp>
+            <a:noAutofit/>
+          </a:bodyPr>
+          <a:lstStyle/>
+          <a:p>
+            <a:pPr algn="ctr" defTabSz="932472" fontAlgn="base">
+              <a:lnSpc>
+                <a:spcPct val="90000"/>
+              </a:lnSpc>
+              <a:spcBef>
+                <a:spcPct val="0"/>
+              </a:spcBef>
+              <a:spcAft>
+                <a:spcPct val="0"/>
+              </a:spcAft>
+            </a:pPr>
+            <a:r>
+              <a:rPr lang="en-CA" sz="2400" dirty="0">
+                <a:gradFill>
+                  <a:gsLst>
+                    <a:gs pos="0">
+                      <a:srgbClr val="FFFFFF"/>
+                    </a:gs>
+                    <a:gs pos="100000">
+                      <a:srgbClr val="FFFFFF"/>
+                    </a:gs>
+                  </a:gsLst>
+                  <a:lin ang="5400000" scaled="0"/>
+                </a:gradFill>
+                <a:ea typeface="Segoe UI" pitchFamily="34" charset="0"/>
+                <a:cs typeface="Segoe UI" pitchFamily="34" charset="0"/>
+              </a:rPr>
+              <a:t>Monitoring and Logging</a:t>
+            </a:r>
+          </a:p>
+        </p:txBody>
+      </p:sp>
+      <p:grpSp>
+        <p:nvGrpSpPr>
+          <p:cNvPr id="62" name="Group 61">
+            <a:extLst>
+              <a:ext uri="{FF2B5EF4-FFF2-40B4-BE49-F238E27FC236}">
+                <a16:creationId xmlns:a16="http://schemas.microsoft.com/office/drawing/2014/main" id="{6FDE472B-FBEE-447B-87DB-D96C47E18AEF}"/>
+              </a:ext>
+            </a:extLst>
+          </p:cNvPr>
+          <p:cNvGrpSpPr/>
+          <p:nvPr/>
+        </p:nvGrpSpPr>
+        <p:grpSpPr>
+          <a:xfrm>
+            <a:off x="756336" y="11704826"/>
+            <a:ext cx="2986571" cy="2494372"/>
+            <a:chOff x="1409999" y="881288"/>
+            <a:chExt cx="2986571" cy="2494372"/>
+          </a:xfrm>
+        </p:grpSpPr>
+        <p:sp>
+          <p:nvSpPr>
+            <p:cNvPr id="63" name="Rectangle: Rounded Corners 62">
+              <a:extLst>
+                <a:ext uri="{FF2B5EF4-FFF2-40B4-BE49-F238E27FC236}">
+                  <a16:creationId xmlns:a16="http://schemas.microsoft.com/office/drawing/2014/main" id="{4931DEAB-50B7-4EFB-BC18-8F5AC8884902}"/>
+                </a:ext>
+              </a:extLst>
+            </p:cNvPr>
+            <p:cNvSpPr/>
+            <p:nvPr/>
+          </p:nvSpPr>
+          <p:spPr bwMode="auto">
+            <a:xfrm>
+              <a:off x="1409999" y="881288"/>
+              <a:ext cx="2986571" cy="419904"/>
+            </a:xfrm>
+            <a:prstGeom prst="roundRect">
+              <a:avLst/>
+            </a:prstGeom>
+            <a:solidFill>
+              <a:srgbClr val="0070C0"/>
+            </a:solidFill>
+            <a:ln>
+              <a:solidFill>
+                <a:srgbClr val="0070C0"/>
+              </a:solidFill>
+              <a:headEnd type="none" w="med" len="med"/>
+              <a:tailEnd type="none" w="med" len="med"/>
+            </a:ln>
+            <a:effectLst/>
+          </p:spPr>
+          <p:style>
+            <a:lnRef idx="1">
+              <a:schemeClr val="accent2"/>
+            </a:lnRef>
+            <a:fillRef idx="3">
+              <a:schemeClr val="accent2"/>
+            </a:fillRef>
+            <a:effectRef idx="2">
+              <a:schemeClr val="accent2"/>
+            </a:effectRef>
+            <a:fontRef idx="minor">
+              <a:schemeClr val="lt1"/>
+            </a:fontRef>
+          </p:style>
+          <p:txBody>
+            <a:bodyPr rot="0" spcFirstLastPara="0" vertOverflow="overflow" horzOverflow="overflow" vert="horz" wrap="square" lIns="0" tIns="0" rIns="0" bIns="0" numCol="1" spcCol="0" rtlCol="0" fromWordArt="0" anchor="ctr" anchorCtr="0" forceAA="0" compatLnSpc="1">
+              <a:prstTxWarp prst="textNoShape">
+                <a:avLst/>
+              </a:prstTxWarp>
+              <a:noAutofit/>
+            </a:bodyPr>
+            <a:lstStyle/>
+            <a:p>
+              <a:pPr algn="ctr" defTabSz="932472" fontAlgn="base">
+                <a:lnSpc>
+                  <a:spcPct val="90000"/>
+                </a:lnSpc>
+                <a:spcBef>
+                  <a:spcPct val="0"/>
+                </a:spcBef>
+                <a:spcAft>
+                  <a:spcPct val="0"/>
+                </a:spcAft>
+              </a:pPr>
+              <a:r>
+                <a:rPr lang="en-CA" sz="1600" dirty="0">
+                  <a:gradFill>
+                    <a:gsLst>
+                      <a:gs pos="0">
+                        <a:srgbClr val="FFFFFF"/>
+                      </a:gs>
+                      <a:gs pos="100000">
+                        <a:srgbClr val="FFFFFF"/>
+                      </a:gs>
+                    </a:gsLst>
+                    <a:lin ang="5400000" scaled="0"/>
+                  </a:gradFill>
+                  <a:ea typeface="Segoe UI" pitchFamily="34" charset="0"/>
+                  <a:cs typeface="Segoe UI" pitchFamily="34" charset="0"/>
+                </a:rPr>
+                <a:t>X</a:t>
+              </a:r>
+            </a:p>
+          </p:txBody>
+        </p:sp>
+        <p:sp>
+          <p:nvSpPr>
+            <p:cNvPr id="64" name="Rectangle 63">
+              <a:extLst>
+                <a:ext uri="{FF2B5EF4-FFF2-40B4-BE49-F238E27FC236}">
+                  <a16:creationId xmlns:a16="http://schemas.microsoft.com/office/drawing/2014/main" id="{51F7D08C-343D-4328-A769-C1A57120D084}"/>
+                </a:ext>
+              </a:extLst>
+            </p:cNvPr>
+            <p:cNvSpPr/>
+            <p:nvPr/>
+          </p:nvSpPr>
+          <p:spPr bwMode="auto">
+            <a:xfrm>
+              <a:off x="1410000" y="1237886"/>
+              <a:ext cx="2986570" cy="2137774"/>
+            </a:xfrm>
+            <a:prstGeom prst="rect">
+              <a:avLst/>
+            </a:prstGeom>
+            <a:solidFill>
+              <a:schemeClr val="tx1"/>
+            </a:solidFill>
+            <a:ln>
+              <a:solidFill>
+                <a:srgbClr val="0070C0"/>
+              </a:solidFill>
+              <a:headEnd type="none" w="med" len="med"/>
+              <a:tailEnd type="none" w="med" len="med"/>
+            </a:ln>
+            <a:effectLst/>
+          </p:spPr>
+          <p:style>
+            <a:lnRef idx="1">
+              <a:schemeClr val="accent2"/>
+            </a:lnRef>
+            <a:fillRef idx="3">
+              <a:schemeClr val="accent2"/>
+            </a:fillRef>
+            <a:effectRef idx="2">
+              <a:schemeClr val="accent2"/>
+            </a:effectRef>
+            <a:fontRef idx="minor">
+              <a:schemeClr val="lt1"/>
+            </a:fontRef>
+          </p:style>
+          <p:txBody>
+            <a:bodyPr rot="0" spcFirstLastPara="0" vertOverflow="overflow" horzOverflow="overflow" vert="horz" wrap="square" lIns="36000" tIns="72000" rIns="0" bIns="0" numCol="1" spcCol="0" rtlCol="0" fromWordArt="0" anchor="ctr" anchorCtr="0" forceAA="0" compatLnSpc="1">
+              <a:prstTxWarp prst="textNoShape">
+                <a:avLst/>
+              </a:prstTxWarp>
+              <a:noAutofit/>
+            </a:bodyPr>
+            <a:lstStyle/>
+            <a:p>
+              <a:pPr defTabSz="932472" fontAlgn="base">
+                <a:lnSpc>
+                  <a:spcPct val="90000"/>
+                </a:lnSpc>
+                <a:spcBef>
+                  <a:spcPct val="0"/>
+                </a:spcBef>
+                <a:spcAft>
+                  <a:spcPct val="0"/>
+                </a:spcAft>
+              </a:pPr>
+              <a:r>
+                <a:rPr lang="en-CA" sz="900" b="1" dirty="0">
+                  <a:solidFill>
+                    <a:srgbClr val="0070C0"/>
+                  </a:solidFill>
+                  <a:ea typeface="Segoe UI" pitchFamily="34" charset="0"/>
+                  <a:cs typeface="Segoe UI" pitchFamily="34" charset="0"/>
+                </a:rPr>
+                <a:t>X</a:t>
+              </a:r>
+            </a:p>
+            <a:p>
+              <a:pPr marL="269875" lvl="1" indent="-93663" defTabSz="932472" fontAlgn="base">
+                <a:lnSpc>
+                  <a:spcPct val="90000"/>
+                </a:lnSpc>
+                <a:spcBef>
+                  <a:spcPct val="0"/>
+                </a:spcBef>
+                <a:spcAft>
+                  <a:spcPct val="0"/>
+                </a:spcAft>
+                <a:buFont typeface="Arial" panose="020B0604020202020204" pitchFamily="34" charset="0"/>
+                <a:buChar char="•"/>
+              </a:pPr>
+              <a:r>
+                <a:rPr lang="en-CA" sz="800" dirty="0">
+                  <a:solidFill>
+                    <a:srgbClr val="0070C0"/>
+                  </a:solidFill>
+                  <a:cs typeface="Segoe UI" pitchFamily="34" charset="0"/>
+                </a:rPr>
+                <a:t>X</a:t>
+              </a:r>
+            </a:p>
+          </p:txBody>
+        </p:sp>
+      </p:grpSp>
+      <p:grpSp>
+        <p:nvGrpSpPr>
+          <p:cNvPr id="65" name="Group 64">
+            <a:extLst>
+              <a:ext uri="{FF2B5EF4-FFF2-40B4-BE49-F238E27FC236}">
+                <a16:creationId xmlns:a16="http://schemas.microsoft.com/office/drawing/2014/main" id="{B4A806D5-0892-438E-BCBC-547AAAE5BAA0}"/>
+              </a:ext>
+            </a:extLst>
+          </p:cNvPr>
+          <p:cNvGrpSpPr/>
+          <p:nvPr/>
+        </p:nvGrpSpPr>
+        <p:grpSpPr>
+          <a:xfrm>
+            <a:off x="3922290" y="11704826"/>
+            <a:ext cx="2986571" cy="2496297"/>
+            <a:chOff x="4520351" y="881287"/>
+            <a:chExt cx="2986571" cy="2496297"/>
+          </a:xfrm>
+        </p:grpSpPr>
+        <p:sp>
+          <p:nvSpPr>
+            <p:cNvPr id="66" name="Rectangle: Rounded Corners 65">
+              <a:extLst>
+                <a:ext uri="{FF2B5EF4-FFF2-40B4-BE49-F238E27FC236}">
+                  <a16:creationId xmlns:a16="http://schemas.microsoft.com/office/drawing/2014/main" id="{CFD18988-FE7F-4442-A735-DAFFB22514EC}"/>
+                </a:ext>
+              </a:extLst>
+            </p:cNvPr>
+            <p:cNvSpPr/>
+            <p:nvPr/>
+          </p:nvSpPr>
+          <p:spPr bwMode="auto">
+            <a:xfrm>
+              <a:off x="4520351" y="881287"/>
+              <a:ext cx="2986571" cy="419904"/>
+            </a:xfrm>
+            <a:prstGeom prst="roundRect">
+              <a:avLst/>
+            </a:prstGeom>
+            <a:solidFill>
+              <a:srgbClr val="0070C0"/>
+            </a:solidFill>
+            <a:ln>
+              <a:solidFill>
+                <a:srgbClr val="0070C0"/>
+              </a:solidFill>
+              <a:headEnd type="none" w="med" len="med"/>
+              <a:tailEnd type="none" w="med" len="med"/>
+            </a:ln>
+            <a:effectLst/>
+          </p:spPr>
+          <p:style>
+            <a:lnRef idx="1">
+              <a:schemeClr val="accent2"/>
+            </a:lnRef>
+            <a:fillRef idx="3">
+              <a:schemeClr val="accent2"/>
+            </a:fillRef>
+            <a:effectRef idx="2">
+              <a:schemeClr val="accent2"/>
+            </a:effectRef>
+            <a:fontRef idx="minor">
+              <a:schemeClr val="lt1"/>
+            </a:fontRef>
+          </p:style>
+          <p:txBody>
+            <a:bodyPr rot="0" spcFirstLastPara="0" vertOverflow="overflow" horzOverflow="overflow" vert="horz" wrap="square" lIns="0" tIns="0" rIns="0" bIns="0" numCol="1" spcCol="0" rtlCol="0" fromWordArt="0" anchor="ctr" anchorCtr="0" forceAA="0" compatLnSpc="1">
+              <a:prstTxWarp prst="textNoShape">
+                <a:avLst/>
+              </a:prstTxWarp>
+              <a:noAutofit/>
+            </a:bodyPr>
+            <a:lstStyle/>
+            <a:p>
+              <a:pPr algn="ctr" defTabSz="932472" fontAlgn="base">
+                <a:lnSpc>
+                  <a:spcPct val="90000"/>
+                </a:lnSpc>
+                <a:spcBef>
+                  <a:spcPct val="0"/>
+                </a:spcBef>
+                <a:spcAft>
+                  <a:spcPct val="0"/>
+                </a:spcAft>
+              </a:pPr>
+              <a:r>
+                <a:rPr lang="en-CA" sz="1600" dirty="0">
+                  <a:gradFill>
+                    <a:gsLst>
+                      <a:gs pos="0">
+                        <a:srgbClr val="FFFFFF"/>
+                      </a:gs>
+                      <a:gs pos="100000">
+                        <a:srgbClr val="FFFFFF"/>
+                      </a:gs>
+                    </a:gsLst>
+                    <a:lin ang="5400000" scaled="0"/>
+                  </a:gradFill>
+                  <a:ea typeface="Segoe UI" pitchFamily="34" charset="0"/>
+                  <a:cs typeface="Segoe UI" pitchFamily="34" charset="0"/>
+                </a:rPr>
+                <a:t>XX</a:t>
+              </a:r>
+            </a:p>
+          </p:txBody>
+        </p:sp>
+        <p:sp>
+          <p:nvSpPr>
+            <p:cNvPr id="67" name="Rectangle 66">
+              <a:extLst>
+                <a:ext uri="{FF2B5EF4-FFF2-40B4-BE49-F238E27FC236}">
+                  <a16:creationId xmlns:a16="http://schemas.microsoft.com/office/drawing/2014/main" id="{6C234B1F-8872-44AC-97BE-44AC46A01BF3}"/>
+                </a:ext>
+              </a:extLst>
+            </p:cNvPr>
+            <p:cNvSpPr/>
+            <p:nvPr/>
+          </p:nvSpPr>
+          <p:spPr bwMode="auto">
+            <a:xfrm>
+              <a:off x="4520352" y="1237886"/>
+              <a:ext cx="2986570" cy="2139698"/>
+            </a:xfrm>
+            <a:prstGeom prst="rect">
+              <a:avLst/>
+            </a:prstGeom>
+            <a:solidFill>
+              <a:schemeClr val="tx1"/>
+            </a:solidFill>
+            <a:ln>
+              <a:solidFill>
+                <a:srgbClr val="0070C0"/>
+              </a:solidFill>
+              <a:headEnd type="none" w="med" len="med"/>
+              <a:tailEnd type="none" w="med" len="med"/>
+            </a:ln>
+            <a:effectLst/>
+          </p:spPr>
+          <p:style>
+            <a:lnRef idx="1">
+              <a:schemeClr val="accent2"/>
+            </a:lnRef>
+            <a:fillRef idx="3">
+              <a:schemeClr val="accent2"/>
+            </a:fillRef>
+            <a:effectRef idx="2">
+              <a:schemeClr val="accent2"/>
+            </a:effectRef>
+            <a:fontRef idx="minor">
+              <a:schemeClr val="lt1"/>
+            </a:fontRef>
+          </p:style>
+          <p:txBody>
+            <a:bodyPr rot="0" spcFirstLastPara="0" vertOverflow="overflow" horzOverflow="overflow" vert="horz" wrap="square" lIns="36000" tIns="72000" rIns="0" bIns="0" numCol="1" spcCol="0" rtlCol="0" fromWordArt="0" anchor="ctr" anchorCtr="0" forceAA="0" compatLnSpc="1">
+              <a:prstTxWarp prst="textNoShape">
+                <a:avLst/>
+              </a:prstTxWarp>
+              <a:noAutofit/>
+            </a:bodyPr>
+            <a:lstStyle/>
+            <a:p>
+              <a:pPr defTabSz="932472" fontAlgn="base">
+                <a:lnSpc>
+                  <a:spcPct val="90000"/>
+                </a:lnSpc>
+                <a:spcBef>
+                  <a:spcPct val="0"/>
+                </a:spcBef>
+                <a:spcAft>
+                  <a:spcPct val="0"/>
+                </a:spcAft>
+              </a:pPr>
+              <a:r>
+                <a:rPr lang="en-CA" sz="900" b="1" dirty="0">
+                  <a:solidFill>
+                    <a:srgbClr val="0070C0"/>
+                  </a:solidFill>
+                  <a:ea typeface="Segoe UI" pitchFamily="34" charset="0"/>
+                  <a:cs typeface="Segoe UI" pitchFamily="34" charset="0"/>
+                </a:rPr>
+                <a:t>X</a:t>
+              </a:r>
+            </a:p>
+            <a:p>
+              <a:pPr marL="269875" lvl="1" indent="-93663" defTabSz="932472" fontAlgn="base">
+                <a:lnSpc>
+                  <a:spcPct val="90000"/>
+                </a:lnSpc>
+                <a:spcBef>
+                  <a:spcPct val="0"/>
+                </a:spcBef>
+                <a:spcAft>
+                  <a:spcPct val="0"/>
+                </a:spcAft>
+                <a:buFont typeface="Arial" panose="020B0604020202020204" pitchFamily="34" charset="0"/>
+                <a:buChar char="•"/>
+              </a:pPr>
+              <a:r>
+                <a:rPr lang="en-CA" sz="800" dirty="0">
+                  <a:solidFill>
+                    <a:srgbClr val="0070C0"/>
+                  </a:solidFill>
+                  <a:ea typeface="Segoe UI" pitchFamily="34" charset="0"/>
+                  <a:cs typeface="Segoe UI" pitchFamily="34" charset="0"/>
+                </a:rPr>
+                <a:t>X</a:t>
+              </a:r>
+              <a:endParaRPr lang="en-CA" sz="900" dirty="0">
+                <a:solidFill>
+                  <a:srgbClr val="0070C0"/>
+                </a:solidFill>
+                <a:ea typeface="Segoe UI" pitchFamily="34" charset="0"/>
+                <a:cs typeface="Segoe UI" pitchFamily="34" charset="0"/>
+              </a:endParaRPr>
+            </a:p>
+          </p:txBody>
+        </p:sp>
+      </p:grpSp>
+      <p:sp>
+        <p:nvSpPr>
+          <p:cNvPr id="68" name="Rectangle 67">
+            <a:extLst>
+              <a:ext uri="{FF2B5EF4-FFF2-40B4-BE49-F238E27FC236}">
+                <a16:creationId xmlns:a16="http://schemas.microsoft.com/office/drawing/2014/main" id="{D51AAE07-9842-44FD-9426-B949B79DEE77}"/>
+              </a:ext>
+            </a:extLst>
+          </p:cNvPr>
+          <p:cNvSpPr/>
+          <p:nvPr/>
+        </p:nvSpPr>
+        <p:spPr bwMode="auto">
+          <a:xfrm>
+            <a:off x="15068929" y="461806"/>
+            <a:ext cx="6314696" cy="522356"/>
+          </a:xfrm>
+          <a:prstGeom prst="rect">
+            <a:avLst/>
+          </a:prstGeom>
+          <a:solidFill>
+            <a:srgbClr val="002060"/>
+          </a:solidFill>
+          <a:ln>
+            <a:noFill/>
+            <a:headEnd type="none" w="med" len="med"/>
+            <a:tailEnd type="none" w="med" len="med"/>
+          </a:ln>
+          <a:effectLst/>
+        </p:spPr>
+        <p:style>
+          <a:lnRef idx="1">
+            <a:schemeClr val="accent2"/>
+          </a:lnRef>
+          <a:fillRef idx="3">
+            <a:schemeClr val="accent2"/>
+          </a:fillRef>
+          <a:effectRef idx="2">
+            <a:schemeClr val="accent2"/>
+          </a:effectRef>
+          <a:fontRef idx="minor">
+            <a:schemeClr val="lt1"/>
+          </a:fontRef>
+        </p:style>
+        <p:txBody>
+          <a:bodyPr rot="0" spcFirstLastPara="0" vertOverflow="overflow" horzOverflow="overflow" vert="horz" wrap="square" lIns="0" tIns="72000" rIns="0" bIns="146304" numCol="1" spcCol="0" rtlCol="0" fromWordArt="0" anchor="t" anchorCtr="0" forceAA="0" compatLnSpc="1">
+            <a:prstTxWarp prst="textNoShape">
+              <a:avLst/>
+            </a:prstTxWarp>
+            <a:noAutofit/>
+          </a:bodyPr>
+          <a:lstStyle/>
+          <a:p>
+            <a:pPr algn="ctr" defTabSz="932472" fontAlgn="base">
+              <a:lnSpc>
+                <a:spcPct val="90000"/>
+              </a:lnSpc>
+              <a:spcBef>
+                <a:spcPct val="0"/>
+              </a:spcBef>
+              <a:spcAft>
+                <a:spcPct val="0"/>
+              </a:spcAft>
+            </a:pPr>
+            <a:r>
+              <a:rPr lang="en-CA" sz="2400" dirty="0">
+                <a:gradFill>
+                  <a:gsLst>
+                    <a:gs pos="0">
+                      <a:srgbClr val="FFFFFF"/>
+                    </a:gs>
+                    <a:gs pos="100000">
+                      <a:srgbClr val="FFFFFF"/>
+                    </a:gs>
+                  </a:gsLst>
+                  <a:lin ang="5400000" scaled="0"/>
+                </a:gradFill>
+                <a:ea typeface="Segoe UI" pitchFamily="34" charset="0"/>
+                <a:cs typeface="Segoe UI" pitchFamily="34" charset="0"/>
+              </a:rPr>
+              <a:t>Governance and Policies</a:t>
+            </a:r>
+          </a:p>
+        </p:txBody>
+      </p:sp>
+      <p:grpSp>
+        <p:nvGrpSpPr>
+          <p:cNvPr id="69" name="Group 68">
+            <a:extLst>
+              <a:ext uri="{FF2B5EF4-FFF2-40B4-BE49-F238E27FC236}">
+                <a16:creationId xmlns:a16="http://schemas.microsoft.com/office/drawing/2014/main" id="{952A356E-FA4A-4951-A419-CAC92AEDF9E8}"/>
+              </a:ext>
+            </a:extLst>
+          </p:cNvPr>
+          <p:cNvGrpSpPr/>
+          <p:nvPr/>
+        </p:nvGrpSpPr>
+        <p:grpSpPr>
+          <a:xfrm>
+            <a:off x="15151934" y="984162"/>
+            <a:ext cx="2986571" cy="2494372"/>
+            <a:chOff x="1409999" y="881288"/>
+            <a:chExt cx="2986571" cy="2494372"/>
+          </a:xfrm>
+        </p:grpSpPr>
+        <p:sp>
+          <p:nvSpPr>
+            <p:cNvPr id="70" name="Rectangle: Rounded Corners 69">
+              <a:extLst>
+                <a:ext uri="{FF2B5EF4-FFF2-40B4-BE49-F238E27FC236}">
+                  <a16:creationId xmlns:a16="http://schemas.microsoft.com/office/drawing/2014/main" id="{A82BD42E-E09B-41BA-B545-07A0B4C42F2A}"/>
+                </a:ext>
+              </a:extLst>
+            </p:cNvPr>
+            <p:cNvSpPr/>
+            <p:nvPr/>
+          </p:nvSpPr>
+          <p:spPr bwMode="auto">
+            <a:xfrm>
+              <a:off x="1409999" y="881288"/>
+              <a:ext cx="2986571" cy="419904"/>
+            </a:xfrm>
+            <a:prstGeom prst="roundRect">
+              <a:avLst/>
+            </a:prstGeom>
+            <a:solidFill>
+              <a:srgbClr val="0070C0"/>
+            </a:solidFill>
+            <a:ln>
+              <a:solidFill>
+                <a:srgbClr val="0070C0"/>
+              </a:solidFill>
+              <a:headEnd type="none" w="med" len="med"/>
+              <a:tailEnd type="none" w="med" len="med"/>
+            </a:ln>
+            <a:effectLst/>
+          </p:spPr>
+          <p:style>
+            <a:lnRef idx="1">
+              <a:schemeClr val="accent2"/>
+            </a:lnRef>
+            <a:fillRef idx="3">
+              <a:schemeClr val="accent2"/>
+            </a:fillRef>
+            <a:effectRef idx="2">
+              <a:schemeClr val="accent2"/>
+            </a:effectRef>
+            <a:fontRef idx="minor">
+              <a:schemeClr val="lt1"/>
+            </a:fontRef>
+          </p:style>
+          <p:txBody>
+            <a:bodyPr rot="0" spcFirstLastPara="0" vertOverflow="overflow" horzOverflow="overflow" vert="horz" wrap="square" lIns="0" tIns="0" rIns="0" bIns="0" numCol="1" spcCol="0" rtlCol="0" fromWordArt="0" anchor="ctr" anchorCtr="0" forceAA="0" compatLnSpc="1">
+              <a:prstTxWarp prst="textNoShape">
+                <a:avLst/>
+              </a:prstTxWarp>
+              <a:noAutofit/>
+            </a:bodyPr>
+            <a:lstStyle/>
+            <a:p>
+              <a:pPr algn="ctr" defTabSz="932472" fontAlgn="base">
+                <a:lnSpc>
+                  <a:spcPct val="90000"/>
+                </a:lnSpc>
+                <a:spcBef>
+                  <a:spcPct val="0"/>
+                </a:spcBef>
+                <a:spcAft>
+                  <a:spcPct val="0"/>
+                </a:spcAft>
+              </a:pPr>
+              <a:r>
+                <a:rPr lang="en-CA" sz="1600" dirty="0">
+                  <a:gradFill>
+                    <a:gsLst>
+                      <a:gs pos="0">
+                        <a:srgbClr val="FFFFFF"/>
+                      </a:gs>
+                      <a:gs pos="100000">
+                        <a:srgbClr val="FFFFFF"/>
+                      </a:gs>
+                    </a:gsLst>
+                    <a:lin ang="5400000" scaled="0"/>
+                  </a:gradFill>
+                  <a:ea typeface="Segoe UI" pitchFamily="34" charset="0"/>
+                  <a:cs typeface="Segoe UI" pitchFamily="34" charset="0"/>
+                </a:rPr>
+                <a:t>X</a:t>
+              </a:r>
+            </a:p>
+          </p:txBody>
+        </p:sp>
+        <p:sp>
+          <p:nvSpPr>
+            <p:cNvPr id="71" name="Rectangle 70">
+              <a:extLst>
+                <a:ext uri="{FF2B5EF4-FFF2-40B4-BE49-F238E27FC236}">
+                  <a16:creationId xmlns:a16="http://schemas.microsoft.com/office/drawing/2014/main" id="{111389EA-1B77-423F-9345-0A952C4EA4E0}"/>
+                </a:ext>
+              </a:extLst>
+            </p:cNvPr>
+            <p:cNvSpPr/>
+            <p:nvPr/>
+          </p:nvSpPr>
+          <p:spPr bwMode="auto">
+            <a:xfrm>
+              <a:off x="1410000" y="1237886"/>
+              <a:ext cx="2986570" cy="2137774"/>
+            </a:xfrm>
+            <a:prstGeom prst="rect">
+              <a:avLst/>
+            </a:prstGeom>
+            <a:solidFill>
+              <a:schemeClr val="tx1"/>
+            </a:solidFill>
+            <a:ln>
+              <a:solidFill>
+                <a:srgbClr val="0070C0"/>
+              </a:solidFill>
+              <a:headEnd type="none" w="med" len="med"/>
+              <a:tailEnd type="none" w="med" len="med"/>
+            </a:ln>
+            <a:effectLst/>
+          </p:spPr>
+          <p:style>
+            <a:lnRef idx="1">
+              <a:schemeClr val="accent2"/>
+            </a:lnRef>
+            <a:fillRef idx="3">
+              <a:schemeClr val="accent2"/>
+            </a:fillRef>
+            <a:effectRef idx="2">
+              <a:schemeClr val="accent2"/>
+            </a:effectRef>
+            <a:fontRef idx="minor">
+              <a:schemeClr val="lt1"/>
+            </a:fontRef>
+          </p:style>
+          <p:txBody>
+            <a:bodyPr rot="0" spcFirstLastPara="0" vertOverflow="overflow" horzOverflow="overflow" vert="horz" wrap="square" lIns="36000" tIns="72000" rIns="0" bIns="0" numCol="1" spcCol="0" rtlCol="0" fromWordArt="0" anchor="ctr" anchorCtr="0" forceAA="0" compatLnSpc="1">
+              <a:prstTxWarp prst="textNoShape">
+                <a:avLst/>
+              </a:prstTxWarp>
+              <a:noAutofit/>
+            </a:bodyPr>
+            <a:lstStyle/>
+            <a:p>
+              <a:pPr defTabSz="932472" fontAlgn="base">
+                <a:lnSpc>
+                  <a:spcPct val="90000"/>
+                </a:lnSpc>
+                <a:spcBef>
+                  <a:spcPct val="0"/>
+                </a:spcBef>
+                <a:spcAft>
+                  <a:spcPct val="0"/>
+                </a:spcAft>
+              </a:pPr>
+              <a:r>
+                <a:rPr lang="en-CA" sz="900" b="1" dirty="0">
+                  <a:solidFill>
+                    <a:srgbClr val="0070C0"/>
+                  </a:solidFill>
+                  <a:ea typeface="Segoe UI" pitchFamily="34" charset="0"/>
+                  <a:cs typeface="Segoe UI" pitchFamily="34" charset="0"/>
+                </a:rPr>
+                <a:t>X</a:t>
+              </a:r>
+            </a:p>
+            <a:p>
+              <a:pPr marL="269875" lvl="1" indent="-93663" defTabSz="932472" fontAlgn="base">
+                <a:lnSpc>
+                  <a:spcPct val="90000"/>
+                </a:lnSpc>
+                <a:spcBef>
+                  <a:spcPct val="0"/>
+                </a:spcBef>
+                <a:spcAft>
+                  <a:spcPct val="0"/>
+                </a:spcAft>
+                <a:buFont typeface="Arial" panose="020B0604020202020204" pitchFamily="34" charset="0"/>
+                <a:buChar char="•"/>
+              </a:pPr>
+              <a:r>
+                <a:rPr lang="en-CA" sz="800" dirty="0">
+                  <a:solidFill>
+                    <a:srgbClr val="0070C0"/>
+                  </a:solidFill>
+                  <a:cs typeface="Segoe UI" pitchFamily="34" charset="0"/>
+                </a:rPr>
+                <a:t>X</a:t>
+              </a:r>
+            </a:p>
+          </p:txBody>
+        </p:sp>
+      </p:grpSp>
+      <p:grpSp>
+        <p:nvGrpSpPr>
+          <p:cNvPr id="72" name="Group 71">
+            <a:extLst>
+              <a:ext uri="{FF2B5EF4-FFF2-40B4-BE49-F238E27FC236}">
+                <a16:creationId xmlns:a16="http://schemas.microsoft.com/office/drawing/2014/main" id="{C3AB4AA4-4234-45E9-B03F-49AEFE75BDE7}"/>
+              </a:ext>
+            </a:extLst>
+          </p:cNvPr>
+          <p:cNvGrpSpPr/>
+          <p:nvPr/>
+        </p:nvGrpSpPr>
+        <p:grpSpPr>
+          <a:xfrm>
+            <a:off x="18317888" y="984162"/>
+            <a:ext cx="2986571" cy="2496297"/>
+            <a:chOff x="4520351" y="881287"/>
+            <a:chExt cx="2986571" cy="2496297"/>
+          </a:xfrm>
+        </p:grpSpPr>
+        <p:sp>
+          <p:nvSpPr>
+            <p:cNvPr id="73" name="Rectangle: Rounded Corners 72">
+              <a:extLst>
+                <a:ext uri="{FF2B5EF4-FFF2-40B4-BE49-F238E27FC236}">
+                  <a16:creationId xmlns:a16="http://schemas.microsoft.com/office/drawing/2014/main" id="{195E25F2-6155-4CD3-A3CE-A068FA415ABD}"/>
+                </a:ext>
+              </a:extLst>
+            </p:cNvPr>
+            <p:cNvSpPr/>
+            <p:nvPr/>
+          </p:nvSpPr>
+          <p:spPr bwMode="auto">
+            <a:xfrm>
+              <a:off x="4520351" y="881287"/>
+              <a:ext cx="2986571" cy="419904"/>
+            </a:xfrm>
+            <a:prstGeom prst="roundRect">
+              <a:avLst/>
+            </a:prstGeom>
+            <a:solidFill>
+              <a:srgbClr val="0070C0"/>
+            </a:solidFill>
+            <a:ln>
+              <a:solidFill>
+                <a:srgbClr val="0070C0"/>
+              </a:solidFill>
+              <a:headEnd type="none" w="med" len="med"/>
+              <a:tailEnd type="none" w="med" len="med"/>
+            </a:ln>
+            <a:effectLst/>
+          </p:spPr>
+          <p:style>
+            <a:lnRef idx="1">
+              <a:schemeClr val="accent2"/>
+            </a:lnRef>
+            <a:fillRef idx="3">
+              <a:schemeClr val="accent2"/>
+            </a:fillRef>
+            <a:effectRef idx="2">
+              <a:schemeClr val="accent2"/>
+            </a:effectRef>
+            <a:fontRef idx="minor">
+              <a:schemeClr val="lt1"/>
+            </a:fontRef>
+          </p:style>
+          <p:txBody>
+            <a:bodyPr rot="0" spcFirstLastPara="0" vertOverflow="overflow" horzOverflow="overflow" vert="horz" wrap="square" lIns="0" tIns="0" rIns="0" bIns="0" numCol="1" spcCol="0" rtlCol="0" fromWordArt="0" anchor="ctr" anchorCtr="0" forceAA="0" compatLnSpc="1">
+              <a:prstTxWarp prst="textNoShape">
+                <a:avLst/>
+              </a:prstTxWarp>
+              <a:noAutofit/>
+            </a:bodyPr>
+            <a:lstStyle/>
+            <a:p>
+              <a:pPr algn="ctr" defTabSz="932472" fontAlgn="base">
+                <a:lnSpc>
+                  <a:spcPct val="90000"/>
+                </a:lnSpc>
+                <a:spcBef>
+                  <a:spcPct val="0"/>
+                </a:spcBef>
+                <a:spcAft>
+                  <a:spcPct val="0"/>
+                </a:spcAft>
+              </a:pPr>
+              <a:r>
+                <a:rPr lang="en-CA" sz="1600" dirty="0">
+                  <a:gradFill>
+                    <a:gsLst>
+                      <a:gs pos="0">
+                        <a:srgbClr val="FFFFFF"/>
+                      </a:gs>
+                      <a:gs pos="100000">
+                        <a:srgbClr val="FFFFFF"/>
+                      </a:gs>
+                    </a:gsLst>
+                    <a:lin ang="5400000" scaled="0"/>
+                  </a:gradFill>
+                  <a:ea typeface="Segoe UI" pitchFamily="34" charset="0"/>
+                  <a:cs typeface="Segoe UI" pitchFamily="34" charset="0"/>
+                </a:rPr>
+                <a:t>XX</a:t>
+              </a:r>
+            </a:p>
+          </p:txBody>
+        </p:sp>
+        <p:sp>
+          <p:nvSpPr>
+            <p:cNvPr id="74" name="Rectangle 73">
+              <a:extLst>
+                <a:ext uri="{FF2B5EF4-FFF2-40B4-BE49-F238E27FC236}">
+                  <a16:creationId xmlns:a16="http://schemas.microsoft.com/office/drawing/2014/main" id="{0C74E9D3-AE03-4F5A-BAE0-60E7EF90B7A1}"/>
+                </a:ext>
+              </a:extLst>
+            </p:cNvPr>
+            <p:cNvSpPr/>
+            <p:nvPr/>
+          </p:nvSpPr>
+          <p:spPr bwMode="auto">
+            <a:xfrm>
+              <a:off x="4520352" y="1237886"/>
+              <a:ext cx="2986570" cy="2139698"/>
+            </a:xfrm>
+            <a:prstGeom prst="rect">
+              <a:avLst/>
+            </a:prstGeom>
+            <a:solidFill>
+              <a:schemeClr val="tx1"/>
+            </a:solidFill>
+            <a:ln>
+              <a:solidFill>
+                <a:srgbClr val="0070C0"/>
+              </a:solidFill>
+              <a:headEnd type="none" w="med" len="med"/>
+              <a:tailEnd type="none" w="med" len="med"/>
+            </a:ln>
+            <a:effectLst/>
+          </p:spPr>
+          <p:style>
+            <a:lnRef idx="1">
+              <a:schemeClr val="accent2"/>
+            </a:lnRef>
+            <a:fillRef idx="3">
+              <a:schemeClr val="accent2"/>
+            </a:fillRef>
+            <a:effectRef idx="2">
+              <a:schemeClr val="accent2"/>
+            </a:effectRef>
+            <a:fontRef idx="minor">
+              <a:schemeClr val="lt1"/>
+            </a:fontRef>
+          </p:style>
+          <p:txBody>
+            <a:bodyPr rot="0" spcFirstLastPara="0" vertOverflow="overflow" horzOverflow="overflow" vert="horz" wrap="square" lIns="36000" tIns="72000" rIns="0" bIns="0" numCol="1" spcCol="0" rtlCol="0" fromWordArt="0" anchor="ctr" anchorCtr="0" forceAA="0" compatLnSpc="1">
+              <a:prstTxWarp prst="textNoShape">
+                <a:avLst/>
+              </a:prstTxWarp>
+              <a:noAutofit/>
+            </a:bodyPr>
+            <a:lstStyle/>
+            <a:p>
+              <a:pPr defTabSz="932472" fontAlgn="base">
+                <a:lnSpc>
+                  <a:spcPct val="90000"/>
+                </a:lnSpc>
+                <a:spcBef>
+                  <a:spcPct val="0"/>
+                </a:spcBef>
+                <a:spcAft>
+                  <a:spcPct val="0"/>
+                </a:spcAft>
+              </a:pPr>
+              <a:r>
+                <a:rPr lang="en-CA" sz="900" b="1" dirty="0">
+                  <a:solidFill>
+                    <a:srgbClr val="0070C0"/>
+                  </a:solidFill>
+                  <a:ea typeface="Segoe UI" pitchFamily="34" charset="0"/>
+                  <a:cs typeface="Segoe UI" pitchFamily="34" charset="0"/>
+                </a:rPr>
+                <a:t>X</a:t>
+              </a:r>
+            </a:p>
+            <a:p>
+              <a:pPr marL="269875" lvl="1" indent="-93663" defTabSz="932472" fontAlgn="base">
+                <a:lnSpc>
+                  <a:spcPct val="90000"/>
+                </a:lnSpc>
+                <a:spcBef>
+                  <a:spcPct val="0"/>
+                </a:spcBef>
+                <a:spcAft>
+                  <a:spcPct val="0"/>
+                </a:spcAft>
+                <a:buFont typeface="Arial" panose="020B0604020202020204" pitchFamily="34" charset="0"/>
+                <a:buChar char="•"/>
+              </a:pPr>
+              <a:r>
+                <a:rPr lang="en-CA" sz="800" dirty="0">
+                  <a:solidFill>
+                    <a:srgbClr val="0070C0"/>
+                  </a:solidFill>
+                  <a:ea typeface="Segoe UI" pitchFamily="34" charset="0"/>
+                  <a:cs typeface="Segoe UI" pitchFamily="34" charset="0"/>
+                </a:rPr>
+                <a:t>X</a:t>
+              </a:r>
+              <a:endParaRPr lang="en-CA" sz="900" dirty="0">
+                <a:solidFill>
+                  <a:srgbClr val="0070C0"/>
+                </a:solidFill>
+                <a:ea typeface="Segoe UI" pitchFamily="34" charset="0"/>
+                <a:cs typeface="Segoe UI" pitchFamily="34" charset="0"/>
+              </a:endParaRPr>
+            </a:p>
+          </p:txBody>
+        </p:sp>
+      </p:grpSp>
+      <p:sp>
+        <p:nvSpPr>
+          <p:cNvPr id="75" name="Rectangle 74">
+            <a:extLst>
+              <a:ext uri="{FF2B5EF4-FFF2-40B4-BE49-F238E27FC236}">
+                <a16:creationId xmlns:a16="http://schemas.microsoft.com/office/drawing/2014/main" id="{17F1F896-7372-4F28-8CF1-EC1D58DCDB98}"/>
+              </a:ext>
+            </a:extLst>
+          </p:cNvPr>
+          <p:cNvSpPr/>
+          <p:nvPr/>
+        </p:nvSpPr>
+        <p:spPr bwMode="auto">
+          <a:xfrm>
+            <a:off x="581720" y="5856052"/>
+            <a:ext cx="6314696" cy="522356"/>
+          </a:xfrm>
+          <a:prstGeom prst="rect">
+            <a:avLst/>
+          </a:prstGeom>
+          <a:solidFill>
+            <a:srgbClr val="002060"/>
+          </a:solidFill>
+          <a:ln>
+            <a:noFill/>
+            <a:headEnd type="none" w="med" len="med"/>
+            <a:tailEnd type="none" w="med" len="med"/>
+          </a:ln>
+          <a:effectLst/>
+        </p:spPr>
+        <p:style>
+          <a:lnRef idx="1">
+            <a:schemeClr val="accent2"/>
+          </a:lnRef>
+          <a:fillRef idx="3">
+            <a:schemeClr val="accent2"/>
+          </a:fillRef>
+          <a:effectRef idx="2">
+            <a:schemeClr val="accent2"/>
+          </a:effectRef>
+          <a:fontRef idx="minor">
+            <a:schemeClr val="lt1"/>
+          </a:fontRef>
+        </p:style>
+        <p:txBody>
+          <a:bodyPr rot="0" spcFirstLastPara="0" vertOverflow="overflow" horzOverflow="overflow" vert="horz" wrap="square" lIns="0" tIns="72000" rIns="0" bIns="146304" numCol="1" spcCol="0" rtlCol="0" fromWordArt="0" anchor="t" anchorCtr="0" forceAA="0" compatLnSpc="1">
+            <a:prstTxWarp prst="textNoShape">
+              <a:avLst/>
+            </a:prstTxWarp>
+            <a:noAutofit/>
+          </a:bodyPr>
+          <a:lstStyle/>
+          <a:p>
+            <a:pPr algn="ctr" defTabSz="932472" fontAlgn="base">
+              <a:lnSpc>
+                <a:spcPct val="90000"/>
+              </a:lnSpc>
+              <a:spcBef>
+                <a:spcPct val="0"/>
+              </a:spcBef>
+              <a:spcAft>
+                <a:spcPct val="0"/>
+              </a:spcAft>
+            </a:pPr>
+            <a:r>
+              <a:rPr lang="en-CA" sz="2400" dirty="0">
+                <a:gradFill>
+                  <a:gsLst>
+                    <a:gs pos="0">
+                      <a:srgbClr val="FFFFFF"/>
+                    </a:gs>
+                    <a:gs pos="100000">
+                      <a:srgbClr val="FFFFFF"/>
+                    </a:gs>
+                  </a:gsLst>
+                  <a:lin ang="5400000" scaled="0"/>
+                </a:gradFill>
+                <a:ea typeface="Segoe UI" pitchFamily="34" charset="0"/>
+                <a:cs typeface="Segoe UI" pitchFamily="34" charset="0"/>
+              </a:rPr>
+              <a:t>Operations </a:t>
+            </a:r>
+            <a:r>
+              <a:rPr lang="en-CA" sz="2400">
+                <a:gradFill>
+                  <a:gsLst>
+                    <a:gs pos="0">
+                      <a:srgbClr val="FFFFFF"/>
+                    </a:gs>
+                    <a:gs pos="100000">
+                      <a:srgbClr val="FFFFFF"/>
+                    </a:gs>
+                  </a:gsLst>
+                  <a:lin ang="5400000" scaled="0"/>
+                </a:gradFill>
+                <a:ea typeface="Segoe UI" pitchFamily="34" charset="0"/>
+                <a:cs typeface="Segoe UI" pitchFamily="34" charset="0"/>
+              </a:rPr>
+              <a:t>Automation Strategies</a:t>
+            </a:r>
+            <a:endParaRPr lang="en-CA" sz="2400" dirty="0">
+              <a:gradFill>
+                <a:gsLst>
+                  <a:gs pos="0">
+                    <a:srgbClr val="FFFFFF"/>
+                  </a:gs>
+                  <a:gs pos="100000">
+                    <a:srgbClr val="FFFFFF"/>
+                  </a:gs>
+                </a:gsLst>
+                <a:lin ang="5400000" scaled="0"/>
+              </a:gradFill>
+              <a:ea typeface="Segoe UI" pitchFamily="34" charset="0"/>
+              <a:cs typeface="Segoe UI" pitchFamily="34" charset="0"/>
+            </a:endParaRPr>
+          </a:p>
+        </p:txBody>
+      </p:sp>
+      <p:grpSp>
+        <p:nvGrpSpPr>
+          <p:cNvPr id="76" name="Group 75">
+            <a:extLst>
+              <a:ext uri="{FF2B5EF4-FFF2-40B4-BE49-F238E27FC236}">
+                <a16:creationId xmlns:a16="http://schemas.microsoft.com/office/drawing/2014/main" id="{0C503BEE-4A00-4E06-A294-0CE2D6BD77FE}"/>
+              </a:ext>
+            </a:extLst>
+          </p:cNvPr>
+          <p:cNvGrpSpPr/>
+          <p:nvPr/>
+        </p:nvGrpSpPr>
+        <p:grpSpPr>
+          <a:xfrm>
+            <a:off x="664725" y="6378408"/>
+            <a:ext cx="2986571" cy="2494372"/>
+            <a:chOff x="1409999" y="881288"/>
+            <a:chExt cx="2986571" cy="2494372"/>
+          </a:xfrm>
+        </p:grpSpPr>
+        <p:sp>
+          <p:nvSpPr>
+            <p:cNvPr id="77" name="Rectangle: Rounded Corners 76">
+              <a:extLst>
+                <a:ext uri="{FF2B5EF4-FFF2-40B4-BE49-F238E27FC236}">
+                  <a16:creationId xmlns:a16="http://schemas.microsoft.com/office/drawing/2014/main" id="{89CBBA76-7249-4E79-A4D9-CB50B9B1A389}"/>
+                </a:ext>
+              </a:extLst>
+            </p:cNvPr>
+            <p:cNvSpPr/>
+            <p:nvPr/>
+          </p:nvSpPr>
+          <p:spPr bwMode="auto">
+            <a:xfrm>
+              <a:off x="1409999" y="881288"/>
+              <a:ext cx="2986571" cy="419904"/>
+            </a:xfrm>
+            <a:prstGeom prst="roundRect">
+              <a:avLst/>
+            </a:prstGeom>
+            <a:solidFill>
+              <a:srgbClr val="0070C0"/>
+            </a:solidFill>
+            <a:ln>
+              <a:solidFill>
+                <a:srgbClr val="0070C0"/>
+              </a:solidFill>
+              <a:headEnd type="none" w="med" len="med"/>
+              <a:tailEnd type="none" w="med" len="med"/>
+            </a:ln>
+            <a:effectLst/>
+          </p:spPr>
+          <p:style>
+            <a:lnRef idx="1">
+              <a:schemeClr val="accent2"/>
+            </a:lnRef>
+            <a:fillRef idx="3">
+              <a:schemeClr val="accent2"/>
+            </a:fillRef>
+            <a:effectRef idx="2">
+              <a:schemeClr val="accent2"/>
+            </a:effectRef>
+            <a:fontRef idx="minor">
+              <a:schemeClr val="lt1"/>
+            </a:fontRef>
+          </p:style>
+          <p:txBody>
+            <a:bodyPr rot="0" spcFirstLastPara="0" vertOverflow="overflow" horzOverflow="overflow" vert="horz" wrap="square" lIns="0" tIns="0" rIns="0" bIns="0" numCol="1" spcCol="0" rtlCol="0" fromWordArt="0" anchor="ctr" anchorCtr="0" forceAA="0" compatLnSpc="1">
+              <a:prstTxWarp prst="textNoShape">
+                <a:avLst/>
+              </a:prstTxWarp>
+              <a:noAutofit/>
+            </a:bodyPr>
+            <a:lstStyle/>
+            <a:p>
+              <a:pPr algn="ctr" defTabSz="932472" fontAlgn="base">
+                <a:lnSpc>
+                  <a:spcPct val="90000"/>
+                </a:lnSpc>
+                <a:spcBef>
+                  <a:spcPct val="0"/>
+                </a:spcBef>
+                <a:spcAft>
+                  <a:spcPct val="0"/>
+                </a:spcAft>
+              </a:pPr>
+              <a:r>
+                <a:rPr lang="en-CA" sz="1600" dirty="0">
+                  <a:gradFill>
+                    <a:gsLst>
+                      <a:gs pos="0">
+                        <a:srgbClr val="FFFFFF"/>
+                      </a:gs>
+                      <a:gs pos="100000">
+                        <a:srgbClr val="FFFFFF"/>
+                      </a:gs>
+                    </a:gsLst>
+                    <a:lin ang="5400000" scaled="0"/>
+                  </a:gradFill>
+                  <a:ea typeface="Segoe UI" pitchFamily="34" charset="0"/>
+                  <a:cs typeface="Segoe UI" pitchFamily="34" charset="0"/>
+                </a:rPr>
+                <a:t>X</a:t>
+              </a:r>
+            </a:p>
+          </p:txBody>
+        </p:sp>
+        <p:sp>
+          <p:nvSpPr>
+            <p:cNvPr id="78" name="Rectangle 77">
+              <a:extLst>
+                <a:ext uri="{FF2B5EF4-FFF2-40B4-BE49-F238E27FC236}">
+                  <a16:creationId xmlns:a16="http://schemas.microsoft.com/office/drawing/2014/main" id="{16DEBF43-5D36-4461-863A-DA00D8A4CBE8}"/>
+                </a:ext>
+              </a:extLst>
+            </p:cNvPr>
+            <p:cNvSpPr/>
+            <p:nvPr/>
+          </p:nvSpPr>
+          <p:spPr bwMode="auto">
+            <a:xfrm>
+              <a:off x="1410000" y="1237886"/>
+              <a:ext cx="2986570" cy="2137774"/>
+            </a:xfrm>
+            <a:prstGeom prst="rect">
+              <a:avLst/>
+            </a:prstGeom>
+            <a:solidFill>
+              <a:schemeClr val="tx1"/>
+            </a:solidFill>
+            <a:ln>
+              <a:solidFill>
+                <a:srgbClr val="0070C0"/>
+              </a:solidFill>
+              <a:headEnd type="none" w="med" len="med"/>
+              <a:tailEnd type="none" w="med" len="med"/>
+            </a:ln>
+            <a:effectLst/>
+          </p:spPr>
+          <p:style>
+            <a:lnRef idx="1">
+              <a:schemeClr val="accent2"/>
+            </a:lnRef>
+            <a:fillRef idx="3">
+              <a:schemeClr val="accent2"/>
+            </a:fillRef>
+            <a:effectRef idx="2">
+              <a:schemeClr val="accent2"/>
+            </a:effectRef>
+            <a:fontRef idx="minor">
+              <a:schemeClr val="lt1"/>
+            </a:fontRef>
+          </p:style>
+          <p:txBody>
+            <a:bodyPr rot="0" spcFirstLastPara="0" vertOverflow="overflow" horzOverflow="overflow" vert="horz" wrap="square" lIns="36000" tIns="72000" rIns="0" bIns="0" numCol="1" spcCol="0" rtlCol="0" fromWordArt="0" anchor="ctr" anchorCtr="0" forceAA="0" compatLnSpc="1">
+              <a:prstTxWarp prst="textNoShape">
+                <a:avLst/>
+              </a:prstTxWarp>
+              <a:noAutofit/>
+            </a:bodyPr>
+            <a:lstStyle/>
+            <a:p>
+              <a:pPr defTabSz="932472" fontAlgn="base">
+                <a:lnSpc>
+                  <a:spcPct val="90000"/>
+                </a:lnSpc>
+                <a:spcBef>
+                  <a:spcPct val="0"/>
+                </a:spcBef>
+                <a:spcAft>
+                  <a:spcPct val="0"/>
+                </a:spcAft>
+              </a:pPr>
+              <a:r>
+                <a:rPr lang="en-CA" sz="900" b="1" dirty="0">
+                  <a:solidFill>
+                    <a:srgbClr val="0070C0"/>
+                  </a:solidFill>
+                  <a:ea typeface="Segoe UI" pitchFamily="34" charset="0"/>
+                  <a:cs typeface="Segoe UI" pitchFamily="34" charset="0"/>
+                </a:rPr>
+                <a:t>X</a:t>
+              </a:r>
+            </a:p>
+            <a:p>
+              <a:pPr marL="269875" lvl="1" indent="-93663" defTabSz="932472" fontAlgn="base">
+                <a:lnSpc>
+                  <a:spcPct val="90000"/>
+                </a:lnSpc>
+                <a:spcBef>
+                  <a:spcPct val="0"/>
+                </a:spcBef>
+                <a:spcAft>
+                  <a:spcPct val="0"/>
+                </a:spcAft>
+                <a:buFont typeface="Arial" panose="020B0604020202020204" pitchFamily="34" charset="0"/>
+                <a:buChar char="•"/>
+              </a:pPr>
+              <a:r>
+                <a:rPr lang="en-CA" sz="800" dirty="0">
+                  <a:solidFill>
+                    <a:srgbClr val="0070C0"/>
+                  </a:solidFill>
+                  <a:cs typeface="Segoe UI" pitchFamily="34" charset="0"/>
+                </a:rPr>
+                <a:t>X</a:t>
+              </a:r>
+            </a:p>
+          </p:txBody>
+        </p:sp>
+      </p:grpSp>
+      <p:grpSp>
+        <p:nvGrpSpPr>
+          <p:cNvPr id="79" name="Group 78">
+            <a:extLst>
+              <a:ext uri="{FF2B5EF4-FFF2-40B4-BE49-F238E27FC236}">
+                <a16:creationId xmlns:a16="http://schemas.microsoft.com/office/drawing/2014/main" id="{3E7E64DB-4FEE-44E4-8442-84C23B883804}"/>
+              </a:ext>
+            </a:extLst>
+          </p:cNvPr>
+          <p:cNvGrpSpPr/>
+          <p:nvPr/>
+        </p:nvGrpSpPr>
+        <p:grpSpPr>
+          <a:xfrm>
+            <a:off x="3830679" y="6378408"/>
+            <a:ext cx="2986571" cy="2496297"/>
+            <a:chOff x="4520351" y="881287"/>
+            <a:chExt cx="2986571" cy="2496297"/>
+          </a:xfrm>
+        </p:grpSpPr>
+        <p:sp>
+          <p:nvSpPr>
+            <p:cNvPr id="80" name="Rectangle: Rounded Corners 79">
+              <a:extLst>
+                <a:ext uri="{FF2B5EF4-FFF2-40B4-BE49-F238E27FC236}">
+                  <a16:creationId xmlns:a16="http://schemas.microsoft.com/office/drawing/2014/main" id="{40CE0502-5472-4A5D-A43E-B5CDC187EE66}"/>
+                </a:ext>
+              </a:extLst>
+            </p:cNvPr>
+            <p:cNvSpPr/>
+            <p:nvPr/>
+          </p:nvSpPr>
+          <p:spPr bwMode="auto">
+            <a:xfrm>
+              <a:off x="4520351" y="881287"/>
+              <a:ext cx="2986571" cy="419904"/>
+            </a:xfrm>
+            <a:prstGeom prst="roundRect">
+              <a:avLst/>
+            </a:prstGeom>
+            <a:solidFill>
+              <a:srgbClr val="0070C0"/>
+            </a:solidFill>
+            <a:ln>
+              <a:solidFill>
+                <a:srgbClr val="0070C0"/>
+              </a:solidFill>
+              <a:headEnd type="none" w="med" len="med"/>
+              <a:tailEnd type="none" w="med" len="med"/>
+            </a:ln>
+            <a:effectLst/>
+          </p:spPr>
+          <p:style>
+            <a:lnRef idx="1">
+              <a:schemeClr val="accent2"/>
+            </a:lnRef>
+            <a:fillRef idx="3">
+              <a:schemeClr val="accent2"/>
+            </a:fillRef>
+            <a:effectRef idx="2">
+              <a:schemeClr val="accent2"/>
+            </a:effectRef>
+            <a:fontRef idx="minor">
+              <a:schemeClr val="lt1"/>
+            </a:fontRef>
+          </p:style>
+          <p:txBody>
+            <a:bodyPr rot="0" spcFirstLastPara="0" vertOverflow="overflow" horzOverflow="overflow" vert="horz" wrap="square" lIns="0" tIns="0" rIns="0" bIns="0" numCol="1" spcCol="0" rtlCol="0" fromWordArt="0" anchor="ctr" anchorCtr="0" forceAA="0" compatLnSpc="1">
+              <a:prstTxWarp prst="textNoShape">
+                <a:avLst/>
+              </a:prstTxWarp>
+              <a:noAutofit/>
+            </a:bodyPr>
+            <a:lstStyle/>
+            <a:p>
+              <a:pPr algn="ctr" defTabSz="932472" fontAlgn="base">
+                <a:lnSpc>
+                  <a:spcPct val="90000"/>
+                </a:lnSpc>
+                <a:spcBef>
+                  <a:spcPct val="0"/>
+                </a:spcBef>
+                <a:spcAft>
+                  <a:spcPct val="0"/>
+                </a:spcAft>
+              </a:pPr>
+              <a:r>
+                <a:rPr lang="en-CA" sz="1600" dirty="0">
+                  <a:gradFill>
+                    <a:gsLst>
+                      <a:gs pos="0">
+                        <a:srgbClr val="FFFFFF"/>
+                      </a:gs>
+                      <a:gs pos="100000">
+                        <a:srgbClr val="FFFFFF"/>
+                      </a:gs>
+                    </a:gsLst>
+                    <a:lin ang="5400000" scaled="0"/>
+                  </a:gradFill>
+                  <a:ea typeface="Segoe UI" pitchFamily="34" charset="0"/>
+                  <a:cs typeface="Segoe UI" pitchFamily="34" charset="0"/>
+                </a:rPr>
+                <a:t>XX</a:t>
+              </a:r>
+            </a:p>
+          </p:txBody>
+        </p:sp>
+        <p:sp>
+          <p:nvSpPr>
+            <p:cNvPr id="81" name="Rectangle 80">
+              <a:extLst>
+                <a:ext uri="{FF2B5EF4-FFF2-40B4-BE49-F238E27FC236}">
+                  <a16:creationId xmlns:a16="http://schemas.microsoft.com/office/drawing/2014/main" id="{79361108-8AF7-4172-AFA7-E5300572FEB0}"/>
+                </a:ext>
+              </a:extLst>
+            </p:cNvPr>
+            <p:cNvSpPr/>
+            <p:nvPr/>
+          </p:nvSpPr>
+          <p:spPr bwMode="auto">
+            <a:xfrm>
+              <a:off x="4520352" y="1237886"/>
+              <a:ext cx="2986570" cy="2139698"/>
+            </a:xfrm>
+            <a:prstGeom prst="rect">
+              <a:avLst/>
+            </a:prstGeom>
+            <a:solidFill>
+              <a:schemeClr val="tx1"/>
+            </a:solidFill>
+            <a:ln>
+              <a:solidFill>
+                <a:srgbClr val="0070C0"/>
+              </a:solidFill>
+              <a:headEnd type="none" w="med" len="med"/>
+              <a:tailEnd type="none" w="med" len="med"/>
+            </a:ln>
+            <a:effectLst/>
+          </p:spPr>
+          <p:style>
+            <a:lnRef idx="1">
+              <a:schemeClr val="accent2"/>
+            </a:lnRef>
+            <a:fillRef idx="3">
+              <a:schemeClr val="accent2"/>
+            </a:fillRef>
+            <a:effectRef idx="2">
+              <a:schemeClr val="accent2"/>
+            </a:effectRef>
+            <a:fontRef idx="minor">
+              <a:schemeClr val="lt1"/>
+            </a:fontRef>
+          </p:style>
+          <p:txBody>
+            <a:bodyPr rot="0" spcFirstLastPara="0" vertOverflow="overflow" horzOverflow="overflow" vert="horz" wrap="square" lIns="36000" tIns="72000" rIns="0" bIns="0" numCol="1" spcCol="0" rtlCol="0" fromWordArt="0" anchor="ctr" anchorCtr="0" forceAA="0" compatLnSpc="1">
+              <a:prstTxWarp prst="textNoShape">
+                <a:avLst/>
+              </a:prstTxWarp>
+              <a:noAutofit/>
+            </a:bodyPr>
+            <a:lstStyle/>
+            <a:p>
+              <a:pPr defTabSz="932472" fontAlgn="base">
+                <a:lnSpc>
+                  <a:spcPct val="90000"/>
+                </a:lnSpc>
+                <a:spcBef>
+                  <a:spcPct val="0"/>
+                </a:spcBef>
+                <a:spcAft>
+                  <a:spcPct val="0"/>
+                </a:spcAft>
+              </a:pPr>
+              <a:r>
+                <a:rPr lang="en-CA" sz="900" b="1" dirty="0">
+                  <a:solidFill>
+                    <a:srgbClr val="0070C0"/>
+                  </a:solidFill>
+                  <a:ea typeface="Segoe UI" pitchFamily="34" charset="0"/>
+                  <a:cs typeface="Segoe UI" pitchFamily="34" charset="0"/>
+                </a:rPr>
+                <a:t>X</a:t>
+              </a:r>
+            </a:p>
+            <a:p>
+              <a:pPr marL="269875" lvl="1" indent="-93663" defTabSz="932472" fontAlgn="base">
+                <a:lnSpc>
+                  <a:spcPct val="90000"/>
+                </a:lnSpc>
+                <a:spcBef>
+                  <a:spcPct val="0"/>
+                </a:spcBef>
+                <a:spcAft>
+                  <a:spcPct val="0"/>
+                </a:spcAft>
+                <a:buFont typeface="Arial" panose="020B0604020202020204" pitchFamily="34" charset="0"/>
+                <a:buChar char="•"/>
+              </a:pPr>
+              <a:r>
+                <a:rPr lang="en-CA" sz="800" dirty="0">
+                  <a:solidFill>
+                    <a:srgbClr val="0070C0"/>
+                  </a:solidFill>
+                  <a:ea typeface="Segoe UI" pitchFamily="34" charset="0"/>
+                  <a:cs typeface="Segoe UI" pitchFamily="34" charset="0"/>
+                </a:rPr>
+                <a:t>X</a:t>
+              </a:r>
+              <a:endParaRPr lang="en-CA" sz="900" dirty="0">
+                <a:solidFill>
+                  <a:srgbClr val="0070C0"/>
+                </a:solidFill>
+                <a:ea typeface="Segoe UI" pitchFamily="34" charset="0"/>
+                <a:cs typeface="Segoe UI" pitchFamily="34" charset="0"/>
+              </a:endParaRPr>
+            </a:p>
+          </p:txBody>
+        </p:sp>
+      </p:grpSp>
     </p:spTree>
     <p:extLst>
       <p:ext uri="{BB962C8B-B14F-4D97-AF65-F5344CB8AC3E}">
@@ -27231,18 +31596,10 @@
 <file path=customXml/itemProps2.xml><?xml version="1.0" encoding="utf-8"?>
 <ds:datastoreItem xmlns:ds="http://schemas.openxmlformats.org/officeDocument/2006/customXml" ds:itemID="{C66C01A9-0361-4788-ABEE-257A7848F8D9}">
   <ds:schemaRefs>
+    <ds:schemaRef ds:uri="http://schemas.microsoft.com/office/2006/metadata/properties"/>
+    <ds:schemaRef ds:uri="http://schemas.microsoft.com/office/infopath/2007/PartnerControls"/>
     <ds:schemaRef ds:uri="http://schemas.microsoft.com/sharepoint/v3"/>
-    <ds:schemaRef ds:uri="http://schemas.microsoft.com/office/2006/documentManagement/types"/>
-    <ds:schemaRef ds:uri="http://schemas.openxmlformats.org/package/2006/metadata/core-properties"/>
-    <ds:schemaRef ds:uri="http://purl.org/dc/elements/1.1/"/>
-    <ds:schemaRef ds:uri="http://schemas.microsoft.com/office/infopath/2007/PartnerControls"/>
-    <ds:schemaRef ds:uri="15c98cf3-0896-4040-874f-f436925621df"/>
-    <ds:schemaRef ds:uri="http://schemas.microsoft.com/office/2006/metadata/properties"/>
     <ds:schemaRef ds:uri="http://schemas.microsoft.com/sharepoint/v4"/>
-    <ds:schemaRef ds:uri="af610f50-4aee-43ff-9d65-64420adb70d2"/>
-    <ds:schemaRef ds:uri="http://www.w3.org/XML/1998/namespace"/>
-    <ds:schemaRef ds:uri="http://purl.org/dc/dcmitype/"/>
-    <ds:schemaRef ds:uri="http://purl.org/dc/terms/"/>
   </ds:schemaRefs>
 </ds:datastoreItem>
 </file>

--- a/src/azure/architecting-microsoft-azure-solutions.pptx
+++ b/src/azure/architecting-microsoft-azure-solutions.pptx
@@ -127,7 +127,7 @@
 <file path=ppt/revisionInfo.xml><?xml version="1.0" encoding="utf-8"?>
 <p1510:revInfo xmlns:a="http://schemas.openxmlformats.org/drawingml/2006/main" xmlns:r="http://schemas.openxmlformats.org/officeDocument/2006/relationships" xmlns:p1510="http://schemas.microsoft.com/office/powerpoint/2015/10/main">
   <p1510:revLst>
-    <p1510:client id="{91EC4AA3-DD00-44DC-A9B8-0A8AD6262E8D}" v="11080" dt="2018-09-30T14:49:54.518"/>
+    <p1510:client id="{91EC4AA3-DD00-44DC-A9B8-0A8AD6262E8D}" v="11092" dt="2018-10-06T01:29:10.104"/>
   </p1510:revLst>
 </p1510:revInfo>
 </file>
@@ -214,7 +214,7 @@
           <a:p>
             <a:fld id="{2F4766DD-CA99-4D5F-A9B2-EF5EF0A37C93}" type="datetimeFigureOut">
               <a:rPr lang="en-CA" smtClean="0"/>
-              <a:t>2018-09-30</a:t>
+              <a:t>2018-10-05</a:t>
             </a:fld>
             <a:endParaRPr lang="en-CA"/>
           </a:p>
@@ -566,7 +566,7 @@
           <a:p>
             <a:fld id="{D18B56EA-E28F-4F92-9F16-7A6F2501B303}" type="datetime8">
               <a:rPr lang="en-US" smtClean="0"/>
-              <a:t>9/30/2018 7:51 AM</a:t>
+              <a:t>10/5/2018 6:07 PM</a:t>
             </a:fld>
             <a:endParaRPr lang="en-US" dirty="0"/>
           </a:p>
@@ -5509,7 +5509,7 @@
           <a:p>
             <a:fld id="{ED6EB527-6926-47A2-AB35-8907638AD74C}" type="datetimeFigureOut">
               <a:rPr lang="en-CA" smtClean="0"/>
-              <a:t>2018-09-30</a:t>
+              <a:t>2018-10-05</a:t>
             </a:fld>
             <a:endParaRPr lang="en-CA"/>
           </a:p>
@@ -7403,7 +7403,7 @@
                 <a:ea typeface="Segoe UI Black" panose="020B0A02040204020203" pitchFamily="34" charset="0"/>
                 <a:cs typeface="Segoe UI" panose="020B0502040204020203" pitchFamily="34" charset="0"/>
               </a:rPr>
-              <a:t>1/3</a:t>
+              <a:t>1</a:t>
             </a:r>
             <a:endParaRPr lang="en-CA" sz="4800" baseline="30000" dirty="0">
               <a:solidFill>
@@ -23757,7 +23757,7 @@
     <p:bg>
       <p:bgPr>
         <a:solidFill>
-          <a:srgbClr val="F1E7FB"/>
+          <a:srgbClr val="002060"/>
         </a:solidFill>
         <a:effectLst/>
       </p:bgPr>
@@ -23834,7 +23834,7 @@
         </p:nvSpPr>
         <p:spPr>
           <a:xfrm>
-            <a:off x="7760909" y="6068578"/>
+            <a:off x="7760909" y="6512214"/>
             <a:ext cx="13102626" cy="830997"/>
           </a:xfrm>
           <a:prstGeom prst="rect">
@@ -23869,7 +23869,7 @@
                 <a:ea typeface="Segoe UI Black" panose="020B0A02040204020203" pitchFamily="34" charset="0"/>
                 <a:cs typeface="Segoe UI" panose="020B0502040204020203" pitchFamily="34" charset="0"/>
               </a:rPr>
-              <a:t>2/3</a:t>
+              <a:t>2</a:t>
             </a:r>
             <a:endParaRPr lang="en-CA" sz="4800" baseline="30000" dirty="0">
               <a:solidFill>
@@ -23896,7 +23896,7 @@
         </p:nvGrpSpPr>
         <p:grpSpPr>
           <a:xfrm>
-            <a:off x="569970" y="384852"/>
+            <a:off x="476186" y="384852"/>
             <a:ext cx="6152526" cy="4789493"/>
             <a:chOff x="569970" y="384852"/>
             <a:chExt cx="6152526" cy="4789493"/>
@@ -26034,521 +26034,6 @@
       </p:grpSp>
       <p:sp>
         <p:nvSpPr>
-          <p:cNvPr id="61" name="Rectangle 60">
-            <a:extLst>
-              <a:ext uri="{FF2B5EF4-FFF2-40B4-BE49-F238E27FC236}">
-                <a16:creationId xmlns:a16="http://schemas.microsoft.com/office/drawing/2014/main" id="{533535A6-0C07-41A6-8039-DAF1AA4D0935}"/>
-              </a:ext>
-            </a:extLst>
-          </p:cNvPr>
-          <p:cNvSpPr/>
-          <p:nvPr/>
-        </p:nvSpPr>
-        <p:spPr bwMode="auto">
-          <a:xfrm>
-            <a:off x="747729" y="10079127"/>
-            <a:ext cx="6152526" cy="522356"/>
-          </a:xfrm>
-          <a:prstGeom prst="rect">
-            <a:avLst/>
-          </a:prstGeom>
-          <a:solidFill>
-            <a:srgbClr val="002060"/>
-          </a:solidFill>
-          <a:ln>
-            <a:noFill/>
-            <a:headEnd type="none" w="med" len="med"/>
-            <a:tailEnd type="none" w="med" len="med"/>
-          </a:ln>
-          <a:effectLst/>
-        </p:spPr>
-        <p:style>
-          <a:lnRef idx="1">
-            <a:schemeClr val="accent2"/>
-          </a:lnRef>
-          <a:fillRef idx="3">
-            <a:schemeClr val="accent2"/>
-          </a:fillRef>
-          <a:effectRef idx="2">
-            <a:schemeClr val="accent2"/>
-          </a:effectRef>
-          <a:fontRef idx="minor">
-            <a:schemeClr val="lt1"/>
-          </a:fontRef>
-        </p:style>
-        <p:txBody>
-          <a:bodyPr rot="0" spcFirstLastPara="0" vertOverflow="overflow" horzOverflow="overflow" vert="horz" wrap="square" lIns="0" tIns="72000" rIns="0" bIns="146304" numCol="1" spcCol="0" rtlCol="0" fromWordArt="0" anchor="t" anchorCtr="0" forceAA="0" compatLnSpc="1">
-            <a:prstTxWarp prst="textNoShape">
-              <a:avLst/>
-            </a:prstTxWarp>
-            <a:noAutofit/>
-          </a:bodyPr>
-          <a:lstStyle/>
-          <a:p>
-            <a:pPr algn="ctr" defTabSz="932472" fontAlgn="base">
-              <a:lnSpc>
-                <a:spcPct val="90000"/>
-              </a:lnSpc>
-              <a:spcBef>
-                <a:spcPct val="0"/>
-              </a:spcBef>
-              <a:spcAft>
-                <a:spcPct val="0"/>
-              </a:spcAft>
-            </a:pPr>
-            <a:r>
-              <a:rPr lang="en-CA" sz="2400" dirty="0">
-                <a:gradFill>
-                  <a:gsLst>
-                    <a:gs pos="0">
-                      <a:srgbClr val="FFFFFF"/>
-                    </a:gs>
-                    <a:gs pos="100000">
-                      <a:srgbClr val="FFFFFF"/>
-                    </a:gs>
-                  </a:gsLst>
-                  <a:lin ang="5400000" scaled="0"/>
-                </a:gradFill>
-                <a:ea typeface="Segoe UI" pitchFamily="34" charset="0"/>
-                <a:cs typeface="Segoe UI" pitchFamily="34" charset="0"/>
-              </a:rPr>
-              <a:t>Monitoring and Logging</a:t>
-            </a:r>
-          </a:p>
-        </p:txBody>
-      </p:sp>
-      <p:grpSp>
-        <p:nvGrpSpPr>
-          <p:cNvPr id="62" name="Group 61">
-            <a:extLst>
-              <a:ext uri="{FF2B5EF4-FFF2-40B4-BE49-F238E27FC236}">
-                <a16:creationId xmlns:a16="http://schemas.microsoft.com/office/drawing/2014/main" id="{6FDE472B-FBEE-447B-87DB-D96C47E18AEF}"/>
-              </a:ext>
-            </a:extLst>
-          </p:cNvPr>
-          <p:cNvGrpSpPr/>
-          <p:nvPr/>
-        </p:nvGrpSpPr>
-        <p:grpSpPr>
-          <a:xfrm>
-            <a:off x="747730" y="10601482"/>
-            <a:ext cx="2986571" cy="1552113"/>
-            <a:chOff x="1409999" y="881288"/>
-            <a:chExt cx="2986571" cy="1550916"/>
-          </a:xfrm>
-        </p:grpSpPr>
-        <p:sp>
-          <p:nvSpPr>
-            <p:cNvPr id="63" name="Rectangle: Rounded Corners 62">
-              <a:extLst>
-                <a:ext uri="{FF2B5EF4-FFF2-40B4-BE49-F238E27FC236}">
-                  <a16:creationId xmlns:a16="http://schemas.microsoft.com/office/drawing/2014/main" id="{4931DEAB-50B7-4EFB-BC18-8F5AC8884902}"/>
-                </a:ext>
-              </a:extLst>
-            </p:cNvPr>
-            <p:cNvSpPr/>
-            <p:nvPr/>
-          </p:nvSpPr>
-          <p:spPr bwMode="auto">
-            <a:xfrm>
-              <a:off x="1409999" y="881288"/>
-              <a:ext cx="2986571" cy="419904"/>
-            </a:xfrm>
-            <a:prstGeom prst="roundRect">
-              <a:avLst/>
-            </a:prstGeom>
-            <a:solidFill>
-              <a:srgbClr val="0070C0"/>
-            </a:solidFill>
-            <a:ln>
-              <a:solidFill>
-                <a:srgbClr val="0070C0"/>
-              </a:solidFill>
-              <a:headEnd type="none" w="med" len="med"/>
-              <a:tailEnd type="none" w="med" len="med"/>
-            </a:ln>
-            <a:effectLst/>
-          </p:spPr>
-          <p:style>
-            <a:lnRef idx="1">
-              <a:schemeClr val="accent2"/>
-            </a:lnRef>
-            <a:fillRef idx="3">
-              <a:schemeClr val="accent2"/>
-            </a:fillRef>
-            <a:effectRef idx="2">
-              <a:schemeClr val="accent2"/>
-            </a:effectRef>
-            <a:fontRef idx="minor">
-              <a:schemeClr val="lt1"/>
-            </a:fontRef>
-          </p:style>
-          <p:txBody>
-            <a:bodyPr rot="0" spcFirstLastPara="0" vertOverflow="overflow" horzOverflow="overflow" vert="horz" wrap="square" lIns="0" tIns="0" rIns="0" bIns="0" numCol="1" spcCol="0" rtlCol="0" fromWordArt="0" anchor="ctr" anchorCtr="0" forceAA="0" compatLnSpc="1">
-              <a:prstTxWarp prst="textNoShape">
-                <a:avLst/>
-              </a:prstTxWarp>
-              <a:noAutofit/>
-            </a:bodyPr>
-            <a:lstStyle/>
-            <a:p>
-              <a:pPr algn="ctr" defTabSz="932472" fontAlgn="base">
-                <a:lnSpc>
-                  <a:spcPct val="90000"/>
-                </a:lnSpc>
-                <a:spcBef>
-                  <a:spcPct val="0"/>
-                </a:spcBef>
-                <a:spcAft>
-                  <a:spcPct val="0"/>
-                </a:spcAft>
-              </a:pPr>
-              <a:r>
-                <a:rPr lang="en-CA" sz="1600" dirty="0">
-                  <a:gradFill>
-                    <a:gsLst>
-                      <a:gs pos="0">
-                        <a:srgbClr val="FFFFFF"/>
-                      </a:gs>
-                      <a:gs pos="100000">
-                        <a:srgbClr val="FFFFFF"/>
-                      </a:gs>
-                    </a:gsLst>
-                    <a:lin ang="5400000" scaled="0"/>
-                  </a:gradFill>
-                  <a:ea typeface="Segoe UI" pitchFamily="34" charset="0"/>
-                  <a:cs typeface="Segoe UI" pitchFamily="34" charset="0"/>
-                </a:rPr>
-                <a:t>Log Analysis</a:t>
-              </a:r>
-            </a:p>
-          </p:txBody>
-        </p:sp>
-        <p:sp>
-          <p:nvSpPr>
-            <p:cNvPr id="64" name="Rectangle 63">
-              <a:extLst>
-                <a:ext uri="{FF2B5EF4-FFF2-40B4-BE49-F238E27FC236}">
-                  <a16:creationId xmlns:a16="http://schemas.microsoft.com/office/drawing/2014/main" id="{51F7D08C-343D-4328-A769-C1A57120D084}"/>
-                </a:ext>
-              </a:extLst>
-            </p:cNvPr>
-            <p:cNvSpPr/>
-            <p:nvPr/>
-          </p:nvSpPr>
-          <p:spPr bwMode="auto">
-            <a:xfrm>
-              <a:off x="1410000" y="1237886"/>
-              <a:ext cx="2986570" cy="1194318"/>
-            </a:xfrm>
-            <a:prstGeom prst="rect">
-              <a:avLst/>
-            </a:prstGeom>
-            <a:solidFill>
-              <a:schemeClr val="tx1"/>
-            </a:solidFill>
-            <a:ln>
-              <a:solidFill>
-                <a:srgbClr val="0070C0"/>
-              </a:solidFill>
-              <a:headEnd type="none" w="med" len="med"/>
-              <a:tailEnd type="none" w="med" len="med"/>
-            </a:ln>
-            <a:effectLst/>
-          </p:spPr>
-          <p:style>
-            <a:lnRef idx="1">
-              <a:schemeClr val="accent2"/>
-            </a:lnRef>
-            <a:fillRef idx="3">
-              <a:schemeClr val="accent2"/>
-            </a:fillRef>
-            <a:effectRef idx="2">
-              <a:schemeClr val="accent2"/>
-            </a:effectRef>
-            <a:fontRef idx="minor">
-              <a:schemeClr val="lt1"/>
-            </a:fontRef>
-          </p:style>
-          <p:txBody>
-            <a:bodyPr rot="0" spcFirstLastPara="0" vertOverflow="overflow" horzOverflow="overflow" vert="horz" wrap="square" lIns="36000" tIns="72000" rIns="0" bIns="0" numCol="1" spcCol="0" rtlCol="0" fromWordArt="0" anchor="ctr" anchorCtr="0" forceAA="0" compatLnSpc="1">
-              <a:prstTxWarp prst="textNoShape">
-                <a:avLst/>
-              </a:prstTxWarp>
-              <a:noAutofit/>
-            </a:bodyPr>
-            <a:lstStyle/>
-            <a:p>
-              <a:pPr defTabSz="932472" fontAlgn="base">
-                <a:lnSpc>
-                  <a:spcPct val="90000"/>
-                </a:lnSpc>
-                <a:spcBef>
-                  <a:spcPct val="0"/>
-                </a:spcBef>
-                <a:spcAft>
-                  <a:spcPct val="0"/>
-                </a:spcAft>
-              </a:pPr>
-              <a:r>
-                <a:rPr lang="en-CA" sz="900" b="1" dirty="0">
-                  <a:solidFill>
-                    <a:srgbClr val="0070C0"/>
-                  </a:solidFill>
-                  <a:ea typeface="Segoe UI" pitchFamily="34" charset="0"/>
-                  <a:cs typeface="Segoe UI" pitchFamily="34" charset="0"/>
-                </a:rPr>
-                <a:t>X</a:t>
-              </a:r>
-            </a:p>
-            <a:p>
-              <a:pPr marL="269875" lvl="1" indent="-93663" defTabSz="932472" fontAlgn="base">
-                <a:lnSpc>
-                  <a:spcPct val="90000"/>
-                </a:lnSpc>
-                <a:spcBef>
-                  <a:spcPct val="0"/>
-                </a:spcBef>
-                <a:spcAft>
-                  <a:spcPct val="0"/>
-                </a:spcAft>
-                <a:buFont typeface="Arial" panose="020B0604020202020204" pitchFamily="34" charset="0"/>
-                <a:buChar char="•"/>
-              </a:pPr>
-              <a:r>
-                <a:rPr lang="en-CA" sz="800" dirty="0">
-                  <a:solidFill>
-                    <a:srgbClr val="0070C0"/>
-                  </a:solidFill>
-                  <a:cs typeface="Segoe UI" pitchFamily="34" charset="0"/>
-                </a:rPr>
-                <a:t>X</a:t>
-              </a:r>
-            </a:p>
-          </p:txBody>
-        </p:sp>
-      </p:grpSp>
-      <p:grpSp>
-        <p:nvGrpSpPr>
-          <p:cNvPr id="65" name="Group 64">
-            <a:extLst>
-              <a:ext uri="{FF2B5EF4-FFF2-40B4-BE49-F238E27FC236}">
-                <a16:creationId xmlns:a16="http://schemas.microsoft.com/office/drawing/2014/main" id="{B4A806D5-0892-438E-BCBC-547AAAE5BAA0}"/>
-              </a:ext>
-            </a:extLst>
-          </p:cNvPr>
-          <p:cNvGrpSpPr/>
-          <p:nvPr/>
-        </p:nvGrpSpPr>
-        <p:grpSpPr>
-          <a:xfrm>
-            <a:off x="3913684" y="10601483"/>
-            <a:ext cx="2986571" cy="1551839"/>
-            <a:chOff x="4520351" y="881287"/>
-            <a:chExt cx="2986571" cy="1551839"/>
-          </a:xfrm>
-        </p:grpSpPr>
-        <p:sp>
-          <p:nvSpPr>
-            <p:cNvPr id="66" name="Rectangle: Rounded Corners 65">
-              <a:extLst>
-                <a:ext uri="{FF2B5EF4-FFF2-40B4-BE49-F238E27FC236}">
-                  <a16:creationId xmlns:a16="http://schemas.microsoft.com/office/drawing/2014/main" id="{CFD18988-FE7F-4442-A735-DAFFB22514EC}"/>
-                </a:ext>
-              </a:extLst>
-            </p:cNvPr>
-            <p:cNvSpPr/>
-            <p:nvPr/>
-          </p:nvSpPr>
-          <p:spPr bwMode="auto">
-            <a:xfrm>
-              <a:off x="4520351" y="881287"/>
-              <a:ext cx="2986571" cy="419904"/>
-            </a:xfrm>
-            <a:prstGeom prst="roundRect">
-              <a:avLst/>
-            </a:prstGeom>
-            <a:solidFill>
-              <a:srgbClr val="0070C0"/>
-            </a:solidFill>
-            <a:ln>
-              <a:solidFill>
-                <a:srgbClr val="0070C0"/>
-              </a:solidFill>
-              <a:headEnd type="none" w="med" len="med"/>
-              <a:tailEnd type="none" w="med" len="med"/>
-            </a:ln>
-            <a:effectLst/>
-          </p:spPr>
-          <p:style>
-            <a:lnRef idx="1">
-              <a:schemeClr val="accent2"/>
-            </a:lnRef>
-            <a:fillRef idx="3">
-              <a:schemeClr val="accent2"/>
-            </a:fillRef>
-            <a:effectRef idx="2">
-              <a:schemeClr val="accent2"/>
-            </a:effectRef>
-            <a:fontRef idx="minor">
-              <a:schemeClr val="lt1"/>
-            </a:fontRef>
-          </p:style>
-          <p:txBody>
-            <a:bodyPr rot="0" spcFirstLastPara="0" vertOverflow="overflow" horzOverflow="overflow" vert="horz" wrap="square" lIns="0" tIns="0" rIns="0" bIns="0" numCol="1" spcCol="0" rtlCol="0" fromWordArt="0" anchor="ctr" anchorCtr="0" forceAA="0" compatLnSpc="1">
-              <a:prstTxWarp prst="textNoShape">
-                <a:avLst/>
-              </a:prstTxWarp>
-              <a:noAutofit/>
-            </a:bodyPr>
-            <a:lstStyle/>
-            <a:p>
-              <a:pPr algn="ctr" defTabSz="932472" fontAlgn="base">
-                <a:lnSpc>
-                  <a:spcPct val="90000"/>
-                </a:lnSpc>
-                <a:spcBef>
-                  <a:spcPct val="0"/>
-                </a:spcBef>
-                <a:spcAft>
-                  <a:spcPct val="0"/>
-                </a:spcAft>
-              </a:pPr>
-              <a:r>
-                <a:rPr lang="en-CA" sz="1600" dirty="0">
-                  <a:gradFill>
-                    <a:gsLst>
-                      <a:gs pos="0">
-                        <a:srgbClr val="FFFFFF"/>
-                      </a:gs>
-                      <a:gs pos="100000">
-                        <a:srgbClr val="FFFFFF"/>
-                      </a:gs>
-                    </a:gsLst>
-                    <a:lin ang="5400000" scaled="0"/>
-                  </a:gradFill>
-                  <a:ea typeface="Segoe UI" pitchFamily="34" charset="0"/>
-                  <a:cs typeface="Segoe UI" pitchFamily="34" charset="0"/>
-                </a:rPr>
-                <a:t>Monitor</a:t>
-              </a:r>
-            </a:p>
-          </p:txBody>
-        </p:sp>
-        <p:sp>
-          <p:nvSpPr>
-            <p:cNvPr id="67" name="Rectangle 66">
-              <a:extLst>
-                <a:ext uri="{FF2B5EF4-FFF2-40B4-BE49-F238E27FC236}">
-                  <a16:creationId xmlns:a16="http://schemas.microsoft.com/office/drawing/2014/main" id="{6C234B1F-8872-44AC-97BE-44AC46A01BF3}"/>
-                </a:ext>
-              </a:extLst>
-            </p:cNvPr>
-            <p:cNvSpPr/>
-            <p:nvPr/>
-          </p:nvSpPr>
-          <p:spPr bwMode="auto">
-            <a:xfrm>
-              <a:off x="4520352" y="1237886"/>
-              <a:ext cx="2986570" cy="1195240"/>
-            </a:xfrm>
-            <a:prstGeom prst="rect">
-              <a:avLst/>
-            </a:prstGeom>
-            <a:solidFill>
-              <a:schemeClr val="tx1"/>
-            </a:solidFill>
-            <a:ln>
-              <a:solidFill>
-                <a:srgbClr val="0070C0"/>
-              </a:solidFill>
-              <a:headEnd type="none" w="med" len="med"/>
-              <a:tailEnd type="none" w="med" len="med"/>
-            </a:ln>
-            <a:effectLst/>
-          </p:spPr>
-          <p:style>
-            <a:lnRef idx="1">
-              <a:schemeClr val="accent2"/>
-            </a:lnRef>
-            <a:fillRef idx="3">
-              <a:schemeClr val="accent2"/>
-            </a:fillRef>
-            <a:effectRef idx="2">
-              <a:schemeClr val="accent2"/>
-            </a:effectRef>
-            <a:fontRef idx="minor">
-              <a:schemeClr val="lt1"/>
-            </a:fontRef>
-          </p:style>
-          <p:txBody>
-            <a:bodyPr rot="0" spcFirstLastPara="0" vertOverflow="overflow" horzOverflow="overflow" vert="horz" wrap="square" lIns="36000" tIns="72000" rIns="0" bIns="0" numCol="1" spcCol="0" rtlCol="0" fromWordArt="0" anchor="ctr" anchorCtr="0" forceAA="0" compatLnSpc="1">
-              <a:prstTxWarp prst="textNoShape">
-                <a:avLst/>
-              </a:prstTxWarp>
-              <a:noAutofit/>
-            </a:bodyPr>
-            <a:lstStyle/>
-            <a:p>
-              <a:pPr defTabSz="932472" fontAlgn="base">
-                <a:lnSpc>
-                  <a:spcPct val="90000"/>
-                </a:lnSpc>
-                <a:spcBef>
-                  <a:spcPct val="0"/>
-                </a:spcBef>
-                <a:spcAft>
-                  <a:spcPct val="0"/>
-                </a:spcAft>
-              </a:pPr>
-              <a:r>
-                <a:rPr lang="en-CA" sz="900" b="1" dirty="0">
-                  <a:solidFill>
-                    <a:srgbClr val="0070C0"/>
-                  </a:solidFill>
-                  <a:ea typeface="Segoe UI" pitchFamily="34" charset="0"/>
-                  <a:cs typeface="Segoe UI" pitchFamily="34" charset="0"/>
-                </a:rPr>
-                <a:t>X</a:t>
-              </a:r>
-            </a:p>
-            <a:p>
-              <a:pPr marL="269875" lvl="1" indent="-93663" defTabSz="932472" fontAlgn="base">
-                <a:lnSpc>
-                  <a:spcPct val="90000"/>
-                </a:lnSpc>
-                <a:spcBef>
-                  <a:spcPct val="0"/>
-                </a:spcBef>
-                <a:spcAft>
-                  <a:spcPct val="0"/>
-                </a:spcAft>
-                <a:buFont typeface="Arial" panose="020B0604020202020204" pitchFamily="34" charset="0"/>
-                <a:buChar char="•"/>
-              </a:pPr>
-              <a:r>
-                <a:rPr lang="en-CA" sz="800" dirty="0">
-                  <a:solidFill>
-                    <a:srgbClr val="0070C0"/>
-                  </a:solidFill>
-                  <a:ea typeface="Segoe UI" pitchFamily="34" charset="0"/>
-                  <a:cs typeface="Segoe UI" pitchFamily="34" charset="0"/>
-                </a:rPr>
-                <a:t>X</a:t>
-              </a:r>
-              <a:endParaRPr lang="en-CA" sz="900" dirty="0">
-                <a:solidFill>
-                  <a:srgbClr val="0070C0"/>
-                </a:solidFill>
-                <a:ea typeface="Segoe UI" pitchFamily="34" charset="0"/>
-                <a:cs typeface="Segoe UI" pitchFamily="34" charset="0"/>
-              </a:endParaRPr>
-            </a:p>
-          </p:txBody>
-        </p:sp>
-      </p:grpSp>
-      <p:sp>
-        <p:nvSpPr>
           <p:cNvPr id="75" name="Rectangle 74">
             <a:extLst>
               <a:ext uri="{FF2B5EF4-FFF2-40B4-BE49-F238E27FC236}">
@@ -26561,7 +26046,7 @@
         </p:nvSpPr>
         <p:spPr bwMode="auto">
           <a:xfrm>
-            <a:off x="664724" y="5856052"/>
+            <a:off x="481249" y="5856052"/>
             <a:ext cx="6152525" cy="522356"/>
           </a:xfrm>
           <a:prstGeom prst="rect">
@@ -26627,41 +26112,8 @@
                 <a:ea typeface="Segoe UI" pitchFamily="34" charset="0"/>
                 <a:cs typeface="Segoe UI" pitchFamily="34" charset="0"/>
               </a:rPr>
-              <a:t>Operations </a:t>
+              <a:t>Operations Automation Strategies</a:t>
             </a:r>
-            <a:r>
-              <a:rPr lang="en-CA" sz="2400">
-                <a:gradFill>
-                  <a:gsLst>
-                    <a:gs pos="0">
-                      <a:srgbClr val="FFFFFF"/>
-                    </a:gs>
-                    <a:gs pos="100000">
-                      <a:srgbClr val="FFFFFF"/>
-                    </a:gs>
-                  </a:gsLst>
-                  <a:lin ang="5400000" scaled="0"/>
-                </a:gradFill>
-                <a:ea typeface="Segoe UI" pitchFamily="34" charset="0"/>
-                <a:cs typeface="Segoe UI" pitchFamily="34" charset="0"/>
-              </a:rPr>
-              <a:t>Automation Strategies</a:t>
-            </a:r>
-            <a:endParaRPr lang="en-CA" sz="2400" dirty="0">
-              <a:gradFill>
-                <a:gsLst>
-                  <a:gs pos="0">
-                    <a:srgbClr val="FFFFFF"/>
-                  </a:gs>
-                  <a:gs pos="100000">
-                    <a:srgbClr val="FFFFFF"/>
-                  </a:gs>
-                </a:gsLst>
-                <a:lin ang="5400000" scaled="0"/>
-              </a:gradFill>
-              <a:ea typeface="Segoe UI" pitchFamily="34" charset="0"/>
-              <a:cs typeface="Segoe UI" pitchFamily="34" charset="0"/>
-            </a:endParaRPr>
           </a:p>
         </p:txBody>
       </p:sp>
@@ -26679,7 +26131,7 @@
         </p:nvGrpSpPr>
         <p:grpSpPr>
           <a:xfrm>
-            <a:off x="664725" y="6378408"/>
+            <a:off x="481250" y="6378408"/>
             <a:ext cx="2986571" cy="2494372"/>
             <a:chOff x="1409999" y="881288"/>
             <a:chExt cx="2986571" cy="2494372"/>
@@ -26890,8 +26342,8 @@
         </p:nvGrpSpPr>
         <p:grpSpPr>
           <a:xfrm>
-            <a:off x="3830679" y="6378408"/>
-            <a:ext cx="2986571" cy="2496297"/>
+            <a:off x="3736895" y="6378408"/>
+            <a:ext cx="2891817" cy="2496297"/>
             <a:chOff x="4520351" y="881287"/>
             <a:chExt cx="2986571" cy="2496297"/>
           </a:xfrm>
@@ -28493,7 +27945,7 @@
         </p:nvGrpSpPr>
         <p:grpSpPr>
           <a:xfrm>
-            <a:off x="15018501" y="384852"/>
+            <a:off x="14854379" y="384852"/>
             <a:ext cx="6182255" cy="4789493"/>
             <a:chOff x="15018501" y="384852"/>
             <a:chExt cx="6182255" cy="4789493"/>
@@ -30594,97 +30046,12 @@
           </p:sp>
         </p:grpSp>
       </p:grpSp>
-      <p:sp>
-        <p:nvSpPr>
-          <p:cNvPr id="54" name="Rectangle 53">
+      <p:grpSp>
+        <p:nvGrpSpPr>
+          <p:cNvPr id="7" name="Group 6">
             <a:extLst>
               <a:ext uri="{FF2B5EF4-FFF2-40B4-BE49-F238E27FC236}">
-                <a16:creationId xmlns:a16="http://schemas.microsoft.com/office/drawing/2014/main" id="{25EDC57B-C3AE-495A-8223-B6C690ED017D}"/>
-              </a:ext>
-            </a:extLst>
-          </p:cNvPr>
-          <p:cNvSpPr/>
-          <p:nvPr/>
-        </p:nvSpPr>
-        <p:spPr bwMode="auto">
-          <a:xfrm>
-            <a:off x="7705237" y="8177718"/>
-            <a:ext cx="6165400" cy="545463"/>
-          </a:xfrm>
-          <a:prstGeom prst="rect">
-            <a:avLst/>
-          </a:prstGeom>
-          <a:solidFill>
-            <a:srgbClr val="002060"/>
-          </a:solidFill>
-          <a:ln>
-            <a:noFill/>
-            <a:headEnd type="none" w="med" len="med"/>
-            <a:tailEnd type="none" w="med" len="med"/>
-          </a:ln>
-          <a:effectLst/>
-        </p:spPr>
-        <p:style>
-          <a:lnRef idx="1">
-            <a:schemeClr val="accent2"/>
-          </a:lnRef>
-          <a:fillRef idx="3">
-            <a:schemeClr val="accent2"/>
-          </a:fillRef>
-          <a:effectRef idx="2">
-            <a:schemeClr val="accent2"/>
-          </a:effectRef>
-          <a:fontRef idx="minor">
-            <a:schemeClr val="lt1"/>
-          </a:fontRef>
-        </p:style>
-        <p:txBody>
-          <a:bodyPr rot="0" spcFirstLastPara="0" vertOverflow="overflow" horzOverflow="overflow" vert="horz" wrap="square" lIns="0" tIns="72000" rIns="0" bIns="146304" numCol="1" spcCol="0" rtlCol="0" fromWordArt="0" anchor="t" anchorCtr="0" forceAA="0" compatLnSpc="1">
-            <a:prstTxWarp prst="textNoShape">
-              <a:avLst/>
-            </a:prstTxWarp>
-            <a:noAutofit/>
-          </a:bodyPr>
-          <a:lstStyle/>
-          <a:p>
-            <a:pPr algn="ctr" defTabSz="932472" fontAlgn="base">
-              <a:lnSpc>
-                <a:spcPct val="90000"/>
-              </a:lnSpc>
-              <a:spcBef>
-                <a:spcPct val="0"/>
-              </a:spcBef>
-              <a:spcAft>
-                <a:spcPct val="0"/>
-              </a:spcAft>
-            </a:pPr>
-            <a:r>
-              <a:rPr lang="en-CA" sz="2400" dirty="0">
-                <a:gradFill>
-                  <a:gsLst>
-                    <a:gs pos="0">
-                      <a:srgbClr val="FFFFFF"/>
-                    </a:gs>
-                    <a:gs pos="100000">
-                      <a:srgbClr val="FFFFFF"/>
-                    </a:gs>
-                  </a:gsLst>
-                  <a:lin ang="5400000" scaled="0"/>
-                </a:gradFill>
-                <a:ea typeface="Segoe UI" pitchFamily="34" charset="0"/>
-                <a:cs typeface="Segoe UI" pitchFamily="34" charset="0"/>
-              </a:rPr>
-              <a:t>Messaging Services</a:t>
-            </a:r>
-          </a:p>
-        </p:txBody>
-      </p:sp>
-      <p:grpSp>
-        <p:nvGrpSpPr>
-          <p:cNvPr id="55" name="Group 54">
-            <a:extLst>
-              <a:ext uri="{FF2B5EF4-FFF2-40B4-BE49-F238E27FC236}">
-                <a16:creationId xmlns:a16="http://schemas.microsoft.com/office/drawing/2014/main" id="{1AAA18FE-B2F5-4EE8-811F-CD76586772FA}"/>
+                <a16:creationId xmlns:a16="http://schemas.microsoft.com/office/drawing/2014/main" id="{429CFB86-BCDB-4DC7-BCD2-8E6BD8615FF9}"/>
               </a:ext>
             </a:extLst>
           </p:cNvPr>
@@ -30693,18 +30060,18 @@
         </p:nvGrpSpPr>
         <p:grpSpPr>
           <a:xfrm>
-            <a:off x="7705238" y="8704456"/>
-            <a:ext cx="2986571" cy="1129611"/>
-            <a:chOff x="1409999" y="881288"/>
-            <a:chExt cx="2986571" cy="1129611"/>
+            <a:off x="476184" y="10094726"/>
+            <a:ext cx="6260157" cy="4487690"/>
+            <a:chOff x="569968" y="10094726"/>
+            <a:chExt cx="6260157" cy="4487690"/>
           </a:xfrm>
         </p:grpSpPr>
         <p:sp>
           <p:nvSpPr>
-            <p:cNvPr id="56" name="Rectangle: Rounded Corners 55">
+            <p:cNvPr id="54" name="Rectangle 53">
               <a:extLst>
                 <a:ext uri="{FF2B5EF4-FFF2-40B4-BE49-F238E27FC236}">
-                  <a16:creationId xmlns:a16="http://schemas.microsoft.com/office/drawing/2014/main" id="{2BD67479-2FD2-4CF7-A3CC-64D4F6B06236}"/>
+                  <a16:creationId xmlns:a16="http://schemas.microsoft.com/office/drawing/2014/main" id="{25EDC57B-C3AE-495A-8223-B6C690ED017D}"/>
                 </a:ext>
               </a:extLst>
             </p:cNvPr>
@@ -30713,19 +30080,17 @@
           </p:nvSpPr>
           <p:spPr bwMode="auto">
             <a:xfrm>
-              <a:off x="1409999" y="881288"/>
-              <a:ext cx="2986571" cy="419904"/>
+              <a:off x="569968" y="10094726"/>
+              <a:ext cx="6260156" cy="545463"/>
             </a:xfrm>
-            <a:prstGeom prst="roundRect">
+            <a:prstGeom prst="rect">
               <a:avLst/>
             </a:prstGeom>
             <a:solidFill>
-              <a:srgbClr val="0070C0"/>
+              <a:srgbClr val="002060"/>
             </a:solidFill>
             <a:ln>
-              <a:solidFill>
-                <a:srgbClr val="0070C0"/>
-              </a:solidFill>
+              <a:noFill/>
               <a:headEnd type="none" w="med" len="med"/>
               <a:tailEnd type="none" w="med" len="med"/>
             </a:ln>
@@ -30746,7 +30111,7 @@
             </a:fontRef>
           </p:style>
           <p:txBody>
-            <a:bodyPr rot="0" spcFirstLastPara="0" vertOverflow="overflow" horzOverflow="overflow" vert="horz" wrap="square" lIns="0" tIns="0" rIns="0" bIns="0" numCol="1" spcCol="0" rtlCol="0" fromWordArt="0" anchor="ctr" anchorCtr="0" forceAA="0" compatLnSpc="1">
+            <a:bodyPr rot="0" spcFirstLastPara="0" vertOverflow="overflow" horzOverflow="overflow" vert="horz" wrap="square" lIns="0" tIns="72000" rIns="0" bIns="146304" numCol="1" spcCol="0" rtlCol="0" fromWordArt="0" anchor="t" anchorCtr="0" forceAA="0" compatLnSpc="1">
               <a:prstTxWarp prst="textNoShape">
                 <a:avLst/>
               </a:prstTxWarp>
@@ -30766,7 +30131,7 @@
                 </a:spcAft>
               </a:pPr>
               <a:r>
-                <a:rPr lang="en-CA" sz="1600" dirty="0">
+                <a:rPr lang="en-CA" sz="2400" dirty="0">
                   <a:gradFill>
                     <a:gsLst>
                       <a:gs pos="0">
@@ -30781,1431 +30146,1539 @@
                   <a:ea typeface="Segoe UI" pitchFamily="34" charset="0"/>
                   <a:cs typeface="Segoe UI" pitchFamily="34" charset="0"/>
                 </a:rPr>
-                <a:t>Storage Queue</a:t>
+                <a:t>Messaging Services</a:t>
               </a:r>
             </a:p>
           </p:txBody>
         </p:sp>
-        <p:sp>
-          <p:nvSpPr>
-            <p:cNvPr id="57" name="Rectangle 56">
+        <p:grpSp>
+          <p:nvGrpSpPr>
+            <p:cNvPr id="55" name="Group 54">
               <a:extLst>
                 <a:ext uri="{FF2B5EF4-FFF2-40B4-BE49-F238E27FC236}">
-                  <a16:creationId xmlns:a16="http://schemas.microsoft.com/office/drawing/2014/main" id="{CD5C1549-B7E1-47C7-BC5F-445D64617D49}"/>
+                  <a16:creationId xmlns:a16="http://schemas.microsoft.com/office/drawing/2014/main" id="{1AAA18FE-B2F5-4EE8-811F-CD76586772FA}"/>
                 </a:ext>
               </a:extLst>
             </p:cNvPr>
-            <p:cNvSpPr/>
+            <p:cNvGrpSpPr/>
             <p:nvPr/>
-          </p:nvSpPr>
-          <p:spPr bwMode="auto">
+          </p:nvGrpSpPr>
+          <p:grpSpPr>
             <a:xfrm>
-              <a:off x="1410000" y="1237887"/>
-              <a:ext cx="2986570" cy="773012"/>
+              <a:off x="569969" y="10612124"/>
+              <a:ext cx="2986571" cy="1129611"/>
+              <a:chOff x="1409999" y="881288"/>
+              <a:chExt cx="2986571" cy="1129611"/>
             </a:xfrm>
-            <a:prstGeom prst="rect">
-              <a:avLst/>
-            </a:prstGeom>
-            <a:solidFill>
-              <a:schemeClr val="tx1"/>
-            </a:solidFill>
-            <a:ln>
+          </p:grpSpPr>
+          <p:sp>
+            <p:nvSpPr>
+              <p:cNvPr id="56" name="Rectangle: Rounded Corners 55">
+                <a:extLst>
+                  <a:ext uri="{FF2B5EF4-FFF2-40B4-BE49-F238E27FC236}">
+                    <a16:creationId xmlns:a16="http://schemas.microsoft.com/office/drawing/2014/main" id="{2BD67479-2FD2-4CF7-A3CC-64D4F6B06236}"/>
+                  </a:ext>
+                </a:extLst>
+              </p:cNvPr>
+              <p:cNvSpPr/>
+              <p:nvPr/>
+            </p:nvSpPr>
+            <p:spPr bwMode="auto">
+              <a:xfrm>
+                <a:off x="1409999" y="881288"/>
+                <a:ext cx="2986571" cy="419904"/>
+              </a:xfrm>
+              <a:prstGeom prst="roundRect">
+                <a:avLst/>
+              </a:prstGeom>
               <a:solidFill>
                 <a:srgbClr val="0070C0"/>
               </a:solidFill>
-              <a:headEnd type="none" w="med" len="med"/>
-              <a:tailEnd type="none" w="med" len="med"/>
-            </a:ln>
-            <a:effectLst/>
-          </p:spPr>
-          <p:style>
-            <a:lnRef idx="1">
-              <a:schemeClr val="accent2"/>
-            </a:lnRef>
-            <a:fillRef idx="3">
-              <a:schemeClr val="accent2"/>
-            </a:fillRef>
-            <a:effectRef idx="2">
-              <a:schemeClr val="accent2"/>
-            </a:effectRef>
-            <a:fontRef idx="minor">
-              <a:schemeClr val="lt1"/>
-            </a:fontRef>
-          </p:style>
-          <p:txBody>
-            <a:bodyPr rot="0" spcFirstLastPara="0" vertOverflow="overflow" horzOverflow="overflow" vert="horz" wrap="square" lIns="36000" tIns="72000" rIns="0" bIns="0" numCol="1" spcCol="0" rtlCol="0" fromWordArt="0" anchor="ctr" anchorCtr="0" forceAA="0" compatLnSpc="1">
-              <a:prstTxWarp prst="textNoShape">
+              <a:ln>
+                <a:solidFill>
+                  <a:srgbClr val="0070C0"/>
+                </a:solidFill>
+                <a:headEnd type="none" w="med" len="med"/>
+                <a:tailEnd type="none" w="med" len="med"/>
+              </a:ln>
+              <a:effectLst/>
+            </p:spPr>
+            <p:style>
+              <a:lnRef idx="1">
+                <a:schemeClr val="accent2"/>
+              </a:lnRef>
+              <a:fillRef idx="3">
+                <a:schemeClr val="accent2"/>
+              </a:fillRef>
+              <a:effectRef idx="2">
+                <a:schemeClr val="accent2"/>
+              </a:effectRef>
+              <a:fontRef idx="minor">
+                <a:schemeClr val="lt1"/>
+              </a:fontRef>
+            </p:style>
+            <p:txBody>
+              <a:bodyPr rot="0" spcFirstLastPara="0" vertOverflow="overflow" horzOverflow="overflow" vert="horz" wrap="square" lIns="0" tIns="0" rIns="0" bIns="0" numCol="1" spcCol="0" rtlCol="0" fromWordArt="0" anchor="ctr" anchorCtr="0" forceAA="0" compatLnSpc="1">
+                <a:prstTxWarp prst="textNoShape">
+                  <a:avLst/>
+                </a:prstTxWarp>
+                <a:noAutofit/>
+              </a:bodyPr>
+              <a:lstStyle/>
+              <a:p>
+                <a:pPr algn="ctr" defTabSz="932472" fontAlgn="base">
+                  <a:lnSpc>
+                    <a:spcPct val="90000"/>
+                  </a:lnSpc>
+                  <a:spcBef>
+                    <a:spcPct val="0"/>
+                  </a:spcBef>
+                  <a:spcAft>
+                    <a:spcPct val="0"/>
+                  </a:spcAft>
+                </a:pPr>
+                <a:r>
+                  <a:rPr lang="en-CA" sz="1600" dirty="0">
+                    <a:gradFill>
+                      <a:gsLst>
+                        <a:gs pos="0">
+                          <a:srgbClr val="FFFFFF"/>
+                        </a:gs>
+                        <a:gs pos="100000">
+                          <a:srgbClr val="FFFFFF"/>
+                        </a:gs>
+                      </a:gsLst>
+                      <a:lin ang="5400000" scaled="0"/>
+                    </a:gradFill>
+                    <a:ea typeface="Segoe UI" pitchFamily="34" charset="0"/>
+                    <a:cs typeface="Segoe UI" pitchFamily="34" charset="0"/>
+                  </a:rPr>
+                  <a:t>Storage Queue</a:t>
+                </a:r>
+              </a:p>
+            </p:txBody>
+          </p:sp>
+          <p:sp>
+            <p:nvSpPr>
+              <p:cNvPr id="57" name="Rectangle 56">
+                <a:extLst>
+                  <a:ext uri="{FF2B5EF4-FFF2-40B4-BE49-F238E27FC236}">
+                    <a16:creationId xmlns:a16="http://schemas.microsoft.com/office/drawing/2014/main" id="{CD5C1549-B7E1-47C7-BC5F-445D64617D49}"/>
+                  </a:ext>
+                </a:extLst>
+              </p:cNvPr>
+              <p:cNvSpPr/>
+              <p:nvPr/>
+            </p:nvSpPr>
+            <p:spPr bwMode="auto">
+              <a:xfrm>
+                <a:off x="1410000" y="1237887"/>
+                <a:ext cx="2986570" cy="773012"/>
+              </a:xfrm>
+              <a:prstGeom prst="rect">
                 <a:avLst/>
-              </a:prstTxWarp>
-              <a:noAutofit/>
-            </a:bodyPr>
-            <a:lstStyle/>
-            <a:p>
-              <a:pPr defTabSz="932472" fontAlgn="base">
-                <a:lnSpc>
-                  <a:spcPct val="90000"/>
-                </a:lnSpc>
-                <a:spcBef>
-                  <a:spcPct val="0"/>
-                </a:spcBef>
-                <a:spcAft>
-                  <a:spcPct val="0"/>
-                </a:spcAft>
-              </a:pPr>
-              <a:r>
-                <a:rPr lang="en-CA" sz="900" b="1" dirty="0">
+              </a:prstGeom>
+              <a:solidFill>
+                <a:schemeClr val="tx1"/>
+              </a:solidFill>
+              <a:ln>
+                <a:solidFill>
+                  <a:srgbClr val="0070C0"/>
+                </a:solidFill>
+                <a:headEnd type="none" w="med" len="med"/>
+                <a:tailEnd type="none" w="med" len="med"/>
+              </a:ln>
+              <a:effectLst/>
+            </p:spPr>
+            <p:style>
+              <a:lnRef idx="1">
+                <a:schemeClr val="accent2"/>
+              </a:lnRef>
+              <a:fillRef idx="3">
+                <a:schemeClr val="accent2"/>
+              </a:fillRef>
+              <a:effectRef idx="2">
+                <a:schemeClr val="accent2"/>
+              </a:effectRef>
+              <a:fontRef idx="minor">
+                <a:schemeClr val="lt1"/>
+              </a:fontRef>
+            </p:style>
+            <p:txBody>
+              <a:bodyPr rot="0" spcFirstLastPara="0" vertOverflow="overflow" horzOverflow="overflow" vert="horz" wrap="square" lIns="36000" tIns="72000" rIns="0" bIns="0" numCol="1" spcCol="0" rtlCol="0" fromWordArt="0" anchor="ctr" anchorCtr="0" forceAA="0" compatLnSpc="1">
+                <a:prstTxWarp prst="textNoShape">
+                  <a:avLst/>
+                </a:prstTxWarp>
+                <a:noAutofit/>
+              </a:bodyPr>
+              <a:lstStyle/>
+              <a:p>
+                <a:pPr defTabSz="932472" fontAlgn="base">
+                  <a:lnSpc>
+                    <a:spcPct val="90000"/>
+                  </a:lnSpc>
+                  <a:spcBef>
+                    <a:spcPct val="0"/>
+                  </a:spcBef>
+                  <a:spcAft>
+                    <a:spcPct val="0"/>
+                  </a:spcAft>
+                </a:pPr>
+                <a:r>
+                  <a:rPr lang="en-CA" sz="900" b="1" dirty="0">
+                    <a:solidFill>
+                      <a:srgbClr val="0070C0"/>
+                    </a:solidFill>
+                    <a:ea typeface="Segoe UI" pitchFamily="34" charset="0"/>
+                    <a:cs typeface="Segoe UI" pitchFamily="34" charset="0"/>
+                  </a:rPr>
+                  <a:t>Asynchronous processing of messages</a:t>
+                </a:r>
+              </a:p>
+              <a:p>
+                <a:pPr marL="269875" lvl="1" indent="-93663" defTabSz="932472" fontAlgn="base">
+                  <a:lnSpc>
+                    <a:spcPct val="90000"/>
+                  </a:lnSpc>
+                  <a:spcBef>
+                    <a:spcPct val="0"/>
+                  </a:spcBef>
+                  <a:spcAft>
+                    <a:spcPct val="0"/>
+                  </a:spcAft>
+                  <a:buFont typeface="Arial" panose="020B0604020202020204" pitchFamily="34" charset="0"/>
+                  <a:buChar char="•"/>
+                </a:pPr>
+                <a:r>
+                  <a:rPr lang="en-CA" sz="800" dirty="0">
+                    <a:solidFill>
+                      <a:srgbClr val="0070C0"/>
+                    </a:solidFill>
+                    <a:cs typeface="Segoe UI" pitchFamily="34" charset="0"/>
+                  </a:rPr>
+                  <a:t>Messages up to 64KB in size</a:t>
+                </a:r>
+              </a:p>
+              <a:p>
+                <a:pPr marL="269875" lvl="1" indent="-93663" defTabSz="932472" fontAlgn="base">
+                  <a:lnSpc>
+                    <a:spcPct val="90000"/>
+                  </a:lnSpc>
+                  <a:spcBef>
+                    <a:spcPct val="0"/>
+                  </a:spcBef>
+                  <a:spcAft>
+                    <a:spcPct val="0"/>
+                  </a:spcAft>
+                  <a:buFont typeface="Arial" panose="020B0604020202020204" pitchFamily="34" charset="0"/>
+                  <a:buChar char="•"/>
+                </a:pPr>
+                <a:r>
+                  <a:rPr lang="en-CA" sz="800" dirty="0">
+                    <a:solidFill>
+                      <a:srgbClr val="0070C0"/>
+                    </a:solidFill>
+                    <a:cs typeface="Segoe UI" pitchFamily="34" charset="0"/>
+                  </a:rPr>
+                  <a:t>7 days retention maximum</a:t>
+                </a:r>
+              </a:p>
+              <a:p>
+                <a:pPr marL="269875" lvl="1" indent="-93663" defTabSz="932472" fontAlgn="base">
+                  <a:lnSpc>
+                    <a:spcPct val="90000"/>
+                  </a:lnSpc>
+                  <a:spcBef>
+                    <a:spcPct val="0"/>
+                  </a:spcBef>
+                  <a:spcAft>
+                    <a:spcPct val="0"/>
+                  </a:spcAft>
+                  <a:buFont typeface="Arial" panose="020B0604020202020204" pitchFamily="34" charset="0"/>
+                  <a:buChar char="•"/>
+                </a:pPr>
+                <a:r>
+                  <a:rPr lang="en-CA" sz="800" dirty="0">
+                    <a:solidFill>
+                      <a:srgbClr val="0070C0"/>
+                    </a:solidFill>
+                    <a:cs typeface="Segoe UI" pitchFamily="34" charset="0"/>
+                  </a:rPr>
+                  <a:t>Messages become visible after 30sec if not deleted</a:t>
+                </a:r>
+              </a:p>
+              <a:p>
+                <a:pPr marL="269875" lvl="1" indent="-93663" defTabSz="932472" fontAlgn="base">
+                  <a:lnSpc>
+                    <a:spcPct val="90000"/>
+                  </a:lnSpc>
+                  <a:spcBef>
+                    <a:spcPct val="0"/>
+                  </a:spcBef>
+                  <a:spcAft>
+                    <a:spcPct val="0"/>
+                  </a:spcAft>
+                  <a:buFont typeface="Arial" panose="020B0604020202020204" pitchFamily="34" charset="0"/>
+                  <a:buChar char="•"/>
+                </a:pPr>
+                <a:r>
+                  <a:rPr lang="en-CA" sz="800" dirty="0">
+                    <a:solidFill>
+                      <a:srgbClr val="0070C0"/>
+                    </a:solidFill>
+                    <a:cs typeface="Segoe UI" pitchFamily="34" charset="0"/>
+                  </a:rPr>
+                  <a:t>Multiple receivers</a:t>
+                </a:r>
+              </a:p>
+            </p:txBody>
+          </p:sp>
+        </p:grpSp>
+        <p:grpSp>
+          <p:nvGrpSpPr>
+            <p:cNvPr id="58" name="Group 57">
+              <a:extLst>
+                <a:ext uri="{FF2B5EF4-FFF2-40B4-BE49-F238E27FC236}">
+                  <a16:creationId xmlns:a16="http://schemas.microsoft.com/office/drawing/2014/main" id="{49C5C93F-664E-4570-BA2F-F73494718CFE}"/>
+                </a:ext>
+              </a:extLst>
+            </p:cNvPr>
+            <p:cNvGrpSpPr/>
+            <p:nvPr/>
+          </p:nvGrpSpPr>
+          <p:grpSpPr>
+            <a:xfrm>
+              <a:off x="3843553" y="10621463"/>
+              <a:ext cx="2986571" cy="1604032"/>
+              <a:chOff x="4520351" y="881287"/>
+              <a:chExt cx="2986571" cy="1604032"/>
+            </a:xfrm>
+          </p:grpSpPr>
+          <p:sp>
+            <p:nvSpPr>
+              <p:cNvPr id="59" name="Rectangle: Rounded Corners 58">
+                <a:extLst>
+                  <a:ext uri="{FF2B5EF4-FFF2-40B4-BE49-F238E27FC236}">
+                    <a16:creationId xmlns:a16="http://schemas.microsoft.com/office/drawing/2014/main" id="{2253A917-36E9-4895-ACF5-D51AAAB85800}"/>
+                  </a:ext>
+                </a:extLst>
+              </p:cNvPr>
+              <p:cNvSpPr/>
+              <p:nvPr/>
+            </p:nvSpPr>
+            <p:spPr bwMode="auto">
+              <a:xfrm>
+                <a:off x="4520351" y="881287"/>
+                <a:ext cx="2986571" cy="419904"/>
+              </a:xfrm>
+              <a:prstGeom prst="roundRect">
+                <a:avLst/>
+              </a:prstGeom>
+              <a:solidFill>
+                <a:srgbClr val="0070C0"/>
+              </a:solidFill>
+              <a:ln>
+                <a:solidFill>
+                  <a:srgbClr val="0070C0"/>
+                </a:solidFill>
+                <a:headEnd type="none" w="med" len="med"/>
+                <a:tailEnd type="none" w="med" len="med"/>
+              </a:ln>
+              <a:effectLst/>
+            </p:spPr>
+            <p:style>
+              <a:lnRef idx="1">
+                <a:schemeClr val="accent2"/>
+              </a:lnRef>
+              <a:fillRef idx="3">
+                <a:schemeClr val="accent2"/>
+              </a:fillRef>
+              <a:effectRef idx="2">
+                <a:schemeClr val="accent2"/>
+              </a:effectRef>
+              <a:fontRef idx="minor">
+                <a:schemeClr val="lt1"/>
+              </a:fontRef>
+            </p:style>
+            <p:txBody>
+              <a:bodyPr rot="0" spcFirstLastPara="0" vertOverflow="overflow" horzOverflow="overflow" vert="horz" wrap="square" lIns="0" tIns="0" rIns="0" bIns="0" numCol="1" spcCol="0" rtlCol="0" fromWordArt="0" anchor="ctr" anchorCtr="0" forceAA="0" compatLnSpc="1">
+                <a:prstTxWarp prst="textNoShape">
+                  <a:avLst/>
+                </a:prstTxWarp>
+                <a:noAutofit/>
+              </a:bodyPr>
+              <a:lstStyle/>
+              <a:p>
+                <a:pPr algn="ctr" defTabSz="932472" fontAlgn="base">
+                  <a:lnSpc>
+                    <a:spcPct val="90000"/>
+                  </a:lnSpc>
+                  <a:spcBef>
+                    <a:spcPct val="0"/>
+                  </a:spcBef>
+                  <a:spcAft>
+                    <a:spcPct val="0"/>
+                  </a:spcAft>
+                </a:pPr>
+                <a:r>
+                  <a:rPr lang="en-CA" sz="1600" dirty="0">
+                    <a:gradFill>
+                      <a:gsLst>
+                        <a:gs pos="0">
+                          <a:srgbClr val="FFFFFF"/>
+                        </a:gs>
+                        <a:gs pos="100000">
+                          <a:srgbClr val="FFFFFF"/>
+                        </a:gs>
+                      </a:gsLst>
+                      <a:lin ang="5400000" scaled="0"/>
+                    </a:gradFill>
+                    <a:ea typeface="Segoe UI" pitchFamily="34" charset="0"/>
+                    <a:cs typeface="Segoe UI" pitchFamily="34" charset="0"/>
+                  </a:rPr>
+                  <a:t>Service Bus</a:t>
+                </a:r>
+              </a:p>
+            </p:txBody>
+          </p:sp>
+          <p:sp>
+            <p:nvSpPr>
+              <p:cNvPr id="60" name="Rectangle 59">
+                <a:extLst>
+                  <a:ext uri="{FF2B5EF4-FFF2-40B4-BE49-F238E27FC236}">
+                    <a16:creationId xmlns:a16="http://schemas.microsoft.com/office/drawing/2014/main" id="{883CC65F-880C-4D38-9BA9-ACE002C14391}"/>
+                  </a:ext>
+                </a:extLst>
+              </p:cNvPr>
+              <p:cNvSpPr/>
+              <p:nvPr/>
+            </p:nvSpPr>
+            <p:spPr bwMode="auto">
+              <a:xfrm>
+                <a:off x="4520352" y="1237887"/>
+                <a:ext cx="2986570" cy="1247432"/>
+              </a:xfrm>
+              <a:prstGeom prst="rect">
+                <a:avLst/>
+              </a:prstGeom>
+              <a:solidFill>
+                <a:schemeClr val="tx1"/>
+              </a:solidFill>
+              <a:ln>
+                <a:solidFill>
+                  <a:srgbClr val="0070C0"/>
+                </a:solidFill>
+                <a:headEnd type="none" w="med" len="med"/>
+                <a:tailEnd type="none" w="med" len="med"/>
+              </a:ln>
+              <a:effectLst/>
+            </p:spPr>
+            <p:style>
+              <a:lnRef idx="1">
+                <a:schemeClr val="accent2"/>
+              </a:lnRef>
+              <a:fillRef idx="3">
+                <a:schemeClr val="accent2"/>
+              </a:fillRef>
+              <a:effectRef idx="2">
+                <a:schemeClr val="accent2"/>
+              </a:effectRef>
+              <a:fontRef idx="minor">
+                <a:schemeClr val="lt1"/>
+              </a:fontRef>
+            </p:style>
+            <p:txBody>
+              <a:bodyPr rot="0" spcFirstLastPara="0" vertOverflow="overflow" horzOverflow="overflow" vert="horz" wrap="square" lIns="36000" tIns="72000" rIns="0" bIns="0" numCol="1" spcCol="0" rtlCol="0" fromWordArt="0" anchor="ctr" anchorCtr="0" forceAA="0" compatLnSpc="1">
+                <a:prstTxWarp prst="textNoShape">
+                  <a:avLst/>
+                </a:prstTxWarp>
+                <a:noAutofit/>
+              </a:bodyPr>
+              <a:lstStyle/>
+              <a:p>
+                <a:pPr defTabSz="932472" fontAlgn="base">
+                  <a:lnSpc>
+                    <a:spcPct val="90000"/>
+                  </a:lnSpc>
+                  <a:spcBef>
+                    <a:spcPct val="0"/>
+                  </a:spcBef>
+                  <a:spcAft>
+                    <a:spcPct val="0"/>
+                  </a:spcAft>
+                </a:pPr>
+                <a:r>
+                  <a:rPr lang="en-CA" sz="900" b="1" dirty="0">
+                    <a:solidFill>
+                      <a:srgbClr val="0070C0"/>
+                    </a:solidFill>
+                    <a:ea typeface="Segoe UI" pitchFamily="34" charset="0"/>
+                    <a:cs typeface="Segoe UI" pitchFamily="34" charset="0"/>
+                  </a:rPr>
+                  <a:t>Reliable, brokered messaging system</a:t>
+                </a:r>
+              </a:p>
+              <a:p>
+                <a:pPr marL="269875" lvl="1" indent="-93663" defTabSz="932472" fontAlgn="base">
+                  <a:lnSpc>
+                    <a:spcPct val="90000"/>
+                  </a:lnSpc>
+                  <a:spcBef>
+                    <a:spcPct val="0"/>
+                  </a:spcBef>
+                  <a:spcAft>
+                    <a:spcPct val="0"/>
+                  </a:spcAft>
+                  <a:buFont typeface="Arial" panose="020B0604020202020204" pitchFamily="34" charset="0"/>
+                  <a:buChar char="•"/>
+                </a:pPr>
+                <a:r>
+                  <a:rPr lang="en-CA" sz="800" dirty="0">
+                    <a:solidFill>
+                      <a:srgbClr val="0070C0"/>
+                    </a:solidFill>
+                    <a:ea typeface="Segoe UI" pitchFamily="34" charset="0"/>
+                    <a:cs typeface="Segoe UI" pitchFamily="34" charset="0"/>
+                  </a:rPr>
+                  <a:t>Ideal for Integration and IoT scenarios</a:t>
+                </a:r>
+              </a:p>
+              <a:p>
+                <a:pPr marL="269875" lvl="1" indent="-93663" defTabSz="932472" fontAlgn="base">
+                  <a:lnSpc>
+                    <a:spcPct val="90000"/>
+                  </a:lnSpc>
+                  <a:spcBef>
+                    <a:spcPct val="0"/>
+                  </a:spcBef>
+                  <a:spcAft>
+                    <a:spcPct val="0"/>
+                  </a:spcAft>
+                  <a:buFont typeface="Arial" panose="020B0604020202020204" pitchFamily="34" charset="0"/>
+                  <a:buChar char="•"/>
+                </a:pPr>
+                <a:r>
+                  <a:rPr lang="en-CA" sz="800" dirty="0">
+                    <a:solidFill>
+                      <a:srgbClr val="0070C0"/>
+                    </a:solidFill>
+                    <a:ea typeface="Segoe UI" pitchFamily="34" charset="0"/>
+                    <a:cs typeface="Segoe UI" pitchFamily="34" charset="0"/>
+                  </a:rPr>
+                  <a:t>Messages up to 256KB (basic) and 1MB (premium)</a:t>
+                </a:r>
+              </a:p>
+              <a:p>
+                <a:pPr marL="269875" lvl="1" indent="-93663" defTabSz="932472" fontAlgn="base">
+                  <a:lnSpc>
+                    <a:spcPct val="90000"/>
+                  </a:lnSpc>
+                  <a:spcBef>
+                    <a:spcPct val="0"/>
+                  </a:spcBef>
+                  <a:spcAft>
+                    <a:spcPct val="0"/>
+                  </a:spcAft>
+                  <a:buFont typeface="Arial" panose="020B0604020202020204" pitchFamily="34" charset="0"/>
+                  <a:buChar char="•"/>
+                </a:pPr>
+                <a:r>
+                  <a:rPr lang="en-CA" sz="800" dirty="0">
+                    <a:solidFill>
+                      <a:srgbClr val="0070C0"/>
+                    </a:solidFill>
+                    <a:ea typeface="Segoe UI" pitchFamily="34" charset="0"/>
+                    <a:cs typeface="Segoe UI" pitchFamily="34" charset="0"/>
+                  </a:rPr>
+                  <a:t>Queues – first in first out (FIFO), one consumer</a:t>
+                </a:r>
+              </a:p>
+              <a:p>
+                <a:pPr marL="269875" lvl="1" indent="-93663" defTabSz="932472" fontAlgn="base">
+                  <a:lnSpc>
+                    <a:spcPct val="90000"/>
+                  </a:lnSpc>
+                  <a:spcBef>
+                    <a:spcPct val="0"/>
+                  </a:spcBef>
+                  <a:spcAft>
+                    <a:spcPct val="0"/>
+                  </a:spcAft>
+                  <a:buFont typeface="Arial" panose="020B0604020202020204" pitchFamily="34" charset="0"/>
+                  <a:buChar char="•"/>
+                </a:pPr>
+                <a:r>
+                  <a:rPr lang="en-CA" sz="800" dirty="0">
+                    <a:solidFill>
+                      <a:srgbClr val="0070C0"/>
+                    </a:solidFill>
+                    <a:ea typeface="Segoe UI" pitchFamily="34" charset="0"/>
+                    <a:cs typeface="Segoe UI" pitchFamily="34" charset="0"/>
+                  </a:rPr>
+                  <a:t>Sessions – grouping of messages by session ID</a:t>
+                </a:r>
+              </a:p>
+              <a:p>
+                <a:pPr marL="269875" lvl="1" indent="-93663" defTabSz="932472" fontAlgn="base">
+                  <a:lnSpc>
+                    <a:spcPct val="90000"/>
+                  </a:lnSpc>
+                  <a:spcBef>
+                    <a:spcPct val="0"/>
+                  </a:spcBef>
+                  <a:spcAft>
+                    <a:spcPct val="0"/>
+                  </a:spcAft>
+                  <a:buFont typeface="Arial" panose="020B0604020202020204" pitchFamily="34" charset="0"/>
+                  <a:buChar char="•"/>
+                </a:pPr>
+                <a:r>
+                  <a:rPr lang="en-CA" sz="800" dirty="0">
+                    <a:solidFill>
+                      <a:srgbClr val="0070C0"/>
+                    </a:solidFill>
+                    <a:ea typeface="Segoe UI" pitchFamily="34" charset="0"/>
+                    <a:cs typeface="Segoe UI" pitchFamily="34" charset="0"/>
+                  </a:rPr>
+                  <a:t>Topics – Publish/subscribe by multiple consumers</a:t>
+                </a:r>
+              </a:p>
+              <a:p>
+                <a:pPr marL="269875" lvl="1" indent="-93663" defTabSz="932472" fontAlgn="base">
+                  <a:lnSpc>
+                    <a:spcPct val="90000"/>
+                  </a:lnSpc>
+                  <a:spcBef>
+                    <a:spcPct val="0"/>
+                  </a:spcBef>
+                  <a:spcAft>
+                    <a:spcPct val="0"/>
+                  </a:spcAft>
+                  <a:buFont typeface="Arial" panose="020B0604020202020204" pitchFamily="34" charset="0"/>
+                  <a:buChar char="•"/>
+                </a:pPr>
+                <a:r>
+                  <a:rPr lang="en-CA" sz="800" dirty="0">
+                    <a:solidFill>
+                      <a:srgbClr val="0070C0"/>
+                    </a:solidFill>
+                    <a:ea typeface="Segoe UI" pitchFamily="34" charset="0"/>
+                    <a:cs typeface="Segoe UI" pitchFamily="34" charset="0"/>
+                  </a:rPr>
+                  <a:t>Subscriptions – Apps connect to sub to get to topics</a:t>
+                </a:r>
+              </a:p>
+              <a:p>
+                <a:pPr marL="269875" lvl="1" indent="-93663" defTabSz="932472" fontAlgn="base">
+                  <a:lnSpc>
+                    <a:spcPct val="90000"/>
+                  </a:lnSpc>
+                  <a:spcBef>
+                    <a:spcPct val="0"/>
+                  </a:spcBef>
+                  <a:spcAft>
+                    <a:spcPct val="0"/>
+                  </a:spcAft>
+                  <a:buFont typeface="Arial" panose="020B0604020202020204" pitchFamily="34" charset="0"/>
+                  <a:buChar char="•"/>
+                </a:pPr>
+                <a:r>
+                  <a:rPr lang="en-CA" sz="800" dirty="0">
+                    <a:solidFill>
+                      <a:srgbClr val="0070C0"/>
+                    </a:solidFill>
+                    <a:ea typeface="Segoe UI" pitchFamily="34" charset="0"/>
+                    <a:cs typeface="Segoe UI" pitchFamily="34" charset="0"/>
+                  </a:rPr>
+                  <a:t>WCF Relays – gateway for on-prem WCF services to Azure</a:t>
+                </a:r>
+              </a:p>
+              <a:p>
+                <a:pPr marL="269875" lvl="1" indent="-93663" defTabSz="932472" fontAlgn="base">
+                  <a:lnSpc>
+                    <a:spcPct val="90000"/>
+                  </a:lnSpc>
+                  <a:spcBef>
+                    <a:spcPct val="0"/>
+                  </a:spcBef>
+                  <a:spcAft>
+                    <a:spcPct val="0"/>
+                  </a:spcAft>
+                  <a:buFont typeface="Arial" panose="020B0604020202020204" pitchFamily="34" charset="0"/>
+                  <a:buChar char="•"/>
+                </a:pPr>
+                <a:r>
+                  <a:rPr lang="en-CA" sz="800" dirty="0">
+                    <a:solidFill>
+                      <a:srgbClr val="0070C0"/>
+                    </a:solidFill>
+                    <a:ea typeface="Segoe UI" pitchFamily="34" charset="0"/>
+                    <a:cs typeface="Segoe UI" pitchFamily="34" charset="0"/>
+                  </a:rPr>
+                  <a:t>Tiers – Basic, Standard (topics, </a:t>
+                </a:r>
+                <a:r>
+                  <a:rPr lang="en-CA" sz="800" dirty="0" err="1">
+                    <a:solidFill>
+                      <a:srgbClr val="0070C0"/>
+                    </a:solidFill>
+                    <a:ea typeface="Segoe UI" pitchFamily="34" charset="0"/>
+                    <a:cs typeface="Segoe UI" pitchFamily="34" charset="0"/>
+                  </a:rPr>
+                  <a:t>tx</a:t>
+                </a:r>
+                <a:r>
+                  <a:rPr lang="en-CA" sz="800" dirty="0">
+                    <a:solidFill>
+                      <a:srgbClr val="0070C0"/>
+                    </a:solidFill>
+                    <a:ea typeface="Segoe UI" pitchFamily="34" charset="0"/>
+                    <a:cs typeface="Segoe UI" pitchFamily="34" charset="0"/>
+                  </a:rPr>
+                  <a:t>, sessions), Premium</a:t>
+                </a:r>
+                <a:endParaRPr lang="en-CA" sz="900" dirty="0">
                   <a:solidFill>
                     <a:srgbClr val="0070C0"/>
                   </a:solidFill>
                   <a:ea typeface="Segoe UI" pitchFamily="34" charset="0"/>
                   <a:cs typeface="Segoe UI" pitchFamily="34" charset="0"/>
-                </a:rPr>
-                <a:t>Asynchronous processing of messages</a:t>
-              </a:r>
-            </a:p>
-            <a:p>
-              <a:pPr marL="269875" lvl="1" indent="-93663" defTabSz="932472" fontAlgn="base">
-                <a:lnSpc>
-                  <a:spcPct val="90000"/>
-                </a:lnSpc>
-                <a:spcBef>
-                  <a:spcPct val="0"/>
-                </a:spcBef>
-                <a:spcAft>
-                  <a:spcPct val="0"/>
-                </a:spcAft>
-                <a:buFont typeface="Arial" panose="020B0604020202020204" pitchFamily="34" charset="0"/>
-                <a:buChar char="•"/>
-              </a:pPr>
-              <a:r>
-                <a:rPr lang="en-CA" sz="800" dirty="0">
-                  <a:solidFill>
-                    <a:srgbClr val="0070C0"/>
-                  </a:solidFill>
-                  <a:cs typeface="Segoe UI" pitchFamily="34" charset="0"/>
-                </a:rPr>
-                <a:t>Messages up to 64KB in size</a:t>
-              </a:r>
-            </a:p>
-            <a:p>
-              <a:pPr marL="269875" lvl="1" indent="-93663" defTabSz="932472" fontAlgn="base">
-                <a:lnSpc>
-                  <a:spcPct val="90000"/>
-                </a:lnSpc>
-                <a:spcBef>
-                  <a:spcPct val="0"/>
-                </a:spcBef>
-                <a:spcAft>
-                  <a:spcPct val="0"/>
-                </a:spcAft>
-                <a:buFont typeface="Arial" panose="020B0604020202020204" pitchFamily="34" charset="0"/>
-                <a:buChar char="•"/>
-              </a:pPr>
-              <a:r>
-                <a:rPr lang="en-CA" sz="800" dirty="0">
-                  <a:solidFill>
-                    <a:srgbClr val="0070C0"/>
-                  </a:solidFill>
-                  <a:cs typeface="Segoe UI" pitchFamily="34" charset="0"/>
-                </a:rPr>
-                <a:t>7 days retention maximum</a:t>
-              </a:r>
-            </a:p>
-            <a:p>
-              <a:pPr marL="269875" lvl="1" indent="-93663" defTabSz="932472" fontAlgn="base">
-                <a:lnSpc>
-                  <a:spcPct val="90000"/>
-                </a:lnSpc>
-                <a:spcBef>
-                  <a:spcPct val="0"/>
-                </a:spcBef>
-                <a:spcAft>
-                  <a:spcPct val="0"/>
-                </a:spcAft>
-                <a:buFont typeface="Arial" panose="020B0604020202020204" pitchFamily="34" charset="0"/>
-                <a:buChar char="•"/>
-              </a:pPr>
-              <a:r>
-                <a:rPr lang="en-CA" sz="800" dirty="0">
-                  <a:solidFill>
-                    <a:srgbClr val="0070C0"/>
-                  </a:solidFill>
-                  <a:cs typeface="Segoe UI" pitchFamily="34" charset="0"/>
-                </a:rPr>
-                <a:t>Messages become visible after 30sec if not deleted</a:t>
-              </a:r>
-            </a:p>
-            <a:p>
-              <a:pPr marL="269875" lvl="1" indent="-93663" defTabSz="932472" fontAlgn="base">
-                <a:lnSpc>
-                  <a:spcPct val="90000"/>
-                </a:lnSpc>
-                <a:spcBef>
-                  <a:spcPct val="0"/>
-                </a:spcBef>
-                <a:spcAft>
-                  <a:spcPct val="0"/>
-                </a:spcAft>
-                <a:buFont typeface="Arial" panose="020B0604020202020204" pitchFamily="34" charset="0"/>
-                <a:buChar char="•"/>
-              </a:pPr>
-              <a:r>
-                <a:rPr lang="en-CA" sz="800" dirty="0">
-                  <a:solidFill>
-                    <a:srgbClr val="0070C0"/>
-                  </a:solidFill>
-                  <a:cs typeface="Segoe UI" pitchFamily="34" charset="0"/>
-                </a:rPr>
-                <a:t>Multiple receivers</a:t>
-              </a:r>
-            </a:p>
-          </p:txBody>
-        </p:sp>
-      </p:grpSp>
-      <p:grpSp>
-        <p:nvGrpSpPr>
-          <p:cNvPr id="58" name="Group 57">
-            <a:extLst>
-              <a:ext uri="{FF2B5EF4-FFF2-40B4-BE49-F238E27FC236}">
-                <a16:creationId xmlns:a16="http://schemas.microsoft.com/office/drawing/2014/main" id="{49C5C93F-664E-4570-BA2F-F73494718CFE}"/>
-              </a:ext>
-            </a:extLst>
-          </p:cNvPr>
-          <p:cNvGrpSpPr/>
-          <p:nvPr/>
-        </p:nvGrpSpPr>
-        <p:grpSpPr>
-          <a:xfrm>
-            <a:off x="10884066" y="8704455"/>
-            <a:ext cx="2986571" cy="1604032"/>
-            <a:chOff x="4520351" y="881287"/>
-            <a:chExt cx="2986571" cy="1604032"/>
-          </a:xfrm>
-        </p:grpSpPr>
-        <p:sp>
-          <p:nvSpPr>
-            <p:cNvPr id="59" name="Rectangle: Rounded Corners 58">
+                </a:endParaRPr>
+              </a:p>
+            </p:txBody>
+          </p:sp>
+        </p:grpSp>
+        <p:grpSp>
+          <p:nvGrpSpPr>
+            <p:cNvPr id="114" name="Group 113">
               <a:extLst>
                 <a:ext uri="{FF2B5EF4-FFF2-40B4-BE49-F238E27FC236}">
-                  <a16:creationId xmlns:a16="http://schemas.microsoft.com/office/drawing/2014/main" id="{2253A917-36E9-4895-ACF5-D51AAAB85800}"/>
+                  <a16:creationId xmlns:a16="http://schemas.microsoft.com/office/drawing/2014/main" id="{4CCA217E-5471-4ED8-A353-FB2BE366D4CC}"/>
                 </a:ext>
               </a:extLst>
             </p:cNvPr>
-            <p:cNvSpPr/>
+            <p:cNvGrpSpPr/>
             <p:nvPr/>
-          </p:nvSpPr>
-          <p:spPr bwMode="auto">
+          </p:nvGrpSpPr>
+          <p:grpSpPr>
             <a:xfrm>
-              <a:off x="4520351" y="881287"/>
-              <a:ext cx="2986571" cy="419904"/>
+              <a:off x="569968" y="13460285"/>
+              <a:ext cx="2986571" cy="1122131"/>
+              <a:chOff x="1409999" y="881288"/>
+              <a:chExt cx="2986571" cy="1122131"/>
             </a:xfrm>
-            <a:prstGeom prst="roundRect">
-              <a:avLst/>
-            </a:prstGeom>
-            <a:solidFill>
-              <a:srgbClr val="0070C0"/>
-            </a:solidFill>
-            <a:ln>
+          </p:grpSpPr>
+          <p:sp>
+            <p:nvSpPr>
+              <p:cNvPr id="115" name="Rectangle: Rounded Corners 114">
+                <a:extLst>
+                  <a:ext uri="{FF2B5EF4-FFF2-40B4-BE49-F238E27FC236}">
+                    <a16:creationId xmlns:a16="http://schemas.microsoft.com/office/drawing/2014/main" id="{91805997-B45C-43A6-88E3-AFAD1271093D}"/>
+                  </a:ext>
+                </a:extLst>
+              </p:cNvPr>
+              <p:cNvSpPr/>
+              <p:nvPr/>
+            </p:nvSpPr>
+            <p:spPr bwMode="auto">
+              <a:xfrm>
+                <a:off x="1409999" y="881288"/>
+                <a:ext cx="2986571" cy="419904"/>
+              </a:xfrm>
+              <a:prstGeom prst="roundRect">
+                <a:avLst/>
+              </a:prstGeom>
               <a:solidFill>
                 <a:srgbClr val="0070C0"/>
               </a:solidFill>
-              <a:headEnd type="none" w="med" len="med"/>
-              <a:tailEnd type="none" w="med" len="med"/>
-            </a:ln>
-            <a:effectLst/>
-          </p:spPr>
-          <p:style>
-            <a:lnRef idx="1">
-              <a:schemeClr val="accent2"/>
-            </a:lnRef>
-            <a:fillRef idx="3">
-              <a:schemeClr val="accent2"/>
-            </a:fillRef>
-            <a:effectRef idx="2">
-              <a:schemeClr val="accent2"/>
-            </a:effectRef>
-            <a:fontRef idx="minor">
-              <a:schemeClr val="lt1"/>
-            </a:fontRef>
-          </p:style>
-          <p:txBody>
-            <a:bodyPr rot="0" spcFirstLastPara="0" vertOverflow="overflow" horzOverflow="overflow" vert="horz" wrap="square" lIns="0" tIns="0" rIns="0" bIns="0" numCol="1" spcCol="0" rtlCol="0" fromWordArt="0" anchor="ctr" anchorCtr="0" forceAA="0" compatLnSpc="1">
-              <a:prstTxWarp prst="textNoShape">
+              <a:ln>
+                <a:solidFill>
+                  <a:srgbClr val="0070C0"/>
+                </a:solidFill>
+                <a:headEnd type="none" w="med" len="med"/>
+                <a:tailEnd type="none" w="med" len="med"/>
+              </a:ln>
+              <a:effectLst/>
+            </p:spPr>
+            <p:style>
+              <a:lnRef idx="1">
+                <a:schemeClr val="accent2"/>
+              </a:lnRef>
+              <a:fillRef idx="3">
+                <a:schemeClr val="accent2"/>
+              </a:fillRef>
+              <a:effectRef idx="2">
+                <a:schemeClr val="accent2"/>
+              </a:effectRef>
+              <a:fontRef idx="minor">
+                <a:schemeClr val="lt1"/>
+              </a:fontRef>
+            </p:style>
+            <p:txBody>
+              <a:bodyPr rot="0" spcFirstLastPara="0" vertOverflow="overflow" horzOverflow="overflow" vert="horz" wrap="square" lIns="0" tIns="0" rIns="0" bIns="0" numCol="1" spcCol="0" rtlCol="0" fromWordArt="0" anchor="ctr" anchorCtr="0" forceAA="0" compatLnSpc="1">
+                <a:prstTxWarp prst="textNoShape">
+                  <a:avLst/>
+                </a:prstTxWarp>
+                <a:noAutofit/>
+              </a:bodyPr>
+              <a:lstStyle/>
+              <a:p>
+                <a:pPr algn="ctr" defTabSz="932472" fontAlgn="base">
+                  <a:lnSpc>
+                    <a:spcPct val="90000"/>
+                  </a:lnSpc>
+                  <a:spcBef>
+                    <a:spcPct val="0"/>
+                  </a:spcBef>
+                  <a:spcAft>
+                    <a:spcPct val="0"/>
+                  </a:spcAft>
+                </a:pPr>
+                <a:r>
+                  <a:rPr lang="en-CA" sz="1600" dirty="0">
+                    <a:gradFill>
+                      <a:gsLst>
+                        <a:gs pos="0">
+                          <a:srgbClr val="FFFFFF"/>
+                        </a:gs>
+                        <a:gs pos="100000">
+                          <a:srgbClr val="FFFFFF"/>
+                        </a:gs>
+                      </a:gsLst>
+                      <a:lin ang="5400000" scaled="0"/>
+                    </a:gradFill>
+                    <a:ea typeface="Segoe UI" pitchFamily="34" charset="0"/>
+                    <a:cs typeface="Segoe UI" pitchFamily="34" charset="0"/>
+                  </a:rPr>
+                  <a:t>Event Grid</a:t>
+                </a:r>
+              </a:p>
+            </p:txBody>
+          </p:sp>
+          <p:sp>
+            <p:nvSpPr>
+              <p:cNvPr id="116" name="Rectangle 115">
+                <a:extLst>
+                  <a:ext uri="{FF2B5EF4-FFF2-40B4-BE49-F238E27FC236}">
+                    <a16:creationId xmlns:a16="http://schemas.microsoft.com/office/drawing/2014/main" id="{E4135C22-F8AC-4FA7-A37A-5AA87B276FD6}"/>
+                  </a:ext>
+                </a:extLst>
+              </p:cNvPr>
+              <p:cNvSpPr/>
+              <p:nvPr/>
+            </p:nvSpPr>
+            <p:spPr bwMode="auto">
+              <a:xfrm>
+                <a:off x="1410000" y="1237886"/>
+                <a:ext cx="2986570" cy="765533"/>
+              </a:xfrm>
+              <a:prstGeom prst="rect">
                 <a:avLst/>
-              </a:prstTxWarp>
-              <a:noAutofit/>
-            </a:bodyPr>
-            <a:lstStyle/>
-            <a:p>
-              <a:pPr algn="ctr" defTabSz="932472" fontAlgn="base">
-                <a:lnSpc>
-                  <a:spcPct val="90000"/>
-                </a:lnSpc>
-                <a:spcBef>
-                  <a:spcPct val="0"/>
-                </a:spcBef>
-                <a:spcAft>
-                  <a:spcPct val="0"/>
-                </a:spcAft>
-              </a:pPr>
-              <a:r>
-                <a:rPr lang="en-CA" sz="1600" dirty="0">
-                  <a:gradFill>
-                    <a:gsLst>
-                      <a:gs pos="0">
-                        <a:srgbClr val="FFFFFF"/>
-                      </a:gs>
-                      <a:gs pos="100000">
-                        <a:srgbClr val="FFFFFF"/>
-                      </a:gs>
-                    </a:gsLst>
-                    <a:lin ang="5400000" scaled="0"/>
-                  </a:gradFill>
-                  <a:ea typeface="Segoe UI" pitchFamily="34" charset="0"/>
-                  <a:cs typeface="Segoe UI" pitchFamily="34" charset="0"/>
-                </a:rPr>
-                <a:t>Service Bus</a:t>
-              </a:r>
-            </a:p>
-          </p:txBody>
-        </p:sp>
-        <p:sp>
-          <p:nvSpPr>
-            <p:cNvPr id="60" name="Rectangle 59">
+              </a:prstGeom>
+              <a:solidFill>
+                <a:schemeClr val="tx1"/>
+              </a:solidFill>
+              <a:ln>
+                <a:solidFill>
+                  <a:srgbClr val="0070C0"/>
+                </a:solidFill>
+                <a:headEnd type="none" w="med" len="med"/>
+                <a:tailEnd type="none" w="med" len="med"/>
+              </a:ln>
+              <a:effectLst/>
+            </p:spPr>
+            <p:style>
+              <a:lnRef idx="1">
+                <a:schemeClr val="accent2"/>
+              </a:lnRef>
+              <a:fillRef idx="3">
+                <a:schemeClr val="accent2"/>
+              </a:fillRef>
+              <a:effectRef idx="2">
+                <a:schemeClr val="accent2"/>
+              </a:effectRef>
+              <a:fontRef idx="minor">
+                <a:schemeClr val="lt1"/>
+              </a:fontRef>
+            </p:style>
+            <p:txBody>
+              <a:bodyPr rot="0" spcFirstLastPara="0" vertOverflow="overflow" horzOverflow="overflow" vert="horz" wrap="square" lIns="36000" tIns="72000" rIns="0" bIns="0" numCol="1" spcCol="0" rtlCol="0" fromWordArt="0" anchor="ctr" anchorCtr="0" forceAA="0" compatLnSpc="1">
+                <a:prstTxWarp prst="textNoShape">
+                  <a:avLst/>
+                </a:prstTxWarp>
+                <a:noAutofit/>
+              </a:bodyPr>
+              <a:lstStyle/>
+              <a:p>
+                <a:pPr defTabSz="932472" fontAlgn="base">
+                  <a:lnSpc>
+                    <a:spcPct val="90000"/>
+                  </a:lnSpc>
+                  <a:spcBef>
+                    <a:spcPct val="0"/>
+                  </a:spcBef>
+                  <a:spcAft>
+                    <a:spcPct val="0"/>
+                  </a:spcAft>
+                </a:pPr>
+                <a:r>
+                  <a:rPr lang="en-CA" sz="900" b="1" dirty="0">
+                    <a:solidFill>
+                      <a:srgbClr val="0070C0"/>
+                    </a:solidFill>
+                    <a:ea typeface="Segoe UI" pitchFamily="34" charset="0"/>
+                    <a:cs typeface="Segoe UI" pitchFamily="34" charset="0"/>
+                  </a:rPr>
+                  <a:t>Event management across Azure resources</a:t>
+                </a:r>
+              </a:p>
+              <a:p>
+                <a:pPr marL="269875" lvl="1" indent="-93663" defTabSz="932472" fontAlgn="base">
+                  <a:lnSpc>
+                    <a:spcPct val="90000"/>
+                  </a:lnSpc>
+                  <a:spcBef>
+                    <a:spcPct val="0"/>
+                  </a:spcBef>
+                  <a:spcAft>
+                    <a:spcPct val="0"/>
+                  </a:spcAft>
+                  <a:buFont typeface="Arial" panose="020B0604020202020204" pitchFamily="34" charset="0"/>
+                  <a:buChar char="•"/>
+                </a:pPr>
+                <a:r>
+                  <a:rPr lang="en-CA" sz="800" dirty="0">
+                    <a:solidFill>
+                      <a:srgbClr val="0070C0"/>
+                    </a:solidFill>
+                    <a:cs typeface="Segoe UI" pitchFamily="34" charset="0"/>
+                  </a:rPr>
+                  <a:t>Apps are notified when an event happens</a:t>
+                </a:r>
+              </a:p>
+              <a:p>
+                <a:pPr marL="269875" lvl="1" indent="-93663" defTabSz="932472" fontAlgn="base">
+                  <a:lnSpc>
+                    <a:spcPct val="90000"/>
+                  </a:lnSpc>
+                  <a:spcBef>
+                    <a:spcPct val="0"/>
+                  </a:spcBef>
+                  <a:spcAft>
+                    <a:spcPct val="0"/>
+                  </a:spcAft>
+                  <a:buFont typeface="Arial" panose="020B0604020202020204" pitchFamily="34" charset="0"/>
+                  <a:buChar char="•"/>
+                </a:pPr>
+                <a:r>
+                  <a:rPr lang="en-CA" sz="800" dirty="0">
+                    <a:solidFill>
+                      <a:srgbClr val="0070C0"/>
+                    </a:solidFill>
+                    <a:cs typeface="Segoe UI" pitchFamily="34" charset="0"/>
+                  </a:rPr>
+                  <a:t>Throughput of millions of events and 24h retry</a:t>
+                </a:r>
+              </a:p>
+              <a:p>
+                <a:pPr marL="269875" lvl="1" indent="-93663" defTabSz="932472" fontAlgn="base">
+                  <a:lnSpc>
+                    <a:spcPct val="90000"/>
+                  </a:lnSpc>
+                  <a:spcBef>
+                    <a:spcPct val="0"/>
+                  </a:spcBef>
+                  <a:spcAft>
+                    <a:spcPct val="0"/>
+                  </a:spcAft>
+                  <a:buFont typeface="Arial" panose="020B0604020202020204" pitchFamily="34" charset="0"/>
+                  <a:buChar char="•"/>
+                </a:pPr>
+                <a:r>
+                  <a:rPr lang="en-CA" sz="800" dirty="0">
+                    <a:solidFill>
+                      <a:srgbClr val="0070C0"/>
+                    </a:solidFill>
+                    <a:cs typeface="Segoe UI" pitchFamily="34" charset="0"/>
+                  </a:rPr>
+                  <a:t>Publishers – Az subscriptions, Event Hubs, Topics, IoT Hub, Resource Groups, Blob storage, Service Bus, V2 storage, …</a:t>
+                </a:r>
+              </a:p>
+            </p:txBody>
+          </p:sp>
+        </p:grpSp>
+        <p:grpSp>
+          <p:nvGrpSpPr>
+            <p:cNvPr id="117" name="Group 116">
               <a:extLst>
                 <a:ext uri="{FF2B5EF4-FFF2-40B4-BE49-F238E27FC236}">
-                  <a16:creationId xmlns:a16="http://schemas.microsoft.com/office/drawing/2014/main" id="{883CC65F-880C-4D38-9BA9-ACE002C14391}"/>
+                  <a16:creationId xmlns:a16="http://schemas.microsoft.com/office/drawing/2014/main" id="{82BFDA83-CB1F-4F84-A3AE-BD5B7C7E633E}"/>
                 </a:ext>
               </a:extLst>
             </p:cNvPr>
-            <p:cNvSpPr/>
+            <p:cNvGrpSpPr/>
             <p:nvPr/>
-          </p:nvSpPr>
-          <p:spPr bwMode="auto">
+          </p:nvGrpSpPr>
+          <p:grpSpPr>
             <a:xfrm>
-              <a:off x="4520352" y="1237887"/>
-              <a:ext cx="2986570" cy="1247432"/>
+              <a:off x="3843554" y="13389030"/>
+              <a:ext cx="2986571" cy="1193386"/>
+              <a:chOff x="4520351" y="881287"/>
+              <a:chExt cx="2986571" cy="1193386"/>
             </a:xfrm>
-            <a:prstGeom prst="rect">
-              <a:avLst/>
-            </a:prstGeom>
-            <a:solidFill>
-              <a:schemeClr val="tx1"/>
-            </a:solidFill>
-            <a:ln>
+          </p:grpSpPr>
+          <p:sp>
+            <p:nvSpPr>
+              <p:cNvPr id="118" name="Rectangle: Rounded Corners 117">
+                <a:extLst>
+                  <a:ext uri="{FF2B5EF4-FFF2-40B4-BE49-F238E27FC236}">
+                    <a16:creationId xmlns:a16="http://schemas.microsoft.com/office/drawing/2014/main" id="{EE977EC0-F15C-44DA-AC9A-B4EAA54B49C1}"/>
+                  </a:ext>
+                </a:extLst>
+              </p:cNvPr>
+              <p:cNvSpPr/>
+              <p:nvPr/>
+            </p:nvSpPr>
+            <p:spPr bwMode="auto">
+              <a:xfrm>
+                <a:off x="4520351" y="881287"/>
+                <a:ext cx="2986571" cy="419904"/>
+              </a:xfrm>
+              <a:prstGeom prst="roundRect">
+                <a:avLst/>
+              </a:prstGeom>
               <a:solidFill>
                 <a:srgbClr val="0070C0"/>
               </a:solidFill>
-              <a:headEnd type="none" w="med" len="med"/>
-              <a:tailEnd type="none" w="med" len="med"/>
-            </a:ln>
-            <a:effectLst/>
-          </p:spPr>
-          <p:style>
-            <a:lnRef idx="1">
-              <a:schemeClr val="accent2"/>
-            </a:lnRef>
-            <a:fillRef idx="3">
-              <a:schemeClr val="accent2"/>
-            </a:fillRef>
-            <a:effectRef idx="2">
-              <a:schemeClr val="accent2"/>
-            </a:effectRef>
-            <a:fontRef idx="minor">
-              <a:schemeClr val="lt1"/>
-            </a:fontRef>
-          </p:style>
-          <p:txBody>
-            <a:bodyPr rot="0" spcFirstLastPara="0" vertOverflow="overflow" horzOverflow="overflow" vert="horz" wrap="square" lIns="36000" tIns="72000" rIns="0" bIns="0" numCol="1" spcCol="0" rtlCol="0" fromWordArt="0" anchor="ctr" anchorCtr="0" forceAA="0" compatLnSpc="1">
-              <a:prstTxWarp prst="textNoShape">
+              <a:ln>
+                <a:solidFill>
+                  <a:srgbClr val="0070C0"/>
+                </a:solidFill>
+                <a:headEnd type="none" w="med" len="med"/>
+                <a:tailEnd type="none" w="med" len="med"/>
+              </a:ln>
+              <a:effectLst/>
+            </p:spPr>
+            <p:style>
+              <a:lnRef idx="1">
+                <a:schemeClr val="accent2"/>
+              </a:lnRef>
+              <a:fillRef idx="3">
+                <a:schemeClr val="accent2"/>
+              </a:fillRef>
+              <a:effectRef idx="2">
+                <a:schemeClr val="accent2"/>
+              </a:effectRef>
+              <a:fontRef idx="minor">
+                <a:schemeClr val="lt1"/>
+              </a:fontRef>
+            </p:style>
+            <p:txBody>
+              <a:bodyPr rot="0" spcFirstLastPara="0" vertOverflow="overflow" horzOverflow="overflow" vert="horz" wrap="square" lIns="0" tIns="0" rIns="0" bIns="0" numCol="1" spcCol="0" rtlCol="0" fromWordArt="0" anchor="ctr" anchorCtr="0" forceAA="0" compatLnSpc="1">
+                <a:prstTxWarp prst="textNoShape">
+                  <a:avLst/>
+                </a:prstTxWarp>
+                <a:noAutofit/>
+              </a:bodyPr>
+              <a:lstStyle/>
+              <a:p>
+                <a:pPr algn="ctr" defTabSz="932472" fontAlgn="base">
+                  <a:lnSpc>
+                    <a:spcPct val="90000"/>
+                  </a:lnSpc>
+                  <a:spcBef>
+                    <a:spcPct val="0"/>
+                  </a:spcBef>
+                  <a:spcAft>
+                    <a:spcPct val="0"/>
+                  </a:spcAft>
+                </a:pPr>
+                <a:r>
+                  <a:rPr lang="en-CA" sz="1600" dirty="0">
+                    <a:gradFill>
+                      <a:gsLst>
+                        <a:gs pos="0">
+                          <a:srgbClr val="FFFFFF"/>
+                        </a:gs>
+                        <a:gs pos="100000">
+                          <a:srgbClr val="FFFFFF"/>
+                        </a:gs>
+                      </a:gsLst>
+                      <a:lin ang="5400000" scaled="0"/>
+                    </a:gradFill>
+                    <a:ea typeface="Segoe UI" pitchFamily="34" charset="0"/>
+                    <a:cs typeface="Segoe UI" pitchFamily="34" charset="0"/>
+                  </a:rPr>
+                  <a:t>Notification Hubs</a:t>
+                </a:r>
+              </a:p>
+            </p:txBody>
+          </p:sp>
+          <p:sp>
+            <p:nvSpPr>
+              <p:cNvPr id="119" name="Rectangle 118">
+                <a:extLst>
+                  <a:ext uri="{FF2B5EF4-FFF2-40B4-BE49-F238E27FC236}">
+                    <a16:creationId xmlns:a16="http://schemas.microsoft.com/office/drawing/2014/main" id="{15A414B9-1D74-4CB7-BE34-3AF77A2D6BF2}"/>
+                  </a:ext>
+                </a:extLst>
+              </p:cNvPr>
+              <p:cNvSpPr/>
+              <p:nvPr/>
+            </p:nvSpPr>
+            <p:spPr bwMode="auto">
+              <a:xfrm>
+                <a:off x="4520352" y="1237887"/>
+                <a:ext cx="2986570" cy="836786"/>
+              </a:xfrm>
+              <a:prstGeom prst="rect">
                 <a:avLst/>
-              </a:prstTxWarp>
-              <a:noAutofit/>
-            </a:bodyPr>
-            <a:lstStyle/>
-            <a:p>
-              <a:pPr defTabSz="932472" fontAlgn="base">
-                <a:lnSpc>
-                  <a:spcPct val="90000"/>
-                </a:lnSpc>
-                <a:spcBef>
-                  <a:spcPct val="0"/>
-                </a:spcBef>
-                <a:spcAft>
-                  <a:spcPct val="0"/>
-                </a:spcAft>
-              </a:pPr>
-              <a:r>
-                <a:rPr lang="en-CA" sz="900" b="1" dirty="0">
+              </a:prstGeom>
+              <a:solidFill>
+                <a:schemeClr val="tx1"/>
+              </a:solidFill>
+              <a:ln>
+                <a:solidFill>
+                  <a:srgbClr val="0070C0"/>
+                </a:solidFill>
+                <a:headEnd type="none" w="med" len="med"/>
+                <a:tailEnd type="none" w="med" len="med"/>
+              </a:ln>
+              <a:effectLst/>
+            </p:spPr>
+            <p:style>
+              <a:lnRef idx="1">
+                <a:schemeClr val="accent2"/>
+              </a:lnRef>
+              <a:fillRef idx="3">
+                <a:schemeClr val="accent2"/>
+              </a:fillRef>
+              <a:effectRef idx="2">
+                <a:schemeClr val="accent2"/>
+              </a:effectRef>
+              <a:fontRef idx="minor">
+                <a:schemeClr val="lt1"/>
+              </a:fontRef>
+            </p:style>
+            <p:txBody>
+              <a:bodyPr rot="0" spcFirstLastPara="0" vertOverflow="overflow" horzOverflow="overflow" vert="horz" wrap="square" lIns="36000" tIns="72000" rIns="0" bIns="0" numCol="1" spcCol="0" rtlCol="0" fromWordArt="0" anchor="ctr" anchorCtr="0" forceAA="0" compatLnSpc="1">
+                <a:prstTxWarp prst="textNoShape">
+                  <a:avLst/>
+                </a:prstTxWarp>
+                <a:noAutofit/>
+              </a:bodyPr>
+              <a:lstStyle/>
+              <a:p>
+                <a:pPr defTabSz="932472" fontAlgn="base">
+                  <a:lnSpc>
+                    <a:spcPct val="90000"/>
+                  </a:lnSpc>
+                  <a:spcBef>
+                    <a:spcPct val="0"/>
+                  </a:spcBef>
+                  <a:spcAft>
+                    <a:spcPct val="0"/>
+                  </a:spcAft>
+                </a:pPr>
+                <a:r>
+                  <a:rPr lang="en-CA" sz="900" b="1" dirty="0">
+                    <a:solidFill>
+                      <a:srgbClr val="0070C0"/>
+                    </a:solidFill>
+                    <a:ea typeface="Segoe UI" pitchFamily="34" charset="0"/>
+                    <a:cs typeface="Segoe UI" pitchFamily="34" charset="0"/>
+                  </a:rPr>
+                  <a:t>Push notifications from backends to mobile</a:t>
+                </a:r>
+              </a:p>
+              <a:p>
+                <a:pPr marL="269875" lvl="1" indent="-93663" defTabSz="932472" fontAlgn="base">
+                  <a:lnSpc>
+                    <a:spcPct val="90000"/>
+                  </a:lnSpc>
+                  <a:spcBef>
+                    <a:spcPct val="0"/>
+                  </a:spcBef>
+                  <a:spcAft>
+                    <a:spcPct val="0"/>
+                  </a:spcAft>
+                  <a:buFont typeface="Arial" panose="020B0604020202020204" pitchFamily="34" charset="0"/>
+                  <a:buChar char="•"/>
+                </a:pPr>
+                <a:r>
+                  <a:rPr lang="en-CA" sz="800" dirty="0">
+                    <a:solidFill>
+                      <a:srgbClr val="0070C0"/>
+                    </a:solidFill>
+                    <a:ea typeface="Segoe UI" pitchFamily="34" charset="0"/>
+                    <a:cs typeface="Segoe UI" pitchFamily="34" charset="0"/>
+                  </a:rPr>
+                  <a:t>Scenarios – Send codes, notifications, news</a:t>
+                </a:r>
+              </a:p>
+              <a:p>
+                <a:pPr marL="269875" lvl="1" indent="-93663" defTabSz="932472" fontAlgn="base">
+                  <a:lnSpc>
+                    <a:spcPct val="90000"/>
+                  </a:lnSpc>
+                  <a:spcBef>
+                    <a:spcPct val="0"/>
+                  </a:spcBef>
+                  <a:spcAft>
+                    <a:spcPct val="0"/>
+                  </a:spcAft>
+                  <a:buFont typeface="Arial" panose="020B0604020202020204" pitchFamily="34" charset="0"/>
+                  <a:buChar char="•"/>
+                </a:pPr>
+                <a:r>
+                  <a:rPr lang="en-CA" sz="800" dirty="0">
+                    <a:solidFill>
+                      <a:srgbClr val="0070C0"/>
+                    </a:solidFill>
+                    <a:ea typeface="Segoe UI" pitchFamily="34" charset="0"/>
+                    <a:cs typeface="Segoe UI" pitchFamily="34" charset="0"/>
+                  </a:rPr>
+                  <a:t>Tiers</a:t>
+                </a:r>
+              </a:p>
+              <a:p>
+                <a:pPr marL="360363" lvl="1" indent="-93663" defTabSz="932472" fontAlgn="base">
+                  <a:lnSpc>
+                    <a:spcPct val="90000"/>
+                  </a:lnSpc>
+                  <a:spcBef>
+                    <a:spcPct val="0"/>
+                  </a:spcBef>
+                  <a:spcAft>
+                    <a:spcPct val="0"/>
+                  </a:spcAft>
+                  <a:buFont typeface="Arial" panose="020B0604020202020204" pitchFamily="34" charset="0"/>
+                  <a:buChar char="•"/>
+                </a:pPr>
+                <a:r>
+                  <a:rPr lang="en-CA" sz="800" dirty="0">
+                    <a:solidFill>
+                      <a:srgbClr val="0070C0"/>
+                    </a:solidFill>
+                    <a:ea typeface="Segoe UI" pitchFamily="34" charset="0"/>
+                    <a:cs typeface="Segoe UI" pitchFamily="34" charset="0"/>
+                  </a:rPr>
+                  <a:t>Free – 1 million messages / month</a:t>
+                </a:r>
+              </a:p>
+              <a:p>
+                <a:pPr marL="360363" lvl="1" indent="-93663" defTabSz="932472" fontAlgn="base">
+                  <a:lnSpc>
+                    <a:spcPct val="90000"/>
+                  </a:lnSpc>
+                  <a:spcBef>
+                    <a:spcPct val="0"/>
+                  </a:spcBef>
+                  <a:spcAft>
+                    <a:spcPct val="0"/>
+                  </a:spcAft>
+                  <a:buFont typeface="Arial" panose="020B0604020202020204" pitchFamily="34" charset="0"/>
+                  <a:buChar char="•"/>
+                </a:pPr>
+                <a:r>
+                  <a:rPr lang="en-CA" sz="800" dirty="0">
+                    <a:solidFill>
+                      <a:srgbClr val="0070C0"/>
+                    </a:solidFill>
+                    <a:ea typeface="Segoe UI" pitchFamily="34" charset="0"/>
+                    <a:cs typeface="Segoe UI" pitchFamily="34" charset="0"/>
+                  </a:rPr>
+                  <a:t>Basic – 10 million messages / month</a:t>
+                </a:r>
+              </a:p>
+              <a:p>
+                <a:pPr marL="360363" lvl="1" indent="-93663" defTabSz="932472" fontAlgn="base">
+                  <a:lnSpc>
+                    <a:spcPct val="90000"/>
+                  </a:lnSpc>
+                  <a:spcBef>
+                    <a:spcPct val="0"/>
+                  </a:spcBef>
+                  <a:spcAft>
+                    <a:spcPct val="0"/>
+                  </a:spcAft>
+                  <a:buFont typeface="Arial" panose="020B0604020202020204" pitchFamily="34" charset="0"/>
+                  <a:buChar char="•"/>
+                </a:pPr>
+                <a:r>
+                  <a:rPr lang="en-CA" sz="800" dirty="0">
+                    <a:solidFill>
+                      <a:srgbClr val="0070C0"/>
+                    </a:solidFill>
+                    <a:ea typeface="Segoe UI" pitchFamily="34" charset="0"/>
+                    <a:cs typeface="Segoe UI" pitchFamily="34" charset="0"/>
+                  </a:rPr>
+                  <a:t>Standards – 10 million messages / month</a:t>
+                </a:r>
+                <a:endParaRPr lang="en-CA" sz="900" dirty="0">
                   <a:solidFill>
                     <a:srgbClr val="0070C0"/>
                   </a:solidFill>
                   <a:ea typeface="Segoe UI" pitchFamily="34" charset="0"/>
                   <a:cs typeface="Segoe UI" pitchFamily="34" charset="0"/>
-                </a:rPr>
-                <a:t>Reliable, brokered messaging system</a:t>
-              </a:r>
-            </a:p>
-            <a:p>
-              <a:pPr marL="269875" lvl="1" indent="-93663" defTabSz="932472" fontAlgn="base">
-                <a:lnSpc>
-                  <a:spcPct val="90000"/>
-                </a:lnSpc>
-                <a:spcBef>
-                  <a:spcPct val="0"/>
-                </a:spcBef>
-                <a:spcAft>
-                  <a:spcPct val="0"/>
-                </a:spcAft>
-                <a:buFont typeface="Arial" panose="020B0604020202020204" pitchFamily="34" charset="0"/>
-                <a:buChar char="•"/>
-              </a:pPr>
-              <a:r>
-                <a:rPr lang="en-CA" sz="800" dirty="0">
-                  <a:solidFill>
-                    <a:srgbClr val="0070C0"/>
-                  </a:solidFill>
-                  <a:ea typeface="Segoe UI" pitchFamily="34" charset="0"/>
-                  <a:cs typeface="Segoe UI" pitchFamily="34" charset="0"/>
-                </a:rPr>
-                <a:t>Ideal for Integration and IoT scenarios</a:t>
-              </a:r>
-            </a:p>
-            <a:p>
-              <a:pPr marL="269875" lvl="1" indent="-93663" defTabSz="932472" fontAlgn="base">
-                <a:lnSpc>
-                  <a:spcPct val="90000"/>
-                </a:lnSpc>
-                <a:spcBef>
-                  <a:spcPct val="0"/>
-                </a:spcBef>
-                <a:spcAft>
-                  <a:spcPct val="0"/>
-                </a:spcAft>
-                <a:buFont typeface="Arial" panose="020B0604020202020204" pitchFamily="34" charset="0"/>
-                <a:buChar char="•"/>
-              </a:pPr>
-              <a:r>
-                <a:rPr lang="en-CA" sz="800" dirty="0">
-                  <a:solidFill>
-                    <a:srgbClr val="0070C0"/>
-                  </a:solidFill>
-                  <a:ea typeface="Segoe UI" pitchFamily="34" charset="0"/>
-                  <a:cs typeface="Segoe UI" pitchFamily="34" charset="0"/>
-                </a:rPr>
-                <a:t>Messages up to 256KB (basic) and 1MB (premium)</a:t>
-              </a:r>
-            </a:p>
-            <a:p>
-              <a:pPr marL="269875" lvl="1" indent="-93663" defTabSz="932472" fontAlgn="base">
-                <a:lnSpc>
-                  <a:spcPct val="90000"/>
-                </a:lnSpc>
-                <a:spcBef>
-                  <a:spcPct val="0"/>
-                </a:spcBef>
-                <a:spcAft>
-                  <a:spcPct val="0"/>
-                </a:spcAft>
-                <a:buFont typeface="Arial" panose="020B0604020202020204" pitchFamily="34" charset="0"/>
-                <a:buChar char="•"/>
-              </a:pPr>
-              <a:r>
-                <a:rPr lang="en-CA" sz="800" dirty="0">
-                  <a:solidFill>
-                    <a:srgbClr val="0070C0"/>
-                  </a:solidFill>
-                  <a:ea typeface="Segoe UI" pitchFamily="34" charset="0"/>
-                  <a:cs typeface="Segoe UI" pitchFamily="34" charset="0"/>
-                </a:rPr>
-                <a:t>Queues – first in first out (FIFO), one consumer</a:t>
-              </a:r>
-            </a:p>
-            <a:p>
-              <a:pPr marL="269875" lvl="1" indent="-93663" defTabSz="932472" fontAlgn="base">
-                <a:lnSpc>
-                  <a:spcPct val="90000"/>
-                </a:lnSpc>
-                <a:spcBef>
-                  <a:spcPct val="0"/>
-                </a:spcBef>
-                <a:spcAft>
-                  <a:spcPct val="0"/>
-                </a:spcAft>
-                <a:buFont typeface="Arial" panose="020B0604020202020204" pitchFamily="34" charset="0"/>
-                <a:buChar char="•"/>
-              </a:pPr>
-              <a:r>
-                <a:rPr lang="en-CA" sz="800" dirty="0">
-                  <a:solidFill>
-                    <a:srgbClr val="0070C0"/>
-                  </a:solidFill>
-                  <a:ea typeface="Segoe UI" pitchFamily="34" charset="0"/>
-                  <a:cs typeface="Segoe UI" pitchFamily="34" charset="0"/>
-                </a:rPr>
-                <a:t>Sessions – grouping of messages by session ID</a:t>
-              </a:r>
-            </a:p>
-            <a:p>
-              <a:pPr marL="269875" lvl="1" indent="-93663" defTabSz="932472" fontAlgn="base">
-                <a:lnSpc>
-                  <a:spcPct val="90000"/>
-                </a:lnSpc>
-                <a:spcBef>
-                  <a:spcPct val="0"/>
-                </a:spcBef>
-                <a:spcAft>
-                  <a:spcPct val="0"/>
-                </a:spcAft>
-                <a:buFont typeface="Arial" panose="020B0604020202020204" pitchFamily="34" charset="0"/>
-                <a:buChar char="•"/>
-              </a:pPr>
-              <a:r>
-                <a:rPr lang="en-CA" sz="800" dirty="0">
-                  <a:solidFill>
-                    <a:srgbClr val="0070C0"/>
-                  </a:solidFill>
-                  <a:ea typeface="Segoe UI" pitchFamily="34" charset="0"/>
-                  <a:cs typeface="Segoe UI" pitchFamily="34" charset="0"/>
-                </a:rPr>
-                <a:t>Topics – Publish/subscribe by multiple consumers</a:t>
-              </a:r>
-            </a:p>
-            <a:p>
-              <a:pPr marL="269875" lvl="1" indent="-93663" defTabSz="932472" fontAlgn="base">
-                <a:lnSpc>
-                  <a:spcPct val="90000"/>
-                </a:lnSpc>
-                <a:spcBef>
-                  <a:spcPct val="0"/>
-                </a:spcBef>
-                <a:spcAft>
-                  <a:spcPct val="0"/>
-                </a:spcAft>
-                <a:buFont typeface="Arial" panose="020B0604020202020204" pitchFamily="34" charset="0"/>
-                <a:buChar char="•"/>
-              </a:pPr>
-              <a:r>
-                <a:rPr lang="en-CA" sz="800" dirty="0">
-                  <a:solidFill>
-                    <a:srgbClr val="0070C0"/>
-                  </a:solidFill>
-                  <a:ea typeface="Segoe UI" pitchFamily="34" charset="0"/>
-                  <a:cs typeface="Segoe UI" pitchFamily="34" charset="0"/>
-                </a:rPr>
-                <a:t>Subscriptions – Apps connect to sub to get to topics</a:t>
-              </a:r>
-            </a:p>
-            <a:p>
-              <a:pPr marL="269875" lvl="1" indent="-93663" defTabSz="932472" fontAlgn="base">
-                <a:lnSpc>
-                  <a:spcPct val="90000"/>
-                </a:lnSpc>
-                <a:spcBef>
-                  <a:spcPct val="0"/>
-                </a:spcBef>
-                <a:spcAft>
-                  <a:spcPct val="0"/>
-                </a:spcAft>
-                <a:buFont typeface="Arial" panose="020B0604020202020204" pitchFamily="34" charset="0"/>
-                <a:buChar char="•"/>
-              </a:pPr>
-              <a:r>
-                <a:rPr lang="en-CA" sz="800" dirty="0">
-                  <a:solidFill>
-                    <a:srgbClr val="0070C0"/>
-                  </a:solidFill>
-                  <a:ea typeface="Segoe UI" pitchFamily="34" charset="0"/>
-                  <a:cs typeface="Segoe UI" pitchFamily="34" charset="0"/>
-                </a:rPr>
-                <a:t>WCF Relays – gateway for on-prem WCF services to Azure</a:t>
-              </a:r>
-            </a:p>
-            <a:p>
-              <a:pPr marL="269875" lvl="1" indent="-93663" defTabSz="932472" fontAlgn="base">
-                <a:lnSpc>
-                  <a:spcPct val="90000"/>
-                </a:lnSpc>
-                <a:spcBef>
-                  <a:spcPct val="0"/>
-                </a:spcBef>
-                <a:spcAft>
-                  <a:spcPct val="0"/>
-                </a:spcAft>
-                <a:buFont typeface="Arial" panose="020B0604020202020204" pitchFamily="34" charset="0"/>
-                <a:buChar char="•"/>
-              </a:pPr>
-              <a:r>
-                <a:rPr lang="en-CA" sz="800" dirty="0">
-                  <a:solidFill>
-                    <a:srgbClr val="0070C0"/>
-                  </a:solidFill>
-                  <a:ea typeface="Segoe UI" pitchFamily="34" charset="0"/>
-                  <a:cs typeface="Segoe UI" pitchFamily="34" charset="0"/>
-                </a:rPr>
-                <a:t>Tiers – Basic, Standard (topics, </a:t>
-              </a:r>
-              <a:r>
-                <a:rPr lang="en-CA" sz="800" dirty="0" err="1">
-                  <a:solidFill>
-                    <a:srgbClr val="0070C0"/>
-                  </a:solidFill>
-                  <a:ea typeface="Segoe UI" pitchFamily="34" charset="0"/>
-                  <a:cs typeface="Segoe UI" pitchFamily="34" charset="0"/>
-                </a:rPr>
-                <a:t>tx</a:t>
-              </a:r>
-              <a:r>
-                <a:rPr lang="en-CA" sz="800" dirty="0">
-                  <a:solidFill>
-                    <a:srgbClr val="0070C0"/>
-                  </a:solidFill>
-                  <a:ea typeface="Segoe UI" pitchFamily="34" charset="0"/>
-                  <a:cs typeface="Segoe UI" pitchFamily="34" charset="0"/>
-                </a:rPr>
-                <a:t>, sessions), Premium</a:t>
-              </a:r>
-              <a:endParaRPr lang="en-CA" sz="900" dirty="0">
-                <a:solidFill>
-                  <a:srgbClr val="0070C0"/>
-                </a:solidFill>
-                <a:ea typeface="Segoe UI" pitchFamily="34" charset="0"/>
-                <a:cs typeface="Segoe UI" pitchFamily="34" charset="0"/>
-              </a:endParaRPr>
-            </a:p>
-          </p:txBody>
-        </p:sp>
-      </p:grpSp>
-      <p:grpSp>
-        <p:nvGrpSpPr>
-          <p:cNvPr id="114" name="Group 113">
-            <a:extLst>
-              <a:ext uri="{FF2B5EF4-FFF2-40B4-BE49-F238E27FC236}">
-                <a16:creationId xmlns:a16="http://schemas.microsoft.com/office/drawing/2014/main" id="{4CCA217E-5471-4ED8-A353-FB2BE366D4CC}"/>
-              </a:ext>
-            </a:extLst>
-          </p:cNvPr>
-          <p:cNvGrpSpPr/>
-          <p:nvPr/>
-        </p:nvGrpSpPr>
-        <p:grpSpPr>
-          <a:xfrm>
-            <a:off x="7705237" y="13455551"/>
-            <a:ext cx="2986571" cy="1122131"/>
-            <a:chOff x="1409999" y="881288"/>
-            <a:chExt cx="2986571" cy="1122131"/>
-          </a:xfrm>
-        </p:grpSpPr>
-        <p:sp>
-          <p:nvSpPr>
-            <p:cNvPr id="115" name="Rectangle: Rounded Corners 114">
+                </a:endParaRPr>
+              </a:p>
+            </p:txBody>
+          </p:sp>
+        </p:grpSp>
+        <p:grpSp>
+          <p:nvGrpSpPr>
+            <p:cNvPr id="120" name="Group 119">
               <a:extLst>
                 <a:ext uri="{FF2B5EF4-FFF2-40B4-BE49-F238E27FC236}">
-                  <a16:creationId xmlns:a16="http://schemas.microsoft.com/office/drawing/2014/main" id="{91805997-B45C-43A6-88E3-AFAD1271093D}"/>
+                  <a16:creationId xmlns:a16="http://schemas.microsoft.com/office/drawing/2014/main" id="{3028DF0D-AEE2-4859-88B9-31EFD114B2BE}"/>
                 </a:ext>
               </a:extLst>
             </p:cNvPr>
-            <p:cNvSpPr/>
+            <p:cNvGrpSpPr/>
             <p:nvPr/>
-          </p:nvSpPr>
-          <p:spPr bwMode="auto">
+          </p:nvGrpSpPr>
+          <p:grpSpPr>
             <a:xfrm>
-              <a:off x="1409999" y="881288"/>
-              <a:ext cx="2986571" cy="419904"/>
+              <a:off x="569969" y="12454087"/>
+              <a:ext cx="6260155" cy="734810"/>
+              <a:chOff x="1409999" y="881288"/>
+              <a:chExt cx="2986571" cy="734810"/>
             </a:xfrm>
-            <a:prstGeom prst="roundRect">
-              <a:avLst/>
-            </a:prstGeom>
-            <a:solidFill>
-              <a:srgbClr val="0070C0"/>
-            </a:solidFill>
-            <a:ln>
-              <a:solidFill>
-                <a:srgbClr val="0070C0"/>
-              </a:solidFill>
-              <a:headEnd type="none" w="med" len="med"/>
-              <a:tailEnd type="none" w="med" len="med"/>
-            </a:ln>
-            <a:effectLst/>
-          </p:spPr>
-          <p:style>
-            <a:lnRef idx="1">
-              <a:schemeClr val="accent2"/>
-            </a:lnRef>
-            <a:fillRef idx="3">
-              <a:schemeClr val="accent2"/>
-            </a:fillRef>
-            <a:effectRef idx="2">
-              <a:schemeClr val="accent2"/>
-            </a:effectRef>
-            <a:fontRef idx="minor">
-              <a:schemeClr val="lt1"/>
-            </a:fontRef>
-          </p:style>
-          <p:txBody>
-            <a:bodyPr rot="0" spcFirstLastPara="0" vertOverflow="overflow" horzOverflow="overflow" vert="horz" wrap="square" lIns="0" tIns="0" rIns="0" bIns="0" numCol="1" spcCol="0" rtlCol="0" fromWordArt="0" anchor="ctr" anchorCtr="0" forceAA="0" compatLnSpc="1">
-              <a:prstTxWarp prst="textNoShape">
+          </p:grpSpPr>
+          <p:sp>
+            <p:nvSpPr>
+              <p:cNvPr id="121" name="Rectangle: Rounded Corners 120">
+                <a:extLst>
+                  <a:ext uri="{FF2B5EF4-FFF2-40B4-BE49-F238E27FC236}">
+                    <a16:creationId xmlns:a16="http://schemas.microsoft.com/office/drawing/2014/main" id="{54816A08-2751-4916-B133-66A7E09159B2}"/>
+                  </a:ext>
+                </a:extLst>
+              </p:cNvPr>
+              <p:cNvSpPr/>
+              <p:nvPr/>
+            </p:nvSpPr>
+            <p:spPr bwMode="auto">
+              <a:xfrm>
+                <a:off x="1409999" y="881288"/>
+                <a:ext cx="2986571" cy="419904"/>
+              </a:xfrm>
+              <a:prstGeom prst="roundRect">
                 <a:avLst/>
-              </a:prstTxWarp>
-              <a:noAutofit/>
-            </a:bodyPr>
-            <a:lstStyle/>
-            <a:p>
-              <a:pPr algn="ctr" defTabSz="932472" fontAlgn="base">
-                <a:lnSpc>
-                  <a:spcPct val="90000"/>
-                </a:lnSpc>
-                <a:spcBef>
-                  <a:spcPct val="0"/>
-                </a:spcBef>
-                <a:spcAft>
-                  <a:spcPct val="0"/>
-                </a:spcAft>
-              </a:pPr>
-              <a:r>
-                <a:rPr lang="en-CA" sz="1600" dirty="0">
-                  <a:gradFill>
-                    <a:gsLst>
-                      <a:gs pos="0">
-                        <a:srgbClr val="FFFFFF"/>
-                      </a:gs>
-                      <a:gs pos="100000">
-                        <a:srgbClr val="FFFFFF"/>
-                      </a:gs>
-                    </a:gsLst>
-                    <a:lin ang="5400000" scaled="0"/>
-                  </a:gradFill>
-                  <a:ea typeface="Segoe UI" pitchFamily="34" charset="0"/>
-                  <a:cs typeface="Segoe UI" pitchFamily="34" charset="0"/>
-                </a:rPr>
-                <a:t>Event Grid</a:t>
-              </a:r>
-            </a:p>
-          </p:txBody>
-        </p:sp>
-        <p:sp>
-          <p:nvSpPr>
-            <p:cNvPr id="116" name="Rectangle 115">
-              <a:extLst>
-                <a:ext uri="{FF2B5EF4-FFF2-40B4-BE49-F238E27FC236}">
-                  <a16:creationId xmlns:a16="http://schemas.microsoft.com/office/drawing/2014/main" id="{E4135C22-F8AC-4FA7-A37A-5AA87B276FD6}"/>
-                </a:ext>
-              </a:extLst>
-            </p:cNvPr>
-            <p:cNvSpPr/>
-            <p:nvPr/>
-          </p:nvSpPr>
-          <p:spPr bwMode="auto">
-            <a:xfrm>
-              <a:off x="1410000" y="1237886"/>
-              <a:ext cx="2986570" cy="765533"/>
-            </a:xfrm>
-            <a:prstGeom prst="rect">
-              <a:avLst/>
-            </a:prstGeom>
-            <a:solidFill>
-              <a:schemeClr val="tx1"/>
-            </a:solidFill>
-            <a:ln>
-              <a:solidFill>
-                <a:srgbClr val="0070C0"/>
-              </a:solidFill>
-              <a:headEnd type="none" w="med" len="med"/>
-              <a:tailEnd type="none" w="med" len="med"/>
-            </a:ln>
-            <a:effectLst/>
-          </p:spPr>
-          <p:style>
-            <a:lnRef idx="1">
-              <a:schemeClr val="accent2"/>
-            </a:lnRef>
-            <a:fillRef idx="3">
-              <a:schemeClr val="accent2"/>
-            </a:fillRef>
-            <a:effectRef idx="2">
-              <a:schemeClr val="accent2"/>
-            </a:effectRef>
-            <a:fontRef idx="minor">
-              <a:schemeClr val="lt1"/>
-            </a:fontRef>
-          </p:style>
-          <p:txBody>
-            <a:bodyPr rot="0" spcFirstLastPara="0" vertOverflow="overflow" horzOverflow="overflow" vert="horz" wrap="square" lIns="36000" tIns="72000" rIns="0" bIns="0" numCol="1" spcCol="0" rtlCol="0" fromWordArt="0" anchor="ctr" anchorCtr="0" forceAA="0" compatLnSpc="1">
-              <a:prstTxWarp prst="textNoShape">
-                <a:avLst/>
-              </a:prstTxWarp>
-              <a:noAutofit/>
-            </a:bodyPr>
-            <a:lstStyle/>
-            <a:p>
-              <a:pPr defTabSz="932472" fontAlgn="base">
-                <a:lnSpc>
-                  <a:spcPct val="90000"/>
-                </a:lnSpc>
-                <a:spcBef>
-                  <a:spcPct val="0"/>
-                </a:spcBef>
-                <a:spcAft>
-                  <a:spcPct val="0"/>
-                </a:spcAft>
-              </a:pPr>
-              <a:r>
-                <a:rPr lang="en-CA" sz="900" b="1" dirty="0">
-                  <a:solidFill>
-                    <a:srgbClr val="0070C0"/>
-                  </a:solidFill>
-                  <a:ea typeface="Segoe UI" pitchFamily="34" charset="0"/>
-                  <a:cs typeface="Segoe UI" pitchFamily="34" charset="0"/>
-                </a:rPr>
-                <a:t>Event management across Azure resources</a:t>
-              </a:r>
-            </a:p>
-            <a:p>
-              <a:pPr marL="269875" lvl="1" indent="-93663" defTabSz="932472" fontAlgn="base">
-                <a:lnSpc>
-                  <a:spcPct val="90000"/>
-                </a:lnSpc>
-                <a:spcBef>
-                  <a:spcPct val="0"/>
-                </a:spcBef>
-                <a:spcAft>
-                  <a:spcPct val="0"/>
-                </a:spcAft>
-                <a:buFont typeface="Arial" panose="020B0604020202020204" pitchFamily="34" charset="0"/>
-                <a:buChar char="•"/>
-              </a:pPr>
-              <a:r>
-                <a:rPr lang="en-CA" sz="800" dirty="0">
-                  <a:solidFill>
-                    <a:srgbClr val="0070C0"/>
-                  </a:solidFill>
-                  <a:cs typeface="Segoe UI" pitchFamily="34" charset="0"/>
-                </a:rPr>
-                <a:t>Apps are notified when an event happens</a:t>
-              </a:r>
-            </a:p>
-            <a:p>
-              <a:pPr marL="269875" lvl="1" indent="-93663" defTabSz="932472" fontAlgn="base">
-                <a:lnSpc>
-                  <a:spcPct val="90000"/>
-                </a:lnSpc>
-                <a:spcBef>
-                  <a:spcPct val="0"/>
-                </a:spcBef>
-                <a:spcAft>
-                  <a:spcPct val="0"/>
-                </a:spcAft>
-                <a:buFont typeface="Arial" panose="020B0604020202020204" pitchFamily="34" charset="0"/>
-                <a:buChar char="•"/>
-              </a:pPr>
-              <a:r>
-                <a:rPr lang="en-CA" sz="800" dirty="0">
-                  <a:solidFill>
-                    <a:srgbClr val="0070C0"/>
-                  </a:solidFill>
-                  <a:cs typeface="Segoe UI" pitchFamily="34" charset="0"/>
-                </a:rPr>
-                <a:t>Throughput of millions of events and 24h retry</a:t>
-              </a:r>
-            </a:p>
-            <a:p>
-              <a:pPr marL="269875" lvl="1" indent="-93663" defTabSz="932472" fontAlgn="base">
-                <a:lnSpc>
-                  <a:spcPct val="90000"/>
-                </a:lnSpc>
-                <a:spcBef>
-                  <a:spcPct val="0"/>
-                </a:spcBef>
-                <a:spcAft>
-                  <a:spcPct val="0"/>
-                </a:spcAft>
-                <a:buFont typeface="Arial" panose="020B0604020202020204" pitchFamily="34" charset="0"/>
-                <a:buChar char="•"/>
-              </a:pPr>
-              <a:r>
-                <a:rPr lang="en-CA" sz="800" dirty="0">
-                  <a:solidFill>
-                    <a:srgbClr val="0070C0"/>
-                  </a:solidFill>
-                  <a:cs typeface="Segoe UI" pitchFamily="34" charset="0"/>
-                </a:rPr>
-                <a:t>Publishers – Az subscriptions, Event Hubs, Topics, IoT Hub, Resource Groups, Blob storage, Service Bus, V2 storage, …</a:t>
-              </a:r>
-            </a:p>
-          </p:txBody>
-        </p:sp>
-      </p:grpSp>
-      <p:grpSp>
-        <p:nvGrpSpPr>
-          <p:cNvPr id="117" name="Group 116">
-            <a:extLst>
-              <a:ext uri="{FF2B5EF4-FFF2-40B4-BE49-F238E27FC236}">
-                <a16:creationId xmlns:a16="http://schemas.microsoft.com/office/drawing/2014/main" id="{82BFDA83-CB1F-4F84-A3AE-BD5B7C7E633E}"/>
-              </a:ext>
-            </a:extLst>
-          </p:cNvPr>
-          <p:cNvGrpSpPr/>
-          <p:nvPr/>
-        </p:nvGrpSpPr>
-        <p:grpSpPr>
-          <a:xfrm>
-            <a:off x="10884066" y="13384296"/>
-            <a:ext cx="2986571" cy="1193386"/>
-            <a:chOff x="4520351" y="881287"/>
-            <a:chExt cx="2986571" cy="1193386"/>
-          </a:xfrm>
-        </p:grpSpPr>
-        <p:sp>
-          <p:nvSpPr>
-            <p:cNvPr id="118" name="Rectangle: Rounded Corners 117">
-              <a:extLst>
-                <a:ext uri="{FF2B5EF4-FFF2-40B4-BE49-F238E27FC236}">
-                  <a16:creationId xmlns:a16="http://schemas.microsoft.com/office/drawing/2014/main" id="{EE977EC0-F15C-44DA-AC9A-B4EAA54B49C1}"/>
-                </a:ext>
-              </a:extLst>
-            </p:cNvPr>
-            <p:cNvSpPr/>
-            <p:nvPr/>
-          </p:nvSpPr>
-          <p:spPr bwMode="auto">
-            <a:xfrm>
-              <a:off x="4520351" y="881287"/>
-              <a:ext cx="2986571" cy="419904"/>
-            </a:xfrm>
-            <a:prstGeom prst="roundRect">
-              <a:avLst/>
-            </a:prstGeom>
-            <a:solidFill>
-              <a:srgbClr val="0070C0"/>
-            </a:solidFill>
-            <a:ln>
-              <a:solidFill>
-                <a:srgbClr val="0070C0"/>
-              </a:solidFill>
-              <a:headEnd type="none" w="med" len="med"/>
-              <a:tailEnd type="none" w="med" len="med"/>
-            </a:ln>
-            <a:effectLst/>
-          </p:spPr>
-          <p:style>
-            <a:lnRef idx="1">
-              <a:schemeClr val="accent2"/>
-            </a:lnRef>
-            <a:fillRef idx="3">
-              <a:schemeClr val="accent2"/>
-            </a:fillRef>
-            <a:effectRef idx="2">
-              <a:schemeClr val="accent2"/>
-            </a:effectRef>
-            <a:fontRef idx="minor">
-              <a:schemeClr val="lt1"/>
-            </a:fontRef>
-          </p:style>
-          <p:txBody>
-            <a:bodyPr rot="0" spcFirstLastPara="0" vertOverflow="overflow" horzOverflow="overflow" vert="horz" wrap="square" lIns="0" tIns="0" rIns="0" bIns="0" numCol="1" spcCol="0" rtlCol="0" fromWordArt="0" anchor="ctr" anchorCtr="0" forceAA="0" compatLnSpc="1">
-              <a:prstTxWarp prst="textNoShape">
-                <a:avLst/>
-              </a:prstTxWarp>
-              <a:noAutofit/>
-            </a:bodyPr>
-            <a:lstStyle/>
-            <a:p>
-              <a:pPr algn="ctr" defTabSz="932472" fontAlgn="base">
-                <a:lnSpc>
-                  <a:spcPct val="90000"/>
-                </a:lnSpc>
-                <a:spcBef>
-                  <a:spcPct val="0"/>
-                </a:spcBef>
-                <a:spcAft>
-                  <a:spcPct val="0"/>
-                </a:spcAft>
-              </a:pPr>
-              <a:r>
-                <a:rPr lang="en-CA" sz="1600" dirty="0">
-                  <a:gradFill>
-                    <a:gsLst>
-                      <a:gs pos="0">
-                        <a:srgbClr val="FFFFFF"/>
-                      </a:gs>
-                      <a:gs pos="100000">
-                        <a:srgbClr val="FFFFFF"/>
-                      </a:gs>
-                    </a:gsLst>
-                    <a:lin ang="5400000" scaled="0"/>
-                  </a:gradFill>
-                  <a:ea typeface="Segoe UI" pitchFamily="34" charset="0"/>
-                  <a:cs typeface="Segoe UI" pitchFamily="34" charset="0"/>
-                </a:rPr>
-                <a:t>Notification Hubs</a:t>
-              </a:r>
-            </a:p>
-          </p:txBody>
-        </p:sp>
-        <p:sp>
-          <p:nvSpPr>
-            <p:cNvPr id="119" name="Rectangle 118">
-              <a:extLst>
-                <a:ext uri="{FF2B5EF4-FFF2-40B4-BE49-F238E27FC236}">
-                  <a16:creationId xmlns:a16="http://schemas.microsoft.com/office/drawing/2014/main" id="{15A414B9-1D74-4CB7-BE34-3AF77A2D6BF2}"/>
-                </a:ext>
-              </a:extLst>
-            </p:cNvPr>
-            <p:cNvSpPr/>
-            <p:nvPr/>
-          </p:nvSpPr>
-          <p:spPr bwMode="auto">
-            <a:xfrm>
-              <a:off x="4520352" y="1237887"/>
-              <a:ext cx="2986570" cy="836786"/>
-            </a:xfrm>
-            <a:prstGeom prst="rect">
-              <a:avLst/>
-            </a:prstGeom>
-            <a:solidFill>
-              <a:schemeClr val="tx1"/>
-            </a:solidFill>
-            <a:ln>
-              <a:solidFill>
-                <a:srgbClr val="0070C0"/>
-              </a:solidFill>
-              <a:headEnd type="none" w="med" len="med"/>
-              <a:tailEnd type="none" w="med" len="med"/>
-            </a:ln>
-            <a:effectLst/>
-          </p:spPr>
-          <p:style>
-            <a:lnRef idx="1">
-              <a:schemeClr val="accent2"/>
-            </a:lnRef>
-            <a:fillRef idx="3">
-              <a:schemeClr val="accent2"/>
-            </a:fillRef>
-            <a:effectRef idx="2">
-              <a:schemeClr val="accent2"/>
-            </a:effectRef>
-            <a:fontRef idx="minor">
-              <a:schemeClr val="lt1"/>
-            </a:fontRef>
-          </p:style>
-          <p:txBody>
-            <a:bodyPr rot="0" spcFirstLastPara="0" vertOverflow="overflow" horzOverflow="overflow" vert="horz" wrap="square" lIns="36000" tIns="72000" rIns="0" bIns="0" numCol="1" spcCol="0" rtlCol="0" fromWordArt="0" anchor="ctr" anchorCtr="0" forceAA="0" compatLnSpc="1">
-              <a:prstTxWarp prst="textNoShape">
-                <a:avLst/>
-              </a:prstTxWarp>
-              <a:noAutofit/>
-            </a:bodyPr>
-            <a:lstStyle/>
-            <a:p>
-              <a:pPr defTabSz="932472" fontAlgn="base">
-                <a:lnSpc>
-                  <a:spcPct val="90000"/>
-                </a:lnSpc>
-                <a:spcBef>
-                  <a:spcPct val="0"/>
-                </a:spcBef>
-                <a:spcAft>
-                  <a:spcPct val="0"/>
-                </a:spcAft>
-              </a:pPr>
-              <a:r>
-                <a:rPr lang="en-CA" sz="900" b="1" dirty="0">
-                  <a:solidFill>
-                    <a:srgbClr val="0070C0"/>
-                  </a:solidFill>
-                  <a:ea typeface="Segoe UI" pitchFamily="34" charset="0"/>
-                  <a:cs typeface="Segoe UI" pitchFamily="34" charset="0"/>
-                </a:rPr>
-                <a:t>Push notifications from backends to mobile</a:t>
-              </a:r>
-            </a:p>
-            <a:p>
-              <a:pPr marL="269875" lvl="1" indent="-93663" defTabSz="932472" fontAlgn="base">
-                <a:lnSpc>
-                  <a:spcPct val="90000"/>
-                </a:lnSpc>
-                <a:spcBef>
-                  <a:spcPct val="0"/>
-                </a:spcBef>
-                <a:spcAft>
-                  <a:spcPct val="0"/>
-                </a:spcAft>
-                <a:buFont typeface="Arial" panose="020B0604020202020204" pitchFamily="34" charset="0"/>
-                <a:buChar char="•"/>
-              </a:pPr>
-              <a:r>
-                <a:rPr lang="en-CA" sz="800" dirty="0">
-                  <a:solidFill>
-                    <a:srgbClr val="0070C0"/>
-                  </a:solidFill>
-                  <a:ea typeface="Segoe UI" pitchFamily="34" charset="0"/>
-                  <a:cs typeface="Segoe UI" pitchFamily="34" charset="0"/>
-                </a:rPr>
-                <a:t>Scenarios – Send codes, notifications, news</a:t>
-              </a:r>
-            </a:p>
-            <a:p>
-              <a:pPr marL="269875" lvl="1" indent="-93663" defTabSz="932472" fontAlgn="base">
-                <a:lnSpc>
-                  <a:spcPct val="90000"/>
-                </a:lnSpc>
-                <a:spcBef>
-                  <a:spcPct val="0"/>
-                </a:spcBef>
-                <a:spcAft>
-                  <a:spcPct val="0"/>
-                </a:spcAft>
-                <a:buFont typeface="Arial" panose="020B0604020202020204" pitchFamily="34" charset="0"/>
-                <a:buChar char="•"/>
-              </a:pPr>
-              <a:r>
-                <a:rPr lang="en-CA" sz="800" dirty="0">
-                  <a:solidFill>
-                    <a:srgbClr val="0070C0"/>
-                  </a:solidFill>
-                  <a:ea typeface="Segoe UI" pitchFamily="34" charset="0"/>
-                  <a:cs typeface="Segoe UI" pitchFamily="34" charset="0"/>
-                </a:rPr>
-                <a:t>Tiers</a:t>
-              </a:r>
-            </a:p>
-            <a:p>
-              <a:pPr marL="360363" lvl="1" indent="-93663" defTabSz="932472" fontAlgn="base">
-                <a:lnSpc>
-                  <a:spcPct val="90000"/>
-                </a:lnSpc>
-                <a:spcBef>
-                  <a:spcPct val="0"/>
-                </a:spcBef>
-                <a:spcAft>
-                  <a:spcPct val="0"/>
-                </a:spcAft>
-                <a:buFont typeface="Arial" panose="020B0604020202020204" pitchFamily="34" charset="0"/>
-                <a:buChar char="•"/>
-              </a:pPr>
-              <a:r>
-                <a:rPr lang="en-CA" sz="800" dirty="0">
-                  <a:solidFill>
-                    <a:srgbClr val="0070C0"/>
-                  </a:solidFill>
-                  <a:ea typeface="Segoe UI" pitchFamily="34" charset="0"/>
-                  <a:cs typeface="Segoe UI" pitchFamily="34" charset="0"/>
-                </a:rPr>
-                <a:t>Free – 1 million messages / month</a:t>
-              </a:r>
-            </a:p>
-            <a:p>
-              <a:pPr marL="360363" lvl="1" indent="-93663" defTabSz="932472" fontAlgn="base">
-                <a:lnSpc>
-                  <a:spcPct val="90000"/>
-                </a:lnSpc>
-                <a:spcBef>
-                  <a:spcPct val="0"/>
-                </a:spcBef>
-                <a:spcAft>
-                  <a:spcPct val="0"/>
-                </a:spcAft>
-                <a:buFont typeface="Arial" panose="020B0604020202020204" pitchFamily="34" charset="0"/>
-                <a:buChar char="•"/>
-              </a:pPr>
-              <a:r>
-                <a:rPr lang="en-CA" sz="800" dirty="0">
-                  <a:solidFill>
-                    <a:srgbClr val="0070C0"/>
-                  </a:solidFill>
-                  <a:ea typeface="Segoe UI" pitchFamily="34" charset="0"/>
-                  <a:cs typeface="Segoe UI" pitchFamily="34" charset="0"/>
-                </a:rPr>
-                <a:t>Basic – 10 million messages / month</a:t>
-              </a:r>
-            </a:p>
-            <a:p>
-              <a:pPr marL="360363" lvl="1" indent="-93663" defTabSz="932472" fontAlgn="base">
-                <a:lnSpc>
-                  <a:spcPct val="90000"/>
-                </a:lnSpc>
-                <a:spcBef>
-                  <a:spcPct val="0"/>
-                </a:spcBef>
-                <a:spcAft>
-                  <a:spcPct val="0"/>
-                </a:spcAft>
-                <a:buFont typeface="Arial" panose="020B0604020202020204" pitchFamily="34" charset="0"/>
-                <a:buChar char="•"/>
-              </a:pPr>
-              <a:r>
-                <a:rPr lang="en-CA" sz="800" dirty="0">
-                  <a:solidFill>
-                    <a:srgbClr val="0070C0"/>
-                  </a:solidFill>
-                  <a:ea typeface="Segoe UI" pitchFamily="34" charset="0"/>
-                  <a:cs typeface="Segoe UI" pitchFamily="34" charset="0"/>
-                </a:rPr>
-                <a:t>Standards – 10 million messages / month</a:t>
-              </a:r>
-              <a:endParaRPr lang="en-CA" sz="900" dirty="0">
-                <a:solidFill>
-                  <a:srgbClr val="0070C0"/>
-                </a:solidFill>
-                <a:ea typeface="Segoe UI" pitchFamily="34" charset="0"/>
-                <a:cs typeface="Segoe UI" pitchFamily="34" charset="0"/>
-              </a:endParaRPr>
-            </a:p>
-          </p:txBody>
-        </p:sp>
-      </p:grpSp>
-      <p:grpSp>
-        <p:nvGrpSpPr>
-          <p:cNvPr id="120" name="Group 119">
-            <a:extLst>
-              <a:ext uri="{FF2B5EF4-FFF2-40B4-BE49-F238E27FC236}">
-                <a16:creationId xmlns:a16="http://schemas.microsoft.com/office/drawing/2014/main" id="{3028DF0D-AEE2-4859-88B9-31EFD114B2BE}"/>
-              </a:ext>
-            </a:extLst>
-          </p:cNvPr>
-          <p:cNvGrpSpPr/>
-          <p:nvPr/>
-        </p:nvGrpSpPr>
-        <p:grpSpPr>
-          <a:xfrm>
-            <a:off x="7705237" y="11478987"/>
-            <a:ext cx="6165399" cy="734810"/>
-            <a:chOff x="1409999" y="881288"/>
-            <a:chExt cx="2986571" cy="734810"/>
-          </a:xfrm>
-        </p:grpSpPr>
-        <p:sp>
-          <p:nvSpPr>
-            <p:cNvPr id="121" name="Rectangle: Rounded Corners 120">
-              <a:extLst>
-                <a:ext uri="{FF2B5EF4-FFF2-40B4-BE49-F238E27FC236}">
-                  <a16:creationId xmlns:a16="http://schemas.microsoft.com/office/drawing/2014/main" id="{54816A08-2751-4916-B133-66A7E09159B2}"/>
-                </a:ext>
-              </a:extLst>
-            </p:cNvPr>
-            <p:cNvSpPr/>
-            <p:nvPr/>
-          </p:nvSpPr>
-          <p:spPr bwMode="auto">
-            <a:xfrm>
-              <a:off x="1409999" y="881288"/>
-              <a:ext cx="2986571" cy="419904"/>
-            </a:xfrm>
-            <a:prstGeom prst="roundRect">
-              <a:avLst/>
-            </a:prstGeom>
-            <a:solidFill>
-              <a:schemeClr val="accent5">
-                <a:lumMod val="75000"/>
-              </a:schemeClr>
-            </a:solidFill>
-            <a:ln>
+              </a:prstGeom>
               <a:solidFill>
                 <a:schemeClr val="accent5">
                   <a:lumMod val="75000"/>
                 </a:schemeClr>
               </a:solidFill>
-              <a:headEnd type="none" w="med" len="med"/>
-              <a:tailEnd type="none" w="med" len="med"/>
-            </a:ln>
-            <a:effectLst/>
-          </p:spPr>
-          <p:style>
-            <a:lnRef idx="1">
-              <a:schemeClr val="accent2"/>
-            </a:lnRef>
-            <a:fillRef idx="3">
-              <a:schemeClr val="accent2"/>
-            </a:fillRef>
-            <a:effectRef idx="2">
-              <a:schemeClr val="accent2"/>
-            </a:effectRef>
-            <a:fontRef idx="minor">
-              <a:schemeClr val="lt1"/>
-            </a:fontRef>
-          </p:style>
-          <p:txBody>
-            <a:bodyPr rot="0" spcFirstLastPara="0" vertOverflow="overflow" horzOverflow="overflow" vert="horz" wrap="square" lIns="0" tIns="0" rIns="0" bIns="0" numCol="1" spcCol="0" rtlCol="0" fromWordArt="0" anchor="ctr" anchorCtr="0" forceAA="0" compatLnSpc="1">
-              <a:prstTxWarp prst="textNoShape">
+              <a:ln>
+                <a:solidFill>
+                  <a:schemeClr val="accent5">
+                    <a:lumMod val="75000"/>
+                  </a:schemeClr>
+                </a:solidFill>
+                <a:headEnd type="none" w="med" len="med"/>
+                <a:tailEnd type="none" w="med" len="med"/>
+              </a:ln>
+              <a:effectLst/>
+            </p:spPr>
+            <p:style>
+              <a:lnRef idx="1">
+                <a:schemeClr val="accent2"/>
+              </a:lnRef>
+              <a:fillRef idx="3">
+                <a:schemeClr val="accent2"/>
+              </a:fillRef>
+              <a:effectRef idx="2">
+                <a:schemeClr val="accent2"/>
+              </a:effectRef>
+              <a:fontRef idx="minor">
+                <a:schemeClr val="lt1"/>
+              </a:fontRef>
+            </p:style>
+            <p:txBody>
+              <a:bodyPr rot="0" spcFirstLastPara="0" vertOverflow="overflow" horzOverflow="overflow" vert="horz" wrap="square" lIns="0" tIns="0" rIns="0" bIns="0" numCol="1" spcCol="0" rtlCol="0" fromWordArt="0" anchor="ctr" anchorCtr="0" forceAA="0" compatLnSpc="1">
+                <a:prstTxWarp prst="textNoShape">
+                  <a:avLst/>
+                </a:prstTxWarp>
+                <a:noAutofit/>
+              </a:bodyPr>
+              <a:lstStyle/>
+              <a:p>
+                <a:pPr algn="ctr" defTabSz="932472" fontAlgn="base">
+                  <a:lnSpc>
+                    <a:spcPct val="90000"/>
+                  </a:lnSpc>
+                  <a:spcBef>
+                    <a:spcPct val="0"/>
+                  </a:spcBef>
+                  <a:spcAft>
+                    <a:spcPct val="0"/>
+                  </a:spcAft>
+                </a:pPr>
+                <a:r>
+                  <a:rPr lang="en-CA" sz="1600" dirty="0">
+                    <a:gradFill>
+                      <a:gsLst>
+                        <a:gs pos="0">
+                          <a:srgbClr val="FFFFFF"/>
+                        </a:gs>
+                        <a:gs pos="100000">
+                          <a:srgbClr val="FFFFFF"/>
+                        </a:gs>
+                      </a:gsLst>
+                      <a:lin ang="5400000" scaled="0"/>
+                    </a:gradFill>
+                    <a:ea typeface="Segoe UI" pitchFamily="34" charset="0"/>
+                    <a:cs typeface="Segoe UI" pitchFamily="34" charset="0"/>
+                  </a:rPr>
+                  <a:t>Queue or Bus?</a:t>
+                </a:r>
+              </a:p>
+            </p:txBody>
+          </p:sp>
+          <p:sp>
+            <p:nvSpPr>
+              <p:cNvPr id="122" name="Rectangle 121">
+                <a:extLst>
+                  <a:ext uri="{FF2B5EF4-FFF2-40B4-BE49-F238E27FC236}">
+                    <a16:creationId xmlns:a16="http://schemas.microsoft.com/office/drawing/2014/main" id="{95043E67-C591-446E-AF58-27A69F657B23}"/>
+                  </a:ext>
+                </a:extLst>
+              </p:cNvPr>
+              <p:cNvSpPr/>
+              <p:nvPr/>
+            </p:nvSpPr>
+            <p:spPr bwMode="auto">
+              <a:xfrm>
+                <a:off x="1410000" y="1237887"/>
+                <a:ext cx="2986570" cy="378211"/>
+              </a:xfrm>
+              <a:prstGeom prst="rect">
                 <a:avLst/>
-              </a:prstTxWarp>
-              <a:noAutofit/>
-            </a:bodyPr>
-            <a:lstStyle/>
-            <a:p>
-              <a:pPr algn="ctr" defTabSz="932472" fontAlgn="base">
-                <a:lnSpc>
-                  <a:spcPct val="90000"/>
-                </a:lnSpc>
-                <a:spcBef>
-                  <a:spcPct val="0"/>
-                </a:spcBef>
-                <a:spcAft>
-                  <a:spcPct val="0"/>
-                </a:spcAft>
-              </a:pPr>
-              <a:r>
-                <a:rPr lang="en-CA" sz="1600" dirty="0">
-                  <a:gradFill>
-                    <a:gsLst>
-                      <a:gs pos="0">
-                        <a:srgbClr val="FFFFFF"/>
-                      </a:gs>
-                      <a:gs pos="100000">
-                        <a:srgbClr val="FFFFFF"/>
-                      </a:gs>
-                    </a:gsLst>
-                    <a:lin ang="5400000" scaled="0"/>
-                  </a:gradFill>
-                  <a:ea typeface="Segoe UI" pitchFamily="34" charset="0"/>
-                  <a:cs typeface="Segoe UI" pitchFamily="34" charset="0"/>
-                </a:rPr>
-                <a:t>Queue or Bus?</a:t>
-              </a:r>
-            </a:p>
-          </p:txBody>
-        </p:sp>
-        <p:sp>
-          <p:nvSpPr>
-            <p:cNvPr id="122" name="Rectangle 121">
-              <a:extLst>
-                <a:ext uri="{FF2B5EF4-FFF2-40B4-BE49-F238E27FC236}">
-                  <a16:creationId xmlns:a16="http://schemas.microsoft.com/office/drawing/2014/main" id="{95043E67-C591-446E-AF58-27A69F657B23}"/>
-                </a:ext>
-              </a:extLst>
-            </p:cNvPr>
-            <p:cNvSpPr/>
-            <p:nvPr/>
-          </p:nvSpPr>
-          <p:spPr bwMode="auto">
-            <a:xfrm>
-              <a:off x="1410000" y="1237887"/>
-              <a:ext cx="2986570" cy="378211"/>
-            </a:xfrm>
-            <a:prstGeom prst="rect">
-              <a:avLst/>
-            </a:prstGeom>
-            <a:solidFill>
-              <a:schemeClr val="tx1"/>
-            </a:solidFill>
-            <a:ln>
+              </a:prstGeom>
               <a:solidFill>
-                <a:schemeClr val="accent5">
-                  <a:lumMod val="75000"/>
-                </a:schemeClr>
+                <a:schemeClr val="tx1"/>
               </a:solidFill>
-              <a:headEnd type="none" w="med" len="med"/>
-              <a:tailEnd type="none" w="med" len="med"/>
-            </a:ln>
-            <a:effectLst/>
-          </p:spPr>
-          <p:style>
-            <a:lnRef idx="1">
-              <a:schemeClr val="accent2"/>
-            </a:lnRef>
-            <a:fillRef idx="3">
-              <a:schemeClr val="accent2"/>
-            </a:fillRef>
-            <a:effectRef idx="2">
-              <a:schemeClr val="accent2"/>
-            </a:effectRef>
-            <a:fontRef idx="minor">
-              <a:schemeClr val="lt1"/>
-            </a:fontRef>
-          </p:style>
-          <p:txBody>
-            <a:bodyPr rot="0" spcFirstLastPara="0" vertOverflow="overflow" horzOverflow="overflow" vert="horz" wrap="square" lIns="36000" tIns="72000" rIns="36000" bIns="0" numCol="1" spcCol="0" rtlCol="0" fromWordArt="0" anchor="ctr" anchorCtr="0" forceAA="0" compatLnSpc="1">
-              <a:prstTxWarp prst="textNoShape">
-                <a:avLst/>
-              </a:prstTxWarp>
-              <a:noAutofit/>
-            </a:bodyPr>
-            <a:lstStyle/>
-            <a:p>
-              <a:pPr defTabSz="932472" fontAlgn="base">
-                <a:lnSpc>
-                  <a:spcPct val="90000"/>
-                </a:lnSpc>
-                <a:spcBef>
-                  <a:spcPct val="0"/>
-                </a:spcBef>
-                <a:spcAft>
-                  <a:spcPct val="0"/>
-                </a:spcAft>
-              </a:pPr>
-              <a:r>
-                <a:rPr lang="en-CA" sz="900" b="1" dirty="0">
-                  <a:solidFill>
-                    <a:srgbClr val="0070C0"/>
-                  </a:solidFill>
-                  <a:ea typeface="Segoe UI" pitchFamily="34" charset="0"/>
-                  <a:cs typeface="Segoe UI" pitchFamily="34" charset="0"/>
-                </a:rPr>
-                <a:t>Queues - </a:t>
-              </a:r>
-              <a:r>
-                <a:rPr lang="en-CA" sz="800" dirty="0">
+              <a:ln>
+                <a:solidFill>
+                  <a:schemeClr val="accent5">
+                    <a:lumMod val="75000"/>
+                  </a:schemeClr>
+                </a:solidFill>
+                <a:headEnd type="none" w="med" len="med"/>
+                <a:tailEnd type="none" w="med" len="med"/>
+              </a:ln>
+              <a:effectLst/>
+            </p:spPr>
+            <p:style>
+              <a:lnRef idx="1">
+                <a:schemeClr val="accent2"/>
+              </a:lnRef>
+              <a:fillRef idx="3">
+                <a:schemeClr val="accent2"/>
+              </a:fillRef>
+              <a:effectRef idx="2">
+                <a:schemeClr val="accent2"/>
+              </a:effectRef>
+              <a:fontRef idx="minor">
+                <a:schemeClr val="lt1"/>
+              </a:fontRef>
+            </p:style>
+            <p:txBody>
+              <a:bodyPr rot="0" spcFirstLastPara="0" vertOverflow="overflow" horzOverflow="overflow" vert="horz" wrap="square" lIns="36000" tIns="72000" rIns="36000" bIns="0" numCol="1" spcCol="0" rtlCol="0" fromWordArt="0" anchor="ctr" anchorCtr="0" forceAA="0" compatLnSpc="1">
+                <a:prstTxWarp prst="textNoShape">
+                  <a:avLst/>
+                </a:prstTxWarp>
+                <a:noAutofit/>
+              </a:bodyPr>
+              <a:lstStyle/>
+              <a:p>
+                <a:pPr defTabSz="932472" fontAlgn="base">
+                  <a:lnSpc>
+                    <a:spcPct val="90000"/>
+                  </a:lnSpc>
+                  <a:spcBef>
+                    <a:spcPct val="0"/>
+                  </a:spcBef>
+                  <a:spcAft>
+                    <a:spcPct val="0"/>
+                  </a:spcAft>
+                </a:pPr>
+                <a:r>
+                  <a:rPr lang="en-CA" sz="900" b="1" dirty="0">
+                    <a:solidFill>
+                      <a:srgbClr val="0070C0"/>
+                    </a:solidFill>
+                    <a:ea typeface="Segoe UI" pitchFamily="34" charset="0"/>
+                    <a:cs typeface="Segoe UI" pitchFamily="34" charset="0"/>
+                  </a:rPr>
+                  <a:t>Queues - </a:t>
+                </a:r>
+                <a:r>
+                  <a:rPr lang="en-CA" sz="800" dirty="0">
+                    <a:solidFill>
+                      <a:srgbClr val="0070C0"/>
+                    </a:solidFill>
+                    <a:cs typeface="Segoe UI" pitchFamily="34" charset="0"/>
+                  </a:rPr>
+                  <a:t>Standard queuing with messages up to 64KB</a:t>
+                </a:r>
+              </a:p>
+              <a:p>
+                <a:pPr marL="176212" lvl="1" algn="r" defTabSz="932472" fontAlgn="base">
+                  <a:lnSpc>
+                    <a:spcPct val="90000"/>
+                  </a:lnSpc>
+                  <a:spcBef>
+                    <a:spcPct val="0"/>
+                  </a:spcBef>
+                  <a:spcAft>
+                    <a:spcPct val="0"/>
+                  </a:spcAft>
+                </a:pPr>
+                <a:r>
+                  <a:rPr lang="en-CA" sz="800" dirty="0">
+                    <a:solidFill>
+                      <a:srgbClr val="0070C0"/>
+                    </a:solidFill>
+                    <a:cs typeface="Segoe UI" pitchFamily="34" charset="0"/>
+                  </a:rPr>
+                  <a:t>Brokering at enterprise scale with messages up to 1MB, transactions, and sessions - </a:t>
+                </a:r>
+                <a:r>
+                  <a:rPr lang="en-CA" sz="800" b="1" dirty="0">
+                    <a:solidFill>
+                      <a:srgbClr val="0070C0"/>
+                    </a:solidFill>
+                    <a:ea typeface="Segoe UI" pitchFamily="34" charset="0"/>
+                    <a:cs typeface="Segoe UI" pitchFamily="34" charset="0"/>
+                  </a:rPr>
+                  <a:t>Service Bus</a:t>
+                </a:r>
+              </a:p>
+              <a:p>
+                <a:pPr marL="176212" lvl="1" algn="r" defTabSz="932472" fontAlgn="base">
+                  <a:lnSpc>
+                    <a:spcPct val="90000"/>
+                  </a:lnSpc>
+                  <a:spcBef>
+                    <a:spcPct val="0"/>
+                  </a:spcBef>
+                  <a:spcAft>
+                    <a:spcPct val="0"/>
+                  </a:spcAft>
+                </a:pPr>
+                <a:endParaRPr lang="en-CA" sz="800" dirty="0">
                   <a:solidFill>
                     <a:srgbClr val="0070C0"/>
                   </a:solidFill>
                   <a:cs typeface="Segoe UI" pitchFamily="34" charset="0"/>
-                </a:rPr>
-                <a:t>Standard queuing with messages up to 64KB</a:t>
-              </a:r>
-            </a:p>
-            <a:p>
-              <a:pPr marL="176212" lvl="1" algn="r" defTabSz="932472" fontAlgn="base">
-                <a:lnSpc>
-                  <a:spcPct val="90000"/>
-                </a:lnSpc>
-                <a:spcBef>
-                  <a:spcPct val="0"/>
-                </a:spcBef>
-                <a:spcAft>
-                  <a:spcPct val="0"/>
-                </a:spcAft>
-              </a:pPr>
-              <a:r>
-                <a:rPr lang="en-CA" sz="800" dirty="0">
-                  <a:solidFill>
-                    <a:srgbClr val="0070C0"/>
-                  </a:solidFill>
-                  <a:cs typeface="Segoe UI" pitchFamily="34" charset="0"/>
-                </a:rPr>
-                <a:t>Brokering at enterprise scale with messages up to 1MB, transactions, and sessions - </a:t>
-              </a:r>
-              <a:r>
-                <a:rPr lang="en-CA" sz="800" b="1" dirty="0">
-                  <a:solidFill>
-                    <a:srgbClr val="0070C0"/>
-                  </a:solidFill>
-                  <a:ea typeface="Segoe UI" pitchFamily="34" charset="0"/>
-                  <a:cs typeface="Segoe UI" pitchFamily="34" charset="0"/>
-                </a:rPr>
-                <a:t>Service Bus</a:t>
-              </a:r>
-            </a:p>
-            <a:p>
-              <a:pPr marL="176212" lvl="1" algn="r" defTabSz="932472" fontAlgn="base">
-                <a:lnSpc>
-                  <a:spcPct val="90000"/>
-                </a:lnSpc>
-                <a:spcBef>
-                  <a:spcPct val="0"/>
-                </a:spcBef>
-                <a:spcAft>
-                  <a:spcPct val="0"/>
-                </a:spcAft>
-              </a:pPr>
-              <a:endParaRPr lang="en-CA" sz="800" dirty="0">
-                <a:solidFill>
-                  <a:srgbClr val="0070C0"/>
-                </a:solidFill>
-                <a:cs typeface="Segoe UI" pitchFamily="34" charset="0"/>
-              </a:endParaRPr>
-            </a:p>
-          </p:txBody>
-        </p:sp>
+                </a:endParaRPr>
+              </a:p>
+            </p:txBody>
+          </p:sp>
+        </p:grpSp>
       </p:grpSp>
       <p:grpSp>
         <p:nvGrpSpPr>
@@ -32221,7 +31694,7 @@
         </p:nvGrpSpPr>
         <p:grpSpPr>
           <a:xfrm>
-            <a:off x="15018501" y="8197240"/>
+            <a:off x="14854379" y="8202896"/>
             <a:ext cx="6182255" cy="6380442"/>
             <a:chOff x="15018501" y="8197240"/>
             <a:chExt cx="6182255" cy="6380442"/>
@@ -34898,10 +34371,10 @@
       </p:grpSp>
       <p:grpSp>
         <p:nvGrpSpPr>
-          <p:cNvPr id="135" name="Group 134">
+          <p:cNvPr id="6" name="Group 5">
             <a:extLst>
               <a:ext uri="{FF2B5EF4-FFF2-40B4-BE49-F238E27FC236}">
-                <a16:creationId xmlns:a16="http://schemas.microsoft.com/office/drawing/2014/main" id="{1F10BDFE-1E6D-4666-AC62-D5C4E7D7B64C}"/>
+                <a16:creationId xmlns:a16="http://schemas.microsoft.com/office/drawing/2014/main" id="{D0091E0A-2254-4002-B869-87FBC67168A4}"/>
               </a:ext>
             </a:extLst>
           </p:cNvPr>
@@ -34910,18 +34383,18 @@
         </p:nvGrpSpPr>
         <p:grpSpPr>
           <a:xfrm>
-            <a:off x="791689" y="12330185"/>
-            <a:ext cx="2986571" cy="1552113"/>
-            <a:chOff x="1409999" y="881288"/>
-            <a:chExt cx="2986571" cy="1550916"/>
+            <a:off x="7760909" y="9735407"/>
+            <a:ext cx="6180096" cy="4847009"/>
+            <a:chOff x="754416" y="9736329"/>
+            <a:chExt cx="6180096" cy="4847009"/>
           </a:xfrm>
         </p:grpSpPr>
         <p:sp>
           <p:nvSpPr>
-            <p:cNvPr id="136" name="Rectangle: Rounded Corners 135">
+            <p:cNvPr id="61" name="Rectangle 60">
               <a:extLst>
                 <a:ext uri="{FF2B5EF4-FFF2-40B4-BE49-F238E27FC236}">
-                  <a16:creationId xmlns:a16="http://schemas.microsoft.com/office/drawing/2014/main" id="{B39AA0ED-49F8-4071-852E-766EA86D6CFA}"/>
+                  <a16:creationId xmlns:a16="http://schemas.microsoft.com/office/drawing/2014/main" id="{533535A6-0C07-41A6-8039-DAF1AA4D0935}"/>
                 </a:ext>
               </a:extLst>
             </p:cNvPr>
@@ -34930,19 +34403,17 @@
           </p:nvSpPr>
           <p:spPr bwMode="auto">
             <a:xfrm>
-              <a:off x="1409999" y="881288"/>
-              <a:ext cx="2986571" cy="419904"/>
+              <a:off x="754416" y="9736329"/>
+              <a:ext cx="6152526" cy="522356"/>
             </a:xfrm>
-            <a:prstGeom prst="roundRect">
+            <a:prstGeom prst="rect">
               <a:avLst/>
             </a:prstGeom>
             <a:solidFill>
-              <a:srgbClr val="0070C0"/>
+              <a:srgbClr val="002060"/>
             </a:solidFill>
             <a:ln>
-              <a:solidFill>
-                <a:srgbClr val="0070C0"/>
-              </a:solidFill>
+              <a:noFill/>
               <a:headEnd type="none" w="med" len="med"/>
               <a:tailEnd type="none" w="med" len="med"/>
             </a:ln>
@@ -34963,7 +34434,7 @@
             </a:fontRef>
           </p:style>
           <p:txBody>
-            <a:bodyPr rot="0" spcFirstLastPara="0" vertOverflow="overflow" horzOverflow="overflow" vert="horz" wrap="square" lIns="0" tIns="0" rIns="0" bIns="0" numCol="1" spcCol="0" rtlCol="0" fromWordArt="0" anchor="ctr" anchorCtr="0" forceAA="0" compatLnSpc="1">
+            <a:bodyPr rot="0" spcFirstLastPara="0" vertOverflow="overflow" horzOverflow="overflow" vert="horz" wrap="square" lIns="0" tIns="72000" rIns="0" bIns="146304" numCol="1" spcCol="0" rtlCol="0" fromWordArt="0" anchor="t" anchorCtr="0" forceAA="0" compatLnSpc="1">
               <a:prstTxWarp prst="textNoShape">
                 <a:avLst/>
               </a:prstTxWarp>
@@ -34983,7 +34454,7 @@
                 </a:spcAft>
               </a:pPr>
               <a:r>
-                <a:rPr lang="en-CA" sz="1600" dirty="0">
+                <a:rPr lang="en-CA" sz="2400" dirty="0">
                   <a:gradFill>
                     <a:gsLst>
                       <a:gs pos="0">
@@ -34998,763 +34469,1990 @@
                   <a:ea typeface="Segoe UI" pitchFamily="34" charset="0"/>
                   <a:cs typeface="Segoe UI" pitchFamily="34" charset="0"/>
                 </a:rPr>
-                <a:t>Application Insights</a:t>
+                <a:t>Monitoring and Logging</a:t>
               </a:r>
             </a:p>
           </p:txBody>
         </p:sp>
-        <p:sp>
-          <p:nvSpPr>
-            <p:cNvPr id="137" name="Rectangle 136">
+        <p:grpSp>
+          <p:nvGrpSpPr>
+            <p:cNvPr id="62" name="Group 61">
               <a:extLst>
                 <a:ext uri="{FF2B5EF4-FFF2-40B4-BE49-F238E27FC236}">
-                  <a16:creationId xmlns:a16="http://schemas.microsoft.com/office/drawing/2014/main" id="{3D2C77C0-9E20-4FEE-AB6D-ABC00685B877}"/>
+                  <a16:creationId xmlns:a16="http://schemas.microsoft.com/office/drawing/2014/main" id="{6FDE472B-FBEE-447B-87DB-D96C47E18AEF}"/>
                 </a:ext>
               </a:extLst>
             </p:cNvPr>
-            <p:cNvSpPr/>
+            <p:cNvGrpSpPr/>
             <p:nvPr/>
-          </p:nvSpPr>
-          <p:spPr bwMode="auto">
+          </p:nvGrpSpPr>
+          <p:grpSpPr>
             <a:xfrm>
-              <a:off x="1410000" y="1237886"/>
-              <a:ext cx="2986570" cy="1194318"/>
+              <a:off x="754417" y="10258684"/>
+              <a:ext cx="2986571" cy="953692"/>
+              <a:chOff x="1409999" y="881288"/>
+              <a:chExt cx="2986571" cy="952956"/>
             </a:xfrm>
-            <a:prstGeom prst="rect">
-              <a:avLst/>
-            </a:prstGeom>
-            <a:solidFill>
-              <a:schemeClr val="tx1"/>
-            </a:solidFill>
-            <a:ln>
+          </p:grpSpPr>
+          <p:sp>
+            <p:nvSpPr>
+              <p:cNvPr id="63" name="Rectangle: Rounded Corners 62">
+                <a:extLst>
+                  <a:ext uri="{FF2B5EF4-FFF2-40B4-BE49-F238E27FC236}">
+                    <a16:creationId xmlns:a16="http://schemas.microsoft.com/office/drawing/2014/main" id="{4931DEAB-50B7-4EFB-BC18-8F5AC8884902}"/>
+                  </a:ext>
+                </a:extLst>
+              </p:cNvPr>
+              <p:cNvSpPr/>
+              <p:nvPr/>
+            </p:nvSpPr>
+            <p:spPr bwMode="auto">
+              <a:xfrm>
+                <a:off x="1409999" y="881288"/>
+                <a:ext cx="2986571" cy="419904"/>
+              </a:xfrm>
+              <a:prstGeom prst="roundRect">
+                <a:avLst/>
+              </a:prstGeom>
               <a:solidFill>
                 <a:srgbClr val="0070C0"/>
               </a:solidFill>
-              <a:headEnd type="none" w="med" len="med"/>
-              <a:tailEnd type="none" w="med" len="med"/>
-            </a:ln>
-            <a:effectLst/>
-          </p:spPr>
-          <p:style>
-            <a:lnRef idx="1">
-              <a:schemeClr val="accent2"/>
-            </a:lnRef>
-            <a:fillRef idx="3">
-              <a:schemeClr val="accent2"/>
-            </a:fillRef>
-            <a:effectRef idx="2">
-              <a:schemeClr val="accent2"/>
-            </a:effectRef>
-            <a:fontRef idx="minor">
-              <a:schemeClr val="lt1"/>
-            </a:fontRef>
-          </p:style>
-          <p:txBody>
-            <a:bodyPr rot="0" spcFirstLastPara="0" vertOverflow="overflow" horzOverflow="overflow" vert="horz" wrap="square" lIns="36000" tIns="72000" rIns="0" bIns="0" numCol="1" spcCol="0" rtlCol="0" fromWordArt="0" anchor="ctr" anchorCtr="0" forceAA="0" compatLnSpc="1">
-              <a:prstTxWarp prst="textNoShape">
+              <a:ln>
+                <a:solidFill>
+                  <a:srgbClr val="0070C0"/>
+                </a:solidFill>
+                <a:headEnd type="none" w="med" len="med"/>
+                <a:tailEnd type="none" w="med" len="med"/>
+              </a:ln>
+              <a:effectLst/>
+            </p:spPr>
+            <p:style>
+              <a:lnRef idx="1">
+                <a:schemeClr val="accent2"/>
+              </a:lnRef>
+              <a:fillRef idx="3">
+                <a:schemeClr val="accent2"/>
+              </a:fillRef>
+              <a:effectRef idx="2">
+                <a:schemeClr val="accent2"/>
+              </a:effectRef>
+              <a:fontRef idx="minor">
+                <a:schemeClr val="lt1"/>
+              </a:fontRef>
+            </p:style>
+            <p:txBody>
+              <a:bodyPr rot="0" spcFirstLastPara="0" vertOverflow="overflow" horzOverflow="overflow" vert="horz" wrap="square" lIns="0" tIns="0" rIns="0" bIns="0" numCol="1" spcCol="0" rtlCol="0" fromWordArt="0" anchor="ctr" anchorCtr="0" forceAA="0" compatLnSpc="1">
+                <a:prstTxWarp prst="textNoShape">
+                  <a:avLst/>
+                </a:prstTxWarp>
+                <a:noAutofit/>
+              </a:bodyPr>
+              <a:lstStyle/>
+              <a:p>
+                <a:pPr algn="ctr" defTabSz="932472" fontAlgn="base">
+                  <a:lnSpc>
+                    <a:spcPct val="90000"/>
+                  </a:lnSpc>
+                  <a:spcBef>
+                    <a:spcPct val="0"/>
+                  </a:spcBef>
+                  <a:spcAft>
+                    <a:spcPct val="0"/>
+                  </a:spcAft>
+                </a:pPr>
+                <a:r>
+                  <a:rPr lang="en-CA" sz="1600" dirty="0">
+                    <a:gradFill>
+                      <a:gsLst>
+                        <a:gs pos="0">
+                          <a:srgbClr val="FFFFFF"/>
+                        </a:gs>
+                        <a:gs pos="100000">
+                          <a:srgbClr val="FFFFFF"/>
+                        </a:gs>
+                      </a:gsLst>
+                      <a:lin ang="5400000" scaled="0"/>
+                    </a:gradFill>
+                    <a:ea typeface="Segoe UI" pitchFamily="34" charset="0"/>
+                    <a:cs typeface="Segoe UI" pitchFamily="34" charset="0"/>
+                  </a:rPr>
+                  <a:t>Log Analytics</a:t>
+                </a:r>
+              </a:p>
+            </p:txBody>
+          </p:sp>
+          <p:sp>
+            <p:nvSpPr>
+              <p:cNvPr id="64" name="Rectangle 63">
+                <a:extLst>
+                  <a:ext uri="{FF2B5EF4-FFF2-40B4-BE49-F238E27FC236}">
+                    <a16:creationId xmlns:a16="http://schemas.microsoft.com/office/drawing/2014/main" id="{51F7D08C-343D-4328-A769-C1A57120D084}"/>
+                  </a:ext>
+                </a:extLst>
+              </p:cNvPr>
+              <p:cNvSpPr/>
+              <p:nvPr/>
+            </p:nvSpPr>
+            <p:spPr bwMode="auto">
+              <a:xfrm>
+                <a:off x="1410000" y="1237886"/>
+                <a:ext cx="2986570" cy="596358"/>
+              </a:xfrm>
+              <a:prstGeom prst="rect">
                 <a:avLst/>
-              </a:prstTxWarp>
-              <a:noAutofit/>
-            </a:bodyPr>
-            <a:lstStyle/>
-            <a:p>
-              <a:pPr defTabSz="932472" fontAlgn="base">
-                <a:lnSpc>
-                  <a:spcPct val="90000"/>
-                </a:lnSpc>
-                <a:spcBef>
-                  <a:spcPct val="0"/>
-                </a:spcBef>
-                <a:spcAft>
-                  <a:spcPct val="0"/>
-                </a:spcAft>
-              </a:pPr>
-              <a:r>
-                <a:rPr lang="en-CA" sz="900" b="1" dirty="0">
+              </a:prstGeom>
+              <a:solidFill>
+                <a:schemeClr val="tx1"/>
+              </a:solidFill>
+              <a:ln>
+                <a:solidFill>
+                  <a:srgbClr val="0070C0"/>
+                </a:solidFill>
+                <a:headEnd type="none" w="med" len="med"/>
+                <a:tailEnd type="none" w="med" len="med"/>
+              </a:ln>
+              <a:effectLst/>
+            </p:spPr>
+            <p:style>
+              <a:lnRef idx="1">
+                <a:schemeClr val="accent2"/>
+              </a:lnRef>
+              <a:fillRef idx="3">
+                <a:schemeClr val="accent2"/>
+              </a:fillRef>
+              <a:effectRef idx="2">
+                <a:schemeClr val="accent2"/>
+              </a:effectRef>
+              <a:fontRef idx="minor">
+                <a:schemeClr val="lt1"/>
+              </a:fontRef>
+            </p:style>
+            <p:txBody>
+              <a:bodyPr rot="0" spcFirstLastPara="0" vertOverflow="overflow" horzOverflow="overflow" vert="horz" wrap="square" lIns="36000" tIns="72000" rIns="0" bIns="0" numCol="1" spcCol="0" rtlCol="0" fromWordArt="0" anchor="ctr" anchorCtr="0" forceAA="0" compatLnSpc="1">
+                <a:prstTxWarp prst="textNoShape">
+                  <a:avLst/>
+                </a:prstTxWarp>
+                <a:noAutofit/>
+              </a:bodyPr>
+              <a:lstStyle/>
+              <a:p>
+                <a:pPr defTabSz="932472" fontAlgn="base">
+                  <a:lnSpc>
+                    <a:spcPct val="90000"/>
+                  </a:lnSpc>
+                  <a:spcBef>
+                    <a:spcPct val="0"/>
+                  </a:spcBef>
+                  <a:spcAft>
+                    <a:spcPct val="0"/>
+                  </a:spcAft>
+                </a:pPr>
+                <a:r>
+                  <a:rPr lang="en-CA" sz="900" b="1" dirty="0">
+                    <a:solidFill>
+                      <a:srgbClr val="0070C0"/>
+                    </a:solidFill>
+                    <a:ea typeface="Segoe UI" pitchFamily="34" charset="0"/>
+                    <a:cs typeface="Segoe UI" pitchFamily="34" charset="0"/>
+                  </a:rPr>
+                  <a:t>Collects and analyzes log files from resources</a:t>
+                </a:r>
+              </a:p>
+              <a:p>
+                <a:pPr marL="269875" lvl="1" indent="-93663" defTabSz="932472" fontAlgn="base">
+                  <a:lnSpc>
+                    <a:spcPct val="90000"/>
+                  </a:lnSpc>
+                  <a:spcBef>
+                    <a:spcPct val="0"/>
+                  </a:spcBef>
+                  <a:spcAft>
+                    <a:spcPct val="0"/>
+                  </a:spcAft>
+                  <a:buFont typeface="Arial" panose="020B0604020202020204" pitchFamily="34" charset="0"/>
+                  <a:buChar char="•"/>
+                </a:pPr>
+                <a:r>
+                  <a:rPr lang="en-CA" sz="800" dirty="0">
+                    <a:solidFill>
+                      <a:srgbClr val="0070C0"/>
+                    </a:solidFill>
+                    <a:cs typeface="Segoe UI" pitchFamily="34" charset="0"/>
+                  </a:rPr>
+                  <a:t>Azure and on-prem resources</a:t>
+                </a:r>
+              </a:p>
+              <a:p>
+                <a:pPr marL="269875" lvl="1" indent="-93663" defTabSz="932472" fontAlgn="base">
+                  <a:lnSpc>
+                    <a:spcPct val="90000"/>
+                  </a:lnSpc>
+                  <a:spcBef>
+                    <a:spcPct val="0"/>
+                  </a:spcBef>
+                  <a:spcAft>
+                    <a:spcPct val="0"/>
+                  </a:spcAft>
+                  <a:buFont typeface="Arial" panose="020B0604020202020204" pitchFamily="34" charset="0"/>
+                  <a:buChar char="•"/>
+                </a:pPr>
+                <a:r>
+                  <a:rPr lang="en-CA" sz="800" dirty="0">
+                    <a:solidFill>
+                      <a:srgbClr val="0070C0"/>
+                    </a:solidFill>
+                    <a:cs typeface="Segoe UI" pitchFamily="34" charset="0"/>
+                  </a:rPr>
+                  <a:t>Analysis tools – OMS, Security Center, AI, </a:t>
+                </a:r>
+                <a:r>
+                  <a:rPr lang="en-CA" sz="800" dirty="0" err="1">
+                    <a:solidFill>
+                      <a:srgbClr val="0070C0"/>
+                    </a:solidFill>
+                    <a:cs typeface="Segoe UI" pitchFamily="34" charset="0"/>
+                  </a:rPr>
+                  <a:t>PowerBI</a:t>
+                </a:r>
+                <a:endParaRPr lang="en-CA" sz="800" dirty="0">
+                  <a:solidFill>
+                    <a:srgbClr val="0070C0"/>
+                  </a:solidFill>
+                  <a:cs typeface="Segoe UI" pitchFamily="34" charset="0"/>
+                </a:endParaRPr>
+              </a:p>
+            </p:txBody>
+          </p:sp>
+        </p:grpSp>
+        <p:grpSp>
+          <p:nvGrpSpPr>
+            <p:cNvPr id="65" name="Group 64">
+              <a:extLst>
+                <a:ext uri="{FF2B5EF4-FFF2-40B4-BE49-F238E27FC236}">
+                  <a16:creationId xmlns:a16="http://schemas.microsoft.com/office/drawing/2014/main" id="{B4A806D5-0892-438E-BCBC-547AAAE5BAA0}"/>
+                </a:ext>
+              </a:extLst>
+            </p:cNvPr>
+            <p:cNvGrpSpPr/>
+            <p:nvPr/>
+          </p:nvGrpSpPr>
+          <p:grpSpPr>
+            <a:xfrm>
+              <a:off x="3947941" y="10258685"/>
+              <a:ext cx="2986571" cy="1328756"/>
+              <a:chOff x="4520351" y="881287"/>
+              <a:chExt cx="2986571" cy="1328756"/>
+            </a:xfrm>
+          </p:grpSpPr>
+          <p:sp>
+            <p:nvSpPr>
+              <p:cNvPr id="66" name="Rectangle: Rounded Corners 65">
+                <a:extLst>
+                  <a:ext uri="{FF2B5EF4-FFF2-40B4-BE49-F238E27FC236}">
+                    <a16:creationId xmlns:a16="http://schemas.microsoft.com/office/drawing/2014/main" id="{CFD18988-FE7F-4442-A735-DAFFB22514EC}"/>
+                  </a:ext>
+                </a:extLst>
+              </p:cNvPr>
+              <p:cNvSpPr/>
+              <p:nvPr/>
+            </p:nvSpPr>
+            <p:spPr bwMode="auto">
+              <a:xfrm>
+                <a:off x="4520351" y="881287"/>
+                <a:ext cx="2986571" cy="419904"/>
+              </a:xfrm>
+              <a:prstGeom prst="roundRect">
+                <a:avLst/>
+              </a:prstGeom>
+              <a:solidFill>
+                <a:srgbClr val="0070C0"/>
+              </a:solidFill>
+              <a:ln>
+                <a:solidFill>
+                  <a:srgbClr val="0070C0"/>
+                </a:solidFill>
+                <a:headEnd type="none" w="med" len="med"/>
+                <a:tailEnd type="none" w="med" len="med"/>
+              </a:ln>
+              <a:effectLst/>
+            </p:spPr>
+            <p:style>
+              <a:lnRef idx="1">
+                <a:schemeClr val="accent2"/>
+              </a:lnRef>
+              <a:fillRef idx="3">
+                <a:schemeClr val="accent2"/>
+              </a:fillRef>
+              <a:effectRef idx="2">
+                <a:schemeClr val="accent2"/>
+              </a:effectRef>
+              <a:fontRef idx="minor">
+                <a:schemeClr val="lt1"/>
+              </a:fontRef>
+            </p:style>
+            <p:txBody>
+              <a:bodyPr rot="0" spcFirstLastPara="0" vertOverflow="overflow" horzOverflow="overflow" vert="horz" wrap="square" lIns="0" tIns="0" rIns="0" bIns="0" numCol="1" spcCol="0" rtlCol="0" fromWordArt="0" anchor="ctr" anchorCtr="0" forceAA="0" compatLnSpc="1">
+                <a:prstTxWarp prst="textNoShape">
+                  <a:avLst/>
+                </a:prstTxWarp>
+                <a:noAutofit/>
+              </a:bodyPr>
+              <a:lstStyle/>
+              <a:p>
+                <a:pPr algn="ctr" defTabSz="932472" fontAlgn="base">
+                  <a:lnSpc>
+                    <a:spcPct val="90000"/>
+                  </a:lnSpc>
+                  <a:spcBef>
+                    <a:spcPct val="0"/>
+                  </a:spcBef>
+                  <a:spcAft>
+                    <a:spcPct val="0"/>
+                  </a:spcAft>
+                </a:pPr>
+                <a:r>
+                  <a:rPr lang="en-CA" sz="1600" dirty="0">
+                    <a:gradFill>
+                      <a:gsLst>
+                        <a:gs pos="0">
+                          <a:srgbClr val="FFFFFF"/>
+                        </a:gs>
+                        <a:gs pos="100000">
+                          <a:srgbClr val="FFFFFF"/>
+                        </a:gs>
+                      </a:gsLst>
+                      <a:lin ang="5400000" scaled="0"/>
+                    </a:gradFill>
+                    <a:ea typeface="Segoe UI" pitchFamily="34" charset="0"/>
+                    <a:cs typeface="Segoe UI" pitchFamily="34" charset="0"/>
+                  </a:rPr>
+                  <a:t>Monitor</a:t>
+                </a:r>
+              </a:p>
+            </p:txBody>
+          </p:sp>
+          <p:sp>
+            <p:nvSpPr>
+              <p:cNvPr id="67" name="Rectangle 66">
+                <a:extLst>
+                  <a:ext uri="{FF2B5EF4-FFF2-40B4-BE49-F238E27FC236}">
+                    <a16:creationId xmlns:a16="http://schemas.microsoft.com/office/drawing/2014/main" id="{6C234B1F-8872-44AC-97BE-44AC46A01BF3}"/>
+                  </a:ext>
+                </a:extLst>
+              </p:cNvPr>
+              <p:cNvSpPr/>
+              <p:nvPr/>
+            </p:nvSpPr>
+            <p:spPr bwMode="auto">
+              <a:xfrm>
+                <a:off x="4520352" y="1237886"/>
+                <a:ext cx="2986570" cy="972157"/>
+              </a:xfrm>
+              <a:prstGeom prst="rect">
+                <a:avLst/>
+              </a:prstGeom>
+              <a:solidFill>
+                <a:schemeClr val="tx1"/>
+              </a:solidFill>
+              <a:ln>
+                <a:solidFill>
+                  <a:srgbClr val="0070C0"/>
+                </a:solidFill>
+                <a:headEnd type="none" w="med" len="med"/>
+                <a:tailEnd type="none" w="med" len="med"/>
+              </a:ln>
+              <a:effectLst/>
+            </p:spPr>
+            <p:style>
+              <a:lnRef idx="1">
+                <a:schemeClr val="accent2"/>
+              </a:lnRef>
+              <a:fillRef idx="3">
+                <a:schemeClr val="accent2"/>
+              </a:fillRef>
+              <a:effectRef idx="2">
+                <a:schemeClr val="accent2"/>
+              </a:effectRef>
+              <a:fontRef idx="minor">
+                <a:schemeClr val="lt1"/>
+              </a:fontRef>
+            </p:style>
+            <p:txBody>
+              <a:bodyPr rot="0" spcFirstLastPara="0" vertOverflow="overflow" horzOverflow="overflow" vert="horz" wrap="square" lIns="36000" tIns="72000" rIns="0" bIns="0" numCol="1" spcCol="0" rtlCol="0" fromWordArt="0" anchor="ctr" anchorCtr="0" forceAA="0" compatLnSpc="1">
+                <a:prstTxWarp prst="textNoShape">
+                  <a:avLst/>
+                </a:prstTxWarp>
+                <a:noAutofit/>
+              </a:bodyPr>
+              <a:lstStyle/>
+              <a:p>
+                <a:pPr defTabSz="932472" fontAlgn="base">
+                  <a:lnSpc>
+                    <a:spcPct val="90000"/>
+                  </a:lnSpc>
+                  <a:spcBef>
+                    <a:spcPct val="0"/>
+                  </a:spcBef>
+                  <a:spcAft>
+                    <a:spcPct val="0"/>
+                  </a:spcAft>
+                </a:pPr>
+                <a:r>
+                  <a:rPr lang="en-CA" sz="900" b="1" dirty="0">
+                    <a:solidFill>
+                      <a:srgbClr val="0070C0"/>
+                    </a:solidFill>
+                    <a:ea typeface="Segoe UI" pitchFamily="34" charset="0"/>
+                    <a:cs typeface="Segoe UI" pitchFamily="34" charset="0"/>
+                  </a:rPr>
+                  <a:t>Monitoring solution in Az Portal</a:t>
+                </a:r>
+              </a:p>
+              <a:p>
+                <a:pPr marL="269875" lvl="1" indent="-93663" defTabSz="932472" fontAlgn="base">
+                  <a:lnSpc>
+                    <a:spcPct val="90000"/>
+                  </a:lnSpc>
+                  <a:spcBef>
+                    <a:spcPct val="0"/>
+                  </a:spcBef>
+                  <a:spcAft>
+                    <a:spcPct val="0"/>
+                  </a:spcAft>
+                  <a:buFont typeface="Arial" panose="020B0604020202020204" pitchFamily="34" charset="0"/>
+                  <a:buChar char="•"/>
+                </a:pPr>
+                <a:r>
+                  <a:rPr lang="en-CA" sz="800" dirty="0">
+                    <a:solidFill>
+                      <a:srgbClr val="0070C0"/>
+                    </a:solidFill>
+                    <a:ea typeface="Segoe UI" pitchFamily="34" charset="0"/>
+                    <a:cs typeface="Segoe UI" pitchFamily="34" charset="0"/>
+                  </a:rPr>
+                  <a:t>Infrastructure metrics and logs for Az services</a:t>
+                </a:r>
+              </a:p>
+              <a:p>
+                <a:pPr marL="269875" lvl="1" indent="-93663" defTabSz="932472" fontAlgn="base">
+                  <a:lnSpc>
+                    <a:spcPct val="90000"/>
+                  </a:lnSpc>
+                  <a:spcBef>
+                    <a:spcPct val="0"/>
+                  </a:spcBef>
+                  <a:spcAft>
+                    <a:spcPct val="0"/>
+                  </a:spcAft>
+                  <a:buFont typeface="Arial" panose="020B0604020202020204" pitchFamily="34" charset="0"/>
+                  <a:buChar char="•"/>
+                </a:pPr>
+                <a:r>
+                  <a:rPr lang="en-CA" sz="800" dirty="0">
+                    <a:solidFill>
+                      <a:srgbClr val="0070C0"/>
+                    </a:solidFill>
+                    <a:ea typeface="Segoe UI" pitchFamily="34" charset="0"/>
+                    <a:cs typeface="Segoe UI" pitchFamily="34" charset="0"/>
+                  </a:rPr>
+                  <a:t>Capabilities:</a:t>
+                </a:r>
+              </a:p>
+              <a:p>
+                <a:pPr marL="358775" lvl="1" indent="-93663" defTabSz="932472" fontAlgn="base">
+                  <a:lnSpc>
+                    <a:spcPct val="90000"/>
+                  </a:lnSpc>
+                  <a:spcBef>
+                    <a:spcPct val="0"/>
+                  </a:spcBef>
+                  <a:spcAft>
+                    <a:spcPct val="0"/>
+                  </a:spcAft>
+                  <a:buFont typeface="Arial" panose="020B0604020202020204" pitchFamily="34" charset="0"/>
+                  <a:buChar char="•"/>
+                </a:pPr>
+                <a:r>
+                  <a:rPr lang="en-CA" sz="800" dirty="0">
+                    <a:solidFill>
+                      <a:srgbClr val="0070C0"/>
+                    </a:solidFill>
+                    <a:ea typeface="Segoe UI" pitchFamily="34" charset="0"/>
+                    <a:cs typeface="Segoe UI" pitchFamily="34" charset="0"/>
+                  </a:rPr>
+                  <a:t>Activity Log – info on all types of events</a:t>
+                </a:r>
+              </a:p>
+              <a:p>
+                <a:pPr marL="358775" lvl="1" indent="-93663" defTabSz="932472" fontAlgn="base">
+                  <a:lnSpc>
+                    <a:spcPct val="90000"/>
+                  </a:lnSpc>
+                  <a:spcBef>
+                    <a:spcPct val="0"/>
+                  </a:spcBef>
+                  <a:spcAft>
+                    <a:spcPct val="0"/>
+                  </a:spcAft>
+                  <a:buFont typeface="Arial" panose="020B0604020202020204" pitchFamily="34" charset="0"/>
+                  <a:buChar char="•"/>
+                </a:pPr>
+                <a:r>
+                  <a:rPr lang="en-CA" sz="800" dirty="0">
+                    <a:solidFill>
+                      <a:srgbClr val="0070C0"/>
+                    </a:solidFill>
+                    <a:ea typeface="Segoe UI" pitchFamily="34" charset="0"/>
+                    <a:cs typeface="Segoe UI" pitchFamily="34" charset="0"/>
+                  </a:rPr>
+                  <a:t>Diagnostics Settings – info on events within specific </a:t>
+                </a:r>
+                <a:r>
+                  <a:rPr lang="en-CA" sz="800" dirty="0" err="1">
+                    <a:solidFill>
+                      <a:srgbClr val="0070C0"/>
+                    </a:solidFill>
+                    <a:ea typeface="Segoe UI" pitchFamily="34" charset="0"/>
+                    <a:cs typeface="Segoe UI" pitchFamily="34" charset="0"/>
+                  </a:rPr>
+                  <a:t>srv</a:t>
+                </a:r>
+                <a:endParaRPr lang="en-CA" sz="800" dirty="0">
                   <a:solidFill>
                     <a:srgbClr val="0070C0"/>
                   </a:solidFill>
                   <a:ea typeface="Segoe UI" pitchFamily="34" charset="0"/>
                   <a:cs typeface="Segoe UI" pitchFamily="34" charset="0"/>
-                </a:rPr>
-                <a:t>X</a:t>
-              </a:r>
-            </a:p>
-            <a:p>
-              <a:pPr marL="269875" lvl="1" indent="-93663" defTabSz="932472" fontAlgn="base">
-                <a:lnSpc>
-                  <a:spcPct val="90000"/>
-                </a:lnSpc>
-                <a:spcBef>
-                  <a:spcPct val="0"/>
-                </a:spcBef>
-                <a:spcAft>
-                  <a:spcPct val="0"/>
-                </a:spcAft>
-                <a:buFont typeface="Arial" panose="020B0604020202020204" pitchFamily="34" charset="0"/>
-                <a:buChar char="•"/>
-              </a:pPr>
-              <a:r>
-                <a:rPr lang="en-CA" sz="800" dirty="0">
-                  <a:solidFill>
-                    <a:srgbClr val="0070C0"/>
-                  </a:solidFill>
-                  <a:cs typeface="Segoe UI" pitchFamily="34" charset="0"/>
-                </a:rPr>
-                <a:t>X</a:t>
-              </a:r>
-            </a:p>
-          </p:txBody>
-        </p:sp>
-      </p:grpSp>
-      <p:grpSp>
-        <p:nvGrpSpPr>
-          <p:cNvPr id="138" name="Group 137">
-            <a:extLst>
-              <a:ext uri="{FF2B5EF4-FFF2-40B4-BE49-F238E27FC236}">
-                <a16:creationId xmlns:a16="http://schemas.microsoft.com/office/drawing/2014/main" id="{02992937-9DB4-4FAE-9DFD-7D4F28B4E93A}"/>
-              </a:ext>
-            </a:extLst>
-          </p:cNvPr>
-          <p:cNvGrpSpPr/>
-          <p:nvPr/>
-        </p:nvGrpSpPr>
-        <p:grpSpPr>
-          <a:xfrm>
-            <a:off x="3957643" y="12330186"/>
-            <a:ext cx="2986571" cy="1551839"/>
-            <a:chOff x="4520351" y="881287"/>
-            <a:chExt cx="2986571" cy="1551839"/>
-          </a:xfrm>
-        </p:grpSpPr>
-        <p:sp>
-          <p:nvSpPr>
-            <p:cNvPr id="139" name="Rectangle: Rounded Corners 138">
+                </a:endParaRPr>
+              </a:p>
+              <a:p>
+                <a:pPr marL="358775" lvl="1" indent="-93663" defTabSz="932472" fontAlgn="base">
+                  <a:lnSpc>
+                    <a:spcPct val="90000"/>
+                  </a:lnSpc>
+                  <a:spcBef>
+                    <a:spcPct val="0"/>
+                  </a:spcBef>
+                  <a:spcAft>
+                    <a:spcPct val="0"/>
+                  </a:spcAft>
+                  <a:buFont typeface="Arial" panose="020B0604020202020204" pitchFamily="34" charset="0"/>
+                  <a:buChar char="•"/>
+                </a:pPr>
+                <a:r>
+                  <a:rPr lang="en-CA" sz="800" dirty="0">
+                    <a:solidFill>
+                      <a:srgbClr val="0070C0"/>
+                    </a:solidFill>
+                    <a:ea typeface="Segoe UI" pitchFamily="34" charset="0"/>
+                    <a:cs typeface="Segoe UI" pitchFamily="34" charset="0"/>
+                  </a:rPr>
+                  <a:t>Metrics – time-based metric points for resources</a:t>
+                </a:r>
+              </a:p>
+              <a:p>
+                <a:pPr marL="358775" lvl="1" indent="-93663" defTabSz="932472" fontAlgn="base">
+                  <a:lnSpc>
+                    <a:spcPct val="90000"/>
+                  </a:lnSpc>
+                  <a:spcBef>
+                    <a:spcPct val="0"/>
+                  </a:spcBef>
+                  <a:spcAft>
+                    <a:spcPct val="0"/>
+                  </a:spcAft>
+                  <a:buFont typeface="Arial" panose="020B0604020202020204" pitchFamily="34" charset="0"/>
+                  <a:buChar char="•"/>
+                </a:pPr>
+                <a:r>
+                  <a:rPr lang="en-CA" sz="800" dirty="0">
+                    <a:solidFill>
+                      <a:srgbClr val="0070C0"/>
+                    </a:solidFill>
+                    <a:ea typeface="Segoe UI" pitchFamily="34" charset="0"/>
+                    <a:cs typeface="Segoe UI" pitchFamily="34" charset="0"/>
+                  </a:rPr>
+                  <a:t>Alerts – View and manage Az alerts</a:t>
+                </a:r>
+              </a:p>
+            </p:txBody>
+          </p:sp>
+        </p:grpSp>
+        <p:grpSp>
+          <p:nvGrpSpPr>
+            <p:cNvPr id="135" name="Group 134">
               <a:extLst>
                 <a:ext uri="{FF2B5EF4-FFF2-40B4-BE49-F238E27FC236}">
-                  <a16:creationId xmlns:a16="http://schemas.microsoft.com/office/drawing/2014/main" id="{D6CAF48C-8F38-42C2-BE9A-A3AA32E2CDBE}"/>
+                  <a16:creationId xmlns:a16="http://schemas.microsoft.com/office/drawing/2014/main" id="{1F10BDFE-1E6D-4666-AC62-D5C4E7D7B64C}"/>
                 </a:ext>
               </a:extLst>
             </p:cNvPr>
-            <p:cNvSpPr/>
+            <p:cNvGrpSpPr/>
             <p:nvPr/>
-          </p:nvSpPr>
-          <p:spPr bwMode="auto">
+          </p:nvGrpSpPr>
+          <p:grpSpPr>
             <a:xfrm>
-              <a:off x="4520351" y="881287"/>
-              <a:ext cx="2986571" cy="419904"/>
+              <a:off x="3947941" y="13105182"/>
+              <a:ext cx="2986571" cy="1478156"/>
+              <a:chOff x="1409999" y="881288"/>
+              <a:chExt cx="2986571" cy="1477016"/>
             </a:xfrm>
-            <a:prstGeom prst="roundRect">
-              <a:avLst/>
-            </a:prstGeom>
-            <a:solidFill>
-              <a:srgbClr val="0070C0"/>
-            </a:solidFill>
-            <a:ln>
+          </p:grpSpPr>
+          <p:sp>
+            <p:nvSpPr>
+              <p:cNvPr id="136" name="Rectangle: Rounded Corners 135">
+                <a:extLst>
+                  <a:ext uri="{FF2B5EF4-FFF2-40B4-BE49-F238E27FC236}">
+                    <a16:creationId xmlns:a16="http://schemas.microsoft.com/office/drawing/2014/main" id="{B39AA0ED-49F8-4071-852E-766EA86D6CFA}"/>
+                  </a:ext>
+                </a:extLst>
+              </p:cNvPr>
+              <p:cNvSpPr/>
+              <p:nvPr/>
+            </p:nvSpPr>
+            <p:spPr bwMode="auto">
+              <a:xfrm>
+                <a:off x="1409999" y="881288"/>
+                <a:ext cx="2986571" cy="419904"/>
+              </a:xfrm>
+              <a:prstGeom prst="roundRect">
+                <a:avLst/>
+              </a:prstGeom>
               <a:solidFill>
                 <a:srgbClr val="0070C0"/>
               </a:solidFill>
-              <a:headEnd type="none" w="med" len="med"/>
-              <a:tailEnd type="none" w="med" len="med"/>
-            </a:ln>
-            <a:effectLst/>
-          </p:spPr>
-          <p:style>
-            <a:lnRef idx="1">
-              <a:schemeClr val="accent2"/>
-            </a:lnRef>
-            <a:fillRef idx="3">
-              <a:schemeClr val="accent2"/>
-            </a:fillRef>
-            <a:effectRef idx="2">
-              <a:schemeClr val="accent2"/>
-            </a:effectRef>
-            <a:fontRef idx="minor">
-              <a:schemeClr val="lt1"/>
-            </a:fontRef>
-          </p:style>
-          <p:txBody>
-            <a:bodyPr rot="0" spcFirstLastPara="0" vertOverflow="overflow" horzOverflow="overflow" vert="horz" wrap="square" lIns="0" tIns="0" rIns="0" bIns="0" numCol="1" spcCol="0" rtlCol="0" fromWordArt="0" anchor="ctr" anchorCtr="0" forceAA="0" compatLnSpc="1">
-              <a:prstTxWarp prst="textNoShape">
+              <a:ln>
+                <a:solidFill>
+                  <a:srgbClr val="0070C0"/>
+                </a:solidFill>
+                <a:headEnd type="none" w="med" len="med"/>
+                <a:tailEnd type="none" w="med" len="med"/>
+              </a:ln>
+              <a:effectLst/>
+            </p:spPr>
+            <p:style>
+              <a:lnRef idx="1">
+                <a:schemeClr val="accent2"/>
+              </a:lnRef>
+              <a:fillRef idx="3">
+                <a:schemeClr val="accent2"/>
+              </a:fillRef>
+              <a:effectRef idx="2">
+                <a:schemeClr val="accent2"/>
+              </a:effectRef>
+              <a:fontRef idx="minor">
+                <a:schemeClr val="lt1"/>
+              </a:fontRef>
+            </p:style>
+            <p:txBody>
+              <a:bodyPr rot="0" spcFirstLastPara="0" vertOverflow="overflow" horzOverflow="overflow" vert="horz" wrap="square" lIns="0" tIns="0" rIns="0" bIns="0" numCol="1" spcCol="0" rtlCol="0" fromWordArt="0" anchor="ctr" anchorCtr="0" forceAA="0" compatLnSpc="1">
+                <a:prstTxWarp prst="textNoShape">
+                  <a:avLst/>
+                </a:prstTxWarp>
+                <a:noAutofit/>
+              </a:bodyPr>
+              <a:lstStyle/>
+              <a:p>
+                <a:pPr algn="ctr" defTabSz="932472" fontAlgn="base">
+                  <a:lnSpc>
+                    <a:spcPct val="90000"/>
+                  </a:lnSpc>
+                  <a:spcBef>
+                    <a:spcPct val="0"/>
+                  </a:spcBef>
+                  <a:spcAft>
+                    <a:spcPct val="0"/>
+                  </a:spcAft>
+                </a:pPr>
+                <a:r>
+                  <a:rPr lang="en-CA" sz="1600" dirty="0">
+                    <a:gradFill>
+                      <a:gsLst>
+                        <a:gs pos="0">
+                          <a:srgbClr val="FFFFFF"/>
+                        </a:gs>
+                        <a:gs pos="100000">
+                          <a:srgbClr val="FFFFFF"/>
+                        </a:gs>
+                      </a:gsLst>
+                      <a:lin ang="5400000" scaled="0"/>
+                    </a:gradFill>
+                    <a:ea typeface="Segoe UI" pitchFamily="34" charset="0"/>
+                    <a:cs typeface="Segoe UI" pitchFamily="34" charset="0"/>
+                  </a:rPr>
+                  <a:t>Application Insights</a:t>
+                </a:r>
+              </a:p>
+            </p:txBody>
+          </p:sp>
+          <p:sp>
+            <p:nvSpPr>
+              <p:cNvPr id="137" name="Rectangle 136">
+                <a:extLst>
+                  <a:ext uri="{FF2B5EF4-FFF2-40B4-BE49-F238E27FC236}">
+                    <a16:creationId xmlns:a16="http://schemas.microsoft.com/office/drawing/2014/main" id="{3D2C77C0-9E20-4FEE-AB6D-ABC00685B877}"/>
+                  </a:ext>
+                </a:extLst>
+              </p:cNvPr>
+              <p:cNvSpPr/>
+              <p:nvPr/>
+            </p:nvSpPr>
+            <p:spPr bwMode="auto">
+              <a:xfrm>
+                <a:off x="1410000" y="1237886"/>
+                <a:ext cx="2986570" cy="1120418"/>
+              </a:xfrm>
+              <a:prstGeom prst="rect">
                 <a:avLst/>
-              </a:prstTxWarp>
-              <a:noAutofit/>
-            </a:bodyPr>
-            <a:lstStyle/>
-            <a:p>
-              <a:pPr algn="ctr" defTabSz="932472" fontAlgn="base">
-                <a:lnSpc>
-                  <a:spcPct val="90000"/>
-                </a:lnSpc>
-                <a:spcBef>
-                  <a:spcPct val="0"/>
-                </a:spcBef>
-                <a:spcAft>
-                  <a:spcPct val="0"/>
-                </a:spcAft>
-              </a:pPr>
-              <a:r>
-                <a:rPr lang="en-CA" sz="1600" dirty="0">
-                  <a:gradFill>
-                    <a:gsLst>
-                      <a:gs pos="0">
-                        <a:srgbClr val="FFFFFF"/>
-                      </a:gs>
-                      <a:gs pos="100000">
-                        <a:srgbClr val="FFFFFF"/>
-                      </a:gs>
-                    </a:gsLst>
-                    <a:lin ang="5400000" scaled="0"/>
-                  </a:gradFill>
-                  <a:ea typeface="Segoe UI" pitchFamily="34" charset="0"/>
-                  <a:cs typeface="Segoe UI" pitchFamily="34" charset="0"/>
-                </a:rPr>
-                <a:t>Service Health</a:t>
-              </a:r>
-            </a:p>
-          </p:txBody>
-        </p:sp>
-        <p:sp>
-          <p:nvSpPr>
-            <p:cNvPr id="140" name="Rectangle 139">
+              </a:prstGeom>
+              <a:solidFill>
+                <a:schemeClr val="tx1"/>
+              </a:solidFill>
+              <a:ln>
+                <a:solidFill>
+                  <a:srgbClr val="0070C0"/>
+                </a:solidFill>
+                <a:headEnd type="none" w="med" len="med"/>
+                <a:tailEnd type="none" w="med" len="med"/>
+              </a:ln>
+              <a:effectLst/>
+            </p:spPr>
+            <p:style>
+              <a:lnRef idx="1">
+                <a:schemeClr val="accent2"/>
+              </a:lnRef>
+              <a:fillRef idx="3">
+                <a:schemeClr val="accent2"/>
+              </a:fillRef>
+              <a:effectRef idx="2">
+                <a:schemeClr val="accent2"/>
+              </a:effectRef>
+              <a:fontRef idx="minor">
+                <a:schemeClr val="lt1"/>
+              </a:fontRef>
+            </p:style>
+            <p:txBody>
+              <a:bodyPr rot="0" spcFirstLastPara="0" vertOverflow="overflow" horzOverflow="overflow" vert="horz" wrap="square" lIns="36000" tIns="72000" rIns="0" bIns="0" numCol="1" spcCol="0" rtlCol="0" fromWordArt="0" anchor="ctr" anchorCtr="0" forceAA="0" compatLnSpc="1">
+                <a:prstTxWarp prst="textNoShape">
+                  <a:avLst/>
+                </a:prstTxWarp>
+                <a:noAutofit/>
+              </a:bodyPr>
+              <a:lstStyle/>
+              <a:p>
+                <a:pPr defTabSz="932472" fontAlgn="base">
+                  <a:lnSpc>
+                    <a:spcPct val="90000"/>
+                  </a:lnSpc>
+                  <a:spcBef>
+                    <a:spcPct val="0"/>
+                  </a:spcBef>
+                  <a:spcAft>
+                    <a:spcPct val="0"/>
+                  </a:spcAft>
+                </a:pPr>
+                <a:r>
+                  <a:rPr lang="en-CA" sz="900" b="1" dirty="0">
+                    <a:solidFill>
+                      <a:srgbClr val="0070C0"/>
+                    </a:solidFill>
+                    <a:ea typeface="Segoe UI" pitchFamily="34" charset="0"/>
+                    <a:cs typeface="Segoe UI" pitchFamily="34" charset="0"/>
+                  </a:rPr>
+                  <a:t>Monitoring solution for cross-platform apps</a:t>
+                </a:r>
+              </a:p>
+              <a:p>
+                <a:pPr marL="269875" lvl="1" indent="-93663" defTabSz="932472" fontAlgn="base">
+                  <a:lnSpc>
+                    <a:spcPct val="90000"/>
+                  </a:lnSpc>
+                  <a:spcBef>
+                    <a:spcPct val="0"/>
+                  </a:spcBef>
+                  <a:spcAft>
+                    <a:spcPct val="0"/>
+                  </a:spcAft>
+                  <a:buFont typeface="Arial" panose="020B0604020202020204" pitchFamily="34" charset="0"/>
+                  <a:buChar char="•"/>
+                </a:pPr>
+                <a:r>
+                  <a:rPr lang="en-CA" sz="800" dirty="0">
+                    <a:solidFill>
+                      <a:srgbClr val="0070C0"/>
+                    </a:solidFill>
+                    <a:cs typeface="Segoe UI" pitchFamily="34" charset="0"/>
+                  </a:rPr>
+                  <a:t>Az and on-prem apps</a:t>
+                </a:r>
+              </a:p>
+              <a:p>
+                <a:pPr marL="269875" lvl="1" indent="-93663" defTabSz="932472" fontAlgn="base">
+                  <a:lnSpc>
+                    <a:spcPct val="90000"/>
+                  </a:lnSpc>
+                  <a:spcBef>
+                    <a:spcPct val="0"/>
+                  </a:spcBef>
+                  <a:spcAft>
+                    <a:spcPct val="0"/>
+                  </a:spcAft>
+                  <a:buFont typeface="Arial" panose="020B0604020202020204" pitchFamily="34" charset="0"/>
+                  <a:buChar char="•"/>
+                </a:pPr>
+                <a:r>
+                  <a:rPr lang="en-CA" sz="800" dirty="0">
+                    <a:solidFill>
+                      <a:srgbClr val="0070C0"/>
+                    </a:solidFill>
+                    <a:cs typeface="Segoe UI" pitchFamily="34" charset="0"/>
+                  </a:rPr>
+                  <a:t>Events</a:t>
+                </a:r>
+              </a:p>
+              <a:p>
+                <a:pPr marL="358775" lvl="1" indent="-93663" defTabSz="932472" fontAlgn="base">
+                  <a:lnSpc>
+                    <a:spcPct val="90000"/>
+                  </a:lnSpc>
+                  <a:spcBef>
+                    <a:spcPct val="0"/>
+                  </a:spcBef>
+                  <a:spcAft>
+                    <a:spcPct val="0"/>
+                  </a:spcAft>
+                  <a:buFont typeface="Arial" panose="020B0604020202020204" pitchFamily="34" charset="0"/>
+                  <a:buChar char="•"/>
+                </a:pPr>
+                <a:r>
+                  <a:rPr lang="en-CA" sz="800" dirty="0">
+                    <a:solidFill>
+                      <a:srgbClr val="0070C0"/>
+                    </a:solidFill>
+                    <a:cs typeface="Segoe UI" pitchFamily="34" charset="0"/>
+                  </a:rPr>
+                  <a:t>Rate data</a:t>
+                </a:r>
+              </a:p>
+              <a:p>
+                <a:pPr marL="358775" lvl="1" indent="-93663" defTabSz="932472" fontAlgn="base">
+                  <a:lnSpc>
+                    <a:spcPct val="90000"/>
+                  </a:lnSpc>
+                  <a:spcBef>
+                    <a:spcPct val="0"/>
+                  </a:spcBef>
+                  <a:spcAft>
+                    <a:spcPct val="0"/>
+                  </a:spcAft>
+                  <a:buFont typeface="Arial" panose="020B0604020202020204" pitchFamily="34" charset="0"/>
+                  <a:buChar char="•"/>
+                </a:pPr>
+                <a:r>
+                  <a:rPr lang="en-CA" sz="800" dirty="0">
+                    <a:solidFill>
+                      <a:srgbClr val="0070C0"/>
+                    </a:solidFill>
+                    <a:cs typeface="Segoe UI" pitchFamily="34" charset="0"/>
+                  </a:rPr>
+                  <a:t>Exceptions</a:t>
+                </a:r>
+              </a:p>
+              <a:p>
+                <a:pPr marL="358775" lvl="1" indent="-93663" defTabSz="932472" fontAlgn="base">
+                  <a:lnSpc>
+                    <a:spcPct val="90000"/>
+                  </a:lnSpc>
+                  <a:spcBef>
+                    <a:spcPct val="0"/>
+                  </a:spcBef>
+                  <a:spcAft>
+                    <a:spcPct val="0"/>
+                  </a:spcAft>
+                  <a:buFont typeface="Arial" panose="020B0604020202020204" pitchFamily="34" charset="0"/>
+                  <a:buChar char="•"/>
+                </a:pPr>
+                <a:r>
+                  <a:rPr lang="en-CA" sz="800" dirty="0">
+                    <a:solidFill>
+                      <a:srgbClr val="0070C0"/>
+                    </a:solidFill>
+                    <a:cs typeface="Segoe UI" pitchFamily="34" charset="0"/>
+                  </a:rPr>
+                  <a:t>Page views and performance</a:t>
+                </a:r>
+              </a:p>
+              <a:p>
+                <a:pPr marL="358775" lvl="1" indent="-93663" defTabSz="932472" fontAlgn="base">
+                  <a:lnSpc>
+                    <a:spcPct val="90000"/>
+                  </a:lnSpc>
+                  <a:spcBef>
+                    <a:spcPct val="0"/>
+                  </a:spcBef>
+                  <a:spcAft>
+                    <a:spcPct val="0"/>
+                  </a:spcAft>
+                  <a:buFont typeface="Arial" panose="020B0604020202020204" pitchFamily="34" charset="0"/>
+                  <a:buChar char="•"/>
+                </a:pPr>
+                <a:r>
+                  <a:rPr lang="en-CA" sz="800" dirty="0">
+                    <a:solidFill>
+                      <a:srgbClr val="0070C0"/>
+                    </a:solidFill>
+                    <a:cs typeface="Segoe UI" pitchFamily="34" charset="0"/>
+                  </a:rPr>
+                  <a:t>Diagnostic logs</a:t>
+                </a:r>
+              </a:p>
+              <a:p>
+                <a:pPr marL="358775" lvl="1" indent="-93663" defTabSz="932472" fontAlgn="base">
+                  <a:lnSpc>
+                    <a:spcPct val="90000"/>
+                  </a:lnSpc>
+                  <a:spcBef>
+                    <a:spcPct val="0"/>
+                  </a:spcBef>
+                  <a:spcAft>
+                    <a:spcPct val="0"/>
+                  </a:spcAft>
+                  <a:buFont typeface="Arial" panose="020B0604020202020204" pitchFamily="34" charset="0"/>
+                  <a:buChar char="•"/>
+                </a:pPr>
+                <a:r>
+                  <a:rPr lang="en-CA" sz="800" dirty="0">
+                    <a:solidFill>
+                      <a:srgbClr val="0070C0"/>
+                    </a:solidFill>
+                    <a:cs typeface="Segoe UI" pitchFamily="34" charset="0"/>
+                  </a:rPr>
+                  <a:t>Custom Events</a:t>
+                </a:r>
+              </a:p>
+              <a:p>
+                <a:pPr marL="358775" lvl="1" indent="-93663" defTabSz="932472" fontAlgn="base">
+                  <a:lnSpc>
+                    <a:spcPct val="90000"/>
+                  </a:lnSpc>
+                  <a:spcBef>
+                    <a:spcPct val="0"/>
+                  </a:spcBef>
+                  <a:spcAft>
+                    <a:spcPct val="0"/>
+                  </a:spcAft>
+                  <a:buFont typeface="Arial" panose="020B0604020202020204" pitchFamily="34" charset="0"/>
+                  <a:buChar char="•"/>
+                </a:pPr>
+                <a:r>
+                  <a:rPr lang="en-CA" sz="800" dirty="0">
+                    <a:solidFill>
+                      <a:srgbClr val="0070C0"/>
+                    </a:solidFill>
+                    <a:cs typeface="Segoe UI" pitchFamily="34" charset="0"/>
+                  </a:rPr>
+                  <a:t>Integration</a:t>
+                </a:r>
+              </a:p>
+            </p:txBody>
+          </p:sp>
+        </p:grpSp>
+        <p:grpSp>
+          <p:nvGrpSpPr>
+            <p:cNvPr id="138" name="Group 137">
               <a:extLst>
                 <a:ext uri="{FF2B5EF4-FFF2-40B4-BE49-F238E27FC236}">
-                  <a16:creationId xmlns:a16="http://schemas.microsoft.com/office/drawing/2014/main" id="{DE9932D7-C928-41A8-BD9D-854B5C7F4F6F}"/>
+                  <a16:creationId xmlns:a16="http://schemas.microsoft.com/office/drawing/2014/main" id="{02992937-9DB4-4FAE-9DFD-7D4F28B4E93A}"/>
                 </a:ext>
               </a:extLst>
             </p:cNvPr>
-            <p:cNvSpPr/>
+            <p:cNvGrpSpPr/>
             <p:nvPr/>
-          </p:nvSpPr>
-          <p:spPr bwMode="auto">
+          </p:nvGrpSpPr>
+          <p:grpSpPr>
             <a:xfrm>
-              <a:off x="4520352" y="1237886"/>
-              <a:ext cx="2986570" cy="1195240"/>
+              <a:off x="3947941" y="11763108"/>
+              <a:ext cx="2986571" cy="1166407"/>
+              <a:chOff x="4520351" y="881287"/>
+              <a:chExt cx="2986571" cy="1166407"/>
             </a:xfrm>
-            <a:prstGeom prst="rect">
-              <a:avLst/>
-            </a:prstGeom>
-            <a:solidFill>
-              <a:schemeClr val="tx1"/>
-            </a:solidFill>
-            <a:ln>
+          </p:grpSpPr>
+          <p:sp>
+            <p:nvSpPr>
+              <p:cNvPr id="139" name="Rectangle: Rounded Corners 138">
+                <a:extLst>
+                  <a:ext uri="{FF2B5EF4-FFF2-40B4-BE49-F238E27FC236}">
+                    <a16:creationId xmlns:a16="http://schemas.microsoft.com/office/drawing/2014/main" id="{D6CAF48C-8F38-42C2-BE9A-A3AA32E2CDBE}"/>
+                  </a:ext>
+                </a:extLst>
+              </p:cNvPr>
+              <p:cNvSpPr/>
+              <p:nvPr/>
+            </p:nvSpPr>
+            <p:spPr bwMode="auto">
+              <a:xfrm>
+                <a:off x="4520351" y="881287"/>
+                <a:ext cx="2986571" cy="419904"/>
+              </a:xfrm>
+              <a:prstGeom prst="roundRect">
+                <a:avLst/>
+              </a:prstGeom>
               <a:solidFill>
                 <a:srgbClr val="0070C0"/>
               </a:solidFill>
-              <a:headEnd type="none" w="med" len="med"/>
-              <a:tailEnd type="none" w="med" len="med"/>
-            </a:ln>
-            <a:effectLst/>
-          </p:spPr>
-          <p:style>
-            <a:lnRef idx="1">
-              <a:schemeClr val="accent2"/>
-            </a:lnRef>
-            <a:fillRef idx="3">
-              <a:schemeClr val="accent2"/>
-            </a:fillRef>
-            <a:effectRef idx="2">
-              <a:schemeClr val="accent2"/>
-            </a:effectRef>
-            <a:fontRef idx="minor">
-              <a:schemeClr val="lt1"/>
-            </a:fontRef>
-          </p:style>
-          <p:txBody>
-            <a:bodyPr rot="0" spcFirstLastPara="0" vertOverflow="overflow" horzOverflow="overflow" vert="horz" wrap="square" lIns="36000" tIns="72000" rIns="0" bIns="0" numCol="1" spcCol="0" rtlCol="0" fromWordArt="0" anchor="ctr" anchorCtr="0" forceAA="0" compatLnSpc="1">
-              <a:prstTxWarp prst="textNoShape">
+              <a:ln>
+                <a:solidFill>
+                  <a:srgbClr val="0070C0"/>
+                </a:solidFill>
+                <a:headEnd type="none" w="med" len="med"/>
+                <a:tailEnd type="none" w="med" len="med"/>
+              </a:ln>
+              <a:effectLst/>
+            </p:spPr>
+            <p:style>
+              <a:lnRef idx="1">
+                <a:schemeClr val="accent2"/>
+              </a:lnRef>
+              <a:fillRef idx="3">
+                <a:schemeClr val="accent2"/>
+              </a:fillRef>
+              <a:effectRef idx="2">
+                <a:schemeClr val="accent2"/>
+              </a:effectRef>
+              <a:fontRef idx="minor">
+                <a:schemeClr val="lt1"/>
+              </a:fontRef>
+            </p:style>
+            <p:txBody>
+              <a:bodyPr rot="0" spcFirstLastPara="0" vertOverflow="overflow" horzOverflow="overflow" vert="horz" wrap="square" lIns="0" tIns="0" rIns="0" bIns="0" numCol="1" spcCol="0" rtlCol="0" fromWordArt="0" anchor="ctr" anchorCtr="0" forceAA="0" compatLnSpc="1">
+                <a:prstTxWarp prst="textNoShape">
+                  <a:avLst/>
+                </a:prstTxWarp>
+                <a:noAutofit/>
+              </a:bodyPr>
+              <a:lstStyle/>
+              <a:p>
+                <a:pPr algn="ctr" defTabSz="932472" fontAlgn="base">
+                  <a:lnSpc>
+                    <a:spcPct val="90000"/>
+                  </a:lnSpc>
+                  <a:spcBef>
+                    <a:spcPct val="0"/>
+                  </a:spcBef>
+                  <a:spcAft>
+                    <a:spcPct val="0"/>
+                  </a:spcAft>
+                </a:pPr>
+                <a:r>
+                  <a:rPr lang="en-CA" sz="1600" dirty="0">
+                    <a:gradFill>
+                      <a:gsLst>
+                        <a:gs pos="0">
+                          <a:srgbClr val="FFFFFF"/>
+                        </a:gs>
+                        <a:gs pos="100000">
+                          <a:srgbClr val="FFFFFF"/>
+                        </a:gs>
+                      </a:gsLst>
+                      <a:lin ang="5400000" scaled="0"/>
+                    </a:gradFill>
+                    <a:ea typeface="Segoe UI" pitchFamily="34" charset="0"/>
+                    <a:cs typeface="Segoe UI" pitchFamily="34" charset="0"/>
+                  </a:rPr>
+                  <a:t>Service Health</a:t>
+                </a:r>
+              </a:p>
+            </p:txBody>
+          </p:sp>
+          <p:sp>
+            <p:nvSpPr>
+              <p:cNvPr id="140" name="Rectangle 139">
+                <a:extLst>
+                  <a:ext uri="{FF2B5EF4-FFF2-40B4-BE49-F238E27FC236}">
+                    <a16:creationId xmlns:a16="http://schemas.microsoft.com/office/drawing/2014/main" id="{DE9932D7-C928-41A8-BD9D-854B5C7F4F6F}"/>
+                  </a:ext>
+                </a:extLst>
+              </p:cNvPr>
+              <p:cNvSpPr/>
+              <p:nvPr/>
+            </p:nvSpPr>
+            <p:spPr bwMode="auto">
+              <a:xfrm>
+                <a:off x="4520352" y="1237886"/>
+                <a:ext cx="2986570" cy="809808"/>
+              </a:xfrm>
+              <a:prstGeom prst="rect">
                 <a:avLst/>
-              </a:prstTxWarp>
-              <a:noAutofit/>
-            </a:bodyPr>
-            <a:lstStyle/>
-            <a:p>
-              <a:pPr defTabSz="932472" fontAlgn="base">
-                <a:lnSpc>
-                  <a:spcPct val="90000"/>
-                </a:lnSpc>
-                <a:spcBef>
-                  <a:spcPct val="0"/>
-                </a:spcBef>
-                <a:spcAft>
-                  <a:spcPct val="0"/>
-                </a:spcAft>
-              </a:pPr>
-              <a:r>
-                <a:rPr lang="en-CA" sz="900" b="1" dirty="0">
+              </a:prstGeom>
+              <a:solidFill>
+                <a:schemeClr val="tx1"/>
+              </a:solidFill>
+              <a:ln>
+                <a:solidFill>
+                  <a:srgbClr val="0070C0"/>
+                </a:solidFill>
+                <a:headEnd type="none" w="med" len="med"/>
+                <a:tailEnd type="none" w="med" len="med"/>
+              </a:ln>
+              <a:effectLst/>
+            </p:spPr>
+            <p:style>
+              <a:lnRef idx="1">
+                <a:schemeClr val="accent2"/>
+              </a:lnRef>
+              <a:fillRef idx="3">
+                <a:schemeClr val="accent2"/>
+              </a:fillRef>
+              <a:effectRef idx="2">
+                <a:schemeClr val="accent2"/>
+              </a:effectRef>
+              <a:fontRef idx="minor">
+                <a:schemeClr val="lt1"/>
+              </a:fontRef>
+            </p:style>
+            <p:txBody>
+              <a:bodyPr rot="0" spcFirstLastPara="0" vertOverflow="overflow" horzOverflow="overflow" vert="horz" wrap="square" lIns="36000" tIns="72000" rIns="0" bIns="0" numCol="1" spcCol="0" rtlCol="0" fromWordArt="0" anchor="ctr" anchorCtr="0" forceAA="0" compatLnSpc="1">
+                <a:prstTxWarp prst="textNoShape">
+                  <a:avLst/>
+                </a:prstTxWarp>
+                <a:noAutofit/>
+              </a:bodyPr>
+              <a:lstStyle/>
+              <a:p>
+                <a:pPr defTabSz="932472" fontAlgn="base">
+                  <a:lnSpc>
+                    <a:spcPct val="90000"/>
+                  </a:lnSpc>
+                  <a:spcBef>
+                    <a:spcPct val="0"/>
+                  </a:spcBef>
+                  <a:spcAft>
+                    <a:spcPct val="0"/>
+                  </a:spcAft>
+                </a:pPr>
+                <a:r>
+                  <a:rPr lang="en-CA" sz="900" b="1" dirty="0">
+                    <a:solidFill>
+                      <a:srgbClr val="0070C0"/>
+                    </a:solidFill>
+                    <a:ea typeface="Segoe UI" pitchFamily="34" charset="0"/>
+                    <a:cs typeface="Segoe UI" pitchFamily="34" charset="0"/>
+                  </a:rPr>
+                  <a:t>Az Portal Dashboard showing resource issues</a:t>
+                </a:r>
+              </a:p>
+              <a:p>
+                <a:pPr marL="269875" lvl="1" indent="-93663" defTabSz="932472" fontAlgn="base">
+                  <a:lnSpc>
+                    <a:spcPct val="90000"/>
+                  </a:lnSpc>
+                  <a:spcBef>
+                    <a:spcPct val="0"/>
+                  </a:spcBef>
+                  <a:spcAft>
+                    <a:spcPct val="0"/>
+                  </a:spcAft>
+                  <a:buFont typeface="Arial" panose="020B0604020202020204" pitchFamily="34" charset="0"/>
+                  <a:buChar char="•"/>
+                </a:pPr>
+                <a:r>
+                  <a:rPr lang="en-CA" sz="800" dirty="0">
+                    <a:solidFill>
+                      <a:srgbClr val="0070C0"/>
+                    </a:solidFill>
+                    <a:ea typeface="Segoe UI" pitchFamily="34" charset="0"/>
+                    <a:cs typeface="Segoe UI" pitchFamily="34" charset="0"/>
+                  </a:rPr>
+                  <a:t>Views</a:t>
+                </a:r>
+              </a:p>
+              <a:p>
+                <a:pPr marL="358775" lvl="1" indent="-93663" defTabSz="932472" fontAlgn="base">
+                  <a:lnSpc>
+                    <a:spcPct val="90000"/>
+                  </a:lnSpc>
+                  <a:spcBef>
+                    <a:spcPct val="0"/>
+                  </a:spcBef>
+                  <a:spcAft>
+                    <a:spcPct val="0"/>
+                  </a:spcAft>
+                  <a:buFont typeface="Arial" panose="020B0604020202020204" pitchFamily="34" charset="0"/>
+                  <a:buChar char="•"/>
+                </a:pPr>
+                <a:r>
+                  <a:rPr lang="en-CA" sz="800" dirty="0">
+                    <a:solidFill>
+                      <a:srgbClr val="0070C0"/>
+                    </a:solidFill>
+                    <a:ea typeface="Segoe UI" pitchFamily="34" charset="0"/>
+                    <a:cs typeface="Segoe UI" pitchFamily="34" charset="0"/>
+                  </a:rPr>
+                  <a:t>Service issues</a:t>
+                </a:r>
+              </a:p>
+              <a:p>
+                <a:pPr marL="358775" lvl="1" indent="-93663" defTabSz="932472" fontAlgn="base">
+                  <a:lnSpc>
+                    <a:spcPct val="90000"/>
+                  </a:lnSpc>
+                  <a:spcBef>
+                    <a:spcPct val="0"/>
+                  </a:spcBef>
+                  <a:spcAft>
+                    <a:spcPct val="0"/>
+                  </a:spcAft>
+                  <a:buFont typeface="Arial" panose="020B0604020202020204" pitchFamily="34" charset="0"/>
+                  <a:buChar char="•"/>
+                </a:pPr>
+                <a:r>
+                  <a:rPr lang="en-CA" sz="800" dirty="0">
+                    <a:solidFill>
+                      <a:srgbClr val="0070C0"/>
+                    </a:solidFill>
+                    <a:ea typeface="Segoe UI" pitchFamily="34" charset="0"/>
+                    <a:cs typeface="Segoe UI" pitchFamily="34" charset="0"/>
+                  </a:rPr>
+                  <a:t>Planned Maintenance</a:t>
+                </a:r>
+              </a:p>
+              <a:p>
+                <a:pPr marL="358775" lvl="1" indent="-93663" defTabSz="932472" fontAlgn="base">
+                  <a:lnSpc>
+                    <a:spcPct val="90000"/>
+                  </a:lnSpc>
+                  <a:spcBef>
+                    <a:spcPct val="0"/>
+                  </a:spcBef>
+                  <a:spcAft>
+                    <a:spcPct val="0"/>
+                  </a:spcAft>
+                  <a:buFont typeface="Arial" panose="020B0604020202020204" pitchFamily="34" charset="0"/>
+                  <a:buChar char="•"/>
+                </a:pPr>
+                <a:r>
+                  <a:rPr lang="en-CA" sz="800" dirty="0">
+                    <a:solidFill>
+                      <a:srgbClr val="0070C0"/>
+                    </a:solidFill>
+                    <a:ea typeface="Segoe UI" pitchFamily="34" charset="0"/>
+                    <a:cs typeface="Segoe UI" pitchFamily="34" charset="0"/>
+                  </a:rPr>
+                  <a:t>Resource Health</a:t>
+                </a:r>
+              </a:p>
+              <a:p>
+                <a:pPr marL="358775" lvl="1" indent="-93663" defTabSz="932472" fontAlgn="base">
+                  <a:lnSpc>
+                    <a:spcPct val="90000"/>
+                  </a:lnSpc>
+                  <a:spcBef>
+                    <a:spcPct val="0"/>
+                  </a:spcBef>
+                  <a:spcAft>
+                    <a:spcPct val="0"/>
+                  </a:spcAft>
+                  <a:buFont typeface="Arial" panose="020B0604020202020204" pitchFamily="34" charset="0"/>
+                  <a:buChar char="•"/>
+                </a:pPr>
+                <a:r>
+                  <a:rPr lang="en-CA" sz="800" dirty="0">
+                    <a:solidFill>
+                      <a:srgbClr val="0070C0"/>
+                    </a:solidFill>
+                    <a:ea typeface="Segoe UI" pitchFamily="34" charset="0"/>
+                    <a:cs typeface="Segoe UI" pitchFamily="34" charset="0"/>
+                  </a:rPr>
+                  <a:t>Health Alerts</a:t>
+                </a:r>
+                <a:endParaRPr lang="en-CA" sz="900" dirty="0">
                   <a:solidFill>
                     <a:srgbClr val="0070C0"/>
                   </a:solidFill>
                   <a:ea typeface="Segoe UI" pitchFamily="34" charset="0"/>
                   <a:cs typeface="Segoe UI" pitchFamily="34" charset="0"/>
-                </a:rPr>
-                <a:t>X</a:t>
-              </a:r>
-            </a:p>
-            <a:p>
-              <a:pPr marL="269875" lvl="1" indent="-93663" defTabSz="932472" fontAlgn="base">
-                <a:lnSpc>
-                  <a:spcPct val="90000"/>
-                </a:lnSpc>
-                <a:spcBef>
-                  <a:spcPct val="0"/>
-                </a:spcBef>
-                <a:spcAft>
-                  <a:spcPct val="0"/>
-                </a:spcAft>
-                <a:buFont typeface="Arial" panose="020B0604020202020204" pitchFamily="34" charset="0"/>
-                <a:buChar char="•"/>
-              </a:pPr>
-              <a:r>
-                <a:rPr lang="en-CA" sz="800" dirty="0">
+                </a:endParaRPr>
+              </a:p>
+            </p:txBody>
+          </p:sp>
+        </p:grpSp>
+        <p:grpSp>
+          <p:nvGrpSpPr>
+            <p:cNvPr id="141" name="Group 140">
+              <a:extLst>
+                <a:ext uri="{FF2B5EF4-FFF2-40B4-BE49-F238E27FC236}">
+                  <a16:creationId xmlns:a16="http://schemas.microsoft.com/office/drawing/2014/main" id="{7D6A0AA4-FCBA-4902-9C34-A28D9079EAA8}"/>
+                </a:ext>
+              </a:extLst>
+            </p:cNvPr>
+            <p:cNvGrpSpPr/>
+            <p:nvPr/>
+          </p:nvGrpSpPr>
+          <p:grpSpPr>
+            <a:xfrm>
+              <a:off x="754417" y="11538597"/>
+              <a:ext cx="2986571" cy="1166681"/>
+              <a:chOff x="1409999" y="881288"/>
+              <a:chExt cx="2986571" cy="1165781"/>
+            </a:xfrm>
+          </p:grpSpPr>
+          <p:sp>
+            <p:nvSpPr>
+              <p:cNvPr id="142" name="Rectangle: Rounded Corners 141">
+                <a:extLst>
+                  <a:ext uri="{FF2B5EF4-FFF2-40B4-BE49-F238E27FC236}">
+                    <a16:creationId xmlns:a16="http://schemas.microsoft.com/office/drawing/2014/main" id="{BC3CACD6-9679-4135-98D5-D3CB85BCDCFC}"/>
+                  </a:ext>
+                </a:extLst>
+              </p:cNvPr>
+              <p:cNvSpPr/>
+              <p:nvPr/>
+            </p:nvSpPr>
+            <p:spPr bwMode="auto">
+              <a:xfrm>
+                <a:off x="1409999" y="881288"/>
+                <a:ext cx="2986571" cy="419904"/>
+              </a:xfrm>
+              <a:prstGeom prst="roundRect">
+                <a:avLst/>
+              </a:prstGeom>
+              <a:solidFill>
+                <a:srgbClr val="0070C0"/>
+              </a:solidFill>
+              <a:ln>
+                <a:solidFill>
+                  <a:srgbClr val="0070C0"/>
+                </a:solidFill>
+                <a:headEnd type="none" w="med" len="med"/>
+                <a:tailEnd type="none" w="med" len="med"/>
+              </a:ln>
+              <a:effectLst/>
+            </p:spPr>
+            <p:style>
+              <a:lnRef idx="1">
+                <a:schemeClr val="accent2"/>
+              </a:lnRef>
+              <a:fillRef idx="3">
+                <a:schemeClr val="accent2"/>
+              </a:fillRef>
+              <a:effectRef idx="2">
+                <a:schemeClr val="accent2"/>
+              </a:effectRef>
+              <a:fontRef idx="minor">
+                <a:schemeClr val="lt1"/>
+              </a:fontRef>
+            </p:style>
+            <p:txBody>
+              <a:bodyPr rot="0" spcFirstLastPara="0" vertOverflow="overflow" horzOverflow="overflow" vert="horz" wrap="square" lIns="0" tIns="0" rIns="0" bIns="0" numCol="1" spcCol="0" rtlCol="0" fromWordArt="0" anchor="ctr" anchorCtr="0" forceAA="0" compatLnSpc="1">
+                <a:prstTxWarp prst="textNoShape">
+                  <a:avLst/>
+                </a:prstTxWarp>
+                <a:noAutofit/>
+              </a:bodyPr>
+              <a:lstStyle/>
+              <a:p>
+                <a:pPr algn="ctr" defTabSz="932472" fontAlgn="base">
+                  <a:lnSpc>
+                    <a:spcPct val="90000"/>
+                  </a:lnSpc>
+                  <a:spcBef>
+                    <a:spcPct val="0"/>
+                  </a:spcBef>
+                  <a:spcAft>
+                    <a:spcPct val="0"/>
+                  </a:spcAft>
+                </a:pPr>
+                <a:r>
+                  <a:rPr lang="en-CA" sz="1600" dirty="0">
+                    <a:gradFill>
+                      <a:gsLst>
+                        <a:gs pos="0">
+                          <a:srgbClr val="FFFFFF"/>
+                        </a:gs>
+                        <a:gs pos="100000">
+                          <a:srgbClr val="FFFFFF"/>
+                        </a:gs>
+                      </a:gsLst>
+                      <a:lin ang="5400000" scaled="0"/>
+                    </a:gradFill>
+                    <a:ea typeface="Segoe UI" pitchFamily="34" charset="0"/>
+                    <a:cs typeface="Segoe UI" pitchFamily="34" charset="0"/>
+                  </a:rPr>
+                  <a:t>Advisor</a:t>
+                </a:r>
+              </a:p>
+            </p:txBody>
+          </p:sp>
+          <p:sp>
+            <p:nvSpPr>
+              <p:cNvPr id="143" name="Rectangle 142">
+                <a:extLst>
+                  <a:ext uri="{FF2B5EF4-FFF2-40B4-BE49-F238E27FC236}">
+                    <a16:creationId xmlns:a16="http://schemas.microsoft.com/office/drawing/2014/main" id="{181020C3-FB52-4980-82F0-541177CB5972}"/>
+                  </a:ext>
+                </a:extLst>
+              </p:cNvPr>
+              <p:cNvSpPr/>
+              <p:nvPr/>
+            </p:nvSpPr>
+            <p:spPr bwMode="auto">
+              <a:xfrm>
+                <a:off x="1410000" y="1237886"/>
+                <a:ext cx="2986570" cy="809183"/>
+              </a:xfrm>
+              <a:prstGeom prst="rect">
+                <a:avLst/>
+              </a:prstGeom>
+              <a:solidFill>
+                <a:schemeClr val="tx1"/>
+              </a:solidFill>
+              <a:ln>
+                <a:solidFill>
+                  <a:srgbClr val="0070C0"/>
+                </a:solidFill>
+                <a:headEnd type="none" w="med" len="med"/>
+                <a:tailEnd type="none" w="med" len="med"/>
+              </a:ln>
+              <a:effectLst/>
+            </p:spPr>
+            <p:style>
+              <a:lnRef idx="1">
+                <a:schemeClr val="accent2"/>
+              </a:lnRef>
+              <a:fillRef idx="3">
+                <a:schemeClr val="accent2"/>
+              </a:fillRef>
+              <a:effectRef idx="2">
+                <a:schemeClr val="accent2"/>
+              </a:effectRef>
+              <a:fontRef idx="minor">
+                <a:schemeClr val="lt1"/>
+              </a:fontRef>
+            </p:style>
+            <p:txBody>
+              <a:bodyPr rot="0" spcFirstLastPara="0" vertOverflow="overflow" horzOverflow="overflow" vert="horz" wrap="square" lIns="36000" tIns="72000" rIns="0" bIns="0" numCol="1" spcCol="0" rtlCol="0" fromWordArt="0" anchor="ctr" anchorCtr="0" forceAA="0" compatLnSpc="1">
+                <a:prstTxWarp prst="textNoShape">
+                  <a:avLst/>
+                </a:prstTxWarp>
+                <a:noAutofit/>
+              </a:bodyPr>
+              <a:lstStyle/>
+              <a:p>
+                <a:pPr defTabSz="932472" fontAlgn="base">
+                  <a:lnSpc>
+                    <a:spcPct val="90000"/>
+                  </a:lnSpc>
+                  <a:spcBef>
+                    <a:spcPct val="0"/>
+                  </a:spcBef>
+                  <a:spcAft>
+                    <a:spcPct val="0"/>
+                  </a:spcAft>
+                </a:pPr>
+                <a:r>
+                  <a:rPr lang="en-CA" sz="900" b="1" dirty="0">
+                    <a:solidFill>
+                      <a:srgbClr val="0070C0"/>
+                    </a:solidFill>
+                    <a:ea typeface="Segoe UI" pitchFamily="34" charset="0"/>
+                    <a:cs typeface="Segoe UI" pitchFamily="34" charset="0"/>
+                  </a:rPr>
+                  <a:t>Helps you follow best practices for Az deployments</a:t>
+                </a:r>
+              </a:p>
+              <a:p>
+                <a:pPr marL="269875" lvl="1" indent="-93663" defTabSz="932472" fontAlgn="base">
+                  <a:lnSpc>
+                    <a:spcPct val="90000"/>
+                  </a:lnSpc>
+                  <a:spcBef>
+                    <a:spcPct val="0"/>
+                  </a:spcBef>
+                  <a:spcAft>
+                    <a:spcPct val="0"/>
+                  </a:spcAft>
+                  <a:buFont typeface="Arial" panose="020B0604020202020204" pitchFamily="34" charset="0"/>
+                  <a:buChar char="•"/>
+                </a:pPr>
+                <a:r>
+                  <a:rPr lang="en-CA" sz="800" dirty="0">
+                    <a:solidFill>
+                      <a:srgbClr val="0070C0"/>
+                    </a:solidFill>
+                    <a:cs typeface="Segoe UI" pitchFamily="34" charset="0"/>
+                  </a:rPr>
+                  <a:t>High Availability</a:t>
+                </a:r>
+              </a:p>
+              <a:p>
+                <a:pPr marL="269875" lvl="1" indent="-93663" defTabSz="932472" fontAlgn="base">
+                  <a:lnSpc>
+                    <a:spcPct val="90000"/>
+                  </a:lnSpc>
+                  <a:spcBef>
+                    <a:spcPct val="0"/>
+                  </a:spcBef>
+                  <a:spcAft>
+                    <a:spcPct val="0"/>
+                  </a:spcAft>
+                  <a:buFont typeface="Arial" panose="020B0604020202020204" pitchFamily="34" charset="0"/>
+                  <a:buChar char="•"/>
+                </a:pPr>
+                <a:r>
+                  <a:rPr lang="en-CA" sz="800" dirty="0">
+                    <a:solidFill>
+                      <a:srgbClr val="0070C0"/>
+                    </a:solidFill>
+                    <a:cs typeface="Segoe UI" pitchFamily="34" charset="0"/>
+                  </a:rPr>
+                  <a:t>Security</a:t>
+                </a:r>
+              </a:p>
+              <a:p>
+                <a:pPr marL="269875" lvl="1" indent="-93663" defTabSz="932472" fontAlgn="base">
+                  <a:lnSpc>
+                    <a:spcPct val="90000"/>
+                  </a:lnSpc>
+                  <a:spcBef>
+                    <a:spcPct val="0"/>
+                  </a:spcBef>
+                  <a:spcAft>
+                    <a:spcPct val="0"/>
+                  </a:spcAft>
+                  <a:buFont typeface="Arial" panose="020B0604020202020204" pitchFamily="34" charset="0"/>
+                  <a:buChar char="•"/>
+                </a:pPr>
+                <a:r>
+                  <a:rPr lang="en-CA" sz="800" dirty="0">
+                    <a:solidFill>
+                      <a:srgbClr val="0070C0"/>
+                    </a:solidFill>
+                    <a:cs typeface="Segoe UI" pitchFamily="34" charset="0"/>
+                  </a:rPr>
+                  <a:t>Performance</a:t>
+                </a:r>
+              </a:p>
+              <a:p>
+                <a:pPr marL="269875" lvl="1" indent="-93663" defTabSz="932472" fontAlgn="base">
+                  <a:lnSpc>
+                    <a:spcPct val="90000"/>
+                  </a:lnSpc>
+                  <a:spcBef>
+                    <a:spcPct val="0"/>
+                  </a:spcBef>
+                  <a:spcAft>
+                    <a:spcPct val="0"/>
+                  </a:spcAft>
+                  <a:buFont typeface="Arial" panose="020B0604020202020204" pitchFamily="34" charset="0"/>
+                  <a:buChar char="•"/>
+                </a:pPr>
+                <a:r>
+                  <a:rPr lang="en-CA" sz="800" dirty="0">
+                    <a:solidFill>
+                      <a:srgbClr val="0070C0"/>
+                    </a:solidFill>
+                    <a:cs typeface="Segoe UI" pitchFamily="34" charset="0"/>
+                  </a:rPr>
+                  <a:t>Costs</a:t>
+                </a:r>
+              </a:p>
+            </p:txBody>
+          </p:sp>
+        </p:grpSp>
+        <p:grpSp>
+          <p:nvGrpSpPr>
+            <p:cNvPr id="160" name="Group 159">
+              <a:extLst>
+                <a:ext uri="{FF2B5EF4-FFF2-40B4-BE49-F238E27FC236}">
+                  <a16:creationId xmlns:a16="http://schemas.microsoft.com/office/drawing/2014/main" id="{CBBF52BE-D1A5-48EC-84FE-B03095F1FD93}"/>
+                </a:ext>
+              </a:extLst>
+            </p:cNvPr>
+            <p:cNvGrpSpPr/>
+            <p:nvPr/>
+          </p:nvGrpSpPr>
+          <p:grpSpPr>
+            <a:xfrm>
+              <a:off x="754417" y="13031499"/>
+              <a:ext cx="2986571" cy="1551839"/>
+              <a:chOff x="4520351" y="881287"/>
+              <a:chExt cx="2986571" cy="1551839"/>
+            </a:xfrm>
+          </p:grpSpPr>
+          <p:sp>
+            <p:nvSpPr>
+              <p:cNvPr id="161" name="Rectangle: Rounded Corners 160">
+                <a:extLst>
+                  <a:ext uri="{FF2B5EF4-FFF2-40B4-BE49-F238E27FC236}">
+                    <a16:creationId xmlns:a16="http://schemas.microsoft.com/office/drawing/2014/main" id="{D964FFAB-A189-4D67-8E01-A2DF38BD24D3}"/>
+                  </a:ext>
+                </a:extLst>
+              </p:cNvPr>
+              <p:cNvSpPr/>
+              <p:nvPr/>
+            </p:nvSpPr>
+            <p:spPr bwMode="auto">
+              <a:xfrm>
+                <a:off x="4520351" y="881287"/>
+                <a:ext cx="2986571" cy="419904"/>
+              </a:xfrm>
+              <a:prstGeom prst="roundRect">
+                <a:avLst/>
+              </a:prstGeom>
+              <a:solidFill>
+                <a:srgbClr val="0070C0"/>
+              </a:solidFill>
+              <a:ln>
+                <a:solidFill>
+                  <a:srgbClr val="0070C0"/>
+                </a:solidFill>
+                <a:headEnd type="none" w="med" len="med"/>
+                <a:tailEnd type="none" w="med" len="med"/>
+              </a:ln>
+              <a:effectLst/>
+            </p:spPr>
+            <p:style>
+              <a:lnRef idx="1">
+                <a:schemeClr val="accent2"/>
+              </a:lnRef>
+              <a:fillRef idx="3">
+                <a:schemeClr val="accent2"/>
+              </a:fillRef>
+              <a:effectRef idx="2">
+                <a:schemeClr val="accent2"/>
+              </a:effectRef>
+              <a:fontRef idx="minor">
+                <a:schemeClr val="lt1"/>
+              </a:fontRef>
+            </p:style>
+            <p:txBody>
+              <a:bodyPr rot="0" spcFirstLastPara="0" vertOverflow="overflow" horzOverflow="overflow" vert="horz" wrap="square" lIns="0" tIns="0" rIns="0" bIns="0" numCol="1" spcCol="0" rtlCol="0" fromWordArt="0" anchor="ctr" anchorCtr="0" forceAA="0" compatLnSpc="1">
+                <a:prstTxWarp prst="textNoShape">
+                  <a:avLst/>
+                </a:prstTxWarp>
+                <a:noAutofit/>
+              </a:bodyPr>
+              <a:lstStyle/>
+              <a:p>
+                <a:pPr algn="ctr" defTabSz="932472" fontAlgn="base">
+                  <a:lnSpc>
+                    <a:spcPct val="90000"/>
+                  </a:lnSpc>
+                  <a:spcBef>
+                    <a:spcPct val="0"/>
+                  </a:spcBef>
+                  <a:spcAft>
+                    <a:spcPct val="0"/>
+                  </a:spcAft>
+                </a:pPr>
+                <a:r>
+                  <a:rPr lang="en-CA" sz="1600" dirty="0">
+                    <a:gradFill>
+                      <a:gsLst>
+                        <a:gs pos="0">
+                          <a:srgbClr val="FFFFFF"/>
+                        </a:gs>
+                        <a:gs pos="100000">
+                          <a:srgbClr val="FFFFFF"/>
+                        </a:gs>
+                      </a:gsLst>
+                      <a:lin ang="5400000" scaled="0"/>
+                    </a:gradFill>
+                    <a:ea typeface="Segoe UI" pitchFamily="34" charset="0"/>
+                    <a:cs typeface="Segoe UI" pitchFamily="34" charset="0"/>
+                  </a:rPr>
+                  <a:t>Network Watcher</a:t>
+                </a:r>
+              </a:p>
+            </p:txBody>
+          </p:sp>
+          <p:sp>
+            <p:nvSpPr>
+              <p:cNvPr id="162" name="Rectangle 161">
+                <a:extLst>
+                  <a:ext uri="{FF2B5EF4-FFF2-40B4-BE49-F238E27FC236}">
+                    <a16:creationId xmlns:a16="http://schemas.microsoft.com/office/drawing/2014/main" id="{4936997B-A351-4B94-87D5-87C241B2776F}"/>
+                  </a:ext>
+                </a:extLst>
+              </p:cNvPr>
+              <p:cNvSpPr/>
+              <p:nvPr/>
+            </p:nvSpPr>
+            <p:spPr bwMode="auto">
+              <a:xfrm>
+                <a:off x="4520352" y="1237886"/>
+                <a:ext cx="2986570" cy="1195240"/>
+              </a:xfrm>
+              <a:prstGeom prst="rect">
+                <a:avLst/>
+              </a:prstGeom>
+              <a:solidFill>
+                <a:schemeClr val="tx1"/>
+              </a:solidFill>
+              <a:ln>
+                <a:solidFill>
+                  <a:srgbClr val="0070C0"/>
+                </a:solidFill>
+                <a:headEnd type="none" w="med" len="med"/>
+                <a:tailEnd type="none" w="med" len="med"/>
+              </a:ln>
+              <a:effectLst/>
+            </p:spPr>
+            <p:style>
+              <a:lnRef idx="1">
+                <a:schemeClr val="accent2"/>
+              </a:lnRef>
+              <a:fillRef idx="3">
+                <a:schemeClr val="accent2"/>
+              </a:fillRef>
+              <a:effectRef idx="2">
+                <a:schemeClr val="accent2"/>
+              </a:effectRef>
+              <a:fontRef idx="minor">
+                <a:schemeClr val="lt1"/>
+              </a:fontRef>
+            </p:style>
+            <p:txBody>
+              <a:bodyPr rot="0" spcFirstLastPara="0" vertOverflow="overflow" horzOverflow="overflow" vert="horz" wrap="square" lIns="36000" tIns="72000" rIns="0" bIns="0" numCol="1" spcCol="0" rtlCol="0" fromWordArt="0" anchor="ctr" anchorCtr="0" forceAA="0" compatLnSpc="1">
+                <a:prstTxWarp prst="textNoShape">
+                  <a:avLst/>
+                </a:prstTxWarp>
+                <a:noAutofit/>
+              </a:bodyPr>
+              <a:lstStyle/>
+              <a:p>
+                <a:pPr defTabSz="932472" fontAlgn="base">
+                  <a:lnSpc>
+                    <a:spcPct val="90000"/>
+                  </a:lnSpc>
+                  <a:spcBef>
+                    <a:spcPct val="0"/>
+                  </a:spcBef>
+                  <a:spcAft>
+                    <a:spcPct val="0"/>
+                  </a:spcAft>
+                </a:pPr>
+                <a:r>
+                  <a:rPr lang="en-CA" sz="900" b="1" dirty="0">
+                    <a:solidFill>
+                      <a:srgbClr val="0070C0"/>
+                    </a:solidFill>
+                    <a:ea typeface="Segoe UI" pitchFamily="34" charset="0"/>
+                    <a:cs typeface="Segoe UI" pitchFamily="34" charset="0"/>
+                  </a:rPr>
+                  <a:t>Az resource network monitoring for network comms</a:t>
+                </a:r>
+              </a:p>
+              <a:p>
+                <a:pPr marL="269875" lvl="1" indent="-93663" defTabSz="932472" fontAlgn="base">
+                  <a:lnSpc>
+                    <a:spcPct val="90000"/>
+                  </a:lnSpc>
+                  <a:spcBef>
+                    <a:spcPct val="0"/>
+                  </a:spcBef>
+                  <a:spcAft>
+                    <a:spcPct val="0"/>
+                  </a:spcAft>
+                  <a:buFont typeface="Arial" panose="020B0604020202020204" pitchFamily="34" charset="0"/>
+                  <a:buChar char="•"/>
+                </a:pPr>
+                <a:r>
+                  <a:rPr lang="en-CA" sz="800" dirty="0">
+                    <a:solidFill>
+                      <a:srgbClr val="0070C0"/>
+                    </a:solidFill>
+                    <a:ea typeface="Segoe UI" pitchFamily="34" charset="0"/>
+                    <a:cs typeface="Segoe UI" pitchFamily="34" charset="0"/>
+                  </a:rPr>
+                  <a:t>Capabilities</a:t>
+                </a:r>
+              </a:p>
+              <a:p>
+                <a:pPr marL="358775" lvl="1" indent="-93663" defTabSz="932472" fontAlgn="base">
+                  <a:lnSpc>
+                    <a:spcPct val="90000"/>
+                  </a:lnSpc>
+                  <a:spcBef>
+                    <a:spcPct val="0"/>
+                  </a:spcBef>
+                  <a:spcAft>
+                    <a:spcPct val="0"/>
+                  </a:spcAft>
+                  <a:buFont typeface="Arial" panose="020B0604020202020204" pitchFamily="34" charset="0"/>
+                  <a:buChar char="•"/>
+                </a:pPr>
+                <a:r>
+                  <a:rPr lang="en-CA" sz="800" dirty="0">
+                    <a:solidFill>
+                      <a:srgbClr val="0070C0"/>
+                    </a:solidFill>
+                    <a:ea typeface="Segoe UI" pitchFamily="34" charset="0"/>
+                    <a:cs typeface="Segoe UI" pitchFamily="34" charset="0"/>
+                  </a:rPr>
+                  <a:t>Topology</a:t>
+                </a:r>
+              </a:p>
+              <a:p>
+                <a:pPr marL="358775" lvl="1" indent="-93663" defTabSz="932472" fontAlgn="base">
+                  <a:lnSpc>
+                    <a:spcPct val="90000"/>
+                  </a:lnSpc>
+                  <a:spcBef>
+                    <a:spcPct val="0"/>
+                  </a:spcBef>
+                  <a:spcAft>
+                    <a:spcPct val="0"/>
+                  </a:spcAft>
+                  <a:buFont typeface="Arial" panose="020B0604020202020204" pitchFamily="34" charset="0"/>
+                  <a:buChar char="•"/>
+                </a:pPr>
+                <a:r>
+                  <a:rPr lang="en-CA" sz="800" dirty="0">
+                    <a:solidFill>
+                      <a:srgbClr val="0070C0"/>
+                    </a:solidFill>
+                    <a:ea typeface="Segoe UI" pitchFamily="34" charset="0"/>
+                    <a:cs typeface="Segoe UI" pitchFamily="34" charset="0"/>
+                  </a:rPr>
+                  <a:t>IP flow velocity</a:t>
+                </a:r>
+              </a:p>
+              <a:p>
+                <a:pPr marL="358775" lvl="1" indent="-93663" defTabSz="932472" fontAlgn="base">
+                  <a:lnSpc>
+                    <a:spcPct val="90000"/>
+                  </a:lnSpc>
+                  <a:spcBef>
+                    <a:spcPct val="0"/>
+                  </a:spcBef>
+                  <a:spcAft>
+                    <a:spcPct val="0"/>
+                  </a:spcAft>
+                  <a:buFont typeface="Arial" panose="020B0604020202020204" pitchFamily="34" charset="0"/>
+                  <a:buChar char="•"/>
+                </a:pPr>
+                <a:r>
+                  <a:rPr lang="en-CA" sz="800" dirty="0">
+                    <a:solidFill>
+                      <a:srgbClr val="0070C0"/>
+                    </a:solidFill>
+                    <a:ea typeface="Segoe UI" pitchFamily="34" charset="0"/>
+                    <a:cs typeface="Segoe UI" pitchFamily="34" charset="0"/>
+                  </a:rPr>
+                  <a:t>Next Hop</a:t>
+                </a:r>
+              </a:p>
+              <a:p>
+                <a:pPr marL="358775" lvl="1" indent="-93663" defTabSz="932472" fontAlgn="base">
+                  <a:lnSpc>
+                    <a:spcPct val="90000"/>
+                  </a:lnSpc>
+                  <a:spcBef>
+                    <a:spcPct val="0"/>
+                  </a:spcBef>
+                  <a:spcAft>
+                    <a:spcPct val="0"/>
+                  </a:spcAft>
+                  <a:buFont typeface="Arial" panose="020B0604020202020204" pitchFamily="34" charset="0"/>
+                  <a:buChar char="•"/>
+                </a:pPr>
+                <a:r>
+                  <a:rPr lang="en-CA" sz="800" dirty="0">
+                    <a:solidFill>
+                      <a:srgbClr val="0070C0"/>
+                    </a:solidFill>
+                    <a:ea typeface="Segoe UI" pitchFamily="34" charset="0"/>
+                    <a:cs typeface="Segoe UI" pitchFamily="34" charset="0"/>
+                  </a:rPr>
+                  <a:t>Security Group View</a:t>
+                </a:r>
+              </a:p>
+              <a:p>
+                <a:pPr marL="358775" lvl="1" indent="-93663" defTabSz="932472" fontAlgn="base">
+                  <a:lnSpc>
+                    <a:spcPct val="90000"/>
+                  </a:lnSpc>
+                  <a:spcBef>
+                    <a:spcPct val="0"/>
+                  </a:spcBef>
+                  <a:spcAft>
+                    <a:spcPct val="0"/>
+                  </a:spcAft>
+                  <a:buFont typeface="Arial" panose="020B0604020202020204" pitchFamily="34" charset="0"/>
+                  <a:buChar char="•"/>
+                </a:pPr>
+                <a:r>
+                  <a:rPr lang="en-CA" sz="800" dirty="0">
+                    <a:solidFill>
+                      <a:srgbClr val="0070C0"/>
+                    </a:solidFill>
+                    <a:ea typeface="Segoe UI" pitchFamily="34" charset="0"/>
+                    <a:cs typeface="Segoe UI" pitchFamily="34" charset="0"/>
+                  </a:rPr>
+                  <a:t>VPN diagnostics</a:t>
+                </a:r>
+              </a:p>
+              <a:p>
+                <a:pPr marL="358775" lvl="1" indent="-93663" defTabSz="932472" fontAlgn="base">
+                  <a:lnSpc>
+                    <a:spcPct val="90000"/>
+                  </a:lnSpc>
+                  <a:spcBef>
+                    <a:spcPct val="0"/>
+                  </a:spcBef>
+                  <a:spcAft>
+                    <a:spcPct val="0"/>
+                  </a:spcAft>
+                  <a:buFont typeface="Arial" panose="020B0604020202020204" pitchFamily="34" charset="0"/>
+                  <a:buChar char="•"/>
+                </a:pPr>
+                <a:r>
+                  <a:rPr lang="en-CA" sz="800" dirty="0">
+                    <a:solidFill>
+                      <a:srgbClr val="0070C0"/>
+                    </a:solidFill>
+                    <a:ea typeface="Segoe UI" pitchFamily="34" charset="0"/>
+                    <a:cs typeface="Segoe UI" pitchFamily="34" charset="0"/>
+                  </a:rPr>
+                  <a:t>Packet Capture</a:t>
+                </a:r>
+              </a:p>
+              <a:p>
+                <a:pPr marL="358775" lvl="1" indent="-93663" defTabSz="932472" fontAlgn="base">
+                  <a:lnSpc>
+                    <a:spcPct val="90000"/>
+                  </a:lnSpc>
+                  <a:spcBef>
+                    <a:spcPct val="0"/>
+                  </a:spcBef>
+                  <a:spcAft>
+                    <a:spcPct val="0"/>
+                  </a:spcAft>
+                  <a:buFont typeface="Arial" panose="020B0604020202020204" pitchFamily="34" charset="0"/>
+                  <a:buChar char="•"/>
+                </a:pPr>
+                <a:r>
+                  <a:rPr lang="en-CA" sz="800" dirty="0">
+                    <a:solidFill>
+                      <a:srgbClr val="0070C0"/>
+                    </a:solidFill>
+                    <a:ea typeface="Segoe UI" pitchFamily="34" charset="0"/>
+                    <a:cs typeface="Segoe UI" pitchFamily="34" charset="0"/>
+                  </a:rPr>
+                  <a:t>Connection Troubleshooting</a:t>
+                </a:r>
+                <a:endParaRPr lang="en-CA" sz="900" dirty="0">
                   <a:solidFill>
                     <a:srgbClr val="0070C0"/>
                   </a:solidFill>
                   <a:ea typeface="Segoe UI" pitchFamily="34" charset="0"/>
                   <a:cs typeface="Segoe UI" pitchFamily="34" charset="0"/>
-                </a:rPr>
-                <a:t>X</a:t>
-              </a:r>
-              <a:endParaRPr lang="en-CA" sz="900" dirty="0">
-                <a:solidFill>
-                  <a:srgbClr val="0070C0"/>
-                </a:solidFill>
-                <a:ea typeface="Segoe UI" pitchFamily="34" charset="0"/>
-                <a:cs typeface="Segoe UI" pitchFamily="34" charset="0"/>
-              </a:endParaRPr>
-            </a:p>
-          </p:txBody>
-        </p:sp>
-      </p:grpSp>
-      <p:grpSp>
-        <p:nvGrpSpPr>
-          <p:cNvPr id="141" name="Group 140">
-            <a:extLst>
-              <a:ext uri="{FF2B5EF4-FFF2-40B4-BE49-F238E27FC236}">
-                <a16:creationId xmlns:a16="http://schemas.microsoft.com/office/drawing/2014/main" id="{7D6A0AA4-FCBA-4902-9C34-A28D9079EAA8}"/>
-              </a:ext>
-            </a:extLst>
-          </p:cNvPr>
-          <p:cNvGrpSpPr/>
-          <p:nvPr/>
-        </p:nvGrpSpPr>
-        <p:grpSpPr>
-          <a:xfrm>
-            <a:off x="791689" y="14078845"/>
-            <a:ext cx="2986571" cy="1552113"/>
-            <a:chOff x="1409999" y="881288"/>
-            <a:chExt cx="2986571" cy="1550916"/>
-          </a:xfrm>
-        </p:grpSpPr>
-        <p:sp>
-          <p:nvSpPr>
-            <p:cNvPr id="142" name="Rectangle: Rounded Corners 141">
-              <a:extLst>
-                <a:ext uri="{FF2B5EF4-FFF2-40B4-BE49-F238E27FC236}">
-                  <a16:creationId xmlns:a16="http://schemas.microsoft.com/office/drawing/2014/main" id="{BC3CACD6-9679-4135-98D5-D3CB85BCDCFC}"/>
-                </a:ext>
-              </a:extLst>
-            </p:cNvPr>
-            <p:cNvSpPr/>
-            <p:nvPr/>
-          </p:nvSpPr>
-          <p:spPr bwMode="auto">
-            <a:xfrm>
-              <a:off x="1409999" y="881288"/>
-              <a:ext cx="2986571" cy="419904"/>
-            </a:xfrm>
-            <a:prstGeom prst="roundRect">
-              <a:avLst/>
-            </a:prstGeom>
-            <a:solidFill>
-              <a:srgbClr val="0070C0"/>
-            </a:solidFill>
-            <a:ln>
-              <a:solidFill>
-                <a:srgbClr val="0070C0"/>
-              </a:solidFill>
-              <a:headEnd type="none" w="med" len="med"/>
-              <a:tailEnd type="none" w="med" len="med"/>
-            </a:ln>
-            <a:effectLst/>
-          </p:spPr>
-          <p:style>
-            <a:lnRef idx="1">
-              <a:schemeClr val="accent2"/>
-            </a:lnRef>
-            <a:fillRef idx="3">
-              <a:schemeClr val="accent2"/>
-            </a:fillRef>
-            <a:effectRef idx="2">
-              <a:schemeClr val="accent2"/>
-            </a:effectRef>
-            <a:fontRef idx="minor">
-              <a:schemeClr val="lt1"/>
-            </a:fontRef>
-          </p:style>
-          <p:txBody>
-            <a:bodyPr rot="0" spcFirstLastPara="0" vertOverflow="overflow" horzOverflow="overflow" vert="horz" wrap="square" lIns="0" tIns="0" rIns="0" bIns="0" numCol="1" spcCol="0" rtlCol="0" fromWordArt="0" anchor="ctr" anchorCtr="0" forceAA="0" compatLnSpc="1">
-              <a:prstTxWarp prst="textNoShape">
-                <a:avLst/>
-              </a:prstTxWarp>
-              <a:noAutofit/>
-            </a:bodyPr>
-            <a:lstStyle/>
-            <a:p>
-              <a:pPr algn="ctr" defTabSz="932472" fontAlgn="base">
-                <a:lnSpc>
-                  <a:spcPct val="90000"/>
-                </a:lnSpc>
-                <a:spcBef>
-                  <a:spcPct val="0"/>
-                </a:spcBef>
-                <a:spcAft>
-                  <a:spcPct val="0"/>
-                </a:spcAft>
-              </a:pPr>
-              <a:r>
-                <a:rPr lang="en-CA" sz="1600" dirty="0">
-                  <a:gradFill>
-                    <a:gsLst>
-                      <a:gs pos="0">
-                        <a:srgbClr val="FFFFFF"/>
-                      </a:gs>
-                      <a:gs pos="100000">
-                        <a:srgbClr val="FFFFFF"/>
-                      </a:gs>
-                    </a:gsLst>
-                    <a:lin ang="5400000" scaled="0"/>
-                  </a:gradFill>
-                  <a:ea typeface="Segoe UI" pitchFamily="34" charset="0"/>
-                  <a:cs typeface="Segoe UI" pitchFamily="34" charset="0"/>
-                </a:rPr>
-                <a:t>Advisor</a:t>
-              </a:r>
-            </a:p>
-          </p:txBody>
-        </p:sp>
-        <p:sp>
-          <p:nvSpPr>
-            <p:cNvPr id="143" name="Rectangle 142">
-              <a:extLst>
-                <a:ext uri="{FF2B5EF4-FFF2-40B4-BE49-F238E27FC236}">
-                  <a16:creationId xmlns:a16="http://schemas.microsoft.com/office/drawing/2014/main" id="{181020C3-FB52-4980-82F0-541177CB5972}"/>
-                </a:ext>
-              </a:extLst>
-            </p:cNvPr>
-            <p:cNvSpPr/>
-            <p:nvPr/>
-          </p:nvSpPr>
-          <p:spPr bwMode="auto">
-            <a:xfrm>
-              <a:off x="1410000" y="1237886"/>
-              <a:ext cx="2986570" cy="1194318"/>
-            </a:xfrm>
-            <a:prstGeom prst="rect">
-              <a:avLst/>
-            </a:prstGeom>
-            <a:solidFill>
-              <a:schemeClr val="tx1"/>
-            </a:solidFill>
-            <a:ln>
-              <a:solidFill>
-                <a:srgbClr val="0070C0"/>
-              </a:solidFill>
-              <a:headEnd type="none" w="med" len="med"/>
-              <a:tailEnd type="none" w="med" len="med"/>
-            </a:ln>
-            <a:effectLst/>
-          </p:spPr>
-          <p:style>
-            <a:lnRef idx="1">
-              <a:schemeClr val="accent2"/>
-            </a:lnRef>
-            <a:fillRef idx="3">
-              <a:schemeClr val="accent2"/>
-            </a:fillRef>
-            <a:effectRef idx="2">
-              <a:schemeClr val="accent2"/>
-            </a:effectRef>
-            <a:fontRef idx="minor">
-              <a:schemeClr val="lt1"/>
-            </a:fontRef>
-          </p:style>
-          <p:txBody>
-            <a:bodyPr rot="0" spcFirstLastPara="0" vertOverflow="overflow" horzOverflow="overflow" vert="horz" wrap="square" lIns="36000" tIns="72000" rIns="0" bIns="0" numCol="1" spcCol="0" rtlCol="0" fromWordArt="0" anchor="ctr" anchorCtr="0" forceAA="0" compatLnSpc="1">
-              <a:prstTxWarp prst="textNoShape">
-                <a:avLst/>
-              </a:prstTxWarp>
-              <a:noAutofit/>
-            </a:bodyPr>
-            <a:lstStyle/>
-            <a:p>
-              <a:pPr defTabSz="932472" fontAlgn="base">
-                <a:lnSpc>
-                  <a:spcPct val="90000"/>
-                </a:lnSpc>
-                <a:spcBef>
-                  <a:spcPct val="0"/>
-                </a:spcBef>
-                <a:spcAft>
-                  <a:spcPct val="0"/>
-                </a:spcAft>
-              </a:pPr>
-              <a:r>
-                <a:rPr lang="en-CA" sz="900" b="1" dirty="0">
-                  <a:solidFill>
-                    <a:srgbClr val="0070C0"/>
-                  </a:solidFill>
-                  <a:ea typeface="Segoe UI" pitchFamily="34" charset="0"/>
-                  <a:cs typeface="Segoe UI" pitchFamily="34" charset="0"/>
-                </a:rPr>
-                <a:t>X</a:t>
-              </a:r>
-            </a:p>
-            <a:p>
-              <a:pPr marL="269875" lvl="1" indent="-93663" defTabSz="932472" fontAlgn="base">
-                <a:lnSpc>
-                  <a:spcPct val="90000"/>
-                </a:lnSpc>
-                <a:spcBef>
-                  <a:spcPct val="0"/>
-                </a:spcBef>
-                <a:spcAft>
-                  <a:spcPct val="0"/>
-                </a:spcAft>
-                <a:buFont typeface="Arial" panose="020B0604020202020204" pitchFamily="34" charset="0"/>
-                <a:buChar char="•"/>
-              </a:pPr>
-              <a:r>
-                <a:rPr lang="en-CA" sz="800" dirty="0">
-                  <a:solidFill>
-                    <a:srgbClr val="0070C0"/>
-                  </a:solidFill>
-                  <a:cs typeface="Segoe UI" pitchFamily="34" charset="0"/>
-                </a:rPr>
-                <a:t>X</a:t>
-              </a:r>
-            </a:p>
-          </p:txBody>
-        </p:sp>
-      </p:grpSp>
-      <p:grpSp>
-        <p:nvGrpSpPr>
-          <p:cNvPr id="160" name="Group 159">
-            <a:extLst>
-              <a:ext uri="{FF2B5EF4-FFF2-40B4-BE49-F238E27FC236}">
-                <a16:creationId xmlns:a16="http://schemas.microsoft.com/office/drawing/2014/main" id="{CBBF52BE-D1A5-48EC-84FE-B03095F1FD93}"/>
-              </a:ext>
-            </a:extLst>
-          </p:cNvPr>
-          <p:cNvGrpSpPr/>
-          <p:nvPr/>
-        </p:nvGrpSpPr>
-        <p:grpSpPr>
-          <a:xfrm>
-            <a:off x="3957643" y="14078846"/>
-            <a:ext cx="2986571" cy="1551839"/>
-            <a:chOff x="4520351" y="881287"/>
-            <a:chExt cx="2986571" cy="1551839"/>
-          </a:xfrm>
-        </p:grpSpPr>
-        <p:sp>
-          <p:nvSpPr>
-            <p:cNvPr id="161" name="Rectangle: Rounded Corners 160">
-              <a:extLst>
-                <a:ext uri="{FF2B5EF4-FFF2-40B4-BE49-F238E27FC236}">
-                  <a16:creationId xmlns:a16="http://schemas.microsoft.com/office/drawing/2014/main" id="{D964FFAB-A189-4D67-8E01-A2DF38BD24D3}"/>
-                </a:ext>
-              </a:extLst>
-            </p:cNvPr>
-            <p:cNvSpPr/>
-            <p:nvPr/>
-          </p:nvSpPr>
-          <p:spPr bwMode="auto">
-            <a:xfrm>
-              <a:off x="4520351" y="881287"/>
-              <a:ext cx="2986571" cy="419904"/>
-            </a:xfrm>
-            <a:prstGeom prst="roundRect">
-              <a:avLst/>
-            </a:prstGeom>
-            <a:solidFill>
-              <a:srgbClr val="0070C0"/>
-            </a:solidFill>
-            <a:ln>
-              <a:solidFill>
-                <a:srgbClr val="0070C0"/>
-              </a:solidFill>
-              <a:headEnd type="none" w="med" len="med"/>
-              <a:tailEnd type="none" w="med" len="med"/>
-            </a:ln>
-            <a:effectLst/>
-          </p:spPr>
-          <p:style>
-            <a:lnRef idx="1">
-              <a:schemeClr val="accent2"/>
-            </a:lnRef>
-            <a:fillRef idx="3">
-              <a:schemeClr val="accent2"/>
-            </a:fillRef>
-            <a:effectRef idx="2">
-              <a:schemeClr val="accent2"/>
-            </a:effectRef>
-            <a:fontRef idx="minor">
-              <a:schemeClr val="lt1"/>
-            </a:fontRef>
-          </p:style>
-          <p:txBody>
-            <a:bodyPr rot="0" spcFirstLastPara="0" vertOverflow="overflow" horzOverflow="overflow" vert="horz" wrap="square" lIns="0" tIns="0" rIns="0" bIns="0" numCol="1" spcCol="0" rtlCol="0" fromWordArt="0" anchor="ctr" anchorCtr="0" forceAA="0" compatLnSpc="1">
-              <a:prstTxWarp prst="textNoShape">
-                <a:avLst/>
-              </a:prstTxWarp>
-              <a:noAutofit/>
-            </a:bodyPr>
-            <a:lstStyle/>
-            <a:p>
-              <a:pPr algn="ctr" defTabSz="932472" fontAlgn="base">
-                <a:lnSpc>
-                  <a:spcPct val="90000"/>
-                </a:lnSpc>
-                <a:spcBef>
-                  <a:spcPct val="0"/>
-                </a:spcBef>
-                <a:spcAft>
-                  <a:spcPct val="0"/>
-                </a:spcAft>
-              </a:pPr>
-              <a:r>
-                <a:rPr lang="en-CA" sz="1600" dirty="0">
-                  <a:gradFill>
-                    <a:gsLst>
-                      <a:gs pos="0">
-                        <a:srgbClr val="FFFFFF"/>
-                      </a:gs>
-                      <a:gs pos="100000">
-                        <a:srgbClr val="FFFFFF"/>
-                      </a:gs>
-                    </a:gsLst>
-                    <a:lin ang="5400000" scaled="0"/>
-                  </a:gradFill>
-                  <a:ea typeface="Segoe UI" pitchFamily="34" charset="0"/>
-                  <a:cs typeface="Segoe UI" pitchFamily="34" charset="0"/>
-                </a:rPr>
-                <a:t>Network Watcher</a:t>
-              </a:r>
-            </a:p>
-          </p:txBody>
-        </p:sp>
-        <p:sp>
-          <p:nvSpPr>
-            <p:cNvPr id="162" name="Rectangle 161">
-              <a:extLst>
-                <a:ext uri="{FF2B5EF4-FFF2-40B4-BE49-F238E27FC236}">
-                  <a16:creationId xmlns:a16="http://schemas.microsoft.com/office/drawing/2014/main" id="{4936997B-A351-4B94-87D5-87C241B2776F}"/>
-                </a:ext>
-              </a:extLst>
-            </p:cNvPr>
-            <p:cNvSpPr/>
-            <p:nvPr/>
-          </p:nvSpPr>
-          <p:spPr bwMode="auto">
-            <a:xfrm>
-              <a:off x="4520352" y="1237886"/>
-              <a:ext cx="2986570" cy="1195240"/>
-            </a:xfrm>
-            <a:prstGeom prst="rect">
-              <a:avLst/>
-            </a:prstGeom>
-            <a:solidFill>
-              <a:schemeClr val="tx1"/>
-            </a:solidFill>
-            <a:ln>
-              <a:solidFill>
-                <a:srgbClr val="0070C0"/>
-              </a:solidFill>
-              <a:headEnd type="none" w="med" len="med"/>
-              <a:tailEnd type="none" w="med" len="med"/>
-            </a:ln>
-            <a:effectLst/>
-          </p:spPr>
-          <p:style>
-            <a:lnRef idx="1">
-              <a:schemeClr val="accent2"/>
-            </a:lnRef>
-            <a:fillRef idx="3">
-              <a:schemeClr val="accent2"/>
-            </a:fillRef>
-            <a:effectRef idx="2">
-              <a:schemeClr val="accent2"/>
-            </a:effectRef>
-            <a:fontRef idx="minor">
-              <a:schemeClr val="lt1"/>
-            </a:fontRef>
-          </p:style>
-          <p:txBody>
-            <a:bodyPr rot="0" spcFirstLastPara="0" vertOverflow="overflow" horzOverflow="overflow" vert="horz" wrap="square" lIns="36000" tIns="72000" rIns="0" bIns="0" numCol="1" spcCol="0" rtlCol="0" fromWordArt="0" anchor="ctr" anchorCtr="0" forceAA="0" compatLnSpc="1">
-              <a:prstTxWarp prst="textNoShape">
-                <a:avLst/>
-              </a:prstTxWarp>
-              <a:noAutofit/>
-            </a:bodyPr>
-            <a:lstStyle/>
-            <a:p>
-              <a:pPr defTabSz="932472" fontAlgn="base">
-                <a:lnSpc>
-                  <a:spcPct val="90000"/>
-                </a:lnSpc>
-                <a:spcBef>
-                  <a:spcPct val="0"/>
-                </a:spcBef>
-                <a:spcAft>
-                  <a:spcPct val="0"/>
-                </a:spcAft>
-              </a:pPr>
-              <a:r>
-                <a:rPr lang="en-CA" sz="900" b="1" dirty="0">
-                  <a:solidFill>
-                    <a:srgbClr val="0070C0"/>
-                  </a:solidFill>
-                  <a:ea typeface="Segoe UI" pitchFamily="34" charset="0"/>
-                  <a:cs typeface="Segoe UI" pitchFamily="34" charset="0"/>
-                </a:rPr>
-                <a:t>X</a:t>
-              </a:r>
-            </a:p>
-            <a:p>
-              <a:pPr marL="269875" lvl="1" indent="-93663" defTabSz="932472" fontAlgn="base">
-                <a:lnSpc>
-                  <a:spcPct val="90000"/>
-                </a:lnSpc>
-                <a:spcBef>
-                  <a:spcPct val="0"/>
-                </a:spcBef>
-                <a:spcAft>
-                  <a:spcPct val="0"/>
-                </a:spcAft>
-                <a:buFont typeface="Arial" panose="020B0604020202020204" pitchFamily="34" charset="0"/>
-                <a:buChar char="•"/>
-              </a:pPr>
-              <a:r>
-                <a:rPr lang="en-CA" sz="800" dirty="0">
-                  <a:solidFill>
-                    <a:srgbClr val="0070C0"/>
-                  </a:solidFill>
-                  <a:ea typeface="Segoe UI" pitchFamily="34" charset="0"/>
-                  <a:cs typeface="Segoe UI" pitchFamily="34" charset="0"/>
-                </a:rPr>
-                <a:t>X</a:t>
-              </a:r>
-              <a:endParaRPr lang="en-CA" sz="900" dirty="0">
-                <a:solidFill>
-                  <a:srgbClr val="0070C0"/>
-                </a:solidFill>
-                <a:ea typeface="Segoe UI" pitchFamily="34" charset="0"/>
-                <a:cs typeface="Segoe UI" pitchFamily="34" charset="0"/>
-              </a:endParaRPr>
-            </a:p>
-          </p:txBody>
-        </p:sp>
+                </a:endParaRPr>
+              </a:p>
+            </p:txBody>
+          </p:sp>
+        </p:grpSp>
       </p:grpSp>
       <p:pic>
         <p:nvPicPr>
@@ -35797,7 +36495,7 @@
         </p:blipFill>
         <p:spPr>
           <a:xfrm rot="1684251">
-            <a:off x="8879228" y="5251685"/>
+            <a:off x="11575536" y="2460575"/>
             <a:ext cx="9982821" cy="3150828"/>
           </a:xfrm>
           <a:prstGeom prst="rect">
@@ -36563,7 +37261,7 @@
                 <a:ea typeface="Segoe UI Black" panose="020B0A02040204020203" pitchFamily="34" charset="0"/>
                 <a:cs typeface="Segoe UI" panose="020B0502040204020203" pitchFamily="34" charset="0"/>
               </a:rPr>
-              <a:t>3/3</a:t>
+              <a:t>3</a:t>
             </a:r>
             <a:endParaRPr lang="en-CA" sz="4800" baseline="30000" dirty="0">
               <a:solidFill>
@@ -37416,6 +38114,34 @@
 </file>
 
 <file path=customXml/item1.xml><?xml version="1.0" encoding="utf-8"?>
+<?mso-contentType ?>
+<FormTemplates xmlns="http://schemas.microsoft.com/sharepoint/v3/contenttype/forms">
+  <Display>DocumentLibraryForm</Display>
+  <Edit>DocumentLibraryForm</Edit>
+  <New>DocumentLibraryForm</New>
+</FormTemplates>
+</file>
+
+<file path=customXml/item2.xml><?xml version="1.0" encoding="utf-8"?>
+<?mso-contentType ?>
+<FormTemplates xmlns="http://schemas.microsoft.com/sharepoint/v3/contenttype/forms">
+  <Display>DocumentLibraryForm</Display>
+  <Edit>DocumentLibraryForm</Edit>
+  <New>DocumentLibraryForm</New>
+</FormTemplates>
+</file>
+
+<file path=customXml/item3.xml><?xml version="1.0" encoding="utf-8"?>
+<p:properties xmlns:p="http://schemas.microsoft.com/office/2006/metadata/properties" xmlns:xsi="http://www.w3.org/2001/XMLSchema-instance" xmlns:pc="http://schemas.microsoft.com/office/infopath/2007/PartnerControls">
+  <documentManagement>
+    <_ip_UnifiedCompliancePolicyUIAction xmlns="http://schemas.microsoft.com/sharepoint/v3" xsi:nil="true"/>
+    <IconOverlay xmlns="http://schemas.microsoft.com/sharepoint/v4" xsi:nil="true"/>
+    <_ip_UnifiedCompliancePolicyProperties xmlns="http://schemas.microsoft.com/sharepoint/v3" xsi:nil="true"/>
+  </documentManagement>
+</p:properties>
+</file>
+
+<file path=customXml/item4.xml><?xml version="1.0" encoding="utf-8"?>
 <ct:contentTypeSchema xmlns:ct="http://schemas.microsoft.com/office/2006/metadata/contentType" xmlns:ma="http://schemas.microsoft.com/office/2006/metadata/properties/metaAttributes" ct:_="" ma:_="" ma:contentTypeName="Document" ma:contentTypeID="0x010100F5F187B9059DF945B25AB5B2F3BA0895" ma:contentTypeVersion="14" ma:contentTypeDescription="Create a new document." ma:contentTypeScope="" ma:versionID="be2c86c74b3bb227d6f27514678f23d5">
   <xsd:schema xmlns:xsd="http://www.w3.org/2001/XMLSchema" xmlns:xs="http://www.w3.org/2001/XMLSchema" xmlns:p="http://schemas.microsoft.com/office/2006/metadata/properties" xmlns:ns1="http://schemas.microsoft.com/sharepoint/v3" xmlns:ns2="af610f50-4aee-43ff-9d65-64420adb70d2" xmlns:ns3="http://schemas.microsoft.com/sharepoint/v4" xmlns:ns4="15c98cf3-0896-4040-874f-f436925621df" targetNamespace="http://schemas.microsoft.com/office/2006/metadata/properties" ma:root="true" ma:fieldsID="94136e9e548b6d3962354304dc946cac" ns1:_="" ns2:_="" ns3:_="" ns4:_="">
     <xsd:import namespace="http://schemas.microsoft.com/sharepoint/v3"/>
@@ -37654,35 +38380,34 @@
 </ct:contentTypeSchema>
 </file>
 
-<file path=customXml/item2.xml><?xml version="1.0" encoding="utf-8"?>
-<p:properties xmlns:p="http://schemas.microsoft.com/office/2006/metadata/properties" xmlns:xsi="http://www.w3.org/2001/XMLSchema-instance" xmlns:pc="http://schemas.microsoft.com/office/infopath/2007/PartnerControls">
-  <documentManagement>
-    <_ip_UnifiedCompliancePolicyUIAction xmlns="http://schemas.microsoft.com/sharepoint/v3" xsi:nil="true"/>
-    <IconOverlay xmlns="http://schemas.microsoft.com/sharepoint/v4" xsi:nil="true"/>
-    <_ip_UnifiedCompliancePolicyProperties xmlns="http://schemas.microsoft.com/sharepoint/v3" xsi:nil="true"/>
-  </documentManagement>
-</p:properties>
+<file path=customXml/itemProps1.xml><?xml version="1.0" encoding="utf-8"?>
+<ds:datastoreItem xmlns:ds="http://schemas.openxmlformats.org/officeDocument/2006/customXml" ds:itemID="{E37CEF67-DE3E-432B-9E16-FF411AFDFA38}">
+  <ds:schemaRefs>
+    <ds:schemaRef ds:uri="http://schemas.microsoft.com/sharepoint/v3/contenttype/forms"/>
+  </ds:schemaRefs>
+</ds:datastoreItem>
 </file>
 
-<file path=customXml/item3.xml><?xml version="1.0" encoding="utf-8"?>
-<?mso-contentType ?>
-<FormTemplates xmlns="http://schemas.microsoft.com/sharepoint/v3/contenttype/forms">
-  <Display>DocumentLibraryForm</Display>
-  <Edit>DocumentLibraryForm</Edit>
-  <New>DocumentLibraryForm</New>
-</FormTemplates>
+<file path=customXml/itemProps2.xml><?xml version="1.0" encoding="utf-8"?>
+<ds:datastoreItem xmlns:ds="http://schemas.openxmlformats.org/officeDocument/2006/customXml" ds:itemID="{89C46102-D426-4E73-8F6F-5286B23D2EEB}">
+  <ds:schemaRefs>
+    <ds:schemaRef ds:uri="http://schemas.microsoft.com/sharepoint/v3/contenttype/forms"/>
+  </ds:schemaRefs>
+</ds:datastoreItem>
 </file>
 
-<file path=customXml/item4.xml><?xml version="1.0" encoding="utf-8"?>
-<?mso-contentType ?>
-<FormTemplates xmlns="http://schemas.microsoft.com/sharepoint/v3/contenttype/forms">
-  <Display>DocumentLibraryForm</Display>
-  <Edit>DocumentLibraryForm</Edit>
-  <New>DocumentLibraryForm</New>
-</FormTemplates>
+<file path=customXml/itemProps3.xml><?xml version="1.0" encoding="utf-8"?>
+<ds:datastoreItem xmlns:ds="http://schemas.openxmlformats.org/officeDocument/2006/customXml" ds:itemID="{C66C01A9-0361-4788-ABEE-257A7848F8D9}">
+  <ds:schemaRefs>
+    <ds:schemaRef ds:uri="http://schemas.microsoft.com/office/2006/metadata/properties"/>
+    <ds:schemaRef ds:uri="http://schemas.microsoft.com/office/infopath/2007/PartnerControls"/>
+    <ds:schemaRef ds:uri="http://schemas.microsoft.com/sharepoint/v3"/>
+    <ds:schemaRef ds:uri="http://schemas.microsoft.com/sharepoint/v4"/>
+  </ds:schemaRefs>
+</ds:datastoreItem>
 </file>
 
-<file path=customXml/itemProps1.xml><?xml version="1.0" encoding="utf-8"?>
+<file path=customXml/itemProps4.xml><?xml version="1.0" encoding="utf-8"?>
 <ds:datastoreItem xmlns:ds="http://schemas.openxmlformats.org/officeDocument/2006/customXml" ds:itemID="{30BD28E6-9582-48F2-A1BB-45FE2A6D90A2}">
   <ds:schemaRefs>
     <ds:schemaRef ds:uri="http://schemas.microsoft.com/office/2006/metadata/contentType"/>
@@ -37701,39 +38426,4 @@
     <ds:schemaRef ds:uri="http://schemas.microsoft.com/internal/obd"/>
   </ds:schemaRefs>
 </ds:datastoreItem>
-</file>
-
-<file path=customXml/itemProps2.xml><?xml version="1.0" encoding="utf-8"?>
-<ds:datastoreItem xmlns:ds="http://schemas.openxmlformats.org/officeDocument/2006/customXml" ds:itemID="{C66C01A9-0361-4788-ABEE-257A7848F8D9}">
-  <ds:schemaRefs>
-    <ds:schemaRef ds:uri="http://schemas.microsoft.com/sharepoint/v4"/>
-    <ds:schemaRef ds:uri="http://schemas.openxmlformats.org/package/2006/metadata/core-properties"/>
-    <ds:schemaRef ds:uri="http://schemas.microsoft.com/office/2006/documentManagement/types"/>
-    <ds:schemaRef ds:uri="http://purl.org/dc/terms/"/>
-    <ds:schemaRef ds:uri="http://schemas.microsoft.com/office/infopath/2007/PartnerControls"/>
-    <ds:schemaRef ds:uri="http://purl.org/dc/elements/1.1/"/>
-    <ds:schemaRef ds:uri="15c98cf3-0896-4040-874f-f436925621df"/>
-    <ds:schemaRef ds:uri="http://schemas.microsoft.com/office/2006/metadata/properties"/>
-    <ds:schemaRef ds:uri="http://schemas.microsoft.com/sharepoint/v3"/>
-    <ds:schemaRef ds:uri="af610f50-4aee-43ff-9d65-64420adb70d2"/>
-    <ds:schemaRef ds:uri="http://www.w3.org/XML/1998/namespace"/>
-    <ds:schemaRef ds:uri="http://purl.org/dc/dcmitype/"/>
-  </ds:schemaRefs>
-</ds:datastoreItem>
-</file>
-
-<file path=customXml/itemProps3.xml><?xml version="1.0" encoding="utf-8"?>
-<ds:datastoreItem xmlns:ds="http://schemas.openxmlformats.org/officeDocument/2006/customXml" ds:itemID="{89C46102-D426-4E73-8F6F-5286B23D2EEB}">
-  <ds:schemaRefs>
-    <ds:schemaRef ds:uri="http://schemas.microsoft.com/sharepoint/v3/contenttype/forms"/>
-  </ds:schemaRefs>
-</ds:datastoreItem>
-</file>
-
-<file path=customXml/itemProps4.xml><?xml version="1.0" encoding="utf-8"?>
-<ds:datastoreItem xmlns:ds="http://schemas.openxmlformats.org/officeDocument/2006/customXml" ds:itemID="{E37CEF67-DE3E-432B-9E16-FF411AFDFA38}">
-  <ds:schemaRefs>
-    <ds:schemaRef ds:uri="http://schemas.microsoft.com/sharepoint/v3/contenttype/forms"/>
-  </ds:schemaRefs>
-</ds:datastoreItem>
 </file>
--- a/src/azure/architecting-microsoft-azure-solutions.pptx
+++ b/src/azure/architecting-microsoft-azure-solutions.pptx
@@ -214,7 +214,7 @@
           <a:p>
             <a:fld id="{2F4766DD-CA99-4D5F-A9B2-EF5EF0A37C93}" type="datetimeFigureOut">
               <a:rPr lang="en-CA" smtClean="0"/>
-              <a:t>2018-10-05</a:t>
+              <a:t>2018-10-06</a:t>
             </a:fld>
             <a:endParaRPr lang="en-CA"/>
           </a:p>
@@ -566,7 +566,7 @@
           <a:p>
             <a:fld id="{D18B56EA-E28F-4F92-9F16-7A6F2501B303}" type="datetime8">
               <a:rPr lang="en-US" smtClean="0"/>
-              <a:t>10/5/2018 6:07 PM</a:t>
+              <a:t>10/6/2018 8:12 AM</a:t>
             </a:fld>
             <a:endParaRPr lang="en-US" dirty="0"/>
           </a:p>
@@ -5509,7 +5509,7 @@
           <a:p>
             <a:fld id="{ED6EB527-6926-47A2-AB35-8907638AD74C}" type="datetimeFigureOut">
               <a:rPr lang="en-CA" smtClean="0"/>
-              <a:t>2018-10-05</a:t>
+              <a:t>2018-10-06</a:t>
             </a:fld>
             <a:endParaRPr lang="en-CA"/>
           </a:p>
@@ -26132,9 +26132,9 @@
         <p:grpSpPr>
           <a:xfrm>
             <a:off x="481250" y="6378408"/>
-            <a:ext cx="2986571" cy="2494372"/>
+            <a:ext cx="2986571" cy="2306593"/>
             <a:chOff x="1409999" y="881288"/>
-            <a:chExt cx="2986571" cy="2494372"/>
+            <a:chExt cx="2986571" cy="2306593"/>
           </a:xfrm>
         </p:grpSpPr>
         <p:sp>
@@ -26239,7 +26239,7 @@
           <p:spPr bwMode="auto">
             <a:xfrm>
               <a:off x="1410000" y="1237886"/>
-              <a:ext cx="2986570" cy="2137774"/>
+              <a:ext cx="2986570" cy="1949995"/>
             </a:xfrm>
             <a:prstGeom prst="rect">
               <a:avLst/>
@@ -26298,7 +26298,7 @@
                   <a:ea typeface="Segoe UI" pitchFamily="34" charset="0"/>
                   <a:cs typeface="Segoe UI" pitchFamily="34" charset="0"/>
                 </a:rPr>
-                <a:t>X</a:t>
+                <a:t>Automation ensures consistency and saves time</a:t>
               </a:r>
             </a:p>
             <a:p>
@@ -26322,7 +26322,361 @@
                   </a:solidFill>
                   <a:cs typeface="Segoe UI" pitchFamily="34" charset="0"/>
                 </a:rPr>
-                <a:t>X</a:t>
+                <a:t>Development, testing, acceptance, and production</a:t>
+              </a:r>
+            </a:p>
+            <a:p>
+              <a:pPr marL="269875" lvl="1" indent="-93663" defTabSz="932472" fontAlgn="base">
+                <a:lnSpc>
+                  <a:spcPct val="90000"/>
+                </a:lnSpc>
+                <a:spcBef>
+                  <a:spcPct val="0"/>
+                </a:spcBef>
+                <a:spcAft>
+                  <a:spcPct val="0"/>
+                </a:spcAft>
+                <a:buFont typeface="Arial" panose="020B0604020202020204" pitchFamily="34" charset="0"/>
+                <a:buChar char="•"/>
+              </a:pPr>
+              <a:r>
+                <a:rPr lang="en-CA" sz="800" dirty="0">
+                  <a:solidFill>
+                    <a:srgbClr val="0070C0"/>
+                  </a:solidFill>
+                  <a:cs typeface="Segoe UI" pitchFamily="34" charset="0"/>
+                </a:rPr>
+                <a:t>PowerShell – create resources and configure</a:t>
+              </a:r>
+            </a:p>
+            <a:p>
+              <a:pPr marL="269875" lvl="1" indent="-93663" defTabSz="932472" fontAlgn="base">
+                <a:lnSpc>
+                  <a:spcPct val="90000"/>
+                </a:lnSpc>
+                <a:spcBef>
+                  <a:spcPct val="0"/>
+                </a:spcBef>
+                <a:spcAft>
+                  <a:spcPct val="0"/>
+                </a:spcAft>
+                <a:buFont typeface="Arial" panose="020B0604020202020204" pitchFamily="34" charset="0"/>
+                <a:buChar char="•"/>
+              </a:pPr>
+              <a:r>
+                <a:rPr lang="en-CA" sz="800" dirty="0">
+                  <a:solidFill>
+                    <a:srgbClr val="0070C0"/>
+                  </a:solidFill>
+                  <a:cs typeface="Segoe UI" pitchFamily="34" charset="0"/>
+                </a:rPr>
+                <a:t>Desired State Configuration (DSC) – enforce config</a:t>
+              </a:r>
+            </a:p>
+            <a:p>
+              <a:pPr marL="360363" lvl="1" indent="-92075" defTabSz="932472" fontAlgn="base">
+                <a:lnSpc>
+                  <a:spcPct val="90000"/>
+                </a:lnSpc>
+                <a:spcBef>
+                  <a:spcPct val="0"/>
+                </a:spcBef>
+                <a:spcAft>
+                  <a:spcPct val="0"/>
+                </a:spcAft>
+                <a:buFont typeface="Arial" panose="020B0604020202020204" pitchFamily="34" charset="0"/>
+                <a:buChar char="•"/>
+              </a:pPr>
+              <a:r>
+                <a:rPr lang="en-CA" sz="800" dirty="0">
+                  <a:solidFill>
+                    <a:srgbClr val="0070C0"/>
+                  </a:solidFill>
+                  <a:cs typeface="Segoe UI" pitchFamily="34" charset="0"/>
+                </a:rPr>
+                <a:t>Features: Configurations, Resources, Local Config Mgr.</a:t>
+              </a:r>
+            </a:p>
+            <a:p>
+              <a:pPr marL="268288" lvl="1" indent="-92075" defTabSz="932472" fontAlgn="base">
+                <a:lnSpc>
+                  <a:spcPct val="90000"/>
+                </a:lnSpc>
+                <a:spcBef>
+                  <a:spcPct val="0"/>
+                </a:spcBef>
+                <a:spcAft>
+                  <a:spcPct val="0"/>
+                </a:spcAft>
+                <a:buFont typeface="Arial" panose="020B0604020202020204" pitchFamily="34" charset="0"/>
+                <a:buChar char="•"/>
+              </a:pPr>
+              <a:r>
+                <a:rPr lang="en-CA" sz="800" dirty="0">
+                  <a:solidFill>
+                    <a:srgbClr val="0070C0"/>
+                  </a:solidFill>
+                  <a:cs typeface="Segoe UI" pitchFamily="34" charset="0"/>
+                </a:rPr>
+                <a:t>Azure Automation</a:t>
+              </a:r>
+            </a:p>
+            <a:p>
+              <a:pPr marL="360363" lvl="1" indent="-92075" defTabSz="932472" fontAlgn="base">
+                <a:lnSpc>
+                  <a:spcPct val="90000"/>
+                </a:lnSpc>
+                <a:spcBef>
+                  <a:spcPct val="0"/>
+                </a:spcBef>
+                <a:spcAft>
+                  <a:spcPct val="0"/>
+                </a:spcAft>
+                <a:buFont typeface="Arial" panose="020B0604020202020204" pitchFamily="34" charset="0"/>
+                <a:buChar char="•"/>
+              </a:pPr>
+              <a:r>
+                <a:rPr lang="en-CA" sz="800" dirty="0">
+                  <a:solidFill>
+                    <a:srgbClr val="0070C0"/>
+                  </a:solidFill>
+                  <a:cs typeface="Segoe UI" pitchFamily="34" charset="0"/>
+                </a:rPr>
+                <a:t>Process Automation – automate management</a:t>
+              </a:r>
+            </a:p>
+            <a:p>
+              <a:pPr marL="360363" lvl="1" indent="-92075" defTabSz="932472" fontAlgn="base">
+                <a:lnSpc>
+                  <a:spcPct val="90000"/>
+                </a:lnSpc>
+                <a:spcBef>
+                  <a:spcPct val="0"/>
+                </a:spcBef>
+                <a:spcAft>
+                  <a:spcPct val="0"/>
+                </a:spcAft>
+                <a:buFont typeface="Arial" panose="020B0604020202020204" pitchFamily="34" charset="0"/>
+                <a:buChar char="•"/>
+              </a:pPr>
+              <a:r>
+                <a:rPr lang="en-CA" sz="800" dirty="0">
+                  <a:solidFill>
+                    <a:srgbClr val="0070C0"/>
+                  </a:solidFill>
+                  <a:cs typeface="Segoe UI" pitchFamily="34" charset="0"/>
+                </a:rPr>
+                <a:t>Configuration Management – DSC, PowerShell</a:t>
+              </a:r>
+            </a:p>
+            <a:p>
+              <a:pPr marL="360363" lvl="1" indent="-92075" defTabSz="932472" fontAlgn="base">
+                <a:lnSpc>
+                  <a:spcPct val="90000"/>
+                </a:lnSpc>
+                <a:spcBef>
+                  <a:spcPct val="0"/>
+                </a:spcBef>
+                <a:spcAft>
+                  <a:spcPct val="0"/>
+                </a:spcAft>
+                <a:buFont typeface="Arial" panose="020B0604020202020204" pitchFamily="34" charset="0"/>
+                <a:buChar char="•"/>
+              </a:pPr>
+              <a:r>
+                <a:rPr lang="en-CA" sz="800" dirty="0">
+                  <a:solidFill>
+                    <a:srgbClr val="0070C0"/>
+                  </a:solidFill>
+                  <a:cs typeface="Segoe UI" pitchFamily="34" charset="0"/>
+                </a:rPr>
+                <a:t>Update Management – Cloud + on-prem environments</a:t>
+              </a:r>
+            </a:p>
+            <a:p>
+              <a:pPr marL="360363" lvl="1" indent="-92075" defTabSz="932472" fontAlgn="base">
+                <a:lnSpc>
+                  <a:spcPct val="90000"/>
+                </a:lnSpc>
+                <a:spcBef>
+                  <a:spcPct val="0"/>
+                </a:spcBef>
+                <a:spcAft>
+                  <a:spcPct val="0"/>
+                </a:spcAft>
+                <a:buFont typeface="Arial" panose="020B0604020202020204" pitchFamily="34" charset="0"/>
+                <a:buChar char="•"/>
+              </a:pPr>
+              <a:r>
+                <a:rPr lang="en-CA" sz="800" dirty="0">
+                  <a:solidFill>
+                    <a:srgbClr val="0070C0"/>
+                  </a:solidFill>
+                  <a:cs typeface="Segoe UI" pitchFamily="34" charset="0"/>
+                </a:rPr>
+                <a:t>Shared capabilities</a:t>
+              </a:r>
+            </a:p>
+            <a:p>
+              <a:pPr marL="268288" lvl="1" indent="-92075" defTabSz="932472" fontAlgn="base">
+                <a:lnSpc>
+                  <a:spcPct val="90000"/>
+                </a:lnSpc>
+                <a:spcBef>
+                  <a:spcPct val="0"/>
+                </a:spcBef>
+                <a:spcAft>
+                  <a:spcPct val="0"/>
+                </a:spcAft>
+                <a:buFont typeface="Arial" panose="020B0604020202020204" pitchFamily="34" charset="0"/>
+                <a:buChar char="•"/>
+              </a:pPr>
+              <a:r>
+                <a:rPr lang="en-CA" sz="800" dirty="0">
+                  <a:solidFill>
+                    <a:srgbClr val="0070C0"/>
+                  </a:solidFill>
+                  <a:cs typeface="Segoe UI" pitchFamily="34" charset="0"/>
+                </a:rPr>
+                <a:t>3</a:t>
+              </a:r>
+              <a:r>
+                <a:rPr lang="en-CA" sz="800" baseline="30000" dirty="0">
+                  <a:solidFill>
+                    <a:srgbClr val="0070C0"/>
+                  </a:solidFill>
+                  <a:cs typeface="Segoe UI" pitchFamily="34" charset="0"/>
+                </a:rPr>
+                <a:t>rd</a:t>
+              </a:r>
+              <a:r>
+                <a:rPr lang="en-CA" sz="800" dirty="0">
+                  <a:solidFill>
+                    <a:srgbClr val="0070C0"/>
+                  </a:solidFill>
+                  <a:cs typeface="Segoe UI" pitchFamily="34" charset="0"/>
+                </a:rPr>
+                <a:t> Party</a:t>
+              </a:r>
+            </a:p>
+            <a:p>
+              <a:pPr marL="360363" lvl="1" indent="-92075" defTabSz="932472" fontAlgn="base">
+                <a:lnSpc>
+                  <a:spcPct val="90000"/>
+                </a:lnSpc>
+                <a:spcBef>
+                  <a:spcPct val="0"/>
+                </a:spcBef>
+                <a:spcAft>
+                  <a:spcPct val="0"/>
+                </a:spcAft>
+                <a:buFont typeface="Arial" panose="020B0604020202020204" pitchFamily="34" charset="0"/>
+                <a:buChar char="•"/>
+              </a:pPr>
+              <a:r>
+                <a:rPr lang="en-CA" sz="800" dirty="0">
+                  <a:solidFill>
+                    <a:srgbClr val="0070C0"/>
+                  </a:solidFill>
+                  <a:cs typeface="Segoe UI" pitchFamily="34" charset="0"/>
+                </a:rPr>
+                <a:t>Chef – virtual and physical config management, Windows + Linux + Mac</a:t>
+              </a:r>
+            </a:p>
+            <a:p>
+              <a:pPr marL="360363" lvl="1" indent="-92075" defTabSz="932472" fontAlgn="base">
+                <a:lnSpc>
+                  <a:spcPct val="90000"/>
+                </a:lnSpc>
+                <a:spcBef>
+                  <a:spcPct val="0"/>
+                </a:spcBef>
+                <a:spcAft>
+                  <a:spcPct val="0"/>
+                </a:spcAft>
+                <a:buFont typeface="Arial" panose="020B0604020202020204" pitchFamily="34" charset="0"/>
+                <a:buChar char="•"/>
+              </a:pPr>
+              <a:r>
+                <a:rPr lang="en-CA" sz="800" dirty="0">
+                  <a:solidFill>
+                    <a:srgbClr val="0070C0"/>
+                  </a:solidFill>
+                  <a:cs typeface="Segoe UI" pitchFamily="34" charset="0"/>
+                </a:rPr>
+                <a:t>Puppet</a:t>
+              </a:r>
+            </a:p>
+            <a:p>
+              <a:pPr marL="268288" lvl="1" indent="-92075" defTabSz="932472" fontAlgn="base">
+                <a:lnSpc>
+                  <a:spcPct val="90000"/>
+                </a:lnSpc>
+                <a:spcBef>
+                  <a:spcPct val="0"/>
+                </a:spcBef>
+                <a:spcAft>
+                  <a:spcPct val="0"/>
+                </a:spcAft>
+                <a:buFont typeface="Arial" panose="020B0604020202020204" pitchFamily="34" charset="0"/>
+                <a:buChar char="•"/>
+              </a:pPr>
+              <a:r>
+                <a:rPr lang="en-CA" sz="800" dirty="0">
+                  <a:solidFill>
+                    <a:srgbClr val="0070C0"/>
+                  </a:solidFill>
+                  <a:cs typeface="Segoe UI" pitchFamily="34" charset="0"/>
+                </a:rPr>
+                <a:t>Azure Event Grid – supports automation tasks</a:t>
+              </a:r>
+            </a:p>
+            <a:p>
+              <a:pPr marL="268288" lvl="1" indent="-92075" defTabSz="932472" fontAlgn="base">
+                <a:lnSpc>
+                  <a:spcPct val="90000"/>
+                </a:lnSpc>
+                <a:spcBef>
+                  <a:spcPct val="0"/>
+                </a:spcBef>
+                <a:spcAft>
+                  <a:spcPct val="0"/>
+                </a:spcAft>
+                <a:buFont typeface="Arial" panose="020B0604020202020204" pitchFamily="34" charset="0"/>
+                <a:buChar char="•"/>
+              </a:pPr>
+              <a:r>
+                <a:rPr lang="en-CA" sz="800" dirty="0">
+                  <a:solidFill>
+                    <a:srgbClr val="0070C0"/>
+                  </a:solidFill>
+                  <a:cs typeface="Segoe UI" pitchFamily="34" charset="0"/>
+                </a:rPr>
+                <a:t>Azure Logic Apps – supports call to automation runbooks</a:t>
+              </a:r>
+            </a:p>
+            <a:p>
+              <a:pPr marL="268288" lvl="1" indent="-92075" defTabSz="932472" fontAlgn="base">
+                <a:lnSpc>
+                  <a:spcPct val="90000"/>
+                </a:lnSpc>
+                <a:spcBef>
+                  <a:spcPct val="0"/>
+                </a:spcBef>
+                <a:spcAft>
+                  <a:spcPct val="0"/>
+                </a:spcAft>
+                <a:buFont typeface="Arial" panose="020B0604020202020204" pitchFamily="34" charset="0"/>
+                <a:buChar char="•"/>
+              </a:pPr>
+              <a:r>
+                <a:rPr lang="en-CA" sz="800" dirty="0">
+                  <a:solidFill>
+                    <a:srgbClr val="0070C0"/>
+                  </a:solidFill>
+                  <a:cs typeface="Segoe UI" pitchFamily="34" charset="0"/>
+                </a:rPr>
+                <a:t>Azure DevOps – CI/CD</a:t>
               </a:r>
             </a:p>
           </p:txBody>
@@ -26343,9 +26697,9 @@
         <p:grpSpPr>
           <a:xfrm>
             <a:off x="3736895" y="6378408"/>
-            <a:ext cx="2891817" cy="2496297"/>
+            <a:ext cx="2891817" cy="1621763"/>
             <a:chOff x="4520351" y="881287"/>
-            <a:chExt cx="2986571" cy="2496297"/>
+            <a:chExt cx="2986571" cy="1621763"/>
           </a:xfrm>
         </p:grpSpPr>
         <p:sp>
@@ -26450,7 +26804,7 @@
           <p:spPr bwMode="auto">
             <a:xfrm>
               <a:off x="4520352" y="1237886"/>
-              <a:ext cx="2986570" cy="2139698"/>
+              <a:ext cx="2986570" cy="1265164"/>
             </a:xfrm>
             <a:prstGeom prst="rect">
               <a:avLst/>
@@ -26509,7 +26863,7 @@
                   <a:ea typeface="Segoe UI" pitchFamily="34" charset="0"/>
                   <a:cs typeface="Segoe UI" pitchFamily="34" charset="0"/>
                 </a:rPr>
-                <a:t>X</a:t>
+                <a:t>Meet performance and SLA requirements</a:t>
               </a:r>
             </a:p>
             <a:p>
@@ -26534,15 +26888,158 @@
                   <a:ea typeface="Segoe UI" pitchFamily="34" charset="0"/>
                   <a:cs typeface="Segoe UI" pitchFamily="34" charset="0"/>
                 </a:rPr>
-                <a:t>X</a:t>
+                <a:t>Vertical scaling – change VM sizes</a:t>
               </a:r>
-              <a:endParaRPr lang="en-CA" sz="900" dirty="0">
-                <a:solidFill>
-                  <a:srgbClr val="0070C0"/>
-                </a:solidFill>
-                <a:ea typeface="Segoe UI" pitchFamily="34" charset="0"/>
-                <a:cs typeface="Segoe UI" pitchFamily="34" charset="0"/>
-              </a:endParaRPr>
+            </a:p>
+            <a:p>
+              <a:pPr marL="269875" lvl="1" indent="-93663" defTabSz="932472" fontAlgn="base">
+                <a:lnSpc>
+                  <a:spcPct val="90000"/>
+                </a:lnSpc>
+                <a:spcBef>
+                  <a:spcPct val="0"/>
+                </a:spcBef>
+                <a:spcAft>
+                  <a:spcPct val="0"/>
+                </a:spcAft>
+                <a:buFont typeface="Arial" panose="020B0604020202020204" pitchFamily="34" charset="0"/>
+                <a:buChar char="•"/>
+              </a:pPr>
+              <a:r>
+                <a:rPr lang="en-CA" sz="800" dirty="0">
+                  <a:solidFill>
+                    <a:srgbClr val="0070C0"/>
+                  </a:solidFill>
+                  <a:ea typeface="Segoe UI" pitchFamily="34" charset="0"/>
+                  <a:cs typeface="Segoe UI" pitchFamily="34" charset="0"/>
+                </a:rPr>
+                <a:t>Horizontal Scaling – add / resource resources</a:t>
+              </a:r>
+            </a:p>
+            <a:p>
+              <a:pPr marL="269875" lvl="1" indent="-93663" defTabSz="932472" fontAlgn="base">
+                <a:lnSpc>
+                  <a:spcPct val="90000"/>
+                </a:lnSpc>
+                <a:spcBef>
+                  <a:spcPct val="0"/>
+                </a:spcBef>
+                <a:spcAft>
+                  <a:spcPct val="0"/>
+                </a:spcAft>
+                <a:buFont typeface="Arial" panose="020B0604020202020204" pitchFamily="34" charset="0"/>
+                <a:buChar char="•"/>
+              </a:pPr>
+              <a:r>
+                <a:rPr lang="en-CA" sz="800" dirty="0">
+                  <a:solidFill>
+                    <a:srgbClr val="0070C0"/>
+                  </a:solidFill>
+                  <a:ea typeface="Segoe UI" pitchFamily="34" charset="0"/>
+                  <a:cs typeface="Segoe UI" pitchFamily="34" charset="0"/>
+                </a:rPr>
+                <a:t>Strategies</a:t>
+              </a:r>
+            </a:p>
+            <a:p>
+              <a:pPr marL="360363" lvl="1" indent="-93663" defTabSz="932472" fontAlgn="base">
+                <a:lnSpc>
+                  <a:spcPct val="90000"/>
+                </a:lnSpc>
+                <a:spcBef>
+                  <a:spcPct val="0"/>
+                </a:spcBef>
+                <a:spcAft>
+                  <a:spcPct val="0"/>
+                </a:spcAft>
+                <a:buFont typeface="Arial" panose="020B0604020202020204" pitchFamily="34" charset="0"/>
+                <a:buChar char="•"/>
+              </a:pPr>
+              <a:r>
+                <a:rPr lang="en-CA" sz="900" dirty="0">
+                  <a:solidFill>
+                    <a:srgbClr val="0070C0"/>
+                  </a:solidFill>
+                  <a:ea typeface="Segoe UI" pitchFamily="34" charset="0"/>
+                  <a:cs typeface="Segoe UI" pitchFamily="34" charset="0"/>
+                </a:rPr>
+                <a:t>Monitoring and alerting</a:t>
+              </a:r>
+            </a:p>
+            <a:p>
+              <a:pPr marL="360363" lvl="1" indent="-93663" defTabSz="932472" fontAlgn="base">
+                <a:lnSpc>
+                  <a:spcPct val="90000"/>
+                </a:lnSpc>
+                <a:spcBef>
+                  <a:spcPct val="0"/>
+                </a:spcBef>
+                <a:spcAft>
+                  <a:spcPct val="0"/>
+                </a:spcAft>
+                <a:buFont typeface="Arial" panose="020B0604020202020204" pitchFamily="34" charset="0"/>
+                <a:buChar char="•"/>
+              </a:pPr>
+              <a:r>
+                <a:rPr lang="en-CA" sz="900" dirty="0">
+                  <a:solidFill>
+                    <a:srgbClr val="0070C0"/>
+                  </a:solidFill>
+                  <a:ea typeface="Segoe UI" pitchFamily="34" charset="0"/>
+                  <a:cs typeface="Segoe UI" pitchFamily="34" charset="0"/>
+                </a:rPr>
+                <a:t>Decision Making Logic – automation runbooks</a:t>
+              </a:r>
+            </a:p>
+            <a:p>
+              <a:pPr marL="360363" lvl="1" indent="-93663" defTabSz="932472" fontAlgn="base">
+                <a:lnSpc>
+                  <a:spcPct val="90000"/>
+                </a:lnSpc>
+                <a:spcBef>
+                  <a:spcPct val="0"/>
+                </a:spcBef>
+                <a:spcAft>
+                  <a:spcPct val="0"/>
+                </a:spcAft>
+                <a:buFont typeface="Arial" panose="020B0604020202020204" pitchFamily="34" charset="0"/>
+                <a:buChar char="•"/>
+              </a:pPr>
+              <a:r>
+                <a:rPr lang="en-CA" sz="900" dirty="0">
+                  <a:solidFill>
+                    <a:srgbClr val="0070C0"/>
+                  </a:solidFill>
+                  <a:ea typeface="Segoe UI" pitchFamily="34" charset="0"/>
+                  <a:cs typeface="Segoe UI" pitchFamily="34" charset="0"/>
+                </a:rPr>
+                <a:t>Az Monitoring Scale – integrated in Az Monitor</a:t>
+              </a:r>
+            </a:p>
+            <a:p>
+              <a:pPr marL="360363" lvl="1" indent="-93663" defTabSz="932472" fontAlgn="base">
+                <a:lnSpc>
+                  <a:spcPct val="90000"/>
+                </a:lnSpc>
+                <a:spcBef>
+                  <a:spcPct val="0"/>
+                </a:spcBef>
+                <a:spcAft>
+                  <a:spcPct val="0"/>
+                </a:spcAft>
+                <a:buFont typeface="Arial" panose="020B0604020202020204" pitchFamily="34" charset="0"/>
+                <a:buChar char="•"/>
+              </a:pPr>
+              <a:r>
+                <a:rPr lang="en-CA" sz="900" dirty="0">
+                  <a:solidFill>
+                    <a:srgbClr val="0070C0"/>
+                  </a:solidFill>
+                  <a:ea typeface="Segoe UI" pitchFamily="34" charset="0"/>
+                  <a:cs typeface="Segoe UI" pitchFamily="34" charset="0"/>
+                </a:rPr>
+                <a:t>App Architectures – Service Fabric scales horizontally</a:t>
+              </a:r>
             </a:p>
           </p:txBody>
         </p:sp>
@@ -36454,55 +36951,6 @@
           </p:sp>
         </p:grpSp>
       </p:grpSp>
-      <p:pic>
-        <p:nvPicPr>
-          <p:cNvPr id="144" name="Picture 143">
-            <a:extLst>
-              <a:ext uri="{FF2B5EF4-FFF2-40B4-BE49-F238E27FC236}">
-                <a16:creationId xmlns:a16="http://schemas.microsoft.com/office/drawing/2014/main" id="{6A95A07F-5171-4F9A-9177-794BE8AF4361}"/>
-              </a:ext>
-            </a:extLst>
-          </p:cNvPr>
-          <p:cNvPicPr>
-            <a:picLocks noChangeAspect="1"/>
-          </p:cNvPicPr>
-          <p:nvPr/>
-        </p:nvPicPr>
-        <p:blipFill>
-          <a:blip r:embed="rId3">
-            <a:clrChange>
-              <a:clrFrom>
-                <a:srgbClr val="FFFFFF"/>
-              </a:clrFrom>
-              <a:clrTo>
-                <a:srgbClr val="FFFFFF">
-                  <a:alpha val="0"/>
-                </a:srgbClr>
-              </a:clrTo>
-            </a:clrChange>
-            <a:extLst>
-              <a:ext uri="{28A0092B-C50C-407E-A947-70E740481C1C}">
-                <a14:useLocalDpi xmlns:a14="http://schemas.microsoft.com/office/drawing/2010/main" val="0"/>
-              </a:ext>
-              <a:ext uri="{837473B0-CC2E-450A-ABE3-18F120FF3D39}">
-                <a1611:picAttrSrcUrl xmlns:a1611="http://schemas.microsoft.com/office/drawing/2016/11/main" r:id="rId4"/>
-              </a:ext>
-            </a:extLst>
-          </a:blip>
-          <a:stretch>
-            <a:fillRect/>
-          </a:stretch>
-        </p:blipFill>
-        <p:spPr>
-          <a:xfrm rot="1684251">
-            <a:off x="11575536" y="2460575"/>
-            <a:ext cx="9982821" cy="3150828"/>
-          </a:xfrm>
-          <a:prstGeom prst="rect">
-            <a:avLst/>
-          </a:prstGeom>
-        </p:spPr>
-      </p:pic>
     </p:spTree>
     <p:extLst>
       <p:ext uri="{BB962C8B-B14F-4D97-AF65-F5344CB8AC3E}">
@@ -38114,34 +38562,6 @@
 </file>
 
 <file path=customXml/item1.xml><?xml version="1.0" encoding="utf-8"?>
-<?mso-contentType ?>
-<FormTemplates xmlns="http://schemas.microsoft.com/sharepoint/v3/contenttype/forms">
-  <Display>DocumentLibraryForm</Display>
-  <Edit>DocumentLibraryForm</Edit>
-  <New>DocumentLibraryForm</New>
-</FormTemplates>
-</file>
-
-<file path=customXml/item2.xml><?xml version="1.0" encoding="utf-8"?>
-<?mso-contentType ?>
-<FormTemplates xmlns="http://schemas.microsoft.com/sharepoint/v3/contenttype/forms">
-  <Display>DocumentLibraryForm</Display>
-  <Edit>DocumentLibraryForm</Edit>
-  <New>DocumentLibraryForm</New>
-</FormTemplates>
-</file>
-
-<file path=customXml/item3.xml><?xml version="1.0" encoding="utf-8"?>
-<p:properties xmlns:p="http://schemas.microsoft.com/office/2006/metadata/properties" xmlns:xsi="http://www.w3.org/2001/XMLSchema-instance" xmlns:pc="http://schemas.microsoft.com/office/infopath/2007/PartnerControls">
-  <documentManagement>
-    <_ip_UnifiedCompliancePolicyUIAction xmlns="http://schemas.microsoft.com/sharepoint/v3" xsi:nil="true"/>
-    <IconOverlay xmlns="http://schemas.microsoft.com/sharepoint/v4" xsi:nil="true"/>
-    <_ip_UnifiedCompliancePolicyProperties xmlns="http://schemas.microsoft.com/sharepoint/v3" xsi:nil="true"/>
-  </documentManagement>
-</p:properties>
-</file>
-
-<file path=customXml/item4.xml><?xml version="1.0" encoding="utf-8"?>
 <ct:contentTypeSchema xmlns:ct="http://schemas.microsoft.com/office/2006/metadata/contentType" xmlns:ma="http://schemas.microsoft.com/office/2006/metadata/properties/metaAttributes" ct:_="" ma:_="" ma:contentTypeName="Document" ma:contentTypeID="0x010100F5F187B9059DF945B25AB5B2F3BA0895" ma:contentTypeVersion="14" ma:contentTypeDescription="Create a new document." ma:contentTypeScope="" ma:versionID="be2c86c74b3bb227d6f27514678f23d5">
   <xsd:schema xmlns:xsd="http://www.w3.org/2001/XMLSchema" xmlns:xs="http://www.w3.org/2001/XMLSchema" xmlns:p="http://schemas.microsoft.com/office/2006/metadata/properties" xmlns:ns1="http://schemas.microsoft.com/sharepoint/v3" xmlns:ns2="af610f50-4aee-43ff-9d65-64420adb70d2" xmlns:ns3="http://schemas.microsoft.com/sharepoint/v4" xmlns:ns4="15c98cf3-0896-4040-874f-f436925621df" targetNamespace="http://schemas.microsoft.com/office/2006/metadata/properties" ma:root="true" ma:fieldsID="94136e9e548b6d3962354304dc946cac" ns1:_="" ns2:_="" ns3:_="" ns4:_="">
     <xsd:import namespace="http://schemas.microsoft.com/sharepoint/v3"/>
@@ -38380,34 +38800,35 @@
 </ct:contentTypeSchema>
 </file>
 
-<file path=customXml/itemProps1.xml><?xml version="1.0" encoding="utf-8"?>
-<ds:datastoreItem xmlns:ds="http://schemas.openxmlformats.org/officeDocument/2006/customXml" ds:itemID="{E37CEF67-DE3E-432B-9E16-FF411AFDFA38}">
-  <ds:schemaRefs>
-    <ds:schemaRef ds:uri="http://schemas.microsoft.com/sharepoint/v3/contenttype/forms"/>
-  </ds:schemaRefs>
-</ds:datastoreItem>
+<file path=customXml/item2.xml><?xml version="1.0" encoding="utf-8"?>
+<p:properties xmlns:p="http://schemas.microsoft.com/office/2006/metadata/properties" xmlns:xsi="http://www.w3.org/2001/XMLSchema-instance" xmlns:pc="http://schemas.microsoft.com/office/infopath/2007/PartnerControls">
+  <documentManagement>
+    <_ip_UnifiedCompliancePolicyUIAction xmlns="http://schemas.microsoft.com/sharepoint/v3" xsi:nil="true"/>
+    <IconOverlay xmlns="http://schemas.microsoft.com/sharepoint/v4" xsi:nil="true"/>
+    <_ip_UnifiedCompliancePolicyProperties xmlns="http://schemas.microsoft.com/sharepoint/v3" xsi:nil="true"/>
+  </documentManagement>
+</p:properties>
 </file>
 
-<file path=customXml/itemProps2.xml><?xml version="1.0" encoding="utf-8"?>
-<ds:datastoreItem xmlns:ds="http://schemas.openxmlformats.org/officeDocument/2006/customXml" ds:itemID="{89C46102-D426-4E73-8F6F-5286B23D2EEB}">
-  <ds:schemaRefs>
-    <ds:schemaRef ds:uri="http://schemas.microsoft.com/sharepoint/v3/contenttype/forms"/>
-  </ds:schemaRefs>
-</ds:datastoreItem>
+<file path=customXml/item3.xml><?xml version="1.0" encoding="utf-8"?>
+<?mso-contentType ?>
+<FormTemplates xmlns="http://schemas.microsoft.com/sharepoint/v3/contenttype/forms">
+  <Display>DocumentLibraryForm</Display>
+  <Edit>DocumentLibraryForm</Edit>
+  <New>DocumentLibraryForm</New>
+</FormTemplates>
 </file>
 
-<file path=customXml/itemProps3.xml><?xml version="1.0" encoding="utf-8"?>
-<ds:datastoreItem xmlns:ds="http://schemas.openxmlformats.org/officeDocument/2006/customXml" ds:itemID="{C66C01A9-0361-4788-ABEE-257A7848F8D9}">
-  <ds:schemaRefs>
-    <ds:schemaRef ds:uri="http://schemas.microsoft.com/office/2006/metadata/properties"/>
-    <ds:schemaRef ds:uri="http://schemas.microsoft.com/office/infopath/2007/PartnerControls"/>
-    <ds:schemaRef ds:uri="http://schemas.microsoft.com/sharepoint/v3"/>
-    <ds:schemaRef ds:uri="http://schemas.microsoft.com/sharepoint/v4"/>
-  </ds:schemaRefs>
-</ds:datastoreItem>
+<file path=customXml/item4.xml><?xml version="1.0" encoding="utf-8"?>
+<?mso-contentType ?>
+<FormTemplates xmlns="http://schemas.microsoft.com/sharepoint/v3/contenttype/forms">
+  <Display>DocumentLibraryForm</Display>
+  <Edit>DocumentLibraryForm</Edit>
+  <New>DocumentLibraryForm</New>
+</FormTemplates>
 </file>
 
-<file path=customXml/itemProps4.xml><?xml version="1.0" encoding="utf-8"?>
+<file path=customXml/itemProps1.xml><?xml version="1.0" encoding="utf-8"?>
 <ds:datastoreItem xmlns:ds="http://schemas.openxmlformats.org/officeDocument/2006/customXml" ds:itemID="{30BD28E6-9582-48F2-A1BB-45FE2A6D90A2}">
   <ds:schemaRefs>
     <ds:schemaRef ds:uri="http://schemas.microsoft.com/office/2006/metadata/contentType"/>
@@ -38426,4 +38847,39 @@
     <ds:schemaRef ds:uri="http://schemas.microsoft.com/internal/obd"/>
   </ds:schemaRefs>
 </ds:datastoreItem>
+</file>
+
+<file path=customXml/itemProps2.xml><?xml version="1.0" encoding="utf-8"?>
+<ds:datastoreItem xmlns:ds="http://schemas.openxmlformats.org/officeDocument/2006/customXml" ds:itemID="{C66C01A9-0361-4788-ABEE-257A7848F8D9}">
+  <ds:schemaRefs>
+    <ds:schemaRef ds:uri="15c98cf3-0896-4040-874f-f436925621df"/>
+    <ds:schemaRef ds:uri="http://schemas.microsoft.com/office/2006/metadata/properties"/>
+    <ds:schemaRef ds:uri="http://schemas.microsoft.com/office/2006/documentManagement/types"/>
+    <ds:schemaRef ds:uri="http://purl.org/dc/terms/"/>
+    <ds:schemaRef ds:uri="http://schemas.microsoft.com/sharepoint/v4"/>
+    <ds:schemaRef ds:uri="http://purl.org/dc/elements/1.1/"/>
+    <ds:schemaRef ds:uri="http://purl.org/dc/dcmitype/"/>
+    <ds:schemaRef ds:uri="http://schemas.microsoft.com/office/infopath/2007/PartnerControls"/>
+    <ds:schemaRef ds:uri="http://schemas.openxmlformats.org/package/2006/metadata/core-properties"/>
+    <ds:schemaRef ds:uri="af610f50-4aee-43ff-9d65-64420adb70d2"/>
+    <ds:schemaRef ds:uri="http://schemas.microsoft.com/sharepoint/v3"/>
+    <ds:schemaRef ds:uri="http://www.w3.org/XML/1998/namespace"/>
+  </ds:schemaRefs>
+</ds:datastoreItem>
+</file>
+
+<file path=customXml/itemProps3.xml><?xml version="1.0" encoding="utf-8"?>
+<ds:datastoreItem xmlns:ds="http://schemas.openxmlformats.org/officeDocument/2006/customXml" ds:itemID="{89C46102-D426-4E73-8F6F-5286B23D2EEB}">
+  <ds:schemaRefs>
+    <ds:schemaRef ds:uri="http://schemas.microsoft.com/sharepoint/v3/contenttype/forms"/>
+  </ds:schemaRefs>
+</ds:datastoreItem>
+</file>
+
+<file path=customXml/itemProps4.xml><?xml version="1.0" encoding="utf-8"?>
+<ds:datastoreItem xmlns:ds="http://schemas.openxmlformats.org/officeDocument/2006/customXml" ds:itemID="{E37CEF67-DE3E-432B-9E16-FF411AFDFA38}">
+  <ds:schemaRefs>
+    <ds:schemaRef ds:uri="http://schemas.microsoft.com/sharepoint/v3/contenttype/forms"/>
+  </ds:schemaRefs>
+</ds:datastoreItem>
 </file>
--- a/src/azure/architecting-microsoft-azure-solutions.pptx
+++ b/src/azure/architecting-microsoft-azure-solutions.pptx
@@ -127,7 +127,7 @@
 <file path=ppt/revisionInfo.xml><?xml version="1.0" encoding="utf-8"?>
 <p1510:revInfo xmlns:a="http://schemas.openxmlformats.org/drawingml/2006/main" xmlns:r="http://schemas.openxmlformats.org/officeDocument/2006/relationships" xmlns:p1510="http://schemas.microsoft.com/office/powerpoint/2015/10/main">
   <p1510:revLst>
-    <p1510:client id="{91EC4AA3-DD00-44DC-A9B8-0A8AD6262E8D}" v="11092" dt="2018-10-06T01:29:10.104"/>
+    <p1510:client id="{91EC4AA3-DD00-44DC-A9B8-0A8AD6262E8D}" v="11096" dt="2018-10-16T02:13:19.203"/>
   </p1510:revLst>
 </p1510:revInfo>
 </file>
@@ -214,7 +214,7 @@
           <a:p>
             <a:fld id="{2F4766DD-CA99-4D5F-A9B2-EF5EF0A37C93}" type="datetimeFigureOut">
               <a:rPr lang="en-CA" smtClean="0"/>
-              <a:t>2018-10-06</a:t>
+              <a:t>2018-10-15</a:t>
             </a:fld>
             <a:endParaRPr lang="en-CA"/>
           </a:p>
@@ -566,7 +566,7 @@
           <a:p>
             <a:fld id="{D18B56EA-E28F-4F92-9F16-7A6F2501B303}" type="datetime8">
               <a:rPr lang="en-US" smtClean="0"/>
-              <a:t>10/6/2018 8:12 AM</a:t>
+              <a:t>10/15/2018 7:13 PM</a:t>
             </a:fld>
             <a:endParaRPr lang="en-US" dirty="0"/>
           </a:p>
@@ -5509,7 +5509,7 @@
           <a:p>
             <a:fld id="{ED6EB527-6926-47A2-AB35-8907638AD74C}" type="datetimeFigureOut">
               <a:rPr lang="en-CA" smtClean="0"/>
-              <a:t>2018-10-06</a:t>
+              <a:t>2018-10-15</a:t>
             </a:fld>
             <a:endParaRPr lang="en-CA"/>
           </a:p>
@@ -18126,7 +18126,7 @@
                 </a:r>
               </a:p>
               <a:p>
-                <a:pPr marL="360363" lvl="1" indent="-184150" defTabSz="932472" fontAlgn="base">
+                <a:pPr marL="360363" lvl="1" indent="-184150" defTabSz="1163638" fontAlgn="base">
                   <a:lnSpc>
                     <a:spcPct val="90000"/>
                   </a:lnSpc>
@@ -18147,7 +18147,7 @@
                     <a:ea typeface="Segoe UI" pitchFamily="34" charset="0"/>
                     <a:cs typeface="Segoe UI" pitchFamily="34" charset="0"/>
                   </a:rPr>
-                  <a:t>A 	General purpose</a:t>
+                  <a:t>A0-7, Av2, B 	General purpose</a:t>
                 </a:r>
               </a:p>
               <a:p>
@@ -18163,6 +18163,9 @@
                   </a:spcAft>
                   <a:buFont typeface="Arial" panose="020B0604020202020204" pitchFamily="34" charset="0"/>
                   <a:buChar char="•"/>
+                  <a:tabLst>
+                    <a:tab pos="1163638" algn="l"/>
+                  </a:tabLst>
                 </a:pPr>
                 <a:r>
                   <a:rPr lang="en-CA" sz="800" dirty="0">
@@ -18188,6 +18191,9 @@
                   </a:spcAft>
                   <a:buFont typeface="Arial" panose="020B0604020202020204" pitchFamily="34" charset="0"/>
                   <a:buChar char="•"/>
+                  <a:tabLst>
+                    <a:tab pos="1163638" algn="l"/>
+                  </a:tabLst>
                 </a:pPr>
                 <a:r>
                   <a:rPr lang="en-CA" sz="800" dirty="0">
@@ -18213,6 +18219,9 @@
                   </a:spcAft>
                   <a:buFont typeface="Arial" panose="020B0604020202020204" pitchFamily="34" charset="0"/>
                   <a:buChar char="•"/>
+                  <a:tabLst>
+                    <a:tab pos="1163638" algn="l"/>
+                  </a:tabLst>
                 </a:pPr>
                 <a:r>
                   <a:rPr lang="en-CA" sz="800" dirty="0">
@@ -18238,6 +18247,9 @@
                   </a:spcAft>
                   <a:buFont typeface="Arial" panose="020B0604020202020204" pitchFamily="34" charset="0"/>
                   <a:buChar char="•"/>
+                  <a:tabLst>
+                    <a:tab pos="1163638" algn="l"/>
+                  </a:tabLst>
                 </a:pPr>
                 <a:r>
                   <a:rPr lang="en-CA" sz="800" dirty="0">
@@ -18263,6 +18275,9 @@
                   </a:spcAft>
                   <a:buFont typeface="Arial" panose="020B0604020202020204" pitchFamily="34" charset="0"/>
                   <a:buChar char="•"/>
+                  <a:tabLst>
+                    <a:tab pos="1163638" algn="l"/>
+                  </a:tabLst>
                 </a:pPr>
                 <a:r>
                   <a:rPr lang="en-CA" sz="800" dirty="0">
@@ -18340,9 +18355,9 @@
           <p:grpSpPr>
             <a:xfrm>
               <a:off x="3780206" y="881287"/>
-              <a:ext cx="2986571" cy="2496297"/>
+              <a:ext cx="2986571" cy="2494372"/>
               <a:chOff x="4520351" y="881287"/>
-              <a:chExt cx="2986571" cy="2496297"/>
+              <a:chExt cx="2986571" cy="2494372"/>
             </a:xfrm>
           </p:grpSpPr>
           <p:sp>
@@ -18447,7 +18462,7 @@
             <p:spPr bwMode="auto">
               <a:xfrm>
                 <a:off x="4520352" y="1237886"/>
-                <a:ext cx="2986570" cy="2139698"/>
+                <a:ext cx="2986570" cy="2137773"/>
               </a:xfrm>
               <a:prstGeom prst="rect">
                 <a:avLst/>
@@ -18531,7 +18546,7 @@
                     <a:ea typeface="Segoe UI" pitchFamily="34" charset="0"/>
                     <a:cs typeface="Segoe UI" pitchFamily="34" charset="0"/>
                   </a:rPr>
-                  <a:t>A 	General purpose</a:t>
+                  <a:t>A8-11	General purpose</a:t>
                 </a:r>
               </a:p>
               <a:p>
@@ -18665,7 +18680,7 @@
                 </a:r>
               </a:p>
               <a:p>
-                <a:pPr defTabSz="932472" fontAlgn="base">
+                <a:pPr marL="0" lvl="1" defTabSz="932472" fontAlgn="base">
                   <a:lnSpc>
                     <a:spcPct val="90000"/>
                   </a:lnSpc>
@@ -18677,14 +18692,14 @@
                   </a:spcAft>
                 </a:pPr>
                 <a:r>
-                  <a:rPr lang="en-CA" sz="900" b="1" dirty="0">
+                  <a:rPr lang="en-CA" sz="800" b="1" dirty="0">
                     <a:solidFill>
                       <a:srgbClr val="0070C0"/>
                     </a:solidFill>
                     <a:ea typeface="Segoe UI" pitchFamily="34" charset="0"/>
                     <a:cs typeface="Segoe UI" pitchFamily="34" charset="0"/>
                   </a:rPr>
-                  <a:t>Cloud-native HPC solution</a:t>
+                  <a:t>Azure Batch</a:t>
                 </a:r>
               </a:p>
               <a:p>
@@ -18709,7 +18724,30 @@
                     <a:ea typeface="Segoe UI" pitchFamily="34" charset="0"/>
                     <a:cs typeface="Segoe UI" pitchFamily="34" charset="0"/>
                   </a:rPr>
-                  <a:t>HPC head node and compute nodes</a:t>
+                  <a:t>Most cost-effective option for scientific calculations</a:t>
+                </a:r>
+              </a:p>
+              <a:p>
+                <a:pPr defTabSz="932472" fontAlgn="base">
+                  <a:lnSpc>
+                    <a:spcPct val="90000"/>
+                  </a:lnSpc>
+                  <a:spcBef>
+                    <a:spcPct val="0"/>
+                  </a:spcBef>
+                  <a:spcAft>
+                    <a:spcPct val="0"/>
+                  </a:spcAft>
+                </a:pPr>
+                <a:r>
+                  <a:rPr lang="en-CA" sz="900" b="1" dirty="0">
+                    <a:solidFill>
+                      <a:srgbClr val="0070C0"/>
+                    </a:solidFill>
+                    <a:ea typeface="Segoe UI" pitchFamily="34" charset="0"/>
+                    <a:cs typeface="Segoe UI" pitchFamily="34" charset="0"/>
+                  </a:rPr>
+                  <a:t>Cloud-native HPC solution</a:t>
                 </a:r>
               </a:p>
               <a:p>
@@ -18734,7 +18772,7 @@
                     <a:ea typeface="Segoe UI" pitchFamily="34" charset="0"/>
                     <a:cs typeface="Segoe UI" pitchFamily="34" charset="0"/>
                   </a:rPr>
-                  <a:t>Virtual Machine Scale Sets (VMSS)</a:t>
+                  <a:t>HPC head node and compute nodes</a:t>
                 </a:r>
               </a:p>
               <a:p>
@@ -18759,7 +18797,7 @@
                     <a:ea typeface="Segoe UI" pitchFamily="34" charset="0"/>
                     <a:cs typeface="Segoe UI" pitchFamily="34" charset="0"/>
                   </a:rPr>
-                  <a:t>VMs using RDMA are placed in same VMSS</a:t>
+                  <a:t>Virtual Machine Scale Sets (VMSS)</a:t>
                 </a:r>
               </a:p>
               <a:p>
@@ -18784,7 +18822,7 @@
                     <a:ea typeface="Segoe UI" pitchFamily="34" charset="0"/>
                     <a:cs typeface="Segoe UI" pitchFamily="34" charset="0"/>
                   </a:rPr>
-                  <a:t>Virtual Network</a:t>
+                  <a:t>VMs using RDMA are placed in same VMSS</a:t>
                 </a:r>
               </a:p>
               <a:p>
@@ -18809,6 +18847,31 @@
                     <a:ea typeface="Segoe UI" pitchFamily="34" charset="0"/>
                     <a:cs typeface="Segoe UI" pitchFamily="34" charset="0"/>
                   </a:rPr>
+                  <a:t>Virtual Network</a:t>
+                </a:r>
+              </a:p>
+              <a:p>
+                <a:pPr marL="269875" lvl="1" indent="-93663" defTabSz="932472" fontAlgn="base">
+                  <a:lnSpc>
+                    <a:spcPct val="90000"/>
+                  </a:lnSpc>
+                  <a:spcBef>
+                    <a:spcPct val="0"/>
+                  </a:spcBef>
+                  <a:spcAft>
+                    <a:spcPct val="0"/>
+                  </a:spcAft>
+                  <a:buFont typeface="Arial" panose="020B0604020202020204" pitchFamily="34" charset="0"/>
+                  <a:buChar char="•"/>
+                </a:pPr>
+                <a:r>
+                  <a:rPr lang="en-CA" sz="800" dirty="0">
+                    <a:solidFill>
+                      <a:srgbClr val="0070C0"/>
+                    </a:solidFill>
+                    <a:ea typeface="Segoe UI" pitchFamily="34" charset="0"/>
+                    <a:cs typeface="Segoe UI" pitchFamily="34" charset="0"/>
+                  </a:rPr>
                   <a:t>Azure Blob Storage for node disks</a:t>
                 </a:r>
               </a:p>
@@ -18884,26 +18947,6 @@
                   </a:rPr>
                   <a:t>VPN Gateway endpoint between cloud and on-prem</a:t>
                 </a:r>
-              </a:p>
-              <a:p>
-                <a:pPr indent="-699808" defTabSz="932472" fontAlgn="base">
-                  <a:lnSpc>
-                    <a:spcPct val="90000"/>
-                  </a:lnSpc>
-                  <a:spcBef>
-                    <a:spcPct val="0"/>
-                  </a:spcBef>
-                  <a:spcAft>
-                    <a:spcPct val="0"/>
-                  </a:spcAft>
-                </a:pPr>
-                <a:endParaRPr lang="en-CA" sz="900" dirty="0">
-                  <a:solidFill>
-                    <a:srgbClr val="0070C0"/>
-                  </a:solidFill>
-                  <a:ea typeface="Segoe UI" pitchFamily="34" charset="0"/>
-                  <a:cs typeface="Segoe UI" pitchFamily="34" charset="0"/>
-                </a:endParaRPr>
               </a:p>
             </p:txBody>
           </p:sp>
@@ -37135,7 +37178,11 @@
             <a:noFill/>
           </a:ln>
           <a:effectLst>
-            <a:softEdge rad="112500"/>
+            <a:outerShdw blurRad="292100" dist="139700" dir="2700000" algn="tl" rotWithShape="0">
+              <a:srgbClr val="333333">
+                <a:alpha val="65000"/>
+              </a:srgbClr>
+            </a:outerShdw>
           </a:effectLst>
           <a:extLst>
             <a:ext uri="{909E8E84-426E-40DD-AFC4-6F175D3DCCD1}">
@@ -37647,7 +37694,11 @@
             <a:noFill/>
           </a:ln>
           <a:effectLst>
-            <a:softEdge rad="112500"/>
+            <a:outerShdw blurRad="292100" dist="139700" dir="2700000" algn="tl" rotWithShape="0">
+              <a:srgbClr val="333333">
+                <a:alpha val="65000"/>
+              </a:srgbClr>
+            </a:outerShdw>
           </a:effectLst>
           <a:extLst>
             <a:ext uri="{909E8E84-426E-40DD-AFC4-6F175D3DCCD1}">
@@ -37948,6 +37999,290 @@
           </a:p>
         </p:txBody>
       </p:sp>
+      <p:pic>
+        <p:nvPicPr>
+          <p:cNvPr id="3" name="Picture 2">
+            <a:extLst>
+              <a:ext uri="{FF2B5EF4-FFF2-40B4-BE49-F238E27FC236}">
+                <a16:creationId xmlns:a16="http://schemas.microsoft.com/office/drawing/2014/main" id="{1C58959A-7506-4961-96E3-C7B0AC0973B7}"/>
+              </a:ext>
+            </a:extLst>
+          </p:cNvPr>
+          <p:cNvPicPr>
+            <a:picLocks noChangeAspect="1"/>
+          </p:cNvPicPr>
+          <p:nvPr/>
+        </p:nvPicPr>
+        <p:blipFill>
+          <a:blip r:embed="rId9"/>
+          <a:stretch>
+            <a:fillRect/>
+          </a:stretch>
+        </p:blipFill>
+        <p:spPr>
+          <a:xfrm>
+            <a:off x="6186125" y="7630051"/>
+            <a:ext cx="1066726" cy="235381"/>
+          </a:xfrm>
+          <a:prstGeom prst="rect">
+            <a:avLst/>
+          </a:prstGeom>
+        </p:spPr>
+      </p:pic>
+      <p:pic>
+        <p:nvPicPr>
+          <p:cNvPr id="2" name="Picture 1">
+            <a:extLst>
+              <a:ext uri="{FF2B5EF4-FFF2-40B4-BE49-F238E27FC236}">
+                <a16:creationId xmlns:a16="http://schemas.microsoft.com/office/drawing/2014/main" id="{2FB763FA-89A1-40F8-BB15-83014478B63C}"/>
+              </a:ext>
+            </a:extLst>
+          </p:cNvPr>
+          <p:cNvPicPr>
+            <a:picLocks noChangeAspect="1"/>
+          </p:cNvPicPr>
+          <p:nvPr/>
+        </p:nvPicPr>
+        <p:blipFill>
+          <a:blip r:embed="rId10"/>
+          <a:stretch>
+            <a:fillRect/>
+          </a:stretch>
+        </p:blipFill>
+        <p:spPr>
+          <a:xfrm>
+            <a:off x="5570011" y="7612826"/>
+            <a:ext cx="1049140" cy="231060"/>
+          </a:xfrm>
+          <a:prstGeom prst="rect">
+            <a:avLst/>
+          </a:prstGeom>
+        </p:spPr>
+      </p:pic>
+      <p:pic>
+        <p:nvPicPr>
+          <p:cNvPr id="23" name="Picture 2" descr="Relational data &#10;Object-relational data &#10;Unstructured data &#10;Semi-structured data &#10;Queue messages &#10;Files On disk &#10;High-performance files on disk &#10;Store large data &#10;Store small data &#10;Geographic data replication &#10;x &#10;x &#10;x &#10;x &#10;x &#10;x &#10;x &#10;0 &#10;x &#10;x &#10;x &#10;x &#10;x &#10;x &#10;x &#10;x &#10;x &#10;x &#10;x &#10;x &#10;x &#10;x &#10;x &#10;x &#10;x ">
+            <a:extLst>
+              <a:ext uri="{FF2B5EF4-FFF2-40B4-BE49-F238E27FC236}">
+                <a16:creationId xmlns:a16="http://schemas.microsoft.com/office/drawing/2014/main" id="{BA6BFAAD-7AA9-4E8F-9FCA-37F2B5545E1E}"/>
+              </a:ext>
+            </a:extLst>
+          </p:cNvPr>
+          <p:cNvPicPr>
+            <a:picLocks noChangeAspect="1" noChangeArrowheads="1"/>
+          </p:cNvPicPr>
+          <p:nvPr/>
+        </p:nvPicPr>
+        <p:blipFill>
+          <a:blip r:embed="rId3">
+            <a:extLst>
+              <a:ext uri="{28A0092B-C50C-407E-A947-70E740481C1C}">
+                <a14:useLocalDpi xmlns:a14="http://schemas.microsoft.com/office/drawing/2010/main" val="0"/>
+              </a:ext>
+            </a:extLst>
+          </a:blip>
+          <a:srcRect/>
+          <a:stretch>
+            <a:fillRect/>
+          </a:stretch>
+        </p:blipFill>
+        <p:spPr bwMode="auto">
+          <a:xfrm>
+            <a:off x="359736" y="217615"/>
+            <a:ext cx="8015579" cy="4296002"/>
+          </a:xfrm>
+          <a:prstGeom prst="rect">
+            <a:avLst/>
+          </a:prstGeom>
+          <a:ln>
+            <a:noFill/>
+          </a:ln>
+          <a:effectLst>
+            <a:outerShdw blurRad="292100" dist="139700" dir="2700000" algn="tl" rotWithShape="0">
+              <a:srgbClr val="333333">
+                <a:alpha val="65000"/>
+              </a:srgbClr>
+            </a:outerShdw>
+          </a:effectLst>
+          <a:extLst>
+            <a:ext uri="{909E8E84-426E-40DD-AFC4-6F175D3DCCD1}">
+              <a14:hiddenFill xmlns:a14="http://schemas.microsoft.com/office/drawing/2010/main">
+                <a:solidFill>
+                  <a:srgbClr val="FFFFFF"/>
+                </a:solidFill>
+              </a14:hiddenFill>
+            </a:ext>
+          </a:extLst>
+        </p:spPr>
+      </p:pic>
+      <p:pic>
+        <p:nvPicPr>
+          <p:cNvPr id="24" name="Picture 8" descr="For production deployments of complex &#10;systems (with a container orchestrator) &#10;For running simple configurations &#10;(possibly without orchestrator) &#10;For long-running workloads on containers &#10;For short-running workloads on &#10;containers &#10;For orchestrating a system based on &#10;containers &#10;Orchestrating with open-source &#10;orchestrators (DC/OS Docker Swarm &#10;Kubernetes) &#10;Orchestrating with built-in orchestrator &#10;Azure Container &#10;Services &#10;x &#10;x &#10;x &#10;x &#10;Azure Container &#10;Instances &#10;x &#10;x &#10;Azure Service &#10;Fabric &#10;x &#10;x ">
+            <a:extLst>
+              <a:ext uri="{FF2B5EF4-FFF2-40B4-BE49-F238E27FC236}">
+                <a16:creationId xmlns:a16="http://schemas.microsoft.com/office/drawing/2014/main" id="{FA1D75EE-0D61-4AA9-AA5C-C13EC49CB6C3}"/>
+              </a:ext>
+            </a:extLst>
+          </p:cNvPr>
+          <p:cNvPicPr>
+            <a:picLocks noChangeAspect="1" noChangeArrowheads="1"/>
+          </p:cNvPicPr>
+          <p:nvPr/>
+        </p:nvPicPr>
+        <p:blipFill>
+          <a:blip r:embed="rId5">
+            <a:extLst>
+              <a:ext uri="{28A0092B-C50C-407E-A947-70E740481C1C}">
+                <a14:useLocalDpi xmlns:a14="http://schemas.microsoft.com/office/drawing/2010/main" val="0"/>
+              </a:ext>
+            </a:extLst>
+          </a:blip>
+          <a:srcRect/>
+          <a:stretch>
+            <a:fillRect/>
+          </a:stretch>
+        </p:blipFill>
+        <p:spPr bwMode="auto">
+          <a:xfrm>
+            <a:off x="359736" y="10902395"/>
+            <a:ext cx="8015579" cy="3894093"/>
+          </a:xfrm>
+          <a:prstGeom prst="rect">
+            <a:avLst/>
+          </a:prstGeom>
+          <a:ln>
+            <a:noFill/>
+          </a:ln>
+          <a:effectLst>
+            <a:outerShdw blurRad="292100" dist="139700" dir="2700000" algn="tl" rotWithShape="0">
+              <a:srgbClr val="333333">
+                <a:alpha val="65000"/>
+              </a:srgbClr>
+            </a:outerShdw>
+          </a:effectLst>
+          <a:extLst>
+            <a:ext uri="{909E8E84-426E-40DD-AFC4-6F175D3DCCD1}">
+              <a14:hiddenFill xmlns:a14="http://schemas.microsoft.com/office/drawing/2010/main">
+                <a:solidFill>
+                  <a:srgbClr val="FFFFFF"/>
+                </a:solidFill>
+              </a14:hiddenFill>
+            </a:ext>
+          </a:extLst>
+        </p:spPr>
+      </p:pic>
+      <p:pic>
+        <p:nvPicPr>
+          <p:cNvPr id="25" name="Picture 10" descr="Diagram of load-balancing architecture">
+            <a:extLst>
+              <a:ext uri="{FF2B5EF4-FFF2-40B4-BE49-F238E27FC236}">
+                <a16:creationId xmlns:a16="http://schemas.microsoft.com/office/drawing/2014/main" id="{3586B1CF-48D0-4D96-B445-FA14FAA0ED1C}"/>
+              </a:ext>
+            </a:extLst>
+          </p:cNvPr>
+          <p:cNvPicPr>
+            <a:picLocks noChangeAspect="1" noChangeArrowheads="1"/>
+          </p:cNvPicPr>
+          <p:nvPr/>
+        </p:nvPicPr>
+        <p:blipFill>
+          <a:blip r:embed="rId6" cstate="print">
+            <a:extLst>
+              <a:ext uri="{28A0092B-C50C-407E-A947-70E740481C1C}">
+                <a14:useLocalDpi xmlns:a14="http://schemas.microsoft.com/office/drawing/2010/main" val="0"/>
+              </a:ext>
+            </a:extLst>
+          </a:blip>
+          <a:srcRect/>
+          <a:stretch>
+            <a:fillRect/>
+          </a:stretch>
+        </p:blipFill>
+        <p:spPr bwMode="auto">
+          <a:xfrm>
+            <a:off x="10920027" y="8509116"/>
+            <a:ext cx="10242662" cy="6287372"/>
+          </a:xfrm>
+          <a:prstGeom prst="rect">
+            <a:avLst/>
+          </a:prstGeom>
+          <a:ln>
+            <a:noFill/>
+          </a:ln>
+          <a:effectLst>
+            <a:outerShdw blurRad="292100" dist="139700" dir="2700000" algn="tl" rotWithShape="0">
+              <a:srgbClr val="333333">
+                <a:alpha val="65000"/>
+              </a:srgbClr>
+            </a:outerShdw>
+          </a:effectLst>
+          <a:extLst>
+            <a:ext uri="{909E8E84-426E-40DD-AFC4-6F175D3DCCD1}">
+              <a14:hiddenFill xmlns:a14="http://schemas.microsoft.com/office/drawing/2010/main">
+                <a:solidFill>
+                  <a:srgbClr val="FFFFFF"/>
+                </a:solidFill>
+              </a14:hiddenFill>
+            </a:ext>
+          </a:extLst>
+        </p:spPr>
+      </p:pic>
+      <p:pic>
+        <p:nvPicPr>
+          <p:cNvPr id="28" name="Picture 12" descr="Tec h &#10;Application &#10;Endpoints &#10;V net support &#10;Endpoint &#10;Monitoring &#10;Azu re &#10;T level (Layer Q) &#10;VMS and Cloud &#10;role instances &#10;Can used for both Internet &#10;facing and internal (Vnet) &#10;Supported via probes &#10;Applicaticm level (Layer J) &#10;HTTP and HTTPS &#10;Any Azure IP address or &#10;public internet IP address &#10;Can be used for both Internet &#10;facing and internal (Vnet) &#10;Supported via probes &#10;Traffic &#10;Any (An HTTP endpoint is &#10;required for endpoint &#10;monitoring) &#10;Azure VMS. Cloud Services. Azure &#10;Web Apps, and external &#10;endpoints &#10;Only supports Internet-facing &#10;applications &#10;Supported via HTTP/HTTPS GET ">
+            <a:extLst>
+              <a:ext uri="{FF2B5EF4-FFF2-40B4-BE49-F238E27FC236}">
+                <a16:creationId xmlns:a16="http://schemas.microsoft.com/office/drawing/2014/main" id="{DE02346C-B87D-4836-BCA1-1FF3FE9D0BD0}"/>
+              </a:ext>
+            </a:extLst>
+          </p:cNvPr>
+          <p:cNvPicPr>
+            <a:picLocks noChangeAspect="1" noChangeArrowheads="1"/>
+          </p:cNvPicPr>
+          <p:nvPr/>
+        </p:nvPicPr>
+        <p:blipFill>
+          <a:blip r:embed="rId7">
+            <a:extLst>
+              <a:ext uri="{28A0092B-C50C-407E-A947-70E740481C1C}">
+                <a14:useLocalDpi xmlns:a14="http://schemas.microsoft.com/office/drawing/2010/main" val="0"/>
+              </a:ext>
+            </a:extLst>
+          </a:blip>
+          <a:srcRect/>
+          <a:stretch>
+            <a:fillRect/>
+          </a:stretch>
+        </p:blipFill>
+        <p:spPr bwMode="auto">
+          <a:xfrm>
+            <a:off x="10822179" y="208006"/>
+            <a:ext cx="10340510" cy="5632351"/>
+          </a:xfrm>
+          <a:prstGeom prst="rect">
+            <a:avLst/>
+          </a:prstGeom>
+          <a:ln>
+            <a:noFill/>
+          </a:ln>
+          <a:effectLst>
+            <a:outerShdw blurRad="292100" dist="139700" dir="2700000" algn="tl" rotWithShape="0">
+              <a:srgbClr val="333333">
+                <a:alpha val="65000"/>
+              </a:srgbClr>
+            </a:outerShdw>
+          </a:effectLst>
+          <a:extLst>
+            <a:ext uri="{909E8E84-426E-40DD-AFC4-6F175D3DCCD1}">
+              <a14:hiddenFill xmlns:a14="http://schemas.microsoft.com/office/drawing/2010/main">
+                <a:solidFill>
+                  <a:srgbClr val="FFFFFF"/>
+                </a:solidFill>
+              </a14:hiddenFill>
+            </a:ext>
+          </a:extLst>
+        </p:spPr>
+      </p:pic>
     </p:spTree>
     <p:extLst>
       <p:ext uri="{BB962C8B-B14F-4D97-AF65-F5344CB8AC3E}">
@@ -38562,6 +38897,34 @@
 </file>
 
 <file path=customXml/item1.xml><?xml version="1.0" encoding="utf-8"?>
+<?mso-contentType ?>
+<FormTemplates xmlns="http://schemas.microsoft.com/sharepoint/v3/contenttype/forms">
+  <Display>DocumentLibraryForm</Display>
+  <Edit>DocumentLibraryForm</Edit>
+  <New>DocumentLibraryForm</New>
+</FormTemplates>
+</file>
+
+<file path=customXml/item2.xml><?xml version="1.0" encoding="utf-8"?>
+<?mso-contentType ?>
+<FormTemplates xmlns="http://schemas.microsoft.com/sharepoint/v3/contenttype/forms">
+  <Display>DocumentLibraryForm</Display>
+  <Edit>DocumentLibraryForm</Edit>
+  <New>DocumentLibraryForm</New>
+</FormTemplates>
+</file>
+
+<file path=customXml/item3.xml><?xml version="1.0" encoding="utf-8"?>
+<p:properties xmlns:p="http://schemas.microsoft.com/office/2006/metadata/properties" xmlns:xsi="http://www.w3.org/2001/XMLSchema-instance" xmlns:pc="http://schemas.microsoft.com/office/infopath/2007/PartnerControls">
+  <documentManagement>
+    <_ip_UnifiedCompliancePolicyUIAction xmlns="http://schemas.microsoft.com/sharepoint/v3" xsi:nil="true"/>
+    <IconOverlay xmlns="http://schemas.microsoft.com/sharepoint/v4" xsi:nil="true"/>
+    <_ip_UnifiedCompliancePolicyProperties xmlns="http://schemas.microsoft.com/sharepoint/v3" xsi:nil="true"/>
+  </documentManagement>
+</p:properties>
+</file>
+
+<file path=customXml/item4.xml><?xml version="1.0" encoding="utf-8"?>
 <ct:contentTypeSchema xmlns:ct="http://schemas.microsoft.com/office/2006/metadata/contentType" xmlns:ma="http://schemas.microsoft.com/office/2006/metadata/properties/metaAttributes" ct:_="" ma:_="" ma:contentTypeName="Document" ma:contentTypeID="0x010100F5F187B9059DF945B25AB5B2F3BA0895" ma:contentTypeVersion="14" ma:contentTypeDescription="Create a new document." ma:contentTypeScope="" ma:versionID="be2c86c74b3bb227d6f27514678f23d5">
   <xsd:schema xmlns:xsd="http://www.w3.org/2001/XMLSchema" xmlns:xs="http://www.w3.org/2001/XMLSchema" xmlns:p="http://schemas.microsoft.com/office/2006/metadata/properties" xmlns:ns1="http://schemas.microsoft.com/sharepoint/v3" xmlns:ns2="af610f50-4aee-43ff-9d65-64420adb70d2" xmlns:ns3="http://schemas.microsoft.com/sharepoint/v4" xmlns:ns4="15c98cf3-0896-4040-874f-f436925621df" targetNamespace="http://schemas.microsoft.com/office/2006/metadata/properties" ma:root="true" ma:fieldsID="94136e9e548b6d3962354304dc946cac" ns1:_="" ns2:_="" ns3:_="" ns4:_="">
     <xsd:import namespace="http://schemas.microsoft.com/sharepoint/v3"/>
@@ -38800,35 +39163,34 @@
 </ct:contentTypeSchema>
 </file>
 
-<file path=customXml/item2.xml><?xml version="1.0" encoding="utf-8"?>
-<p:properties xmlns:p="http://schemas.microsoft.com/office/2006/metadata/properties" xmlns:xsi="http://www.w3.org/2001/XMLSchema-instance" xmlns:pc="http://schemas.microsoft.com/office/infopath/2007/PartnerControls">
-  <documentManagement>
-    <_ip_UnifiedCompliancePolicyUIAction xmlns="http://schemas.microsoft.com/sharepoint/v3" xsi:nil="true"/>
-    <IconOverlay xmlns="http://schemas.microsoft.com/sharepoint/v4" xsi:nil="true"/>
-    <_ip_UnifiedCompliancePolicyProperties xmlns="http://schemas.microsoft.com/sharepoint/v3" xsi:nil="true"/>
-  </documentManagement>
-</p:properties>
+<file path=customXml/itemProps1.xml><?xml version="1.0" encoding="utf-8"?>
+<ds:datastoreItem xmlns:ds="http://schemas.openxmlformats.org/officeDocument/2006/customXml" ds:itemID="{E37CEF67-DE3E-432B-9E16-FF411AFDFA38}">
+  <ds:schemaRefs>
+    <ds:schemaRef ds:uri="http://schemas.microsoft.com/sharepoint/v3/contenttype/forms"/>
+  </ds:schemaRefs>
+</ds:datastoreItem>
 </file>
 
-<file path=customXml/item3.xml><?xml version="1.0" encoding="utf-8"?>
-<?mso-contentType ?>
-<FormTemplates xmlns="http://schemas.microsoft.com/sharepoint/v3/contenttype/forms">
-  <Display>DocumentLibraryForm</Display>
-  <Edit>DocumentLibraryForm</Edit>
-  <New>DocumentLibraryForm</New>
-</FormTemplates>
+<file path=customXml/itemProps2.xml><?xml version="1.0" encoding="utf-8"?>
+<ds:datastoreItem xmlns:ds="http://schemas.openxmlformats.org/officeDocument/2006/customXml" ds:itemID="{89C46102-D426-4E73-8F6F-5286B23D2EEB}">
+  <ds:schemaRefs>
+    <ds:schemaRef ds:uri="http://schemas.microsoft.com/sharepoint/v3/contenttype/forms"/>
+  </ds:schemaRefs>
+</ds:datastoreItem>
 </file>
 
-<file path=customXml/item4.xml><?xml version="1.0" encoding="utf-8"?>
-<?mso-contentType ?>
-<FormTemplates xmlns="http://schemas.microsoft.com/sharepoint/v3/contenttype/forms">
-  <Display>DocumentLibraryForm</Display>
-  <Edit>DocumentLibraryForm</Edit>
-  <New>DocumentLibraryForm</New>
-</FormTemplates>
+<file path=customXml/itemProps3.xml><?xml version="1.0" encoding="utf-8"?>
+<ds:datastoreItem xmlns:ds="http://schemas.openxmlformats.org/officeDocument/2006/customXml" ds:itemID="{C66C01A9-0361-4788-ABEE-257A7848F8D9}">
+  <ds:schemaRefs>
+    <ds:schemaRef ds:uri="http://schemas.microsoft.com/office/2006/metadata/properties"/>
+    <ds:schemaRef ds:uri="http://schemas.microsoft.com/office/infopath/2007/PartnerControls"/>
+    <ds:schemaRef ds:uri="http://schemas.microsoft.com/sharepoint/v3"/>
+    <ds:schemaRef ds:uri="http://schemas.microsoft.com/sharepoint/v4"/>
+  </ds:schemaRefs>
+</ds:datastoreItem>
 </file>
 
-<file path=customXml/itemProps1.xml><?xml version="1.0" encoding="utf-8"?>
+<file path=customXml/itemProps4.xml><?xml version="1.0" encoding="utf-8"?>
 <ds:datastoreItem xmlns:ds="http://schemas.openxmlformats.org/officeDocument/2006/customXml" ds:itemID="{30BD28E6-9582-48F2-A1BB-45FE2A6D90A2}">
   <ds:schemaRefs>
     <ds:schemaRef ds:uri="http://schemas.microsoft.com/office/2006/metadata/contentType"/>
@@ -38847,39 +39209,4 @@
     <ds:schemaRef ds:uri="http://schemas.microsoft.com/internal/obd"/>
   </ds:schemaRefs>
 </ds:datastoreItem>
-</file>
-
-<file path=customXml/itemProps2.xml><?xml version="1.0" encoding="utf-8"?>
-<ds:datastoreItem xmlns:ds="http://schemas.openxmlformats.org/officeDocument/2006/customXml" ds:itemID="{C66C01A9-0361-4788-ABEE-257A7848F8D9}">
-  <ds:schemaRefs>
-    <ds:schemaRef ds:uri="15c98cf3-0896-4040-874f-f436925621df"/>
-    <ds:schemaRef ds:uri="http://schemas.microsoft.com/office/2006/metadata/properties"/>
-    <ds:schemaRef ds:uri="http://schemas.microsoft.com/office/2006/documentManagement/types"/>
-    <ds:schemaRef ds:uri="http://purl.org/dc/terms/"/>
-    <ds:schemaRef ds:uri="http://schemas.microsoft.com/sharepoint/v4"/>
-    <ds:schemaRef ds:uri="http://purl.org/dc/elements/1.1/"/>
-    <ds:schemaRef ds:uri="http://purl.org/dc/dcmitype/"/>
-    <ds:schemaRef ds:uri="http://schemas.microsoft.com/office/infopath/2007/PartnerControls"/>
-    <ds:schemaRef ds:uri="http://schemas.openxmlformats.org/package/2006/metadata/core-properties"/>
-    <ds:schemaRef ds:uri="af610f50-4aee-43ff-9d65-64420adb70d2"/>
-    <ds:schemaRef ds:uri="http://schemas.microsoft.com/sharepoint/v3"/>
-    <ds:schemaRef ds:uri="http://www.w3.org/XML/1998/namespace"/>
-  </ds:schemaRefs>
-</ds:datastoreItem>
-</file>
-
-<file path=customXml/itemProps3.xml><?xml version="1.0" encoding="utf-8"?>
-<ds:datastoreItem xmlns:ds="http://schemas.openxmlformats.org/officeDocument/2006/customXml" ds:itemID="{89C46102-D426-4E73-8F6F-5286B23D2EEB}">
-  <ds:schemaRefs>
-    <ds:schemaRef ds:uri="http://schemas.microsoft.com/sharepoint/v3/contenttype/forms"/>
-  </ds:schemaRefs>
-</ds:datastoreItem>
-</file>
-
-<file path=customXml/itemProps4.xml><?xml version="1.0" encoding="utf-8"?>
-<ds:datastoreItem xmlns:ds="http://schemas.openxmlformats.org/officeDocument/2006/customXml" ds:itemID="{E37CEF67-DE3E-432B-9E16-FF411AFDFA38}">
-  <ds:schemaRefs>
-    <ds:schemaRef ds:uri="http://schemas.microsoft.com/sharepoint/v3/contenttype/forms"/>
-  </ds:schemaRefs>
-</ds:datastoreItem>
 </file>
--- a/src/azure/architecting-microsoft-azure-solutions.pptx
+++ b/src/azure/architecting-microsoft-azure-solutions.pptx
@@ -214,7 +214,7 @@
           <a:p>
             <a:fld id="{2F4766DD-CA99-4D5F-A9B2-EF5EF0A37C93}" type="datetimeFigureOut">
               <a:rPr lang="en-CA" smtClean="0"/>
-              <a:t>2018-10-15</a:t>
+              <a:t>2018-10-16</a:t>
             </a:fld>
             <a:endParaRPr lang="en-CA"/>
           </a:p>
@@ -566,7 +566,7 @@
           <a:p>
             <a:fld id="{D18B56EA-E28F-4F92-9F16-7A6F2501B303}" type="datetime8">
               <a:rPr lang="en-US" smtClean="0"/>
-              <a:t>10/15/2018 7:13 PM</a:t>
+              <a:t>10/16/2018 6:08 PM</a:t>
             </a:fld>
             <a:endParaRPr lang="en-US" dirty="0"/>
           </a:p>
@@ -5509,7 +5509,7 @@
           <a:p>
             <a:fld id="{ED6EB527-6926-47A2-AB35-8907638AD74C}" type="datetimeFigureOut">
               <a:rPr lang="en-CA" smtClean="0"/>
-              <a:t>2018-10-15</a:t>
+              <a:t>2018-10-16</a:t>
             </a:fld>
             <a:endParaRPr lang="en-CA"/>
           </a:p>
@@ -11503,8 +11503,8 @@
         </p:nvGrpSpPr>
         <p:grpSpPr>
           <a:xfrm>
-            <a:off x="17991879" y="11935845"/>
-            <a:ext cx="2986571" cy="2590348"/>
+            <a:off x="17991879" y="11931568"/>
+            <a:ext cx="2986571" cy="2594625"/>
             <a:chOff x="17987701" y="9447083"/>
             <a:chExt cx="2986571" cy="2590348"/>
           </a:xfrm>
@@ -12125,6 +12125,31 @@
                   <a:cs typeface="Segoe UI" pitchFamily="34" charset="0"/>
                 </a:rPr>
                 <a:t>Co-Located at Cloud Exchange – two cross connections</a:t>
+              </a:r>
+            </a:p>
+            <a:p>
+              <a:pPr marL="268288" lvl="1" indent="-92075" defTabSz="932472" fontAlgn="base">
+                <a:lnSpc>
+                  <a:spcPct val="90000"/>
+                </a:lnSpc>
+                <a:spcBef>
+                  <a:spcPct val="0"/>
+                </a:spcBef>
+                <a:spcAft>
+                  <a:spcPct val="0"/>
+                </a:spcAft>
+                <a:buFont typeface="Arial" panose="020B0604020202020204" pitchFamily="34" charset="0"/>
+                <a:buChar char="•"/>
+              </a:pPr>
+              <a:r>
+                <a:rPr lang="en-CA" sz="800" dirty="0">
+                  <a:solidFill>
+                    <a:srgbClr val="0070C0"/>
+                  </a:solidFill>
+                  <a:ea typeface="Segoe UI" pitchFamily="34" charset="0"/>
+                  <a:cs typeface="Segoe UI" pitchFamily="34" charset="0"/>
+                </a:rPr>
+                <a:t>Maximum 10GB</a:t>
               </a:r>
             </a:p>
           </p:txBody>
@@ -14197,7 +14222,7 @@
                   </a:solidFill>
                   <a:cs typeface="Segoe UI" pitchFamily="34" charset="0"/>
                 </a:rPr>
-                <a:t>ASP.NET, Core, Angular, React.js</a:t>
+                <a:t>ASP.NET, Core, Angular, React.js, Java, Python</a:t>
               </a:r>
             </a:p>
             <a:p>
@@ -38897,34 +38922,6 @@
 </file>
 
 <file path=customXml/item1.xml><?xml version="1.0" encoding="utf-8"?>
-<?mso-contentType ?>
-<FormTemplates xmlns="http://schemas.microsoft.com/sharepoint/v3/contenttype/forms">
-  <Display>DocumentLibraryForm</Display>
-  <Edit>DocumentLibraryForm</Edit>
-  <New>DocumentLibraryForm</New>
-</FormTemplates>
-</file>
-
-<file path=customXml/item2.xml><?xml version="1.0" encoding="utf-8"?>
-<?mso-contentType ?>
-<FormTemplates xmlns="http://schemas.microsoft.com/sharepoint/v3/contenttype/forms">
-  <Display>DocumentLibraryForm</Display>
-  <Edit>DocumentLibraryForm</Edit>
-  <New>DocumentLibraryForm</New>
-</FormTemplates>
-</file>
-
-<file path=customXml/item3.xml><?xml version="1.0" encoding="utf-8"?>
-<p:properties xmlns:p="http://schemas.microsoft.com/office/2006/metadata/properties" xmlns:xsi="http://www.w3.org/2001/XMLSchema-instance" xmlns:pc="http://schemas.microsoft.com/office/infopath/2007/PartnerControls">
-  <documentManagement>
-    <_ip_UnifiedCompliancePolicyUIAction xmlns="http://schemas.microsoft.com/sharepoint/v3" xsi:nil="true"/>
-    <IconOverlay xmlns="http://schemas.microsoft.com/sharepoint/v4" xsi:nil="true"/>
-    <_ip_UnifiedCompliancePolicyProperties xmlns="http://schemas.microsoft.com/sharepoint/v3" xsi:nil="true"/>
-  </documentManagement>
-</p:properties>
-</file>
-
-<file path=customXml/item4.xml><?xml version="1.0" encoding="utf-8"?>
 <ct:contentTypeSchema xmlns:ct="http://schemas.microsoft.com/office/2006/metadata/contentType" xmlns:ma="http://schemas.microsoft.com/office/2006/metadata/properties/metaAttributes" ct:_="" ma:_="" ma:contentTypeName="Document" ma:contentTypeID="0x010100F5F187B9059DF945B25AB5B2F3BA0895" ma:contentTypeVersion="14" ma:contentTypeDescription="Create a new document." ma:contentTypeScope="" ma:versionID="be2c86c74b3bb227d6f27514678f23d5">
   <xsd:schema xmlns:xsd="http://www.w3.org/2001/XMLSchema" xmlns:xs="http://www.w3.org/2001/XMLSchema" xmlns:p="http://schemas.microsoft.com/office/2006/metadata/properties" xmlns:ns1="http://schemas.microsoft.com/sharepoint/v3" xmlns:ns2="af610f50-4aee-43ff-9d65-64420adb70d2" xmlns:ns3="http://schemas.microsoft.com/sharepoint/v4" xmlns:ns4="15c98cf3-0896-4040-874f-f436925621df" targetNamespace="http://schemas.microsoft.com/office/2006/metadata/properties" ma:root="true" ma:fieldsID="94136e9e548b6d3962354304dc946cac" ns1:_="" ns2:_="" ns3:_="" ns4:_="">
     <xsd:import namespace="http://schemas.microsoft.com/sharepoint/v3"/>
@@ -39163,34 +39160,35 @@
 </ct:contentTypeSchema>
 </file>
 
-<file path=customXml/itemProps1.xml><?xml version="1.0" encoding="utf-8"?>
-<ds:datastoreItem xmlns:ds="http://schemas.openxmlformats.org/officeDocument/2006/customXml" ds:itemID="{E37CEF67-DE3E-432B-9E16-FF411AFDFA38}">
-  <ds:schemaRefs>
-    <ds:schemaRef ds:uri="http://schemas.microsoft.com/sharepoint/v3/contenttype/forms"/>
-  </ds:schemaRefs>
-</ds:datastoreItem>
+<file path=customXml/item2.xml><?xml version="1.0" encoding="utf-8"?>
+<p:properties xmlns:p="http://schemas.microsoft.com/office/2006/metadata/properties" xmlns:xsi="http://www.w3.org/2001/XMLSchema-instance" xmlns:pc="http://schemas.microsoft.com/office/infopath/2007/PartnerControls">
+  <documentManagement>
+    <_ip_UnifiedCompliancePolicyUIAction xmlns="http://schemas.microsoft.com/sharepoint/v3" xsi:nil="true"/>
+    <IconOverlay xmlns="http://schemas.microsoft.com/sharepoint/v4" xsi:nil="true"/>
+    <_ip_UnifiedCompliancePolicyProperties xmlns="http://schemas.microsoft.com/sharepoint/v3" xsi:nil="true"/>
+  </documentManagement>
+</p:properties>
 </file>
 
-<file path=customXml/itemProps2.xml><?xml version="1.0" encoding="utf-8"?>
-<ds:datastoreItem xmlns:ds="http://schemas.openxmlformats.org/officeDocument/2006/customXml" ds:itemID="{89C46102-D426-4E73-8F6F-5286B23D2EEB}">
-  <ds:schemaRefs>
-    <ds:schemaRef ds:uri="http://schemas.microsoft.com/sharepoint/v3/contenttype/forms"/>
-  </ds:schemaRefs>
-</ds:datastoreItem>
+<file path=customXml/item3.xml><?xml version="1.0" encoding="utf-8"?>
+<?mso-contentType ?>
+<FormTemplates xmlns="http://schemas.microsoft.com/sharepoint/v3/contenttype/forms">
+  <Display>DocumentLibraryForm</Display>
+  <Edit>DocumentLibraryForm</Edit>
+  <New>DocumentLibraryForm</New>
+</FormTemplates>
 </file>
 
-<file path=customXml/itemProps3.xml><?xml version="1.0" encoding="utf-8"?>
-<ds:datastoreItem xmlns:ds="http://schemas.openxmlformats.org/officeDocument/2006/customXml" ds:itemID="{C66C01A9-0361-4788-ABEE-257A7848F8D9}">
-  <ds:schemaRefs>
-    <ds:schemaRef ds:uri="http://schemas.microsoft.com/office/2006/metadata/properties"/>
-    <ds:schemaRef ds:uri="http://schemas.microsoft.com/office/infopath/2007/PartnerControls"/>
-    <ds:schemaRef ds:uri="http://schemas.microsoft.com/sharepoint/v3"/>
-    <ds:schemaRef ds:uri="http://schemas.microsoft.com/sharepoint/v4"/>
-  </ds:schemaRefs>
-</ds:datastoreItem>
+<file path=customXml/item4.xml><?xml version="1.0" encoding="utf-8"?>
+<?mso-contentType ?>
+<FormTemplates xmlns="http://schemas.microsoft.com/sharepoint/v3/contenttype/forms">
+  <Display>DocumentLibraryForm</Display>
+  <Edit>DocumentLibraryForm</Edit>
+  <New>DocumentLibraryForm</New>
+</FormTemplates>
 </file>
 
-<file path=customXml/itemProps4.xml><?xml version="1.0" encoding="utf-8"?>
+<file path=customXml/itemProps1.xml><?xml version="1.0" encoding="utf-8"?>
 <ds:datastoreItem xmlns:ds="http://schemas.openxmlformats.org/officeDocument/2006/customXml" ds:itemID="{30BD28E6-9582-48F2-A1BB-45FE2A6D90A2}">
   <ds:schemaRefs>
     <ds:schemaRef ds:uri="http://schemas.microsoft.com/office/2006/metadata/contentType"/>
@@ -39209,4 +39207,31 @@
     <ds:schemaRef ds:uri="http://schemas.microsoft.com/internal/obd"/>
   </ds:schemaRefs>
 </ds:datastoreItem>
+</file>
+
+<file path=customXml/itemProps2.xml><?xml version="1.0" encoding="utf-8"?>
+<ds:datastoreItem xmlns:ds="http://schemas.openxmlformats.org/officeDocument/2006/customXml" ds:itemID="{C66C01A9-0361-4788-ABEE-257A7848F8D9}">
+  <ds:schemaRefs>
+    <ds:schemaRef ds:uri="http://schemas.microsoft.com/office/2006/metadata/properties"/>
+    <ds:schemaRef ds:uri="http://schemas.microsoft.com/office/infopath/2007/PartnerControls"/>
+    <ds:schemaRef ds:uri="http://schemas.microsoft.com/sharepoint/v3"/>
+    <ds:schemaRef ds:uri="http://schemas.microsoft.com/sharepoint/v4"/>
+  </ds:schemaRefs>
+</ds:datastoreItem>
+</file>
+
+<file path=customXml/itemProps3.xml><?xml version="1.0" encoding="utf-8"?>
+<ds:datastoreItem xmlns:ds="http://schemas.openxmlformats.org/officeDocument/2006/customXml" ds:itemID="{89C46102-D426-4E73-8F6F-5286B23D2EEB}">
+  <ds:schemaRefs>
+    <ds:schemaRef ds:uri="http://schemas.microsoft.com/sharepoint/v3/contenttype/forms"/>
+  </ds:schemaRefs>
+</ds:datastoreItem>
+</file>
+
+<file path=customXml/itemProps4.xml><?xml version="1.0" encoding="utf-8"?>
+<ds:datastoreItem xmlns:ds="http://schemas.openxmlformats.org/officeDocument/2006/customXml" ds:itemID="{E37CEF67-DE3E-432B-9E16-FF411AFDFA38}">
+  <ds:schemaRefs>
+    <ds:schemaRef ds:uri="http://schemas.microsoft.com/sharepoint/v3/contenttype/forms"/>
+  </ds:schemaRefs>
+</ds:datastoreItem>
 </file>
--- a/src/azure/architecting-microsoft-azure-solutions.pptx
+++ b/src/azure/architecting-microsoft-azure-solutions.pptx
@@ -127,7 +127,7 @@
 <file path=ppt/revisionInfo.xml><?xml version="1.0" encoding="utf-8"?>
 <p1510:revInfo xmlns:a="http://schemas.openxmlformats.org/drawingml/2006/main" xmlns:r="http://schemas.openxmlformats.org/officeDocument/2006/relationships" xmlns:p1510="http://schemas.microsoft.com/office/powerpoint/2015/10/main">
   <p1510:revLst>
-    <p1510:client id="{91EC4AA3-DD00-44DC-A9B8-0A8AD6262E8D}" v="11096" dt="2018-10-16T02:13:19.203"/>
+    <p1510:client id="{91EC4AA3-DD00-44DC-A9B8-0A8AD6262E8D}" v="11099" dt="2018-10-18T01:06:07.951"/>
   </p1510:revLst>
 </p1510:revInfo>
 </file>
@@ -214,7 +214,7 @@
           <a:p>
             <a:fld id="{2F4766DD-CA99-4D5F-A9B2-EF5EF0A37C93}" type="datetimeFigureOut">
               <a:rPr lang="en-CA" smtClean="0"/>
-              <a:t>2018-10-16</a:t>
+              <a:t>2018-10-17</a:t>
             </a:fld>
             <a:endParaRPr lang="en-CA"/>
           </a:p>
@@ -566,7 +566,7 @@
           <a:p>
             <a:fld id="{D18B56EA-E28F-4F92-9F16-7A6F2501B303}" type="datetime8">
               <a:rPr lang="en-US" smtClean="0"/>
-              <a:t>10/16/2018 6:08 PM</a:t>
+              <a:t>10/17/2018 6:01 PM</a:t>
             </a:fld>
             <a:endParaRPr lang="en-US" dirty="0"/>
           </a:p>
@@ -5509,7 +5509,7 @@
           <a:p>
             <a:fld id="{ED6EB527-6926-47A2-AB35-8907638AD74C}" type="datetimeFigureOut">
               <a:rPr lang="en-CA" smtClean="0"/>
-              <a:t>2018-10-16</a:t>
+              <a:t>2018-10-17</a:t>
             </a:fld>
             <a:endParaRPr lang="en-CA"/>
           </a:p>
@@ -15690,7 +15690,7 @@
         </p:nvGrpSpPr>
         <p:grpSpPr>
           <a:xfrm>
-            <a:off x="10845465" y="9615469"/>
+            <a:off x="10845465" y="9606466"/>
             <a:ext cx="2986571" cy="935371"/>
             <a:chOff x="11233139" y="7177493"/>
             <a:chExt cx="2986571" cy="935371"/>
@@ -15959,7 +15959,7 @@
         </p:nvGrpSpPr>
         <p:grpSpPr>
           <a:xfrm>
-            <a:off x="10845465" y="10873615"/>
+            <a:off x="10845465" y="10855609"/>
             <a:ext cx="2986571" cy="889719"/>
             <a:chOff x="11233139" y="8233650"/>
             <a:chExt cx="2986571" cy="889719"/>
@@ -16439,7 +16439,7 @@
         </p:nvGrpSpPr>
         <p:grpSpPr>
           <a:xfrm>
-            <a:off x="10845465" y="12086109"/>
+            <a:off x="10845465" y="12059100"/>
             <a:ext cx="2986571" cy="1043317"/>
             <a:chOff x="11233139" y="9219574"/>
             <a:chExt cx="2986571" cy="1043317"/>
@@ -17343,10 +17343,10 @@
         </p:nvGrpSpPr>
         <p:grpSpPr>
           <a:xfrm>
-            <a:off x="10845465" y="13452201"/>
-            <a:ext cx="2986571" cy="1090751"/>
+            <a:off x="10850683" y="13416189"/>
+            <a:ext cx="2986571" cy="1126763"/>
             <a:chOff x="11233139" y="10354393"/>
-            <a:chExt cx="2986571" cy="1090751"/>
+            <a:chExt cx="2986571" cy="1126763"/>
           </a:xfrm>
         </p:grpSpPr>
         <p:sp>
@@ -17450,8 +17450,8 @@
           </p:nvSpPr>
           <p:spPr bwMode="auto">
             <a:xfrm>
-              <a:off x="11233140" y="10710992"/>
-              <a:ext cx="2986570" cy="734152"/>
+              <a:off x="11233140" y="10710991"/>
+              <a:ext cx="2986570" cy="770165"/>
             </a:xfrm>
             <a:prstGeom prst="rect">
               <a:avLst/>
@@ -17628,7 +17628,102 @@
                   <a:ea typeface="Segoe UI" pitchFamily="34" charset="0"/>
                   <a:cs typeface="Segoe UI" pitchFamily="34" charset="0"/>
                 </a:rPr>
-                <a:t>Free, Basic, Standard S1/S2/S3/HD</a:t>
+                <a:t>Free, Basic</a:t>
+              </a:r>
+            </a:p>
+            <a:p>
+              <a:pPr marL="268288" lvl="1" indent="-92075" defTabSz="932472" fontAlgn="base">
+                <a:lnSpc>
+                  <a:spcPct val="90000"/>
+                </a:lnSpc>
+                <a:spcBef>
+                  <a:spcPct val="0"/>
+                </a:spcBef>
+                <a:spcAft>
+                  <a:spcPct val="0"/>
+                </a:spcAft>
+                <a:buFont typeface="Arial" panose="020B0604020202020204" pitchFamily="34" charset="0"/>
+                <a:buChar char="•"/>
+              </a:pPr>
+              <a:r>
+                <a:rPr lang="en-CA" sz="800" dirty="0">
+                  <a:solidFill>
+                    <a:srgbClr val="0070C0"/>
+                  </a:solidFill>
+                  <a:ea typeface="Segoe UI" pitchFamily="34" charset="0"/>
+                  <a:cs typeface="Segoe UI" pitchFamily="34" charset="0"/>
+                </a:rPr>
+                <a:t>Standard S1</a:t>
+              </a:r>
+              <a:r>
+                <a:rPr lang="en-CA" sz="800" baseline="30000" dirty="0">
+                  <a:solidFill>
+                    <a:srgbClr val="0070C0"/>
+                  </a:solidFill>
+                  <a:ea typeface="Segoe UI" pitchFamily="34" charset="0"/>
+                  <a:cs typeface="Segoe UI" pitchFamily="34" charset="0"/>
+                </a:rPr>
+                <a:t>25GB,50 indexes</a:t>
+              </a:r>
+              <a:r>
+                <a:rPr lang="en-CA" sz="800" dirty="0">
+                  <a:solidFill>
+                    <a:srgbClr val="0070C0"/>
+                  </a:solidFill>
+                  <a:ea typeface="Segoe UI" pitchFamily="34" charset="0"/>
+                  <a:cs typeface="Segoe UI" pitchFamily="34" charset="0"/>
+                </a:rPr>
+                <a:t>, S2</a:t>
+              </a:r>
+              <a:r>
+                <a:rPr lang="en-CA" sz="800" baseline="30000" dirty="0">
+                  <a:solidFill>
+                    <a:srgbClr val="0070C0"/>
+                  </a:solidFill>
+                  <a:ea typeface="Segoe UI" pitchFamily="34" charset="0"/>
+                  <a:cs typeface="Segoe UI" pitchFamily="34" charset="0"/>
+                </a:rPr>
+                <a:t>100,200</a:t>
+              </a:r>
+              <a:r>
+                <a:rPr lang="en-CA" sz="800" dirty="0">
+                  <a:solidFill>
+                    <a:srgbClr val="0070C0"/>
+                  </a:solidFill>
+                  <a:ea typeface="Segoe UI" pitchFamily="34" charset="0"/>
+                  <a:cs typeface="Segoe UI" pitchFamily="34" charset="0"/>
+                </a:rPr>
+                <a:t>/S3</a:t>
+              </a:r>
+              <a:r>
+                <a:rPr lang="en-CA" sz="800" baseline="30000" dirty="0">
+                  <a:solidFill>
+                    <a:srgbClr val="0070C0"/>
+                  </a:solidFill>
+                  <a:ea typeface="Segoe UI" pitchFamily="34" charset="0"/>
+                  <a:cs typeface="Segoe UI" pitchFamily="34" charset="0"/>
+                </a:rPr>
+                <a:t>200GB</a:t>
+              </a:r>
+              <a:r>
+                <a:rPr lang="en-CA" sz="800" dirty="0">
+                  <a:solidFill>
+                    <a:srgbClr val="0070C0"/>
+                  </a:solidFill>
+                  <a:ea typeface="Segoe UI" pitchFamily="34" charset="0"/>
+                  <a:cs typeface="Segoe UI" pitchFamily="34" charset="0"/>
+                </a:rPr>
+                <a:t>/HD</a:t>
+              </a:r>
+              <a:r>
+                <a:rPr lang="en-CA" sz="800" baseline="30000" dirty="0">
+                  <a:solidFill>
+                    <a:srgbClr val="0070C0"/>
+                  </a:solidFill>
+                  <a:ea typeface="Segoe UI" pitchFamily="34" charset="0"/>
+                  <a:cs typeface="Segoe UI" pitchFamily="34" charset="0"/>
+                </a:rPr>
+                <a:t>1000 indexes</a:t>
               </a:r>
             </a:p>
           </p:txBody>
@@ -38922,6 +39017,34 @@
 </file>
 
 <file path=customXml/item1.xml><?xml version="1.0" encoding="utf-8"?>
+<?mso-contentType ?>
+<FormTemplates xmlns="http://schemas.microsoft.com/sharepoint/v3/contenttype/forms">
+  <Display>DocumentLibraryForm</Display>
+  <Edit>DocumentLibraryForm</Edit>
+  <New>DocumentLibraryForm</New>
+</FormTemplates>
+</file>
+
+<file path=customXml/item2.xml><?xml version="1.0" encoding="utf-8"?>
+<?mso-contentType ?>
+<FormTemplates xmlns="http://schemas.microsoft.com/sharepoint/v3/contenttype/forms">
+  <Display>DocumentLibraryForm</Display>
+  <Edit>DocumentLibraryForm</Edit>
+  <New>DocumentLibraryForm</New>
+</FormTemplates>
+</file>
+
+<file path=customXml/item3.xml><?xml version="1.0" encoding="utf-8"?>
+<p:properties xmlns:p="http://schemas.microsoft.com/office/2006/metadata/properties" xmlns:xsi="http://www.w3.org/2001/XMLSchema-instance" xmlns:pc="http://schemas.microsoft.com/office/infopath/2007/PartnerControls">
+  <documentManagement>
+    <_ip_UnifiedCompliancePolicyUIAction xmlns="http://schemas.microsoft.com/sharepoint/v3" xsi:nil="true"/>
+    <IconOverlay xmlns="http://schemas.microsoft.com/sharepoint/v4" xsi:nil="true"/>
+    <_ip_UnifiedCompliancePolicyProperties xmlns="http://schemas.microsoft.com/sharepoint/v3" xsi:nil="true"/>
+  </documentManagement>
+</p:properties>
+</file>
+
+<file path=customXml/item4.xml><?xml version="1.0" encoding="utf-8"?>
 <ct:contentTypeSchema xmlns:ct="http://schemas.microsoft.com/office/2006/metadata/contentType" xmlns:ma="http://schemas.microsoft.com/office/2006/metadata/properties/metaAttributes" ct:_="" ma:_="" ma:contentTypeName="Document" ma:contentTypeID="0x010100F5F187B9059DF945B25AB5B2F3BA0895" ma:contentTypeVersion="14" ma:contentTypeDescription="Create a new document." ma:contentTypeScope="" ma:versionID="be2c86c74b3bb227d6f27514678f23d5">
   <xsd:schema xmlns:xsd="http://www.w3.org/2001/XMLSchema" xmlns:xs="http://www.w3.org/2001/XMLSchema" xmlns:p="http://schemas.microsoft.com/office/2006/metadata/properties" xmlns:ns1="http://schemas.microsoft.com/sharepoint/v3" xmlns:ns2="af610f50-4aee-43ff-9d65-64420adb70d2" xmlns:ns3="http://schemas.microsoft.com/sharepoint/v4" xmlns:ns4="15c98cf3-0896-4040-874f-f436925621df" targetNamespace="http://schemas.microsoft.com/office/2006/metadata/properties" ma:root="true" ma:fieldsID="94136e9e548b6d3962354304dc946cac" ns1:_="" ns2:_="" ns3:_="" ns4:_="">
     <xsd:import namespace="http://schemas.microsoft.com/sharepoint/v3"/>
@@ -39160,35 +39283,34 @@
 </ct:contentTypeSchema>
 </file>
 
-<file path=customXml/item2.xml><?xml version="1.0" encoding="utf-8"?>
-<p:properties xmlns:p="http://schemas.microsoft.com/office/2006/metadata/properties" xmlns:xsi="http://www.w3.org/2001/XMLSchema-instance" xmlns:pc="http://schemas.microsoft.com/office/infopath/2007/PartnerControls">
-  <documentManagement>
-    <_ip_UnifiedCompliancePolicyUIAction xmlns="http://schemas.microsoft.com/sharepoint/v3" xsi:nil="true"/>
-    <IconOverlay xmlns="http://schemas.microsoft.com/sharepoint/v4" xsi:nil="true"/>
-    <_ip_UnifiedCompliancePolicyProperties xmlns="http://schemas.microsoft.com/sharepoint/v3" xsi:nil="true"/>
-  </documentManagement>
-</p:properties>
+<file path=customXml/itemProps1.xml><?xml version="1.0" encoding="utf-8"?>
+<ds:datastoreItem xmlns:ds="http://schemas.openxmlformats.org/officeDocument/2006/customXml" ds:itemID="{E37CEF67-DE3E-432B-9E16-FF411AFDFA38}">
+  <ds:schemaRefs>
+    <ds:schemaRef ds:uri="http://schemas.microsoft.com/sharepoint/v3/contenttype/forms"/>
+  </ds:schemaRefs>
+</ds:datastoreItem>
 </file>
 
-<file path=customXml/item3.xml><?xml version="1.0" encoding="utf-8"?>
-<?mso-contentType ?>
-<FormTemplates xmlns="http://schemas.microsoft.com/sharepoint/v3/contenttype/forms">
-  <Display>DocumentLibraryForm</Display>
-  <Edit>DocumentLibraryForm</Edit>
-  <New>DocumentLibraryForm</New>
-</FormTemplates>
+<file path=customXml/itemProps2.xml><?xml version="1.0" encoding="utf-8"?>
+<ds:datastoreItem xmlns:ds="http://schemas.openxmlformats.org/officeDocument/2006/customXml" ds:itemID="{89C46102-D426-4E73-8F6F-5286B23D2EEB}">
+  <ds:schemaRefs>
+    <ds:schemaRef ds:uri="http://schemas.microsoft.com/sharepoint/v3/contenttype/forms"/>
+  </ds:schemaRefs>
+</ds:datastoreItem>
 </file>
 
-<file path=customXml/item4.xml><?xml version="1.0" encoding="utf-8"?>
-<?mso-contentType ?>
-<FormTemplates xmlns="http://schemas.microsoft.com/sharepoint/v3/contenttype/forms">
-  <Display>DocumentLibraryForm</Display>
-  <Edit>DocumentLibraryForm</Edit>
-  <New>DocumentLibraryForm</New>
-</FormTemplates>
+<file path=customXml/itemProps3.xml><?xml version="1.0" encoding="utf-8"?>
+<ds:datastoreItem xmlns:ds="http://schemas.openxmlformats.org/officeDocument/2006/customXml" ds:itemID="{C66C01A9-0361-4788-ABEE-257A7848F8D9}">
+  <ds:schemaRefs>
+    <ds:schemaRef ds:uri="http://schemas.microsoft.com/office/2006/metadata/properties"/>
+    <ds:schemaRef ds:uri="http://schemas.microsoft.com/office/infopath/2007/PartnerControls"/>
+    <ds:schemaRef ds:uri="http://schemas.microsoft.com/sharepoint/v3"/>
+    <ds:schemaRef ds:uri="http://schemas.microsoft.com/sharepoint/v4"/>
+  </ds:schemaRefs>
+</ds:datastoreItem>
 </file>
 
-<file path=customXml/itemProps1.xml><?xml version="1.0" encoding="utf-8"?>
+<file path=customXml/itemProps4.xml><?xml version="1.0" encoding="utf-8"?>
 <ds:datastoreItem xmlns:ds="http://schemas.openxmlformats.org/officeDocument/2006/customXml" ds:itemID="{30BD28E6-9582-48F2-A1BB-45FE2A6D90A2}">
   <ds:schemaRefs>
     <ds:schemaRef ds:uri="http://schemas.microsoft.com/office/2006/metadata/contentType"/>
@@ -39207,31 +39329,4 @@
     <ds:schemaRef ds:uri="http://schemas.microsoft.com/internal/obd"/>
   </ds:schemaRefs>
 </ds:datastoreItem>
-</file>
-
-<file path=customXml/itemProps2.xml><?xml version="1.0" encoding="utf-8"?>
-<ds:datastoreItem xmlns:ds="http://schemas.openxmlformats.org/officeDocument/2006/customXml" ds:itemID="{C66C01A9-0361-4788-ABEE-257A7848F8D9}">
-  <ds:schemaRefs>
-    <ds:schemaRef ds:uri="http://schemas.microsoft.com/office/2006/metadata/properties"/>
-    <ds:schemaRef ds:uri="http://schemas.microsoft.com/office/infopath/2007/PartnerControls"/>
-    <ds:schemaRef ds:uri="http://schemas.microsoft.com/sharepoint/v3"/>
-    <ds:schemaRef ds:uri="http://schemas.microsoft.com/sharepoint/v4"/>
-  </ds:schemaRefs>
-</ds:datastoreItem>
-</file>
-
-<file path=customXml/itemProps3.xml><?xml version="1.0" encoding="utf-8"?>
-<ds:datastoreItem xmlns:ds="http://schemas.openxmlformats.org/officeDocument/2006/customXml" ds:itemID="{89C46102-D426-4E73-8F6F-5286B23D2EEB}">
-  <ds:schemaRefs>
-    <ds:schemaRef ds:uri="http://schemas.microsoft.com/sharepoint/v3/contenttype/forms"/>
-  </ds:schemaRefs>
-</ds:datastoreItem>
-</file>
-
-<file path=customXml/itemProps4.xml><?xml version="1.0" encoding="utf-8"?>
-<ds:datastoreItem xmlns:ds="http://schemas.openxmlformats.org/officeDocument/2006/customXml" ds:itemID="{E37CEF67-DE3E-432B-9E16-FF411AFDFA38}">
-  <ds:schemaRefs>
-    <ds:schemaRef ds:uri="http://schemas.microsoft.com/sharepoint/v3/contenttype/forms"/>
-  </ds:schemaRefs>
-</ds:datastoreItem>
 </file>
--- a/src/azure/architecting-microsoft-azure-solutions.pptx
+++ b/src/azure/architecting-microsoft-azure-solutions.pptx
@@ -214,7 +214,7 @@
           <a:p>
             <a:fld id="{2F4766DD-CA99-4D5F-A9B2-EF5EF0A37C93}" type="datetimeFigureOut">
               <a:rPr lang="en-CA" smtClean="0"/>
-              <a:t>2018-10-17</a:t>
+              <a:t>2018-10-21</a:t>
             </a:fld>
             <a:endParaRPr lang="en-CA"/>
           </a:p>
@@ -566,7 +566,7 @@
           <a:p>
             <a:fld id="{D18B56EA-E28F-4F92-9F16-7A6F2501B303}" type="datetime8">
               <a:rPr lang="en-US" smtClean="0"/>
-              <a:t>10/17/2018 6:01 PM</a:t>
+              <a:t>10/21/2018 2:05 PM</a:t>
             </a:fld>
             <a:endParaRPr lang="en-US" dirty="0"/>
           </a:p>
@@ -5509,7 +5509,7 @@
           <a:p>
             <a:fld id="{ED6EB527-6926-47A2-AB35-8907638AD74C}" type="datetimeFigureOut">
               <a:rPr lang="en-CA" smtClean="0"/>
-              <a:t>2018-10-17</a:t>
+              <a:t>2018-10-21</a:t>
             </a:fld>
             <a:endParaRPr lang="en-CA"/>
           </a:p>
@@ -7179,8 +7179,21 @@
             </a:pPr>
             <a:r>
               <a:rPr lang="en-CA" sz="4209" dirty="0"/>
-              <a:t>They need to leave with a positive feeling that there is a visual quick reference guide for studies and solution design.</a:t>
+              <a:t>They need to leave with a positive feeling that there is a visual quick reference guide </a:t>
             </a:r>
+            <a:r>
+              <a:rPr lang="en-CA" sz="4209"/>
+              <a:t>for studies, </a:t>
+            </a:r>
+            <a:r>
+              <a:rPr lang="en-CA" sz="4209" dirty="0"/>
+              <a:t>solution design, and </a:t>
+            </a:r>
+            <a:r>
+              <a:rPr lang="en-CA" sz="4209"/>
+              <a:t>quick reference.</a:t>
+            </a:r>
+            <a:endParaRPr lang="en-CA" sz="4209" dirty="0"/>
           </a:p>
           <a:p>
             <a:pPr lvl="1">
@@ -39017,34 +39030,6 @@
 </file>
 
 <file path=customXml/item1.xml><?xml version="1.0" encoding="utf-8"?>
-<?mso-contentType ?>
-<FormTemplates xmlns="http://schemas.microsoft.com/sharepoint/v3/contenttype/forms">
-  <Display>DocumentLibraryForm</Display>
-  <Edit>DocumentLibraryForm</Edit>
-  <New>DocumentLibraryForm</New>
-</FormTemplates>
-</file>
-
-<file path=customXml/item2.xml><?xml version="1.0" encoding="utf-8"?>
-<?mso-contentType ?>
-<FormTemplates xmlns="http://schemas.microsoft.com/sharepoint/v3/contenttype/forms">
-  <Display>DocumentLibraryForm</Display>
-  <Edit>DocumentLibraryForm</Edit>
-  <New>DocumentLibraryForm</New>
-</FormTemplates>
-</file>
-
-<file path=customXml/item3.xml><?xml version="1.0" encoding="utf-8"?>
-<p:properties xmlns:p="http://schemas.microsoft.com/office/2006/metadata/properties" xmlns:xsi="http://www.w3.org/2001/XMLSchema-instance" xmlns:pc="http://schemas.microsoft.com/office/infopath/2007/PartnerControls">
-  <documentManagement>
-    <_ip_UnifiedCompliancePolicyUIAction xmlns="http://schemas.microsoft.com/sharepoint/v3" xsi:nil="true"/>
-    <IconOverlay xmlns="http://schemas.microsoft.com/sharepoint/v4" xsi:nil="true"/>
-    <_ip_UnifiedCompliancePolicyProperties xmlns="http://schemas.microsoft.com/sharepoint/v3" xsi:nil="true"/>
-  </documentManagement>
-</p:properties>
-</file>
-
-<file path=customXml/item4.xml><?xml version="1.0" encoding="utf-8"?>
 <ct:contentTypeSchema xmlns:ct="http://schemas.microsoft.com/office/2006/metadata/contentType" xmlns:ma="http://schemas.microsoft.com/office/2006/metadata/properties/metaAttributes" ct:_="" ma:_="" ma:contentTypeName="Document" ma:contentTypeID="0x010100F5F187B9059DF945B25AB5B2F3BA0895" ma:contentTypeVersion="14" ma:contentTypeDescription="Create a new document." ma:contentTypeScope="" ma:versionID="be2c86c74b3bb227d6f27514678f23d5">
   <xsd:schema xmlns:xsd="http://www.w3.org/2001/XMLSchema" xmlns:xs="http://www.w3.org/2001/XMLSchema" xmlns:p="http://schemas.microsoft.com/office/2006/metadata/properties" xmlns:ns1="http://schemas.microsoft.com/sharepoint/v3" xmlns:ns2="af610f50-4aee-43ff-9d65-64420adb70d2" xmlns:ns3="http://schemas.microsoft.com/sharepoint/v4" xmlns:ns4="15c98cf3-0896-4040-874f-f436925621df" targetNamespace="http://schemas.microsoft.com/office/2006/metadata/properties" ma:root="true" ma:fieldsID="94136e9e548b6d3962354304dc946cac" ns1:_="" ns2:_="" ns3:_="" ns4:_="">
     <xsd:import namespace="http://schemas.microsoft.com/sharepoint/v3"/>
@@ -39283,34 +39268,35 @@
 </ct:contentTypeSchema>
 </file>
 
-<file path=customXml/itemProps1.xml><?xml version="1.0" encoding="utf-8"?>
-<ds:datastoreItem xmlns:ds="http://schemas.openxmlformats.org/officeDocument/2006/customXml" ds:itemID="{E37CEF67-DE3E-432B-9E16-FF411AFDFA38}">
-  <ds:schemaRefs>
-    <ds:schemaRef ds:uri="http://schemas.microsoft.com/sharepoint/v3/contenttype/forms"/>
-  </ds:schemaRefs>
-</ds:datastoreItem>
+<file path=customXml/item2.xml><?xml version="1.0" encoding="utf-8"?>
+<p:properties xmlns:p="http://schemas.microsoft.com/office/2006/metadata/properties" xmlns:xsi="http://www.w3.org/2001/XMLSchema-instance" xmlns:pc="http://schemas.microsoft.com/office/infopath/2007/PartnerControls">
+  <documentManagement>
+    <_ip_UnifiedCompliancePolicyUIAction xmlns="http://schemas.microsoft.com/sharepoint/v3" xsi:nil="true"/>
+    <IconOverlay xmlns="http://schemas.microsoft.com/sharepoint/v4" xsi:nil="true"/>
+    <_ip_UnifiedCompliancePolicyProperties xmlns="http://schemas.microsoft.com/sharepoint/v3" xsi:nil="true"/>
+  </documentManagement>
+</p:properties>
 </file>
 
-<file path=customXml/itemProps2.xml><?xml version="1.0" encoding="utf-8"?>
-<ds:datastoreItem xmlns:ds="http://schemas.openxmlformats.org/officeDocument/2006/customXml" ds:itemID="{89C46102-D426-4E73-8F6F-5286B23D2EEB}">
-  <ds:schemaRefs>
-    <ds:schemaRef ds:uri="http://schemas.microsoft.com/sharepoint/v3/contenttype/forms"/>
-  </ds:schemaRefs>
-</ds:datastoreItem>
+<file path=customXml/item3.xml><?xml version="1.0" encoding="utf-8"?>
+<?mso-contentType ?>
+<FormTemplates xmlns="http://schemas.microsoft.com/sharepoint/v3/contenttype/forms">
+  <Display>DocumentLibraryForm</Display>
+  <Edit>DocumentLibraryForm</Edit>
+  <New>DocumentLibraryForm</New>
+</FormTemplates>
 </file>
 
-<file path=customXml/itemProps3.xml><?xml version="1.0" encoding="utf-8"?>
-<ds:datastoreItem xmlns:ds="http://schemas.openxmlformats.org/officeDocument/2006/customXml" ds:itemID="{C66C01A9-0361-4788-ABEE-257A7848F8D9}">
-  <ds:schemaRefs>
-    <ds:schemaRef ds:uri="http://schemas.microsoft.com/office/2006/metadata/properties"/>
-    <ds:schemaRef ds:uri="http://schemas.microsoft.com/office/infopath/2007/PartnerControls"/>
-    <ds:schemaRef ds:uri="http://schemas.microsoft.com/sharepoint/v3"/>
-    <ds:schemaRef ds:uri="http://schemas.microsoft.com/sharepoint/v4"/>
-  </ds:schemaRefs>
-</ds:datastoreItem>
+<file path=customXml/item4.xml><?xml version="1.0" encoding="utf-8"?>
+<?mso-contentType ?>
+<FormTemplates xmlns="http://schemas.microsoft.com/sharepoint/v3/contenttype/forms">
+  <Display>DocumentLibraryForm</Display>
+  <Edit>DocumentLibraryForm</Edit>
+  <New>DocumentLibraryForm</New>
+</FormTemplates>
 </file>
 
-<file path=customXml/itemProps4.xml><?xml version="1.0" encoding="utf-8"?>
+<file path=customXml/itemProps1.xml><?xml version="1.0" encoding="utf-8"?>
 <ds:datastoreItem xmlns:ds="http://schemas.openxmlformats.org/officeDocument/2006/customXml" ds:itemID="{30BD28E6-9582-48F2-A1BB-45FE2A6D90A2}">
   <ds:schemaRefs>
     <ds:schemaRef ds:uri="http://schemas.microsoft.com/office/2006/metadata/contentType"/>
@@ -39329,4 +39315,31 @@
     <ds:schemaRef ds:uri="http://schemas.microsoft.com/internal/obd"/>
   </ds:schemaRefs>
 </ds:datastoreItem>
+</file>
+
+<file path=customXml/itemProps2.xml><?xml version="1.0" encoding="utf-8"?>
+<ds:datastoreItem xmlns:ds="http://schemas.openxmlformats.org/officeDocument/2006/customXml" ds:itemID="{C66C01A9-0361-4788-ABEE-257A7848F8D9}">
+  <ds:schemaRefs>
+    <ds:schemaRef ds:uri="http://schemas.microsoft.com/office/2006/metadata/properties"/>
+    <ds:schemaRef ds:uri="http://schemas.microsoft.com/office/infopath/2007/PartnerControls"/>
+    <ds:schemaRef ds:uri="http://schemas.microsoft.com/sharepoint/v3"/>
+    <ds:schemaRef ds:uri="http://schemas.microsoft.com/sharepoint/v4"/>
+  </ds:schemaRefs>
+</ds:datastoreItem>
+</file>
+
+<file path=customXml/itemProps3.xml><?xml version="1.0" encoding="utf-8"?>
+<ds:datastoreItem xmlns:ds="http://schemas.openxmlformats.org/officeDocument/2006/customXml" ds:itemID="{89C46102-D426-4E73-8F6F-5286B23D2EEB}">
+  <ds:schemaRefs>
+    <ds:schemaRef ds:uri="http://schemas.microsoft.com/sharepoint/v3/contenttype/forms"/>
+  </ds:schemaRefs>
+</ds:datastoreItem>
+</file>
+
+<file path=customXml/itemProps4.xml><?xml version="1.0" encoding="utf-8"?>
+<ds:datastoreItem xmlns:ds="http://schemas.openxmlformats.org/officeDocument/2006/customXml" ds:itemID="{E37CEF67-DE3E-432B-9E16-FF411AFDFA38}">
+  <ds:schemaRefs>
+    <ds:schemaRef ds:uri="http://schemas.microsoft.com/sharepoint/v3/contenttype/forms"/>
+  </ds:schemaRefs>
+</ds:datastoreItem>
 </file>
--- a/src/azure/architecting-microsoft-azure-solutions.pptx
+++ b/src/azure/architecting-microsoft-azure-solutions.pptx
@@ -124,14 +124,6 @@
 </p:cmAuthorLst>
 </file>
 
-<file path=ppt/revisionInfo.xml><?xml version="1.0" encoding="utf-8"?>
-<p1510:revInfo xmlns:a="http://schemas.openxmlformats.org/drawingml/2006/main" xmlns:r="http://schemas.openxmlformats.org/officeDocument/2006/relationships" xmlns:p1510="http://schemas.microsoft.com/office/powerpoint/2015/10/main">
-  <p1510:revLst>
-    <p1510:client id="{91EC4AA3-DD00-44DC-A9B8-0A8AD6262E8D}" v="11099" dt="2018-10-18T01:06:07.951"/>
-  </p1510:revLst>
-</p1510:revInfo>
-</file>
-
 <file path=ppt/notesMasters/notesMaster1.xml><?xml version="1.0" encoding="utf-8"?>
 <p:notesMaster xmlns:a="http://schemas.openxmlformats.org/drawingml/2006/main" xmlns:r="http://schemas.openxmlformats.org/officeDocument/2006/relationships" xmlns:p="http://schemas.openxmlformats.org/presentationml/2006/main">
   <p:cSld>
@@ -214,7 +206,7 @@
           <a:p>
             <a:fld id="{2F4766DD-CA99-4D5F-A9B2-EF5EF0A37C93}" type="datetimeFigureOut">
               <a:rPr lang="en-CA" smtClean="0"/>
-              <a:t>2018-10-21</a:t>
+              <a:t>2018-11-16</a:t>
             </a:fld>
             <a:endParaRPr lang="en-CA"/>
           </a:p>
@@ -566,7 +558,7 @@
           <a:p>
             <a:fld id="{D18B56EA-E28F-4F92-9F16-7A6F2501B303}" type="datetime8">
               <a:rPr lang="en-US" smtClean="0"/>
-              <a:t>10/21/2018 2:05 PM</a:t>
+              <a:t>11/16/2018 2:26 PM</a:t>
             </a:fld>
             <a:endParaRPr lang="en-US" dirty="0"/>
           </a:p>
@@ -5509,7 +5501,7 @@
           <a:p>
             <a:fld id="{ED6EB527-6926-47A2-AB35-8907638AD74C}" type="datetimeFigureOut">
               <a:rPr lang="en-CA" smtClean="0"/>
-              <a:t>2018-10-21</a:t>
+              <a:t>2018-11-16</a:t>
             </a:fld>
             <a:endParaRPr lang="en-CA"/>
           </a:p>
@@ -7179,21 +7171,8 @@
             </a:pPr>
             <a:r>
               <a:rPr lang="en-CA" sz="4209" dirty="0"/>
-              <a:t>They need to leave with a positive feeling that there is a visual quick reference guide </a:t>
+              <a:t>They need to leave with a positive feeling that there is a visual quick reference guide for studies, solution design, and quick reference.</a:t>
             </a:r>
-            <a:r>
-              <a:rPr lang="en-CA" sz="4209"/>
-              <a:t>for studies, </a:t>
-            </a:r>
-            <a:r>
-              <a:rPr lang="en-CA" sz="4209" dirty="0"/>
-              <a:t>solution design, and </a:t>
-            </a:r>
-            <a:r>
-              <a:rPr lang="en-CA" sz="4209"/>
-              <a:t>quick reference.</a:t>
-            </a:r>
-            <a:endParaRPr lang="en-CA" sz="4209" dirty="0"/>
           </a:p>
           <a:p>
             <a:pPr lvl="1">
@@ -17842,7 +17821,7 @@
                   <a:ea typeface="Segoe UI" pitchFamily="34" charset="0"/>
                   <a:cs typeface="Segoe UI" pitchFamily="34" charset="0"/>
                 </a:rPr>
-                <a:t>Infrastructure as a Service (IaaS)c</a:t>
+                <a:t>Infrastructure as a Service (IaaS)</a:t>
               </a:r>
             </a:p>
           </p:txBody>
@@ -23622,294 +23601,6 @@
             </p:txBody>
           </p:sp>
         </p:grpSp>
-      </p:grpSp>
-      <p:grpSp>
-        <p:nvGrpSpPr>
-          <p:cNvPr id="145" name="Group 144">
-            <a:extLst>
-              <a:ext uri="{FF2B5EF4-FFF2-40B4-BE49-F238E27FC236}">
-                <a16:creationId xmlns:a16="http://schemas.microsoft.com/office/drawing/2014/main" id="{349C199E-4579-40B0-9665-05DD82AF49FA}"/>
-              </a:ext>
-            </a:extLst>
-          </p:cNvPr>
-          <p:cNvGrpSpPr/>
-          <p:nvPr/>
-        </p:nvGrpSpPr>
-        <p:grpSpPr>
-          <a:xfrm>
-            <a:off x="14814404" y="5357311"/>
-            <a:ext cx="6164046" cy="704678"/>
-            <a:chOff x="1409999" y="881288"/>
-            <a:chExt cx="2986571" cy="704678"/>
-          </a:xfrm>
-        </p:grpSpPr>
-        <p:sp>
-          <p:nvSpPr>
-            <p:cNvPr id="146" name="Rectangle: Rounded Corners 145">
-              <a:extLst>
-                <a:ext uri="{FF2B5EF4-FFF2-40B4-BE49-F238E27FC236}">
-                  <a16:creationId xmlns:a16="http://schemas.microsoft.com/office/drawing/2014/main" id="{EB4367C0-3788-4873-AB47-3348DEBE0565}"/>
-                </a:ext>
-              </a:extLst>
-            </p:cNvPr>
-            <p:cNvSpPr/>
-            <p:nvPr/>
-          </p:nvSpPr>
-          <p:spPr bwMode="auto">
-            <a:xfrm>
-              <a:off x="1409999" y="881288"/>
-              <a:ext cx="2986571" cy="419904"/>
-            </a:xfrm>
-            <a:prstGeom prst="roundRect">
-              <a:avLst/>
-            </a:prstGeom>
-            <a:solidFill>
-              <a:schemeClr val="accent5">
-                <a:lumMod val="75000"/>
-              </a:schemeClr>
-            </a:solidFill>
-            <a:ln>
-              <a:solidFill>
-                <a:schemeClr val="accent5">
-                  <a:lumMod val="75000"/>
-                </a:schemeClr>
-              </a:solidFill>
-              <a:headEnd type="none" w="med" len="med"/>
-              <a:tailEnd type="none" w="med" len="med"/>
-            </a:ln>
-            <a:effectLst/>
-          </p:spPr>
-          <p:style>
-            <a:lnRef idx="1">
-              <a:schemeClr val="accent2"/>
-            </a:lnRef>
-            <a:fillRef idx="3">
-              <a:schemeClr val="accent2"/>
-            </a:fillRef>
-            <a:effectRef idx="2">
-              <a:schemeClr val="accent2"/>
-            </a:effectRef>
-            <a:fontRef idx="minor">
-              <a:schemeClr val="lt1"/>
-            </a:fontRef>
-          </p:style>
-          <p:txBody>
-            <a:bodyPr rot="0" spcFirstLastPara="0" vertOverflow="overflow" horzOverflow="overflow" vert="horz" wrap="square" lIns="0" tIns="0" rIns="0" bIns="0" numCol="1" spcCol="0" rtlCol="0" fromWordArt="0" anchor="ctr" anchorCtr="0" forceAA="0" compatLnSpc="1">
-              <a:prstTxWarp prst="textNoShape">
-                <a:avLst/>
-              </a:prstTxWarp>
-              <a:noAutofit/>
-            </a:bodyPr>
-            <a:lstStyle/>
-            <a:p>
-              <a:pPr algn="ctr" defTabSz="932472" fontAlgn="base">
-                <a:lnSpc>
-                  <a:spcPct val="90000"/>
-                </a:lnSpc>
-                <a:spcBef>
-                  <a:spcPct val="0"/>
-                </a:spcBef>
-                <a:spcAft>
-                  <a:spcPct val="0"/>
-                </a:spcAft>
-              </a:pPr>
-              <a:r>
-                <a:rPr lang="en-CA" sz="1600" dirty="0">
-                  <a:gradFill>
-                    <a:gsLst>
-                      <a:gs pos="0">
-                        <a:srgbClr val="FFFFFF"/>
-                      </a:gs>
-                      <a:gs pos="100000">
-                        <a:srgbClr val="FFFFFF"/>
-                      </a:gs>
-                    </a:gsLst>
-                    <a:lin ang="5400000" scaled="0"/>
-                  </a:gradFill>
-                  <a:ea typeface="Segoe UI" pitchFamily="34" charset="0"/>
-                  <a:cs typeface="Segoe UI" pitchFamily="34" charset="0"/>
-                </a:rPr>
-                <a:t>IoT Hub vs Event Hub</a:t>
-              </a:r>
-            </a:p>
-          </p:txBody>
-        </p:sp>
-        <p:sp>
-          <p:nvSpPr>
-            <p:cNvPr id="147" name="Rectangle 146">
-              <a:extLst>
-                <a:ext uri="{FF2B5EF4-FFF2-40B4-BE49-F238E27FC236}">
-                  <a16:creationId xmlns:a16="http://schemas.microsoft.com/office/drawing/2014/main" id="{D2BB9DAE-23BC-4832-95D4-E9C273980D7A}"/>
-                </a:ext>
-              </a:extLst>
-            </p:cNvPr>
-            <p:cNvSpPr/>
-            <p:nvPr/>
-          </p:nvSpPr>
-          <p:spPr bwMode="auto">
-            <a:xfrm>
-              <a:off x="1410000" y="1237887"/>
-              <a:ext cx="2986570" cy="348079"/>
-            </a:xfrm>
-            <a:prstGeom prst="rect">
-              <a:avLst/>
-            </a:prstGeom>
-            <a:solidFill>
-              <a:schemeClr val="tx1"/>
-            </a:solidFill>
-            <a:ln>
-              <a:solidFill>
-                <a:schemeClr val="accent5">
-                  <a:lumMod val="75000"/>
-                </a:schemeClr>
-              </a:solidFill>
-              <a:headEnd type="none" w="med" len="med"/>
-              <a:tailEnd type="none" w="med" len="med"/>
-            </a:ln>
-            <a:effectLst/>
-          </p:spPr>
-          <p:style>
-            <a:lnRef idx="1">
-              <a:schemeClr val="accent2"/>
-            </a:lnRef>
-            <a:fillRef idx="3">
-              <a:schemeClr val="accent2"/>
-            </a:fillRef>
-            <a:effectRef idx="2">
-              <a:schemeClr val="accent2"/>
-            </a:effectRef>
-            <a:fontRef idx="minor">
-              <a:schemeClr val="lt1"/>
-            </a:fontRef>
-          </p:style>
-          <p:txBody>
-            <a:bodyPr rot="0" spcFirstLastPara="0" vertOverflow="overflow" horzOverflow="overflow" vert="horz" wrap="square" lIns="36000" tIns="72000" rIns="36000" bIns="0" numCol="1" spcCol="0" rtlCol="0" fromWordArt="0" anchor="ctr" anchorCtr="0" forceAA="0" compatLnSpc="1">
-              <a:prstTxWarp prst="textNoShape">
-                <a:avLst/>
-              </a:prstTxWarp>
-              <a:noAutofit/>
-            </a:bodyPr>
-            <a:lstStyle/>
-            <a:p>
-              <a:pPr defTabSz="932472" fontAlgn="base">
-                <a:lnSpc>
-                  <a:spcPct val="90000"/>
-                </a:lnSpc>
-                <a:spcBef>
-                  <a:spcPct val="0"/>
-                </a:spcBef>
-                <a:spcAft>
-                  <a:spcPct val="0"/>
-                </a:spcAft>
-              </a:pPr>
-              <a:r>
-                <a:rPr lang="en-CA" sz="900" b="1" dirty="0">
-                  <a:solidFill>
-                    <a:srgbClr val="0070C0"/>
-                  </a:solidFill>
-                  <a:ea typeface="Segoe UI" pitchFamily="34" charset="0"/>
-                  <a:cs typeface="Segoe UI" pitchFamily="34" charset="0"/>
-                </a:rPr>
-                <a:t>IoT Hub – </a:t>
-              </a:r>
-              <a:r>
-                <a:rPr lang="en-CA" sz="800" dirty="0">
-                  <a:solidFill>
-                    <a:srgbClr val="0070C0"/>
-                  </a:solidFill>
-                  <a:cs typeface="Segoe UI" pitchFamily="34" charset="0"/>
-                </a:rPr>
-                <a:t>Two-way communication Azure </a:t>
-              </a:r>
-              <a:r>
-                <a:rPr lang="en-CA" sz="800" dirty="0">
-                  <a:solidFill>
-                    <a:srgbClr val="0070C0"/>
-                  </a:solidFill>
-                  <a:cs typeface="Segoe UI" pitchFamily="34" charset="0"/>
-                  <a:sym typeface="Wingdings" panose="05000000000000000000" pitchFamily="2" charset="2"/>
-                </a:rPr>
-                <a:t> Devices</a:t>
-              </a:r>
-              <a:endParaRPr lang="en-CA" sz="800" dirty="0">
-                <a:solidFill>
-                  <a:srgbClr val="0070C0"/>
-                </a:solidFill>
-                <a:cs typeface="Segoe UI" pitchFamily="34" charset="0"/>
-              </a:endParaRPr>
-            </a:p>
-            <a:p>
-              <a:pPr marL="176212" lvl="1" algn="r" defTabSz="932472" fontAlgn="base">
-                <a:lnSpc>
-                  <a:spcPct val="90000"/>
-                </a:lnSpc>
-                <a:spcBef>
-                  <a:spcPct val="0"/>
-                </a:spcBef>
-                <a:spcAft>
-                  <a:spcPct val="0"/>
-                </a:spcAft>
-              </a:pPr>
-              <a:r>
-                <a:rPr lang="en-CA" sz="800" dirty="0">
-                  <a:solidFill>
-                    <a:srgbClr val="0070C0"/>
-                  </a:solidFill>
-                  <a:cs typeface="Segoe UI" pitchFamily="34" charset="0"/>
-                </a:rPr>
-                <a:t>Cost effective data ingest, on-way communication from Devices </a:t>
-              </a:r>
-              <a:r>
-                <a:rPr lang="en-CA" sz="800" dirty="0">
-                  <a:solidFill>
-                    <a:srgbClr val="0070C0"/>
-                  </a:solidFill>
-                  <a:cs typeface="Segoe UI" pitchFamily="34" charset="0"/>
-                  <a:sym typeface="Wingdings" panose="05000000000000000000" pitchFamily="2" charset="2"/>
-                </a:rPr>
-                <a:t> Azure</a:t>
-              </a:r>
-              <a:r>
-                <a:rPr lang="en-CA" sz="800" dirty="0">
-                  <a:solidFill>
-                    <a:srgbClr val="0070C0"/>
-                  </a:solidFill>
-                  <a:cs typeface="Segoe UI" pitchFamily="34" charset="0"/>
-                </a:rPr>
-                <a:t> - </a:t>
-              </a:r>
-              <a:r>
-                <a:rPr lang="en-CA" sz="800" b="1" dirty="0">
-                  <a:solidFill>
-                    <a:srgbClr val="0070C0"/>
-                  </a:solidFill>
-                  <a:ea typeface="Segoe UI" pitchFamily="34" charset="0"/>
-                  <a:cs typeface="Segoe UI" pitchFamily="34" charset="0"/>
-                </a:rPr>
-                <a:t>Service Bus</a:t>
-              </a:r>
-            </a:p>
-            <a:p>
-              <a:pPr marL="176212" lvl="1" algn="r" defTabSz="932472" fontAlgn="base">
-                <a:lnSpc>
-                  <a:spcPct val="90000"/>
-                </a:lnSpc>
-                <a:spcBef>
-                  <a:spcPct val="0"/>
-                </a:spcBef>
-                <a:spcAft>
-                  <a:spcPct val="0"/>
-                </a:spcAft>
-              </a:pPr>
-              <a:endParaRPr lang="en-CA" sz="800" dirty="0">
-                <a:solidFill>
-                  <a:srgbClr val="0070C0"/>
-                </a:solidFill>
-                <a:cs typeface="Segoe UI" pitchFamily="34" charset="0"/>
-              </a:endParaRPr>
-            </a:p>
-          </p:txBody>
-        </p:sp>
       </p:grpSp>
     </p:spTree>
     <p:extLst>
@@ -39320,10 +39011,18 @@
 <file path=customXml/itemProps2.xml><?xml version="1.0" encoding="utf-8"?>
 <ds:datastoreItem xmlns:ds="http://schemas.openxmlformats.org/officeDocument/2006/customXml" ds:itemID="{C66C01A9-0361-4788-ABEE-257A7848F8D9}">
   <ds:schemaRefs>
+    <ds:schemaRef ds:uri="http://schemas.microsoft.com/office/2006/documentManagement/types"/>
     <ds:schemaRef ds:uri="http://schemas.microsoft.com/office/2006/metadata/properties"/>
+    <ds:schemaRef ds:uri="http://purl.org/dc/elements/1.1/"/>
+    <ds:schemaRef ds:uri="http://schemas.microsoft.com/sharepoint/v4"/>
     <ds:schemaRef ds:uri="http://schemas.microsoft.com/office/infopath/2007/PartnerControls"/>
+    <ds:schemaRef ds:uri="http://schemas.openxmlformats.org/package/2006/metadata/core-properties"/>
+    <ds:schemaRef ds:uri="15c98cf3-0896-4040-874f-f436925621df"/>
+    <ds:schemaRef ds:uri="http://www.w3.org/XML/1998/namespace"/>
+    <ds:schemaRef ds:uri="http://purl.org/dc/terms/"/>
+    <ds:schemaRef ds:uri="af610f50-4aee-43ff-9d65-64420adb70d2"/>
     <ds:schemaRef ds:uri="http://schemas.microsoft.com/sharepoint/v3"/>
-    <ds:schemaRef ds:uri="http://schemas.microsoft.com/sharepoint/v4"/>
+    <ds:schemaRef ds:uri="http://purl.org/dc/dcmitype/"/>
   </ds:schemaRefs>
 </ds:datastoreItem>
 </file>
